--- a/SS2017_Git_2017-04-27_Nina-Stodolka_Johannes-Struzek.pptx
+++ b/SS2017_Git_2017-04-27_Nina-Stodolka_Johannes-Struzek.pptx
@@ -13150,11 +13150,7 @@
             </a:r>
             <a:r>
               <a:rPr lang="de-DE" smtClean="0"/>
-              <a:t>durch </a:t>
-            </a:r>
-            <a:r>
-              <a:rPr lang="de-DE" smtClean="0"/>
-              <a:t>Linus </a:t>
+              <a:t>durch Linus </a:t>
             </a:r>
             <a:r>
               <a:rPr lang="de-DE" dirty="0" err="1" smtClean="0"/>
@@ -27958,7 +27954,15 @@
             </a:pPr>
             <a:r>
               <a:rPr lang="de-DE" dirty="0" smtClean="0"/>
-              <a:t>Vor Integration: Durchlaufen von definierten Tests, bspw. Statischen Code-Überprüfungen -&gt; automatisierte Übersetzung notwendig</a:t>
+              <a:t>Vor Integration: Durchlaufen von definierten Tests, bspw. </a:t>
+            </a:r>
+            <a:r>
+              <a:rPr lang="de-DE" dirty="0" smtClean="0"/>
+              <a:t>statische </a:t>
+            </a:r>
+            <a:r>
+              <a:rPr lang="de-DE" dirty="0" smtClean="0"/>
+              <a:t>Code-Überprüfungen -&gt; automatisierte Übersetzung notwendig</a:t>
             </a:r>
           </a:p>
           <a:p>
@@ -31387,7 +31391,19 @@
             </a:pPr>
             <a:r>
               <a:rPr lang="de-DE" dirty="0" smtClean="0"/>
-              <a:t>Bspw. 1 Mal täglich mindestens</a:t>
+              <a:t>Bspw. </a:t>
+            </a:r>
+            <a:r>
+              <a:rPr lang="de-DE" dirty="0"/>
+              <a:t>mindestens 1 </a:t>
+            </a:r>
+            <a:r>
+              <a:rPr lang="de-DE" smtClean="0"/>
+              <a:t>Mal </a:t>
+            </a:r>
+            <a:r>
+              <a:rPr lang="de-DE" smtClean="0"/>
+              <a:t>täglich</a:t>
             </a:r>
             <a:endParaRPr lang="de-DE" dirty="0"/>
           </a:p>

--- a/SS2017_Git_2017-04-27_Nina-Stodolka_Johannes-Struzek.pptx
+++ b/SS2017_Git_2017-04-27_Nina-Stodolka_Johannes-Struzek.pptx
@@ -1104,7 +1104,7 @@
         <a:lstStyle/>
         <a:p>
           <a:r>
-            <a:rPr lang="de-DE" dirty="0" err="1" smtClean="0"/>
+            <a:rPr lang="de-DE" dirty="0" err="1"/>
             <a:t>Clone</a:t>
           </a:r>
           <a:endParaRPr lang="de-DE" dirty="0"/>
@@ -1141,10 +1141,9 @@
         <a:lstStyle/>
         <a:p>
           <a:r>
-            <a:rPr lang="de-DE" dirty="0" smtClean="0"/>
+            <a:rPr lang="de-DE" dirty="0"/>
             <a:t>Commit</a:t>
           </a:r>
-          <a:endParaRPr lang="de-DE" dirty="0"/>
         </a:p>
       </dgm:t>
     </dgm:pt>
@@ -1178,10 +1177,9 @@
         <a:lstStyle/>
         <a:p>
           <a:r>
-            <a:rPr lang="de-DE" dirty="0" smtClean="0"/>
+            <a:rPr lang="de-DE" dirty="0"/>
             <a:t>Push</a:t>
           </a:r>
-          <a:endParaRPr lang="de-DE" dirty="0"/>
         </a:p>
       </dgm:t>
     </dgm:pt>
@@ -1215,10 +1213,9 @@
         <a:lstStyle/>
         <a:p>
           <a:r>
-            <a:rPr lang="de-DE" dirty="0" smtClean="0"/>
+            <a:rPr lang="de-DE" dirty="0"/>
             <a:t>Pull </a:t>
           </a:r>
-          <a:endParaRPr lang="de-DE" dirty="0"/>
         </a:p>
       </dgm:t>
     </dgm:pt>
@@ -1260,35 +1257,14 @@
         </dgm:presLayoutVars>
       </dgm:prSet>
       <dgm:spPr/>
-      <dgm:t>
-        <a:bodyPr/>
-        <a:lstStyle/>
-        <a:p>
-          <a:endParaRPr lang="de-DE"/>
-        </a:p>
-      </dgm:t>
     </dgm:pt>
     <dgm:pt modelId="{A48F5A5F-34D0-4559-BAC7-7C309FF557E1}" type="pres">
       <dgm:prSet presAssocID="{66778E1C-0207-4937-B182-B4F50CEBC52E}" presName="sibTrans" presStyleLbl="sibTrans2D1" presStyleIdx="0" presStyleCnt="3"/>
       <dgm:spPr/>
-      <dgm:t>
-        <a:bodyPr/>
-        <a:lstStyle/>
-        <a:p>
-          <a:endParaRPr lang="de-DE"/>
-        </a:p>
-      </dgm:t>
     </dgm:pt>
     <dgm:pt modelId="{93040D04-E660-46DF-861F-60548A484908}" type="pres">
       <dgm:prSet presAssocID="{66778E1C-0207-4937-B182-B4F50CEBC52E}" presName="connectorText" presStyleLbl="sibTrans2D1" presStyleIdx="0" presStyleCnt="3"/>
       <dgm:spPr/>
-      <dgm:t>
-        <a:bodyPr/>
-        <a:lstStyle/>
-        <a:p>
-          <a:endParaRPr lang="de-DE"/>
-        </a:p>
-      </dgm:t>
     </dgm:pt>
     <dgm:pt modelId="{AD9DCF4C-0605-46C4-85C9-93C342559E76}" type="pres">
       <dgm:prSet presAssocID="{A97BF677-9A0D-4095-8658-6FD978AA76F9}" presName="node" presStyleLbl="node1" presStyleIdx="1" presStyleCnt="4">
@@ -1297,35 +1273,14 @@
         </dgm:presLayoutVars>
       </dgm:prSet>
       <dgm:spPr/>
-      <dgm:t>
-        <a:bodyPr/>
-        <a:lstStyle/>
-        <a:p>
-          <a:endParaRPr lang="de-DE"/>
-        </a:p>
-      </dgm:t>
     </dgm:pt>
     <dgm:pt modelId="{9D251249-FB11-4901-92B0-6A52F131753F}" type="pres">
       <dgm:prSet presAssocID="{E27975C7-9319-40C3-97C6-AD5EA11B5570}" presName="sibTrans" presStyleLbl="sibTrans2D1" presStyleIdx="1" presStyleCnt="3"/>
       <dgm:spPr/>
-      <dgm:t>
-        <a:bodyPr/>
-        <a:lstStyle/>
-        <a:p>
-          <a:endParaRPr lang="de-DE"/>
-        </a:p>
-      </dgm:t>
     </dgm:pt>
     <dgm:pt modelId="{17CB7634-163B-4DD4-86A3-AA40DCA91AEE}" type="pres">
       <dgm:prSet presAssocID="{E27975C7-9319-40C3-97C6-AD5EA11B5570}" presName="connectorText" presStyleLbl="sibTrans2D1" presStyleIdx="1" presStyleCnt="3"/>
       <dgm:spPr/>
-      <dgm:t>
-        <a:bodyPr/>
-        <a:lstStyle/>
-        <a:p>
-          <a:endParaRPr lang="de-DE"/>
-        </a:p>
-      </dgm:t>
     </dgm:pt>
     <dgm:pt modelId="{70EE9B54-86A5-444C-8714-E159858EC775}" type="pres">
       <dgm:prSet presAssocID="{1C744182-69A4-4F09-AFE6-E71A24FE20EE}" presName="node" presStyleLbl="node1" presStyleIdx="2" presStyleCnt="4">
@@ -1334,35 +1289,14 @@
         </dgm:presLayoutVars>
       </dgm:prSet>
       <dgm:spPr/>
-      <dgm:t>
-        <a:bodyPr/>
-        <a:lstStyle/>
-        <a:p>
-          <a:endParaRPr lang="de-DE"/>
-        </a:p>
-      </dgm:t>
     </dgm:pt>
     <dgm:pt modelId="{BD4DA370-4A8D-42FD-8D2C-CBBB72C7B924}" type="pres">
       <dgm:prSet presAssocID="{4DF1265E-8E75-4C7C-823D-6F9D8D384AAE}" presName="sibTrans" presStyleLbl="sibTrans2D1" presStyleIdx="2" presStyleCnt="3"/>
       <dgm:spPr/>
-      <dgm:t>
-        <a:bodyPr/>
-        <a:lstStyle/>
-        <a:p>
-          <a:endParaRPr lang="de-DE"/>
-        </a:p>
-      </dgm:t>
     </dgm:pt>
     <dgm:pt modelId="{AD50940B-C7B9-4F3A-A676-E24DD9C42A1F}" type="pres">
       <dgm:prSet presAssocID="{4DF1265E-8E75-4C7C-823D-6F9D8D384AAE}" presName="connectorText" presStyleLbl="sibTrans2D1" presStyleIdx="2" presStyleCnt="3"/>
       <dgm:spPr/>
-      <dgm:t>
-        <a:bodyPr/>
-        <a:lstStyle/>
-        <a:p>
-          <a:endParaRPr lang="de-DE"/>
-        </a:p>
-      </dgm:t>
     </dgm:pt>
     <dgm:pt modelId="{DA3328A8-C5B9-45AD-9E20-082A0FF5549E}" type="pres">
       <dgm:prSet presAssocID="{4323A572-9F10-4943-9BA9-E9E6C3E82388}" presName="node" presStyleLbl="node1" presStyleIdx="3" presStyleCnt="4">
@@ -1371,13 +1305,6 @@
         </dgm:presLayoutVars>
       </dgm:prSet>
       <dgm:spPr/>
-      <dgm:t>
-        <a:bodyPr/>
-        <a:lstStyle/>
-        <a:p>
-          <a:endParaRPr lang="de-DE"/>
-        </a:p>
-      </dgm:t>
     </dgm:pt>
   </dgm:ptLst>
   <dgm:cxnLst>
@@ -1425,6 +1352,530 @@
       <dsp:cNvGrpSpPr/>
     </dsp:nvGrpSpPr>
     <dsp:grpSpPr/>
+    <dsp:sp modelId="{709AF982-B7B1-45BE-90BC-38F157C5AE93}">
+      <dsp:nvSpPr>
+        <dsp:cNvPr id="0" name=""/>
+        <dsp:cNvSpPr/>
+      </dsp:nvSpPr>
+      <dsp:spPr>
+        <a:xfrm>
+          <a:off x="2510" y="866754"/>
+          <a:ext cx="1097552" cy="658531"/>
+        </a:xfrm>
+        <a:prstGeom prst="roundRect">
+          <a:avLst>
+            <a:gd name="adj" fmla="val 10000"/>
+          </a:avLst>
+        </a:prstGeom>
+        <a:solidFill>
+          <a:schemeClr val="accent2">
+            <a:hueOff val="0"/>
+            <a:satOff val="0"/>
+            <a:lumOff val="0"/>
+            <a:alphaOff val="0"/>
+          </a:schemeClr>
+        </a:solidFill>
+        <a:ln w="25400" cap="flat" cmpd="sng" algn="ctr">
+          <a:solidFill>
+            <a:schemeClr val="lt1">
+              <a:hueOff val="0"/>
+              <a:satOff val="0"/>
+              <a:lumOff val="0"/>
+              <a:alphaOff val="0"/>
+            </a:schemeClr>
+          </a:solidFill>
+          <a:prstDash val="solid"/>
+        </a:ln>
+        <a:effectLst/>
+      </dsp:spPr>
+      <dsp:style>
+        <a:lnRef idx="2">
+          <a:scrgbClr r="0" g="0" b="0"/>
+        </a:lnRef>
+        <a:fillRef idx="1">
+          <a:scrgbClr r="0" g="0" b="0"/>
+        </a:fillRef>
+        <a:effectRef idx="0">
+          <a:scrgbClr r="0" g="0" b="0"/>
+        </a:effectRef>
+        <a:fontRef idx="minor">
+          <a:schemeClr val="lt1"/>
+        </a:fontRef>
+      </dsp:style>
+      <dsp:txBody>
+        <a:bodyPr spcFirstLastPara="0" vert="horz" wrap="square" lIns="80010" tIns="80010" rIns="80010" bIns="80010" numCol="1" spcCol="1270" anchor="ctr" anchorCtr="0">
+          <a:noAutofit/>
+        </a:bodyPr>
+        <a:lstStyle/>
+        <a:p>
+          <a:pPr marL="0" lvl="0" indent="0" algn="ctr" defTabSz="933450">
+            <a:lnSpc>
+              <a:spcPct val="90000"/>
+            </a:lnSpc>
+            <a:spcBef>
+              <a:spcPct val="0"/>
+            </a:spcBef>
+            <a:spcAft>
+              <a:spcPct val="35000"/>
+            </a:spcAft>
+            <a:buNone/>
+          </a:pPr>
+          <a:r>
+            <a:rPr lang="de-DE" sz="2100" kern="1200" dirty="0" err="1"/>
+            <a:t>Clone</a:t>
+          </a:r>
+          <a:endParaRPr lang="de-DE" sz="2100" kern="1200" dirty="0"/>
+        </a:p>
+      </dsp:txBody>
+      <dsp:txXfrm>
+        <a:off x="21798" y="886042"/>
+        <a:ext cx="1058976" cy="619955"/>
+      </dsp:txXfrm>
+    </dsp:sp>
+    <dsp:sp modelId="{A48F5A5F-34D0-4559-BAC7-7C309FF557E1}">
+      <dsp:nvSpPr>
+        <dsp:cNvPr id="0" name=""/>
+        <dsp:cNvSpPr/>
+      </dsp:nvSpPr>
+      <dsp:spPr>
+        <a:xfrm>
+          <a:off x="1209818" y="1059923"/>
+          <a:ext cx="232681" cy="272193"/>
+        </a:xfrm>
+        <a:prstGeom prst="rightArrow">
+          <a:avLst>
+            <a:gd name="adj1" fmla="val 60000"/>
+            <a:gd name="adj2" fmla="val 50000"/>
+          </a:avLst>
+        </a:prstGeom>
+        <a:solidFill>
+          <a:schemeClr val="accent2">
+            <a:hueOff val="0"/>
+            <a:satOff val="0"/>
+            <a:lumOff val="0"/>
+            <a:alphaOff val="0"/>
+          </a:schemeClr>
+        </a:solidFill>
+        <a:ln>
+          <a:noFill/>
+        </a:ln>
+        <a:effectLst/>
+      </dsp:spPr>
+      <dsp:style>
+        <a:lnRef idx="0">
+          <a:scrgbClr r="0" g="0" b="0"/>
+        </a:lnRef>
+        <a:fillRef idx="1">
+          <a:scrgbClr r="0" g="0" b="0"/>
+        </a:fillRef>
+        <a:effectRef idx="0">
+          <a:scrgbClr r="0" g="0" b="0"/>
+        </a:effectRef>
+        <a:fontRef idx="minor">
+          <a:schemeClr val="lt1"/>
+        </a:fontRef>
+      </dsp:style>
+      <dsp:txBody>
+        <a:bodyPr spcFirstLastPara="0" vert="horz" wrap="square" lIns="0" tIns="0" rIns="0" bIns="0" numCol="1" spcCol="1270" anchor="ctr" anchorCtr="0">
+          <a:noAutofit/>
+        </a:bodyPr>
+        <a:lstStyle/>
+        <a:p>
+          <a:pPr marL="0" lvl="0" indent="0" algn="ctr" defTabSz="488950">
+            <a:lnSpc>
+              <a:spcPct val="90000"/>
+            </a:lnSpc>
+            <a:spcBef>
+              <a:spcPct val="0"/>
+            </a:spcBef>
+            <a:spcAft>
+              <a:spcPct val="35000"/>
+            </a:spcAft>
+            <a:buNone/>
+          </a:pPr>
+          <a:endParaRPr lang="de-DE" sz="1100" kern="1200"/>
+        </a:p>
+      </dsp:txBody>
+      <dsp:txXfrm>
+        <a:off x="1209818" y="1114362"/>
+        <a:ext cx="162877" cy="163315"/>
+      </dsp:txXfrm>
+    </dsp:sp>
+    <dsp:sp modelId="{AD9DCF4C-0605-46C4-85C9-93C342559E76}">
+      <dsp:nvSpPr>
+        <dsp:cNvPr id="0" name=""/>
+        <dsp:cNvSpPr/>
+      </dsp:nvSpPr>
+      <dsp:spPr>
+        <a:xfrm>
+          <a:off x="1539084" y="866754"/>
+          <a:ext cx="1097552" cy="658531"/>
+        </a:xfrm>
+        <a:prstGeom prst="roundRect">
+          <a:avLst>
+            <a:gd name="adj" fmla="val 10000"/>
+          </a:avLst>
+        </a:prstGeom>
+        <a:solidFill>
+          <a:schemeClr val="accent3">
+            <a:hueOff val="0"/>
+            <a:satOff val="0"/>
+            <a:lumOff val="0"/>
+            <a:alphaOff val="0"/>
+          </a:schemeClr>
+        </a:solidFill>
+        <a:ln w="25400" cap="flat" cmpd="sng" algn="ctr">
+          <a:solidFill>
+            <a:schemeClr val="lt1">
+              <a:hueOff val="0"/>
+              <a:satOff val="0"/>
+              <a:lumOff val="0"/>
+              <a:alphaOff val="0"/>
+            </a:schemeClr>
+          </a:solidFill>
+          <a:prstDash val="solid"/>
+        </a:ln>
+        <a:effectLst/>
+      </dsp:spPr>
+      <dsp:style>
+        <a:lnRef idx="2">
+          <a:scrgbClr r="0" g="0" b="0"/>
+        </a:lnRef>
+        <a:fillRef idx="1">
+          <a:scrgbClr r="0" g="0" b="0"/>
+        </a:fillRef>
+        <a:effectRef idx="0">
+          <a:scrgbClr r="0" g="0" b="0"/>
+        </a:effectRef>
+        <a:fontRef idx="minor">
+          <a:schemeClr val="lt1"/>
+        </a:fontRef>
+      </dsp:style>
+      <dsp:txBody>
+        <a:bodyPr spcFirstLastPara="0" vert="horz" wrap="square" lIns="80010" tIns="80010" rIns="80010" bIns="80010" numCol="1" spcCol="1270" anchor="ctr" anchorCtr="0">
+          <a:noAutofit/>
+        </a:bodyPr>
+        <a:lstStyle/>
+        <a:p>
+          <a:pPr marL="0" lvl="0" indent="0" algn="ctr" defTabSz="933450">
+            <a:lnSpc>
+              <a:spcPct val="90000"/>
+            </a:lnSpc>
+            <a:spcBef>
+              <a:spcPct val="0"/>
+            </a:spcBef>
+            <a:spcAft>
+              <a:spcPct val="35000"/>
+            </a:spcAft>
+            <a:buNone/>
+          </a:pPr>
+          <a:r>
+            <a:rPr lang="de-DE" sz="2100" kern="1200" dirty="0"/>
+            <a:t>Commit</a:t>
+          </a:r>
+        </a:p>
+      </dsp:txBody>
+      <dsp:txXfrm>
+        <a:off x="1558372" y="886042"/>
+        <a:ext cx="1058976" cy="619955"/>
+      </dsp:txXfrm>
+    </dsp:sp>
+    <dsp:sp modelId="{9D251249-FB11-4901-92B0-6A52F131753F}">
+      <dsp:nvSpPr>
+        <dsp:cNvPr id="0" name=""/>
+        <dsp:cNvSpPr/>
+      </dsp:nvSpPr>
+      <dsp:spPr>
+        <a:xfrm>
+          <a:off x="2746392" y="1059923"/>
+          <a:ext cx="232681" cy="272193"/>
+        </a:xfrm>
+        <a:prstGeom prst="rightArrow">
+          <a:avLst>
+            <a:gd name="adj1" fmla="val 60000"/>
+            <a:gd name="adj2" fmla="val 50000"/>
+          </a:avLst>
+        </a:prstGeom>
+        <a:solidFill>
+          <a:schemeClr val="accent3">
+            <a:hueOff val="0"/>
+            <a:satOff val="0"/>
+            <a:lumOff val="0"/>
+            <a:alphaOff val="0"/>
+          </a:schemeClr>
+        </a:solidFill>
+        <a:ln>
+          <a:noFill/>
+        </a:ln>
+        <a:effectLst/>
+      </dsp:spPr>
+      <dsp:style>
+        <a:lnRef idx="0">
+          <a:scrgbClr r="0" g="0" b="0"/>
+        </a:lnRef>
+        <a:fillRef idx="1">
+          <a:scrgbClr r="0" g="0" b="0"/>
+        </a:fillRef>
+        <a:effectRef idx="0">
+          <a:scrgbClr r="0" g="0" b="0"/>
+        </a:effectRef>
+        <a:fontRef idx="minor">
+          <a:schemeClr val="lt1"/>
+        </a:fontRef>
+      </dsp:style>
+      <dsp:txBody>
+        <a:bodyPr spcFirstLastPara="0" vert="horz" wrap="square" lIns="0" tIns="0" rIns="0" bIns="0" numCol="1" spcCol="1270" anchor="ctr" anchorCtr="0">
+          <a:noAutofit/>
+        </a:bodyPr>
+        <a:lstStyle/>
+        <a:p>
+          <a:pPr marL="0" lvl="0" indent="0" algn="ctr" defTabSz="488950">
+            <a:lnSpc>
+              <a:spcPct val="90000"/>
+            </a:lnSpc>
+            <a:spcBef>
+              <a:spcPct val="0"/>
+            </a:spcBef>
+            <a:spcAft>
+              <a:spcPct val="35000"/>
+            </a:spcAft>
+            <a:buNone/>
+          </a:pPr>
+          <a:endParaRPr lang="de-DE" sz="1100" kern="1200"/>
+        </a:p>
+      </dsp:txBody>
+      <dsp:txXfrm>
+        <a:off x="2746392" y="1114362"/>
+        <a:ext cx="162877" cy="163315"/>
+      </dsp:txXfrm>
+    </dsp:sp>
+    <dsp:sp modelId="{70EE9B54-86A5-444C-8714-E159858EC775}">
+      <dsp:nvSpPr>
+        <dsp:cNvPr id="0" name=""/>
+        <dsp:cNvSpPr/>
+      </dsp:nvSpPr>
+      <dsp:spPr>
+        <a:xfrm>
+          <a:off x="3075658" y="866754"/>
+          <a:ext cx="1097552" cy="658531"/>
+        </a:xfrm>
+        <a:prstGeom prst="roundRect">
+          <a:avLst>
+            <a:gd name="adj" fmla="val 10000"/>
+          </a:avLst>
+        </a:prstGeom>
+        <a:solidFill>
+          <a:schemeClr val="accent4">
+            <a:hueOff val="0"/>
+            <a:satOff val="0"/>
+            <a:lumOff val="0"/>
+            <a:alphaOff val="0"/>
+          </a:schemeClr>
+        </a:solidFill>
+        <a:ln w="25400" cap="flat" cmpd="sng" algn="ctr">
+          <a:solidFill>
+            <a:schemeClr val="lt1">
+              <a:hueOff val="0"/>
+              <a:satOff val="0"/>
+              <a:lumOff val="0"/>
+              <a:alphaOff val="0"/>
+            </a:schemeClr>
+          </a:solidFill>
+          <a:prstDash val="solid"/>
+        </a:ln>
+        <a:effectLst/>
+      </dsp:spPr>
+      <dsp:style>
+        <a:lnRef idx="2">
+          <a:scrgbClr r="0" g="0" b="0"/>
+        </a:lnRef>
+        <a:fillRef idx="1">
+          <a:scrgbClr r="0" g="0" b="0"/>
+        </a:fillRef>
+        <a:effectRef idx="0">
+          <a:scrgbClr r="0" g="0" b="0"/>
+        </a:effectRef>
+        <a:fontRef idx="minor">
+          <a:schemeClr val="lt1"/>
+        </a:fontRef>
+      </dsp:style>
+      <dsp:txBody>
+        <a:bodyPr spcFirstLastPara="0" vert="horz" wrap="square" lIns="80010" tIns="80010" rIns="80010" bIns="80010" numCol="1" spcCol="1270" anchor="ctr" anchorCtr="0">
+          <a:noAutofit/>
+        </a:bodyPr>
+        <a:lstStyle/>
+        <a:p>
+          <a:pPr marL="0" lvl="0" indent="0" algn="ctr" defTabSz="933450">
+            <a:lnSpc>
+              <a:spcPct val="90000"/>
+            </a:lnSpc>
+            <a:spcBef>
+              <a:spcPct val="0"/>
+            </a:spcBef>
+            <a:spcAft>
+              <a:spcPct val="35000"/>
+            </a:spcAft>
+            <a:buNone/>
+          </a:pPr>
+          <a:r>
+            <a:rPr lang="de-DE" sz="2100" kern="1200" dirty="0"/>
+            <a:t>Push</a:t>
+          </a:r>
+        </a:p>
+      </dsp:txBody>
+      <dsp:txXfrm>
+        <a:off x="3094946" y="886042"/>
+        <a:ext cx="1058976" cy="619955"/>
+      </dsp:txXfrm>
+    </dsp:sp>
+    <dsp:sp modelId="{BD4DA370-4A8D-42FD-8D2C-CBBB72C7B924}">
+      <dsp:nvSpPr>
+        <dsp:cNvPr id="0" name=""/>
+        <dsp:cNvSpPr/>
+      </dsp:nvSpPr>
+      <dsp:spPr>
+        <a:xfrm>
+          <a:off x="4282966" y="1059923"/>
+          <a:ext cx="232681" cy="272193"/>
+        </a:xfrm>
+        <a:prstGeom prst="rightArrow">
+          <a:avLst>
+            <a:gd name="adj1" fmla="val 60000"/>
+            <a:gd name="adj2" fmla="val 50000"/>
+          </a:avLst>
+        </a:prstGeom>
+        <a:solidFill>
+          <a:schemeClr val="accent4">
+            <a:hueOff val="0"/>
+            <a:satOff val="0"/>
+            <a:lumOff val="0"/>
+            <a:alphaOff val="0"/>
+          </a:schemeClr>
+        </a:solidFill>
+        <a:ln>
+          <a:noFill/>
+        </a:ln>
+        <a:effectLst/>
+      </dsp:spPr>
+      <dsp:style>
+        <a:lnRef idx="0">
+          <a:scrgbClr r="0" g="0" b="0"/>
+        </a:lnRef>
+        <a:fillRef idx="1">
+          <a:scrgbClr r="0" g="0" b="0"/>
+        </a:fillRef>
+        <a:effectRef idx="0">
+          <a:scrgbClr r="0" g="0" b="0"/>
+        </a:effectRef>
+        <a:fontRef idx="minor">
+          <a:schemeClr val="lt1"/>
+        </a:fontRef>
+      </dsp:style>
+      <dsp:txBody>
+        <a:bodyPr spcFirstLastPara="0" vert="horz" wrap="square" lIns="0" tIns="0" rIns="0" bIns="0" numCol="1" spcCol="1270" anchor="ctr" anchorCtr="0">
+          <a:noAutofit/>
+        </a:bodyPr>
+        <a:lstStyle/>
+        <a:p>
+          <a:pPr marL="0" lvl="0" indent="0" algn="ctr" defTabSz="488950">
+            <a:lnSpc>
+              <a:spcPct val="90000"/>
+            </a:lnSpc>
+            <a:spcBef>
+              <a:spcPct val="0"/>
+            </a:spcBef>
+            <a:spcAft>
+              <a:spcPct val="35000"/>
+            </a:spcAft>
+            <a:buNone/>
+          </a:pPr>
+          <a:endParaRPr lang="de-DE" sz="1100" kern="1200"/>
+        </a:p>
+      </dsp:txBody>
+      <dsp:txXfrm>
+        <a:off x="4282966" y="1114362"/>
+        <a:ext cx="162877" cy="163315"/>
+      </dsp:txXfrm>
+    </dsp:sp>
+    <dsp:sp modelId="{DA3328A8-C5B9-45AD-9E20-082A0FF5549E}">
+      <dsp:nvSpPr>
+        <dsp:cNvPr id="0" name=""/>
+        <dsp:cNvSpPr/>
+      </dsp:nvSpPr>
+      <dsp:spPr>
+        <a:xfrm>
+          <a:off x="4612232" y="866754"/>
+          <a:ext cx="1097552" cy="658531"/>
+        </a:xfrm>
+        <a:prstGeom prst="roundRect">
+          <a:avLst>
+            <a:gd name="adj" fmla="val 10000"/>
+          </a:avLst>
+        </a:prstGeom>
+        <a:solidFill>
+          <a:schemeClr val="accent5">
+            <a:hueOff val="0"/>
+            <a:satOff val="0"/>
+            <a:lumOff val="0"/>
+            <a:alphaOff val="0"/>
+          </a:schemeClr>
+        </a:solidFill>
+        <a:ln w="25400" cap="flat" cmpd="sng" algn="ctr">
+          <a:solidFill>
+            <a:schemeClr val="lt1">
+              <a:hueOff val="0"/>
+              <a:satOff val="0"/>
+              <a:lumOff val="0"/>
+              <a:alphaOff val="0"/>
+            </a:schemeClr>
+          </a:solidFill>
+          <a:prstDash val="solid"/>
+        </a:ln>
+        <a:effectLst/>
+      </dsp:spPr>
+      <dsp:style>
+        <a:lnRef idx="2">
+          <a:scrgbClr r="0" g="0" b="0"/>
+        </a:lnRef>
+        <a:fillRef idx="1">
+          <a:scrgbClr r="0" g="0" b="0"/>
+        </a:fillRef>
+        <a:effectRef idx="0">
+          <a:scrgbClr r="0" g="0" b="0"/>
+        </a:effectRef>
+        <a:fontRef idx="minor">
+          <a:schemeClr val="lt1"/>
+        </a:fontRef>
+      </dsp:style>
+      <dsp:txBody>
+        <a:bodyPr spcFirstLastPara="0" vert="horz" wrap="square" lIns="80010" tIns="80010" rIns="80010" bIns="80010" numCol="1" spcCol="1270" anchor="ctr" anchorCtr="0">
+          <a:noAutofit/>
+        </a:bodyPr>
+        <a:lstStyle/>
+        <a:p>
+          <a:pPr marL="0" lvl="0" indent="0" algn="ctr" defTabSz="933450">
+            <a:lnSpc>
+              <a:spcPct val="90000"/>
+            </a:lnSpc>
+            <a:spcBef>
+              <a:spcPct val="0"/>
+            </a:spcBef>
+            <a:spcAft>
+              <a:spcPct val="35000"/>
+            </a:spcAft>
+            <a:buNone/>
+          </a:pPr>
+          <a:r>
+            <a:rPr lang="de-DE" sz="2100" kern="1200" dirty="0"/>
+            <a:t>Pull </a:t>
+          </a:r>
+        </a:p>
+      </dsp:txBody>
+      <dsp:txXfrm>
+        <a:off x="4631520" y="886042"/>
+        <a:ext cx="1058976" cy="619955"/>
+      </dsp:txXfrm>
+    </dsp:sp>
   </dsp:spTree>
 </dsp:drawing>
 </file>
@@ -2691,7 +3142,7 @@
           <a:p>
             <a:fld id="{7E436BCD-359F-4F5B-AF29-33BFD393DED6}" type="datetimeFigureOut">
               <a:rPr lang="de-DE" smtClean="0"/>
-              <a:t>16.04.2017</a:t>
+              <a:t>17.04.2017</a:t>
             </a:fld>
             <a:endParaRPr lang="de-DE"/>
           </a:p>
@@ -2755,38 +3206,37 @@
           <a:p>
             <a:pPr lvl="0"/>
             <a:r>
-              <a:rPr lang="de-DE" smtClean="0"/>
+              <a:rPr lang="de-DE"/>
               <a:t>Textmasterformat bearbeiten</a:t>
             </a:r>
           </a:p>
           <a:p>
             <a:pPr lvl="1"/>
             <a:r>
-              <a:rPr lang="de-DE" smtClean="0"/>
+              <a:rPr lang="de-DE"/>
               <a:t>Zweite Ebene</a:t>
             </a:r>
           </a:p>
           <a:p>
             <a:pPr lvl="2"/>
             <a:r>
-              <a:rPr lang="de-DE" smtClean="0"/>
+              <a:rPr lang="de-DE"/>
               <a:t>Dritte Ebene</a:t>
             </a:r>
           </a:p>
           <a:p>
             <a:pPr lvl="3"/>
             <a:r>
-              <a:rPr lang="de-DE" smtClean="0"/>
+              <a:rPr lang="de-DE"/>
               <a:t>Vierte Ebene</a:t>
             </a:r>
           </a:p>
           <a:p>
             <a:pPr lvl="4"/>
             <a:r>
-              <a:rPr lang="de-DE" smtClean="0"/>
+              <a:rPr lang="de-DE"/>
               <a:t>Fünfte Ebene</a:t>
             </a:r>
-            <a:endParaRPr lang="de-DE"/>
           </a:p>
         </p:txBody>
       </p:sp>
@@ -3126,10 +3576,9 @@
           </a:lstStyle>
           <a:p>
             <a:r>
-              <a:rPr kumimoji="0" lang="en-US" smtClean="0"/>
+              <a:rPr kumimoji="0" lang="en-US"/>
               <a:t>Click to edit Master title style</a:t>
             </a:r>
-            <a:endParaRPr kumimoji="0" lang="en-US"/>
           </a:p>
         </p:txBody>
       </p:sp>
@@ -3187,10 +3636,9 @@
           </a:lstStyle>
           <a:p>
             <a:r>
-              <a:rPr kumimoji="0" lang="en-US" smtClean="0"/>
+              <a:rPr kumimoji="0" lang="en-US"/>
               <a:t>Click to edit Master subtitle style</a:t>
             </a:r>
-            <a:endParaRPr kumimoji="0" lang="en-US"/>
           </a:p>
         </p:txBody>
       </p:sp>
@@ -3211,7 +3659,7 @@
           <a:p>
             <a:fld id="{D2120015-59FA-4CBB-A73E-96D203871599}" type="datetime1">
               <a:rPr lang="en-US" smtClean="0"/>
-              <a:t>4/16/2017</a:t>
+              <a:t>4/17/2017</a:t>
             </a:fld>
             <a:endParaRPr lang="en-US"/>
           </a:p>
@@ -3300,10 +3748,9 @@
           <a:lstStyle/>
           <a:p>
             <a:r>
-              <a:rPr kumimoji="0" lang="en-US" smtClean="0"/>
+              <a:rPr kumimoji="0" lang="en-US"/>
               <a:t>Click to edit Master title style</a:t>
             </a:r>
-            <a:endParaRPr kumimoji="0" lang="en-US"/>
           </a:p>
         </p:txBody>
       </p:sp>
@@ -3324,35 +3771,35 @@
           <a:p>
             <a:pPr lvl="0" eaLnBrk="1" latinLnBrk="0" hangingPunct="1"/>
             <a:r>
-              <a:rPr lang="en-US" smtClean="0"/>
+              <a:rPr lang="en-US"/>
               <a:t>Click to edit Master text styles</a:t>
             </a:r>
           </a:p>
           <a:p>
             <a:pPr lvl="1" eaLnBrk="1" latinLnBrk="0" hangingPunct="1"/>
             <a:r>
-              <a:rPr lang="en-US" smtClean="0"/>
+              <a:rPr lang="en-US"/>
               <a:t>Second level</a:t>
             </a:r>
           </a:p>
           <a:p>
             <a:pPr lvl="2" eaLnBrk="1" latinLnBrk="0" hangingPunct="1"/>
             <a:r>
-              <a:rPr lang="en-US" smtClean="0"/>
+              <a:rPr lang="en-US"/>
               <a:t>Third level</a:t>
             </a:r>
           </a:p>
           <a:p>
             <a:pPr lvl="3" eaLnBrk="1" latinLnBrk="0" hangingPunct="1"/>
             <a:r>
-              <a:rPr lang="en-US" smtClean="0"/>
+              <a:rPr lang="en-US"/>
               <a:t>Fourth level</a:t>
             </a:r>
           </a:p>
           <a:p>
             <a:pPr lvl="4" eaLnBrk="1" latinLnBrk="0" hangingPunct="1"/>
             <a:r>
-              <a:rPr lang="en-US" smtClean="0"/>
+              <a:rPr lang="en-US"/>
               <a:t>Fifth level</a:t>
             </a:r>
             <a:endParaRPr kumimoji="0" lang="en-US"/>
@@ -3376,7 +3823,7 @@
           <a:p>
             <a:fld id="{10AC991D-F0B1-42D5-97D4-41D194E9199B}" type="datetime1">
               <a:rPr lang="en-US" smtClean="0"/>
-              <a:t>4/16/2017</a:t>
+              <a:t>4/17/2017</a:t>
             </a:fld>
             <a:endParaRPr lang="en-US"/>
           </a:p>
@@ -3470,10 +3917,9 @@
           <a:lstStyle/>
           <a:p>
             <a:r>
-              <a:rPr kumimoji="0" lang="en-US" smtClean="0"/>
+              <a:rPr kumimoji="0" lang="en-US"/>
               <a:t>Click to edit Master title style</a:t>
             </a:r>
-            <a:endParaRPr kumimoji="0" lang="en-US"/>
           </a:p>
         </p:txBody>
       </p:sp>
@@ -3499,35 +3945,35 @@
           <a:p>
             <a:pPr lvl="0" eaLnBrk="1" latinLnBrk="0" hangingPunct="1"/>
             <a:r>
-              <a:rPr lang="en-US" smtClean="0"/>
+              <a:rPr lang="en-US"/>
               <a:t>Click to edit Master text styles</a:t>
             </a:r>
           </a:p>
           <a:p>
             <a:pPr lvl="1" eaLnBrk="1" latinLnBrk="0" hangingPunct="1"/>
             <a:r>
-              <a:rPr lang="en-US" smtClean="0"/>
+              <a:rPr lang="en-US"/>
               <a:t>Second level</a:t>
             </a:r>
           </a:p>
           <a:p>
             <a:pPr lvl="2" eaLnBrk="1" latinLnBrk="0" hangingPunct="1"/>
             <a:r>
-              <a:rPr lang="en-US" smtClean="0"/>
+              <a:rPr lang="en-US"/>
               <a:t>Third level</a:t>
             </a:r>
           </a:p>
           <a:p>
             <a:pPr lvl="3" eaLnBrk="1" latinLnBrk="0" hangingPunct="1"/>
             <a:r>
-              <a:rPr lang="en-US" smtClean="0"/>
+              <a:rPr lang="en-US"/>
               <a:t>Fourth level</a:t>
             </a:r>
           </a:p>
           <a:p>
             <a:pPr lvl="4" eaLnBrk="1" latinLnBrk="0" hangingPunct="1"/>
             <a:r>
-              <a:rPr lang="en-US" smtClean="0"/>
+              <a:rPr lang="en-US"/>
               <a:t>Fifth level</a:t>
             </a:r>
             <a:endParaRPr kumimoji="0" lang="en-US"/>
@@ -3551,7 +3997,7 @@
           <a:p>
             <a:fld id="{42137697-710B-4943-96D3-CD38FFC239FE}" type="datetime1">
               <a:rPr lang="en-US" smtClean="0"/>
-              <a:t>4/16/2017</a:t>
+              <a:t>4/17/2017</a:t>
             </a:fld>
             <a:endParaRPr lang="en-US"/>
           </a:p>
@@ -3640,10 +4086,9 @@
           <a:lstStyle/>
           <a:p>
             <a:r>
-              <a:rPr kumimoji="0" lang="en-US" smtClean="0"/>
+              <a:rPr kumimoji="0" lang="en-US"/>
               <a:t>Click to edit Master title style</a:t>
             </a:r>
-            <a:endParaRPr kumimoji="0" lang="en-US"/>
           </a:p>
         </p:txBody>
       </p:sp>
@@ -3664,35 +4109,35 @@
           <a:p>
             <a:pPr lvl="0" eaLnBrk="1" latinLnBrk="0" hangingPunct="1"/>
             <a:r>
-              <a:rPr lang="en-US" smtClean="0"/>
+              <a:rPr lang="en-US"/>
               <a:t>Click to edit Master text styles</a:t>
             </a:r>
           </a:p>
           <a:p>
             <a:pPr lvl="1" eaLnBrk="1" latinLnBrk="0" hangingPunct="1"/>
             <a:r>
-              <a:rPr lang="en-US" smtClean="0"/>
+              <a:rPr lang="en-US"/>
               <a:t>Second level</a:t>
             </a:r>
           </a:p>
           <a:p>
             <a:pPr lvl="2" eaLnBrk="1" latinLnBrk="0" hangingPunct="1"/>
             <a:r>
-              <a:rPr lang="en-US" smtClean="0"/>
+              <a:rPr lang="en-US"/>
               <a:t>Third level</a:t>
             </a:r>
           </a:p>
           <a:p>
             <a:pPr lvl="3" eaLnBrk="1" latinLnBrk="0" hangingPunct="1"/>
             <a:r>
-              <a:rPr lang="en-US" smtClean="0"/>
+              <a:rPr lang="en-US"/>
               <a:t>Fourth level</a:t>
             </a:r>
           </a:p>
           <a:p>
             <a:pPr lvl="4" eaLnBrk="1" latinLnBrk="0" hangingPunct="1"/>
             <a:r>
-              <a:rPr lang="en-US" smtClean="0"/>
+              <a:rPr lang="en-US"/>
               <a:t>Fifth level</a:t>
             </a:r>
             <a:endParaRPr kumimoji="0" lang="en-US"/>
@@ -3716,7 +4161,7 @@
           <a:p>
             <a:fld id="{78389C1C-CB28-4C14-BEE1-33EACFE7E59F}" type="datetime1">
               <a:rPr lang="en-US" smtClean="0"/>
-              <a:t>4/16/2017</a:t>
+              <a:t>4/17/2017</a:t>
             </a:fld>
             <a:endParaRPr lang="en-US"/>
           </a:p>
@@ -3852,10 +4297,9 @@
           </a:lstStyle>
           <a:p>
             <a:r>
-              <a:rPr kumimoji="0" lang="en-US" smtClean="0"/>
+              <a:rPr kumimoji="0" lang="en-US"/>
               <a:t>Click to edit Master title style</a:t>
             </a:r>
-            <a:endParaRPr kumimoji="0" lang="en-US"/>
           </a:p>
         </p:txBody>
       </p:sp>
@@ -3930,7 +4374,7 @@
           <a:p>
             <a:pPr lvl="0" eaLnBrk="1" latinLnBrk="0" hangingPunct="1"/>
             <a:r>
-              <a:rPr kumimoji="0" lang="en-US" smtClean="0"/>
+              <a:rPr kumimoji="0" lang="en-US"/>
               <a:t>Click to edit Master text styles</a:t>
             </a:r>
           </a:p>
@@ -3953,7 +4397,7 @@
           <a:p>
             <a:fld id="{2E29CB96-26CF-47E2-AA7E-562E6C8E1E4B}" type="datetime1">
               <a:rPr lang="en-US" smtClean="0"/>
-              <a:t>4/16/2017</a:t>
+              <a:t>4/17/2017</a:t>
             </a:fld>
             <a:endParaRPr lang="en-US"/>
           </a:p>
@@ -4047,10 +4491,9 @@
           <a:lstStyle/>
           <a:p>
             <a:r>
-              <a:rPr kumimoji="0" lang="en-US" smtClean="0"/>
+              <a:rPr kumimoji="0" lang="en-US"/>
               <a:t>Click to edit Master title style</a:t>
             </a:r>
-            <a:endParaRPr kumimoji="0" lang="en-US"/>
           </a:p>
         </p:txBody>
       </p:sp>
@@ -4092,35 +4535,35 @@
           <a:p>
             <a:pPr lvl="0" eaLnBrk="1" latinLnBrk="0" hangingPunct="1"/>
             <a:r>
-              <a:rPr lang="en-US" smtClean="0"/>
+              <a:rPr lang="en-US"/>
               <a:t>Click to edit Master text styles</a:t>
             </a:r>
           </a:p>
           <a:p>
             <a:pPr lvl="1" eaLnBrk="1" latinLnBrk="0" hangingPunct="1"/>
             <a:r>
-              <a:rPr lang="en-US" smtClean="0"/>
+              <a:rPr lang="en-US"/>
               <a:t>Second level</a:t>
             </a:r>
           </a:p>
           <a:p>
             <a:pPr lvl="2" eaLnBrk="1" latinLnBrk="0" hangingPunct="1"/>
             <a:r>
-              <a:rPr lang="en-US" smtClean="0"/>
+              <a:rPr lang="en-US"/>
               <a:t>Third level</a:t>
             </a:r>
           </a:p>
           <a:p>
             <a:pPr lvl="3" eaLnBrk="1" latinLnBrk="0" hangingPunct="1"/>
             <a:r>
-              <a:rPr lang="en-US" smtClean="0"/>
+              <a:rPr lang="en-US"/>
               <a:t>Fourth level</a:t>
             </a:r>
           </a:p>
           <a:p>
             <a:pPr lvl="4" eaLnBrk="1" latinLnBrk="0" hangingPunct="1"/>
             <a:r>
-              <a:rPr lang="en-US" smtClean="0"/>
+              <a:rPr lang="en-US"/>
               <a:t>Fifth level</a:t>
             </a:r>
             <a:endParaRPr kumimoji="0" lang="en-US"/>
@@ -4165,35 +4608,35 @@
           <a:p>
             <a:pPr lvl="0" eaLnBrk="1" latinLnBrk="0" hangingPunct="1"/>
             <a:r>
-              <a:rPr lang="en-US" smtClean="0"/>
+              <a:rPr lang="en-US"/>
               <a:t>Click to edit Master text styles</a:t>
             </a:r>
           </a:p>
           <a:p>
             <a:pPr lvl="1" eaLnBrk="1" latinLnBrk="0" hangingPunct="1"/>
             <a:r>
-              <a:rPr lang="en-US" smtClean="0"/>
+              <a:rPr lang="en-US"/>
               <a:t>Second level</a:t>
             </a:r>
           </a:p>
           <a:p>
             <a:pPr lvl="2" eaLnBrk="1" latinLnBrk="0" hangingPunct="1"/>
             <a:r>
-              <a:rPr lang="en-US" smtClean="0"/>
+              <a:rPr lang="en-US"/>
               <a:t>Third level</a:t>
             </a:r>
           </a:p>
           <a:p>
             <a:pPr lvl="3" eaLnBrk="1" latinLnBrk="0" hangingPunct="1"/>
             <a:r>
-              <a:rPr lang="en-US" smtClean="0"/>
+              <a:rPr lang="en-US"/>
               <a:t>Fourth level</a:t>
             </a:r>
           </a:p>
           <a:p>
             <a:pPr lvl="4" eaLnBrk="1" latinLnBrk="0" hangingPunct="1"/>
             <a:r>
-              <a:rPr lang="en-US" smtClean="0"/>
+              <a:rPr lang="en-US"/>
               <a:t>Fifth level</a:t>
             </a:r>
             <a:endParaRPr kumimoji="0" lang="en-US"/>
@@ -4217,7 +4660,7 @@
           <a:p>
             <a:fld id="{E6983B90-856A-4778-8586-8ACA210666E7}" type="datetime1">
               <a:rPr lang="en-US" smtClean="0"/>
-              <a:t>4/16/2017</a:t>
+              <a:t>4/17/2017</a:t>
             </a:fld>
             <a:endParaRPr lang="en-US"/>
           </a:p>
@@ -4315,10 +4758,9 @@
           </a:lstStyle>
           <a:p>
             <a:r>
-              <a:rPr kumimoji="0" lang="en-US" smtClean="0"/>
+              <a:rPr kumimoji="0" lang="en-US"/>
               <a:t>Click to edit Master title style</a:t>
             </a:r>
-            <a:endParaRPr kumimoji="0" lang="en-US"/>
           </a:p>
         </p:txBody>
       </p:sp>
@@ -4372,7 +4814,7 @@
           <a:p>
             <a:pPr lvl="0" eaLnBrk="1" latinLnBrk="0" hangingPunct="1"/>
             <a:r>
-              <a:rPr kumimoji="0" lang="en-US" smtClean="0"/>
+              <a:rPr kumimoji="0" lang="en-US"/>
               <a:t>Click to edit Master text styles</a:t>
             </a:r>
           </a:p>
@@ -4426,7 +4868,7 @@
           <a:p>
             <a:pPr lvl="0" eaLnBrk="1" latinLnBrk="0" hangingPunct="1"/>
             <a:r>
-              <a:rPr kumimoji="0" lang="en-US" smtClean="0"/>
+              <a:rPr kumimoji="0" lang="en-US"/>
               <a:t>Click to edit Master text styles</a:t>
             </a:r>
           </a:p>
@@ -4470,35 +4912,35 @@
           <a:p>
             <a:pPr lvl="0" eaLnBrk="1" latinLnBrk="0" hangingPunct="1"/>
             <a:r>
-              <a:rPr lang="en-US" smtClean="0"/>
+              <a:rPr lang="en-US"/>
               <a:t>Click to edit Master text styles</a:t>
             </a:r>
           </a:p>
           <a:p>
             <a:pPr lvl="1" eaLnBrk="1" latinLnBrk="0" hangingPunct="1"/>
             <a:r>
-              <a:rPr lang="en-US" smtClean="0"/>
+              <a:rPr lang="en-US"/>
               <a:t>Second level</a:t>
             </a:r>
           </a:p>
           <a:p>
             <a:pPr lvl="2" eaLnBrk="1" latinLnBrk="0" hangingPunct="1"/>
             <a:r>
-              <a:rPr lang="en-US" smtClean="0"/>
+              <a:rPr lang="en-US"/>
               <a:t>Third level</a:t>
             </a:r>
           </a:p>
           <a:p>
             <a:pPr lvl="3" eaLnBrk="1" latinLnBrk="0" hangingPunct="1"/>
             <a:r>
-              <a:rPr lang="en-US" smtClean="0"/>
+              <a:rPr lang="en-US"/>
               <a:t>Fourth level</a:t>
             </a:r>
           </a:p>
           <a:p>
             <a:pPr lvl="4" eaLnBrk="1" latinLnBrk="0" hangingPunct="1"/>
             <a:r>
-              <a:rPr lang="en-US" smtClean="0"/>
+              <a:rPr lang="en-US"/>
               <a:t>Fifth level</a:t>
             </a:r>
             <a:endParaRPr kumimoji="0" lang="en-US"/>
@@ -4543,35 +4985,35 @@
           <a:p>
             <a:pPr lvl="0" eaLnBrk="1" latinLnBrk="0" hangingPunct="1"/>
             <a:r>
-              <a:rPr lang="en-US" smtClean="0"/>
+              <a:rPr lang="en-US"/>
               <a:t>Click to edit Master text styles</a:t>
             </a:r>
           </a:p>
           <a:p>
             <a:pPr lvl="1" eaLnBrk="1" latinLnBrk="0" hangingPunct="1"/>
             <a:r>
-              <a:rPr lang="en-US" smtClean="0"/>
+              <a:rPr lang="en-US"/>
               <a:t>Second level</a:t>
             </a:r>
           </a:p>
           <a:p>
             <a:pPr lvl="2" eaLnBrk="1" latinLnBrk="0" hangingPunct="1"/>
             <a:r>
-              <a:rPr lang="en-US" smtClean="0"/>
+              <a:rPr lang="en-US"/>
               <a:t>Third level</a:t>
             </a:r>
           </a:p>
           <a:p>
             <a:pPr lvl="3" eaLnBrk="1" latinLnBrk="0" hangingPunct="1"/>
             <a:r>
-              <a:rPr lang="en-US" smtClean="0"/>
+              <a:rPr lang="en-US"/>
               <a:t>Fourth level</a:t>
             </a:r>
           </a:p>
           <a:p>
             <a:pPr lvl="4" eaLnBrk="1" latinLnBrk="0" hangingPunct="1"/>
             <a:r>
-              <a:rPr lang="en-US" smtClean="0"/>
+              <a:rPr lang="en-US"/>
               <a:t>Fifth level</a:t>
             </a:r>
             <a:endParaRPr kumimoji="0" lang="en-US"/>
@@ -4595,7 +5037,7 @@
           <a:p>
             <a:fld id="{2001E5A1-68B1-46B0-B349-E67996EE978B}" type="datetime1">
               <a:rPr lang="en-US" smtClean="0"/>
-              <a:t>4/16/2017</a:t>
+              <a:t>4/17/2017</a:t>
             </a:fld>
             <a:endParaRPr lang="en-US"/>
           </a:p>
@@ -4721,10 +5163,9 @@
           </a:lstStyle>
           <a:p>
             <a:r>
-              <a:rPr kumimoji="0" lang="en-US" smtClean="0"/>
+              <a:rPr kumimoji="0" lang="en-US"/>
               <a:t>Click to edit Master title style</a:t>
             </a:r>
-            <a:endParaRPr kumimoji="0" lang="en-US"/>
           </a:p>
         </p:txBody>
       </p:sp>
@@ -4745,7 +5186,7 @@
           <a:p>
             <a:fld id="{78E67761-76F5-4696-991B-2C4661EDCA10}" type="datetime1">
               <a:rPr lang="en-US" smtClean="0"/>
-              <a:t>4/16/2017</a:t>
+              <a:t>4/17/2017</a:t>
             </a:fld>
             <a:endParaRPr lang="en-US"/>
           </a:p>
@@ -4835,7 +5276,7 @@
           <a:p>
             <a:fld id="{25482746-14B6-4A52-BC66-7BBA9E034619}" type="datetime1">
               <a:rPr lang="en-US" smtClean="0"/>
-              <a:t>4/16/2017</a:t>
+              <a:t>4/17/2017</a:t>
             </a:fld>
             <a:endParaRPr lang="en-US"/>
           </a:p>
@@ -4950,10 +5391,9 @@
           </a:lstStyle>
           <a:p>
             <a:r>
-              <a:rPr kumimoji="0" lang="en-US" smtClean="0"/>
+              <a:rPr kumimoji="0" lang="en-US"/>
               <a:t>Click to edit Master title style</a:t>
             </a:r>
-            <a:endParaRPr kumimoji="0" lang="en-US"/>
           </a:p>
         </p:txBody>
       </p:sp>
@@ -5000,7 +5440,7 @@
           <a:p>
             <a:pPr lvl="0" eaLnBrk="1" latinLnBrk="0" hangingPunct="1"/>
             <a:r>
-              <a:rPr kumimoji="0" lang="en-US" smtClean="0"/>
+              <a:rPr kumimoji="0" lang="en-US"/>
               <a:t>Click to edit Master text styles</a:t>
             </a:r>
           </a:p>
@@ -5044,35 +5484,35 @@
           <a:p>
             <a:pPr lvl="0" eaLnBrk="1" latinLnBrk="0" hangingPunct="1"/>
             <a:r>
-              <a:rPr lang="en-US" smtClean="0"/>
+              <a:rPr lang="en-US"/>
               <a:t>Click to edit Master text styles</a:t>
             </a:r>
           </a:p>
           <a:p>
             <a:pPr lvl="1" eaLnBrk="1" latinLnBrk="0" hangingPunct="1"/>
             <a:r>
-              <a:rPr lang="en-US" smtClean="0"/>
+              <a:rPr lang="en-US"/>
               <a:t>Second level</a:t>
             </a:r>
           </a:p>
           <a:p>
             <a:pPr lvl="2" eaLnBrk="1" latinLnBrk="0" hangingPunct="1"/>
             <a:r>
-              <a:rPr lang="en-US" smtClean="0"/>
+              <a:rPr lang="en-US"/>
               <a:t>Third level</a:t>
             </a:r>
           </a:p>
           <a:p>
             <a:pPr lvl="3" eaLnBrk="1" latinLnBrk="0" hangingPunct="1"/>
             <a:r>
-              <a:rPr lang="en-US" smtClean="0"/>
+              <a:rPr lang="en-US"/>
               <a:t>Fourth level</a:t>
             </a:r>
           </a:p>
           <a:p>
             <a:pPr lvl="4" eaLnBrk="1" latinLnBrk="0" hangingPunct="1"/>
             <a:r>
-              <a:rPr lang="en-US" smtClean="0"/>
+              <a:rPr lang="en-US"/>
               <a:t>Fifth level</a:t>
             </a:r>
             <a:endParaRPr kumimoji="0" lang="en-US"/>
@@ -5096,7 +5536,7 @@
           <a:p>
             <a:fld id="{C9236A67-E7DA-4FF7-A778-CDA8D1037A02}" type="datetime1">
               <a:rPr lang="en-US" smtClean="0"/>
-              <a:t>4/16/2017</a:t>
+              <a:t>4/17/2017</a:t>
             </a:fld>
             <a:endParaRPr lang="en-US"/>
           </a:p>
@@ -5311,10 +5751,9 @@
           </a:lstStyle>
           <a:p>
             <a:r>
-              <a:rPr kumimoji="0" lang="en-US" smtClean="0"/>
+              <a:rPr kumimoji="0" lang="en-US"/>
               <a:t>Click to edit Master title style</a:t>
             </a:r>
-            <a:endParaRPr kumimoji="0" lang="en-US"/>
           </a:p>
         </p:txBody>
       </p:sp>
@@ -5361,7 +5800,7 @@
           <a:p>
             <a:pPr lvl="0" eaLnBrk="1" latinLnBrk="0" hangingPunct="1"/>
             <a:r>
-              <a:rPr kumimoji="0" lang="en-US" smtClean="0"/>
+              <a:rPr kumimoji="0" lang="en-US"/>
               <a:t>Click to edit Master text styles</a:t>
             </a:r>
           </a:p>
@@ -5384,7 +5823,7 @@
           <a:p>
             <a:fld id="{9A756F8F-BD89-4F4B-80DF-B6260262DF76}" type="datetime1">
               <a:rPr lang="en-US" smtClean="0"/>
-              <a:t>4/16/2017</a:t>
+              <a:t>4/17/2017</a:t>
             </a:fld>
             <a:endParaRPr lang="en-US"/>
           </a:p>
@@ -5476,7 +5915,7 @@
           </a:lstStyle>
           <a:p>
             <a:r>
-              <a:rPr kumimoji="0" lang="en-US" smtClean="0"/>
+              <a:rPr kumimoji="0" lang="en-US"/>
               <a:t>Click icon to add picture</a:t>
             </a:r>
             <a:endParaRPr kumimoji="0" lang="en-US" dirty="0"/>
@@ -6051,10 +6490,9 @@
           <a:lstStyle/>
           <a:p>
             <a:r>
-              <a:rPr kumimoji="0" lang="en-US" smtClean="0"/>
+              <a:rPr kumimoji="0" lang="en-US"/>
               <a:t>Click to edit Master title style</a:t>
             </a:r>
-            <a:endParaRPr kumimoji="0" lang="en-US"/>
           </a:p>
         </p:txBody>
       </p:sp>
@@ -6085,38 +6523,37 @@
           <a:p>
             <a:pPr lvl="0" eaLnBrk="1" latinLnBrk="0" hangingPunct="1"/>
             <a:r>
-              <a:rPr kumimoji="0" lang="en-US" smtClean="0"/>
+              <a:rPr kumimoji="0" lang="en-US"/>
               <a:t>Click to edit Master text styles</a:t>
             </a:r>
           </a:p>
           <a:p>
             <a:pPr lvl="1" eaLnBrk="1" latinLnBrk="0" hangingPunct="1"/>
             <a:r>
-              <a:rPr kumimoji="0" lang="en-US" smtClean="0"/>
+              <a:rPr kumimoji="0" lang="en-US"/>
               <a:t>Second level</a:t>
             </a:r>
           </a:p>
           <a:p>
             <a:pPr lvl="2" eaLnBrk="1" latinLnBrk="0" hangingPunct="1"/>
             <a:r>
-              <a:rPr kumimoji="0" lang="en-US" smtClean="0"/>
+              <a:rPr kumimoji="0" lang="en-US"/>
               <a:t>Third level</a:t>
             </a:r>
           </a:p>
           <a:p>
             <a:pPr lvl="3" eaLnBrk="1" latinLnBrk="0" hangingPunct="1"/>
             <a:r>
-              <a:rPr kumimoji="0" lang="en-US" smtClean="0"/>
+              <a:rPr kumimoji="0" lang="en-US"/>
               <a:t>Fourth level</a:t>
             </a:r>
           </a:p>
           <a:p>
             <a:pPr lvl="4" eaLnBrk="1" latinLnBrk="0" hangingPunct="1"/>
             <a:r>
-              <a:rPr kumimoji="0" lang="en-US" smtClean="0"/>
+              <a:rPr kumimoji="0" lang="en-US"/>
               <a:t>Fifth level</a:t>
             </a:r>
-            <a:endParaRPr kumimoji="0" lang="en-US"/>
           </a:p>
         </p:txBody>
       </p:sp>
@@ -6155,7 +6592,7 @@
           <a:p>
             <a:fld id="{6B312904-D267-4574-B176-660BC2BB2A8B}" type="datetime1">
               <a:rPr lang="en-US" smtClean="0"/>
-              <a:t>4/16/2017</a:t>
+              <a:t>4/17/2017</a:t>
             </a:fld>
             <a:endParaRPr lang="en-US"/>
           </a:p>
@@ -6864,33 +7301,33 @@
           </a:bodyPr>
           <a:lstStyle/>
           <a:p>
-            <a:endParaRPr lang="de-DE" dirty="0" smtClean="0"/>
-          </a:p>
-          <a:p>
-            <a:endParaRPr lang="de-DE" dirty="0"/>
-          </a:p>
-          <a:p>
-            <a:endParaRPr lang="de-DE" dirty="0" smtClean="0"/>
-          </a:p>
-          <a:p>
-            <a:r>
-              <a:rPr lang="de-DE" sz="2200" dirty="0" smtClean="0"/>
+            <a:endParaRPr lang="de-DE" dirty="0"/>
+          </a:p>
+          <a:p>
+            <a:endParaRPr lang="de-DE" dirty="0"/>
+          </a:p>
+          <a:p>
+            <a:endParaRPr lang="de-DE" dirty="0"/>
+          </a:p>
+          <a:p>
+            <a:r>
+              <a:rPr lang="de-DE" sz="2200" dirty="0"/>
               <a:t>Nina </a:t>
             </a:r>
             <a:r>
-              <a:rPr lang="de-DE" sz="2200" dirty="0" err="1" smtClean="0"/>
+              <a:rPr lang="de-DE" sz="2200" dirty="0" err="1"/>
               <a:t>Stodolka</a:t>
             </a:r>
             <a:r>
-              <a:rPr lang="de-DE" sz="2200" dirty="0" smtClean="0"/>
+              <a:rPr lang="de-DE" sz="2200" dirty="0"/>
               <a:t> und Johannes </a:t>
             </a:r>
             <a:r>
-              <a:rPr lang="de-DE" sz="2200" dirty="0" err="1" smtClean="0"/>
+              <a:rPr lang="de-DE" sz="2200" dirty="0" err="1"/>
               <a:t>Struzek</a:t>
             </a:r>
             <a:r>
-              <a:rPr lang="de-DE" sz="2200" dirty="0" smtClean="0"/>
+              <a:rPr lang="de-DE" sz="2200" dirty="0"/>
               <a:t>, 27.04.2017</a:t>
             </a:r>
             <a:endParaRPr lang="en-US" sz="2200" dirty="0"/>
@@ -6907,13 +7344,6 @@
   <p:clrMapOvr>
     <a:masterClrMapping/>
   </p:clrMapOvr>
-  <p:timing>
-    <p:tnLst>
-      <p:par>
-        <p:cTn id="1" dur="indefinite" restart="never" nodeType="tmRoot"/>
-      </p:par>
-    </p:tnLst>
-  </p:timing>
 </p:sld>
 </file>
 
@@ -6952,7 +7382,7 @@
           <a:lstStyle/>
           <a:p>
             <a:r>
-              <a:rPr lang="en-US" dirty="0" err="1" smtClean="0"/>
+              <a:rPr lang="en-US" dirty="0" err="1"/>
               <a:t>Versionsverwaltungssysteme</a:t>
             </a:r>
             <a:endParaRPr lang="en-US" dirty="0"/>
@@ -6983,112 +7413,100 @@
           <a:p>
             <a:pPr lvl="1"/>
             <a:r>
-              <a:rPr lang="de-DE" dirty="0" smtClean="0"/>
+              <a:rPr lang="de-DE" dirty="0"/>
               <a:t>Zentrale Versionsverwaltungssysteme</a:t>
             </a:r>
           </a:p>
           <a:p>
             <a:pPr lvl="1"/>
             <a:r>
-              <a:rPr lang="de-DE" dirty="0" smtClean="0"/>
+              <a:rPr lang="de-DE" dirty="0"/>
               <a:t>Beispiele: CVS, SVN</a:t>
             </a:r>
           </a:p>
           <a:p>
             <a:pPr lvl="2"/>
             <a:r>
-              <a:rPr lang="de-DE" dirty="0" smtClean="0"/>
+              <a:rPr lang="de-DE" dirty="0"/>
               <a:t>Ein Repository auf einem zentralen Server</a:t>
             </a:r>
           </a:p>
           <a:p>
             <a:pPr lvl="2"/>
             <a:r>
-              <a:rPr lang="de-DE" dirty="0" smtClean="0"/>
+              <a:rPr lang="de-DE" dirty="0"/>
               <a:t>Lokale Kopie aller Dateien des </a:t>
             </a:r>
             <a:r>
-              <a:rPr lang="de-DE" dirty="0" err="1" smtClean="0"/>
+              <a:rPr lang="de-DE" dirty="0" err="1"/>
               <a:t>repositorys</a:t>
             </a:r>
             <a:r>
-              <a:rPr lang="de-DE" dirty="0" smtClean="0"/>
+              <a:rPr lang="de-DE" dirty="0"/>
               <a:t> </a:t>
             </a:r>
           </a:p>
           <a:p>
             <a:pPr lvl="2"/>
             <a:r>
-              <a:rPr lang="de-DE" dirty="0" err="1" smtClean="0"/>
+              <a:rPr lang="de-DE" dirty="0" err="1"/>
               <a:t>Checkout</a:t>
             </a:r>
             <a:r>
-              <a:rPr lang="de-DE" dirty="0" smtClean="0"/>
+              <a:rPr lang="de-DE" dirty="0"/>
               <a:t> -&gt; Snapshot des </a:t>
             </a:r>
             <a:r>
-              <a:rPr lang="de-DE" dirty="0" err="1" smtClean="0"/>
+              <a:rPr lang="de-DE" dirty="0" err="1"/>
               <a:t>repositorys</a:t>
             </a:r>
             <a:r>
-              <a:rPr lang="de-DE" dirty="0" smtClean="0"/>
+              <a:rPr lang="de-DE" dirty="0"/>
               <a:t> -&gt; Working </a:t>
             </a:r>
             <a:r>
-              <a:rPr lang="de-DE" dirty="0" err="1" smtClean="0"/>
+              <a:rPr lang="de-DE" dirty="0" err="1"/>
               <a:t>Copies</a:t>
             </a:r>
-            <a:endParaRPr lang="de-DE" dirty="0" smtClean="0"/>
+            <a:endParaRPr lang="de-DE" dirty="0"/>
           </a:p>
           <a:p>
             <a:pPr lvl="2"/>
             <a:r>
-              <a:rPr lang="de-DE" dirty="0" smtClean="0"/>
+              <a:rPr lang="de-DE" dirty="0"/>
               <a:t>Änderungen -&gt; Commit</a:t>
             </a:r>
           </a:p>
           <a:p>
             <a:pPr lvl="2"/>
             <a:r>
-              <a:rPr lang="de-DE" dirty="0" smtClean="0"/>
-              <a:t>Nachfolgende Schritte </a:t>
-            </a:r>
-            <a:r>
               <a:rPr lang="de-DE" dirty="0"/>
-              <a:t>für einzelne </a:t>
-            </a:r>
-            <a:r>
-              <a:rPr lang="de-DE" dirty="0" smtClean="0"/>
-              <a:t>oder </a:t>
-            </a:r>
-            <a:r>
-              <a:rPr lang="de-DE" dirty="0"/>
-              <a:t>alle Dateien ausführbar (meiste SCMs)</a:t>
+              <a:t>Nachfolgende Schritte für einzelne oder alle Dateien ausführbar (meiste SCMs)</a:t>
             </a:r>
           </a:p>
           <a:p>
             <a:pPr lvl="2"/>
-            <a:endParaRPr lang="de-DE" dirty="0" smtClean="0"/>
+            <a:endParaRPr lang="de-DE" dirty="0"/>
           </a:p>
           <a:p>
             <a:pPr lvl="2"/>
-            <a:endParaRPr lang="de-DE" dirty="0" smtClean="0"/>
+            <a:endParaRPr lang="de-DE" dirty="0"/>
           </a:p>
           <a:p>
             <a:pPr lvl="1"/>
-            <a:endParaRPr lang="de-DE" dirty="0" smtClean="0"/>
+            <a:endParaRPr lang="de-DE" dirty="0"/>
           </a:p>
           <a:p>
             <a:pPr lvl="2"/>
-            <a:endParaRPr lang="de-DE" dirty="0" smtClean="0"/>
+            <a:endParaRPr lang="de-DE" dirty="0"/>
           </a:p>
           <a:p>
             <a:pPr lvl="2"/>
-            <a:endParaRPr lang="de-DE" dirty="0" smtClean="0"/>
+            <a:endParaRPr lang="de-DE" dirty="0"/>
           </a:p>
           <a:p>
             <a:pPr lvl="2"/>
-            <a:endParaRPr lang="de-DE" dirty="0" smtClean="0"/>
+            <a:endParaRPr lang="de-DE" dirty="0"/>
           </a:p>
         </p:txBody>
       </p:sp>
@@ -7161,11 +7579,11 @@
           <a:lstStyle/>
           <a:p>
             <a:r>
-              <a:rPr lang="de-DE" sz="1100" dirty="0" smtClean="0"/>
+              <a:rPr lang="de-DE" sz="1100" dirty="0"/>
               <a:t>Quelle: </a:t>
             </a:r>
             <a:r>
-              <a:rPr lang="de-DE" sz="1100" dirty="0" err="1" smtClean="0"/>
+              <a:rPr lang="de-DE" sz="1100" dirty="0" err="1"/>
               <a:t>Preißel</a:t>
             </a:r>
             <a:r>
@@ -7795,7 +8213,7 @@
           <a:lstStyle/>
           <a:p>
             <a:r>
-              <a:rPr lang="en-US" dirty="0" err="1" smtClean="0"/>
+              <a:rPr lang="en-US" dirty="0" err="1"/>
               <a:t>Versionsverwaltungssysteme</a:t>
             </a:r>
             <a:endParaRPr lang="en-US" dirty="0"/>
@@ -7826,109 +8244,108 @@
           <a:p>
             <a:pPr lvl="2"/>
             <a:r>
-              <a:rPr lang="de-DE" dirty="0" smtClean="0"/>
+              <a:rPr lang="de-DE" dirty="0"/>
               <a:t>SCM prüft ob Revisionsnummer der Working </a:t>
             </a:r>
             <a:r>
-              <a:rPr lang="de-DE" dirty="0" err="1" smtClean="0"/>
+              <a:rPr lang="de-DE" dirty="0" err="1"/>
               <a:t>Copy</a:t>
             </a:r>
             <a:r>
-              <a:rPr lang="de-DE" dirty="0" smtClean="0"/>
+              <a:rPr lang="de-DE" dirty="0"/>
               <a:t> gleich </a:t>
             </a:r>
             <a:r>
-              <a:rPr lang="de-DE" dirty="0" err="1" smtClean="0"/>
+              <a:rPr lang="de-DE" dirty="0" err="1"/>
               <a:t>Revisionesnummer</a:t>
             </a:r>
             <a:r>
-              <a:rPr lang="de-DE" dirty="0" smtClean="0"/>
+              <a:rPr lang="de-DE" dirty="0"/>
               <a:t> des </a:t>
             </a:r>
             <a:r>
-              <a:rPr lang="de-DE" dirty="0" err="1" smtClean="0"/>
+              <a:rPr lang="de-DE" dirty="0" err="1"/>
               <a:t>repositorys</a:t>
             </a:r>
-            <a:endParaRPr lang="de-DE" dirty="0" smtClean="0"/>
+            <a:endParaRPr lang="de-DE" dirty="0"/>
           </a:p>
           <a:p>
             <a:pPr lvl="3"/>
             <a:r>
-              <a:rPr lang="de-DE" dirty="0" smtClean="0"/>
+              <a:rPr lang="de-DE" dirty="0"/>
               <a:t>Falls ja </a:t>
             </a:r>
           </a:p>
           <a:p>
             <a:pPr lvl="4"/>
             <a:r>
-              <a:rPr lang="de-DE" dirty="0" smtClean="0"/>
+              <a:rPr lang="de-DE" dirty="0"/>
               <a:t>Änderungen übernehmen</a:t>
             </a:r>
           </a:p>
           <a:p>
             <a:pPr lvl="4"/>
             <a:r>
-              <a:rPr lang="de-DE" dirty="0" smtClean="0"/>
+              <a:rPr lang="de-DE" dirty="0"/>
               <a:t>neue Version erstellen (Revisionsnummer +1)</a:t>
             </a:r>
           </a:p>
           <a:p>
             <a:pPr lvl="3"/>
             <a:r>
-              <a:rPr lang="de-DE" dirty="0" smtClean="0"/>
+              <a:rPr lang="de-DE" dirty="0"/>
               <a:t>Falls nein </a:t>
             </a:r>
           </a:p>
           <a:p>
             <a:pPr lvl="4"/>
             <a:r>
-              <a:rPr lang="de-DE" u="sng" dirty="0" err="1" smtClean="0"/>
+              <a:rPr lang="de-DE" u="sng" dirty="0" err="1"/>
               <a:t>Merge</a:t>
             </a:r>
             <a:r>
-              <a:rPr lang="de-DE" dirty="0" smtClean="0"/>
+              <a:rPr lang="de-DE" dirty="0"/>
               <a:t>-Algorithmus mit manueller Prüfung ODER</a:t>
             </a:r>
-            <a:endParaRPr lang="de-DE" dirty="0"/>
           </a:p>
           <a:p>
             <a:pPr lvl="4"/>
             <a:r>
-              <a:rPr lang="de-DE" dirty="0" smtClean="0"/>
+              <a:rPr lang="de-DE" dirty="0"/>
               <a:t>Hinweis an Entwickler, update auszuführen und </a:t>
             </a:r>
             <a:r>
-              <a:rPr lang="de-DE" dirty="0" err="1" smtClean="0"/>
+              <a:rPr lang="de-DE" dirty="0" err="1"/>
               <a:t>Merge</a:t>
             </a:r>
             <a:r>
-              <a:rPr lang="de-DE" dirty="0" smtClean="0"/>
+              <a:rPr lang="de-DE" dirty="0"/>
               <a:t> selber durchzuführen</a:t>
             </a:r>
           </a:p>
           <a:p>
             <a:pPr lvl="2"/>
-            <a:endParaRPr lang="de-DE" dirty="0" smtClean="0"/>
+            <a:endParaRPr lang="de-DE" dirty="0"/>
           </a:p>
           <a:p>
             <a:pPr lvl="2"/>
-            <a:endParaRPr lang="de-DE" dirty="0" smtClean="0"/>
+            <a:endParaRPr lang="de-DE" dirty="0"/>
           </a:p>
           <a:p>
             <a:pPr lvl="1"/>
-            <a:endParaRPr lang="de-DE" dirty="0" smtClean="0"/>
+            <a:endParaRPr lang="de-DE" dirty="0"/>
           </a:p>
           <a:p>
             <a:pPr lvl="2"/>
-            <a:endParaRPr lang="de-DE" dirty="0" smtClean="0"/>
+            <a:endParaRPr lang="de-DE" dirty="0"/>
           </a:p>
           <a:p>
             <a:pPr lvl="2"/>
-            <a:endParaRPr lang="de-DE" dirty="0" smtClean="0"/>
+            <a:endParaRPr lang="de-DE" dirty="0"/>
           </a:p>
           <a:p>
             <a:pPr lvl="2"/>
-            <a:endParaRPr lang="de-DE" dirty="0" smtClean="0"/>
+            <a:endParaRPr lang="de-DE" dirty="0"/>
           </a:p>
         </p:txBody>
       </p:sp>
@@ -8460,7 +8877,7 @@
           <a:lstStyle/>
           <a:p>
             <a:r>
-              <a:rPr lang="en-US" dirty="0" err="1" smtClean="0"/>
+              <a:rPr lang="en-US" dirty="0" err="1"/>
               <a:t>Versionsverwaltungssysteme</a:t>
             </a:r>
             <a:endParaRPr lang="en-US" dirty="0"/>
@@ -8491,61 +8908,61 @@
           <a:p>
             <a:pPr lvl="1"/>
             <a:r>
-              <a:rPr lang="de-DE" dirty="0" smtClean="0"/>
+              <a:rPr lang="de-DE" dirty="0"/>
               <a:t>Zentrale Versionsverwaltungssysteme</a:t>
             </a:r>
           </a:p>
           <a:p>
             <a:pPr lvl="2"/>
             <a:r>
-              <a:rPr lang="de-DE" dirty="0" smtClean="0"/>
+              <a:rPr lang="de-DE" dirty="0"/>
               <a:t>Nachteile: </a:t>
             </a:r>
           </a:p>
           <a:p>
             <a:pPr lvl="3"/>
             <a:r>
-              <a:rPr lang="de-DE" dirty="0" smtClean="0"/>
+              <a:rPr lang="de-DE" dirty="0"/>
               <a:t>Abhängigkeit vom zentralen Server</a:t>
             </a:r>
           </a:p>
           <a:p>
             <a:pPr lvl="3"/>
             <a:r>
-              <a:rPr lang="de-DE" dirty="0" smtClean="0"/>
+              <a:rPr lang="de-DE" dirty="0"/>
               <a:t>Backups notwendig</a:t>
             </a:r>
           </a:p>
           <a:p>
             <a:pPr lvl="3"/>
             <a:r>
-              <a:rPr lang="de-DE" dirty="0" smtClean="0"/>
+              <a:rPr lang="de-DE" dirty="0"/>
               <a:t>Versionsgeschichte nur im Repository vorhanden</a:t>
             </a:r>
           </a:p>
           <a:p>
             <a:pPr lvl="2"/>
-            <a:endParaRPr lang="de-DE" dirty="0" smtClean="0"/>
+            <a:endParaRPr lang="de-DE" dirty="0"/>
           </a:p>
           <a:p>
             <a:pPr lvl="2"/>
-            <a:endParaRPr lang="de-DE" dirty="0" smtClean="0"/>
+            <a:endParaRPr lang="de-DE" dirty="0"/>
           </a:p>
           <a:p>
             <a:pPr lvl="1"/>
-            <a:endParaRPr lang="de-DE" dirty="0" smtClean="0"/>
+            <a:endParaRPr lang="de-DE" dirty="0"/>
           </a:p>
           <a:p>
             <a:pPr lvl="2"/>
-            <a:endParaRPr lang="de-DE" dirty="0" smtClean="0"/>
+            <a:endParaRPr lang="de-DE" dirty="0"/>
           </a:p>
           <a:p>
             <a:pPr lvl="2"/>
-            <a:endParaRPr lang="de-DE" dirty="0" smtClean="0"/>
+            <a:endParaRPr lang="de-DE" dirty="0"/>
           </a:p>
           <a:p>
             <a:pPr lvl="2"/>
-            <a:endParaRPr lang="de-DE" dirty="0" smtClean="0"/>
+            <a:endParaRPr lang="de-DE" dirty="0"/>
           </a:p>
         </p:txBody>
       </p:sp>
@@ -8955,7 +9372,7 @@
           <a:lstStyle/>
           <a:p>
             <a:r>
-              <a:rPr lang="en-US" dirty="0" err="1" smtClean="0"/>
+              <a:rPr lang="en-US" dirty="0" err="1"/>
               <a:t>Versionsverwaltungssysteme</a:t>
             </a:r>
             <a:endParaRPr lang="en-US" dirty="0"/>
@@ -8986,71 +9403,71 @@
           <a:p>
             <a:pPr lvl="1"/>
             <a:r>
-              <a:rPr lang="de-DE" dirty="0" smtClean="0"/>
+              <a:rPr lang="de-DE" dirty="0"/>
               <a:t>Dezentrale Versionsverwaltungssysteme</a:t>
             </a:r>
           </a:p>
           <a:p>
             <a:pPr lvl="1"/>
             <a:r>
-              <a:rPr lang="de-DE" dirty="0" smtClean="0"/>
+              <a:rPr lang="de-DE" dirty="0"/>
               <a:t>Beispiele: </a:t>
             </a:r>
             <a:r>
-              <a:rPr lang="de-DE" dirty="0" err="1" smtClean="0"/>
+              <a:rPr lang="de-DE" dirty="0" err="1"/>
               <a:t>Git</a:t>
             </a:r>
             <a:r>
-              <a:rPr lang="de-DE" dirty="0" smtClean="0"/>
+              <a:rPr lang="de-DE" dirty="0"/>
               <a:t>, Monotone, </a:t>
             </a:r>
             <a:r>
-              <a:rPr lang="de-DE" dirty="0" err="1" smtClean="0"/>
+              <a:rPr lang="de-DE" dirty="0" err="1"/>
               <a:t>BitKeeper</a:t>
             </a:r>
             <a:r>
-              <a:rPr lang="de-DE" dirty="0" smtClean="0"/>
+              <a:rPr lang="de-DE" dirty="0"/>
               <a:t> </a:t>
             </a:r>
           </a:p>
           <a:p>
             <a:pPr lvl="2"/>
             <a:r>
-              <a:rPr lang="de-DE" dirty="0" smtClean="0"/>
+              <a:rPr lang="de-DE" dirty="0"/>
               <a:t>Jeder Benutzer unterhält eigenes Repository</a:t>
             </a:r>
           </a:p>
           <a:p>
             <a:pPr lvl="4"/>
-            <a:endParaRPr lang="de-DE" dirty="0" smtClean="0"/>
+            <a:endParaRPr lang="de-DE" dirty="0"/>
           </a:p>
           <a:p>
             <a:pPr lvl="4"/>
-            <a:endParaRPr lang="de-DE" dirty="0" smtClean="0"/>
+            <a:endParaRPr lang="de-DE" dirty="0"/>
           </a:p>
           <a:p>
             <a:pPr lvl="2"/>
-            <a:endParaRPr lang="de-DE" dirty="0" smtClean="0"/>
+            <a:endParaRPr lang="de-DE" dirty="0"/>
           </a:p>
           <a:p>
             <a:pPr lvl="2"/>
-            <a:endParaRPr lang="de-DE" dirty="0" smtClean="0"/>
+            <a:endParaRPr lang="de-DE" dirty="0"/>
           </a:p>
           <a:p>
             <a:pPr lvl="1"/>
-            <a:endParaRPr lang="de-DE" dirty="0" smtClean="0"/>
+            <a:endParaRPr lang="de-DE" dirty="0"/>
           </a:p>
           <a:p>
             <a:pPr lvl="2"/>
-            <a:endParaRPr lang="de-DE" dirty="0" smtClean="0"/>
+            <a:endParaRPr lang="de-DE" dirty="0"/>
           </a:p>
           <a:p>
             <a:pPr lvl="2"/>
-            <a:endParaRPr lang="de-DE" dirty="0" smtClean="0"/>
+            <a:endParaRPr lang="de-DE" dirty="0"/>
           </a:p>
           <a:p>
             <a:pPr lvl="2"/>
-            <a:endParaRPr lang="de-DE" dirty="0" smtClean="0"/>
+            <a:endParaRPr lang="de-DE" dirty="0"/>
           </a:p>
         </p:txBody>
       </p:sp>
@@ -9099,11 +9516,11 @@
           <a:lstStyle/>
           <a:p>
             <a:r>
-              <a:rPr lang="de-DE" sz="1100" dirty="0" smtClean="0"/>
+              <a:rPr lang="de-DE" sz="1100" dirty="0"/>
               <a:t>Quelle: </a:t>
             </a:r>
             <a:r>
-              <a:rPr lang="de-DE" sz="1100" dirty="0" err="1" smtClean="0"/>
+              <a:rPr lang="de-DE" sz="1100" dirty="0" err="1"/>
               <a:t>Preißel</a:t>
             </a:r>
             <a:r>
@@ -9513,7 +9930,7 @@
           <a:lstStyle/>
           <a:p>
             <a:r>
-              <a:rPr lang="en-US" dirty="0" err="1" smtClean="0"/>
+              <a:rPr lang="en-US" dirty="0" err="1"/>
               <a:t>Versionsverwaltungssysteme</a:t>
             </a:r>
             <a:endParaRPr lang="en-US" dirty="0"/>
@@ -9544,36 +9961,36 @@
           <a:p>
             <a:pPr lvl="2"/>
             <a:r>
-              <a:rPr lang="de-DE" dirty="0" smtClean="0"/>
+              <a:rPr lang="de-DE" dirty="0"/>
               <a:t>Zusammenarbeit (Beispiel A möchte bei B mitentwickeln)</a:t>
             </a:r>
           </a:p>
           <a:p>
             <a:pPr lvl="3"/>
             <a:r>
-              <a:rPr lang="de-DE" dirty="0" smtClean="0"/>
+              <a:rPr lang="de-DE" dirty="0"/>
               <a:t>B macht Repository öffentlich (Hosting)</a:t>
             </a:r>
           </a:p>
           <a:p>
             <a:pPr lvl="3"/>
             <a:r>
-              <a:rPr lang="de-DE" dirty="0" smtClean="0"/>
+              <a:rPr lang="de-DE" dirty="0"/>
               <a:t>Repository von B </a:t>
             </a:r>
             <a:r>
-              <a:rPr lang="de-DE" dirty="0" err="1" smtClean="0"/>
+              <a:rPr lang="de-DE" dirty="0" err="1"/>
               <a:t>clonen</a:t>
             </a:r>
             <a:r>
-              <a:rPr lang="de-DE" dirty="0" smtClean="0"/>
+              <a:rPr lang="de-DE" dirty="0"/>
               <a:t> -&gt; A hat eigenes unabhängiges Repository</a:t>
             </a:r>
           </a:p>
           <a:p>
             <a:pPr lvl="3"/>
             <a:r>
-              <a:rPr lang="de-DE" dirty="0" smtClean="0"/>
+              <a:rPr lang="de-DE" dirty="0"/>
               <a:t>Um auf dem gleichen Stand zu bleiben Remote Update: Regelmäßiges Pull von dessen Repository</a:t>
             </a:r>
           </a:p>
@@ -9607,39 +10024,39 @@
           </a:p>
           <a:p>
             <a:pPr lvl="3"/>
-            <a:endParaRPr lang="de-DE" dirty="0" smtClean="0"/>
+            <a:endParaRPr lang="de-DE" dirty="0"/>
           </a:p>
           <a:p>
             <a:pPr lvl="4"/>
-            <a:endParaRPr lang="de-DE" dirty="0" smtClean="0"/>
+            <a:endParaRPr lang="de-DE" dirty="0"/>
           </a:p>
           <a:p>
             <a:pPr lvl="4"/>
-            <a:endParaRPr lang="de-DE" dirty="0" smtClean="0"/>
+            <a:endParaRPr lang="de-DE" dirty="0"/>
           </a:p>
           <a:p>
             <a:pPr lvl="2"/>
-            <a:endParaRPr lang="de-DE" dirty="0" smtClean="0"/>
+            <a:endParaRPr lang="de-DE" dirty="0"/>
           </a:p>
           <a:p>
             <a:pPr lvl="2"/>
-            <a:endParaRPr lang="de-DE" dirty="0" smtClean="0"/>
+            <a:endParaRPr lang="de-DE" dirty="0"/>
           </a:p>
           <a:p>
             <a:pPr lvl="1"/>
-            <a:endParaRPr lang="de-DE" dirty="0" smtClean="0"/>
+            <a:endParaRPr lang="de-DE" dirty="0"/>
           </a:p>
           <a:p>
             <a:pPr lvl="2"/>
-            <a:endParaRPr lang="de-DE" dirty="0" smtClean="0"/>
+            <a:endParaRPr lang="de-DE" dirty="0"/>
           </a:p>
           <a:p>
             <a:pPr lvl="2"/>
-            <a:endParaRPr lang="de-DE" dirty="0" smtClean="0"/>
+            <a:endParaRPr lang="de-DE" dirty="0"/>
           </a:p>
           <a:p>
             <a:pPr lvl="2"/>
-            <a:endParaRPr lang="de-DE" dirty="0" smtClean="0"/>
+            <a:endParaRPr lang="de-DE" dirty="0"/>
           </a:p>
         </p:txBody>
       </p:sp>
@@ -10232,7 +10649,7 @@
           <a:lstStyle/>
           <a:p>
             <a:r>
-              <a:rPr lang="en-US" dirty="0" err="1" smtClean="0"/>
+              <a:rPr lang="en-US" dirty="0" err="1"/>
               <a:t>Versionsverwaltungssysteme</a:t>
             </a:r>
             <a:endParaRPr lang="en-US" dirty="0"/>
@@ -10263,116 +10680,102 @@
           <a:p>
             <a:pPr lvl="2"/>
             <a:r>
-              <a:rPr lang="de-DE" dirty="0" smtClean="0"/>
-              <a:t>Vorteile</a:t>
-            </a:r>
-            <a:r>
               <a:rPr lang="de-DE" dirty="0"/>
-              <a:t>: </a:t>
+              <a:t>Vorteile: </a:t>
             </a:r>
           </a:p>
           <a:p>
             <a:pPr lvl="3"/>
             <a:r>
-              <a:rPr lang="de-DE" dirty="0" smtClean="0"/>
-              <a:t>Keine Verbindung zum Server notwendig -&gt; vollständiger Zugriff zu jedem </a:t>
-            </a:r>
-            <a:r>
               <a:rPr lang="de-DE" dirty="0"/>
-              <a:t>Z</a:t>
-            </a:r>
-            <a:r>
-              <a:rPr lang="de-DE" dirty="0" smtClean="0"/>
-              <a:t>eitpunkt möglich</a:t>
-            </a:r>
-            <a:endParaRPr lang="de-DE" dirty="0"/>
+              <a:t>Keine Verbindung zum Server notwendig -&gt; vollständiger Zugriff zu jedem Zeitpunkt möglich</a:t>
+            </a:r>
           </a:p>
           <a:p>
             <a:pPr lvl="3"/>
             <a:r>
-              <a:rPr lang="de-DE" dirty="0" smtClean="0"/>
+              <a:rPr lang="de-DE" dirty="0"/>
               <a:t>Änderungen unter vollständiger Kontrolle (mit Namen)</a:t>
             </a:r>
           </a:p>
           <a:p>
             <a:pPr lvl="3"/>
             <a:r>
-              <a:rPr lang="de-DE" dirty="0" smtClean="0"/>
+              <a:rPr lang="de-DE" dirty="0"/>
               <a:t>Verteilte Versionsgeschichte (Änderungen lokal verfolgbar)</a:t>
             </a:r>
           </a:p>
           <a:p>
             <a:pPr lvl="3"/>
             <a:r>
-              <a:rPr lang="de-DE" dirty="0" smtClean="0"/>
+              <a:rPr lang="de-DE" dirty="0"/>
               <a:t>Unterstützen effiziente Arbeitsweise (schnelles Wechseln zwischen lokalen </a:t>
             </a:r>
             <a:r>
-              <a:rPr lang="de-DE" dirty="0" err="1" smtClean="0"/>
+              <a:rPr lang="de-DE" dirty="0" err="1"/>
               <a:t>Branches</a:t>
             </a:r>
             <a:r>
-              <a:rPr lang="de-DE" dirty="0" smtClean="0"/>
+              <a:rPr lang="de-DE" dirty="0"/>
               <a:t>)</a:t>
             </a:r>
           </a:p>
           <a:p>
             <a:pPr lvl="2"/>
             <a:r>
-              <a:rPr lang="de-DE" dirty="0" smtClean="0"/>
+              <a:rPr lang="de-DE" dirty="0"/>
               <a:t>Revisionen können anhand laufender Nummern nicht mehr identifiziert werden (SHA1-Prüfsummen als Lösung bei GIT)</a:t>
             </a:r>
           </a:p>
           <a:p>
             <a:pPr lvl="3"/>
             <a:r>
-              <a:rPr lang="de-DE" dirty="0" smtClean="0"/>
+              <a:rPr lang="de-DE" dirty="0"/>
               <a:t>Effizienter Abgleich zwischen </a:t>
             </a:r>
             <a:r>
-              <a:rPr lang="de-DE" dirty="0" err="1" smtClean="0"/>
+              <a:rPr lang="de-DE" dirty="0" err="1"/>
               <a:t>Repositorys</a:t>
             </a:r>
-            <a:endParaRPr lang="de-DE" dirty="0" smtClean="0"/>
+            <a:endParaRPr lang="de-DE" dirty="0"/>
           </a:p>
           <a:p>
             <a:pPr lvl="3"/>
             <a:r>
-              <a:rPr lang="de-DE" dirty="0" smtClean="0"/>
+              <a:rPr lang="de-DE" dirty="0"/>
               <a:t>Offline-Erzeugung der Hashs ohne Problem</a:t>
             </a:r>
           </a:p>
           <a:p>
             <a:pPr lvl="3"/>
             <a:r>
-              <a:rPr lang="de-DE" dirty="0" smtClean="0"/>
+              <a:rPr lang="de-DE" dirty="0"/>
               <a:t>Integrität -&gt; Hashwert wird aus Daten gewonnen -&gt; Manipulation schwer</a:t>
             </a:r>
-            <a:endParaRPr lang="de-DE" dirty="0"/>
           </a:p>
           <a:p>
             <a:pPr lvl="2"/>
-            <a:endParaRPr lang="de-DE" dirty="0" smtClean="0"/>
+            <a:endParaRPr lang="de-DE" dirty="0"/>
           </a:p>
           <a:p>
             <a:pPr lvl="2"/>
-            <a:endParaRPr lang="de-DE" dirty="0" smtClean="0"/>
+            <a:endParaRPr lang="de-DE" dirty="0"/>
           </a:p>
           <a:p>
             <a:pPr lvl="1"/>
-            <a:endParaRPr lang="de-DE" dirty="0" smtClean="0"/>
+            <a:endParaRPr lang="de-DE" dirty="0"/>
           </a:p>
           <a:p>
             <a:pPr lvl="2"/>
-            <a:endParaRPr lang="de-DE" dirty="0" smtClean="0"/>
+            <a:endParaRPr lang="de-DE" dirty="0"/>
           </a:p>
           <a:p>
             <a:pPr lvl="2"/>
-            <a:endParaRPr lang="de-DE" dirty="0" smtClean="0"/>
+            <a:endParaRPr lang="de-DE" dirty="0"/>
           </a:p>
           <a:p>
             <a:pPr lvl="2"/>
-            <a:endParaRPr lang="de-DE" dirty="0" smtClean="0"/>
+            <a:endParaRPr lang="de-DE" dirty="0"/>
           </a:p>
         </p:txBody>
       </p:sp>
@@ -11026,7 +11429,7 @@
           <a:lstStyle/>
           <a:p>
             <a:r>
-              <a:rPr lang="en-US" dirty="0" err="1" smtClean="0"/>
+              <a:rPr lang="en-US" dirty="0" err="1"/>
               <a:t>Vergleich</a:t>
             </a:r>
             <a:endParaRPr lang="en-US" dirty="0"/>
@@ -11056,7 +11459,7 @@
           <a:lstStyle/>
           <a:p>
             <a:pPr lvl="3"/>
-            <a:endParaRPr lang="de-DE" dirty="0" smtClean="0"/>
+            <a:endParaRPr lang="de-DE" dirty="0"/>
           </a:p>
           <a:p>
             <a:pPr lvl="2"/>
@@ -11064,7 +11467,7 @@
           </a:p>
           <a:p>
             <a:pPr lvl="2"/>
-            <a:endParaRPr lang="de-DE" dirty="0" smtClean="0"/>
+            <a:endParaRPr lang="de-DE" dirty="0"/>
           </a:p>
           <a:p>
             <a:pPr lvl="2"/>
@@ -11072,7 +11475,7 @@
           </a:p>
           <a:p>
             <a:pPr lvl="2"/>
-            <a:endParaRPr lang="de-DE" dirty="0" smtClean="0"/>
+            <a:endParaRPr lang="de-DE" dirty="0"/>
           </a:p>
           <a:p>
             <a:pPr lvl="2"/>
@@ -11080,7 +11483,7 @@
           </a:p>
           <a:p>
             <a:pPr lvl="2"/>
-            <a:endParaRPr lang="de-DE" dirty="0" smtClean="0"/>
+            <a:endParaRPr lang="de-DE" dirty="0"/>
           </a:p>
           <a:p>
             <a:pPr lvl="2"/>
@@ -11088,13 +11491,7 @@
           </a:p>
           <a:p>
             <a:pPr lvl="2"/>
-            <a:endParaRPr lang="de-DE" dirty="0" smtClean="0"/>
-          </a:p>
-          <a:p>
-            <a:pPr marL="667512" lvl="2" indent="0">
-              <a:buNone/>
-            </a:pPr>
-            <a:endParaRPr lang="de-DE" sz="1100" dirty="0" smtClean="0"/>
+            <a:endParaRPr lang="de-DE" dirty="0"/>
           </a:p>
           <a:p>
             <a:pPr marL="667512" lvl="2" indent="0">
@@ -11106,27 +11503,33 @@
             <a:pPr marL="667512" lvl="2" indent="0">
               <a:buNone/>
             </a:pPr>
-            <a:endParaRPr lang="de-DE" sz="1100" dirty="0" smtClean="0"/>
+            <a:endParaRPr lang="de-DE" sz="1100" dirty="0"/>
+          </a:p>
+          <a:p>
+            <a:pPr marL="667512" lvl="2" indent="0">
+              <a:buNone/>
+            </a:pPr>
+            <a:endParaRPr lang="de-DE" sz="1100" dirty="0"/>
           </a:p>
           <a:p>
             <a:pPr lvl="2"/>
-            <a:endParaRPr lang="de-DE" dirty="0" smtClean="0"/>
+            <a:endParaRPr lang="de-DE" dirty="0"/>
           </a:p>
           <a:p>
             <a:pPr lvl="1"/>
-            <a:endParaRPr lang="de-DE" dirty="0" smtClean="0"/>
+            <a:endParaRPr lang="de-DE" dirty="0"/>
           </a:p>
           <a:p>
             <a:pPr lvl="2"/>
-            <a:endParaRPr lang="de-DE" dirty="0" smtClean="0"/>
+            <a:endParaRPr lang="de-DE" dirty="0"/>
           </a:p>
           <a:p>
             <a:pPr lvl="2"/>
-            <a:endParaRPr lang="de-DE" dirty="0" smtClean="0"/>
+            <a:endParaRPr lang="de-DE" dirty="0"/>
           </a:p>
           <a:p>
             <a:pPr lvl="2"/>
-            <a:endParaRPr lang="de-DE" dirty="0" smtClean="0"/>
+            <a:endParaRPr lang="de-DE" dirty="0"/>
           </a:p>
         </p:txBody>
       </p:sp>
@@ -11178,9 +11581,27 @@
                 <a:tableStyleId>{5C22544A-7EE6-4342-B048-85BDC9FD1C3A}</a:tableStyleId>
               </a:tblPr>
               <a:tblGrid>
-                <a:gridCol w="1594520"/>
-                <a:gridCol w="3456383"/>
-                <a:gridCol w="3240360"/>
+                <a:gridCol w="1594520">
+                  <a:extLst>
+                    <a:ext uri="{9D8B030D-6E8A-4147-A177-3AD203B41FA5}">
+                      <a16:colId xmlns:a16="http://schemas.microsoft.com/office/drawing/2014/main" val="20000"/>
+                    </a:ext>
+                  </a:extLst>
+                </a:gridCol>
+                <a:gridCol w="3456383">
+                  <a:extLst>
+                    <a:ext uri="{9D8B030D-6E8A-4147-A177-3AD203B41FA5}">
+                      <a16:colId xmlns:a16="http://schemas.microsoft.com/office/drawing/2014/main" val="20001"/>
+                    </a:ext>
+                  </a:extLst>
+                </a:gridCol>
+                <a:gridCol w="3240360">
+                  <a:extLst>
+                    <a:ext uri="{9D8B030D-6E8A-4147-A177-3AD203B41FA5}">
+                      <a16:colId xmlns:a16="http://schemas.microsoft.com/office/drawing/2014/main" val="20002"/>
+                    </a:ext>
+                  </a:extLst>
+                </a:gridCol>
               </a:tblGrid>
               <a:tr h="350603">
                 <a:tc>
@@ -11199,10 +11620,9 @@
                     <a:lstStyle/>
                     <a:p>
                       <a:r>
-                        <a:rPr lang="de-DE" sz="1600" dirty="0" smtClean="0"/>
+                        <a:rPr lang="de-DE" sz="1600" dirty="0"/>
                         <a:t>Zentral</a:t>
                       </a:r>
-                      <a:endParaRPr lang="de-DE" sz="1600" dirty="0"/>
                     </a:p>
                   </a:txBody>
                   <a:tcPr/>
@@ -11213,14 +11633,18 @@
                     <a:lstStyle/>
                     <a:p>
                       <a:r>
-                        <a:rPr lang="de-DE" sz="1600" dirty="0" smtClean="0"/>
+                        <a:rPr lang="de-DE" sz="1600" dirty="0"/>
                         <a:t>Dezentral </a:t>
                       </a:r>
-                      <a:endParaRPr lang="de-DE" sz="1600" dirty="0"/>
                     </a:p>
                   </a:txBody>
                   <a:tcPr/>
                 </a:tc>
+                <a:extLst>
+                  <a:ext uri="{0D108BD9-81ED-4DB2-BD59-A6C34878D82A}">
+                    <a16:rowId xmlns:a16="http://schemas.microsoft.com/office/drawing/2014/main" val="10000"/>
+                  </a:ext>
+                </a:extLst>
               </a:tr>
               <a:tr h="820757">
                 <a:tc>
@@ -11229,10 +11653,9 @@
                     <a:lstStyle/>
                     <a:p>
                       <a:r>
-                        <a:rPr lang="de-DE" sz="1600" b="1" dirty="0" smtClean="0"/>
+                        <a:rPr lang="de-DE" sz="1600" b="1" dirty="0"/>
                         <a:t>Repository</a:t>
                       </a:r>
-                      <a:endParaRPr lang="de-DE" sz="1600" b="1" dirty="0"/>
                     </a:p>
                   </a:txBody>
                   <a:tcPr/>
@@ -11243,11 +11666,11 @@
                     <a:lstStyle/>
                     <a:p>
                       <a:r>
-                        <a:rPr lang="de-DE" sz="1600" dirty="0" smtClean="0"/>
+                        <a:rPr lang="de-DE" sz="1600" dirty="0"/>
                         <a:t>Ein zentrales Repository, in</a:t>
                       </a:r>
                       <a:r>
-                        <a:rPr lang="de-DE" sz="1600" baseline="0" dirty="0" smtClean="0"/>
+                        <a:rPr lang="de-DE" sz="1600" baseline="0" dirty="0"/>
                         <a:t> dem Arbeitskopien erzeugt werden</a:t>
                       </a:r>
                       <a:endParaRPr lang="de-DE" sz="1600" dirty="0"/>
@@ -11261,11 +11684,11 @@
                     <a:lstStyle/>
                     <a:p>
                       <a:r>
-                        <a:rPr lang="de-DE" sz="1600" dirty="0" smtClean="0"/>
+                        <a:rPr lang="de-DE" sz="1600" dirty="0"/>
                         <a:t>Lokal vorliegende Repository-Kopien; keine Trennung</a:t>
                       </a:r>
                       <a:r>
-                        <a:rPr lang="de-DE" sz="1600" baseline="0" dirty="0" smtClean="0"/>
+                        <a:rPr lang="de-DE" sz="1600" baseline="0" dirty="0"/>
                         <a:t> zwischen Server- und Entwicklerumgebung</a:t>
                       </a:r>
                       <a:endParaRPr lang="de-DE" sz="1600" dirty="0"/>
@@ -11273,6 +11696,11 @@
                   </a:txBody>
                   <a:tcPr/>
                 </a:tc>
+                <a:extLst>
+                  <a:ext uri="{0D108BD9-81ED-4DB2-BD59-A6C34878D82A}">
+                    <a16:rowId xmlns:a16="http://schemas.microsoft.com/office/drawing/2014/main" val="10001"/>
+                  </a:ext>
+                </a:extLst>
               </a:tr>
               <a:tr h="820757">
                 <a:tc>
@@ -11281,7 +11709,7 @@
                     <a:lstStyle/>
                     <a:p>
                       <a:r>
-                        <a:rPr lang="de-DE" sz="1600" b="1" dirty="0" err="1" smtClean="0"/>
+                        <a:rPr lang="de-DE" sz="1600" b="1" dirty="0" err="1"/>
                         <a:t>History</a:t>
                       </a:r>
                       <a:endParaRPr lang="de-DE" sz="1600" b="1" dirty="0"/>
@@ -11295,11 +11723,11 @@
                     <a:lstStyle/>
                     <a:p>
                       <a:r>
-                        <a:rPr lang="de-DE" sz="1600" dirty="0" smtClean="0"/>
+                        <a:rPr lang="de-DE" sz="1600" dirty="0"/>
                         <a:t>Historische</a:t>
                       </a:r>
                       <a:r>
-                        <a:rPr lang="de-DE" sz="1600" baseline="0" dirty="0" smtClean="0"/>
+                        <a:rPr lang="de-DE" sz="1600" baseline="0" dirty="0"/>
                         <a:t> Versionen der Dateien liegen auf Server; Änderungen sind nur auf Server nachvollziehbar</a:t>
                       </a:r>
                       <a:endParaRPr lang="de-DE" sz="1600" dirty="0"/>
@@ -11313,11 +11741,11 @@
                     <a:lstStyle/>
                     <a:p>
                       <a:r>
-                        <a:rPr lang="de-DE" sz="1600" dirty="0" smtClean="0"/>
+                        <a:rPr lang="de-DE" sz="1600" dirty="0"/>
                         <a:t>Änderungen</a:t>
                       </a:r>
                       <a:r>
-                        <a:rPr lang="de-DE" sz="1600" baseline="0" dirty="0" smtClean="0"/>
+                        <a:rPr lang="de-DE" sz="1600" baseline="0" dirty="0"/>
                         <a:t> sind auch lokal ohne Verbindung zum Server nachvollziehbar</a:t>
                       </a:r>
                       <a:endParaRPr lang="de-DE" sz="1600" dirty="0"/>
@@ -11325,6 +11753,11 @@
                   </a:txBody>
                   <a:tcPr/>
                 </a:tc>
+                <a:extLst>
+                  <a:ext uri="{0D108BD9-81ED-4DB2-BD59-A6C34878D82A}">
+                    <a16:rowId xmlns:a16="http://schemas.microsoft.com/office/drawing/2014/main" val="10002"/>
+                  </a:ext>
+                </a:extLst>
               </a:tr>
               <a:tr h="577570">
                 <a:tc>
@@ -11333,14 +11766,13 @@
                     <a:lstStyle/>
                     <a:p>
                       <a:r>
-                        <a:rPr lang="de-DE" sz="1600" b="1" dirty="0" err="1" smtClean="0"/>
+                        <a:rPr lang="de-DE" sz="1600" b="1" dirty="0" err="1"/>
                         <a:t>Netzwerkan</a:t>
                       </a:r>
                       <a:r>
-                        <a:rPr lang="de-DE" sz="1600" b="1" dirty="0" smtClean="0"/>
+                        <a:rPr lang="de-DE" sz="1600" b="1" dirty="0"/>
                         <a:t>-bindung</a:t>
                       </a:r>
-                      <a:endParaRPr lang="de-DE" sz="1600" b="1" dirty="0"/>
                     </a:p>
                   </a:txBody>
                   <a:tcPr/>
@@ -11351,10 +11783,9 @@
                     <a:lstStyle/>
                     <a:p>
                       <a:r>
-                        <a:rPr lang="de-DE" sz="1600" dirty="0" smtClean="0"/>
+                        <a:rPr lang="de-DE" sz="1600" dirty="0"/>
                         <a:t>Bei jedem Zugriff notwendig</a:t>
                       </a:r>
-                      <a:endParaRPr lang="de-DE" sz="1600" dirty="0"/>
                     </a:p>
                   </a:txBody>
                   <a:tcPr/>
@@ -11365,11 +11796,11 @@
                     <a:lstStyle/>
                     <a:p>
                       <a:r>
-                        <a:rPr lang="de-DE" sz="1600" dirty="0" smtClean="0"/>
+                        <a:rPr lang="de-DE" sz="1600" dirty="0"/>
                         <a:t>Nur zur Synchronisation</a:t>
                       </a:r>
                       <a:r>
-                        <a:rPr lang="de-DE" sz="1600" baseline="0" dirty="0" smtClean="0"/>
+                        <a:rPr lang="de-DE" sz="1600" baseline="0" dirty="0"/>
                         <a:t> notwendig</a:t>
                       </a:r>
                       <a:endParaRPr lang="de-DE" sz="1600" dirty="0"/>
@@ -11377,6 +11808,11 @@
                   </a:txBody>
                   <a:tcPr/>
                 </a:tc>
+                <a:extLst>
+                  <a:ext uri="{0D108BD9-81ED-4DB2-BD59-A6C34878D82A}">
+                    <a16:rowId xmlns:a16="http://schemas.microsoft.com/office/drawing/2014/main" val="10003"/>
+                  </a:ext>
+                </a:extLst>
               </a:tr>
               <a:tr h="577570">
                 <a:tc>
@@ -11385,10 +11821,9 @@
                     <a:lstStyle/>
                     <a:p>
                       <a:r>
-                        <a:rPr lang="de-DE" sz="1600" b="1" dirty="0" smtClean="0"/>
+                        <a:rPr lang="de-DE" sz="1600" b="1" dirty="0"/>
                         <a:t>Performance &amp; Offline-Fähigkeit</a:t>
                       </a:r>
-                      <a:endParaRPr lang="de-DE" sz="1600" b="1" dirty="0"/>
                     </a:p>
                   </a:txBody>
                   <a:tcPr/>
@@ -11399,11 +11834,11 @@
                     <a:lstStyle/>
                     <a:p>
                       <a:r>
-                        <a:rPr lang="de-DE" sz="1600" dirty="0" smtClean="0"/>
+                        <a:rPr lang="de-DE" sz="1600" dirty="0"/>
                         <a:t>Gering,</a:t>
                       </a:r>
                       <a:r>
-                        <a:rPr lang="de-DE" sz="1600" baseline="0" dirty="0" smtClean="0"/>
+                        <a:rPr lang="de-DE" sz="1600" baseline="0" dirty="0"/>
                         <a:t> da für Operationen Netzwerkanbindung erforderlich </a:t>
                       </a:r>
                       <a:endParaRPr lang="de-DE" sz="1600" dirty="0"/>
@@ -11417,11 +11852,11 @@
                     <a:lstStyle/>
                     <a:p>
                       <a:r>
-                        <a:rPr lang="de-DE" sz="1600" dirty="0" smtClean="0"/>
+                        <a:rPr lang="de-DE" sz="1600" dirty="0"/>
                         <a:t>Hoch, da fast</a:t>
                       </a:r>
                       <a:r>
-                        <a:rPr lang="de-DE" sz="1600" baseline="0" dirty="0" smtClean="0"/>
+                        <a:rPr lang="de-DE" sz="1600" baseline="0" dirty="0"/>
                         <a:t> alle Operationen lokal durchgeführt werden</a:t>
                       </a:r>
                       <a:endParaRPr lang="de-DE" sz="1600" dirty="0"/>
@@ -11429,6 +11864,11 @@
                   </a:txBody>
                   <a:tcPr/>
                 </a:tc>
+                <a:extLst>
+                  <a:ext uri="{0D108BD9-81ED-4DB2-BD59-A6C34878D82A}">
+                    <a16:rowId xmlns:a16="http://schemas.microsoft.com/office/drawing/2014/main" val="10004"/>
+                  </a:ext>
+                </a:extLst>
               </a:tr>
               <a:tr h="577570">
                 <a:tc>
@@ -11437,10 +11877,9 @@
                     <a:lstStyle/>
                     <a:p>
                       <a:r>
-                        <a:rPr lang="de-DE" sz="1600" b="1" dirty="0" smtClean="0"/>
+                        <a:rPr lang="de-DE" sz="1600" b="1" dirty="0"/>
                         <a:t>Backup</a:t>
                       </a:r>
-                      <a:endParaRPr lang="de-DE" sz="1600" b="1" dirty="0"/>
                     </a:p>
                   </a:txBody>
                   <a:tcPr/>
@@ -11451,11 +11890,11 @@
                     <a:lstStyle/>
                     <a:p>
                       <a:r>
-                        <a:rPr lang="de-DE" sz="1600" dirty="0" smtClean="0"/>
+                        <a:rPr lang="de-DE" sz="1600" dirty="0"/>
                         <a:t>Zentrale Datenspeicherung auf Server   -&gt; separates</a:t>
                       </a:r>
                       <a:r>
-                        <a:rPr lang="de-DE" sz="1600" baseline="0" dirty="0" smtClean="0"/>
+                        <a:rPr lang="de-DE" sz="1600" baseline="0" dirty="0"/>
                         <a:t> Backup notwendig</a:t>
                       </a:r>
                       <a:endParaRPr lang="de-DE" sz="1600" dirty="0"/>
@@ -11469,15 +11908,15 @@
                     <a:lstStyle/>
                     <a:p>
                       <a:r>
-                        <a:rPr lang="de-DE" sz="1600" dirty="0" smtClean="0"/>
+                        <a:rPr lang="de-DE" sz="1600" dirty="0"/>
                         <a:t>Serverausfall: Auf</a:t>
                       </a:r>
                       <a:r>
-                        <a:rPr lang="de-DE" sz="1600" baseline="0" dirty="0" smtClean="0"/>
+                        <a:rPr lang="de-DE" sz="1600" baseline="0" dirty="0"/>
                         <a:t> jedem Rechner lokale Kopien mit kompletter </a:t>
                       </a:r>
                       <a:r>
-                        <a:rPr lang="de-DE" sz="1600" baseline="0" dirty="0" err="1" smtClean="0"/>
+                        <a:rPr lang="de-DE" sz="1600" baseline="0" dirty="0" err="1"/>
                         <a:t>History</a:t>
                       </a:r>
                       <a:endParaRPr lang="de-DE" sz="1600" dirty="0"/>
@@ -11485,6 +11924,11 @@
                   </a:txBody>
                   <a:tcPr/>
                 </a:tc>
+                <a:extLst>
+                  <a:ext uri="{0D108BD9-81ED-4DB2-BD59-A6C34878D82A}">
+                    <a16:rowId xmlns:a16="http://schemas.microsoft.com/office/drawing/2014/main" val="10005"/>
+                  </a:ext>
+                </a:extLst>
               </a:tr>
               <a:tr h="820757">
                 <a:tc>
@@ -11493,11 +11937,11 @@
                     <a:lstStyle/>
                     <a:p>
                       <a:r>
-                        <a:rPr lang="de-DE" sz="1600" b="1" dirty="0" smtClean="0"/>
+                        <a:rPr lang="de-DE" sz="1600" b="1" dirty="0"/>
                         <a:t>Flexibilität</a:t>
                       </a:r>
                       <a:r>
-                        <a:rPr lang="de-DE" sz="1600" b="1" baseline="0" dirty="0" smtClean="0"/>
+                        <a:rPr lang="de-DE" sz="1600" b="1" baseline="0" dirty="0"/>
                         <a:t> des Entwicklungs-prozesses</a:t>
                       </a:r>
                       <a:endParaRPr lang="de-DE" sz="1600" b="1" dirty="0"/>
@@ -11521,19 +11965,19 @@
                     <a:lstStyle/>
                     <a:p>
                       <a:r>
-                        <a:rPr lang="de-DE" sz="1600" dirty="0" smtClean="0"/>
+                        <a:rPr lang="de-DE" sz="1600" dirty="0"/>
                         <a:t>Anlegen spezieller </a:t>
                       </a:r>
                       <a:r>
-                        <a:rPr lang="de-DE" sz="1600" dirty="0" err="1" smtClean="0"/>
+                        <a:rPr lang="de-DE" sz="1600" dirty="0" err="1"/>
                         <a:t>repositorys</a:t>
                       </a:r>
                       <a:r>
-                        <a:rPr lang="de-DE" sz="1600" dirty="0" smtClean="0"/>
+                        <a:rPr lang="de-DE" sz="1600" dirty="0"/>
                         <a:t> möglich.</a:t>
                       </a:r>
                       <a:r>
-                        <a:rPr lang="de-DE" sz="1600" baseline="0" dirty="0" smtClean="0"/>
+                        <a:rPr lang="de-DE" sz="1600" baseline="0" dirty="0"/>
                         <a:t> Änderungen via Push freigeben</a:t>
                       </a:r>
                       <a:endParaRPr lang="de-DE" sz="1600" dirty="0"/>
@@ -11541,6 +11985,11 @@
                   </a:txBody>
                   <a:tcPr/>
                 </a:tc>
+                <a:extLst>
+                  <a:ext uri="{0D108BD9-81ED-4DB2-BD59-A6C34878D82A}">
+                    <a16:rowId xmlns:a16="http://schemas.microsoft.com/office/drawing/2014/main" val="10006"/>
+                  </a:ext>
+                </a:extLst>
               </a:tr>
             </a:tbl>
           </a:graphicData>
@@ -11556,21 +12005,6 @@
   <p:clrMapOvr>
     <a:masterClrMapping/>
   </p:clrMapOvr>
-  <mc:AlternateContent xmlns:mc="http://schemas.openxmlformats.org/markup-compatibility/2006" xmlns:p14="http://schemas.microsoft.com/office/powerpoint/2010/main">
-    <mc:Choice Requires="p14">
-      <p:transition spd="slow" p14:dur="2000"/>
-    </mc:Choice>
-    <mc:Fallback xmlns="">
-      <p:transition spd="slow"/>
-    </mc:Fallback>
-  </mc:AlternateContent>
-  <p:timing>
-    <p:tnLst>
-      <p:par>
-        <p:cTn id="1" dur="indefinite" restart="never" nodeType="tmRoot"/>
-      </p:par>
-    </p:tnLst>
-  </p:timing>
 </p:sld>
 </file>
 
@@ -11609,10 +12043,9 @@
           <a:lstStyle/>
           <a:p>
             <a:r>
-              <a:rPr lang="en-US" dirty="0" smtClean="0"/>
+              <a:rPr lang="en-US" dirty="0"/>
               <a:t>GitHub</a:t>
             </a:r>
-            <a:endParaRPr lang="en-US" dirty="0"/>
           </a:p>
         </p:txBody>
       </p:sp>
@@ -11833,118 +12266,118 @@
           <a:p>
             <a:pPr lvl="1"/>
             <a:r>
-              <a:rPr lang="de-DE" dirty="0" smtClean="0"/>
+              <a:rPr lang="de-DE" dirty="0"/>
               <a:t>Webbasierter Online-Dienst, der Software-Entwicklungsprojekte auf seinen Servern bereitstellt (</a:t>
             </a:r>
             <a:r>
-              <a:rPr lang="de-DE" dirty="0" err="1" smtClean="0"/>
+              <a:rPr lang="de-DE" dirty="0" err="1"/>
               <a:t>FileHosting</a:t>
             </a:r>
             <a:r>
-              <a:rPr lang="de-DE" dirty="0" smtClean="0"/>
+              <a:rPr lang="de-DE" dirty="0"/>
               <a:t>)</a:t>
             </a:r>
           </a:p>
           <a:p>
             <a:pPr lvl="1"/>
             <a:r>
-              <a:rPr lang="de-DE" dirty="0" smtClean="0"/>
+              <a:rPr lang="de-DE" dirty="0"/>
               <a:t>Nutzer statt Projektzentrierung</a:t>
             </a:r>
           </a:p>
           <a:p>
             <a:pPr lvl="1"/>
             <a:r>
-              <a:rPr lang="de-DE" dirty="0" smtClean="0"/>
+              <a:rPr lang="de-DE" dirty="0"/>
               <a:t>Bereicherung von </a:t>
             </a:r>
             <a:r>
-              <a:rPr lang="de-DE" dirty="0" err="1" smtClean="0"/>
+              <a:rPr lang="de-DE" dirty="0" err="1"/>
               <a:t>Git</a:t>
             </a:r>
             <a:r>
-              <a:rPr lang="de-DE" dirty="0" smtClean="0"/>
+              <a:rPr lang="de-DE" dirty="0"/>
               <a:t>: </a:t>
             </a:r>
           </a:p>
           <a:p>
             <a:pPr lvl="2"/>
             <a:r>
-              <a:rPr lang="de-DE" dirty="0" smtClean="0"/>
+              <a:rPr lang="de-DE" dirty="0"/>
               <a:t>grafische Darstellung des Entwicklungsprozesses</a:t>
             </a:r>
           </a:p>
           <a:p>
             <a:pPr lvl="2"/>
             <a:r>
-              <a:rPr lang="de-DE" dirty="0" smtClean="0"/>
+              <a:rPr lang="de-DE" dirty="0"/>
               <a:t>Großteil der Features von </a:t>
             </a:r>
             <a:r>
-              <a:rPr lang="de-DE" dirty="0" err="1" smtClean="0"/>
+              <a:rPr lang="de-DE" dirty="0" err="1"/>
               <a:t>Git</a:t>
             </a:r>
             <a:r>
-              <a:rPr lang="de-DE" dirty="0" smtClean="0"/>
+              <a:rPr lang="de-DE" dirty="0"/>
               <a:t> ohne Kommandozeile nutzbar</a:t>
             </a:r>
           </a:p>
           <a:p>
             <a:pPr lvl="2"/>
             <a:r>
-              <a:rPr lang="de-DE" dirty="0" smtClean="0"/>
+              <a:rPr lang="de-DE" dirty="0"/>
               <a:t>Community-Features</a:t>
             </a:r>
           </a:p>
           <a:p>
             <a:pPr lvl="2"/>
             <a:r>
-              <a:rPr lang="de-DE" dirty="0" smtClean="0"/>
+              <a:rPr lang="de-DE" dirty="0"/>
               <a:t>Code Review und Projektmanagement Features</a:t>
             </a:r>
           </a:p>
           <a:p>
             <a:pPr lvl="2"/>
             <a:r>
-              <a:rPr lang="de-DE" dirty="0" smtClean="0"/>
+              <a:rPr lang="de-DE" dirty="0"/>
               <a:t>Dokumentation und Wiki Funktionalitäten</a:t>
             </a:r>
           </a:p>
           <a:p>
             <a:pPr lvl="1"/>
-            <a:endParaRPr lang="de-DE" dirty="0" smtClean="0"/>
+            <a:endParaRPr lang="de-DE" dirty="0"/>
           </a:p>
           <a:p>
             <a:pPr lvl="2"/>
-            <a:endParaRPr lang="de-DE" dirty="0" smtClean="0"/>
+            <a:endParaRPr lang="de-DE" dirty="0"/>
           </a:p>
           <a:p>
             <a:pPr lvl="1"/>
-            <a:endParaRPr lang="de-DE" dirty="0" smtClean="0"/>
+            <a:endParaRPr lang="de-DE" dirty="0"/>
           </a:p>
           <a:p>
             <a:pPr lvl="2"/>
-            <a:endParaRPr lang="de-DE" dirty="0" smtClean="0"/>
+            <a:endParaRPr lang="de-DE" dirty="0"/>
           </a:p>
           <a:p>
             <a:pPr lvl="2"/>
-            <a:endParaRPr lang="de-DE" dirty="0" smtClean="0"/>
+            <a:endParaRPr lang="de-DE" dirty="0"/>
           </a:p>
           <a:p>
             <a:pPr lvl="1"/>
-            <a:endParaRPr lang="de-DE" dirty="0" smtClean="0"/>
+            <a:endParaRPr lang="de-DE" dirty="0"/>
           </a:p>
           <a:p>
             <a:pPr lvl="2"/>
-            <a:endParaRPr lang="de-DE" dirty="0" smtClean="0"/>
+            <a:endParaRPr lang="de-DE" dirty="0"/>
           </a:p>
           <a:p>
             <a:pPr lvl="2"/>
-            <a:endParaRPr lang="de-DE" dirty="0" smtClean="0"/>
+            <a:endParaRPr lang="de-DE" dirty="0"/>
           </a:p>
           <a:p>
             <a:pPr lvl="2"/>
-            <a:endParaRPr lang="de-DE" dirty="0" smtClean="0"/>
+            <a:endParaRPr lang="de-DE" dirty="0"/>
           </a:p>
         </p:txBody>
       </p:sp>
@@ -12018,12 +12451,8 @@
           <a:lstStyle/>
           <a:p>
             <a:r>
-              <a:rPr lang="de-DE" sz="1100" dirty="0" smtClean="0"/>
-              <a:t>Quelle: </a:t>
-            </a:r>
-            <a:r>
               <a:rPr lang="de-DE" sz="1100" dirty="0"/>
-              <a:t>https://github.com/logos</a:t>
+              <a:t>Quelle: https://github.com/logos</a:t>
             </a:r>
           </a:p>
         </p:txBody>
@@ -12720,10 +13149,9 @@
           <a:lstStyle/>
           <a:p>
             <a:r>
-              <a:rPr lang="en-US" dirty="0" smtClean="0"/>
+              <a:rPr lang="en-US" dirty="0"/>
               <a:t>GitHub</a:t>
             </a:r>
-            <a:endParaRPr lang="en-US" dirty="0"/>
           </a:p>
         </p:txBody>
       </p:sp>
@@ -12772,12 +13200,8 @@
           <a:lstStyle/>
           <a:p>
             <a:r>
-              <a:rPr lang="de-DE" sz="1100" dirty="0" smtClean="0"/>
-              <a:t>Quelle: </a:t>
-            </a:r>
-            <a:r>
               <a:rPr lang="de-DE" sz="1100" dirty="0"/>
-              <a:t>https://github.com/logos</a:t>
+              <a:t>Quelle: https://github.com/logos</a:t>
             </a:r>
           </a:p>
         </p:txBody>
@@ -13091,7 +13515,7 @@
           <a:lstStyle/>
           <a:p>
             <a:r>
-              <a:rPr lang="en-US" dirty="0" err="1" smtClean="0"/>
+              <a:rPr lang="en-US" dirty="0" err="1"/>
               <a:t>Git</a:t>
             </a:r>
             <a:endParaRPr lang="en-US" dirty="0"/>
@@ -13122,102 +13546,94 @@
           <a:p>
             <a:pPr lvl="1"/>
             <a:r>
-              <a:rPr lang="de-DE" dirty="0" smtClean="0"/>
+              <a:rPr lang="de-DE" dirty="0"/>
               <a:t>Freie Software </a:t>
             </a:r>
             <a:r>
-              <a:rPr lang="de-DE" sz="1400" dirty="0" smtClean="0"/>
-              <a:t>(</a:t>
-            </a:r>
-            <a:r>
               <a:rPr lang="de-DE" sz="1400" dirty="0"/>
-              <a:t>GNU </a:t>
-            </a:r>
-            <a:r>
-              <a:rPr lang="de-DE" sz="1400" dirty="0" smtClean="0"/>
-              <a:t>GPLv2 Lizenz) </a:t>
-            </a:r>
-            <a:r>
-              <a:rPr lang="de-DE" dirty="0" smtClean="0"/>
+              <a:t>(GNU GPLv2 Lizenz) </a:t>
+            </a:r>
+            <a:r>
+              <a:rPr lang="de-DE" dirty="0"/>
               <a:t>zur verteilten Versionsverwaltung</a:t>
             </a:r>
           </a:p>
           <a:p>
             <a:pPr lvl="1"/>
             <a:r>
-              <a:rPr lang="de-DE" dirty="0" smtClean="0"/>
+              <a:rPr lang="de-DE" dirty="0"/>
               <a:t>Initiiert </a:t>
             </a:r>
             <a:r>
-              <a:rPr lang="de-DE" smtClean="0"/>
+              <a:rPr lang="de-DE"/>
               <a:t>durch Linus </a:t>
             </a:r>
             <a:r>
-              <a:rPr lang="de-DE" dirty="0" err="1" smtClean="0"/>
+              <a:rPr lang="de-DE" dirty="0" err="1"/>
               <a:t>Torvalds</a:t>
             </a:r>
             <a:r>
-              <a:rPr lang="de-DE" dirty="0" smtClean="0"/>
+              <a:rPr lang="de-DE" dirty="0"/>
               <a:t> (Linux Kernel)</a:t>
             </a:r>
           </a:p>
           <a:p>
             <a:pPr lvl="1"/>
             <a:r>
-              <a:rPr lang="de-DE" dirty="0" smtClean="0"/>
+              <a:rPr lang="de-DE" dirty="0"/>
               <a:t>Bedeutet umgangssprachlich „Blödmann“</a:t>
             </a:r>
           </a:p>
           <a:p>
             <a:pPr lvl="1"/>
             <a:r>
-              <a:rPr lang="de-DE" dirty="0" smtClean="0"/>
+              <a:rPr lang="de-DE" dirty="0"/>
               <a:t>Programmiersprache C, </a:t>
             </a:r>
             <a:r>
-              <a:rPr lang="de-DE" dirty="0" err="1" smtClean="0"/>
+              <a:rPr lang="de-DE" dirty="0" err="1"/>
               <a:t>Bourne</a:t>
             </a:r>
             <a:r>
-              <a:rPr lang="de-DE" dirty="0" smtClean="0"/>
+              <a:rPr lang="de-DE" dirty="0"/>
               <a:t>-Shell, Perl</a:t>
             </a:r>
           </a:p>
           <a:p>
             <a:pPr lvl="1"/>
-            <a:endParaRPr lang="de-DE" dirty="0" smtClean="0"/>
+            <a:endParaRPr lang="de-DE" dirty="0"/>
           </a:p>
           <a:p>
             <a:pPr lvl="2"/>
-            <a:endParaRPr lang="de-DE" dirty="0" smtClean="0"/>
+            <a:endParaRPr lang="de-DE" dirty="0"/>
           </a:p>
           <a:p>
             <a:pPr lvl="1"/>
-            <a:endParaRPr lang="de-DE" dirty="0" smtClean="0"/>
+            <a:endParaRPr lang="de-DE" dirty="0"/>
           </a:p>
           <a:p>
             <a:pPr lvl="2"/>
-            <a:endParaRPr lang="de-DE" dirty="0" smtClean="0"/>
+            <a:endParaRPr lang="de-DE" dirty="0"/>
           </a:p>
           <a:p>
             <a:pPr lvl="2"/>
-            <a:endParaRPr lang="de-DE" dirty="0" smtClean="0"/>
+            <a:endParaRPr lang="de-DE" dirty="0"/>
           </a:p>
           <a:p>
             <a:pPr lvl="1"/>
-            <a:endParaRPr lang="de-DE" dirty="0" smtClean="0"/>
+            <a:endParaRPr lang="de-DE" dirty="0"/>
           </a:p>
           <a:p>
             <a:pPr lvl="2"/>
-            <a:endParaRPr lang="de-DE" dirty="0" smtClean="0"/>
+            <a:endParaRPr lang="de-DE" dirty="0"/>
           </a:p>
           <a:p>
             <a:pPr lvl="2"/>
-            <a:endParaRPr lang="de-DE" dirty="0" smtClean="0"/>
+            <a:endParaRPr lang="de-DE" dirty="0"/>
           </a:p>
           <a:p>
             <a:pPr lvl="2"/>
-            <a:endParaRPr lang="de-DE" dirty="0" smtClean="0"/>
+            <a:endParaRPr lang="de-DE" dirty="0"/>
           </a:p>
         </p:txBody>
       </p:sp>
@@ -13290,12 +13706,8 @@
           <a:lstStyle/>
           <a:p>
             <a:r>
-              <a:rPr lang="de-DE" sz="1100" dirty="0" smtClean="0"/>
-              <a:t>Quelle: https</a:t>
-            </a:r>
-            <a:r>
               <a:rPr lang="de-DE" sz="1100" dirty="0"/>
-              <a:t>://git-scm.com/</a:t>
+              <a:t>Quelle: https://git-scm.com/</a:t>
             </a:r>
           </a:p>
         </p:txBody>
@@ -13493,39 +13905,39 @@
           </a:lstStyle>
           <a:p>
             <a:pPr lvl="1"/>
-            <a:endParaRPr lang="de-DE" dirty="0" smtClean="0"/>
+            <a:endParaRPr lang="de-DE" dirty="0"/>
           </a:p>
           <a:p>
             <a:pPr lvl="2"/>
-            <a:endParaRPr lang="de-DE" dirty="0" smtClean="0"/>
+            <a:endParaRPr lang="de-DE" dirty="0"/>
           </a:p>
           <a:p>
             <a:pPr lvl="1"/>
-            <a:endParaRPr lang="de-DE" dirty="0" smtClean="0"/>
+            <a:endParaRPr lang="de-DE" dirty="0"/>
           </a:p>
           <a:p>
             <a:pPr lvl="2"/>
-            <a:endParaRPr lang="de-DE" dirty="0" smtClean="0"/>
+            <a:endParaRPr lang="de-DE" dirty="0"/>
           </a:p>
           <a:p>
             <a:pPr lvl="2"/>
-            <a:endParaRPr lang="de-DE" dirty="0" smtClean="0"/>
+            <a:endParaRPr lang="de-DE" dirty="0"/>
           </a:p>
           <a:p>
             <a:pPr lvl="1"/>
-            <a:endParaRPr lang="de-DE" dirty="0" smtClean="0"/>
+            <a:endParaRPr lang="de-DE" dirty="0"/>
           </a:p>
           <a:p>
             <a:pPr lvl="2"/>
-            <a:endParaRPr lang="de-DE" dirty="0" smtClean="0"/>
+            <a:endParaRPr lang="de-DE" dirty="0"/>
           </a:p>
           <a:p>
             <a:pPr lvl="2"/>
-            <a:endParaRPr lang="de-DE" dirty="0" smtClean="0"/>
+            <a:endParaRPr lang="de-DE" dirty="0"/>
           </a:p>
           <a:p>
             <a:pPr lvl="2"/>
-            <a:endParaRPr lang="de-DE" dirty="0" smtClean="0"/>
+            <a:endParaRPr lang="de-DE" dirty="0"/>
           </a:p>
         </p:txBody>
       </p:sp>
@@ -13940,7 +14352,7 @@
           <a:lstStyle/>
           <a:p>
             <a:r>
-              <a:rPr lang="de-DE" dirty="0" smtClean="0"/>
+              <a:rPr lang="de-DE" dirty="0"/>
               <a:t>Agenda</a:t>
             </a:r>
             <a:endParaRPr lang="en-US" dirty="0"/>
@@ -13970,39 +14382,39 @@
           <a:lstStyle/>
           <a:p>
             <a:r>
-              <a:rPr lang="de-DE" dirty="0" err="1" smtClean="0"/>
+              <a:rPr lang="de-DE" dirty="0" err="1"/>
               <a:t>Continous</a:t>
             </a:r>
             <a:r>
-              <a:rPr lang="de-DE" dirty="0" smtClean="0"/>
+              <a:rPr lang="de-DE" dirty="0"/>
               <a:t> Integration</a:t>
             </a:r>
           </a:p>
           <a:p>
             <a:r>
-              <a:rPr lang="de-DE" dirty="0" err="1" smtClean="0"/>
+              <a:rPr lang="de-DE" dirty="0" err="1"/>
               <a:t>Git</a:t>
             </a:r>
             <a:r>
-              <a:rPr lang="de-DE" dirty="0" smtClean="0"/>
+              <a:rPr lang="de-DE" dirty="0"/>
               <a:t> und </a:t>
             </a:r>
             <a:r>
-              <a:rPr lang="de-DE" dirty="0" err="1" smtClean="0"/>
+              <a:rPr lang="de-DE" dirty="0" err="1"/>
               <a:t>Github</a:t>
             </a:r>
-            <a:endParaRPr lang="de-DE" dirty="0" smtClean="0"/>
+            <a:endParaRPr lang="de-DE" dirty="0"/>
           </a:p>
           <a:p>
             <a:r>
               <a:rPr lang="en-US" dirty="0"/>
               <a:t>Workflows / Branch Management</a:t>
             </a:r>
-            <a:endParaRPr lang="de-DE" dirty="0" smtClean="0"/>
-          </a:p>
-          <a:p>
-            <a:r>
-              <a:rPr lang="de-DE" dirty="0" smtClean="0"/>
+            <a:endParaRPr lang="de-DE" dirty="0"/>
+          </a:p>
+          <a:p>
+            <a:r>
+              <a:rPr lang="de-DE" dirty="0"/>
               <a:t>Travis CI</a:t>
             </a:r>
           </a:p>
@@ -14356,15 +14768,15 @@
           <a:lstStyle/>
           <a:p>
             <a:r>
-              <a:rPr lang="en-US" dirty="0" err="1" smtClean="0"/>
+              <a:rPr lang="en-US" dirty="0" err="1"/>
               <a:t>Git</a:t>
             </a:r>
             <a:r>
-              <a:rPr lang="en-US" dirty="0" smtClean="0"/>
+              <a:rPr lang="en-US" dirty="0"/>
               <a:t> - </a:t>
             </a:r>
             <a:r>
-              <a:rPr lang="en-US" dirty="0" err="1" smtClean="0"/>
+              <a:rPr lang="en-US" dirty="0" err="1"/>
               <a:t>Besonderheiten</a:t>
             </a:r>
             <a:endParaRPr lang="en-US" dirty="0"/>
@@ -14390,50 +14802,46 @@
           <a:p>
             <a:pPr lvl="2"/>
             <a:r>
-              <a:rPr lang="de-DE" dirty="0" smtClean="0"/>
+              <a:rPr lang="de-DE" dirty="0"/>
               <a:t>Nicht-Lineare Entwicklung</a:t>
             </a:r>
           </a:p>
           <a:p>
             <a:pPr lvl="3"/>
             <a:r>
-              <a:rPr lang="de-DE" dirty="0" err="1" smtClean="0"/>
+              <a:rPr lang="de-DE" dirty="0" err="1"/>
               <a:t>Branching</a:t>
             </a:r>
             <a:r>
-              <a:rPr lang="de-DE" dirty="0" smtClean="0"/>
+              <a:rPr lang="de-DE" dirty="0"/>
               <a:t> und </a:t>
             </a:r>
             <a:r>
-              <a:rPr lang="de-DE" dirty="0" err="1" smtClean="0"/>
+              <a:rPr lang="de-DE" dirty="0" err="1"/>
               <a:t>Merging</a:t>
             </a:r>
             <a:r>
-              <a:rPr lang="de-DE" dirty="0" smtClean="0"/>
+              <a:rPr lang="de-DE" dirty="0"/>
               <a:t> sind integraler Bestandteil (Feature-</a:t>
             </a:r>
             <a:r>
-              <a:rPr lang="de-DE" dirty="0" err="1" smtClean="0"/>
+              <a:rPr lang="de-DE" dirty="0" err="1"/>
               <a:t>Based</a:t>
             </a:r>
             <a:r>
-              <a:rPr lang="de-DE" dirty="0" smtClean="0"/>
+              <a:rPr lang="de-DE" dirty="0"/>
               <a:t>-Workflow)</a:t>
             </a:r>
           </a:p>
           <a:p>
             <a:pPr lvl="3"/>
             <a:r>
-              <a:rPr lang="de-DE" dirty="0" err="1" smtClean="0"/>
+              <a:rPr lang="de-DE" dirty="0" err="1"/>
               <a:t>Branches</a:t>
             </a:r>
             <a:r>
-              <a:rPr lang="de-DE" dirty="0" smtClean="0"/>
-              <a:t> sind performant </a:t>
-            </a:r>
-            <a:r>
               <a:rPr lang="de-DE" dirty="0"/>
-              <a:t>integriert (</a:t>
+              <a:t> sind performant integriert (</a:t>
             </a:r>
             <a:r>
               <a:rPr lang="de-DE" dirty="0" err="1"/>
@@ -14441,31 +14849,15 @@
             </a:r>
             <a:r>
               <a:rPr lang="de-DE" dirty="0"/>
-              <a:t> stellt nur eine </a:t>
-            </a:r>
-            <a:r>
-              <a:rPr lang="de-DE" dirty="0" smtClean="0"/>
-              <a:t>Reference </a:t>
-            </a:r>
-            <a:r>
-              <a:rPr lang="de-DE" sz="1600" dirty="0" smtClean="0"/>
-              <a:t>(Textdatei </a:t>
+              <a:t> stellt nur eine Reference </a:t>
             </a:r>
             <a:r>
               <a:rPr lang="de-DE" sz="1600" dirty="0"/>
-              <a:t>mit einer </a:t>
-            </a:r>
-            <a:r>
-              <a:rPr lang="de-DE" sz="1600" dirty="0" smtClean="0"/>
-              <a:t>Commit-ID)</a:t>
-            </a:r>
-            <a:r>
-              <a:rPr lang="de-DE" dirty="0" smtClean="0"/>
-              <a:t> </a:t>
+              <a:t>(Textdatei mit einer Commit-ID)</a:t>
             </a:r>
             <a:r>
               <a:rPr lang="de-DE" dirty="0"/>
-              <a:t>dar, die in einem Repository im Verzeichnis .</a:t>
+              <a:t> dar, die in einem Repository im Verzeichnis .</a:t>
             </a:r>
             <a:r>
               <a:rPr lang="de-DE" dirty="0" err="1"/>
@@ -14489,15 +14881,7 @@
             </a:r>
             <a:r>
               <a:rPr lang="de-DE" dirty="0"/>
-              <a:t> </a:t>
-            </a:r>
-            <a:r>
-              <a:rPr lang="de-DE" dirty="0" smtClean="0"/>
-              <a:t>liegt </a:t>
-            </a:r>
-            <a:r>
-              <a:rPr lang="de-DE" dirty="0"/>
-              <a:t>und auf einen bestimmten Commit verweist. Über dessen Parental </a:t>
+              <a:t> liegt und auf einen bestimmten Commit verweist. Über dessen Parental </a:t>
             </a:r>
             <a:r>
               <a:rPr lang="de-DE" dirty="0" err="1"/>
@@ -14521,87 +14905,83 @@
             </a:r>
             <a:r>
               <a:rPr lang="de-DE" dirty="0"/>
-              <a:t>-Struktur </a:t>
-            </a:r>
-            <a:r>
-              <a:rPr lang="de-DE" dirty="0" smtClean="0"/>
-              <a:t>rekonstruieren)</a:t>
+              <a:t>-Struktur rekonstruieren)</a:t>
             </a:r>
           </a:p>
           <a:p>
             <a:pPr lvl="3"/>
             <a:r>
-              <a:rPr lang="de-DE" dirty="0" smtClean="0"/>
+              <a:rPr lang="de-DE" dirty="0"/>
               <a:t>Sehr große und effiziente Entwicklungsstrukturen (</a:t>
             </a:r>
             <a:r>
-              <a:rPr lang="de-DE" dirty="0" err="1" smtClean="0"/>
+              <a:rPr lang="de-DE" dirty="0" err="1"/>
               <a:t>Git</a:t>
             </a:r>
             <a:r>
-              <a:rPr lang="de-DE" dirty="0" smtClean="0"/>
+              <a:rPr lang="de-DE" dirty="0"/>
               <a:t>, Linux) realisierbar (jedes Feature bzw. jeder Entwickler hat einen </a:t>
             </a:r>
             <a:r>
-              <a:rPr lang="de-DE" dirty="0" err="1" smtClean="0"/>
+              <a:rPr lang="de-DE" dirty="0" err="1"/>
               <a:t>Branch</a:t>
             </a:r>
             <a:r>
-              <a:rPr lang="de-DE" dirty="0" smtClean="0"/>
+              <a:rPr lang="de-DE" dirty="0"/>
               <a:t>/Repository und der </a:t>
             </a:r>
             <a:r>
-              <a:rPr lang="de-DE" dirty="0" err="1" smtClean="0"/>
+              <a:rPr lang="de-DE" dirty="0" err="1"/>
               <a:t>Maintainer</a:t>
             </a:r>
             <a:r>
-              <a:rPr lang="de-DE" dirty="0" smtClean="0"/>
+              <a:rPr lang="de-DE" dirty="0"/>
               <a:t> übernimmt </a:t>
             </a:r>
             <a:r>
-              <a:rPr lang="de-DE" dirty="0" err="1" smtClean="0"/>
+              <a:rPr lang="de-DE" dirty="0" err="1"/>
               <a:t>Commits</a:t>
             </a:r>
             <a:r>
-              <a:rPr lang="de-DE" dirty="0" smtClean="0"/>
+              <a:rPr lang="de-DE" dirty="0"/>
               <a:t>)</a:t>
             </a:r>
           </a:p>
           <a:p>
             <a:pPr lvl="2"/>
-            <a:endParaRPr lang="de-DE" dirty="0" smtClean="0"/>
+            <a:endParaRPr lang="de-DE" dirty="0"/>
           </a:p>
           <a:p>
             <a:pPr lvl="2"/>
-            <a:endParaRPr lang="de-DE" dirty="0" smtClean="0"/>
+            <a:endParaRPr lang="de-DE" dirty="0"/>
           </a:p>
           <a:p>
             <a:pPr lvl="1"/>
-            <a:endParaRPr lang="de-DE" dirty="0" smtClean="0"/>
+            <a:endParaRPr lang="de-DE" dirty="0"/>
           </a:p>
           <a:p>
             <a:pPr lvl="2"/>
-            <a:endParaRPr lang="de-DE" dirty="0" smtClean="0"/>
+            <a:endParaRPr lang="de-DE" dirty="0"/>
           </a:p>
           <a:p>
             <a:pPr lvl="2"/>
-            <a:endParaRPr lang="de-DE" dirty="0" smtClean="0"/>
+            <a:endParaRPr lang="de-DE" dirty="0"/>
           </a:p>
           <a:p>
             <a:pPr lvl="1"/>
-            <a:endParaRPr lang="de-DE" dirty="0" smtClean="0"/>
+            <a:endParaRPr lang="de-DE" dirty="0"/>
           </a:p>
           <a:p>
             <a:pPr lvl="2"/>
-            <a:endParaRPr lang="de-DE" dirty="0" smtClean="0"/>
+            <a:endParaRPr lang="de-DE" dirty="0"/>
           </a:p>
           <a:p>
             <a:pPr lvl="2"/>
-            <a:endParaRPr lang="de-DE" dirty="0" smtClean="0"/>
+            <a:endParaRPr lang="de-DE" dirty="0"/>
           </a:p>
           <a:p>
             <a:pPr lvl="2"/>
-            <a:endParaRPr lang="de-DE" dirty="0" smtClean="0"/>
+            <a:endParaRPr lang="de-DE" dirty="0"/>
           </a:p>
         </p:txBody>
       </p:sp>
@@ -14950,15 +15330,15 @@
           <a:lstStyle/>
           <a:p>
             <a:r>
-              <a:rPr lang="en-US" dirty="0" err="1" smtClean="0"/>
+              <a:rPr lang="en-US" dirty="0" err="1"/>
               <a:t>Git</a:t>
             </a:r>
             <a:r>
-              <a:rPr lang="en-US" dirty="0" smtClean="0"/>
+              <a:rPr lang="en-US" dirty="0"/>
               <a:t> - </a:t>
             </a:r>
             <a:r>
-              <a:rPr lang="en-US" dirty="0" err="1" smtClean="0"/>
+              <a:rPr lang="en-US" dirty="0" err="1"/>
               <a:t>Besonderheiten</a:t>
             </a:r>
             <a:endParaRPr lang="en-US" dirty="0"/>
@@ -14984,124 +15364,124 @@
           <a:p>
             <a:pPr lvl="2"/>
             <a:r>
-              <a:rPr lang="de-DE" dirty="0" smtClean="0"/>
+              <a:rPr lang="de-DE" dirty="0"/>
               <a:t>Kein zentraler Server (siehe dezentrales SCM)</a:t>
             </a:r>
           </a:p>
           <a:p>
             <a:pPr lvl="2"/>
             <a:r>
-              <a:rPr lang="de-DE" dirty="0" smtClean="0"/>
+              <a:rPr lang="de-DE" dirty="0"/>
               <a:t>Datentransfer zwischen </a:t>
             </a:r>
             <a:r>
-              <a:rPr lang="de-DE" dirty="0" err="1" smtClean="0"/>
+              <a:rPr lang="de-DE" dirty="0" err="1"/>
               <a:t>Repositorys</a:t>
             </a:r>
             <a:r>
-              <a:rPr lang="de-DE" dirty="0" smtClean="0"/>
+              <a:rPr lang="de-DE" dirty="0"/>
               <a:t> auf verschiedene Wege (Protokolle, Patches, Review-Systeme, Push &amp; </a:t>
             </a:r>
             <a:r>
-              <a:rPr lang="de-DE" dirty="0" err="1" smtClean="0"/>
+              <a:rPr lang="de-DE" dirty="0" err="1"/>
               <a:t>Merge</a:t>
             </a:r>
             <a:r>
-              <a:rPr lang="de-DE" dirty="0" smtClean="0"/>
+              <a:rPr lang="de-DE" dirty="0"/>
               <a:t>)</a:t>
             </a:r>
           </a:p>
           <a:p>
             <a:pPr lvl="2"/>
             <a:r>
-              <a:rPr lang="de-DE" dirty="0" smtClean="0"/>
+              <a:rPr lang="de-DE" dirty="0"/>
               <a:t>Kryptographische Sicherheit der Projektgeschichte (durch Hashs)</a:t>
             </a:r>
           </a:p>
           <a:p>
             <a:pPr lvl="2"/>
             <a:r>
-              <a:rPr lang="de-DE" dirty="0" smtClean="0"/>
+              <a:rPr lang="de-DE" dirty="0"/>
               <a:t>Speichersystem und </a:t>
             </a:r>
             <a:r>
-              <a:rPr lang="de-DE" dirty="0" err="1" smtClean="0"/>
+              <a:rPr lang="de-DE" dirty="0" err="1"/>
               <a:t>Dateiversionierung</a:t>
             </a:r>
-            <a:endParaRPr lang="de-DE" dirty="0" smtClean="0"/>
+            <a:endParaRPr lang="de-DE" dirty="0"/>
           </a:p>
           <a:p>
             <a:pPr lvl="3"/>
             <a:r>
-              <a:rPr lang="de-DE" dirty="0" smtClean="0"/>
+              <a:rPr lang="de-DE" dirty="0"/>
               <a:t>Gesamtes Verzeichnis weist gleiche Revisionsnummer auf</a:t>
             </a:r>
           </a:p>
           <a:p>
             <a:pPr lvl="3"/>
             <a:r>
-              <a:rPr lang="de-DE" dirty="0" smtClean="0"/>
+              <a:rPr lang="de-DE" dirty="0"/>
               <a:t>Wird eine Datei in einem Commit nicht geändert, ändert sich Prüfsumme nicht und sie muss nicht nochmals gespeichert werden. </a:t>
             </a:r>
           </a:p>
           <a:p>
             <a:pPr lvl="2"/>
             <a:r>
-              <a:rPr lang="de-DE" dirty="0" smtClean="0"/>
+              <a:rPr lang="de-DE" dirty="0"/>
               <a:t>Säubern des </a:t>
             </a:r>
             <a:r>
-              <a:rPr lang="de-DE" dirty="0" err="1" smtClean="0"/>
+              <a:rPr lang="de-DE" dirty="0" err="1"/>
               <a:t>Repositorys</a:t>
             </a:r>
             <a:r>
-              <a:rPr lang="de-DE" dirty="0" smtClean="0"/>
+              <a:rPr lang="de-DE" dirty="0"/>
               <a:t> (Daten gelöschter und zurückgenommener Aktionen und </a:t>
             </a:r>
             <a:r>
-              <a:rPr lang="de-DE" dirty="0" err="1" smtClean="0"/>
+              <a:rPr lang="de-DE" dirty="0" err="1"/>
               <a:t>Branches</a:t>
             </a:r>
             <a:r>
-              <a:rPr lang="de-DE" dirty="0" smtClean="0"/>
+              <a:rPr lang="de-DE" dirty="0"/>
               <a:t> bleiben bis zur expliziten Löschung vorhanden)</a:t>
             </a:r>
           </a:p>
           <a:p>
             <a:pPr lvl="2"/>
-            <a:endParaRPr lang="de-DE" dirty="0" smtClean="0"/>
+            <a:endParaRPr lang="de-DE" dirty="0"/>
           </a:p>
           <a:p>
             <a:pPr lvl="2"/>
-            <a:endParaRPr lang="de-DE" dirty="0" smtClean="0"/>
+            <a:endParaRPr lang="de-DE" dirty="0"/>
           </a:p>
           <a:p>
             <a:pPr lvl="1"/>
-            <a:endParaRPr lang="de-DE" dirty="0" smtClean="0"/>
+            <a:endParaRPr lang="de-DE" dirty="0"/>
           </a:p>
           <a:p>
             <a:pPr lvl="2"/>
-            <a:endParaRPr lang="de-DE" dirty="0" smtClean="0"/>
+            <a:endParaRPr lang="de-DE" dirty="0"/>
           </a:p>
           <a:p>
             <a:pPr lvl="2"/>
-            <a:endParaRPr lang="de-DE" dirty="0" smtClean="0"/>
+            <a:endParaRPr lang="de-DE" dirty="0"/>
           </a:p>
           <a:p>
             <a:pPr lvl="1"/>
-            <a:endParaRPr lang="de-DE" dirty="0" smtClean="0"/>
+            <a:endParaRPr lang="de-DE" dirty="0"/>
           </a:p>
           <a:p>
             <a:pPr lvl="2"/>
-            <a:endParaRPr lang="de-DE" dirty="0" smtClean="0"/>
+            <a:endParaRPr lang="de-DE" dirty="0"/>
           </a:p>
           <a:p>
             <a:pPr lvl="2"/>
-            <a:endParaRPr lang="de-DE" dirty="0" smtClean="0"/>
+            <a:endParaRPr lang="de-DE" dirty="0"/>
           </a:p>
           <a:p>
             <a:pPr lvl="2"/>
-            <a:endParaRPr lang="de-DE" dirty="0" smtClean="0"/>
+            <a:endParaRPr lang="de-DE" dirty="0"/>
           </a:p>
         </p:txBody>
       </p:sp>
@@ -15633,15 +16013,15 @@
           <a:lstStyle/>
           <a:p>
             <a:r>
-              <a:rPr lang="en-US" dirty="0" err="1" smtClean="0"/>
+              <a:rPr lang="en-US" dirty="0" err="1"/>
               <a:t>Git</a:t>
             </a:r>
             <a:r>
-              <a:rPr lang="en-US" dirty="0" smtClean="0"/>
+              <a:rPr lang="en-US" dirty="0"/>
               <a:t> - </a:t>
             </a:r>
             <a:r>
-              <a:rPr lang="en-US" dirty="0" err="1" smtClean="0"/>
+              <a:rPr lang="en-US" dirty="0" err="1"/>
               <a:t>Besonderheiten</a:t>
             </a:r>
             <a:endParaRPr lang="en-US" dirty="0"/>
@@ -15667,109 +16047,101 @@
           <a:p>
             <a:pPr lvl="2"/>
             <a:r>
-              <a:rPr lang="de-DE" dirty="0" smtClean="0"/>
+              <a:rPr lang="de-DE" dirty="0"/>
               <a:t>Interoperabilität (Hilfsprogramme für Interoperabilität zu anderen SCMs)</a:t>
             </a:r>
           </a:p>
           <a:p>
             <a:pPr lvl="2"/>
             <a:r>
-              <a:rPr lang="de-DE" dirty="0" smtClean="0"/>
+              <a:rPr lang="de-DE" dirty="0"/>
               <a:t>Web-Interface (</a:t>
             </a:r>
             <a:r>
-              <a:rPr lang="de-DE" dirty="0" err="1" smtClean="0"/>
+              <a:rPr lang="de-DE" dirty="0" err="1"/>
               <a:t>Gitweb</a:t>
             </a:r>
             <a:r>
-              <a:rPr lang="de-DE" dirty="0" smtClean="0"/>
+              <a:rPr lang="de-DE" dirty="0"/>
               <a:t>)</a:t>
             </a:r>
           </a:p>
           <a:p>
             <a:pPr lvl="2"/>
             <a:r>
-              <a:rPr lang="de-DE" dirty="0" err="1" smtClean="0"/>
+              <a:rPr lang="de-DE" dirty="0" err="1"/>
               <a:t>Staging</a:t>
             </a:r>
             <a:r>
-              <a:rPr lang="de-DE" dirty="0" smtClean="0"/>
-              <a:t> Bereich (auch genannt Stage</a:t>
-            </a:r>
-            <a:r>
               <a:rPr lang="de-DE" dirty="0"/>
-              <a:t> </a:t>
-            </a:r>
-            <a:r>
-              <a:rPr lang="de-DE" dirty="0" smtClean="0"/>
-              <a:t>oder Index)</a:t>
+              <a:t> Bereich (auch genannt Stage oder Index)</a:t>
             </a:r>
           </a:p>
           <a:p>
             <a:pPr lvl="3"/>
             <a:r>
-              <a:rPr lang="de-DE" dirty="0" smtClean="0"/>
+              <a:rPr lang="de-DE" dirty="0"/>
               <a:t>Zwischenbereich, indem Dateien gesammelt werden</a:t>
             </a:r>
           </a:p>
           <a:p>
             <a:pPr lvl="3"/>
             <a:r>
-              <a:rPr lang="de-DE" dirty="0" smtClean="0"/>
+              <a:rPr lang="de-DE" dirty="0"/>
               <a:t>Nicht alle Dateien aus dem </a:t>
             </a:r>
             <a:r>
-              <a:rPr lang="de-DE" dirty="0" err="1" smtClean="0"/>
+              <a:rPr lang="de-DE" dirty="0" err="1"/>
               <a:t>Staging</a:t>
             </a:r>
             <a:r>
-              <a:rPr lang="de-DE" dirty="0" smtClean="0"/>
+              <a:rPr lang="de-DE" dirty="0"/>
               <a:t> müssen </a:t>
             </a:r>
             <a:r>
-              <a:rPr lang="de-DE" dirty="0" err="1" smtClean="0"/>
+              <a:rPr lang="de-DE" dirty="0" err="1"/>
               <a:t>commited</a:t>
             </a:r>
             <a:r>
-              <a:rPr lang="de-DE" dirty="0" smtClean="0"/>
+              <a:rPr lang="de-DE" dirty="0"/>
               <a:t> werden</a:t>
             </a:r>
           </a:p>
           <a:p>
             <a:pPr lvl="2"/>
-            <a:endParaRPr lang="de-DE" dirty="0" smtClean="0"/>
+            <a:endParaRPr lang="de-DE" dirty="0"/>
           </a:p>
           <a:p>
             <a:pPr lvl="2"/>
-            <a:endParaRPr lang="de-DE" dirty="0" smtClean="0"/>
+            <a:endParaRPr lang="de-DE" dirty="0"/>
           </a:p>
           <a:p>
             <a:pPr lvl="1"/>
-            <a:endParaRPr lang="de-DE" dirty="0" smtClean="0"/>
+            <a:endParaRPr lang="de-DE" dirty="0"/>
           </a:p>
           <a:p>
             <a:pPr lvl="2"/>
-            <a:endParaRPr lang="de-DE" dirty="0" smtClean="0"/>
+            <a:endParaRPr lang="de-DE" dirty="0"/>
           </a:p>
           <a:p>
             <a:pPr lvl="2"/>
-            <a:endParaRPr lang="de-DE" dirty="0" smtClean="0"/>
+            <a:endParaRPr lang="de-DE" dirty="0"/>
           </a:p>
           <a:p>
             <a:pPr lvl="1"/>
-            <a:endParaRPr lang="de-DE" dirty="0" smtClean="0"/>
+            <a:endParaRPr lang="de-DE" dirty="0"/>
           </a:p>
           <a:p>
             <a:pPr lvl="2"/>
-            <a:endParaRPr lang="de-DE" dirty="0" smtClean="0"/>
+            <a:endParaRPr lang="de-DE" dirty="0"/>
           </a:p>
           <a:p>
             <a:pPr lvl="2"/>
-            <a:endParaRPr lang="de-DE" dirty="0" smtClean="0"/>
+            <a:endParaRPr lang="de-DE" dirty="0"/>
           </a:p>
           <a:p>
             <a:pPr lvl="2"/>
-            <a:endParaRPr lang="de-DE" dirty="0" smtClean="0"/>
+            <a:endParaRPr lang="de-DE" dirty="0"/>
           </a:p>
         </p:txBody>
       </p:sp>
@@ -15842,12 +16214,8 @@
           <a:lstStyle/>
           <a:p>
             <a:r>
-              <a:rPr lang="de-DE" sz="1100" dirty="0" smtClean="0"/>
-              <a:t>Quelle: https</a:t>
-            </a:r>
-            <a:r>
               <a:rPr lang="de-DE" sz="1100" dirty="0"/>
-              <a:t>://git-scm.com/book/en/v2/Getting-Started-Git-Basics</a:t>
+              <a:t>Quelle: https://git-scm.com/book/en/v2/Getting-Started-Git-Basics</a:t>
             </a:r>
           </a:p>
         </p:txBody>
@@ -16351,49 +16719,49 @@
           <a:p>
             <a:pPr lvl="1"/>
             <a:r>
-              <a:rPr lang="de-DE" dirty="0" smtClean="0"/>
+              <a:rPr lang="de-DE" dirty="0"/>
               <a:t>Flexibilität in Workflows</a:t>
             </a:r>
           </a:p>
           <a:p>
             <a:pPr lvl="1"/>
-            <a:endParaRPr lang="de-DE" dirty="0" smtClean="0"/>
+            <a:endParaRPr lang="de-DE" dirty="0"/>
           </a:p>
           <a:p>
             <a:pPr lvl="2"/>
-            <a:endParaRPr lang="de-DE" dirty="0" smtClean="0"/>
+            <a:endParaRPr lang="de-DE" dirty="0"/>
           </a:p>
           <a:p>
             <a:pPr lvl="2"/>
-            <a:endParaRPr lang="de-DE" dirty="0" smtClean="0"/>
+            <a:endParaRPr lang="de-DE" dirty="0"/>
           </a:p>
           <a:p>
             <a:pPr lvl="1"/>
-            <a:endParaRPr lang="de-DE" dirty="0" smtClean="0"/>
+            <a:endParaRPr lang="de-DE" dirty="0"/>
           </a:p>
           <a:p>
             <a:pPr lvl="2"/>
-            <a:endParaRPr lang="de-DE" dirty="0" smtClean="0"/>
+            <a:endParaRPr lang="de-DE" dirty="0"/>
           </a:p>
           <a:p>
             <a:pPr lvl="2"/>
-            <a:endParaRPr lang="de-DE" dirty="0" smtClean="0"/>
+            <a:endParaRPr lang="de-DE" dirty="0"/>
           </a:p>
           <a:p>
             <a:pPr lvl="1"/>
-            <a:endParaRPr lang="de-DE" dirty="0" smtClean="0"/>
+            <a:endParaRPr lang="de-DE" dirty="0"/>
           </a:p>
           <a:p>
             <a:pPr lvl="2"/>
-            <a:endParaRPr lang="de-DE" dirty="0" smtClean="0"/>
+            <a:endParaRPr lang="de-DE" dirty="0"/>
           </a:p>
           <a:p>
             <a:pPr lvl="2"/>
-            <a:endParaRPr lang="de-DE" dirty="0" smtClean="0"/>
+            <a:endParaRPr lang="de-DE" dirty="0"/>
           </a:p>
           <a:p>
             <a:pPr lvl="2"/>
-            <a:endParaRPr lang="de-DE" dirty="0" smtClean="0"/>
+            <a:endParaRPr lang="de-DE" dirty="0"/>
           </a:p>
         </p:txBody>
       </p:sp>
@@ -16466,12 +16834,8 @@
           <a:lstStyle/>
           <a:p>
             <a:r>
-              <a:rPr lang="de-DE" sz="1100" dirty="0" smtClean="0"/>
-              <a:t>Quelle: https</a:t>
-            </a:r>
-            <a:r>
               <a:rPr lang="de-DE" sz="1100" dirty="0"/>
-              <a:t>://git-scm.com/about/distributed</a:t>
+              <a:t>Quelle: https://git-scm.com/about/distributed</a:t>
             </a:r>
           </a:p>
         </p:txBody>
@@ -16731,49 +17095,49 @@
           <a:p>
             <a:pPr lvl="1"/>
             <a:r>
-              <a:rPr lang="de-DE" dirty="0" smtClean="0"/>
+              <a:rPr lang="de-DE" dirty="0"/>
               <a:t>Flexibilität in Workflows</a:t>
             </a:r>
           </a:p>
           <a:p>
             <a:pPr lvl="1"/>
-            <a:endParaRPr lang="de-DE" dirty="0" smtClean="0"/>
+            <a:endParaRPr lang="de-DE" dirty="0"/>
           </a:p>
           <a:p>
             <a:pPr lvl="2"/>
-            <a:endParaRPr lang="de-DE" dirty="0" smtClean="0"/>
+            <a:endParaRPr lang="de-DE" dirty="0"/>
           </a:p>
           <a:p>
             <a:pPr lvl="2"/>
-            <a:endParaRPr lang="de-DE" dirty="0" smtClean="0"/>
+            <a:endParaRPr lang="de-DE" dirty="0"/>
           </a:p>
           <a:p>
             <a:pPr lvl="1"/>
-            <a:endParaRPr lang="de-DE" dirty="0" smtClean="0"/>
+            <a:endParaRPr lang="de-DE" dirty="0"/>
           </a:p>
           <a:p>
             <a:pPr lvl="2"/>
-            <a:endParaRPr lang="de-DE" dirty="0" smtClean="0"/>
+            <a:endParaRPr lang="de-DE" dirty="0"/>
           </a:p>
           <a:p>
             <a:pPr lvl="2"/>
-            <a:endParaRPr lang="de-DE" dirty="0" smtClean="0"/>
+            <a:endParaRPr lang="de-DE" dirty="0"/>
           </a:p>
           <a:p>
             <a:pPr lvl="1"/>
-            <a:endParaRPr lang="de-DE" dirty="0" smtClean="0"/>
+            <a:endParaRPr lang="de-DE" dirty="0"/>
           </a:p>
           <a:p>
             <a:pPr lvl="2"/>
-            <a:endParaRPr lang="de-DE" dirty="0" smtClean="0"/>
+            <a:endParaRPr lang="de-DE" dirty="0"/>
           </a:p>
           <a:p>
             <a:pPr lvl="2"/>
-            <a:endParaRPr lang="de-DE" dirty="0" smtClean="0"/>
+            <a:endParaRPr lang="de-DE" dirty="0"/>
           </a:p>
           <a:p>
             <a:pPr lvl="2"/>
-            <a:endParaRPr lang="de-DE" dirty="0" smtClean="0"/>
+            <a:endParaRPr lang="de-DE" dirty="0"/>
           </a:p>
         </p:txBody>
       </p:sp>
@@ -16822,12 +17186,8 @@
           <a:lstStyle/>
           <a:p>
             <a:r>
-              <a:rPr lang="de-DE" sz="1100" dirty="0" smtClean="0"/>
-              <a:t>Quelle: https</a:t>
-            </a:r>
-            <a:r>
               <a:rPr lang="de-DE" sz="1100" dirty="0"/>
-              <a:t>://git-scm.com/about/distributed</a:t>
+              <a:t>Quelle: https://git-scm.com/about/distributed</a:t>
             </a:r>
           </a:p>
         </p:txBody>
@@ -17111,49 +17471,49 @@
           <a:p>
             <a:pPr lvl="1"/>
             <a:r>
-              <a:rPr lang="de-DE" dirty="0" smtClean="0"/>
+              <a:rPr lang="de-DE" dirty="0"/>
               <a:t>Flexibilität in Workflows</a:t>
             </a:r>
           </a:p>
           <a:p>
             <a:pPr lvl="1"/>
-            <a:endParaRPr lang="de-DE" dirty="0" smtClean="0"/>
+            <a:endParaRPr lang="de-DE" dirty="0"/>
           </a:p>
           <a:p>
             <a:pPr lvl="2"/>
-            <a:endParaRPr lang="de-DE" dirty="0" smtClean="0"/>
+            <a:endParaRPr lang="de-DE" dirty="0"/>
           </a:p>
           <a:p>
             <a:pPr lvl="2"/>
-            <a:endParaRPr lang="de-DE" dirty="0" smtClean="0"/>
+            <a:endParaRPr lang="de-DE" dirty="0"/>
           </a:p>
           <a:p>
             <a:pPr lvl="1"/>
-            <a:endParaRPr lang="de-DE" dirty="0" smtClean="0"/>
+            <a:endParaRPr lang="de-DE" dirty="0"/>
           </a:p>
           <a:p>
             <a:pPr lvl="2"/>
-            <a:endParaRPr lang="de-DE" dirty="0" smtClean="0"/>
+            <a:endParaRPr lang="de-DE" dirty="0"/>
           </a:p>
           <a:p>
             <a:pPr lvl="2"/>
-            <a:endParaRPr lang="de-DE" dirty="0" smtClean="0"/>
+            <a:endParaRPr lang="de-DE" dirty="0"/>
           </a:p>
           <a:p>
             <a:pPr lvl="1"/>
-            <a:endParaRPr lang="de-DE" dirty="0" smtClean="0"/>
+            <a:endParaRPr lang="de-DE" dirty="0"/>
           </a:p>
           <a:p>
             <a:pPr lvl="2"/>
-            <a:endParaRPr lang="de-DE" dirty="0" smtClean="0"/>
+            <a:endParaRPr lang="de-DE" dirty="0"/>
           </a:p>
           <a:p>
             <a:pPr lvl="2"/>
-            <a:endParaRPr lang="de-DE" dirty="0" smtClean="0"/>
+            <a:endParaRPr lang="de-DE" dirty="0"/>
           </a:p>
           <a:p>
             <a:pPr lvl="2"/>
-            <a:endParaRPr lang="de-DE" dirty="0" smtClean="0"/>
+            <a:endParaRPr lang="de-DE" dirty="0"/>
           </a:p>
         </p:txBody>
       </p:sp>
@@ -17202,12 +17562,8 @@
           <a:lstStyle/>
           <a:p>
             <a:r>
-              <a:rPr lang="de-DE" sz="1100" dirty="0" smtClean="0"/>
-              <a:t>Quelle: https</a:t>
-            </a:r>
-            <a:r>
               <a:rPr lang="de-DE" sz="1100" dirty="0"/>
-              <a:t>://git-scm.com/about/distributed</a:t>
+              <a:t>Quelle: https://git-scm.com/about/distributed</a:t>
             </a:r>
           </a:p>
         </p:txBody>
@@ -17466,15 +17822,15 @@
           <a:lstStyle/>
           <a:p>
             <a:r>
-              <a:rPr lang="en-US" dirty="0" err="1" smtClean="0"/>
+              <a:rPr lang="en-US" dirty="0" err="1"/>
               <a:t>Git</a:t>
             </a:r>
             <a:r>
-              <a:rPr lang="en-US" dirty="0" smtClean="0"/>
+              <a:rPr lang="en-US" dirty="0"/>
               <a:t> - </a:t>
             </a:r>
             <a:r>
-              <a:rPr lang="en-US" dirty="0" err="1" smtClean="0"/>
+              <a:rPr lang="en-US" dirty="0" err="1"/>
               <a:t>Nachteile</a:t>
             </a:r>
             <a:endParaRPr lang="en-US" dirty="0"/>
@@ -17500,106 +17856,106 @@
           <a:p>
             <a:pPr lvl="2"/>
             <a:r>
-              <a:rPr lang="de-DE" dirty="0" smtClean="0"/>
+              <a:rPr lang="de-DE" dirty="0"/>
               <a:t>Hohe Komplexität </a:t>
             </a:r>
           </a:p>
           <a:p>
             <a:pPr lvl="3"/>
             <a:r>
-              <a:rPr lang="de-DE" dirty="0" smtClean="0"/>
+              <a:rPr lang="de-DE" dirty="0"/>
               <a:t>dezentrale Versionsverwaltung mit mehr Verantwortung für Entwickler</a:t>
             </a:r>
           </a:p>
           <a:p>
             <a:pPr lvl="3"/>
             <a:r>
-              <a:rPr lang="de-DE" dirty="0" smtClean="0"/>
+              <a:rPr lang="de-DE" dirty="0"/>
               <a:t>Viele Befehle und Parameter</a:t>
             </a:r>
           </a:p>
           <a:p>
             <a:pPr lvl="2"/>
             <a:r>
-              <a:rPr lang="de-DE" dirty="0" smtClean="0"/>
+              <a:rPr lang="de-DE" dirty="0"/>
               <a:t>Komplizierter Umgang mit Submodulen (Submodule sind eigenständige </a:t>
             </a:r>
             <a:r>
-              <a:rPr lang="de-DE" dirty="0" err="1" smtClean="0"/>
+              <a:rPr lang="de-DE" dirty="0" err="1"/>
               <a:t>Repositorys</a:t>
             </a:r>
             <a:r>
-              <a:rPr lang="de-DE" dirty="0" smtClean="0"/>
+              <a:rPr lang="de-DE" dirty="0"/>
               <a:t>, die in ein anderen Repository eingebunden werden)</a:t>
             </a:r>
           </a:p>
           <a:p>
             <a:pPr lvl="2"/>
             <a:r>
-              <a:rPr lang="de-DE" dirty="0" smtClean="0"/>
+              <a:rPr lang="de-DE" dirty="0"/>
               <a:t>Ressourcenverbrauch bei großen binären Dateien</a:t>
             </a:r>
           </a:p>
           <a:p>
             <a:pPr lvl="2"/>
             <a:r>
-              <a:rPr lang="de-DE" dirty="0" err="1" smtClean="0"/>
+              <a:rPr lang="de-DE" dirty="0" err="1"/>
               <a:t>Repositorys</a:t>
             </a:r>
             <a:r>
-              <a:rPr lang="de-DE" dirty="0" smtClean="0"/>
+              <a:rPr lang="de-DE" dirty="0"/>
               <a:t> können nur vollständig verwendet werden</a:t>
             </a:r>
           </a:p>
           <a:p>
             <a:pPr lvl="2"/>
             <a:r>
-              <a:rPr lang="de-DE" dirty="0" smtClean="0"/>
+              <a:rPr lang="de-DE" dirty="0"/>
               <a:t>Autorisierung nur auf dem ganzen Repository (keine Rechte für einzelne Verzeichnisse)</a:t>
             </a:r>
           </a:p>
           <a:p>
             <a:pPr lvl="2"/>
             <a:r>
-              <a:rPr lang="de-DE" dirty="0" smtClean="0"/>
+              <a:rPr lang="de-DE" dirty="0"/>
               <a:t>Mäßige grafische Werkzeuge für die Historienauswertung</a:t>
             </a:r>
           </a:p>
           <a:p>
             <a:pPr lvl="3"/>
-            <a:endParaRPr lang="de-DE" dirty="0" smtClean="0"/>
+            <a:endParaRPr lang="de-DE" dirty="0"/>
           </a:p>
           <a:p>
             <a:pPr lvl="2"/>
-            <a:endParaRPr lang="de-DE" dirty="0" smtClean="0"/>
+            <a:endParaRPr lang="de-DE" dirty="0"/>
           </a:p>
           <a:p>
             <a:pPr lvl="1"/>
-            <a:endParaRPr lang="de-DE" dirty="0" smtClean="0"/>
+            <a:endParaRPr lang="de-DE" dirty="0"/>
           </a:p>
           <a:p>
             <a:pPr lvl="2"/>
-            <a:endParaRPr lang="de-DE" dirty="0" smtClean="0"/>
+            <a:endParaRPr lang="de-DE" dirty="0"/>
           </a:p>
           <a:p>
             <a:pPr lvl="2"/>
-            <a:endParaRPr lang="de-DE" dirty="0" smtClean="0"/>
+            <a:endParaRPr lang="de-DE" dirty="0"/>
           </a:p>
           <a:p>
             <a:pPr lvl="1"/>
-            <a:endParaRPr lang="de-DE" dirty="0" smtClean="0"/>
+            <a:endParaRPr lang="de-DE" dirty="0"/>
           </a:p>
           <a:p>
             <a:pPr lvl="2"/>
-            <a:endParaRPr lang="de-DE" dirty="0" smtClean="0"/>
+            <a:endParaRPr lang="de-DE" dirty="0"/>
           </a:p>
           <a:p>
             <a:pPr lvl="2"/>
-            <a:endParaRPr lang="de-DE" dirty="0" smtClean="0"/>
+            <a:endParaRPr lang="de-DE" dirty="0"/>
           </a:p>
           <a:p>
             <a:pPr lvl="2"/>
-            <a:endParaRPr lang="de-DE" dirty="0" smtClean="0"/>
+            <a:endParaRPr lang="de-DE" dirty="0"/>
           </a:p>
         </p:txBody>
       </p:sp>
@@ -18192,14 +18548,13 @@
           <a:lstStyle/>
           <a:p>
             <a:r>
-              <a:rPr lang="en-US" dirty="0" err="1" smtClean="0"/>
+              <a:rPr lang="en-US" dirty="0" err="1"/>
               <a:t>Git</a:t>
             </a:r>
             <a:r>
-              <a:rPr lang="en-US" dirty="0" smtClean="0"/>
+              <a:rPr lang="en-US" dirty="0"/>
               <a:t> - Repository</a:t>
             </a:r>
-            <a:endParaRPr lang="en-US" dirty="0"/>
           </a:p>
         </p:txBody>
       </p:sp>
@@ -18227,79 +18582,79 @@
           <a:p>
             <a:pPr lvl="1"/>
             <a:r>
-              <a:rPr lang="de-DE" dirty="0" smtClean="0"/>
+              <a:rPr lang="de-DE" dirty="0"/>
               <a:t>Dateiinhalte (</a:t>
             </a:r>
             <a:r>
-              <a:rPr lang="de-DE" dirty="0" err="1" smtClean="0"/>
+              <a:rPr lang="de-DE" dirty="0" err="1"/>
               <a:t>Blobs</a:t>
             </a:r>
             <a:r>
-              <a:rPr lang="de-DE" dirty="0" smtClean="0"/>
+              <a:rPr lang="de-DE" dirty="0"/>
               <a:t>): Texte oder binäre Daten – Speicherung unabhängig vom Dateinamen</a:t>
             </a:r>
           </a:p>
           <a:p>
             <a:pPr lvl="1"/>
             <a:r>
-              <a:rPr lang="de-DE" dirty="0" smtClean="0"/>
+              <a:rPr lang="de-DE" dirty="0"/>
               <a:t>Verzeichnisse (</a:t>
             </a:r>
             <a:r>
-              <a:rPr lang="de-DE" dirty="0" err="1" smtClean="0"/>
+              <a:rPr lang="de-DE" dirty="0" err="1"/>
               <a:t>Trees</a:t>
             </a:r>
             <a:r>
-              <a:rPr lang="de-DE" dirty="0" smtClean="0"/>
+              <a:rPr lang="de-DE" dirty="0"/>
               <a:t>): verknüpfen Dateinamen mit Inhalten. In Verzeichnissen können andere Verzeichnisse liegen</a:t>
             </a:r>
           </a:p>
           <a:p>
             <a:pPr lvl="1"/>
             <a:r>
-              <a:rPr lang="de-DE" dirty="0" smtClean="0"/>
+              <a:rPr lang="de-DE" dirty="0"/>
               <a:t>Versionen (</a:t>
             </a:r>
             <a:r>
-              <a:rPr lang="de-DE" dirty="0" err="1" smtClean="0"/>
+              <a:rPr lang="de-DE" dirty="0" err="1"/>
               <a:t>Commits</a:t>
             </a:r>
             <a:r>
-              <a:rPr lang="de-DE" dirty="0" smtClean="0"/>
+              <a:rPr lang="de-DE" dirty="0"/>
               <a:t>): definieren einen wiederherstellbaren Zustand eines Verzeichnisses. Hier werden auch die Metadaten gespeichert</a:t>
             </a:r>
           </a:p>
           <a:p>
             <a:pPr lvl="2"/>
-            <a:endParaRPr lang="de-DE" dirty="0" smtClean="0"/>
+            <a:endParaRPr lang="de-DE" dirty="0"/>
           </a:p>
           <a:p>
             <a:pPr lvl="1"/>
-            <a:endParaRPr lang="de-DE" dirty="0" smtClean="0"/>
+            <a:endParaRPr lang="de-DE" dirty="0"/>
           </a:p>
           <a:p>
             <a:pPr lvl="2"/>
-            <a:endParaRPr lang="de-DE" dirty="0" smtClean="0"/>
+            <a:endParaRPr lang="de-DE" dirty="0"/>
           </a:p>
           <a:p>
             <a:pPr lvl="2"/>
-            <a:endParaRPr lang="de-DE" dirty="0" smtClean="0"/>
+            <a:endParaRPr lang="de-DE" dirty="0"/>
           </a:p>
           <a:p>
             <a:pPr lvl="1"/>
-            <a:endParaRPr lang="de-DE" dirty="0" smtClean="0"/>
+            <a:endParaRPr lang="de-DE" dirty="0"/>
           </a:p>
           <a:p>
             <a:pPr lvl="2"/>
-            <a:endParaRPr lang="de-DE" dirty="0" smtClean="0"/>
+            <a:endParaRPr lang="de-DE" dirty="0"/>
           </a:p>
           <a:p>
             <a:pPr lvl="2"/>
-            <a:endParaRPr lang="de-DE" dirty="0" smtClean="0"/>
+            <a:endParaRPr lang="de-DE" dirty="0"/>
           </a:p>
           <a:p>
             <a:pPr lvl="2"/>
-            <a:endParaRPr lang="de-DE" dirty="0" smtClean="0"/>
+            <a:endParaRPr lang="de-DE" dirty="0"/>
           </a:p>
         </p:txBody>
       </p:sp>
@@ -18372,11 +18727,11 @@
           <a:lstStyle/>
           <a:p>
             <a:r>
-              <a:rPr lang="de-DE" sz="1100" dirty="0" smtClean="0"/>
+              <a:rPr lang="de-DE" sz="1100" dirty="0"/>
               <a:t>Quelle: </a:t>
             </a:r>
             <a:r>
-              <a:rPr lang="de-DE" sz="1100" dirty="0" err="1" smtClean="0"/>
+              <a:rPr lang="de-DE" sz="1100" dirty="0" err="1"/>
               <a:t>Preißel</a:t>
             </a:r>
             <a:r>
@@ -18763,15 +19118,15 @@
           <a:lstStyle/>
           <a:p>
             <a:r>
-              <a:rPr lang="en-US" dirty="0" err="1" smtClean="0"/>
+              <a:rPr lang="en-US" dirty="0" err="1"/>
               <a:t>Git</a:t>
             </a:r>
             <a:r>
-              <a:rPr lang="en-US" dirty="0" smtClean="0"/>
+              <a:rPr lang="en-US" dirty="0"/>
               <a:t> - </a:t>
             </a:r>
             <a:r>
-              <a:rPr lang="en-US" dirty="0" err="1" smtClean="0"/>
+              <a:rPr lang="en-US" dirty="0" err="1"/>
               <a:t>Befehle</a:t>
             </a:r>
             <a:endParaRPr lang="en-US" dirty="0"/>
@@ -18828,14 +19183,10 @@
             </a:pPr>
             <a:r>
               <a:rPr lang="de-DE" sz="1800" dirty="0"/>
-              <a:t>e</a:t>
-            </a:r>
-            <a:r>
-              <a:rPr lang="de-DE" sz="1800" dirty="0" smtClean="0"/>
-              <a:t>in neues Repository anlegen 	</a:t>
-            </a:r>
-            <a:r>
-              <a:rPr lang="de-DE" sz="1800" b="1" dirty="0" smtClean="0">
+              <a:t>ein neues Repository anlegen 	</a:t>
+            </a:r>
+            <a:r>
+              <a:rPr lang="de-DE" sz="1800" b="1" dirty="0">
                 <a:solidFill>
                   <a:schemeClr val="accent4">
                     <a:lumMod val="75000"/>
@@ -18845,29 +19196,29 @@
               <a:t>→ </a:t>
             </a:r>
             <a:r>
-              <a:rPr lang="de-DE" sz="1800" b="1" dirty="0" err="1" smtClean="0"/>
+              <a:rPr lang="de-DE" sz="1800" b="1" dirty="0" err="1"/>
               <a:t>git</a:t>
             </a:r>
             <a:r>
-              <a:rPr lang="de-DE" sz="1800" b="1" dirty="0" smtClean="0"/>
+              <a:rPr lang="de-DE" sz="1800" b="1" dirty="0"/>
               <a:t> </a:t>
             </a:r>
             <a:r>
-              <a:rPr lang="de-DE" sz="1800" b="1" dirty="0" err="1" smtClean="0"/>
+              <a:rPr lang="de-DE" sz="1800" b="1" dirty="0" err="1"/>
               <a:t>init</a:t>
             </a:r>
-            <a:endParaRPr lang="de-DE" sz="1800" b="1" dirty="0" smtClean="0"/>
+            <a:endParaRPr lang="de-DE" sz="1800" b="1" dirty="0"/>
           </a:p>
           <a:p>
             <a:pPr marL="0" indent="0">
               <a:buNone/>
             </a:pPr>
             <a:r>
-              <a:rPr lang="de-DE" sz="1800" dirty="0" smtClean="0"/>
+              <a:rPr lang="de-DE" sz="1800" dirty="0"/>
               <a:t>ein lokales Repository kopieren	</a:t>
             </a:r>
             <a:r>
-              <a:rPr lang="de-DE" sz="1800" b="1" dirty="0" smtClean="0">
+              <a:rPr lang="de-DE" sz="1800" b="1" dirty="0">
                 <a:solidFill>
                   <a:schemeClr val="accent4">
                     <a:lumMod val="75000"/>
@@ -18877,23 +19228,23 @@
               <a:t>→ </a:t>
             </a:r>
             <a:r>
-              <a:rPr lang="de-DE" sz="1800" b="1" dirty="0" err="1" smtClean="0"/>
+              <a:rPr lang="de-DE" sz="1800" b="1" dirty="0" err="1"/>
               <a:t>git</a:t>
             </a:r>
             <a:r>
-              <a:rPr lang="de-DE" sz="1800" b="1" dirty="0" smtClean="0"/>
+              <a:rPr lang="de-DE" sz="1800" b="1" dirty="0"/>
               <a:t> </a:t>
             </a:r>
             <a:r>
-              <a:rPr lang="de-DE" sz="1800" b="1" dirty="0" err="1" smtClean="0"/>
+              <a:rPr lang="de-DE" sz="1800" b="1" dirty="0" err="1"/>
               <a:t>clone</a:t>
             </a:r>
             <a:r>
-              <a:rPr lang="de-DE" sz="1800" b="1" dirty="0" smtClean="0"/>
+              <a:rPr lang="de-DE" sz="1800" b="1" dirty="0"/>
               <a:t> </a:t>
             </a:r>
             <a:r>
-              <a:rPr lang="de-DE" sz="1800" b="1" dirty="0" smtClean="0">
+              <a:rPr lang="de-DE" sz="1800" b="1" dirty="0">
                 <a:solidFill>
                   <a:schemeClr val="accent1">
                     <a:lumMod val="75000"/>
@@ -18903,7 +19254,7 @@
               <a:t>/</a:t>
             </a:r>
             <a:r>
-              <a:rPr lang="de-DE" sz="1800" b="1" dirty="0" err="1" smtClean="0">
+              <a:rPr lang="de-DE" sz="1800" b="1" dirty="0" err="1">
                 <a:solidFill>
                   <a:schemeClr val="accent1">
                     <a:lumMod val="75000"/>
@@ -18913,7 +19264,7 @@
               <a:t>path</a:t>
             </a:r>
             <a:r>
-              <a:rPr lang="de-DE" sz="1800" b="1" dirty="0" smtClean="0">
+              <a:rPr lang="de-DE" sz="1800" b="1" dirty="0">
                 <a:solidFill>
                   <a:schemeClr val="accent1">
                     <a:lumMod val="75000"/>
@@ -18923,7 +19274,7 @@
               <a:t>/</a:t>
             </a:r>
             <a:r>
-              <a:rPr lang="de-DE" sz="1800" b="1" dirty="0" err="1" smtClean="0">
+              <a:rPr lang="de-DE" sz="1800" b="1" dirty="0" err="1">
                 <a:solidFill>
                   <a:schemeClr val="accent1">
                     <a:lumMod val="75000"/>
@@ -18933,7 +19284,7 @@
               <a:t>to</a:t>
             </a:r>
             <a:r>
-              <a:rPr lang="de-DE" sz="1800" b="1" dirty="0" smtClean="0">
+              <a:rPr lang="de-DE" sz="1800" b="1" dirty="0">
                 <a:solidFill>
                   <a:schemeClr val="accent1">
                     <a:lumMod val="75000"/>
@@ -18943,7 +19294,7 @@
               <a:t>/</a:t>
             </a:r>
             <a:r>
-              <a:rPr lang="de-DE" sz="1800" b="1" dirty="0" err="1" smtClean="0">
+              <a:rPr lang="de-DE" sz="1800" b="1" dirty="0" err="1">
                 <a:solidFill>
                   <a:schemeClr val="accent1">
                     <a:lumMod val="75000"/>
@@ -18952,7 +19303,7 @@
               </a:rPr>
               <a:t>repository</a:t>
             </a:r>
-            <a:endParaRPr lang="de-DE" sz="1800" dirty="0" smtClean="0"/>
+            <a:endParaRPr lang="de-DE" sz="1800" dirty="0"/>
           </a:p>
           <a:p>
             <a:pPr marL="0" indent="0">
@@ -18960,22 +19311,10 @@
             </a:pPr>
             <a:r>
               <a:rPr lang="de-DE" sz="1800" dirty="0"/>
-              <a:t>ein </a:t>
-            </a:r>
-            <a:r>
-              <a:rPr lang="de-DE" sz="1800" dirty="0" smtClean="0"/>
-              <a:t>externes Repository </a:t>
-            </a:r>
-            <a:r>
-              <a:rPr lang="de-DE" sz="1800" dirty="0"/>
-              <a:t>kopieren </a:t>
-            </a:r>
-            <a:r>
-              <a:rPr lang="de-DE" sz="1800" dirty="0" smtClean="0"/>
-              <a:t>	</a:t>
-            </a:r>
-            <a:r>
-              <a:rPr lang="de-DE" sz="1800" b="1" dirty="0" smtClean="0">
+              <a:t>ein externes Repository kopieren 	</a:t>
+            </a:r>
+            <a:r>
+              <a:rPr lang="de-DE" sz="1800" b="1" dirty="0">
                 <a:solidFill>
                   <a:schemeClr val="accent4">
                     <a:lumMod val="75000"/>
@@ -18985,11 +19324,11 @@
               <a:t>→ </a:t>
             </a:r>
             <a:r>
-              <a:rPr lang="de-DE" sz="1800" b="1" dirty="0" err="1" smtClean="0"/>
+              <a:rPr lang="de-DE" sz="1800" b="1" dirty="0" err="1"/>
               <a:t>git</a:t>
             </a:r>
             <a:r>
-              <a:rPr lang="de-DE" sz="1800" b="1" dirty="0" smtClean="0"/>
+              <a:rPr lang="de-DE" sz="1800" b="1" dirty="0"/>
               <a:t> </a:t>
             </a:r>
             <a:r>
@@ -19001,7 +19340,7 @@
               <a:t> </a:t>
             </a:r>
             <a:r>
-              <a:rPr lang="de-DE" sz="1800" b="1" dirty="0" err="1" smtClean="0">
+              <a:rPr lang="de-DE" sz="1800" b="1" dirty="0" err="1">
                 <a:solidFill>
                   <a:schemeClr val="accent1">
                     <a:lumMod val="75000"/>
@@ -19011,7 +19350,7 @@
               <a:t>username@host</a:t>
             </a:r>
             <a:r>
-              <a:rPr lang="de-DE" sz="1800" b="1" dirty="0" smtClean="0">
+              <a:rPr lang="de-DE" sz="1800" b="1" dirty="0">
                 <a:solidFill>
                   <a:schemeClr val="accent1">
                     <a:lumMod val="75000"/>
@@ -19021,7 +19360,7 @@
               <a:t>:/</a:t>
             </a:r>
             <a:r>
-              <a:rPr lang="de-DE" sz="1800" b="1" dirty="0" err="1" smtClean="0">
+              <a:rPr lang="de-DE" sz="1800" b="1" dirty="0" err="1">
                 <a:solidFill>
                   <a:schemeClr val="accent1">
                     <a:lumMod val="75000"/>
@@ -19031,7 +19370,7 @@
               <a:t>path</a:t>
             </a:r>
             <a:r>
-              <a:rPr lang="de-DE" sz="1800" b="1" dirty="0" smtClean="0">
+              <a:rPr lang="de-DE" sz="1800" b="1" dirty="0">
                 <a:solidFill>
                   <a:schemeClr val="accent1">
                     <a:lumMod val="75000"/>
@@ -19041,7 +19380,7 @@
               <a:t>/</a:t>
             </a:r>
             <a:r>
-              <a:rPr lang="de-DE" sz="1800" b="1" dirty="0" err="1" smtClean="0">
+              <a:rPr lang="de-DE" sz="1800" b="1" dirty="0" err="1">
                 <a:solidFill>
                   <a:schemeClr val="accent1">
                     <a:lumMod val="75000"/>
@@ -19051,7 +19390,7 @@
               <a:t>to</a:t>
             </a:r>
             <a:r>
-              <a:rPr lang="de-DE" sz="1800" b="1" dirty="0" smtClean="0">
+              <a:rPr lang="de-DE" sz="1800" b="1" dirty="0">
                 <a:solidFill>
                   <a:schemeClr val="accent1">
                     <a:lumMod val="75000"/>
@@ -19061,7 +19400,7 @@
               <a:t>/</a:t>
             </a:r>
             <a:r>
-              <a:rPr lang="de-DE" sz="1800" b="1" dirty="0" err="1" smtClean="0">
+              <a:rPr lang="de-DE" sz="1800" b="1" dirty="0" err="1">
                 <a:solidFill>
                   <a:schemeClr val="accent1">
                     <a:lumMod val="75000"/>
@@ -19070,7 +19409,7 @@
               </a:rPr>
               <a:t>repository</a:t>
             </a:r>
-            <a:endParaRPr lang="de-DE" sz="1800" b="1" dirty="0" smtClean="0">
+            <a:endParaRPr lang="de-DE" sz="1800" b="1" dirty="0">
               <a:solidFill>
                 <a:schemeClr val="accent1">
                   <a:lumMod val="75000"/>
@@ -19095,82 +19434,12 @@
               <a:buNone/>
             </a:pPr>
             <a:r>
-              <a:rPr lang="de-DE" sz="1800" dirty="0" smtClean="0"/>
+              <a:rPr lang="de-DE" sz="1800" dirty="0"/>
               <a:t>hinzufügen von Änderungen ins </a:t>
             </a:r>
             <a:r>
-              <a:rPr lang="de-DE" sz="1800" dirty="0" err="1" smtClean="0"/>
+              <a:rPr lang="de-DE" sz="1800" dirty="0" err="1"/>
               <a:t>Staging</a:t>
-            </a:r>
-            <a:r>
-              <a:rPr lang="de-DE" sz="1800" b="1" dirty="0" smtClean="0">
-                <a:solidFill>
-                  <a:schemeClr val="accent4">
-                    <a:lumMod val="75000"/>
-                  </a:schemeClr>
-                </a:solidFill>
-              </a:rPr>
-              <a:t>→ </a:t>
-            </a:r>
-            <a:r>
-              <a:rPr lang="de-DE" sz="1800" b="1" dirty="0" err="1"/>
-              <a:t>git</a:t>
-            </a:r>
-            <a:r>
-              <a:rPr lang="de-DE" sz="1800" b="1" dirty="0"/>
-              <a:t> </a:t>
-            </a:r>
-            <a:r>
-              <a:rPr lang="de-DE" sz="1800" b="1" dirty="0" err="1" smtClean="0"/>
-              <a:t>add</a:t>
-            </a:r>
-            <a:r>
-              <a:rPr lang="de-DE" sz="1800" b="1" dirty="0" smtClean="0"/>
-              <a:t> </a:t>
-            </a:r>
-            <a:r>
-              <a:rPr lang="de-DE" sz="1800" b="1" dirty="0" smtClean="0">
-                <a:solidFill>
-                  <a:schemeClr val="accent1">
-                    <a:lumMod val="75000"/>
-                  </a:schemeClr>
-                </a:solidFill>
-              </a:rPr>
-              <a:t>&lt;</a:t>
-            </a:r>
-            <a:r>
-              <a:rPr lang="de-DE" sz="1800" b="1" dirty="0" err="1" smtClean="0">
-                <a:solidFill>
-                  <a:schemeClr val="accent1">
-                    <a:lumMod val="75000"/>
-                  </a:schemeClr>
-                </a:solidFill>
-              </a:rPr>
-              <a:t>filename</a:t>
-            </a:r>
-            <a:r>
-              <a:rPr lang="de-DE" sz="1800" b="1" dirty="0" smtClean="0">
-                <a:solidFill>
-                  <a:schemeClr val="accent1">
-                    <a:lumMod val="75000"/>
-                  </a:schemeClr>
-                </a:solidFill>
-              </a:rPr>
-              <a:t>&gt;</a:t>
-            </a:r>
-            <a:endParaRPr lang="de-DE" sz="1800" b="1" dirty="0"/>
-          </a:p>
-          <a:p>
-            <a:pPr marL="0" indent="0">
-              <a:buNone/>
-            </a:pPr>
-            <a:r>
-              <a:rPr lang="de-DE" sz="1800" dirty="0" smtClean="0"/>
-              <a:t>hinzufügen aller Änderungen ins Stag.</a:t>
-            </a:r>
-            <a:r>
-              <a:rPr lang="de-DE" sz="1800" dirty="0"/>
-              <a:t>	</a:t>
             </a:r>
             <a:r>
               <a:rPr lang="de-DE" sz="1800" b="1" dirty="0">
@@ -19191,41 +19460,52 @@
               <a:t> </a:t>
             </a:r>
             <a:r>
-              <a:rPr lang="de-DE" sz="1800" b="1" dirty="0" err="1" smtClean="0"/>
+              <a:rPr lang="de-DE" sz="1800" b="1" dirty="0" err="1"/>
               <a:t>add</a:t>
             </a:r>
             <a:r>
-              <a:rPr lang="de-DE" sz="1800" b="1" dirty="0" smtClean="0"/>
+              <a:rPr lang="de-DE" sz="1800" b="1" dirty="0"/>
               <a:t> </a:t>
             </a:r>
             <a:r>
-              <a:rPr lang="de-DE" sz="1800" b="1" dirty="0" smtClean="0">
+              <a:rPr lang="de-DE" sz="1800" b="1" dirty="0">
                 <a:solidFill>
                   <a:schemeClr val="accent1">
                     <a:lumMod val="75000"/>
                   </a:schemeClr>
                 </a:solidFill>
               </a:rPr>
-              <a:t>*</a:t>
-            </a:r>
+              <a:t>&lt;</a:t>
+            </a:r>
+            <a:r>
+              <a:rPr lang="de-DE" sz="1800" b="1" dirty="0" err="1">
+                <a:solidFill>
+                  <a:schemeClr val="accent1">
+                    <a:lumMod val="75000"/>
+                  </a:schemeClr>
+                </a:solidFill>
+              </a:rPr>
+              <a:t>filename</a:t>
+            </a:r>
+            <a:r>
+              <a:rPr lang="de-DE" sz="1800" b="1" dirty="0">
+                <a:solidFill>
+                  <a:schemeClr val="accent1">
+                    <a:lumMod val="75000"/>
+                  </a:schemeClr>
+                </a:solidFill>
+              </a:rPr>
+              <a:t>&gt;</a:t>
+            </a:r>
+            <a:endParaRPr lang="de-DE" sz="1800" b="1" dirty="0"/>
           </a:p>
           <a:p>
             <a:pPr marL="0" indent="0">
               <a:buNone/>
             </a:pPr>
-            <a:endParaRPr lang="de-DE" sz="1800" dirty="0" smtClean="0"/>
-          </a:p>
-          <a:p>
-            <a:pPr marL="0" indent="0">
-              <a:buNone/>
-            </a:pPr>
-            <a:r>
-              <a:rPr lang="de-DE" sz="1800" dirty="0" smtClean="0"/>
-              <a:t>Änderungen committen	</a:t>
-            </a:r>
             <a:r>
               <a:rPr lang="de-DE" sz="1800" dirty="0"/>
-              <a:t>	</a:t>
+              <a:t>hinzufügen aller Änderungen ins Stag.	</a:t>
             </a:r>
             <a:r>
               <a:rPr lang="de-DE" sz="1800" b="1" dirty="0">
@@ -19246,48 +19526,13 @@
               <a:t> </a:t>
             </a:r>
             <a:r>
-              <a:rPr lang="de-DE" sz="1800" b="1" dirty="0" err="1" smtClean="0"/>
-              <a:t>commit</a:t>
-            </a:r>
-            <a:r>
-              <a:rPr lang="de-DE" sz="1800" b="1" dirty="0" smtClean="0"/>
+              <a:rPr lang="de-DE" sz="1800" b="1" dirty="0" err="1"/>
+              <a:t>add</a:t>
+            </a:r>
+            <a:r>
+              <a:rPr lang="de-DE" sz="1800" b="1" dirty="0"/>
               <a:t> </a:t>
             </a:r>
-            <a:r>
-              <a:rPr lang="de-DE" sz="1800" b="1" dirty="0" smtClean="0">
-                <a:solidFill>
-                  <a:schemeClr val="accent1">
-                    <a:lumMod val="75000"/>
-                  </a:schemeClr>
-                </a:solidFill>
-              </a:rPr>
-              <a:t>–m „Commit </a:t>
-            </a:r>
-            <a:r>
-              <a:rPr lang="de-DE" sz="1800" b="1" dirty="0" err="1" smtClean="0">
-                <a:solidFill>
-                  <a:schemeClr val="accent1">
-                    <a:lumMod val="75000"/>
-                  </a:schemeClr>
-                </a:solidFill>
-              </a:rPr>
-              <a:t>message</a:t>
-            </a:r>
-            <a:r>
-              <a:rPr lang="de-DE" sz="1800" b="1" dirty="0" smtClean="0">
-                <a:solidFill>
-                  <a:schemeClr val="accent1">
-                    <a:lumMod val="75000"/>
-                  </a:schemeClr>
-                </a:solidFill>
-              </a:rPr>
-              <a:t>“</a:t>
-            </a:r>
-          </a:p>
-          <a:p>
-            <a:pPr marL="0" indent="0">
-              <a:buNone/>
-            </a:pPr>
             <a:r>
               <a:rPr lang="de-DE" sz="1800" b="1" dirty="0">
                 <a:solidFill>
@@ -19296,41 +19541,14 @@
                   </a:schemeClr>
                 </a:solidFill>
               </a:rPr>
-              <a:t>	</a:t>
-            </a:r>
-            <a:r>
-              <a:rPr lang="de-DE" sz="1800" b="1" dirty="0" smtClean="0">
-                <a:solidFill>
-                  <a:schemeClr val="accent1">
-                    <a:lumMod val="75000"/>
-                  </a:schemeClr>
-                </a:solidFill>
-              </a:rPr>
-              <a:t>			</a:t>
-            </a:r>
-            <a:r>
-              <a:rPr lang="de-DE" sz="1800" dirty="0" smtClean="0">
-                <a:solidFill>
-                  <a:schemeClr val="accent1">
-                    <a:lumMod val="75000"/>
-                  </a:schemeClr>
-                </a:solidFill>
-              </a:rPr>
-              <a:t>Message sollte kurz und prägnant sein</a:t>
-            </a:r>
-            <a:endParaRPr lang="de-DE" sz="1800" b="1" dirty="0">
-              <a:solidFill>
-                <a:schemeClr val="accent1">
-                  <a:lumMod val="75000"/>
-                </a:schemeClr>
-              </a:solidFill>
-            </a:endParaRPr>
+              <a:t>*</a:t>
+            </a:r>
           </a:p>
           <a:p>
             <a:pPr marL="0" indent="0">
               <a:buNone/>
             </a:pPr>
-            <a:endParaRPr lang="de-DE" sz="1800" b="1" dirty="0"/>
+            <a:endParaRPr lang="de-DE" sz="1800" dirty="0"/>
           </a:p>
           <a:p>
             <a:pPr marL="0" indent="0">
@@ -19338,15 +19556,7 @@
             </a:pPr>
             <a:r>
               <a:rPr lang="de-DE" sz="1800" dirty="0"/>
-              <a:t>s</a:t>
-            </a:r>
-            <a:r>
-              <a:rPr lang="de-DE" sz="1800" dirty="0" smtClean="0"/>
-              <a:t>enden der Änderungen zum ext. Rep.</a:t>
-            </a:r>
-            <a:r>
-              <a:rPr lang="de-DE" sz="1800" dirty="0"/>
-              <a:t>	</a:t>
+              <a:t>Änderungen committen		</a:t>
             </a:r>
             <a:r>
               <a:rPr lang="de-DE" sz="1800" b="1" dirty="0">
@@ -19367,38 +19577,89 @@
               <a:t> </a:t>
             </a:r>
             <a:r>
-              <a:rPr lang="de-DE" sz="1800" b="1" dirty="0" smtClean="0"/>
-              <a:t>push </a:t>
-            </a:r>
-            <a:r>
-              <a:rPr lang="de-DE" sz="1800" b="1" dirty="0" err="1" smtClean="0"/>
-              <a:t>origin</a:t>
-            </a:r>
-            <a:r>
-              <a:rPr lang="de-DE" sz="1800" b="1" dirty="0" smtClean="0"/>
+              <a:rPr lang="de-DE" sz="1800" b="1" dirty="0" err="1"/>
+              <a:t>commit</a:t>
+            </a:r>
+            <a:r>
+              <a:rPr lang="de-DE" sz="1800" b="1" dirty="0"/>
               <a:t> </a:t>
             </a:r>
             <a:r>
-              <a:rPr lang="de-DE" sz="1800" b="1" dirty="0" err="1" smtClean="0"/>
-              <a:t>master</a:t>
-            </a:r>
-            <a:endParaRPr lang="de-DE" sz="1800" b="1" dirty="0"/>
+              <a:rPr lang="de-DE" sz="1800" b="1" dirty="0">
+                <a:solidFill>
+                  <a:schemeClr val="accent1">
+                    <a:lumMod val="75000"/>
+                  </a:schemeClr>
+                </a:solidFill>
+              </a:rPr>
+              <a:t>–m „Commit </a:t>
+            </a:r>
+            <a:r>
+              <a:rPr lang="de-DE" sz="1800" b="1" dirty="0" err="1">
+                <a:solidFill>
+                  <a:schemeClr val="accent1">
+                    <a:lumMod val="75000"/>
+                  </a:schemeClr>
+                </a:solidFill>
+              </a:rPr>
+              <a:t>message</a:t>
+            </a:r>
+            <a:r>
+              <a:rPr lang="de-DE" sz="1800" b="1" dirty="0">
+                <a:solidFill>
+                  <a:schemeClr val="accent1">
+                    <a:lumMod val="75000"/>
+                  </a:schemeClr>
+                </a:solidFill>
+              </a:rPr>
+              <a:t>“</a:t>
+            </a:r>
           </a:p>
           <a:p>
             <a:pPr marL="0" indent="0">
               <a:buNone/>
             </a:pPr>
             <a:r>
+              <a:rPr lang="de-DE" sz="1800" b="1" dirty="0">
+                <a:solidFill>
+                  <a:schemeClr val="accent1">
+                    <a:lumMod val="75000"/>
+                  </a:schemeClr>
+                </a:solidFill>
+              </a:rPr>
+              <a:t>				</a:t>
+            </a:r>
+            <a:r>
+              <a:rPr lang="de-DE" sz="1800" dirty="0">
+                <a:solidFill>
+                  <a:schemeClr val="accent1">
+                    <a:lumMod val="75000"/>
+                  </a:schemeClr>
+                </a:solidFill>
+              </a:rPr>
+              <a:t>Message sollte kurz und prägnant sein</a:t>
+            </a:r>
+            <a:endParaRPr lang="de-DE" sz="1800" b="1" dirty="0">
+              <a:solidFill>
+                <a:schemeClr val="accent1">
+                  <a:lumMod val="75000"/>
+                </a:schemeClr>
+              </a:solidFill>
+            </a:endParaRPr>
+          </a:p>
+          <a:p>
+            <a:pPr marL="0" indent="0">
+              <a:buNone/>
+            </a:pPr>
+            <a:endParaRPr lang="de-DE" sz="1800" b="1" dirty="0"/>
+          </a:p>
+          <a:p>
+            <a:pPr marL="0" indent="0">
+              <a:buNone/>
+            </a:pPr>
+            <a:r>
               <a:rPr lang="de-DE" sz="1800" dirty="0"/>
-              <a:t>l</a:t>
-            </a:r>
-            <a:r>
-              <a:rPr lang="de-DE" sz="1800" dirty="0" smtClean="0"/>
-              <a:t>okales Repository updaten	</a:t>
-            </a:r>
-            <a:r>
-              <a:rPr lang="de-DE" sz="1800" dirty="0"/>
-              <a:t>	</a:t>
+              <a:t>senden der Änderungen zum ext. Rep.	</a:t>
             </a:r>
             <a:r>
               <a:rPr lang="de-DE" sz="1800" b="1" dirty="0">
@@ -19416,11 +19677,47 @@
             </a:r>
             <a:r>
               <a:rPr lang="de-DE" sz="1800" b="1" dirty="0"/>
+              <a:t> push </a:t>
+            </a:r>
+            <a:r>
+              <a:rPr lang="de-DE" sz="1800" b="1" dirty="0" err="1"/>
+              <a:t>origin</a:t>
+            </a:r>
+            <a:r>
+              <a:rPr lang="de-DE" sz="1800" b="1" dirty="0"/>
               <a:t> </a:t>
             </a:r>
             <a:r>
-              <a:rPr lang="de-DE" sz="1800" b="1" dirty="0" smtClean="0"/>
-              <a:t>pull</a:t>
+              <a:rPr lang="de-DE" sz="1800" b="1" dirty="0" err="1"/>
+              <a:t>master</a:t>
+            </a:r>
+            <a:endParaRPr lang="de-DE" sz="1800" b="1" dirty="0"/>
+          </a:p>
+          <a:p>
+            <a:pPr marL="0" indent="0">
+              <a:buNone/>
+            </a:pPr>
+            <a:r>
+              <a:rPr lang="de-DE" sz="1800" dirty="0"/>
+              <a:t>lokales Repository updaten		</a:t>
+            </a:r>
+            <a:r>
+              <a:rPr lang="de-DE" sz="1800" b="1" dirty="0">
+                <a:solidFill>
+                  <a:schemeClr val="accent4">
+                    <a:lumMod val="75000"/>
+                  </a:schemeClr>
+                </a:solidFill>
+              </a:rPr>
+              <a:t>→ </a:t>
+            </a:r>
+            <a:r>
+              <a:rPr lang="de-DE" sz="1800" b="1" dirty="0" err="1"/>
+              <a:t>git</a:t>
+            </a:r>
+            <a:r>
+              <a:rPr lang="de-DE" sz="1800" b="1" dirty="0"/>
+              <a:t> pull</a:t>
             </a:r>
           </a:p>
           <a:p>
@@ -19433,7 +19730,7 @@
             <a:pPr marL="0" indent="0">
               <a:buNone/>
             </a:pPr>
-            <a:endParaRPr lang="de-DE" sz="1800" b="1" dirty="0" smtClean="0"/>
+            <a:endParaRPr lang="de-DE" sz="1800" b="1" dirty="0"/>
           </a:p>
           <a:p>
             <a:pPr marL="0" indent="0">
@@ -20064,15 +20361,15 @@
           <a:lstStyle/>
           <a:p>
             <a:r>
-              <a:rPr lang="en-US" dirty="0" err="1" smtClean="0"/>
+              <a:rPr lang="en-US" dirty="0" err="1"/>
               <a:t>Git</a:t>
             </a:r>
             <a:r>
-              <a:rPr lang="en-US" dirty="0" smtClean="0"/>
+              <a:rPr lang="en-US" dirty="0"/>
               <a:t> - </a:t>
             </a:r>
             <a:r>
-              <a:rPr lang="en-US" dirty="0" err="1" smtClean="0"/>
+              <a:rPr lang="en-US" dirty="0" err="1"/>
               <a:t>Befehle</a:t>
             </a:r>
             <a:endParaRPr lang="en-US" dirty="0"/>
@@ -20128,7 +20425,7 @@
               <a:buNone/>
             </a:pPr>
             <a:r>
-              <a:rPr lang="de-DE" sz="1800" dirty="0" smtClean="0"/>
+              <a:rPr lang="de-DE" sz="1800" dirty="0"/>
               <a:t>alle Änderungen seit letztem </a:t>
             </a:r>
           </a:p>
@@ -20137,23 +20434,15 @@
               <a:buNone/>
             </a:pPr>
             <a:r>
-              <a:rPr lang="de-DE" sz="1800" dirty="0" err="1" smtClean="0"/>
+              <a:rPr lang="de-DE" sz="1800" dirty="0" err="1"/>
               <a:t>commit</a:t>
             </a:r>
             <a:r>
-              <a:rPr lang="de-DE" sz="1800" dirty="0" smtClean="0"/>
-              <a:t> anzeigen</a:t>
-            </a:r>
-            <a:r>
               <a:rPr lang="de-DE" sz="1800" dirty="0"/>
-              <a:t>		</a:t>
-            </a:r>
-            <a:r>
-              <a:rPr lang="de-DE" sz="1800" dirty="0" smtClean="0"/>
-              <a:t>	</a:t>
-            </a:r>
-            <a:r>
-              <a:rPr lang="de-DE" sz="1800" b="1" dirty="0" smtClean="0">
+              <a:t> anzeigen			</a:t>
+            </a:r>
+            <a:r>
+              <a:rPr lang="de-DE" sz="1800" b="1" dirty="0">
                 <a:solidFill>
                   <a:schemeClr val="accent4">
                     <a:lumMod val="75000"/>
@@ -20171,16 +20460,16 @@
               <a:t> </a:t>
             </a:r>
             <a:r>
-              <a:rPr lang="de-DE" sz="1800" b="1" dirty="0" err="1" smtClean="0"/>
+              <a:rPr lang="de-DE" sz="1800" b="1" dirty="0" err="1"/>
               <a:t>status</a:t>
             </a:r>
-            <a:endParaRPr lang="de-DE" sz="1800" b="1" dirty="0" smtClean="0"/>
+            <a:endParaRPr lang="de-DE" sz="1800" b="1" dirty="0"/>
           </a:p>
           <a:p>
             <a:pPr marL="0" indent="0">
               <a:buNone/>
             </a:pPr>
-            <a:endParaRPr lang="de-DE" sz="1800" b="1" dirty="0" smtClean="0"/>
+            <a:endParaRPr lang="de-DE" sz="1800" b="1" dirty="0"/>
           </a:p>
           <a:p>
             <a:pPr marL="0" indent="0">
@@ -20248,12 +20537,8 @@
           <a:lstStyle/>
           <a:p>
             <a:r>
-              <a:rPr lang="de-DE" sz="1100" dirty="0" smtClean="0"/>
-              <a:t>Quelle: https</a:t>
-            </a:r>
-            <a:r>
               <a:rPr lang="de-DE" sz="1100" dirty="0"/>
-              <a:t>://git-scm.com/book/en/v2/Git-Basics-Recording-Changes-to-the-Repository</a:t>
+              <a:t>Quelle: https://git-scm.com/book/en/v2/Git-Basics-Recording-Changes-to-the-Repository</a:t>
             </a:r>
           </a:p>
         </p:txBody>
@@ -20529,14 +20814,13 @@
           <a:lstStyle/>
           <a:p>
             <a:r>
-              <a:rPr lang="en-US" dirty="0" err="1" smtClean="0"/>
+              <a:rPr lang="en-US" dirty="0" err="1"/>
               <a:t>Continous</a:t>
             </a:r>
             <a:r>
-              <a:rPr lang="en-US" dirty="0" smtClean="0"/>
+              <a:rPr lang="en-US" dirty="0"/>
               <a:t> Integration</a:t>
             </a:r>
-            <a:endParaRPr lang="en-US" dirty="0"/>
           </a:p>
         </p:txBody>
       </p:sp>
@@ -20553,99 +20837,113 @@
         <p:spPr/>
         <p:txBody>
           <a:bodyPr>
-            <a:normAutofit/>
+            <a:normAutofit fontScale="92500" lnSpcReduction="10000"/>
           </a:bodyPr>
           <a:lstStyle/>
           <a:p>
             <a:pPr lvl="1"/>
             <a:r>
-              <a:rPr lang="de-DE" dirty="0" smtClean="0"/>
+              <a:rPr lang="de-DE" dirty="0"/>
               <a:t>Fortlaufende Entwicklung </a:t>
             </a:r>
           </a:p>
           <a:p>
             <a:pPr lvl="1"/>
             <a:r>
-              <a:rPr lang="de-DE" dirty="0" smtClean="0"/>
+              <a:rPr lang="de-DE" dirty="0"/>
               <a:t>Beschreibt den Prozess des fortlaufenden Zusammenfügens von Komponenten zu einer Anwendung</a:t>
             </a:r>
           </a:p>
           <a:p>
             <a:pPr lvl="1"/>
             <a:r>
-              <a:rPr lang="de-DE" dirty="0" smtClean="0"/>
-              <a:t>Ziel: Steigerung der Qualität der Software</a:t>
+              <a:rPr lang="de-DE" dirty="0"/>
+              <a:t>Ziel:</a:t>
+            </a:r>
+          </a:p>
+          <a:p>
+            <a:pPr lvl="2"/>
+            <a:r>
+              <a:rPr lang="de-DE" dirty="0"/>
+              <a:t>Integration Problems vermeiden und</a:t>
+            </a:r>
+          </a:p>
+          <a:p>
+            <a:pPr lvl="2"/>
+            <a:r>
+              <a:rPr lang="de-DE" dirty="0"/>
+              <a:t>Steigerung der Qualität der Software</a:t>
             </a:r>
           </a:p>
           <a:p>
             <a:pPr lvl="1"/>
             <a:r>
-              <a:rPr lang="de-DE" dirty="0" smtClean="0"/>
+              <a:rPr lang="de-DE" dirty="0"/>
               <a:t>Oftmals umfasst das nicht nur den Neubau des Systems, sondern auch die Durchführung automatisierter Tests und Messung via Metriken</a:t>
             </a:r>
           </a:p>
           <a:p>
             <a:pPr lvl="1"/>
             <a:r>
-              <a:rPr lang="de-DE" dirty="0" smtClean="0"/>
+              <a:rPr lang="de-DE" dirty="0"/>
               <a:t>Automatisch ausgelöst durch Einchecken in die </a:t>
             </a:r>
             <a:r>
-              <a:rPr lang="de-DE" u="sng" dirty="0" smtClean="0"/>
+              <a:rPr lang="de-DE" u="sng" dirty="0"/>
               <a:t>Versionsverwaltung </a:t>
             </a:r>
           </a:p>
           <a:p>
             <a:pPr lvl="1"/>
             <a:r>
-              <a:rPr lang="de-DE" dirty="0" smtClean="0"/>
+              <a:rPr lang="de-DE" dirty="0"/>
               <a:t>Einfache Variante: </a:t>
             </a:r>
             <a:r>
-              <a:rPr lang="de-DE" dirty="0" err="1" smtClean="0"/>
+              <a:rPr lang="de-DE" dirty="0" err="1"/>
               <a:t>nightly</a:t>
             </a:r>
             <a:r>
-              <a:rPr lang="de-DE" dirty="0" smtClean="0"/>
+              <a:rPr lang="de-DE" dirty="0"/>
               <a:t> </a:t>
             </a:r>
             <a:r>
-              <a:rPr lang="de-DE" dirty="0" err="1" smtClean="0"/>
+              <a:rPr lang="de-DE" dirty="0" err="1"/>
               <a:t>Build</a:t>
             </a:r>
-            <a:endParaRPr lang="de-DE" dirty="0" smtClean="0"/>
+            <a:endParaRPr lang="de-DE" dirty="0"/>
           </a:p>
           <a:p>
             <a:pPr lvl="2"/>
-            <a:endParaRPr lang="de-DE" dirty="0" smtClean="0"/>
+            <a:endParaRPr lang="de-DE" dirty="0"/>
           </a:p>
           <a:p>
             <a:pPr lvl="1"/>
-            <a:endParaRPr lang="de-DE" dirty="0" smtClean="0"/>
+            <a:endParaRPr lang="de-DE" dirty="0"/>
           </a:p>
           <a:p>
             <a:pPr lvl="2"/>
-            <a:endParaRPr lang="de-DE" dirty="0" smtClean="0"/>
+            <a:endParaRPr lang="de-DE" dirty="0"/>
           </a:p>
           <a:p>
             <a:pPr lvl="2"/>
-            <a:endParaRPr lang="de-DE" dirty="0" smtClean="0"/>
+            <a:endParaRPr lang="de-DE" dirty="0"/>
           </a:p>
           <a:p>
             <a:pPr lvl="1"/>
-            <a:endParaRPr lang="de-DE" dirty="0" smtClean="0"/>
+            <a:endParaRPr lang="de-DE" dirty="0"/>
           </a:p>
           <a:p>
             <a:pPr lvl="2"/>
-            <a:endParaRPr lang="de-DE" dirty="0" smtClean="0"/>
+            <a:endParaRPr lang="de-DE" dirty="0"/>
           </a:p>
           <a:p>
             <a:pPr lvl="2"/>
-            <a:endParaRPr lang="de-DE" dirty="0" smtClean="0"/>
+            <a:endParaRPr lang="de-DE" dirty="0"/>
           </a:p>
           <a:p>
             <a:pPr lvl="2"/>
-            <a:endParaRPr lang="de-DE" dirty="0" smtClean="0"/>
+            <a:endParaRPr lang="de-DE" dirty="0"/>
           </a:p>
         </p:txBody>
       </p:sp>
@@ -20867,33 +21165,15 @@
                                   </p:childTnLst>
                                 </p:cTn>
                               </p:par>
-                            </p:childTnLst>
-                          </p:cTn>
-                        </p:par>
-                      </p:childTnLst>
-                    </p:cTn>
-                  </p:par>
-                  <p:par>
-                    <p:cTn id="18" fill="hold">
-                      <p:stCondLst>
-                        <p:cond delay="indefinite"/>
-                      </p:stCondLst>
-                      <p:childTnLst>
-                        <p:par>
-                          <p:cTn id="19" fill="hold">
-                            <p:stCondLst>
-                              <p:cond delay="0"/>
-                            </p:stCondLst>
-                            <p:childTnLst>
                               <p:par>
-                                <p:cTn id="20" presetID="10" presetClass="entr" presetSubtype="0" fill="hold" nodeType="clickEffect">
+                                <p:cTn id="18" presetID="10" presetClass="entr" presetSubtype="0" fill="hold" nodeType="withEffect">
                                   <p:stCondLst>
                                     <p:cond delay="0"/>
                                   </p:stCondLst>
                                   <p:childTnLst>
                                     <p:set>
                                       <p:cBhvr>
-                                        <p:cTn id="21" dur="1" fill="hold">
+                                        <p:cTn id="19" dur="1" fill="hold">
                                           <p:stCondLst>
                                             <p:cond delay="0"/>
                                           </p:stCondLst>
@@ -20915,11 +21195,54 @@
                                     </p:set>
                                     <p:animEffect transition="in" filter="fade">
                                       <p:cBhvr>
-                                        <p:cTn id="22" dur="500"/>
+                                        <p:cTn id="20" dur="500"/>
                                         <p:tgtEl>
                                           <p:spTgt spid="3">
                                             <p:txEl>
                                               <p:pRg st="3" end="3"/>
+                                            </p:txEl>
+                                          </p:spTgt>
+                                        </p:tgtEl>
+                                      </p:cBhvr>
+                                    </p:animEffect>
+                                  </p:childTnLst>
+                                </p:cTn>
+                              </p:par>
+                              <p:par>
+                                <p:cTn id="21" presetID="10" presetClass="entr" presetSubtype="0" fill="hold" nodeType="withEffect">
+                                  <p:stCondLst>
+                                    <p:cond delay="0"/>
+                                  </p:stCondLst>
+                                  <p:childTnLst>
+                                    <p:set>
+                                      <p:cBhvr>
+                                        <p:cTn id="22" dur="1" fill="hold">
+                                          <p:stCondLst>
+                                            <p:cond delay="0"/>
+                                          </p:stCondLst>
+                                        </p:cTn>
+                                        <p:tgtEl>
+                                          <p:spTgt spid="3">
+                                            <p:txEl>
+                                              <p:pRg st="4" end="4"/>
+                                            </p:txEl>
+                                          </p:spTgt>
+                                        </p:tgtEl>
+                                        <p:attrNameLst>
+                                          <p:attrName>style.visibility</p:attrName>
+                                        </p:attrNameLst>
+                                      </p:cBhvr>
+                                      <p:to>
+                                        <p:strVal val="visible"/>
+                                      </p:to>
+                                    </p:set>
+                                    <p:animEffect transition="in" filter="fade">
+                                      <p:cBhvr>
+                                        <p:cTn id="23" dur="500"/>
+                                        <p:tgtEl>
+                                          <p:spTgt spid="3">
+                                            <p:txEl>
+                                              <p:pRg st="4" end="4"/>
                                             </p:txEl>
                                           </p:spTgt>
                                         </p:tgtEl>
@@ -20935,26 +21258,26 @@
                     </p:cTn>
                   </p:par>
                   <p:par>
-                    <p:cTn id="23" fill="hold">
+                    <p:cTn id="24" fill="hold">
                       <p:stCondLst>
                         <p:cond delay="indefinite"/>
                       </p:stCondLst>
                       <p:childTnLst>
                         <p:par>
-                          <p:cTn id="24" fill="hold">
+                          <p:cTn id="25" fill="hold">
                             <p:stCondLst>
                               <p:cond delay="0"/>
                             </p:stCondLst>
                             <p:childTnLst>
                               <p:par>
-                                <p:cTn id="25" presetID="10" presetClass="entr" presetSubtype="0" fill="hold" nodeType="clickEffect">
+                                <p:cTn id="26" presetID="10" presetClass="entr" presetSubtype="0" fill="hold" nodeType="clickEffect">
                                   <p:stCondLst>
                                     <p:cond delay="0"/>
                                   </p:stCondLst>
                                   <p:childTnLst>
                                     <p:set>
                                       <p:cBhvr>
-                                        <p:cTn id="26" dur="1" fill="hold">
+                                        <p:cTn id="27" dur="1" fill="hold">
                                           <p:stCondLst>
                                             <p:cond delay="0"/>
                                           </p:stCondLst>
@@ -20962,7 +21285,7 @@
                                         <p:tgtEl>
                                           <p:spTgt spid="3">
                                             <p:txEl>
-                                              <p:pRg st="4" end="4"/>
+                                              <p:pRg st="5" end="5"/>
                                             </p:txEl>
                                           </p:spTgt>
                                         </p:tgtEl>
@@ -20976,11 +21299,11 @@
                                     </p:set>
                                     <p:animEffect transition="in" filter="fade">
                                       <p:cBhvr>
-                                        <p:cTn id="27" dur="500"/>
-                                        <p:tgtEl>
-                                          <p:spTgt spid="3">
-                                            <p:txEl>
-                                              <p:pRg st="4" end="4"/>
+                                        <p:cTn id="28" dur="500"/>
+                                        <p:tgtEl>
+                                          <p:spTgt spid="3">
+                                            <p:txEl>
+                                              <p:pRg st="5" end="5"/>
                                             </p:txEl>
                                           </p:spTgt>
                                         </p:tgtEl>
@@ -20996,26 +21319,26 @@
                     </p:cTn>
                   </p:par>
                   <p:par>
-                    <p:cTn id="28" fill="hold">
+                    <p:cTn id="29" fill="hold">
                       <p:stCondLst>
                         <p:cond delay="indefinite"/>
                       </p:stCondLst>
                       <p:childTnLst>
                         <p:par>
-                          <p:cTn id="29" fill="hold">
+                          <p:cTn id="30" fill="hold">
                             <p:stCondLst>
                               <p:cond delay="0"/>
                             </p:stCondLst>
                             <p:childTnLst>
                               <p:par>
-                                <p:cTn id="30" presetID="10" presetClass="entr" presetSubtype="0" fill="hold" nodeType="clickEffect">
+                                <p:cTn id="31" presetID="10" presetClass="entr" presetSubtype="0" fill="hold" nodeType="clickEffect">
                                   <p:stCondLst>
                                     <p:cond delay="0"/>
                                   </p:stCondLst>
                                   <p:childTnLst>
                                     <p:set>
                                       <p:cBhvr>
-                                        <p:cTn id="31" dur="1" fill="hold">
+                                        <p:cTn id="32" dur="1" fill="hold">
                                           <p:stCondLst>
                                             <p:cond delay="0"/>
                                           </p:stCondLst>
@@ -21023,7 +21346,7 @@
                                         <p:tgtEl>
                                           <p:spTgt spid="3">
                                             <p:txEl>
-                                              <p:pRg st="5" end="5"/>
+                                              <p:pRg st="6" end="6"/>
                                             </p:txEl>
                                           </p:spTgt>
                                         </p:tgtEl>
@@ -21037,11 +21360,72 @@
                                     </p:set>
                                     <p:animEffect transition="in" filter="fade">
                                       <p:cBhvr>
-                                        <p:cTn id="32" dur="500"/>
-                                        <p:tgtEl>
-                                          <p:spTgt spid="3">
-                                            <p:txEl>
-                                              <p:pRg st="5" end="5"/>
+                                        <p:cTn id="33" dur="500"/>
+                                        <p:tgtEl>
+                                          <p:spTgt spid="3">
+                                            <p:txEl>
+                                              <p:pRg st="6" end="6"/>
+                                            </p:txEl>
+                                          </p:spTgt>
+                                        </p:tgtEl>
+                                      </p:cBhvr>
+                                    </p:animEffect>
+                                  </p:childTnLst>
+                                </p:cTn>
+                              </p:par>
+                            </p:childTnLst>
+                          </p:cTn>
+                        </p:par>
+                      </p:childTnLst>
+                    </p:cTn>
+                  </p:par>
+                  <p:par>
+                    <p:cTn id="34" fill="hold">
+                      <p:stCondLst>
+                        <p:cond delay="indefinite"/>
+                      </p:stCondLst>
+                      <p:childTnLst>
+                        <p:par>
+                          <p:cTn id="35" fill="hold">
+                            <p:stCondLst>
+                              <p:cond delay="0"/>
+                            </p:stCondLst>
+                            <p:childTnLst>
+                              <p:par>
+                                <p:cTn id="36" presetID="10" presetClass="entr" presetSubtype="0" fill="hold" nodeType="clickEffect">
+                                  <p:stCondLst>
+                                    <p:cond delay="0"/>
+                                  </p:stCondLst>
+                                  <p:childTnLst>
+                                    <p:set>
+                                      <p:cBhvr>
+                                        <p:cTn id="37" dur="1" fill="hold">
+                                          <p:stCondLst>
+                                            <p:cond delay="0"/>
+                                          </p:stCondLst>
+                                        </p:cTn>
+                                        <p:tgtEl>
+                                          <p:spTgt spid="3">
+                                            <p:txEl>
+                                              <p:pRg st="7" end="7"/>
+                                            </p:txEl>
+                                          </p:spTgt>
+                                        </p:tgtEl>
+                                        <p:attrNameLst>
+                                          <p:attrName>style.visibility</p:attrName>
+                                        </p:attrNameLst>
+                                      </p:cBhvr>
+                                      <p:to>
+                                        <p:strVal val="visible"/>
+                                      </p:to>
+                                    </p:set>
+                                    <p:animEffect transition="in" filter="fade">
+                                      <p:cBhvr>
+                                        <p:cTn id="38" dur="500"/>
+                                        <p:tgtEl>
+                                          <p:spTgt spid="3">
+                                            <p:txEl>
+                                              <p:pRg st="7" end="7"/>
                                             </p:txEl>
                                           </p:spTgt>
                                         </p:tgtEl>
@@ -21116,15 +21500,15 @@
           <a:lstStyle/>
           <a:p>
             <a:r>
-              <a:rPr lang="en-US" dirty="0" err="1" smtClean="0"/>
+              <a:rPr lang="en-US" dirty="0" err="1"/>
               <a:t>Git</a:t>
             </a:r>
             <a:r>
-              <a:rPr lang="en-US" dirty="0" smtClean="0"/>
+              <a:rPr lang="en-US" dirty="0"/>
               <a:t> - </a:t>
             </a:r>
             <a:r>
-              <a:rPr lang="en-US" dirty="0" err="1" smtClean="0"/>
+              <a:rPr lang="en-US" dirty="0" err="1"/>
               <a:t>Befehle</a:t>
             </a:r>
             <a:endParaRPr lang="en-US" dirty="0"/>
@@ -21180,19 +21564,19 @@
               <a:buNone/>
             </a:pPr>
             <a:r>
-              <a:rPr lang="de-DE" sz="1800" dirty="0" smtClean="0"/>
+              <a:rPr lang="de-DE" sz="1800" dirty="0"/>
               <a:t>neuen </a:t>
             </a:r>
             <a:r>
-              <a:rPr lang="de-DE" sz="1800" dirty="0" err="1" smtClean="0"/>
+              <a:rPr lang="de-DE" sz="1800" dirty="0" err="1"/>
               <a:t>Branch</a:t>
             </a:r>
             <a:r>
-              <a:rPr lang="de-DE" sz="1800" dirty="0" smtClean="0"/>
+              <a:rPr lang="de-DE" sz="1800" dirty="0"/>
               <a:t> anlegen &amp; wechseln	</a:t>
             </a:r>
             <a:r>
-              <a:rPr lang="de-DE" sz="1800" b="1" dirty="0" smtClean="0">
+              <a:rPr lang="de-DE" sz="1800" b="1" dirty="0">
                 <a:solidFill>
                   <a:schemeClr val="accent4">
                     <a:lumMod val="75000"/>
@@ -21202,23 +21586,23 @@
               <a:t>→ </a:t>
             </a:r>
             <a:r>
-              <a:rPr lang="de-DE" sz="1800" b="1" dirty="0" err="1" smtClean="0"/>
+              <a:rPr lang="de-DE" sz="1800" b="1" dirty="0" err="1"/>
               <a:t>git</a:t>
             </a:r>
             <a:r>
-              <a:rPr lang="de-DE" sz="1800" b="1" dirty="0" smtClean="0"/>
+              <a:rPr lang="de-DE" sz="1800" b="1" dirty="0"/>
               <a:t> </a:t>
             </a:r>
             <a:r>
-              <a:rPr lang="de-DE" sz="1800" b="1" dirty="0" err="1" smtClean="0"/>
+              <a:rPr lang="de-DE" sz="1800" b="1" dirty="0" err="1"/>
               <a:t>checkout</a:t>
             </a:r>
             <a:r>
-              <a:rPr lang="de-DE" sz="1800" b="1" dirty="0" smtClean="0"/>
+              <a:rPr lang="de-DE" sz="1800" b="1" dirty="0"/>
               <a:t> </a:t>
             </a:r>
             <a:r>
-              <a:rPr lang="de-DE" sz="1800" b="1" dirty="0" smtClean="0">
+              <a:rPr lang="de-DE" sz="1800" b="1" dirty="0">
                 <a:solidFill>
                   <a:schemeClr val="accent1">
                     <a:lumMod val="75000"/>
@@ -21228,7 +21612,7 @@
               <a:t>–b &lt;</a:t>
             </a:r>
             <a:r>
-              <a:rPr lang="de-DE" sz="1800" b="1" dirty="0" err="1" smtClean="0">
+              <a:rPr lang="de-DE" sz="1800" b="1" dirty="0" err="1">
                 <a:solidFill>
                   <a:schemeClr val="accent1">
                     <a:lumMod val="75000"/>
@@ -21238,7 +21622,7 @@
               <a:t>branch</a:t>
             </a:r>
             <a:r>
-              <a:rPr lang="de-DE" sz="1800" b="1" dirty="0" smtClean="0">
+              <a:rPr lang="de-DE" sz="1800" b="1" dirty="0">
                 <a:solidFill>
                   <a:schemeClr val="accent1">
                     <a:lumMod val="75000"/>
@@ -21247,7 +21631,7 @@
               </a:rPr>
               <a:t>&gt;</a:t>
             </a:r>
-            <a:endParaRPr lang="de-DE" sz="1800" b="1" dirty="0" smtClean="0"/>
+            <a:endParaRPr lang="de-DE" sz="1800" b="1" dirty="0"/>
           </a:p>
           <a:p>
             <a:pPr marL="0" indent="0">
@@ -21255,14 +21639,10 @@
             </a:pPr>
             <a:r>
               <a:rPr lang="de-DE" sz="1800" dirty="0"/>
-              <a:t>z</a:t>
-            </a:r>
-            <a:r>
-              <a:rPr lang="de-DE" sz="1800" dirty="0" smtClean="0"/>
-              <a:t>um Master zurückwechseln		</a:t>
-            </a:r>
-            <a:r>
-              <a:rPr lang="de-DE" sz="1800" b="1" dirty="0" smtClean="0">
+              <a:t>zum Master zurückwechseln		</a:t>
+            </a:r>
+            <a:r>
+              <a:rPr lang="de-DE" sz="1800" b="1" dirty="0">
                 <a:solidFill>
                   <a:schemeClr val="accent4">
                     <a:lumMod val="75000"/>
@@ -21272,41 +21652,41 @@
               <a:t>→ </a:t>
             </a:r>
             <a:r>
-              <a:rPr lang="de-DE" sz="1800" b="1" dirty="0" err="1" smtClean="0"/>
+              <a:rPr lang="de-DE" sz="1800" b="1" dirty="0" err="1"/>
               <a:t>git</a:t>
             </a:r>
             <a:r>
-              <a:rPr lang="de-DE" sz="1800" b="1" dirty="0" smtClean="0"/>
+              <a:rPr lang="de-DE" sz="1800" b="1" dirty="0"/>
               <a:t> </a:t>
             </a:r>
             <a:r>
-              <a:rPr lang="de-DE" sz="1800" b="1" dirty="0" err="1" smtClean="0"/>
+              <a:rPr lang="de-DE" sz="1800" b="1" dirty="0" err="1"/>
               <a:t>checkout</a:t>
             </a:r>
             <a:r>
-              <a:rPr lang="de-DE" sz="1800" b="1" dirty="0" smtClean="0"/>
+              <a:rPr lang="de-DE" sz="1800" b="1" dirty="0"/>
               <a:t> </a:t>
             </a:r>
             <a:r>
-              <a:rPr lang="de-DE" sz="1800" b="1" dirty="0" err="1" smtClean="0"/>
+              <a:rPr lang="de-DE" sz="1800" b="1" dirty="0" err="1"/>
               <a:t>master</a:t>
             </a:r>
-            <a:endParaRPr lang="de-DE" sz="1800" b="1" dirty="0" smtClean="0"/>
+            <a:endParaRPr lang="de-DE" sz="1800" b="1" dirty="0"/>
           </a:p>
           <a:p>
             <a:pPr marL="0" indent="0">
               <a:buNone/>
             </a:pPr>
             <a:r>
-              <a:rPr lang="de-DE" sz="1800" dirty="0" err="1" smtClean="0"/>
+              <a:rPr lang="de-DE" sz="1800" dirty="0" err="1"/>
               <a:t>Branch</a:t>
             </a:r>
             <a:r>
-              <a:rPr lang="de-DE" sz="1800" dirty="0" smtClean="0"/>
+              <a:rPr lang="de-DE" sz="1800" dirty="0"/>
               <a:t> wieder löschen		</a:t>
             </a:r>
             <a:r>
-              <a:rPr lang="de-DE" sz="1800" b="1" dirty="0" smtClean="0">
+              <a:rPr lang="de-DE" sz="1800" b="1" dirty="0">
                 <a:solidFill>
                   <a:schemeClr val="accent4">
                     <a:lumMod val="75000"/>
@@ -21316,23 +21696,23 @@
               <a:t>→ </a:t>
             </a:r>
             <a:r>
-              <a:rPr lang="de-DE" sz="1800" b="1" dirty="0" err="1" smtClean="0"/>
+              <a:rPr lang="de-DE" sz="1800" b="1" dirty="0" err="1"/>
               <a:t>git</a:t>
             </a:r>
             <a:r>
-              <a:rPr lang="de-DE" sz="1800" b="1" dirty="0" smtClean="0"/>
+              <a:rPr lang="de-DE" sz="1800" b="1" dirty="0"/>
               <a:t> </a:t>
             </a:r>
             <a:r>
-              <a:rPr lang="de-DE" sz="1800" b="1" dirty="0" err="1" smtClean="0"/>
+              <a:rPr lang="de-DE" sz="1800" b="1" dirty="0" err="1"/>
               <a:t>branch</a:t>
             </a:r>
             <a:r>
-              <a:rPr lang="de-DE" sz="1800" b="1" dirty="0" smtClean="0"/>
+              <a:rPr lang="de-DE" sz="1800" b="1" dirty="0"/>
               <a:t> </a:t>
             </a:r>
             <a:r>
-              <a:rPr lang="de-DE" sz="1800" b="1" dirty="0" smtClean="0">
+              <a:rPr lang="de-DE" sz="1800" b="1" dirty="0">
                 <a:solidFill>
                   <a:schemeClr val="accent1">
                     <a:lumMod val="75000"/>
@@ -21342,7 +21722,7 @@
               <a:t>–d &lt;</a:t>
             </a:r>
             <a:r>
-              <a:rPr lang="de-DE" sz="1800" b="1" dirty="0" err="1" smtClean="0">
+              <a:rPr lang="de-DE" sz="1800" b="1" dirty="0" err="1">
                 <a:solidFill>
                   <a:schemeClr val="accent1">
                     <a:lumMod val="75000"/>
@@ -21352,7 +21732,7 @@
               <a:t>branch</a:t>
             </a:r>
             <a:r>
-              <a:rPr lang="de-DE" sz="1800" b="1" dirty="0" smtClean="0">
+              <a:rPr lang="de-DE" sz="1800" b="1" dirty="0">
                 <a:solidFill>
                   <a:schemeClr val="accent1">
                     <a:lumMod val="75000"/>
@@ -21372,11 +21752,7 @@
             </a:r>
             <a:r>
               <a:rPr lang="de-DE" sz="1800" dirty="0"/>
-              <a:t> </a:t>
-            </a:r>
-            <a:r>
-              <a:rPr lang="de-DE" sz="1800" dirty="0" smtClean="0"/>
-              <a:t>ins Repository hochladen </a:t>
+              <a:t> ins Repository hochladen </a:t>
             </a:r>
           </a:p>
           <a:p>
@@ -21385,18 +21761,10 @@
             </a:pPr>
             <a:r>
               <a:rPr lang="de-DE" sz="1800" dirty="0"/>
-              <a:t>(</a:t>
-            </a:r>
-            <a:r>
-              <a:rPr lang="de-DE" sz="1800" dirty="0" smtClean="0"/>
-              <a:t>verfügbar für andere machen)</a:t>
-            </a:r>
-            <a:r>
-              <a:rPr lang="de-DE" sz="1800" dirty="0"/>
-              <a:t>	</a:t>
-            </a:r>
-            <a:r>
-              <a:rPr lang="de-DE" sz="1800" b="1" dirty="0" smtClean="0">
+              <a:t>(verfügbar für andere machen)	</a:t>
+            </a:r>
+            <a:r>
+              <a:rPr lang="de-DE" sz="1800" b="1" dirty="0">
                 <a:solidFill>
                   <a:schemeClr val="accent4">
                     <a:lumMod val="75000"/>
@@ -21411,28 +21779,14 @@
             </a:r>
             <a:r>
               <a:rPr lang="de-DE" sz="1800" b="1" dirty="0"/>
-              <a:t> </a:t>
-            </a:r>
-            <a:r>
-              <a:rPr lang="de-DE" sz="1800" b="1" dirty="0" smtClean="0"/>
-              <a:t>push </a:t>
-            </a:r>
-            <a:r>
-              <a:rPr lang="de-DE" sz="1800" b="1" dirty="0" err="1" smtClean="0"/>
+              <a:t> push </a:t>
+            </a:r>
+            <a:r>
+              <a:rPr lang="de-DE" sz="1800" b="1" dirty="0" err="1"/>
               <a:t>origin</a:t>
             </a:r>
             <a:r>
-              <a:rPr lang="de-DE" sz="1800" b="1" dirty="0" smtClean="0"/>
-              <a:t> </a:t>
-            </a:r>
-            <a:r>
-              <a:rPr lang="de-DE" sz="1800" b="1" dirty="0" smtClean="0">
-                <a:solidFill>
-                  <a:schemeClr val="accent1">
-                    <a:lumMod val="75000"/>
-                  </a:schemeClr>
-                </a:solidFill>
-              </a:rPr>
+              <a:rPr lang="de-DE" sz="1800" b="1" dirty="0"/>
               <a:t> </a:t>
             </a:r>
             <a:r>
@@ -21443,7 +21797,7 @@
                   </a:schemeClr>
                 </a:solidFill>
               </a:rPr>
-              <a:t>&lt;</a:t>
+              <a:t> &lt;</a:t>
             </a:r>
             <a:r>
               <a:rPr lang="de-DE" sz="1800" b="1" dirty="0" err="1">
@@ -21484,85 +21838,11 @@
             </a:pPr>
             <a:r>
               <a:rPr lang="de-DE" sz="1800" dirty="0"/>
-              <a:t>z</a:t>
-            </a:r>
-            <a:r>
-              <a:rPr lang="de-DE" sz="1800" dirty="0" smtClean="0"/>
-              <a:t>usammenführen zweier </a:t>
-            </a:r>
-            <a:r>
-              <a:rPr lang="de-DE" sz="1800" dirty="0" err="1" smtClean="0"/>
+              <a:t>zusammenführen zweier </a:t>
+            </a:r>
+            <a:r>
+              <a:rPr lang="de-DE" sz="1800" dirty="0" err="1"/>
               <a:t>Branches</a:t>
-            </a:r>
-            <a:r>
-              <a:rPr lang="de-DE" sz="1800" dirty="0" smtClean="0"/>
-              <a:t>	</a:t>
-            </a:r>
-            <a:r>
-              <a:rPr lang="de-DE" sz="1800" b="1" dirty="0" smtClean="0">
-                <a:solidFill>
-                  <a:schemeClr val="accent4">
-                    <a:lumMod val="75000"/>
-                  </a:schemeClr>
-                </a:solidFill>
-              </a:rPr>
-              <a:t>→ </a:t>
-            </a:r>
-            <a:r>
-              <a:rPr lang="de-DE" sz="1800" b="1" dirty="0" err="1"/>
-              <a:t>git</a:t>
-            </a:r>
-            <a:r>
-              <a:rPr lang="de-DE" sz="1800" b="1" dirty="0"/>
-              <a:t> </a:t>
-            </a:r>
-            <a:r>
-              <a:rPr lang="de-DE" sz="1800" b="1" dirty="0" err="1" smtClean="0"/>
-              <a:t>merge</a:t>
-            </a:r>
-            <a:r>
-              <a:rPr lang="de-DE" sz="1800" b="1" dirty="0" smtClean="0"/>
-              <a:t> </a:t>
-            </a:r>
-            <a:r>
-              <a:rPr lang="de-DE" sz="1800" b="1" dirty="0" smtClean="0">
-                <a:solidFill>
-                  <a:schemeClr val="accent1">
-                    <a:lumMod val="75000"/>
-                  </a:schemeClr>
-                </a:solidFill>
-              </a:rPr>
-              <a:t>&lt;</a:t>
-            </a:r>
-            <a:r>
-              <a:rPr lang="de-DE" sz="1800" b="1" dirty="0" err="1" smtClean="0">
-                <a:solidFill>
-                  <a:schemeClr val="accent1">
-                    <a:lumMod val="75000"/>
-                  </a:schemeClr>
-                </a:solidFill>
-              </a:rPr>
-              <a:t>branch</a:t>
-            </a:r>
-            <a:r>
-              <a:rPr lang="de-DE" sz="1800" b="1" dirty="0" smtClean="0">
-                <a:solidFill>
-                  <a:schemeClr val="accent1">
-                    <a:lumMod val="75000"/>
-                  </a:schemeClr>
-                </a:solidFill>
-              </a:rPr>
-              <a:t>&gt;</a:t>
-            </a:r>
-            <a:endParaRPr lang="de-DE" sz="1800" b="1" dirty="0"/>
-          </a:p>
-          <a:p>
-            <a:pPr marL="0" indent="0">
-              <a:buNone/>
-            </a:pPr>
-            <a:r>
-              <a:rPr lang="de-DE" sz="1800" dirty="0" smtClean="0"/>
-              <a:t>Unterschiede anzeigen lassen	</a:t>
             </a:r>
             <a:r>
               <a:rPr lang="de-DE" sz="1800" dirty="0"/>
@@ -21587,15 +21867,15 @@
               <a:t> </a:t>
             </a:r>
             <a:r>
-              <a:rPr lang="de-DE" sz="1800" b="1" dirty="0" err="1" smtClean="0"/>
-              <a:t>diff</a:t>
-            </a:r>
-            <a:r>
-              <a:rPr lang="de-DE" sz="1800" b="1" dirty="0" smtClean="0"/>
+              <a:rPr lang="de-DE" sz="1800" b="1" dirty="0" err="1"/>
+              <a:t>merge</a:t>
+            </a:r>
+            <a:r>
+              <a:rPr lang="de-DE" sz="1800" b="1" dirty="0"/>
               <a:t> </a:t>
             </a:r>
             <a:r>
-              <a:rPr lang="de-DE" sz="1800" b="1" dirty="0" smtClean="0">
+              <a:rPr lang="de-DE" sz="1800" b="1" dirty="0">
                 <a:solidFill>
                   <a:schemeClr val="accent1">
                     <a:lumMod val="75000"/>
@@ -21605,37 +21885,17 @@
               <a:t>&lt;</a:t>
             </a:r>
             <a:r>
-              <a:rPr lang="de-DE" sz="1800" b="1" dirty="0" err="1" smtClean="0">
+              <a:rPr lang="de-DE" sz="1800" b="1" dirty="0" err="1">
                 <a:solidFill>
                   <a:schemeClr val="accent1">
                     <a:lumMod val="75000"/>
                   </a:schemeClr>
                 </a:solidFill>
               </a:rPr>
-              <a:t>source_branch</a:t>
-            </a:r>
-            <a:r>
-              <a:rPr lang="de-DE" sz="1800" b="1" dirty="0" smtClean="0">
-                <a:solidFill>
-                  <a:schemeClr val="accent1">
-                    <a:lumMod val="75000"/>
-                  </a:schemeClr>
-                </a:solidFill>
-              </a:rPr>
-              <a:t>&gt; &lt;</a:t>
-            </a:r>
-            <a:r>
-              <a:rPr lang="de-DE" sz="1800" b="1" dirty="0" err="1" smtClean="0">
-                <a:solidFill>
-                  <a:schemeClr val="accent1">
-                    <a:lumMod val="75000"/>
-                  </a:schemeClr>
-                </a:solidFill>
-              </a:rPr>
-              <a:t>target_branch</a:t>
-            </a:r>
-            <a:r>
-              <a:rPr lang="de-DE" sz="1800" b="1" dirty="0" smtClean="0">
+              <a:t>branch</a:t>
+            </a:r>
+            <a:r>
+              <a:rPr lang="de-DE" sz="1800" b="1" dirty="0">
                 <a:solidFill>
                   <a:schemeClr val="accent1">
                     <a:lumMod val="75000"/>
@@ -21644,28 +21904,15 @@
               </a:rPr>
               <a:t>&gt;</a:t>
             </a:r>
+            <a:endParaRPr lang="de-DE" sz="1800" b="1" dirty="0"/>
           </a:p>
           <a:p>
             <a:pPr marL="0" indent="0">
               <a:buNone/>
             </a:pPr>
-            <a:endParaRPr lang="de-DE" sz="1800" dirty="0" smtClean="0"/>
-          </a:p>
-          <a:p>
-            <a:pPr marL="0" indent="0">
-              <a:buNone/>
-            </a:pPr>
             <a:r>
               <a:rPr lang="de-DE" sz="1800" dirty="0"/>
-              <a:t>t</a:t>
-            </a:r>
-            <a:r>
-              <a:rPr lang="de-DE" sz="1800" dirty="0" smtClean="0"/>
-              <a:t>aggen 			</a:t>
-            </a:r>
-            <a:r>
-              <a:rPr lang="de-DE" sz="1800" dirty="0"/>
-              <a:t>	</a:t>
+              <a:t>Unterschiede anzeigen lassen		</a:t>
             </a:r>
             <a:r>
               <a:rPr lang="de-DE" sz="1800" b="1" dirty="0">
@@ -21686,31 +21933,55 @@
               <a:t> </a:t>
             </a:r>
             <a:r>
-              <a:rPr lang="de-DE" sz="1800" b="1" dirty="0" smtClean="0"/>
-              <a:t>tag </a:t>
-            </a:r>
-            <a:r>
-              <a:rPr lang="de-DE" sz="1800" b="1" dirty="0" smtClean="0">
+              <a:rPr lang="de-DE" sz="1800" b="1" dirty="0" err="1"/>
+              <a:t>diff</a:t>
+            </a:r>
+            <a:r>
+              <a:rPr lang="de-DE" sz="1800" b="1" dirty="0"/>
+              <a:t> </a:t>
+            </a:r>
+            <a:r>
+              <a:rPr lang="de-DE" sz="1800" b="1" dirty="0">
                 <a:solidFill>
                   <a:schemeClr val="accent1">
                     <a:lumMod val="75000"/>
                   </a:schemeClr>
                 </a:solidFill>
               </a:rPr>
-              <a:t>&lt;tag&gt; &lt;</a:t>
-            </a:r>
-            <a:r>
-              <a:rPr lang="de-DE" sz="1800" b="1" dirty="0" err="1" smtClean="0">
+              <a:t>&lt;</a:t>
+            </a:r>
+            <a:r>
+              <a:rPr lang="de-DE" sz="1800" b="1" dirty="0" err="1">
                 <a:solidFill>
                   <a:schemeClr val="accent1">
                     <a:lumMod val="75000"/>
                   </a:schemeClr>
                 </a:solidFill>
               </a:rPr>
-              <a:t>commitID</a:t>
-            </a:r>
-            <a:r>
-              <a:rPr lang="de-DE" sz="1800" b="1" dirty="0" smtClean="0">
+              <a:t>source_branch</a:t>
+            </a:r>
+            <a:r>
+              <a:rPr lang="de-DE" sz="1800" b="1" dirty="0">
+                <a:solidFill>
+                  <a:schemeClr val="accent1">
+                    <a:lumMod val="75000"/>
+                  </a:schemeClr>
+                </a:solidFill>
+              </a:rPr>
+              <a:t>&gt; &lt;</a:t>
+            </a:r>
+            <a:r>
+              <a:rPr lang="de-DE" sz="1800" b="1" dirty="0" err="1">
+                <a:solidFill>
+                  <a:schemeClr val="accent1">
+                    <a:lumMod val="75000"/>
+                  </a:schemeClr>
+                </a:solidFill>
+              </a:rPr>
+              <a:t>target_branch</a:t>
+            </a:r>
+            <a:r>
+              <a:rPr lang="de-DE" sz="1800" b="1" dirty="0">
                 <a:solidFill>
                   <a:schemeClr val="accent1">
                     <a:lumMod val="75000"/>
@@ -21719,33 +21990,20 @@
               </a:rPr>
               <a:t>&gt;</a:t>
             </a:r>
-            <a:endParaRPr lang="de-DE" sz="1800" b="1" dirty="0">
-              <a:solidFill>
-                <a:schemeClr val="accent1">
-                  <a:lumMod val="75000"/>
-                </a:schemeClr>
-              </a:solidFill>
-            </a:endParaRPr>
           </a:p>
           <a:p>
             <a:pPr marL="0" indent="0">
               <a:buNone/>
             </a:pPr>
-            <a:r>
-              <a:rPr lang="de-DE" sz="1800" dirty="0" smtClean="0"/>
-              <a:t>Commit </a:t>
-            </a:r>
-            <a:r>
-              <a:rPr lang="de-DE" sz="1800" dirty="0" err="1" smtClean="0"/>
-              <a:t>Ids</a:t>
-            </a:r>
-            <a:r>
-              <a:rPr lang="de-DE" sz="1800" dirty="0" smtClean="0"/>
-              <a:t> erhalten	</a:t>
-            </a:r>
+            <a:endParaRPr lang="de-DE" sz="1800" dirty="0"/>
+          </a:p>
+          <a:p>
+            <a:pPr marL="0" indent="0">
+              <a:buNone/>
+            </a:pPr>
             <a:r>
               <a:rPr lang="de-DE" sz="1800" dirty="0"/>
-              <a:t>	</a:t>
+              <a:t>taggen 				</a:t>
             </a:r>
             <a:r>
               <a:rPr lang="de-DE" sz="1800" b="1" dirty="0">
@@ -21763,63 +22021,57 @@
             </a:r>
             <a:r>
               <a:rPr lang="de-DE" sz="1800" b="1" dirty="0"/>
-              <a:t> </a:t>
-            </a:r>
-            <a:r>
-              <a:rPr lang="de-DE" sz="1800" b="1" dirty="0" smtClean="0"/>
-              <a:t>log</a:t>
-            </a:r>
-            <a:endParaRPr lang="de-DE" sz="1800" b="1" dirty="0"/>
+              <a:t> tag </a:t>
+            </a:r>
+            <a:r>
+              <a:rPr lang="de-DE" sz="1800" b="1" dirty="0">
+                <a:solidFill>
+                  <a:schemeClr val="accent1">
+                    <a:lumMod val="75000"/>
+                  </a:schemeClr>
+                </a:solidFill>
+              </a:rPr>
+              <a:t>&lt;tag&gt; &lt;</a:t>
+            </a:r>
+            <a:r>
+              <a:rPr lang="de-DE" sz="1800" b="1" dirty="0" err="1">
+                <a:solidFill>
+                  <a:schemeClr val="accent1">
+                    <a:lumMod val="75000"/>
+                  </a:schemeClr>
+                </a:solidFill>
+              </a:rPr>
+              <a:t>commitID</a:t>
+            </a:r>
+            <a:r>
+              <a:rPr lang="de-DE" sz="1800" b="1" dirty="0">
+                <a:solidFill>
+                  <a:schemeClr val="accent1">
+                    <a:lumMod val="75000"/>
+                  </a:schemeClr>
+                </a:solidFill>
+              </a:rPr>
+              <a:t>&gt;</a:t>
+            </a:r>
           </a:p>
           <a:p>
             <a:pPr marL="0" indent="0">
               <a:buNone/>
             </a:pPr>
-            <a:endParaRPr lang="de-DE" sz="1800" b="1" dirty="0"/>
-          </a:p>
-          <a:p>
-            <a:pPr marL="0" indent="0">
-              <a:buNone/>
-            </a:pPr>
             <a:r>
               <a:rPr lang="de-DE" sz="1800" dirty="0"/>
-              <a:t>l</a:t>
-            </a:r>
-            <a:r>
-              <a:rPr lang="de-DE" sz="1800" dirty="0" smtClean="0"/>
-              <a:t>okale Änderungen auf letzten Stand </a:t>
-            </a:r>
-          </a:p>
-          <a:p>
-            <a:pPr marL="0" indent="0">
-              <a:buNone/>
-            </a:pPr>
+              <a:t>Commit </a:t>
+            </a:r>
+            <a:r>
+              <a:rPr lang="de-DE" sz="1800" dirty="0" err="1"/>
+              <a:t>Ids</a:t>
+            </a:r>
             <a:r>
               <a:rPr lang="de-DE" sz="1800" dirty="0"/>
-              <a:t>d</a:t>
-            </a:r>
-            <a:r>
-              <a:rPr lang="de-DE" sz="1800" dirty="0" smtClean="0"/>
-              <a:t>es </a:t>
-            </a:r>
-            <a:r>
-              <a:rPr lang="de-DE" sz="1800" dirty="0" err="1" smtClean="0"/>
-              <a:t>Repositorys</a:t>
-            </a:r>
-            <a:r>
-              <a:rPr lang="de-DE" sz="1800" dirty="0" smtClean="0"/>
-              <a:t> zurücksetzen</a:t>
-            </a:r>
-            <a:r>
-              <a:rPr lang="de-DE" sz="1800" dirty="0"/>
-              <a:t>	</a:t>
-            </a:r>
-            <a:r>
-              <a:rPr lang="de-DE" sz="1800" dirty="0" smtClean="0"/>
-              <a:t>	</a:t>
-            </a:r>
-            <a:r>
-              <a:rPr lang="de-DE" sz="1800" b="1" dirty="0" smtClean="0">
+              <a:t> erhalten		</a:t>
+            </a:r>
+            <a:r>
+              <a:rPr lang="de-DE" sz="1800" b="1" dirty="0">
                 <a:solidFill>
                   <a:schemeClr val="accent4">
                     <a:lumMod val="75000"/>
@@ -21834,18 +22086,68 @@
             </a:r>
             <a:r>
               <a:rPr lang="de-DE" sz="1800" b="1" dirty="0"/>
+              <a:t> log</a:t>
+            </a:r>
+          </a:p>
+          <a:p>
+            <a:pPr marL="0" indent="0">
+              <a:buNone/>
+            </a:pPr>
+            <a:endParaRPr lang="de-DE" sz="1800" b="1" dirty="0"/>
+          </a:p>
+          <a:p>
+            <a:pPr marL="0" indent="0">
+              <a:buNone/>
+            </a:pPr>
+            <a:r>
+              <a:rPr lang="de-DE" sz="1800" dirty="0"/>
+              <a:t>lokale Änderungen auf letzten Stand </a:t>
+            </a:r>
+          </a:p>
+          <a:p>
+            <a:pPr marL="0" indent="0">
+              <a:buNone/>
+            </a:pPr>
+            <a:r>
+              <a:rPr lang="de-DE" sz="1800" dirty="0"/>
+              <a:t>des </a:t>
+            </a:r>
+            <a:r>
+              <a:rPr lang="de-DE" sz="1800" dirty="0" err="1"/>
+              <a:t>Repositorys</a:t>
+            </a:r>
+            <a:r>
+              <a:rPr lang="de-DE" sz="1800" dirty="0"/>
+              <a:t> zurücksetzen		</a:t>
+            </a:r>
+            <a:r>
+              <a:rPr lang="de-DE" sz="1800" b="1" dirty="0">
+                <a:solidFill>
+                  <a:schemeClr val="accent4">
+                    <a:lumMod val="75000"/>
+                  </a:schemeClr>
+                </a:solidFill>
+              </a:rPr>
+              <a:t>→ </a:t>
+            </a:r>
+            <a:r>
+              <a:rPr lang="de-DE" sz="1800" b="1" dirty="0" err="1"/>
+              <a:t>git</a:t>
+            </a:r>
+            <a:r>
+              <a:rPr lang="de-DE" sz="1800" b="1" dirty="0"/>
               <a:t> </a:t>
             </a:r>
             <a:r>
-              <a:rPr lang="de-DE" sz="1800" b="1" dirty="0" err="1" smtClean="0"/>
+              <a:rPr lang="de-DE" sz="1800" b="1" dirty="0" err="1"/>
               <a:t>checkout</a:t>
             </a:r>
             <a:r>
-              <a:rPr lang="de-DE" sz="1800" b="1" dirty="0" smtClean="0"/>
+              <a:rPr lang="de-DE" sz="1800" b="1" dirty="0"/>
               <a:t> </a:t>
             </a:r>
             <a:r>
-              <a:rPr lang="de-DE" sz="1800" b="1" dirty="0" smtClean="0">
+              <a:rPr lang="de-DE" sz="1800" b="1" dirty="0">
                 <a:solidFill>
                   <a:schemeClr val="accent1">
                     <a:lumMod val="75000"/>
@@ -21855,7 +22157,7 @@
               <a:t>-- &lt;</a:t>
             </a:r>
             <a:r>
-              <a:rPr lang="de-DE" sz="1800" b="1" dirty="0" err="1" smtClean="0">
+              <a:rPr lang="de-DE" sz="1800" b="1" dirty="0" err="1">
                 <a:solidFill>
                   <a:schemeClr val="accent1">
                     <a:lumMod val="75000"/>
@@ -21865,7 +22167,7 @@
               <a:t>filename</a:t>
             </a:r>
             <a:r>
-              <a:rPr lang="de-DE" sz="1800" b="1" dirty="0" smtClean="0">
+              <a:rPr lang="de-DE" sz="1800" b="1" dirty="0">
                 <a:solidFill>
                   <a:schemeClr val="accent1">
                     <a:lumMod val="75000"/>
@@ -21879,7 +22181,7 @@
             <a:pPr marL="0" indent="0">
               <a:buNone/>
             </a:pPr>
-            <a:endParaRPr lang="de-DE" sz="1800" b="1" dirty="0" smtClean="0"/>
+            <a:endParaRPr lang="de-DE" sz="1800" b="1" dirty="0"/>
           </a:p>
           <a:p>
             <a:pPr marL="0" indent="0">
@@ -22662,15 +22964,15 @@
           <a:p>
             <a:pPr lvl="1"/>
             <a:r>
-              <a:rPr lang="de-DE" dirty="0" smtClean="0"/>
+              <a:rPr lang="de-DE" dirty="0"/>
               <a:t>Einfacher Workflow für </a:t>
             </a:r>
             <a:r>
-              <a:rPr lang="de-DE" dirty="0" err="1" smtClean="0"/>
+              <a:rPr lang="de-DE" dirty="0" err="1"/>
               <a:t>Git</a:t>
             </a:r>
             <a:r>
-              <a:rPr lang="de-DE" dirty="0" smtClean="0"/>
+              <a:rPr lang="de-DE" dirty="0"/>
               <a:t>:</a:t>
             </a:r>
           </a:p>
@@ -22678,7 +22980,7 @@
             <a:pPr marL="667512" lvl="2" indent="0">
               <a:buNone/>
             </a:pPr>
-            <a:endParaRPr lang="de-DE" dirty="0" smtClean="0"/>
+            <a:endParaRPr lang="de-DE" dirty="0"/>
           </a:p>
           <a:p>
             <a:pPr marL="667512" lvl="2" indent="0">
@@ -22690,41 +22992,41 @@
             <a:pPr marL="667512" lvl="2" indent="0">
               <a:buNone/>
             </a:pPr>
-            <a:endParaRPr lang="de-DE" dirty="0" smtClean="0"/>
+            <a:endParaRPr lang="de-DE" dirty="0"/>
           </a:p>
           <a:p>
             <a:pPr lvl="1"/>
             <a:r>
-              <a:rPr lang="de-DE" dirty="0" smtClean="0"/>
+              <a:rPr lang="de-DE" dirty="0"/>
               <a:t>Hinweise zum Committen </a:t>
             </a:r>
           </a:p>
           <a:p>
             <a:pPr lvl="2"/>
             <a:r>
-              <a:rPr lang="de-DE" dirty="0" smtClean="0"/>
+              <a:rPr lang="de-DE" dirty="0"/>
               <a:t>Logisch zusammenhängende Änderungen gemeinsam einchecken</a:t>
             </a:r>
           </a:p>
           <a:p>
             <a:pPr lvl="2"/>
             <a:r>
-              <a:rPr lang="de-DE" dirty="0" smtClean="0"/>
+              <a:rPr lang="de-DE" dirty="0"/>
               <a:t>Projekt muss nach jedem Commit </a:t>
             </a:r>
             <a:r>
-              <a:rPr lang="de-DE" dirty="0" err="1" smtClean="0"/>
+              <a:rPr lang="de-DE" dirty="0" err="1"/>
               <a:t>compilierbar</a:t>
             </a:r>
             <a:r>
-              <a:rPr lang="de-DE" dirty="0" smtClean="0"/>
+              <a:rPr lang="de-DE" dirty="0"/>
               <a:t> sein </a:t>
             </a:r>
           </a:p>
           <a:p>
             <a:pPr lvl="2"/>
             <a:r>
-              <a:rPr lang="de-DE" dirty="0" smtClean="0"/>
+              <a:rPr lang="de-DE" dirty="0"/>
               <a:t>Projekt sollte nach jedem Commit lauffähig sein</a:t>
             </a:r>
           </a:p>
@@ -22732,35 +23034,35 @@
             <a:pPr marL="667512" lvl="2" indent="0">
               <a:buNone/>
             </a:pPr>
-            <a:endParaRPr lang="de-DE" dirty="0" smtClean="0"/>
+            <a:endParaRPr lang="de-DE" dirty="0"/>
           </a:p>
           <a:p>
             <a:pPr lvl="1"/>
-            <a:endParaRPr lang="de-DE" dirty="0" smtClean="0"/>
+            <a:endParaRPr lang="de-DE" dirty="0"/>
           </a:p>
           <a:p>
             <a:pPr lvl="2"/>
-            <a:endParaRPr lang="de-DE" dirty="0" smtClean="0"/>
+            <a:endParaRPr lang="de-DE" dirty="0"/>
           </a:p>
           <a:p>
             <a:pPr lvl="2"/>
-            <a:endParaRPr lang="de-DE" dirty="0" smtClean="0"/>
+            <a:endParaRPr lang="de-DE" dirty="0"/>
           </a:p>
           <a:p>
             <a:pPr lvl="1"/>
-            <a:endParaRPr lang="de-DE" dirty="0" smtClean="0"/>
+            <a:endParaRPr lang="de-DE" dirty="0"/>
           </a:p>
           <a:p>
             <a:pPr lvl="2"/>
-            <a:endParaRPr lang="de-DE" dirty="0" smtClean="0"/>
+            <a:endParaRPr lang="de-DE" dirty="0"/>
           </a:p>
           <a:p>
             <a:pPr lvl="2"/>
-            <a:endParaRPr lang="de-DE" dirty="0" smtClean="0"/>
+            <a:endParaRPr lang="de-DE" dirty="0"/>
           </a:p>
           <a:p>
             <a:pPr lvl="2"/>
-            <a:endParaRPr lang="de-DE" dirty="0" smtClean="0"/>
+            <a:endParaRPr lang="de-DE" dirty="0"/>
           </a:p>
         </p:txBody>
       </p:sp>
@@ -23280,47 +23582,47 @@
           <a:p>
             <a:pPr lvl="1"/>
             <a:r>
-              <a:rPr lang="de-DE" dirty="0" smtClean="0"/>
+              <a:rPr lang="de-DE" dirty="0"/>
               <a:t>Gründe für </a:t>
             </a:r>
             <a:r>
-              <a:rPr lang="de-DE" dirty="0" err="1" smtClean="0"/>
+              <a:rPr lang="de-DE" dirty="0" err="1"/>
               <a:t>Branch</a:t>
             </a:r>
             <a:r>
-              <a:rPr lang="de-DE" dirty="0" smtClean="0"/>
+              <a:rPr lang="de-DE" dirty="0"/>
               <a:t> Management</a:t>
             </a:r>
           </a:p>
           <a:p>
             <a:pPr lvl="2"/>
             <a:r>
-              <a:rPr lang="de-DE" dirty="0" smtClean="0"/>
+              <a:rPr lang="de-DE" dirty="0"/>
               <a:t>Mehrere Entwickler arbeiten unabhängig voneinander an einem Projekt</a:t>
             </a:r>
           </a:p>
           <a:p>
             <a:pPr lvl="2"/>
             <a:r>
-              <a:rPr lang="de-DE" dirty="0" err="1" smtClean="0"/>
+              <a:rPr lang="de-DE" dirty="0" err="1"/>
               <a:t>Bugfixes</a:t>
             </a:r>
             <a:r>
-              <a:rPr lang="de-DE" dirty="0" smtClean="0"/>
+              <a:rPr lang="de-DE" dirty="0"/>
               <a:t> für ältere Versionen müssen erstellt und ausgeliefert werden</a:t>
             </a:r>
           </a:p>
           <a:p>
             <a:pPr lvl="2"/>
             <a:r>
-              <a:rPr lang="de-DE" dirty="0" smtClean="0"/>
+              <a:rPr lang="de-DE" dirty="0"/>
               <a:t>Parallele Entwicklung mehrerer Features (spätere Zusammenführung)</a:t>
             </a:r>
           </a:p>
           <a:p>
             <a:pPr lvl="2"/>
             <a:r>
-              <a:rPr lang="de-DE" dirty="0" smtClean="0"/>
+              <a:rPr lang="de-DE" dirty="0"/>
               <a:t>Stabilisierungsphase für Release, aber bereits Arbeiten an nächster Version</a:t>
             </a:r>
           </a:p>
@@ -23328,35 +23630,35 @@
             <a:pPr marL="667512" lvl="2" indent="0">
               <a:buNone/>
             </a:pPr>
-            <a:endParaRPr lang="de-DE" dirty="0" smtClean="0"/>
+            <a:endParaRPr lang="de-DE" dirty="0"/>
           </a:p>
           <a:p>
             <a:pPr lvl="1"/>
-            <a:endParaRPr lang="de-DE" dirty="0" smtClean="0"/>
+            <a:endParaRPr lang="de-DE" dirty="0"/>
           </a:p>
           <a:p>
             <a:pPr lvl="2"/>
-            <a:endParaRPr lang="de-DE" dirty="0" smtClean="0"/>
+            <a:endParaRPr lang="de-DE" dirty="0"/>
           </a:p>
           <a:p>
             <a:pPr lvl="2"/>
-            <a:endParaRPr lang="de-DE" dirty="0" smtClean="0"/>
+            <a:endParaRPr lang="de-DE" dirty="0"/>
           </a:p>
           <a:p>
             <a:pPr lvl="1"/>
-            <a:endParaRPr lang="de-DE" dirty="0" smtClean="0"/>
+            <a:endParaRPr lang="de-DE" dirty="0"/>
           </a:p>
           <a:p>
             <a:pPr lvl="2"/>
-            <a:endParaRPr lang="de-DE" dirty="0" smtClean="0"/>
+            <a:endParaRPr lang="de-DE" dirty="0"/>
           </a:p>
           <a:p>
             <a:pPr lvl="2"/>
-            <a:endParaRPr lang="de-DE" dirty="0" smtClean="0"/>
+            <a:endParaRPr lang="de-DE" dirty="0"/>
           </a:p>
           <a:p>
             <a:pPr lvl="2"/>
-            <a:endParaRPr lang="de-DE" dirty="0" smtClean="0"/>
+            <a:endParaRPr lang="de-DE" dirty="0"/>
           </a:p>
         </p:txBody>
       </p:sp>
@@ -23771,10 +24073,9 @@
           <a:lstStyle/>
           <a:p>
             <a:r>
-              <a:rPr lang="en-US" dirty="0" smtClean="0"/>
+              <a:rPr lang="en-US" dirty="0"/>
               <a:t>Workflows / Branch Management</a:t>
             </a:r>
-            <a:endParaRPr lang="en-US" dirty="0"/>
           </a:p>
         </p:txBody>
       </p:sp>
@@ -23802,94 +24103,94 @@
           <a:p>
             <a:pPr lvl="2"/>
             <a:r>
-              <a:rPr lang="de-DE" dirty="0" smtClean="0"/>
+              <a:rPr lang="de-DE" dirty="0"/>
               <a:t>Mit Feature-</a:t>
             </a:r>
             <a:r>
-              <a:rPr lang="de-DE" dirty="0" err="1" smtClean="0"/>
+              <a:rPr lang="de-DE" dirty="0" err="1"/>
               <a:t>Branches</a:t>
             </a:r>
             <a:r>
-              <a:rPr lang="de-DE" dirty="0" smtClean="0"/>
+              <a:rPr lang="de-DE" dirty="0"/>
               <a:t> entwickeln</a:t>
             </a:r>
           </a:p>
           <a:p>
             <a:pPr lvl="3"/>
             <a:r>
-              <a:rPr lang="de-DE" dirty="0" smtClean="0"/>
+              <a:rPr lang="de-DE" dirty="0"/>
               <a:t>Rückkehr zu altem, lauffähigen Stand möglich</a:t>
             </a:r>
           </a:p>
           <a:p>
             <a:pPr lvl="3"/>
             <a:r>
-              <a:rPr lang="de-DE" dirty="0" smtClean="0"/>
+              <a:rPr lang="de-DE" dirty="0"/>
               <a:t>Rückrollen einzelner Features möglich</a:t>
             </a:r>
           </a:p>
           <a:p>
             <a:pPr lvl="3"/>
             <a:r>
-              <a:rPr lang="de-DE" dirty="0" err="1" smtClean="0"/>
+              <a:rPr lang="de-DE" dirty="0" err="1"/>
               <a:t>Builds</a:t>
             </a:r>
             <a:r>
-              <a:rPr lang="de-DE" dirty="0" smtClean="0"/>
+              <a:rPr lang="de-DE" dirty="0"/>
               <a:t> und Tests des Features vor </a:t>
             </a:r>
             <a:r>
-              <a:rPr lang="de-DE" dirty="0" err="1" smtClean="0"/>
+              <a:rPr lang="de-DE" dirty="0" err="1"/>
               <a:t>Merge</a:t>
             </a:r>
             <a:r>
-              <a:rPr lang="de-DE" dirty="0" smtClean="0"/>
+              <a:rPr lang="de-DE" dirty="0"/>
               <a:t> in master-</a:t>
             </a:r>
             <a:r>
-              <a:rPr lang="de-DE" dirty="0" err="1" smtClean="0"/>
+              <a:rPr lang="de-DE" dirty="0" err="1"/>
               <a:t>Branch</a:t>
             </a:r>
             <a:r>
-              <a:rPr lang="de-DE" dirty="0" smtClean="0"/>
+              <a:rPr lang="de-DE" dirty="0"/>
               <a:t> durchführbar</a:t>
             </a:r>
           </a:p>
           <a:p>
             <a:pPr lvl="2"/>
-            <a:endParaRPr lang="de-DE" dirty="0" smtClean="0"/>
+            <a:endParaRPr lang="de-DE" dirty="0"/>
           </a:p>
           <a:p>
             <a:pPr lvl="2"/>
-            <a:endParaRPr lang="de-DE" dirty="0" smtClean="0"/>
+            <a:endParaRPr lang="de-DE" dirty="0"/>
           </a:p>
           <a:p>
             <a:pPr lvl="1"/>
-            <a:endParaRPr lang="de-DE" dirty="0" smtClean="0"/>
+            <a:endParaRPr lang="de-DE" dirty="0"/>
           </a:p>
           <a:p>
             <a:pPr lvl="2"/>
-            <a:endParaRPr lang="de-DE" dirty="0" smtClean="0"/>
+            <a:endParaRPr lang="de-DE" dirty="0"/>
           </a:p>
           <a:p>
             <a:pPr lvl="2"/>
-            <a:endParaRPr lang="de-DE" dirty="0" smtClean="0"/>
+            <a:endParaRPr lang="de-DE" dirty="0"/>
           </a:p>
           <a:p>
             <a:pPr lvl="1"/>
-            <a:endParaRPr lang="de-DE" dirty="0" smtClean="0"/>
+            <a:endParaRPr lang="de-DE" dirty="0"/>
           </a:p>
           <a:p>
             <a:pPr lvl="2"/>
-            <a:endParaRPr lang="de-DE" dirty="0" smtClean="0"/>
+            <a:endParaRPr lang="de-DE" dirty="0"/>
           </a:p>
           <a:p>
             <a:pPr lvl="2"/>
-            <a:endParaRPr lang="de-DE" dirty="0" smtClean="0"/>
+            <a:endParaRPr lang="de-DE" dirty="0"/>
           </a:p>
           <a:p>
             <a:pPr lvl="2"/>
-            <a:endParaRPr lang="de-DE" dirty="0" smtClean="0"/>
+            <a:endParaRPr lang="de-DE" dirty="0"/>
           </a:p>
         </p:txBody>
       </p:sp>
@@ -23962,12 +24263,8 @@
           <a:lstStyle/>
           <a:p>
             <a:r>
-              <a:rPr lang="de-DE" sz="1100" dirty="0" smtClean="0"/>
-              <a:t>Quelle: https</a:t>
-            </a:r>
-            <a:r>
               <a:rPr lang="de-DE" sz="1100" dirty="0"/>
-              <a:t>://de.atlassian.com/git/tutorials/comparing-workflows#feature-branch-workflow</a:t>
+              <a:t>Quelle: https://de.atlassian.com/git/tutorials/comparing-workflows#feature-branch-workflow</a:t>
             </a:r>
           </a:p>
         </p:txBody>
@@ -24390,10 +24687,9 @@
           <a:lstStyle/>
           <a:p>
             <a:r>
-              <a:rPr lang="en-US" dirty="0" smtClean="0"/>
+              <a:rPr lang="en-US" dirty="0"/>
               <a:t>Workflows / Branch Management</a:t>
             </a:r>
-            <a:endParaRPr lang="en-US" dirty="0"/>
           </a:p>
         </p:txBody>
       </p:sp>
@@ -24416,78 +24712,78 @@
           <a:p>
             <a:pPr lvl="2"/>
             <a:r>
-              <a:rPr lang="de-DE" dirty="0" smtClean="0"/>
+              <a:rPr lang="de-DE" dirty="0"/>
               <a:t>Mit </a:t>
             </a:r>
             <a:r>
-              <a:rPr lang="de-DE" dirty="0" err="1" smtClean="0"/>
+              <a:rPr lang="de-DE" dirty="0" err="1"/>
               <a:t>Forks</a:t>
             </a:r>
             <a:r>
-              <a:rPr lang="de-DE" dirty="0" smtClean="0"/>
+              <a:rPr lang="de-DE" dirty="0"/>
               <a:t> entwickeln</a:t>
             </a:r>
           </a:p>
           <a:p>
             <a:pPr lvl="3"/>
             <a:r>
-              <a:rPr lang="de-DE" dirty="0" smtClean="0"/>
+              <a:rPr lang="de-DE" dirty="0"/>
               <a:t>Kein einzelnen zentrales Repository, Entwickler pusht zu seinem eigenem Server-Repository</a:t>
             </a:r>
           </a:p>
           <a:p>
             <a:pPr lvl="3"/>
             <a:r>
-              <a:rPr lang="de-DE" dirty="0" err="1" smtClean="0"/>
+              <a:rPr lang="de-DE" dirty="0" err="1"/>
               <a:t>Maintainer</a:t>
             </a:r>
             <a:r>
-              <a:rPr lang="de-DE" dirty="0" smtClean="0"/>
+              <a:rPr lang="de-DE" dirty="0"/>
               <a:t> pusht Änderungen in offizielles Repository</a:t>
             </a:r>
           </a:p>
           <a:p>
             <a:pPr lvl="3"/>
             <a:r>
-              <a:rPr lang="de-DE" dirty="0" smtClean="0"/>
+              <a:rPr lang="de-DE" dirty="0"/>
               <a:t>Gut bei Mitarbeit von Externen, ggf. nicht vertrauenswürdigen Parteien</a:t>
             </a:r>
           </a:p>
           <a:p>
             <a:pPr lvl="2"/>
-            <a:endParaRPr lang="de-DE" dirty="0" smtClean="0"/>
+            <a:endParaRPr lang="de-DE" dirty="0"/>
           </a:p>
           <a:p>
             <a:pPr lvl="2"/>
-            <a:endParaRPr lang="de-DE" dirty="0" smtClean="0"/>
+            <a:endParaRPr lang="de-DE" dirty="0"/>
           </a:p>
           <a:p>
             <a:pPr lvl="1"/>
-            <a:endParaRPr lang="de-DE" dirty="0" smtClean="0"/>
+            <a:endParaRPr lang="de-DE" dirty="0"/>
           </a:p>
           <a:p>
             <a:pPr lvl="2"/>
-            <a:endParaRPr lang="de-DE" dirty="0" smtClean="0"/>
+            <a:endParaRPr lang="de-DE" dirty="0"/>
           </a:p>
           <a:p>
             <a:pPr lvl="2"/>
-            <a:endParaRPr lang="de-DE" dirty="0" smtClean="0"/>
+            <a:endParaRPr lang="de-DE" dirty="0"/>
           </a:p>
           <a:p>
             <a:pPr lvl="1"/>
-            <a:endParaRPr lang="de-DE" dirty="0" smtClean="0"/>
+            <a:endParaRPr lang="de-DE" dirty="0"/>
           </a:p>
           <a:p>
             <a:pPr lvl="2"/>
-            <a:endParaRPr lang="de-DE" dirty="0" smtClean="0"/>
+            <a:endParaRPr lang="de-DE" dirty="0"/>
           </a:p>
           <a:p>
             <a:pPr lvl="2"/>
-            <a:endParaRPr lang="de-DE" dirty="0" smtClean="0"/>
+            <a:endParaRPr lang="de-DE" dirty="0"/>
           </a:p>
           <a:p>
             <a:pPr lvl="2"/>
-            <a:endParaRPr lang="de-DE" dirty="0" smtClean="0"/>
+            <a:endParaRPr lang="de-DE" dirty="0"/>
           </a:p>
         </p:txBody>
       </p:sp>
@@ -24841,10 +25137,9 @@
           <a:lstStyle/>
           <a:p>
             <a:r>
-              <a:rPr lang="en-US" dirty="0" smtClean="0"/>
+              <a:rPr lang="en-US" dirty="0"/>
               <a:t>Workflows / Branch Management</a:t>
             </a:r>
-            <a:endParaRPr lang="en-US" dirty="0"/>
           </a:p>
         </p:txBody>
       </p:sp>
@@ -24872,70 +25167,70 @@
           <a:p>
             <a:pPr lvl="2"/>
             <a:r>
-              <a:rPr lang="de-DE" dirty="0" smtClean="0"/>
+              <a:rPr lang="de-DE" dirty="0"/>
               <a:t>Periodisch Releases durchführen</a:t>
             </a:r>
           </a:p>
           <a:p>
             <a:pPr lvl="3"/>
             <a:r>
-              <a:rPr lang="de-DE" dirty="0" smtClean="0"/>
+              <a:rPr lang="de-DE" dirty="0"/>
               <a:t>Hotfixunterstützung</a:t>
             </a:r>
           </a:p>
           <a:p>
             <a:pPr lvl="3"/>
             <a:r>
-              <a:rPr lang="de-DE" dirty="0" smtClean="0"/>
+              <a:rPr lang="de-DE" dirty="0"/>
               <a:t>Paralleles Arbeiten am neuen Release</a:t>
             </a:r>
           </a:p>
           <a:p>
             <a:pPr lvl="3"/>
             <a:r>
-              <a:rPr lang="de-DE" dirty="0" smtClean="0"/>
+              <a:rPr lang="de-DE" dirty="0"/>
               <a:t>Abbildung von Testphasen</a:t>
             </a:r>
           </a:p>
           <a:p>
             <a:pPr lvl="3"/>
-            <a:endParaRPr lang="de-DE" dirty="0" smtClean="0"/>
+            <a:endParaRPr lang="de-DE" dirty="0"/>
           </a:p>
           <a:p>
             <a:pPr lvl="2"/>
-            <a:endParaRPr lang="de-DE" dirty="0" smtClean="0"/>
+            <a:endParaRPr lang="de-DE" dirty="0"/>
           </a:p>
           <a:p>
             <a:pPr lvl="2"/>
-            <a:endParaRPr lang="de-DE" dirty="0" smtClean="0"/>
+            <a:endParaRPr lang="de-DE" dirty="0"/>
           </a:p>
           <a:p>
             <a:pPr lvl="1"/>
-            <a:endParaRPr lang="de-DE" dirty="0" smtClean="0"/>
+            <a:endParaRPr lang="de-DE" dirty="0"/>
           </a:p>
           <a:p>
             <a:pPr lvl="2"/>
-            <a:endParaRPr lang="de-DE" dirty="0" smtClean="0"/>
+            <a:endParaRPr lang="de-DE" dirty="0"/>
           </a:p>
           <a:p>
             <a:pPr lvl="2"/>
-            <a:endParaRPr lang="de-DE" dirty="0" smtClean="0"/>
+            <a:endParaRPr lang="de-DE" dirty="0"/>
           </a:p>
           <a:p>
             <a:pPr lvl="1"/>
-            <a:endParaRPr lang="de-DE" dirty="0" smtClean="0"/>
+            <a:endParaRPr lang="de-DE" dirty="0"/>
           </a:p>
           <a:p>
             <a:pPr lvl="2"/>
-            <a:endParaRPr lang="de-DE" dirty="0" smtClean="0"/>
+            <a:endParaRPr lang="de-DE" dirty="0"/>
           </a:p>
           <a:p>
             <a:pPr lvl="2"/>
-            <a:endParaRPr lang="de-DE" dirty="0" smtClean="0"/>
+            <a:endParaRPr lang="de-DE" dirty="0"/>
           </a:p>
           <a:p>
             <a:pPr lvl="2"/>
-            <a:endParaRPr lang="de-DE" dirty="0" smtClean="0"/>
+            <a:endParaRPr lang="de-DE" dirty="0"/>
           </a:p>
         </p:txBody>
       </p:sp>
@@ -24984,12 +25279,8 @@
           <a:lstStyle/>
           <a:p>
             <a:r>
-              <a:rPr lang="de-DE" sz="1100" dirty="0" smtClean="0"/>
-              <a:t>Quelle: https</a:t>
-            </a:r>
-            <a:r>
               <a:rPr lang="de-DE" sz="1100" dirty="0"/>
-              <a:t>://de.atlassian.com/git/tutorials/comparing-workflows#feature-branch-workflow</a:t>
+              <a:t>Quelle: https://de.atlassian.com/git/tutorials/comparing-workflows#feature-branch-workflow</a:t>
             </a:r>
           </a:p>
         </p:txBody>
@@ -25436,10 +25727,9 @@
           <a:lstStyle/>
           <a:p>
             <a:r>
-              <a:rPr lang="en-US" dirty="0" smtClean="0"/>
+              <a:rPr lang="en-US" dirty="0"/>
               <a:t>Build automation with Travis CI </a:t>
             </a:r>
-            <a:endParaRPr lang="en-US" dirty="0"/>
           </a:p>
         </p:txBody>
       </p:sp>
@@ -25461,7 +25751,7 @@
           <a:lstStyle/>
           <a:p>
             <a:pPr lvl="1"/>
-            <a:endParaRPr lang="de-DE" dirty="0" smtClean="0"/>
+            <a:endParaRPr lang="de-DE" dirty="0"/>
           </a:p>
           <a:p>
             <a:pPr lvl="1"/>
@@ -25469,95 +25759,95 @@
           </a:p>
           <a:p>
             <a:pPr lvl="1"/>
-            <a:endParaRPr lang="de-DE" dirty="0" smtClean="0"/>
+            <a:endParaRPr lang="de-DE" dirty="0"/>
           </a:p>
           <a:p>
             <a:pPr lvl="1"/>
             <a:r>
-              <a:rPr lang="de-DE" dirty="0" smtClean="0"/>
+              <a:rPr lang="de-DE" dirty="0"/>
               <a:t>Freie Open-Source-Software für CI</a:t>
             </a:r>
           </a:p>
           <a:p>
             <a:pPr lvl="1"/>
             <a:r>
-              <a:rPr lang="de-DE" dirty="0" smtClean="0"/>
+              <a:rPr lang="de-DE" dirty="0"/>
               <a:t>Zum Testen und Erstellen von Projekten, die auf </a:t>
             </a:r>
             <a:r>
-              <a:rPr lang="de-DE" dirty="0" err="1" smtClean="0"/>
+              <a:rPr lang="de-DE" dirty="0" err="1"/>
               <a:t>GitHub</a:t>
             </a:r>
             <a:r>
-              <a:rPr lang="de-DE" dirty="0" smtClean="0"/>
+              <a:rPr lang="de-DE" dirty="0"/>
               <a:t> veröffentlicht wurden</a:t>
             </a:r>
           </a:p>
           <a:p>
             <a:pPr lvl="1"/>
             <a:r>
-              <a:rPr lang="de-DE" dirty="0" err="1" smtClean="0"/>
+              <a:rPr lang="de-DE" dirty="0" err="1"/>
               <a:t>Builds</a:t>
             </a:r>
             <a:r>
-              <a:rPr lang="de-DE" dirty="0" smtClean="0"/>
+              <a:rPr lang="de-DE" dirty="0"/>
               <a:t> erstellen und testen</a:t>
             </a:r>
           </a:p>
           <a:p>
             <a:pPr lvl="1"/>
             <a:r>
-              <a:rPr lang="de-DE" dirty="0" smtClean="0"/>
+              <a:rPr lang="de-DE" dirty="0"/>
               <a:t>Lokal (Docker) oder </a:t>
             </a:r>
             <a:r>
-              <a:rPr lang="de-DE" dirty="0" err="1" smtClean="0"/>
+              <a:rPr lang="de-DE" dirty="0" err="1"/>
               <a:t>cloud</a:t>
             </a:r>
             <a:r>
-              <a:rPr lang="de-DE" dirty="0" smtClean="0"/>
+              <a:rPr lang="de-DE" dirty="0"/>
               <a:t>-basiert (Standard)</a:t>
             </a:r>
           </a:p>
           <a:p>
             <a:pPr lvl="1"/>
-            <a:endParaRPr lang="de-DE" dirty="0" smtClean="0"/>
+            <a:endParaRPr lang="de-DE" dirty="0"/>
           </a:p>
           <a:p>
             <a:pPr lvl="1"/>
-            <a:endParaRPr lang="de-DE" dirty="0" smtClean="0"/>
+            <a:endParaRPr lang="de-DE" dirty="0"/>
           </a:p>
           <a:p>
             <a:pPr lvl="2"/>
-            <a:endParaRPr lang="de-DE" dirty="0" smtClean="0"/>
+            <a:endParaRPr lang="de-DE" dirty="0"/>
           </a:p>
           <a:p>
             <a:pPr lvl="1"/>
-            <a:endParaRPr lang="de-DE" dirty="0" smtClean="0"/>
+            <a:endParaRPr lang="de-DE" dirty="0"/>
           </a:p>
           <a:p>
             <a:pPr lvl="2"/>
-            <a:endParaRPr lang="de-DE" dirty="0" smtClean="0"/>
+            <a:endParaRPr lang="de-DE" dirty="0"/>
           </a:p>
           <a:p>
             <a:pPr lvl="2"/>
-            <a:endParaRPr lang="de-DE" dirty="0" smtClean="0"/>
+            <a:endParaRPr lang="de-DE" dirty="0"/>
           </a:p>
           <a:p>
             <a:pPr lvl="1"/>
-            <a:endParaRPr lang="de-DE" dirty="0" smtClean="0"/>
+            <a:endParaRPr lang="de-DE" dirty="0"/>
           </a:p>
           <a:p>
             <a:pPr lvl="2"/>
-            <a:endParaRPr lang="de-DE" dirty="0" smtClean="0"/>
+            <a:endParaRPr lang="de-DE" dirty="0"/>
           </a:p>
           <a:p>
             <a:pPr lvl="2"/>
-            <a:endParaRPr lang="de-DE" dirty="0" smtClean="0"/>
+            <a:endParaRPr lang="de-DE" dirty="0"/>
           </a:p>
           <a:p>
             <a:pPr lvl="2"/>
-            <a:endParaRPr lang="de-DE" dirty="0" smtClean="0"/>
+            <a:endParaRPr lang="de-DE" dirty="0"/>
           </a:p>
         </p:txBody>
       </p:sp>
@@ -25630,12 +25920,8 @@
           <a:lstStyle/>
           <a:p>
             <a:r>
-              <a:rPr lang="de-DE" sz="1100" dirty="0" smtClean="0"/>
-              <a:t>Quelle: https</a:t>
-            </a:r>
-            <a:r>
               <a:rPr lang="de-DE" sz="1100" dirty="0"/>
-              <a:t>://travis-ci.com/logo</a:t>
+              <a:t>Quelle: https://travis-ci.com/logo</a:t>
             </a:r>
           </a:p>
         </p:txBody>
@@ -26058,10 +26344,9 @@
           <a:lstStyle/>
           <a:p>
             <a:r>
-              <a:rPr lang="en-US" dirty="0" smtClean="0"/>
+              <a:rPr lang="en-US" dirty="0"/>
               <a:t>Build automation with Travis CI </a:t>
             </a:r>
-            <a:endParaRPr lang="en-US" dirty="0"/>
           </a:p>
         </p:txBody>
       </p:sp>
@@ -26084,181 +26369,181 @@
           <a:p>
             <a:pPr lvl="1"/>
             <a:r>
-              <a:rPr lang="de-DE" dirty="0" smtClean="0"/>
+              <a:rPr lang="de-DE" dirty="0"/>
               <a:t>Features:</a:t>
             </a:r>
           </a:p>
           <a:p>
             <a:pPr lvl="2"/>
             <a:r>
-              <a:rPr lang="de-DE" dirty="0" smtClean="0"/>
+              <a:rPr lang="de-DE" dirty="0"/>
               <a:t>Schnelles Setup (Login mit </a:t>
             </a:r>
             <a:r>
-              <a:rPr lang="de-DE" dirty="0" err="1" smtClean="0"/>
+              <a:rPr lang="de-DE" dirty="0" err="1"/>
               <a:t>GitHub</a:t>
             </a:r>
             <a:r>
-              <a:rPr lang="de-DE" dirty="0" smtClean="0"/>
+              <a:rPr lang="de-DE" dirty="0"/>
               <a:t> Account, Konfiguration Travis, Push </a:t>
             </a:r>
             <a:r>
-              <a:rPr lang="de-DE" dirty="0" err="1" smtClean="0"/>
+              <a:rPr lang="de-DE" dirty="0" err="1"/>
               <a:t>to</a:t>
             </a:r>
             <a:r>
-              <a:rPr lang="de-DE" dirty="0" smtClean="0"/>
+              <a:rPr lang="de-DE" dirty="0"/>
               <a:t> </a:t>
             </a:r>
             <a:r>
-              <a:rPr lang="de-DE" dirty="0" err="1" smtClean="0"/>
+              <a:rPr lang="de-DE" dirty="0" err="1"/>
               <a:t>GitHub</a:t>
             </a:r>
             <a:r>
-              <a:rPr lang="de-DE" dirty="0" smtClean="0"/>
+              <a:rPr lang="de-DE" dirty="0"/>
               <a:t>)</a:t>
             </a:r>
           </a:p>
           <a:p>
             <a:pPr lvl="2"/>
             <a:r>
-              <a:rPr lang="de-DE" dirty="0" smtClean="0"/>
+              <a:rPr lang="de-DE" dirty="0"/>
               <a:t>Testüberwachung im laufenden Test möglich</a:t>
             </a:r>
           </a:p>
           <a:p>
             <a:pPr lvl="2"/>
             <a:r>
-              <a:rPr lang="de-DE" dirty="0" smtClean="0"/>
+              <a:rPr lang="de-DE" dirty="0"/>
               <a:t>„clean“ VM für jeden </a:t>
             </a:r>
             <a:r>
-              <a:rPr lang="de-DE" dirty="0" err="1" smtClean="0"/>
+              <a:rPr lang="de-DE" dirty="0" err="1"/>
               <a:t>Build</a:t>
             </a:r>
-            <a:endParaRPr lang="de-DE" dirty="0" smtClean="0"/>
+            <a:endParaRPr lang="de-DE" dirty="0"/>
           </a:p>
           <a:p>
             <a:pPr lvl="2"/>
             <a:r>
-              <a:rPr lang="de-DE" dirty="0" smtClean="0"/>
+              <a:rPr lang="de-DE" dirty="0"/>
               <a:t>Parallele Tests möglich</a:t>
             </a:r>
           </a:p>
           <a:p>
             <a:pPr lvl="2"/>
             <a:r>
-              <a:rPr lang="de-DE" dirty="0" smtClean="0"/>
+              <a:rPr lang="de-DE" dirty="0"/>
               <a:t>Linux, Mac und iOS Unterstützung</a:t>
             </a:r>
           </a:p>
           <a:p>
             <a:pPr lvl="1"/>
             <a:r>
-              <a:rPr lang="de-DE" dirty="0" smtClean="0"/>
+              <a:rPr lang="de-DE" dirty="0"/>
               <a:t>Beta-Features</a:t>
             </a:r>
           </a:p>
           <a:p>
             <a:pPr lvl="2"/>
             <a:r>
-              <a:rPr lang="de-DE" dirty="0" smtClean="0"/>
+              <a:rPr lang="de-DE" dirty="0"/>
               <a:t>Auto-</a:t>
             </a:r>
             <a:r>
-              <a:rPr lang="de-DE" dirty="0" err="1" smtClean="0"/>
+              <a:rPr lang="de-DE" dirty="0" err="1"/>
               <a:t>Cancellation</a:t>
             </a:r>
             <a:r>
-              <a:rPr lang="de-DE" dirty="0" smtClean="0"/>
+              <a:rPr lang="de-DE" dirty="0"/>
               <a:t> (nur den letzten </a:t>
             </a:r>
             <a:r>
-              <a:rPr lang="de-DE" dirty="0" err="1" smtClean="0"/>
+              <a:rPr lang="de-DE" dirty="0" err="1"/>
               <a:t>Build</a:t>
             </a:r>
             <a:r>
-              <a:rPr lang="de-DE" dirty="0" smtClean="0"/>
+              <a:rPr lang="de-DE" dirty="0"/>
               <a:t> bauen)</a:t>
             </a:r>
           </a:p>
           <a:p>
             <a:pPr lvl="2"/>
             <a:r>
-              <a:rPr lang="de-DE" dirty="0" err="1" smtClean="0"/>
+              <a:rPr lang="de-DE" dirty="0" err="1"/>
               <a:t>Cron</a:t>
             </a:r>
             <a:r>
-              <a:rPr lang="de-DE" dirty="0" smtClean="0"/>
+              <a:rPr lang="de-DE" dirty="0"/>
               <a:t> Jobs (unabhängig von </a:t>
             </a:r>
             <a:r>
-              <a:rPr lang="de-DE" dirty="0" err="1" smtClean="0"/>
+              <a:rPr lang="de-DE" dirty="0" err="1"/>
               <a:t>Commits</a:t>
             </a:r>
             <a:r>
-              <a:rPr lang="de-DE" dirty="0" smtClean="0"/>
+              <a:rPr lang="de-DE" dirty="0"/>
               <a:t>)</a:t>
             </a:r>
           </a:p>
           <a:p>
             <a:pPr lvl="2"/>
             <a:r>
-              <a:rPr lang="de-DE" dirty="0" err="1" smtClean="0"/>
+              <a:rPr lang="de-DE" dirty="0" err="1"/>
               <a:t>Using</a:t>
             </a:r>
             <a:r>
-              <a:rPr lang="de-DE" dirty="0" smtClean="0"/>
+              <a:rPr lang="de-DE" dirty="0"/>
               <a:t> </a:t>
             </a:r>
             <a:r>
-              <a:rPr lang="de-DE" dirty="0" err="1" smtClean="0"/>
+              <a:rPr lang="de-DE" dirty="0" err="1"/>
               <a:t>Trusty</a:t>
             </a:r>
             <a:r>
-              <a:rPr lang="de-DE" dirty="0" smtClean="0"/>
+              <a:rPr lang="de-DE" dirty="0"/>
               <a:t> </a:t>
             </a:r>
           </a:p>
           <a:p>
             <a:pPr lvl="3"/>
-            <a:endParaRPr lang="de-DE" dirty="0" smtClean="0"/>
+            <a:endParaRPr lang="de-DE" dirty="0"/>
           </a:p>
           <a:p>
             <a:pPr lvl="2"/>
-            <a:endParaRPr lang="de-DE" dirty="0" smtClean="0"/>
+            <a:endParaRPr lang="de-DE" dirty="0"/>
           </a:p>
           <a:p>
             <a:pPr lvl="2"/>
-            <a:endParaRPr lang="de-DE" dirty="0" smtClean="0"/>
+            <a:endParaRPr lang="de-DE" dirty="0"/>
           </a:p>
           <a:p>
             <a:pPr lvl="1"/>
-            <a:endParaRPr lang="de-DE" dirty="0" smtClean="0"/>
+            <a:endParaRPr lang="de-DE" dirty="0"/>
           </a:p>
           <a:p>
             <a:pPr lvl="2"/>
-            <a:endParaRPr lang="de-DE" dirty="0" smtClean="0"/>
+            <a:endParaRPr lang="de-DE" dirty="0"/>
           </a:p>
           <a:p>
             <a:pPr lvl="2"/>
-            <a:endParaRPr lang="de-DE" dirty="0" smtClean="0"/>
+            <a:endParaRPr lang="de-DE" dirty="0"/>
           </a:p>
           <a:p>
             <a:pPr lvl="1"/>
-            <a:endParaRPr lang="de-DE" dirty="0" smtClean="0"/>
+            <a:endParaRPr lang="de-DE" dirty="0"/>
           </a:p>
           <a:p>
             <a:pPr lvl="2"/>
-            <a:endParaRPr lang="de-DE" dirty="0" smtClean="0"/>
+            <a:endParaRPr lang="de-DE" dirty="0"/>
           </a:p>
           <a:p>
             <a:pPr lvl="2"/>
-            <a:endParaRPr lang="de-DE" dirty="0" smtClean="0"/>
+            <a:endParaRPr lang="de-DE" dirty="0"/>
           </a:p>
           <a:p>
             <a:pPr lvl="2"/>
-            <a:endParaRPr lang="de-DE" dirty="0" smtClean="0"/>
+            <a:endParaRPr lang="de-DE" dirty="0"/>
           </a:p>
         </p:txBody>
       </p:sp>
@@ -26978,10 +27263,9 @@
           <a:lstStyle/>
           <a:p>
             <a:r>
-              <a:rPr lang="en-US" dirty="0" smtClean="0"/>
+              <a:rPr lang="en-US" dirty="0"/>
               <a:t>Build automation with Travis CI </a:t>
             </a:r>
-            <a:endParaRPr lang="en-US" dirty="0"/>
           </a:p>
         </p:txBody>
       </p:sp>
@@ -27004,139 +27288,139 @@
           <a:p>
             <a:pPr lvl="1"/>
             <a:r>
-              <a:rPr lang="de-DE" dirty="0" smtClean="0"/>
+              <a:rPr lang="de-DE" dirty="0"/>
               <a:t>Funktionsweise</a:t>
             </a:r>
           </a:p>
           <a:p>
             <a:pPr lvl="2"/>
             <a:r>
-              <a:rPr lang="de-DE" dirty="0" smtClean="0"/>
+              <a:rPr lang="de-DE" dirty="0"/>
               <a:t>Konfiguration über ein .</a:t>
             </a:r>
             <a:r>
-              <a:rPr lang="de-DE" dirty="0" err="1" smtClean="0"/>
+              <a:rPr lang="de-DE" dirty="0" err="1"/>
               <a:t>travis.yml</a:t>
             </a:r>
             <a:r>
-              <a:rPr lang="de-DE" dirty="0" smtClean="0"/>
+              <a:rPr lang="de-DE" dirty="0"/>
               <a:t> File, das in das Root Verzeichnis des </a:t>
             </a:r>
             <a:r>
-              <a:rPr lang="de-DE" dirty="0" err="1" smtClean="0"/>
+              <a:rPr lang="de-DE" dirty="0" err="1"/>
               <a:t>Repositorys</a:t>
             </a:r>
             <a:r>
-              <a:rPr lang="de-DE" dirty="0" smtClean="0"/>
+              <a:rPr lang="de-DE" dirty="0"/>
               <a:t> gelegt wird</a:t>
             </a:r>
           </a:p>
           <a:p>
             <a:pPr lvl="2"/>
             <a:r>
-              <a:rPr lang="de-DE" dirty="0" smtClean="0"/>
+              <a:rPr lang="de-DE" dirty="0"/>
               <a:t>Darin enthalten sind Details </a:t>
             </a:r>
           </a:p>
           <a:p>
             <a:pPr lvl="3"/>
             <a:r>
-              <a:rPr lang="de-DE" dirty="0" smtClean="0"/>
+              <a:rPr lang="de-DE" dirty="0"/>
               <a:t>Zur verwendeten Programmiersprache</a:t>
             </a:r>
           </a:p>
           <a:p>
             <a:pPr lvl="3"/>
             <a:r>
-              <a:rPr lang="de-DE" dirty="0" smtClean="0"/>
+              <a:rPr lang="de-DE" dirty="0"/>
               <a:t>Zu Befehlen oder Skripten, die vor dem </a:t>
             </a:r>
             <a:r>
-              <a:rPr lang="de-DE" dirty="0" err="1" smtClean="0"/>
+              <a:rPr lang="de-DE" dirty="0" err="1"/>
               <a:t>Build</a:t>
             </a:r>
             <a:r>
-              <a:rPr lang="de-DE" dirty="0" smtClean="0"/>
+              <a:rPr lang="de-DE" dirty="0"/>
               <a:t> ausgeführt werden sollen (beispielsweise Installation oder Kopieren der Projektabhängigkeiten)</a:t>
             </a:r>
           </a:p>
           <a:p>
             <a:pPr lvl="3"/>
             <a:r>
-              <a:rPr lang="de-DE" dirty="0" smtClean="0"/>
+              <a:rPr lang="de-DE" dirty="0"/>
               <a:t>Der gewünschten </a:t>
             </a:r>
             <a:r>
-              <a:rPr lang="de-DE" dirty="0" err="1" smtClean="0"/>
+              <a:rPr lang="de-DE" dirty="0" err="1"/>
               <a:t>Build</a:t>
             </a:r>
             <a:r>
-              <a:rPr lang="de-DE" dirty="0" smtClean="0"/>
+              <a:rPr lang="de-DE" dirty="0"/>
               <a:t>- und Testumgebung</a:t>
             </a:r>
           </a:p>
           <a:p>
             <a:pPr lvl="3"/>
             <a:r>
-              <a:rPr lang="de-DE" dirty="0" smtClean="0"/>
+              <a:rPr lang="de-DE" dirty="0"/>
               <a:t>Zu Emails, </a:t>
             </a:r>
             <a:r>
-              <a:rPr lang="de-DE" dirty="0" err="1" smtClean="0"/>
+              <a:rPr lang="de-DE" dirty="0" err="1"/>
               <a:t>Campfire</a:t>
             </a:r>
             <a:r>
-              <a:rPr lang="de-DE" dirty="0" smtClean="0"/>
+              <a:rPr lang="de-DE" dirty="0"/>
               <a:t> oder IRC </a:t>
             </a:r>
             <a:r>
-              <a:rPr lang="de-DE" dirty="0" err="1" smtClean="0"/>
+              <a:rPr lang="de-DE" dirty="0" err="1"/>
               <a:t>Rooms</a:t>
             </a:r>
             <a:r>
-              <a:rPr lang="de-DE" dirty="0" smtClean="0"/>
+              <a:rPr lang="de-DE" dirty="0"/>
               <a:t>, die bei Fehlern zu benachrichtigen sind</a:t>
             </a:r>
           </a:p>
           <a:p>
             <a:pPr lvl="3"/>
-            <a:endParaRPr lang="de-DE" dirty="0" smtClean="0"/>
+            <a:endParaRPr lang="de-DE" dirty="0"/>
           </a:p>
           <a:p>
             <a:pPr lvl="2"/>
-            <a:endParaRPr lang="de-DE" dirty="0" smtClean="0"/>
+            <a:endParaRPr lang="de-DE" dirty="0"/>
           </a:p>
           <a:p>
             <a:pPr lvl="2"/>
-            <a:endParaRPr lang="de-DE" dirty="0" smtClean="0"/>
+            <a:endParaRPr lang="de-DE" dirty="0"/>
           </a:p>
           <a:p>
             <a:pPr lvl="1"/>
-            <a:endParaRPr lang="de-DE" dirty="0" smtClean="0"/>
+            <a:endParaRPr lang="de-DE" dirty="0"/>
           </a:p>
           <a:p>
             <a:pPr lvl="2"/>
-            <a:endParaRPr lang="de-DE" dirty="0" smtClean="0"/>
+            <a:endParaRPr lang="de-DE" dirty="0"/>
           </a:p>
           <a:p>
             <a:pPr lvl="2"/>
-            <a:endParaRPr lang="de-DE" dirty="0" smtClean="0"/>
+            <a:endParaRPr lang="de-DE" dirty="0"/>
           </a:p>
           <a:p>
             <a:pPr lvl="1"/>
-            <a:endParaRPr lang="de-DE" dirty="0" smtClean="0"/>
+            <a:endParaRPr lang="de-DE" dirty="0"/>
           </a:p>
           <a:p>
             <a:pPr lvl="2"/>
-            <a:endParaRPr lang="de-DE" dirty="0" smtClean="0"/>
+            <a:endParaRPr lang="de-DE" dirty="0"/>
           </a:p>
           <a:p>
             <a:pPr lvl="2"/>
-            <a:endParaRPr lang="de-DE" dirty="0" smtClean="0"/>
+            <a:endParaRPr lang="de-DE" dirty="0"/>
           </a:p>
           <a:p>
             <a:pPr lvl="2"/>
-            <a:endParaRPr lang="de-DE" dirty="0" smtClean="0"/>
+            <a:endParaRPr lang="de-DE" dirty="0"/>
           </a:p>
         </p:txBody>
       </p:sp>
@@ -27673,10 +27957,9 @@
           <a:lstStyle/>
           <a:p>
             <a:r>
-              <a:rPr lang="en-US" dirty="0" smtClean="0"/>
+              <a:rPr lang="en-US" dirty="0"/>
               <a:t>Build automation with Travis CI </a:t>
             </a:r>
-            <a:endParaRPr lang="en-US" dirty="0"/>
           </a:p>
         </p:txBody>
       </p:sp>
@@ -27894,11 +28177,11 @@
           <a:lstStyle/>
           <a:p>
             <a:r>
-              <a:rPr lang="en-US" dirty="0" smtClean="0"/>
+              <a:rPr lang="en-US" dirty="0"/>
               <a:t>CI - </a:t>
             </a:r>
             <a:r>
-              <a:rPr lang="en-US" dirty="0" err="1" smtClean="0"/>
+              <a:rPr lang="en-US" dirty="0" err="1"/>
               <a:t>Grundsätze</a:t>
             </a:r>
             <a:endParaRPr lang="en-US" dirty="0"/>
@@ -27924,7 +28207,7 @@
           <a:p>
             <a:pPr lvl="1"/>
             <a:r>
-              <a:rPr lang="de-DE" dirty="0" smtClean="0"/>
+              <a:rPr lang="de-DE" dirty="0"/>
               <a:t>Gemeinsame Codebasis</a:t>
             </a:r>
           </a:p>
@@ -27933,19 +28216,22 @@
               <a:buNone/>
             </a:pPr>
             <a:r>
-              <a:rPr lang="de-DE" dirty="0" smtClean="0"/>
-              <a:t>Existenz einer Versionsverwaltung (sinnvolle Integration innerhalb einer Arbeitsgruppe)</a:t>
+              <a:rPr lang="de-DE" dirty="0"/>
+              <a:t>Existenz einer Versionsverwaltung</a:t>
+            </a:r>
+            <a:br>
+              <a:rPr lang="de-DE" dirty="0"/>
+            </a:br>
+            <a:r>
+              <a:rPr lang="de-DE" dirty="0"/>
+              <a:t>(sinnvolle Integration innerhalb einer Arbeitsgruppe)</a:t>
             </a:r>
           </a:p>
           <a:p>
             <a:pPr lvl="1"/>
             <a:r>
               <a:rPr lang="de-DE" dirty="0"/>
-              <a:t>Automatisierte </a:t>
-            </a:r>
-            <a:r>
-              <a:rPr lang="de-DE" dirty="0" smtClean="0"/>
-              <a:t>Übersetzung</a:t>
+              <a:t>Automatisierte Übersetzung</a:t>
             </a:r>
           </a:p>
           <a:p>
@@ -27953,16 +28239,8 @@
               <a:buNone/>
             </a:pPr>
             <a:r>
-              <a:rPr lang="de-DE" dirty="0" smtClean="0"/>
-              <a:t>Vor Integration: Durchlaufen von definierten Tests, bspw. </a:t>
-            </a:r>
-            <a:r>
-              <a:rPr lang="de-DE" dirty="0" smtClean="0"/>
-              <a:t>statische </a:t>
-            </a:r>
-            <a:r>
-              <a:rPr lang="de-DE" dirty="0" smtClean="0"/>
-              <a:t>Code-Überprüfungen -&gt; automatisierte Übersetzung notwendig</a:t>
+              <a:rPr lang="de-DE" dirty="0"/>
+              <a:t>Vor Integration: Durchlaufen von definierten Tests, bspw. statische Code-Überprüfungen -&gt; automatisierte Übersetzung notwendig</a:t>
             </a:r>
           </a:p>
           <a:p>
@@ -27970,20 +28248,15 @@
               <a:buNone/>
             </a:pPr>
             <a:r>
-              <a:rPr lang="de-DE" dirty="0" smtClean="0"/>
+              <a:rPr lang="de-DE" dirty="0"/>
               <a:t>Einsatz separater Test-Umgebungen wird empfohlen, um Unabhängigkeit der Testergebnisse von Arbeitsumgebungen sicherzustellen </a:t>
             </a:r>
-            <a:endParaRPr lang="de-DE" dirty="0"/>
           </a:p>
           <a:p>
             <a:pPr lvl="1"/>
             <a:r>
               <a:rPr lang="de-DE" dirty="0"/>
-              <a:t>Kontinuierliche </a:t>
-            </a:r>
-            <a:r>
-              <a:rPr lang="de-DE" dirty="0" smtClean="0"/>
-              <a:t>Test-Entwicklung</a:t>
+              <a:t>Kontinuierliche Test-Entwicklung</a:t>
             </a:r>
           </a:p>
           <a:p>
@@ -27991,46 +28264,45 @@
               <a:buNone/>
             </a:pPr>
             <a:r>
-              <a:rPr lang="de-DE" dirty="0" smtClean="0"/>
+              <a:rPr lang="de-DE" dirty="0"/>
               <a:t>Jede Änderung sollte möglichst zeitnah mit einem dazugehörigen Test entwickelt werden</a:t>
             </a:r>
-            <a:endParaRPr lang="de-DE" dirty="0"/>
           </a:p>
           <a:p>
             <a:pPr lvl="1"/>
-            <a:endParaRPr lang="de-DE" dirty="0" smtClean="0"/>
+            <a:endParaRPr lang="de-DE" dirty="0"/>
           </a:p>
           <a:p>
             <a:pPr lvl="2"/>
-            <a:endParaRPr lang="de-DE" dirty="0" smtClean="0"/>
+            <a:endParaRPr lang="de-DE" dirty="0"/>
           </a:p>
           <a:p>
             <a:pPr lvl="1"/>
-            <a:endParaRPr lang="de-DE" dirty="0" smtClean="0"/>
+            <a:endParaRPr lang="de-DE" dirty="0"/>
           </a:p>
           <a:p>
             <a:pPr lvl="2"/>
-            <a:endParaRPr lang="de-DE" dirty="0" smtClean="0"/>
+            <a:endParaRPr lang="de-DE" dirty="0"/>
           </a:p>
           <a:p>
             <a:pPr lvl="2"/>
-            <a:endParaRPr lang="de-DE" dirty="0" smtClean="0"/>
+            <a:endParaRPr lang="de-DE" dirty="0"/>
           </a:p>
           <a:p>
             <a:pPr lvl="1"/>
-            <a:endParaRPr lang="de-DE" dirty="0" smtClean="0"/>
+            <a:endParaRPr lang="de-DE" dirty="0"/>
           </a:p>
           <a:p>
             <a:pPr lvl="2"/>
-            <a:endParaRPr lang="de-DE" dirty="0" smtClean="0"/>
+            <a:endParaRPr lang="de-DE" dirty="0"/>
           </a:p>
           <a:p>
             <a:pPr lvl="2"/>
-            <a:endParaRPr lang="de-DE" dirty="0" smtClean="0"/>
+            <a:endParaRPr lang="de-DE" dirty="0"/>
           </a:p>
           <a:p>
             <a:pPr lvl="2"/>
-            <a:endParaRPr lang="de-DE" dirty="0" smtClean="0"/>
+            <a:endParaRPr lang="de-DE" dirty="0"/>
           </a:p>
         </p:txBody>
       </p:sp>
@@ -28569,7 +28841,7 @@
             <a:pPr marL="393192" lvl="1" indent="0" algn="ctr">
               <a:buNone/>
             </a:pPr>
-            <a:endParaRPr lang="de-DE" dirty="0" smtClean="0"/>
+            <a:endParaRPr lang="de-DE" dirty="0"/>
           </a:p>
           <a:p>
             <a:pPr marL="393192" lvl="1" indent="0" algn="ctr">
@@ -28582,7 +28854,7 @@
               <a:buNone/>
             </a:pPr>
             <a:r>
-              <a:rPr lang="de-DE" sz="4000" dirty="0" smtClean="0"/>
+              <a:rPr lang="de-DE" sz="4000" dirty="0"/>
               <a:t>Danke für eure Aufmerksamkeit!</a:t>
             </a:r>
           </a:p>
@@ -28591,18 +28863,17 @@
               <a:buNone/>
             </a:pPr>
             <a:r>
-              <a:rPr lang="de-DE" sz="4000" dirty="0" smtClean="0"/>
+              <a:rPr lang="de-DE" sz="4000" dirty="0"/>
               <a:t>Fragen?</a:t>
             </a:r>
-            <a:endParaRPr lang="de-DE" sz="4000" dirty="0"/>
           </a:p>
           <a:p>
             <a:pPr lvl="2"/>
-            <a:endParaRPr lang="de-DE" dirty="0" smtClean="0"/>
+            <a:endParaRPr lang="de-DE" dirty="0"/>
           </a:p>
           <a:p>
             <a:pPr lvl="2"/>
-            <a:endParaRPr lang="de-DE" dirty="0" smtClean="0"/>
+            <a:endParaRPr lang="de-DE" dirty="0"/>
           </a:p>
           <a:p>
             <a:pPr lvl="2"/>
@@ -28614,35 +28885,35 @@
           </a:p>
           <a:p>
             <a:pPr lvl="2"/>
-            <a:endParaRPr lang="de-DE" dirty="0" smtClean="0"/>
+            <a:endParaRPr lang="de-DE" dirty="0"/>
           </a:p>
           <a:p>
             <a:pPr lvl="2"/>
-            <a:endParaRPr lang="de-DE" dirty="0" smtClean="0"/>
+            <a:endParaRPr lang="de-DE" dirty="0"/>
           </a:p>
           <a:p>
             <a:pPr lvl="2"/>
-            <a:endParaRPr lang="de-DE" dirty="0" smtClean="0"/>
+            <a:endParaRPr lang="de-DE" dirty="0"/>
           </a:p>
           <a:p>
             <a:pPr lvl="2"/>
-            <a:endParaRPr lang="de-DE" dirty="0" smtClean="0"/>
+            <a:endParaRPr lang="de-DE" dirty="0"/>
           </a:p>
           <a:p>
             <a:pPr lvl="1"/>
-            <a:endParaRPr lang="de-DE" dirty="0" smtClean="0"/>
+            <a:endParaRPr lang="de-DE" dirty="0"/>
           </a:p>
           <a:p>
             <a:pPr lvl="2"/>
-            <a:endParaRPr lang="de-DE" dirty="0" smtClean="0"/>
+            <a:endParaRPr lang="de-DE" dirty="0"/>
           </a:p>
           <a:p>
             <a:pPr lvl="2"/>
-            <a:endParaRPr lang="de-DE" dirty="0" smtClean="0"/>
+            <a:endParaRPr lang="de-DE" dirty="0"/>
           </a:p>
           <a:p>
             <a:pPr lvl="2"/>
-            <a:endParaRPr lang="de-DE" dirty="0" smtClean="0"/>
+            <a:endParaRPr lang="de-DE" dirty="0"/>
           </a:p>
         </p:txBody>
       </p:sp>
@@ -28679,13 +28950,6 @@
   <p:clrMapOvr>
     <a:masterClrMapping/>
   </p:clrMapOvr>
-  <p:timing>
-    <p:tnLst>
-      <p:par>
-        <p:cTn id="1" dur="indefinite" restart="never" nodeType="tmRoot"/>
-      </p:par>
-    </p:tnLst>
-  </p:timing>
 </p:sld>
 </file>
 
@@ -28722,7 +28986,7 @@
           <a:lstStyle/>
           <a:p>
             <a:r>
-              <a:rPr lang="de-DE" dirty="0" smtClean="0"/>
+              <a:rPr lang="de-DE" dirty="0"/>
               <a:t>Quellenverzeichnis</a:t>
             </a:r>
             <a:endParaRPr lang="en-US" dirty="0"/>
@@ -28759,12 +29023,8 @@
               <a:t> </a:t>
             </a:r>
             <a:r>
-              <a:rPr lang="de-DE" sz="2500" dirty="0" smtClean="0"/>
-              <a:t>1 </a:t>
-            </a:r>
-            <a:r>
               <a:rPr lang="de-DE" sz="2500" dirty="0"/>
-              <a:t>&amp; 1 Digital Guide: </a:t>
+              <a:t>1 &amp; 1 Digital Guide: </a:t>
             </a:r>
             <a:r>
               <a:rPr lang="de-DE" sz="2500" dirty="0" err="1"/>
@@ -28784,7 +29044,6 @@
               <a:rPr lang="de-DE" sz="2500" dirty="0"/>
               <a:t> vom 15.04.2017 </a:t>
             </a:r>
-            <a:endParaRPr lang="de-DE" sz="2500" dirty="0" smtClean="0"/>
           </a:p>
           <a:p>
             <a:pPr lvl="1"/>
@@ -28818,7 +29077,7 @@
           <a:p>
             <a:pPr lvl="1"/>
             <a:r>
-              <a:rPr lang="de-DE" sz="2500" dirty="0" err="1" smtClean="0"/>
+              <a:rPr lang="de-DE" sz="2500" dirty="0" err="1"/>
               <a:t>Chacon</a:t>
             </a:r>
             <a:r>
@@ -28905,47 +29164,28 @@
           <a:p>
             <a:pPr lvl="1"/>
             <a:r>
-              <a:rPr lang="de-DE" sz="2500" dirty="0" err="1" smtClean="0"/>
+              <a:rPr lang="de-DE" sz="2500" dirty="0" err="1"/>
               <a:t>Git</a:t>
             </a:r>
             <a:r>
-              <a:rPr lang="de-DE" sz="2500" dirty="0" smtClean="0"/>
-              <a:t>: Homepage</a:t>
-            </a:r>
-            <a:r>
               <a:rPr lang="de-DE" sz="2500" dirty="0"/>
-              <a:t>,</a:t>
-            </a:r>
-            <a:r>
-              <a:rPr lang="de-DE" sz="2500" dirty="0" smtClean="0"/>
-              <a:t> URL: </a:t>
+              <a:t>: Homepage, URL: </a:t>
             </a:r>
             <a:r>
               <a:rPr lang="de-DE" sz="2500" dirty="0">
                 <a:hlinkClick r:id="rId7"/>
               </a:rPr>
-              <a:t>https://</a:t>
-            </a:r>
-            <a:r>
-              <a:rPr lang="de-DE" sz="2500" dirty="0" smtClean="0">
-                <a:hlinkClick r:id="rId7"/>
-              </a:rPr>
-              <a:t>git-scm.com</a:t>
-            </a:r>
-            <a:r>
-              <a:rPr lang="de-DE" sz="2500" dirty="0" smtClean="0"/>
-              <a:t> </a:t>
+              <a:t>https://git-scm.com</a:t>
             </a:r>
             <a:r>
               <a:rPr lang="de-DE" sz="2500" dirty="0"/>
-              <a:t>vom 15.04.2017 </a:t>
-            </a:r>
-            <a:endParaRPr lang="de-DE" sz="2500" dirty="0" smtClean="0"/>
+              <a:t> vom 15.04.2017 </a:t>
+            </a:r>
           </a:p>
           <a:p>
             <a:pPr lvl="1"/>
             <a:r>
-              <a:rPr lang="de-DE" sz="2500" dirty="0" err="1" smtClean="0"/>
+              <a:rPr lang="de-DE" sz="2500" dirty="0" err="1"/>
               <a:t>GitHub</a:t>
             </a:r>
             <a:r>
@@ -28956,24 +29196,17 @@
               <a:rPr lang="de-DE" sz="2500" dirty="0">
                 <a:hlinkClick r:id="rId8"/>
               </a:rPr>
-              <a:t>https://</a:t>
-            </a:r>
-            <a:r>
-              <a:rPr lang="de-DE" sz="2500" dirty="0" smtClean="0">
-                <a:hlinkClick r:id="rId8"/>
-              </a:rPr>
-              <a:t>github.com</a:t>
-            </a:r>
-            <a:r>
-              <a:rPr lang="de-DE" sz="2500" dirty="0" smtClean="0"/>
+              <a:t>https://github.com</a:t>
+            </a:r>
+            <a:r>
+              <a:rPr lang="de-DE" sz="2500" dirty="0"/>
               <a:t>  vom 15.04.2017</a:t>
             </a:r>
-            <a:endParaRPr lang="de-DE" sz="2500" dirty="0"/>
           </a:p>
           <a:p>
             <a:pPr lvl="1"/>
             <a:r>
-              <a:rPr lang="de-DE" sz="2500" dirty="0" err="1" smtClean="0"/>
+              <a:rPr lang="de-DE" sz="2500" dirty="0" err="1"/>
               <a:t>Preißel</a:t>
             </a:r>
             <a:r>
@@ -29033,41 +29266,22 @@
               <a:rPr lang="de-DE" sz="2500" dirty="0"/>
               <a:t> vom 15.04.2017 </a:t>
             </a:r>
-            <a:endParaRPr lang="de-DE" sz="2500" dirty="0" smtClean="0"/>
           </a:p>
           <a:p>
             <a:pPr lvl="1"/>
             <a:r>
-              <a:rPr lang="de-DE" sz="2500" dirty="0" smtClean="0"/>
-              <a:t>Travis </a:t>
-            </a:r>
-            <a:r>
               <a:rPr lang="de-DE" sz="2500" dirty="0"/>
-              <a:t>CI </a:t>
-            </a:r>
-            <a:r>
-              <a:rPr lang="de-DE" sz="2500" dirty="0" smtClean="0"/>
-              <a:t>GmbH: Homepage, URL: </a:t>
+              <a:t>Travis CI GmbH: Homepage, URL: </a:t>
             </a:r>
             <a:r>
               <a:rPr lang="de-DE" sz="2500" dirty="0">
                 <a:hlinkClick r:id="rId10"/>
               </a:rPr>
-              <a:t>https://travis-ci.com</a:t>
-            </a:r>
-            <a:r>
-              <a:rPr lang="de-DE" sz="2500" dirty="0" smtClean="0">
-                <a:hlinkClick r:id="rId10"/>
-              </a:rPr>
-              <a:t>/</a:t>
-            </a:r>
-            <a:r>
-              <a:rPr lang="de-DE" sz="2500" dirty="0" smtClean="0"/>
-              <a:t> </a:t>
+              <a:t>https://travis-ci.com/</a:t>
             </a:r>
             <a:r>
               <a:rPr lang="de-DE" sz="2500" dirty="0"/>
-              <a:t>vom 15.04.2017 </a:t>
+              <a:t> vom 15.04.2017 </a:t>
             </a:r>
           </a:p>
           <a:p>
@@ -29242,7 +29456,7 @@
               <a:rPr lang="de-DE" sz="2500" dirty="0"/>
               <a:t>  vom 15.04.2017 </a:t>
             </a:r>
-            <a:endParaRPr lang="de-DE" dirty="0" smtClean="0"/>
+            <a:endParaRPr lang="de-DE" dirty="0"/>
           </a:p>
         </p:txBody>
       </p:sp>
@@ -29279,13 +29493,6 @@
   <p:clrMapOvr>
     <a:masterClrMapping/>
   </p:clrMapOvr>
-  <p:timing>
-    <p:tnLst>
-      <p:par>
-        <p:cTn id="1" dur="indefinite" restart="never" nodeType="tmRoot"/>
-      </p:par>
-    </p:tnLst>
-  </p:timing>
 </p:sld>
 </file>
 
@@ -29329,22 +29536,21 @@
           <a:lstStyle/>
           <a:p>
             <a:r>
-              <a:rPr lang="en-US" dirty="0" err="1" smtClean="0"/>
+              <a:rPr lang="en-US" dirty="0" err="1"/>
               <a:t>Erfahrungen</a:t>
             </a:r>
             <a:r>
-              <a:rPr lang="en-US" dirty="0" smtClean="0"/>
+              <a:rPr lang="en-US" dirty="0"/>
               <a:t> </a:t>
             </a:r>
             <a:r>
-              <a:rPr lang="en-US" dirty="0" err="1" smtClean="0"/>
+              <a:rPr lang="en-US" dirty="0" err="1"/>
               <a:t>aus</a:t>
             </a:r>
             <a:r>
-              <a:rPr lang="en-US" dirty="0" smtClean="0"/>
+              <a:rPr lang="en-US" dirty="0"/>
               <a:t> der Praxis - CI</a:t>
             </a:r>
-            <a:endParaRPr lang="en-US" dirty="0"/>
           </a:p>
         </p:txBody>
       </p:sp>
@@ -29380,17 +29586,13 @@
             <a:pPr lvl="1"/>
             <a:r>
               <a:rPr lang="de-DE" dirty="0"/>
-              <a:t>Spiegelung </a:t>
-            </a:r>
-            <a:r>
-              <a:rPr lang="de-DE" dirty="0" smtClean="0"/>
-              <a:t>Produktionsumgebung</a:t>
+              <a:t>Spiegelung Produktionsumgebung</a:t>
             </a:r>
           </a:p>
           <a:p>
             <a:pPr lvl="1"/>
             <a:r>
-              <a:rPr lang="de-DE" dirty="0" smtClean="0"/>
+              <a:rPr lang="de-DE" dirty="0"/>
               <a:t>Automatisierte Verteilung / einfacher Zugriff</a:t>
             </a:r>
           </a:p>
@@ -29401,31 +29603,19 @@
               <a:t>Herausforderung Verantwortungsübernahme für </a:t>
             </a:r>
             <a:r>
-              <a:rPr lang="de-DE" dirty="0" err="1" smtClean="0"/>
+              <a:rPr lang="de-DE" dirty="0" err="1"/>
               <a:t>Build</a:t>
             </a:r>
             <a:r>
-              <a:rPr lang="de-DE" dirty="0" smtClean="0"/>
+              <a:rPr lang="de-DE" dirty="0"/>
               <a:t>-Qualität</a:t>
             </a:r>
           </a:p>
           <a:p>
             <a:pPr lvl="1"/>
             <a:r>
-              <a:rPr lang="de-DE" dirty="0" smtClean="0"/>
+              <a:rPr lang="de-DE" dirty="0"/>
               <a:t>Automatisierung von </a:t>
-            </a:r>
-            <a:r>
-              <a:rPr lang="de-DE" dirty="0" err="1" smtClean="0"/>
-              <a:t>Builds</a:t>
-            </a:r>
-            <a:r>
-              <a:rPr lang="de-DE" dirty="0" smtClean="0"/>
-              <a:t>: Freigabe </a:t>
-            </a:r>
-            <a:r>
-              <a:rPr lang="de-DE" dirty="0"/>
-              <a:t>von </a:t>
             </a:r>
             <a:r>
               <a:rPr lang="de-DE" dirty="0" err="1"/>
@@ -29433,46 +29623,54 @@
             </a:r>
             <a:r>
               <a:rPr lang="de-DE" dirty="0"/>
+              <a:t>: Freigabe von </a:t>
+            </a:r>
+            <a:r>
+              <a:rPr lang="de-DE" dirty="0" err="1"/>
+              <a:t>Builds</a:t>
+            </a:r>
+            <a:r>
+              <a:rPr lang="de-DE" dirty="0"/>
               <a:t> in einzelnen Schritten (für Testsystem, Produktionsumgebung)</a:t>
             </a:r>
           </a:p>
           <a:p>
             <a:pPr lvl="1"/>
             <a:r>
-              <a:rPr lang="de-DE" dirty="0" smtClean="0"/>
+              <a:rPr lang="de-DE" dirty="0"/>
               <a:t>Abstimmung &amp; Kontrolle Termine </a:t>
             </a:r>
           </a:p>
           <a:p>
             <a:pPr lvl="2"/>
             <a:r>
-              <a:rPr lang="de-DE" dirty="0" smtClean="0"/>
+              <a:rPr lang="de-DE" dirty="0"/>
               <a:t>Wer darf wann wo etwas einchecken (SVN)</a:t>
             </a:r>
           </a:p>
           <a:p>
             <a:pPr lvl="2"/>
             <a:r>
-              <a:rPr lang="de-DE" dirty="0" smtClean="0"/>
+              <a:rPr lang="de-DE" dirty="0"/>
               <a:t>Herausforderung viele Umgebungen -&gt; Ungenauigkeiten Check-In</a:t>
             </a:r>
           </a:p>
           <a:p>
             <a:pPr lvl="2"/>
             <a:r>
-              <a:rPr lang="de-DE" dirty="0" smtClean="0"/>
+              <a:rPr lang="de-DE" dirty="0"/>
               <a:t>Herausforderung ungleiche Zyklen</a:t>
             </a:r>
           </a:p>
           <a:p>
             <a:pPr lvl="1"/>
-            <a:endParaRPr lang="de-DE" dirty="0" smtClean="0"/>
+            <a:endParaRPr lang="de-DE" dirty="0"/>
           </a:p>
           <a:p>
             <a:pPr marL="393192" lvl="1" indent="0">
               <a:buNone/>
             </a:pPr>
-            <a:endParaRPr lang="de-DE" dirty="0" smtClean="0"/>
+            <a:endParaRPr lang="de-DE" dirty="0"/>
           </a:p>
           <a:p>
             <a:pPr lvl="1"/>
@@ -29483,18 +29681,18 @@
             <a:endParaRPr lang="de-DE" dirty="0"/>
           </a:p>
           <a:p>
-            <a:endParaRPr lang="de-DE" dirty="0" smtClean="0"/>
-          </a:p>
-          <a:p>
-            <a:endParaRPr lang="de-DE" dirty="0" smtClean="0"/>
+            <a:endParaRPr lang="de-DE" dirty="0"/>
+          </a:p>
+          <a:p>
+            <a:endParaRPr lang="de-DE" dirty="0"/>
           </a:p>
           <a:p>
             <a:pPr lvl="1"/>
-            <a:endParaRPr lang="de-DE" dirty="0" smtClean="0"/>
+            <a:endParaRPr lang="de-DE" dirty="0"/>
           </a:p>
           <a:p>
             <a:pPr lvl="1"/>
-            <a:endParaRPr lang="de-DE" dirty="0" smtClean="0"/>
+            <a:endParaRPr lang="de-DE" dirty="0"/>
           </a:p>
         </p:txBody>
       </p:sp>
@@ -30153,10 +30351,9 @@
           <a:lstStyle/>
           <a:p>
             <a:r>
-              <a:rPr lang="en-US" dirty="0" smtClean="0"/>
+              <a:rPr lang="en-US" dirty="0"/>
               <a:t>SHA1-Prüfsummen</a:t>
             </a:r>
-            <a:endParaRPr lang="en-US" dirty="0"/>
           </a:p>
         </p:txBody>
       </p:sp>
@@ -30184,72 +30381,56 @@
           <a:p>
             <a:pPr lvl="1"/>
             <a:r>
-              <a:rPr lang="de-DE" dirty="0" smtClean="0"/>
+              <a:rPr lang="de-DE" dirty="0"/>
               <a:t>Prüfsummen Funktion</a:t>
             </a:r>
           </a:p>
           <a:p>
             <a:pPr lvl="1"/>
             <a:r>
-              <a:rPr lang="de-DE" dirty="0" smtClean="0"/>
+              <a:rPr lang="de-DE" dirty="0"/>
               <a:t>Aus beliebigen Datenblöcken Prüfwerte bildbar (bei </a:t>
             </a:r>
             <a:r>
-              <a:rPr lang="de-DE" dirty="0" err="1" smtClean="0"/>
+              <a:rPr lang="de-DE" dirty="0" err="1"/>
               <a:t>Git</a:t>
             </a:r>
             <a:r>
-              <a:rPr lang="de-DE" dirty="0" smtClean="0"/>
+              <a:rPr lang="de-DE" dirty="0"/>
               <a:t> auf Basis aller Daten – Inhalten der Dateien, Autor und Zeitpunkt)</a:t>
             </a:r>
           </a:p>
           <a:p>
             <a:pPr lvl="1"/>
             <a:r>
-              <a:rPr lang="de-DE" dirty="0" smtClean="0"/>
+              <a:rPr lang="de-DE" dirty="0"/>
               <a:t>Durch den Vergleich von Prüfwerten bei Sender und Empfänger wird sichergestellt, dass Nachrichten unverändert ankommen</a:t>
             </a:r>
           </a:p>
           <a:p>
             <a:pPr lvl="1"/>
             <a:r>
-              <a:rPr lang="de-DE" dirty="0" smtClean="0"/>
-              <a:t>ABER: </a:t>
-            </a:r>
-            <a:r>
               <a:rPr lang="de-DE" dirty="0"/>
-              <a:t>es </a:t>
-            </a:r>
-            <a:r>
-              <a:rPr lang="de-DE" dirty="0" smtClean="0"/>
-              <a:t>gibt mehrere Ausgangszahlen </a:t>
+              <a:t>ABER: es gibt mehrere Ausgangszahlen die die gleiche </a:t>
+            </a:r>
+            <a:r>
+              <a:rPr lang="de-DE" dirty="0" err="1"/>
+              <a:t>Prüfzahl</a:t>
             </a:r>
             <a:r>
               <a:rPr lang="de-DE" dirty="0"/>
-              <a:t>die die gleiche </a:t>
-            </a:r>
-            <a:r>
-              <a:rPr lang="de-DE" dirty="0" err="1"/>
-              <a:t>P</a:t>
-            </a:r>
-            <a:r>
-              <a:rPr lang="de-DE" dirty="0" err="1" smtClean="0"/>
-              <a:t>rüfzahl</a:t>
-            </a:r>
-            <a:r>
-              <a:rPr lang="de-DE" dirty="0" smtClean="0"/>
               <a:t> ergeben -&gt; ist an sich geknackt</a:t>
             </a:r>
           </a:p>
           <a:p>
             <a:pPr lvl="1"/>
-            <a:endParaRPr lang="de-DE" dirty="0" smtClean="0"/>
+            <a:endParaRPr lang="de-DE" dirty="0"/>
           </a:p>
           <a:p>
             <a:pPr marL="393192" lvl="1" indent="0">
               <a:buNone/>
             </a:pPr>
-            <a:endParaRPr lang="de-DE" dirty="0" smtClean="0"/>
+            <a:endParaRPr lang="de-DE" dirty="0"/>
           </a:p>
           <a:p>
             <a:pPr lvl="1"/>
@@ -30260,18 +30441,18 @@
             <a:endParaRPr lang="de-DE" dirty="0"/>
           </a:p>
           <a:p>
-            <a:endParaRPr lang="de-DE" dirty="0" smtClean="0"/>
-          </a:p>
-          <a:p>
-            <a:endParaRPr lang="de-DE" dirty="0" smtClean="0"/>
+            <a:endParaRPr lang="de-DE" dirty="0"/>
+          </a:p>
+          <a:p>
+            <a:endParaRPr lang="de-DE" dirty="0"/>
           </a:p>
           <a:p>
             <a:pPr lvl="1"/>
-            <a:endParaRPr lang="de-DE" dirty="0" smtClean="0"/>
+            <a:endParaRPr lang="de-DE" dirty="0"/>
           </a:p>
           <a:p>
             <a:pPr lvl="1"/>
-            <a:endParaRPr lang="de-DE" dirty="0" smtClean="0"/>
+            <a:endParaRPr lang="de-DE" dirty="0"/>
           </a:p>
         </p:txBody>
       </p:sp>
@@ -30308,13 +30489,6 @@
   <p:clrMapOvr>
     <a:masterClrMapping/>
   </p:clrMapOvr>
-  <p:timing>
-    <p:tnLst>
-      <p:par>
-        <p:cTn id="1" dur="indefinite" restart="never" nodeType="tmRoot"/>
-      </p:par>
-    </p:tnLst>
-  </p:timing>
 </p:sld>
 </file>
 
@@ -30389,36 +30563,36 @@
           <a:p>
             <a:pPr lvl="1"/>
             <a:r>
-              <a:rPr lang="de-DE" dirty="0" smtClean="0"/>
+              <a:rPr lang="de-DE" dirty="0"/>
               <a:t>GNU GPL: </a:t>
             </a:r>
           </a:p>
           <a:p>
             <a:pPr lvl="2"/>
             <a:r>
-              <a:rPr lang="de-DE" dirty="0" smtClean="0"/>
+              <a:rPr lang="de-DE" dirty="0"/>
               <a:t>Erlaubt Software auszuführen, zu studieren, zu ändern und zu verbreiten</a:t>
             </a:r>
           </a:p>
           <a:p>
             <a:pPr lvl="2"/>
             <a:r>
-              <a:rPr lang="de-DE" dirty="0" smtClean="0"/>
+              <a:rPr lang="de-DE" dirty="0"/>
               <a:t>-&gt; Freie Software</a:t>
             </a:r>
           </a:p>
           <a:p>
             <a:pPr lvl="2"/>
             <a:r>
-              <a:rPr lang="de-DE" dirty="0" smtClean="0"/>
+              <a:rPr lang="de-DE" dirty="0"/>
               <a:t>Falls Software einem </a:t>
             </a:r>
             <a:r>
-              <a:rPr lang="de-DE" dirty="0" err="1" smtClean="0"/>
+              <a:rPr lang="de-DE" dirty="0" err="1"/>
               <a:t>Copyleft</a:t>
             </a:r>
             <a:r>
-              <a:rPr lang="de-DE" dirty="0" smtClean="0"/>
+              <a:rPr lang="de-DE" dirty="0"/>
               <a:t> unterliegt, müssen diese Rechte bei Weitergabe beibehalten werden</a:t>
             </a:r>
           </a:p>
@@ -30434,46 +30608,26 @@
             </a:r>
             <a:r>
               <a:rPr lang="de-DE" dirty="0"/>
-              <a:t> Death“-</a:t>
-            </a:r>
-            <a:r>
-              <a:rPr lang="de-DE" dirty="0" smtClean="0"/>
-              <a:t>Klausel: </a:t>
-            </a:r>
+              <a:t> Death“-Klausel: Diese besagt, wenn es nicht möglich ist, einige Bedingungen der GNU GPL einzuhalten – beispielsweise wegen eines Gerichtsurteils – es untersagt ist, diese Lizenz nur bestmöglich zu erfüllen. In diesem Fall ist es also überhaupt nicht mehr möglich, die Software zu verbreiten.</a:t>
+            </a:r>
+          </a:p>
+          <a:p>
+            <a:pPr lvl="2"/>
             <a:r>
               <a:rPr lang="de-DE" dirty="0"/>
-              <a:t>Diese besagt, wenn es nicht möglich ist, einige Bedingungen der GNU GPL einzuhalten – beispielsweise wegen eines Gerichtsurteils – es untersagt ist, diese Lizenz nur bestmöglich zu erfüllen. In diesem Fall ist es also überhaupt nicht mehr möglich, die Software zu verbreiten</a:t>
-            </a:r>
-            <a:r>
-              <a:rPr lang="de-DE" dirty="0" smtClean="0"/>
-              <a:t>.</a:t>
-            </a:r>
-          </a:p>
-          <a:p>
-            <a:pPr lvl="2"/>
-            <a:r>
-              <a:rPr lang="de-DE" dirty="0" smtClean="0"/>
-              <a:t>Paragraph</a:t>
-            </a:r>
-            <a:r>
-              <a:rPr lang="de-DE" dirty="0"/>
-              <a:t> </a:t>
-            </a:r>
-            <a:r>
-              <a:rPr lang="de-DE" dirty="0" smtClean="0"/>
-              <a:t>8: Gültigkeit für einzelne Länder </a:t>
-            </a:r>
-            <a:r>
-              <a:rPr lang="de-DE" dirty="0" err="1" smtClean="0"/>
+              <a:t>Paragraph 8: Gültigkeit für einzelne Länder </a:t>
+            </a:r>
+            <a:r>
+              <a:rPr lang="de-DE" dirty="0" err="1"/>
               <a:t>auschließbar</a:t>
             </a:r>
-            <a:endParaRPr lang="de-DE" dirty="0" smtClean="0"/>
+            <a:endParaRPr lang="de-DE" dirty="0"/>
           </a:p>
           <a:p>
             <a:pPr marL="393192" lvl="1" indent="0">
               <a:buNone/>
             </a:pPr>
-            <a:endParaRPr lang="de-DE" dirty="0" smtClean="0"/>
+            <a:endParaRPr lang="de-DE" dirty="0"/>
           </a:p>
           <a:p>
             <a:pPr lvl="1"/>
@@ -30484,18 +30638,18 @@
             <a:endParaRPr lang="de-DE" dirty="0"/>
           </a:p>
           <a:p>
-            <a:endParaRPr lang="de-DE" dirty="0" smtClean="0"/>
-          </a:p>
-          <a:p>
-            <a:endParaRPr lang="de-DE" dirty="0" smtClean="0"/>
+            <a:endParaRPr lang="de-DE" dirty="0"/>
+          </a:p>
+          <a:p>
+            <a:endParaRPr lang="de-DE" dirty="0"/>
           </a:p>
           <a:p>
             <a:pPr lvl="1"/>
-            <a:endParaRPr lang="de-DE" dirty="0" smtClean="0"/>
+            <a:endParaRPr lang="de-DE" dirty="0"/>
           </a:p>
           <a:p>
             <a:pPr lvl="1"/>
-            <a:endParaRPr lang="de-DE" dirty="0" smtClean="0"/>
+            <a:endParaRPr lang="de-DE" dirty="0"/>
           </a:p>
         </p:txBody>
       </p:sp>
@@ -30532,13 +30686,6 @@
   <p:clrMapOvr>
     <a:masterClrMapping/>
   </p:clrMapOvr>
-  <p:timing>
-    <p:tnLst>
-      <p:par>
-        <p:cTn id="1" dur="indefinite" restart="never" nodeType="tmRoot"/>
-      </p:par>
-    </p:tnLst>
-  </p:timing>
 </p:sld>
 </file>
 
@@ -30577,7 +30724,7 @@
           <a:lstStyle/>
           <a:p>
             <a:r>
-              <a:rPr lang="en-US" dirty="0" err="1" smtClean="0"/>
+              <a:rPr lang="en-US" dirty="0" err="1"/>
               <a:t>Git</a:t>
             </a:r>
             <a:endParaRPr lang="en-US" dirty="0"/>
@@ -30608,7 +30755,7 @@
           <a:p>
             <a:pPr lvl="1"/>
             <a:r>
-              <a:rPr lang="de-DE" dirty="0" smtClean="0"/>
+              <a:rPr lang="de-DE" dirty="0"/>
               <a:t>Art der Datenhaltung (SVN,..)</a:t>
             </a:r>
           </a:p>
@@ -30618,11 +30765,11 @@
           </a:p>
           <a:p>
             <a:pPr lvl="1"/>
-            <a:endParaRPr lang="de-DE" dirty="0" smtClean="0"/>
+            <a:endParaRPr lang="de-DE" dirty="0"/>
           </a:p>
           <a:p>
             <a:pPr lvl="1"/>
-            <a:endParaRPr lang="de-DE" dirty="0" smtClean="0"/>
+            <a:endParaRPr lang="de-DE" dirty="0"/>
           </a:p>
           <a:p>
             <a:pPr lvl="1"/>
@@ -30630,7 +30777,7 @@
           </a:p>
           <a:p>
             <a:pPr lvl="1"/>
-            <a:endParaRPr lang="de-DE" dirty="0" smtClean="0"/>
+            <a:endParaRPr lang="de-DE" dirty="0"/>
           </a:p>
           <a:p>
             <a:pPr lvl="1"/>
@@ -30638,15 +30785,15 @@
           </a:p>
           <a:p>
             <a:pPr lvl="1"/>
-            <a:endParaRPr lang="de-DE" dirty="0" smtClean="0"/>
+            <a:endParaRPr lang="de-DE" dirty="0"/>
           </a:p>
           <a:p>
             <a:pPr lvl="1"/>
-            <a:endParaRPr lang="de-DE" dirty="0" smtClean="0"/>
+            <a:endParaRPr lang="de-DE" dirty="0"/>
           </a:p>
           <a:p>
             <a:pPr lvl="1"/>
-            <a:endParaRPr lang="de-DE" dirty="0" smtClean="0"/>
+            <a:endParaRPr lang="de-DE" dirty="0"/>
           </a:p>
           <a:p>
             <a:pPr lvl="1"/>
@@ -30657,50 +30804,45 @@
               <a:buNone/>
             </a:pPr>
             <a:r>
-              <a:rPr lang="de-DE" sz="1100" dirty="0" smtClean="0"/>
-              <a:t>Quellen: </a:t>
-            </a:r>
-            <a:r>
               <a:rPr lang="de-DE" sz="1100" dirty="0"/>
-              <a:t>https://git-scm.com/book/en/v2/Getting-Started-Git-Basics</a:t>
-            </a:r>
-            <a:endParaRPr lang="de-DE" sz="1100" dirty="0" smtClean="0"/>
+              <a:t>Quellen: https://git-scm.com/book/en/v2/Getting-Started-Git-Basics</a:t>
+            </a:r>
           </a:p>
           <a:p>
             <a:pPr lvl="2"/>
-            <a:endParaRPr lang="de-DE" dirty="0" smtClean="0"/>
+            <a:endParaRPr lang="de-DE" dirty="0"/>
           </a:p>
           <a:p>
             <a:pPr lvl="2"/>
-            <a:endParaRPr lang="de-DE" dirty="0" smtClean="0"/>
+            <a:endParaRPr lang="de-DE" dirty="0"/>
           </a:p>
           <a:p>
             <a:pPr lvl="1"/>
-            <a:endParaRPr lang="de-DE" dirty="0" smtClean="0"/>
+            <a:endParaRPr lang="de-DE" dirty="0"/>
           </a:p>
           <a:p>
             <a:pPr lvl="2"/>
-            <a:endParaRPr lang="de-DE" dirty="0" smtClean="0"/>
+            <a:endParaRPr lang="de-DE" dirty="0"/>
           </a:p>
           <a:p>
             <a:pPr lvl="2"/>
-            <a:endParaRPr lang="de-DE" dirty="0" smtClean="0"/>
+            <a:endParaRPr lang="de-DE" dirty="0"/>
           </a:p>
           <a:p>
             <a:pPr lvl="1"/>
-            <a:endParaRPr lang="de-DE" dirty="0" smtClean="0"/>
+            <a:endParaRPr lang="de-DE" dirty="0"/>
           </a:p>
           <a:p>
             <a:pPr lvl="2"/>
-            <a:endParaRPr lang="de-DE" dirty="0" smtClean="0"/>
+            <a:endParaRPr lang="de-DE" dirty="0"/>
           </a:p>
           <a:p>
             <a:pPr lvl="2"/>
-            <a:endParaRPr lang="de-DE" dirty="0" smtClean="0"/>
+            <a:endParaRPr lang="de-DE" dirty="0"/>
           </a:p>
           <a:p>
             <a:pPr lvl="2"/>
-            <a:endParaRPr lang="de-DE" dirty="0" smtClean="0"/>
+            <a:endParaRPr lang="de-DE" dirty="0"/>
           </a:p>
         </p:txBody>
       </p:sp>
@@ -30969,89 +31111,89 @@
           <a:p>
             <a:pPr lvl="1"/>
             <a:r>
-              <a:rPr lang="de-DE" dirty="0" smtClean="0"/>
+              <a:rPr lang="de-DE" dirty="0"/>
               <a:t>Art der Datenhaltung (</a:t>
             </a:r>
             <a:r>
-              <a:rPr lang="de-DE" dirty="0" err="1" smtClean="0"/>
+              <a:rPr lang="de-DE" dirty="0" err="1"/>
               <a:t>Git</a:t>
             </a:r>
             <a:r>
-              <a:rPr lang="de-DE" dirty="0" smtClean="0"/>
+              <a:rPr lang="de-DE" dirty="0"/>
               <a:t>)</a:t>
             </a:r>
           </a:p>
           <a:p>
             <a:pPr lvl="1"/>
-            <a:endParaRPr lang="de-DE" dirty="0" smtClean="0"/>
+            <a:endParaRPr lang="de-DE" dirty="0"/>
           </a:p>
           <a:p>
             <a:pPr lvl="1"/>
-            <a:endParaRPr lang="de-DE" dirty="0" smtClean="0"/>
+            <a:endParaRPr lang="de-DE" dirty="0"/>
           </a:p>
           <a:p>
             <a:pPr lvl="1"/>
-            <a:endParaRPr lang="de-DE" dirty="0" smtClean="0"/>
+            <a:endParaRPr lang="de-DE" dirty="0"/>
           </a:p>
           <a:p>
             <a:pPr lvl="1"/>
-            <a:endParaRPr lang="de-DE" dirty="0" smtClean="0"/>
+            <a:endParaRPr lang="de-DE" dirty="0"/>
           </a:p>
           <a:p>
             <a:pPr lvl="1"/>
-            <a:endParaRPr lang="de-DE" dirty="0" smtClean="0"/>
+            <a:endParaRPr lang="de-DE" dirty="0"/>
           </a:p>
           <a:p>
             <a:pPr lvl="1"/>
-            <a:endParaRPr lang="de-DE" dirty="0" smtClean="0"/>
+            <a:endParaRPr lang="de-DE" dirty="0"/>
           </a:p>
           <a:p>
             <a:pPr lvl="1"/>
-            <a:endParaRPr lang="de-DE" dirty="0" smtClean="0"/>
+            <a:endParaRPr lang="de-DE" dirty="0"/>
           </a:p>
           <a:p>
             <a:pPr lvl="1"/>
-            <a:endParaRPr lang="de-DE" dirty="0" smtClean="0"/>
+            <a:endParaRPr lang="de-DE" dirty="0"/>
           </a:p>
           <a:p>
             <a:pPr lvl="1"/>
-            <a:endParaRPr lang="de-DE" dirty="0" smtClean="0"/>
+            <a:endParaRPr lang="de-DE" dirty="0"/>
           </a:p>
           <a:p>
             <a:pPr lvl="2"/>
-            <a:endParaRPr lang="de-DE" dirty="0" smtClean="0"/>
+            <a:endParaRPr lang="de-DE" dirty="0"/>
           </a:p>
           <a:p>
             <a:pPr lvl="2"/>
-            <a:endParaRPr lang="de-DE" dirty="0" smtClean="0"/>
+            <a:endParaRPr lang="de-DE" dirty="0"/>
           </a:p>
           <a:p>
             <a:pPr lvl="1"/>
-            <a:endParaRPr lang="de-DE" dirty="0" smtClean="0"/>
+            <a:endParaRPr lang="de-DE" dirty="0"/>
           </a:p>
           <a:p>
             <a:pPr lvl="2"/>
-            <a:endParaRPr lang="de-DE" dirty="0" smtClean="0"/>
+            <a:endParaRPr lang="de-DE" dirty="0"/>
           </a:p>
           <a:p>
             <a:pPr lvl="2"/>
-            <a:endParaRPr lang="de-DE" dirty="0" smtClean="0"/>
+            <a:endParaRPr lang="de-DE" dirty="0"/>
           </a:p>
           <a:p>
             <a:pPr lvl="1"/>
-            <a:endParaRPr lang="de-DE" dirty="0" smtClean="0"/>
+            <a:endParaRPr lang="de-DE" dirty="0"/>
           </a:p>
           <a:p>
             <a:pPr lvl="2"/>
-            <a:endParaRPr lang="de-DE" dirty="0" smtClean="0"/>
+            <a:endParaRPr lang="de-DE" dirty="0"/>
           </a:p>
           <a:p>
             <a:pPr lvl="2"/>
-            <a:endParaRPr lang="de-DE" dirty="0" smtClean="0"/>
+            <a:endParaRPr lang="de-DE" dirty="0"/>
           </a:p>
           <a:p>
             <a:pPr lvl="2"/>
-            <a:endParaRPr lang="de-DE" dirty="0" smtClean="0"/>
+            <a:endParaRPr lang="de-DE" dirty="0"/>
           </a:p>
         </p:txBody>
       </p:sp>
@@ -31065,14 +31207,6 @@
   <p:clrMapOvr>
     <a:masterClrMapping/>
   </p:clrMapOvr>
-  <mc:AlternateContent xmlns:mc="http://schemas.openxmlformats.org/markup-compatibility/2006" xmlns:p14="http://schemas.microsoft.com/office/powerpoint/2010/main">
-    <mc:Choice Requires="p14">
-      <p:transition spd="slow" p14:dur="2000"/>
-    </mc:Choice>
-    <mc:Fallback xmlns="">
-      <p:transition spd="slow"/>
-    </mc:Fallback>
-  </mc:AlternateContent>
   <p:timing>
     <p:tnLst>
       <p:par>
@@ -31324,11 +31458,11 @@
           <a:lstStyle/>
           <a:p>
             <a:r>
-              <a:rPr lang="en-US" dirty="0" smtClean="0"/>
+              <a:rPr lang="en-US" dirty="0"/>
               <a:t>CI - </a:t>
             </a:r>
             <a:r>
-              <a:rPr lang="en-US" dirty="0" err="1" smtClean="0"/>
+              <a:rPr lang="en-US" dirty="0" err="1"/>
               <a:t>Grundsätze</a:t>
             </a:r>
             <a:endParaRPr lang="en-US" dirty="0"/>
@@ -31354,7 +31488,7 @@
           <a:p>
             <a:pPr lvl="1"/>
             <a:r>
-              <a:rPr lang="de-DE" dirty="0" smtClean="0"/>
+              <a:rPr lang="de-DE" dirty="0"/>
               <a:t>Häufige Integration</a:t>
             </a:r>
           </a:p>
@@ -31363,7 +31497,7 @@
               <a:buNone/>
             </a:pPr>
             <a:r>
-              <a:rPr lang="de-DE" dirty="0" smtClean="0"/>
+              <a:rPr lang="de-DE" dirty="0"/>
               <a:t>So oft wie möglich integrieren</a:t>
             </a:r>
           </a:p>
@@ -31372,7 +31506,7 @@
               <a:buNone/>
             </a:pPr>
             <a:r>
-              <a:rPr lang="de-DE" dirty="0" smtClean="0"/>
+              <a:rPr lang="de-DE" dirty="0"/>
               <a:t>Risikominimierung fehlgeschlagener Integrationen</a:t>
             </a:r>
           </a:p>
@@ -31381,7 +31515,7 @@
               <a:buNone/>
             </a:pPr>
             <a:r>
-              <a:rPr lang="de-DE" dirty="0" smtClean="0"/>
+              <a:rPr lang="de-DE" dirty="0"/>
               <a:t>Sicherung des Entwicklungsstandes</a:t>
             </a:r>
           </a:p>
@@ -31390,22 +31524,9 @@
               <a:buNone/>
             </a:pPr>
             <a:r>
-              <a:rPr lang="de-DE" dirty="0" smtClean="0"/>
-              <a:t>Bspw. </a:t>
-            </a:r>
-            <a:r>
               <a:rPr lang="de-DE" dirty="0"/>
-              <a:t>mindestens 1 </a:t>
-            </a:r>
-            <a:r>
-              <a:rPr lang="de-DE" smtClean="0"/>
-              <a:t>Mal </a:t>
-            </a:r>
-            <a:r>
-              <a:rPr lang="de-DE" smtClean="0"/>
-              <a:t>täglich</a:t>
-            </a:r>
-            <a:endParaRPr lang="de-DE" dirty="0"/>
+              <a:t>Bspw. mindestens 1 Mal täglich</a:t>
+            </a:r>
           </a:p>
           <a:p>
             <a:pPr lvl="1"/>
@@ -31414,54 +31535,49 @@
               <a:t>Integration in den </a:t>
             </a:r>
             <a:r>
-              <a:rPr lang="de-DE" dirty="0" err="1" smtClean="0"/>
+              <a:rPr lang="de-DE" dirty="0" err="1"/>
               <a:t>Hauptbranch</a:t>
             </a:r>
-            <a:endParaRPr lang="de-DE" dirty="0" smtClean="0"/>
+            <a:endParaRPr lang="de-DE" dirty="0"/>
           </a:p>
           <a:p>
             <a:pPr marL="667512" lvl="2" indent="0">
               <a:buNone/>
             </a:pPr>
             <a:r>
-              <a:rPr lang="de-DE" dirty="0" smtClean="0"/>
+              <a:rPr lang="de-DE" dirty="0"/>
               <a:t>Änderungen in </a:t>
             </a:r>
             <a:r>
-              <a:rPr lang="de-DE" dirty="0" err="1" smtClean="0"/>
+              <a:rPr lang="de-DE" dirty="0" err="1"/>
               <a:t>Hauptbranch</a:t>
             </a:r>
             <a:r>
-              <a:rPr lang="de-DE" dirty="0" smtClean="0"/>
+              <a:rPr lang="de-DE" dirty="0"/>
               <a:t> integrieren, dort startet automatischer </a:t>
             </a:r>
             <a:r>
-              <a:rPr lang="de-DE" dirty="0" err="1" smtClean="0"/>
+              <a:rPr lang="de-DE" dirty="0" err="1"/>
               <a:t>Build</a:t>
             </a:r>
             <a:r>
-              <a:rPr lang="de-DE" dirty="0" smtClean="0"/>
+              <a:rPr lang="de-DE" dirty="0"/>
               <a:t>- und Testzyklus (kontinuierlicher </a:t>
             </a:r>
             <a:r>
-              <a:rPr lang="de-DE" dirty="0" err="1" smtClean="0"/>
+              <a:rPr lang="de-DE" dirty="0" err="1"/>
               <a:t>Integrationsbuild</a:t>
             </a:r>
             <a:r>
-              <a:rPr lang="de-DE" dirty="0" smtClean="0"/>
+              <a:rPr lang="de-DE" dirty="0"/>
               <a:t>)</a:t>
             </a:r>
-            <a:endParaRPr lang="de-DE" dirty="0"/>
           </a:p>
           <a:p>
             <a:pPr lvl="1"/>
             <a:r>
               <a:rPr lang="de-DE" dirty="0"/>
-              <a:t>Kurze </a:t>
-            </a:r>
-            <a:r>
-              <a:rPr lang="de-DE" dirty="0" smtClean="0"/>
-              <a:t>Testzyklen</a:t>
+              <a:t>Kurze Testzyklen</a:t>
             </a:r>
           </a:p>
           <a:p>
@@ -31469,7 +31585,7 @@
               <a:buNone/>
             </a:pPr>
             <a:r>
-              <a:rPr lang="de-DE" dirty="0" smtClean="0"/>
+              <a:rPr lang="de-DE" dirty="0"/>
               <a:t>Geringer Testzyklus vor Integration</a:t>
             </a:r>
           </a:p>
@@ -31478,50 +31594,49 @@
               <a:buNone/>
             </a:pPr>
             <a:r>
-              <a:rPr lang="de-DE" dirty="0" smtClean="0"/>
+              <a:rPr lang="de-DE" dirty="0"/>
               <a:t>Bsp. Lokale Tests vor Integration</a:t>
             </a:r>
-            <a:endParaRPr lang="de-DE" dirty="0"/>
           </a:p>
           <a:p>
             <a:pPr lvl="1"/>
-            <a:endParaRPr lang="de-DE" dirty="0" smtClean="0"/>
+            <a:endParaRPr lang="de-DE" dirty="0"/>
           </a:p>
           <a:p>
             <a:pPr lvl="1"/>
-            <a:endParaRPr lang="de-DE" dirty="0" smtClean="0"/>
+            <a:endParaRPr lang="de-DE" dirty="0"/>
           </a:p>
           <a:p>
             <a:pPr lvl="2"/>
-            <a:endParaRPr lang="de-DE" dirty="0" smtClean="0"/>
+            <a:endParaRPr lang="de-DE" dirty="0"/>
           </a:p>
           <a:p>
             <a:pPr lvl="1"/>
-            <a:endParaRPr lang="de-DE" dirty="0" smtClean="0"/>
+            <a:endParaRPr lang="de-DE" dirty="0"/>
           </a:p>
           <a:p>
             <a:pPr lvl="2"/>
-            <a:endParaRPr lang="de-DE" dirty="0" smtClean="0"/>
+            <a:endParaRPr lang="de-DE" dirty="0"/>
           </a:p>
           <a:p>
             <a:pPr lvl="2"/>
-            <a:endParaRPr lang="de-DE" dirty="0" smtClean="0"/>
+            <a:endParaRPr lang="de-DE" dirty="0"/>
           </a:p>
           <a:p>
             <a:pPr lvl="1"/>
-            <a:endParaRPr lang="de-DE" dirty="0" smtClean="0"/>
+            <a:endParaRPr lang="de-DE" dirty="0"/>
           </a:p>
           <a:p>
             <a:pPr lvl="2"/>
-            <a:endParaRPr lang="de-DE" dirty="0" smtClean="0"/>
+            <a:endParaRPr lang="de-DE" dirty="0"/>
           </a:p>
           <a:p>
             <a:pPr lvl="2"/>
-            <a:endParaRPr lang="de-DE" dirty="0" smtClean="0"/>
+            <a:endParaRPr lang="de-DE" dirty="0"/>
           </a:p>
           <a:p>
             <a:pPr lvl="2"/>
-            <a:endParaRPr lang="de-DE" dirty="0" smtClean="0"/>
+            <a:endParaRPr lang="de-DE" dirty="0"/>
           </a:p>
         </p:txBody>
       </p:sp>
@@ -32236,11 +32351,11 @@
           <a:lstStyle/>
           <a:p>
             <a:r>
-              <a:rPr lang="en-US" dirty="0" smtClean="0"/>
+              <a:rPr lang="en-US" dirty="0"/>
               <a:t>CI - </a:t>
             </a:r>
             <a:r>
-              <a:rPr lang="en-US" dirty="0" err="1" smtClean="0"/>
+              <a:rPr lang="en-US" dirty="0" err="1"/>
               <a:t>Grundsätze</a:t>
             </a:r>
             <a:endParaRPr lang="en-US" dirty="0"/>
@@ -32266,7 +32381,7 @@
           <a:p>
             <a:pPr lvl="1"/>
             <a:r>
-              <a:rPr lang="de-DE" dirty="0" smtClean="0"/>
+              <a:rPr lang="de-DE" dirty="0"/>
               <a:t>Gespiegelte Produktionsumgebung</a:t>
             </a:r>
           </a:p>
@@ -32275,20 +32390,15 @@
               <a:buNone/>
             </a:pPr>
             <a:r>
-              <a:rPr lang="de-DE" dirty="0" smtClean="0"/>
+              <a:rPr lang="de-DE" dirty="0"/>
               <a:t>Änderungen sollten in einem Abbild der Produktionsumgebung getestet werden</a:t>
             </a:r>
-            <a:endParaRPr lang="de-DE" dirty="0"/>
           </a:p>
           <a:p>
             <a:pPr lvl="1"/>
             <a:r>
               <a:rPr lang="de-DE" dirty="0"/>
-              <a:t>Einfacher </a:t>
-            </a:r>
-            <a:r>
-              <a:rPr lang="de-DE" dirty="0" smtClean="0"/>
-              <a:t>Zugriff</a:t>
+              <a:t>Einfacher Zugriff</a:t>
             </a:r>
           </a:p>
           <a:p>
@@ -32296,20 +32406,15 @@
               <a:buNone/>
             </a:pPr>
             <a:r>
-              <a:rPr lang="de-DE" dirty="0" smtClean="0"/>
+              <a:rPr lang="de-DE" dirty="0"/>
               <a:t>Auch für Nicht-Entwickler (z.B. als Testsystem für Tester, Zahlen für QA, Dokumentation oder Pakete für Release Manager)</a:t>
             </a:r>
-            <a:endParaRPr lang="de-DE" dirty="0"/>
           </a:p>
           <a:p>
             <a:pPr lvl="1"/>
             <a:r>
               <a:rPr lang="de-DE" dirty="0"/>
-              <a:t>Automatisiertes </a:t>
-            </a:r>
-            <a:r>
-              <a:rPr lang="de-DE" dirty="0" smtClean="0"/>
-              <a:t>Reporting</a:t>
+              <a:t>Automatisiertes Reporting</a:t>
             </a:r>
           </a:p>
           <a:p>
@@ -32317,20 +32422,15 @@
               <a:buNone/>
             </a:pPr>
             <a:r>
-              <a:rPr lang="de-DE" dirty="0" smtClean="0"/>
+              <a:rPr lang="de-DE" dirty="0"/>
               <a:t>Ergebnisse der Integration sollten leicht verfügbar sein (wann, welche Änderungen, welche Qualität)</a:t>
             </a:r>
-            <a:endParaRPr lang="de-DE" dirty="0"/>
           </a:p>
           <a:p>
             <a:pPr lvl="1"/>
             <a:r>
               <a:rPr lang="de-DE" dirty="0"/>
-              <a:t>Automatisierte </a:t>
-            </a:r>
-            <a:r>
-              <a:rPr lang="de-DE" dirty="0" smtClean="0"/>
-              <a:t>Verteilung</a:t>
+              <a:t>Automatisierte Verteilung</a:t>
             </a:r>
           </a:p>
           <a:p>
@@ -32338,46 +32438,45 @@
               <a:buNone/>
             </a:pPr>
             <a:r>
-              <a:rPr lang="de-DE" dirty="0" smtClean="0"/>
+              <a:rPr lang="de-DE" dirty="0"/>
               <a:t>Leichte Überführung auf Produktionsumgebung</a:t>
             </a:r>
-            <a:endParaRPr lang="de-DE" dirty="0"/>
           </a:p>
           <a:p>
             <a:pPr lvl="1"/>
-            <a:endParaRPr lang="de-DE" dirty="0" smtClean="0"/>
+            <a:endParaRPr lang="de-DE" dirty="0"/>
           </a:p>
           <a:p>
             <a:pPr lvl="2"/>
-            <a:endParaRPr lang="de-DE" dirty="0" smtClean="0"/>
+            <a:endParaRPr lang="de-DE" dirty="0"/>
           </a:p>
           <a:p>
             <a:pPr lvl="1"/>
-            <a:endParaRPr lang="de-DE" dirty="0" smtClean="0"/>
+            <a:endParaRPr lang="de-DE" dirty="0"/>
           </a:p>
           <a:p>
             <a:pPr lvl="2"/>
-            <a:endParaRPr lang="de-DE" dirty="0" smtClean="0"/>
+            <a:endParaRPr lang="de-DE" dirty="0"/>
           </a:p>
           <a:p>
             <a:pPr lvl="2"/>
-            <a:endParaRPr lang="de-DE" dirty="0" smtClean="0"/>
+            <a:endParaRPr lang="de-DE" dirty="0"/>
           </a:p>
           <a:p>
             <a:pPr lvl="1"/>
-            <a:endParaRPr lang="de-DE" dirty="0" smtClean="0"/>
+            <a:endParaRPr lang="de-DE" dirty="0"/>
           </a:p>
           <a:p>
             <a:pPr lvl="2"/>
-            <a:endParaRPr lang="de-DE" dirty="0" smtClean="0"/>
+            <a:endParaRPr lang="de-DE" dirty="0"/>
           </a:p>
           <a:p>
             <a:pPr lvl="2"/>
-            <a:endParaRPr lang="de-DE" dirty="0" smtClean="0"/>
+            <a:endParaRPr lang="de-DE" dirty="0"/>
           </a:p>
           <a:p>
             <a:pPr lvl="2"/>
-            <a:endParaRPr lang="de-DE" dirty="0" smtClean="0"/>
+            <a:endParaRPr lang="de-DE" dirty="0"/>
           </a:p>
         </p:txBody>
       </p:sp>
@@ -32970,11 +33069,11 @@
           <a:lstStyle/>
           <a:p>
             <a:r>
-              <a:rPr lang="en-US" dirty="0" smtClean="0"/>
+              <a:rPr lang="en-US" dirty="0"/>
               <a:t>CI - </a:t>
             </a:r>
             <a:r>
-              <a:rPr lang="en-US" dirty="0" err="1" smtClean="0"/>
+              <a:rPr lang="en-US" dirty="0" err="1"/>
               <a:t>Vorteile</a:t>
             </a:r>
             <a:endParaRPr lang="en-US" dirty="0"/>
@@ -33000,76 +33099,76 @@
           <a:p>
             <a:pPr lvl="1"/>
             <a:r>
-              <a:rPr lang="de-DE" dirty="0" smtClean="0"/>
+              <a:rPr lang="de-DE" dirty="0"/>
               <a:t>Steigerung der Software-Qualität durch: </a:t>
             </a:r>
           </a:p>
           <a:p>
             <a:pPr lvl="2"/>
             <a:r>
-              <a:rPr lang="de-DE" dirty="0" smtClean="0"/>
+              <a:rPr lang="de-DE" dirty="0"/>
               <a:t>Frühzeitiges Erkennen von Integrations-Problemen (fixen)</a:t>
             </a:r>
           </a:p>
           <a:p>
             <a:pPr lvl="2"/>
             <a:r>
-              <a:rPr lang="de-DE" dirty="0" smtClean="0"/>
+              <a:rPr lang="de-DE" dirty="0"/>
               <a:t>Frühe Warnungen bei nicht zusammenpassenden Bausteinen</a:t>
             </a:r>
           </a:p>
           <a:p>
             <a:pPr lvl="2"/>
             <a:r>
-              <a:rPr lang="de-DE" dirty="0" smtClean="0"/>
+              <a:rPr lang="de-DE" dirty="0"/>
               <a:t>Sofortige Unit Tests entdecken Fehler zeitnah</a:t>
             </a:r>
           </a:p>
           <a:p>
             <a:pPr lvl="2"/>
             <a:r>
-              <a:rPr lang="de-DE" dirty="0" smtClean="0"/>
+              <a:rPr lang="de-DE" dirty="0"/>
               <a:t>Ständige Verfügbarkeit eines lauffähigen Standes (Demo, Test, Vertrieb)</a:t>
             </a:r>
           </a:p>
           <a:p>
             <a:pPr lvl="2"/>
             <a:r>
-              <a:rPr lang="de-DE" dirty="0" smtClean="0"/>
+              <a:rPr lang="de-DE" dirty="0"/>
               <a:t>Feedback-Prozess führt zu einem verantwortlicheren Umgang (positiver „Erziehungseffekt“)</a:t>
             </a:r>
           </a:p>
           <a:p>
             <a:pPr lvl="2"/>
-            <a:endParaRPr lang="de-DE" dirty="0" smtClean="0"/>
+            <a:endParaRPr lang="de-DE" dirty="0"/>
           </a:p>
           <a:p>
             <a:pPr lvl="1"/>
-            <a:endParaRPr lang="de-DE" dirty="0" smtClean="0"/>
+            <a:endParaRPr lang="de-DE" dirty="0"/>
           </a:p>
           <a:p>
             <a:pPr lvl="2"/>
-            <a:endParaRPr lang="de-DE" dirty="0" smtClean="0"/>
+            <a:endParaRPr lang="de-DE" dirty="0"/>
           </a:p>
           <a:p>
             <a:pPr lvl="2"/>
-            <a:endParaRPr lang="de-DE" dirty="0" smtClean="0"/>
+            <a:endParaRPr lang="de-DE" dirty="0"/>
           </a:p>
           <a:p>
             <a:pPr lvl="1"/>
-            <a:endParaRPr lang="de-DE" dirty="0" smtClean="0"/>
+            <a:endParaRPr lang="de-DE" dirty="0"/>
           </a:p>
           <a:p>
             <a:pPr lvl="2"/>
-            <a:endParaRPr lang="de-DE" dirty="0" smtClean="0"/>
+            <a:endParaRPr lang="de-DE" dirty="0"/>
           </a:p>
           <a:p>
             <a:pPr lvl="2"/>
-            <a:endParaRPr lang="de-DE" dirty="0" smtClean="0"/>
+            <a:endParaRPr lang="de-DE" dirty="0"/>
           </a:p>
           <a:p>
             <a:pPr lvl="2"/>
-            <a:endParaRPr lang="de-DE" dirty="0" smtClean="0"/>
+            <a:endParaRPr lang="de-DE" dirty="0"/>
           </a:p>
         </p:txBody>
       </p:sp>
@@ -33540,7 +33639,7 @@
           <a:lstStyle/>
           <a:p>
             <a:r>
-              <a:rPr lang="en-US" dirty="0" err="1" smtClean="0"/>
+              <a:rPr lang="en-US" dirty="0" err="1"/>
               <a:t>Versionsverwaltungssysteme</a:t>
             </a:r>
             <a:endParaRPr lang="en-US" dirty="0"/>
@@ -33566,76 +33665,76 @@
           <a:p>
             <a:pPr lvl="1"/>
             <a:r>
-              <a:rPr lang="de-DE" dirty="0" smtClean="0"/>
+              <a:rPr lang="de-DE" dirty="0"/>
               <a:t>Auch Versionskontrollsysteme  (SCM) dienen</a:t>
             </a:r>
           </a:p>
           <a:p>
             <a:pPr lvl="2"/>
             <a:r>
-              <a:rPr lang="de-DE" dirty="0" smtClean="0"/>
+              <a:rPr lang="de-DE" dirty="0"/>
               <a:t>Der Verwaltung von Dateien</a:t>
             </a:r>
           </a:p>
           <a:p>
             <a:pPr lvl="2"/>
             <a:r>
-              <a:rPr lang="de-DE" dirty="0" smtClean="0"/>
+              <a:rPr lang="de-DE" dirty="0"/>
               <a:t>Der Zugriffsregelung auf Dateien</a:t>
             </a:r>
           </a:p>
           <a:p>
             <a:pPr lvl="2"/>
             <a:r>
-              <a:rPr lang="de-DE" dirty="0" smtClean="0"/>
+              <a:rPr lang="de-DE" dirty="0"/>
               <a:t>Der Protokollierung von Änderungen an Dateien</a:t>
             </a:r>
           </a:p>
           <a:p>
             <a:pPr lvl="1"/>
             <a:r>
-              <a:rPr lang="de-DE" dirty="0" smtClean="0"/>
+              <a:rPr lang="de-DE" dirty="0"/>
               <a:t>Alle zu verwaltenden Dateien liegen im Repository</a:t>
             </a:r>
           </a:p>
           <a:p>
             <a:pPr lvl="1"/>
             <a:r>
-              <a:rPr lang="de-DE" dirty="0" smtClean="0"/>
+              <a:rPr lang="de-DE" dirty="0"/>
               <a:t>Sobald Änderungen vorgenommen werden (und per Commit an das Repository übertragen werden) legt das SCM eine neue Version mit eindeutiger Kennzeichnung an (Revision)</a:t>
             </a:r>
           </a:p>
           <a:p>
             <a:pPr lvl="2"/>
-            <a:endParaRPr lang="de-DE" dirty="0" smtClean="0"/>
+            <a:endParaRPr lang="de-DE" dirty="0"/>
           </a:p>
           <a:p>
             <a:pPr lvl="1"/>
-            <a:endParaRPr lang="de-DE" dirty="0" smtClean="0"/>
+            <a:endParaRPr lang="de-DE" dirty="0"/>
           </a:p>
           <a:p>
             <a:pPr lvl="2"/>
-            <a:endParaRPr lang="de-DE" dirty="0" smtClean="0"/>
+            <a:endParaRPr lang="de-DE" dirty="0"/>
           </a:p>
           <a:p>
             <a:pPr lvl="2"/>
-            <a:endParaRPr lang="de-DE" dirty="0" smtClean="0"/>
+            <a:endParaRPr lang="de-DE" dirty="0"/>
           </a:p>
           <a:p>
             <a:pPr lvl="1"/>
-            <a:endParaRPr lang="de-DE" dirty="0" smtClean="0"/>
+            <a:endParaRPr lang="de-DE" dirty="0"/>
           </a:p>
           <a:p>
             <a:pPr lvl="2"/>
-            <a:endParaRPr lang="de-DE" dirty="0" smtClean="0"/>
+            <a:endParaRPr lang="de-DE" dirty="0"/>
           </a:p>
           <a:p>
             <a:pPr lvl="2"/>
-            <a:endParaRPr lang="de-DE" dirty="0" smtClean="0"/>
+            <a:endParaRPr lang="de-DE" dirty="0"/>
           </a:p>
           <a:p>
             <a:pPr lvl="2"/>
-            <a:endParaRPr lang="de-DE" dirty="0" smtClean="0"/>
+            <a:endParaRPr lang="de-DE" dirty="0"/>
           </a:p>
         </p:txBody>
       </p:sp>
@@ -34106,7 +34205,7 @@
           <a:lstStyle/>
           <a:p>
             <a:r>
-              <a:rPr lang="en-US" dirty="0" err="1" smtClean="0"/>
+              <a:rPr lang="en-US" dirty="0" err="1"/>
               <a:t>Versionsverwaltungssysteme</a:t>
             </a:r>
             <a:endParaRPr lang="en-US" dirty="0"/>
@@ -34132,82 +34231,82 @@
           <a:p>
             <a:pPr lvl="1"/>
             <a:r>
-              <a:rPr lang="de-DE" dirty="0" smtClean="0"/>
+              <a:rPr lang="de-DE" dirty="0"/>
               <a:t>Jede Revision enthält Metadaten</a:t>
             </a:r>
           </a:p>
           <a:p>
             <a:pPr lvl="2"/>
             <a:r>
-              <a:rPr lang="de-DE" dirty="0" smtClean="0"/>
+              <a:rPr lang="de-DE" dirty="0"/>
               <a:t>Name des Autors</a:t>
             </a:r>
           </a:p>
           <a:p>
             <a:pPr lvl="2"/>
             <a:r>
-              <a:rPr lang="de-DE" dirty="0" smtClean="0"/>
+              <a:rPr lang="de-DE" dirty="0"/>
               <a:t>Zeitstemple</a:t>
             </a:r>
           </a:p>
           <a:p>
             <a:pPr lvl="2"/>
             <a:r>
-              <a:rPr lang="de-DE" dirty="0" smtClean="0"/>
+              <a:rPr lang="de-DE" dirty="0"/>
               <a:t>Commit Message</a:t>
             </a:r>
           </a:p>
           <a:p>
             <a:pPr lvl="1"/>
             <a:r>
-              <a:rPr lang="de-DE" dirty="0" smtClean="0"/>
+              <a:rPr lang="de-DE" dirty="0"/>
               <a:t>Zugriff auf das Repository entweder lesend (vor allem bei </a:t>
             </a:r>
             <a:r>
-              <a:rPr lang="de-DE" dirty="0" err="1" smtClean="0"/>
+              <a:rPr lang="de-DE" dirty="0" err="1"/>
               <a:t>OpenSource</a:t>
             </a:r>
             <a:r>
-              <a:rPr lang="de-DE" dirty="0" smtClean="0"/>
+              <a:rPr lang="de-DE" dirty="0"/>
               <a:t>-Projekten) oder so stark wie möglich eingeschränkt</a:t>
             </a:r>
           </a:p>
           <a:p>
             <a:pPr lvl="1"/>
             <a:r>
-              <a:rPr lang="de-DE" dirty="0" smtClean="0"/>
+              <a:rPr lang="de-DE" dirty="0"/>
               <a:t>Schreibender Zugriff kann direkt gewährt werden (Commit-</a:t>
             </a:r>
             <a:r>
-              <a:rPr lang="de-DE" dirty="0" err="1" smtClean="0"/>
+              <a:rPr lang="de-DE" dirty="0" err="1"/>
               <a:t>based</a:t>
             </a:r>
             <a:r>
-              <a:rPr lang="de-DE" dirty="0" smtClean="0"/>
+              <a:rPr lang="de-DE" dirty="0"/>
               <a:t> </a:t>
             </a:r>
             <a:r>
-              <a:rPr lang="de-DE" dirty="0" err="1" smtClean="0"/>
+              <a:rPr lang="de-DE" dirty="0" err="1"/>
               <a:t>Collaboration</a:t>
             </a:r>
             <a:r>
-              <a:rPr lang="de-DE" dirty="0" smtClean="0"/>
+              <a:rPr lang="de-DE" dirty="0"/>
               <a:t>) oder indirekt (Patch-</a:t>
             </a:r>
             <a:r>
-              <a:rPr lang="de-DE" dirty="0" err="1" smtClean="0"/>
+              <a:rPr lang="de-DE" dirty="0" err="1"/>
               <a:t>based</a:t>
             </a:r>
             <a:r>
-              <a:rPr lang="de-DE" dirty="0" smtClean="0"/>
+              <a:rPr lang="de-DE" dirty="0"/>
               <a:t> </a:t>
             </a:r>
             <a:r>
-              <a:rPr lang="de-DE" dirty="0" err="1" smtClean="0"/>
+              <a:rPr lang="de-DE" dirty="0" err="1"/>
               <a:t>Collaboration</a:t>
             </a:r>
             <a:r>
-              <a:rPr lang="de-DE" dirty="0" smtClean="0"/>
+              <a:rPr lang="de-DE" dirty="0"/>
               <a:t>)</a:t>
             </a:r>
           </a:p>
@@ -34224,31 +34323,31 @@
           </a:p>
           <a:p>
             <a:pPr lvl="1"/>
-            <a:endParaRPr lang="de-DE" dirty="0" smtClean="0"/>
+            <a:endParaRPr lang="de-DE" dirty="0"/>
           </a:p>
           <a:p>
             <a:pPr lvl="2"/>
-            <a:endParaRPr lang="de-DE" dirty="0" smtClean="0"/>
+            <a:endParaRPr lang="de-DE" dirty="0"/>
           </a:p>
           <a:p>
             <a:pPr lvl="2"/>
-            <a:endParaRPr lang="de-DE" dirty="0" smtClean="0"/>
+            <a:endParaRPr lang="de-DE" dirty="0"/>
           </a:p>
           <a:p>
             <a:pPr lvl="1"/>
-            <a:endParaRPr lang="de-DE" dirty="0" smtClean="0"/>
+            <a:endParaRPr lang="de-DE" dirty="0"/>
           </a:p>
           <a:p>
             <a:pPr lvl="2"/>
-            <a:endParaRPr lang="de-DE" dirty="0" smtClean="0"/>
+            <a:endParaRPr lang="de-DE" dirty="0"/>
           </a:p>
           <a:p>
             <a:pPr lvl="2"/>
-            <a:endParaRPr lang="de-DE" dirty="0" smtClean="0"/>
+            <a:endParaRPr lang="de-DE" dirty="0"/>
           </a:p>
           <a:p>
             <a:pPr lvl="2"/>
-            <a:endParaRPr lang="de-DE" dirty="0" smtClean="0"/>
+            <a:endParaRPr lang="de-DE" dirty="0"/>
           </a:p>
         </p:txBody>
       </p:sp>

--- a/SS2017_Git_2017-04-27_Nina-Stodolka_Johannes-Struzek.pptx
+++ b/SS2017_Git_2017-04-27_Nina-Stodolka_Johannes-Struzek.pptx
@@ -11565,14 +11565,14 @@
           <p:nvPr>
             <p:extLst>
               <p:ext uri="{D42A27DB-BD31-4B8C-83A1-F6EECF244321}">
-                <p14:modId xmlns:p14="http://schemas.microsoft.com/office/powerpoint/2010/main" val="1223415021"/>
+                <p14:modId xmlns:p14="http://schemas.microsoft.com/office/powerpoint/2010/main" val="3902132959"/>
               </p:ext>
             </p:extLst>
           </p:nvPr>
         </p:nvGraphicFramePr>
         <p:xfrm>
           <a:off x="457201" y="1962793"/>
-          <a:ext cx="8291263" cy="4556843"/>
+          <a:ext cx="8291263" cy="4833111"/>
         </p:xfrm>
         <a:graphic>
           <a:graphicData uri="http://schemas.openxmlformats.org/drawingml/2006/table">
@@ -11646,7 +11646,7 @@
                   </a:ext>
                 </a:extLst>
               </a:tr>
-              <a:tr h="820757">
+              <a:tr h="611548">
                 <a:tc>
                   <a:txBody>
                     <a:bodyPr/>
@@ -11667,7 +11667,7 @@
                     <a:p>
                       <a:r>
                         <a:rPr lang="de-DE" sz="1600" dirty="0"/>
-                        <a:t>Ein zentrales Repository, in</a:t>
+                        <a:t>Ein zentrales Repository, von</a:t>
                       </a:r>
                       <a:r>
                         <a:rPr lang="de-DE" sz="1600" baseline="0" dirty="0"/>
@@ -11685,11 +11685,11 @@
                     <a:p>
                       <a:r>
                         <a:rPr lang="de-DE" sz="1600" dirty="0"/>
-                        <a:t>Lokal vorliegende Repository-Kopien; keine Trennung</a:t>
+                        <a:t>Lokal vorliegende eigene </a:t>
                       </a:r>
                       <a:r>
-                        <a:rPr lang="de-DE" sz="1600" baseline="0" dirty="0"/>
-                        <a:t> zwischen Server- und Entwicklerumgebung</a:t>
+                        <a:rPr lang="de-DE" sz="1600" dirty="0" err="1"/>
+                        <a:t>Repositorys</a:t>
                       </a:r>
                       <a:endParaRPr lang="de-DE" sz="1600" dirty="0"/>
                     </a:p>
@@ -11857,7 +11857,17 @@
                       </a:r>
                       <a:r>
                         <a:rPr lang="de-DE" sz="1600" baseline="0" dirty="0"/>
-                        <a:t> alle Operationen lokal durchgeführt werden</a:t>
+                        <a:t> alle Operationen lokal durchgeführt werden;</a:t>
+                      </a:r>
+                    </a:p>
+                    <a:p>
+                      <a:r>
+                        <a:rPr lang="de-DE" sz="1600" baseline="0" dirty="0" err="1"/>
+                        <a:t>Merge</a:t>
+                      </a:r>
+                      <a:r>
+                        <a:rPr lang="de-DE" sz="1600" baseline="0" dirty="0"/>
+                        <a:t> kann weitgehend automatisch erfolgen</a:t>
                       </a:r>
                       <a:endParaRPr lang="de-DE" sz="1600" dirty="0"/>
                     </a:p>
@@ -29011,7 +29021,7 @@
         </p:spPr>
         <p:txBody>
           <a:bodyPr>
-            <a:normAutofit fontScale="47500" lnSpcReduction="20000"/>
+            <a:normAutofit fontScale="40000" lnSpcReduction="20000"/>
           </a:bodyPr>
           <a:lstStyle/>
           <a:p>
@@ -29321,7 +29331,7 @@
             </a:r>
             <a:r>
               <a:rPr lang="en-US" sz="2500" dirty="0" err="1"/>
-              <a:t>Git</a:t>
+              <a:t>Versionsverwaltung</a:t>
             </a:r>
             <a:r>
               <a:rPr lang="en-US" sz="2500" dirty="0"/>
@@ -29332,15 +29342,16 @@
               <a:t>URL: </a:t>
             </a:r>
             <a:r>
-              <a:rPr lang="de-DE" sz="2500" u="sng" dirty="0">
+              <a:rPr lang="de-DE" sz="2500" dirty="0">
                 <a:hlinkClick r:id="rId12"/>
               </a:rPr>
-              <a:t>https://de.wikipedia.org/wiki/Git</a:t>
+              <a:t>https://de.wikipedia.org/wiki/Versionsverwaltung</a:t>
             </a:r>
             <a:r>
               <a:rPr lang="de-DE" sz="2500" dirty="0"/>
-              <a:t> vom 11.04.2017 </a:t>
-            </a:r>
+              <a:t> vom 17.04.2017 </a:t>
+            </a:r>
+            <a:endParaRPr lang="de-DE" sz="2500" dirty="0"/>
           </a:p>
           <a:p>
             <a:pPr lvl="1"/>
@@ -29361,8 +29372,8 @@
               <a:t>: </a:t>
             </a:r>
             <a:r>
-              <a:rPr lang="de-DE" sz="2500" dirty="0" err="1"/>
-              <a:t>GitHub</a:t>
+              <a:rPr lang="en-US" sz="2500" dirty="0" err="1"/>
+              <a:t>Git</a:t>
             </a:r>
             <a:r>
               <a:rPr lang="en-US" sz="2500" dirty="0"/>
@@ -29376,11 +29387,11 @@
               <a:rPr lang="de-DE" sz="2500" u="sng" dirty="0">
                 <a:hlinkClick r:id="rId13"/>
               </a:rPr>
-              <a:t>https://de.wikipedia.org/wiki/GitHub</a:t>
+              <a:t>https://de.wikipedia.org/wiki/Git</a:t>
             </a:r>
             <a:r>
               <a:rPr lang="de-DE" sz="2500" dirty="0"/>
-              <a:t> vom 15.04.2017 </a:t>
+              <a:t> vom 11.04.2017 </a:t>
             </a:r>
           </a:p>
           <a:p>
@@ -29395,21 +29406,29 @@
             </a:r>
             <a:r>
               <a:rPr lang="de-DE" sz="2500" dirty="0"/>
-              <a:t> Inc.: GNU General Public </a:t>
+              <a:t> Inc.</a:t>
+            </a:r>
+            <a:r>
+              <a:rPr lang="en-US" sz="2500" dirty="0"/>
+              <a:t>: </a:t>
             </a:r>
             <a:r>
               <a:rPr lang="de-DE" sz="2500" dirty="0" err="1"/>
-              <a:t>License</a:t>
+              <a:t>GitHub</a:t>
+            </a:r>
+            <a:r>
+              <a:rPr lang="en-US" sz="2500" dirty="0"/>
+              <a:t>, </a:t>
             </a:r>
             <a:r>
               <a:rPr lang="de-DE" sz="2500" dirty="0"/>
-              <a:t>, URL: </a:t>
+              <a:t>URL: </a:t>
             </a:r>
             <a:r>
               <a:rPr lang="de-DE" sz="2500" u="sng" dirty="0">
                 <a:hlinkClick r:id="rId14"/>
               </a:rPr>
-              <a:t>https://de.wikipedia.org/wiki/GNU_General_Public_License</a:t>
+              <a:t>https://de.wikipedia.org/wiki/GitHub</a:t>
             </a:r>
             <a:r>
               <a:rPr lang="de-DE" sz="2500" dirty="0"/>
@@ -29428,35 +29447,101 @@
             </a:r>
             <a:r>
               <a:rPr lang="de-DE" sz="2500" dirty="0"/>
-              <a:t> Inc.</a:t>
-            </a:r>
-            <a:r>
-              <a:rPr lang="en-US" sz="2500" dirty="0"/>
-              <a:t>: </a:t>
+              <a:t> Inc.: GNU General Public </a:t>
+            </a:r>
+            <a:r>
+              <a:rPr lang="de-DE" sz="2500" dirty="0" err="1"/>
+              <a:t>License</a:t>
             </a:r>
             <a:r>
               <a:rPr lang="de-DE" sz="2500" dirty="0"/>
-              <a:t>Kontinuierliche Integration</a:t>
-            </a:r>
-            <a:r>
-              <a:rPr lang="en-US" sz="2500" dirty="0"/>
-              <a:t>, </a:t>
-            </a:r>
-            <a:r>
-              <a:rPr lang="de-DE" sz="2500" dirty="0"/>
-              <a:t>URL: </a:t>
+              <a:t>, URL: </a:t>
             </a:r>
             <a:r>
               <a:rPr lang="de-DE" sz="2500" u="sng" dirty="0">
                 <a:hlinkClick r:id="rId15"/>
               </a:rPr>
+              <a:t>https://de.wikipedia.org/wiki/GNU_General_Public_License</a:t>
+            </a:r>
+            <a:r>
+              <a:rPr lang="de-DE" sz="2500" dirty="0"/>
+              <a:t> vom 15.04.2017 </a:t>
+            </a:r>
+          </a:p>
+          <a:p>
+            <a:pPr lvl="1"/>
+            <a:r>
+              <a:rPr lang="de-DE" sz="2500" dirty="0"/>
+              <a:t>Wikimedia </a:t>
+            </a:r>
+            <a:r>
+              <a:rPr lang="de-DE" sz="2500" dirty="0" err="1"/>
+              <a:t>Foundation</a:t>
+            </a:r>
+            <a:r>
+              <a:rPr lang="de-DE" sz="2500" dirty="0"/>
+              <a:t> Inc.</a:t>
+            </a:r>
+            <a:r>
+              <a:rPr lang="en-US" sz="2500" dirty="0"/>
+              <a:t>: </a:t>
+            </a:r>
+            <a:r>
+              <a:rPr lang="de-DE" sz="2500" dirty="0"/>
+              <a:t>Kontinuierliche Integration</a:t>
+            </a:r>
+            <a:r>
+              <a:rPr lang="en-US" sz="2500" dirty="0"/>
+              <a:t>, </a:t>
+            </a:r>
+            <a:r>
+              <a:rPr lang="de-DE" sz="2500" dirty="0"/>
+              <a:t>URL: </a:t>
+            </a:r>
+            <a:r>
+              <a:rPr lang="de-DE" sz="2500" u="sng" dirty="0">
+                <a:hlinkClick r:id="rId16"/>
+              </a:rPr>
               <a:t>https://de.wikipedia.org/wiki/Kontinuierliche_Integration</a:t>
             </a:r>
             <a:r>
               <a:rPr lang="de-DE" sz="2500" dirty="0"/>
               <a:t>  vom 15.04.2017 </a:t>
             </a:r>
-            <a:endParaRPr lang="de-DE" dirty="0"/>
+          </a:p>
+          <a:p>
+            <a:pPr lvl="1"/>
+            <a:r>
+              <a:rPr lang="de-DE" sz="2500" dirty="0"/>
+              <a:t>Wikimedia </a:t>
+            </a:r>
+            <a:r>
+              <a:rPr lang="de-DE" sz="2500" dirty="0" err="1"/>
+              <a:t>Foundation</a:t>
+            </a:r>
+            <a:r>
+              <a:rPr lang="de-DE" sz="2500" dirty="0"/>
+              <a:t> Inc.</a:t>
+            </a:r>
+            <a:r>
+              <a:rPr lang="en-US" sz="2500" dirty="0"/>
+              <a:t>: Continuous integration, </a:t>
+            </a:r>
+            <a:r>
+              <a:rPr lang="de-DE" sz="2500" dirty="0"/>
+              <a:t>URL: </a:t>
+            </a:r>
+            <a:r>
+              <a:rPr lang="de-DE" sz="2500" dirty="0">
+                <a:hlinkClick r:id="rId17"/>
+              </a:rPr>
+              <a:t>https://en.wikipedia.org/wiki/Continuous_integration</a:t>
+            </a:r>
+            <a:r>
+              <a:rPr lang="de-DE" sz="2500" dirty="0"/>
+              <a:t> vom 17.04.2017</a:t>
+            </a:r>
+            <a:endParaRPr lang="de-DE" sz="2500" dirty="0"/>
           </a:p>
         </p:txBody>
       </p:sp>
@@ -33666,7 +33751,7 @@
             <a:pPr lvl="1"/>
             <a:r>
               <a:rPr lang="de-DE" dirty="0"/>
-              <a:t>Auch Versionskontrollsysteme  (SCM) dienen</a:t>
+              <a:t>Versionskontrollsysteme (SCM) dienen</a:t>
             </a:r>
           </a:p>
           <a:p>

--- a/SS2017_Git_2017-04-27_Nina-Stodolka_Johannes-Struzek.pptx
+++ b/SS2017_Git_2017-04-27_Nina-Stodolka_Johannes-Struzek.pptx
@@ -10,20 +10,20 @@
   <p:sldIdLst>
     <p:sldId id="256" r:id="rId2"/>
     <p:sldId id="257" r:id="rId3"/>
-    <p:sldId id="275" r:id="rId4"/>
-    <p:sldId id="289" r:id="rId5"/>
-    <p:sldId id="291" r:id="rId6"/>
-    <p:sldId id="290" r:id="rId7"/>
-    <p:sldId id="292" r:id="rId8"/>
-    <p:sldId id="295" r:id="rId9"/>
-    <p:sldId id="297" r:id="rId10"/>
-    <p:sldId id="298" r:id="rId11"/>
-    <p:sldId id="302" r:id="rId12"/>
-    <p:sldId id="299" r:id="rId13"/>
-    <p:sldId id="300" r:id="rId14"/>
-    <p:sldId id="308" r:id="rId15"/>
-    <p:sldId id="301" r:id="rId16"/>
-    <p:sldId id="303" r:id="rId17"/>
+    <p:sldId id="295" r:id="rId4"/>
+    <p:sldId id="297" r:id="rId5"/>
+    <p:sldId id="298" r:id="rId6"/>
+    <p:sldId id="302" r:id="rId7"/>
+    <p:sldId id="299" r:id="rId8"/>
+    <p:sldId id="300" r:id="rId9"/>
+    <p:sldId id="308" r:id="rId10"/>
+    <p:sldId id="301" r:id="rId11"/>
+    <p:sldId id="303" r:id="rId12"/>
+    <p:sldId id="275" r:id="rId13"/>
+    <p:sldId id="289" r:id="rId14"/>
+    <p:sldId id="291" r:id="rId15"/>
+    <p:sldId id="290" r:id="rId16"/>
+    <p:sldId id="292" r:id="rId17"/>
     <p:sldId id="323" r:id="rId18"/>
     <p:sldId id="333" r:id="rId19"/>
     <p:sldId id="294" r:id="rId20"/>
@@ -7402,7 +7402,7 @@
         <p:spPr>
           <a:xfrm>
             <a:off x="457200" y="1935479"/>
-            <a:ext cx="5266928" cy="4922521"/>
+            <a:ext cx="8291264" cy="4785995"/>
           </a:xfrm>
         </p:spPr>
         <p:txBody>
@@ -7411,77 +7411,79 @@
           </a:bodyPr>
           <a:lstStyle/>
           <a:p>
-            <a:pPr lvl="1"/>
+            <a:pPr lvl="2"/>
             <a:r>
               <a:rPr lang="de-DE" dirty="0"/>
-              <a:t>Zentrale Versionsverwaltungssysteme</a:t>
-            </a:r>
-          </a:p>
-          <a:p>
-            <a:pPr lvl="1"/>
+              <a:t>Vorteile: </a:t>
+            </a:r>
+          </a:p>
+          <a:p>
+            <a:pPr lvl="3"/>
             <a:r>
               <a:rPr lang="de-DE" dirty="0"/>
-              <a:t>Beispiele: CVS, SVN</a:t>
+              <a:t>Keine Verbindung zum Server notwendig -&gt; vollständiger Zugriff zu jedem Zeitpunkt möglich</a:t>
+            </a:r>
+          </a:p>
+          <a:p>
+            <a:pPr lvl="3"/>
+            <a:r>
+              <a:rPr lang="de-DE" dirty="0"/>
+              <a:t>Änderungen unter vollständiger Kontrolle (mit Namen)</a:t>
+            </a:r>
+          </a:p>
+          <a:p>
+            <a:pPr lvl="3"/>
+            <a:r>
+              <a:rPr lang="de-DE" dirty="0"/>
+              <a:t>Verteilte Versionsgeschichte (Änderungen lokal verfolgbar)</a:t>
+            </a:r>
+          </a:p>
+          <a:p>
+            <a:pPr lvl="3"/>
+            <a:r>
+              <a:rPr lang="de-DE" dirty="0"/>
+              <a:t>Unterstützen effiziente Arbeitsweise (schnelles Wechseln zwischen lokalen </a:t>
+            </a:r>
+            <a:r>
+              <a:rPr lang="de-DE" dirty="0" err="1"/>
+              <a:t>Branches</a:t>
+            </a:r>
+            <a:r>
+              <a:rPr lang="de-DE" dirty="0"/>
+              <a:t>)</a:t>
             </a:r>
           </a:p>
           <a:p>
             <a:pPr lvl="2"/>
             <a:r>
               <a:rPr lang="de-DE" dirty="0"/>
-              <a:t>Ein Repository auf einem zentralen Server</a:t>
-            </a:r>
-          </a:p>
-          <a:p>
-            <a:pPr lvl="2"/>
+              <a:t>Revisionen können anhand laufender Nummern nicht mehr identifiziert werden (SHA1-Prüfsummen als Lösung bei GIT)</a:t>
+            </a:r>
+          </a:p>
+          <a:p>
+            <a:pPr lvl="3"/>
             <a:r>
               <a:rPr lang="de-DE" dirty="0"/>
-              <a:t>Lokale Kopie aller Dateien des </a:t>
+              <a:t>Effizienter Abgleich zwischen </a:t>
             </a:r>
             <a:r>
               <a:rPr lang="de-DE" dirty="0" err="1"/>
-              <a:t>repositorys</a:t>
-            </a:r>
+              <a:t>Repositorys</a:t>
+            </a:r>
+            <a:endParaRPr lang="de-DE" dirty="0"/>
+          </a:p>
+          <a:p>
+            <a:pPr lvl="3"/>
             <a:r>
               <a:rPr lang="de-DE" dirty="0"/>
-              <a:t> </a:t>
-            </a:r>
-          </a:p>
-          <a:p>
-            <a:pPr lvl="2"/>
-            <a:r>
-              <a:rPr lang="de-DE" dirty="0" err="1"/>
-              <a:t>Checkout</a:t>
-            </a:r>
+              <a:t>Offline-Erzeugung der Hashs ohne Problem</a:t>
+            </a:r>
+          </a:p>
+          <a:p>
+            <a:pPr lvl="3"/>
             <a:r>
               <a:rPr lang="de-DE" dirty="0"/>
-              <a:t> -&gt; Snapshot des </a:t>
-            </a:r>
-            <a:r>
-              <a:rPr lang="de-DE" dirty="0" err="1"/>
-              <a:t>repositorys</a:t>
-            </a:r>
-            <a:r>
-              <a:rPr lang="de-DE" dirty="0"/>
-              <a:t> -&gt; Working </a:t>
-            </a:r>
-            <a:r>
-              <a:rPr lang="de-DE" dirty="0" err="1"/>
-              <a:t>Copies</a:t>
-            </a:r>
-            <a:endParaRPr lang="de-DE" dirty="0"/>
-          </a:p>
-          <a:p>
-            <a:pPr lvl="2"/>
-            <a:r>
-              <a:rPr lang="de-DE" dirty="0"/>
-              <a:t>Änderungen -&gt; Commit</a:t>
-            </a:r>
-          </a:p>
-          <a:p>
-            <a:pPr lvl="2"/>
-            <a:r>
-              <a:rPr lang="de-DE" dirty="0"/>
-              <a:t>Nachfolgende Schritte für einzelne oder alle Dateien ausführbar (meiste SCMs)</a:t>
+              <a:t>Integrität -&gt; Hashwert wird aus Daten gewonnen -&gt; Manipulation schwer</a:t>
             </a:r>
           </a:p>
           <a:p>
@@ -7528,3275 +7530,6 @@
             <a:fld id="{750AB064-513B-4E5C-9ADF-210709BEB955}" type="slidenum">
               <a:rPr lang="en-US" smtClean="0"/>
               <a:t>10</a:t>
-            </a:fld>
-            <a:endParaRPr lang="en-US"/>
-          </a:p>
-        </p:txBody>
-      </p:sp>
-      <p:pic>
-        <p:nvPicPr>
-          <p:cNvPr id="5" name="Grafik 4"/>
-          <p:cNvPicPr>
-            <a:picLocks noChangeAspect="1"/>
-          </p:cNvPicPr>
-          <p:nvPr/>
-        </p:nvPicPr>
-        <p:blipFill>
-          <a:blip r:embed="rId2"/>
-          <a:stretch>
-            <a:fillRect/>
-          </a:stretch>
-        </p:blipFill>
-        <p:spPr>
-          <a:xfrm>
-            <a:off x="5557037" y="2276872"/>
-            <a:ext cx="3129763" cy="2343015"/>
-          </a:xfrm>
-          <a:prstGeom prst="rect">
-            <a:avLst/>
-          </a:prstGeom>
-        </p:spPr>
-      </p:pic>
-      <p:sp>
-        <p:nvSpPr>
-          <p:cNvPr id="6" name="Rechteck 5"/>
-          <p:cNvSpPr/>
-          <p:nvPr/>
-        </p:nvSpPr>
-        <p:spPr>
-          <a:xfrm>
-            <a:off x="5557037" y="4723050"/>
-            <a:ext cx="2980601" cy="430887"/>
-          </a:xfrm>
-          <a:prstGeom prst="rect">
-            <a:avLst/>
-          </a:prstGeom>
-        </p:spPr>
-        <p:txBody>
-          <a:bodyPr wrap="square">
-            <a:spAutoFit/>
-          </a:bodyPr>
-          <a:lstStyle/>
-          <a:p>
-            <a:r>
-              <a:rPr lang="de-DE" sz="1100" dirty="0"/>
-              <a:t>Quelle: </a:t>
-            </a:r>
-            <a:r>
-              <a:rPr lang="de-DE" sz="1100" dirty="0" err="1"/>
-              <a:t>Preißel</a:t>
-            </a:r>
-            <a:r>
-              <a:rPr lang="de-DE" sz="1100" dirty="0"/>
-              <a:t>, René / </a:t>
-            </a:r>
-            <a:r>
-              <a:rPr lang="de-DE" sz="1100" dirty="0" err="1"/>
-              <a:t>Stachmann</a:t>
-            </a:r>
-            <a:r>
-              <a:rPr lang="de-DE" sz="1100" dirty="0"/>
-              <a:t>, </a:t>
-            </a:r>
-            <a:r>
-              <a:rPr lang="de-DE" sz="1100" dirty="0" err="1"/>
-              <a:t>BjØrn</a:t>
-            </a:r>
-            <a:r>
-              <a:rPr lang="de-DE" sz="1100" dirty="0"/>
-              <a:t> (4. Auflage 2017): </a:t>
-            </a:r>
-            <a:r>
-              <a:rPr lang="de-DE" sz="1100" dirty="0" err="1"/>
-              <a:t>Git</a:t>
-            </a:r>
-            <a:r>
-              <a:rPr lang="de-DE" sz="1100" dirty="0"/>
-              <a:t> </a:t>
-            </a:r>
-          </a:p>
-        </p:txBody>
-      </p:sp>
-    </p:spTree>
-    <p:extLst>
-      <p:ext uri="{BB962C8B-B14F-4D97-AF65-F5344CB8AC3E}">
-        <p14:creationId xmlns:p14="http://schemas.microsoft.com/office/powerpoint/2010/main" val="3815401863"/>
-      </p:ext>
-    </p:extLst>
-  </p:cSld>
-  <p:clrMapOvr>
-    <a:masterClrMapping/>
-  </p:clrMapOvr>
-  <p:timing>
-    <p:tnLst>
-      <p:par>
-        <p:cTn id="1" dur="indefinite" restart="never" nodeType="tmRoot">
-          <p:childTnLst>
-            <p:seq concurrent="1" nextAc="seek">
-              <p:cTn id="2" dur="indefinite" nodeType="mainSeq">
-                <p:childTnLst>
-                  <p:par>
-                    <p:cTn id="3" fill="hold">
-                      <p:stCondLst>
-                        <p:cond delay="indefinite"/>
-                      </p:stCondLst>
-                      <p:childTnLst>
-                        <p:par>
-                          <p:cTn id="4" fill="hold">
-                            <p:stCondLst>
-                              <p:cond delay="0"/>
-                            </p:stCondLst>
-                            <p:childTnLst>
-                              <p:par>
-                                <p:cTn id="5" presetID="10" presetClass="entr" presetSubtype="0" fill="hold" nodeType="clickEffect">
-                                  <p:stCondLst>
-                                    <p:cond delay="0"/>
-                                  </p:stCondLst>
-                                  <p:childTnLst>
-                                    <p:set>
-                                      <p:cBhvr>
-                                        <p:cTn id="6" dur="1" fill="hold">
-                                          <p:stCondLst>
-                                            <p:cond delay="0"/>
-                                          </p:stCondLst>
-                                        </p:cTn>
-                                        <p:tgtEl>
-                                          <p:spTgt spid="3">
-                                            <p:txEl>
-                                              <p:pRg st="0" end="0"/>
-                                            </p:txEl>
-                                          </p:spTgt>
-                                        </p:tgtEl>
-                                        <p:attrNameLst>
-                                          <p:attrName>style.visibility</p:attrName>
-                                        </p:attrNameLst>
-                                      </p:cBhvr>
-                                      <p:to>
-                                        <p:strVal val="visible"/>
-                                      </p:to>
-                                    </p:set>
-                                    <p:animEffect transition="in" filter="fade">
-                                      <p:cBhvr>
-                                        <p:cTn id="7" dur="500"/>
-                                        <p:tgtEl>
-                                          <p:spTgt spid="3">
-                                            <p:txEl>
-                                              <p:pRg st="0" end="0"/>
-                                            </p:txEl>
-                                          </p:spTgt>
-                                        </p:tgtEl>
-                                      </p:cBhvr>
-                                    </p:animEffect>
-                                  </p:childTnLst>
-                                </p:cTn>
-                              </p:par>
-                            </p:childTnLst>
-                          </p:cTn>
-                        </p:par>
-                      </p:childTnLst>
-                    </p:cTn>
-                  </p:par>
-                  <p:par>
-                    <p:cTn id="8" fill="hold">
-                      <p:stCondLst>
-                        <p:cond delay="indefinite"/>
-                      </p:stCondLst>
-                      <p:childTnLst>
-                        <p:par>
-                          <p:cTn id="9" fill="hold">
-                            <p:stCondLst>
-                              <p:cond delay="0"/>
-                            </p:stCondLst>
-                            <p:childTnLst>
-                              <p:par>
-                                <p:cTn id="10" presetID="10" presetClass="entr" presetSubtype="0" fill="hold" nodeType="clickEffect">
-                                  <p:stCondLst>
-                                    <p:cond delay="0"/>
-                                  </p:stCondLst>
-                                  <p:childTnLst>
-                                    <p:set>
-                                      <p:cBhvr>
-                                        <p:cTn id="11" dur="1" fill="hold">
-                                          <p:stCondLst>
-                                            <p:cond delay="0"/>
-                                          </p:stCondLst>
-                                        </p:cTn>
-                                        <p:tgtEl>
-                                          <p:spTgt spid="3">
-                                            <p:txEl>
-                                              <p:pRg st="1" end="1"/>
-                                            </p:txEl>
-                                          </p:spTgt>
-                                        </p:tgtEl>
-                                        <p:attrNameLst>
-                                          <p:attrName>style.visibility</p:attrName>
-                                        </p:attrNameLst>
-                                      </p:cBhvr>
-                                      <p:to>
-                                        <p:strVal val="visible"/>
-                                      </p:to>
-                                    </p:set>
-                                    <p:animEffect transition="in" filter="fade">
-                                      <p:cBhvr>
-                                        <p:cTn id="12" dur="500"/>
-                                        <p:tgtEl>
-                                          <p:spTgt spid="3">
-                                            <p:txEl>
-                                              <p:pRg st="1" end="1"/>
-                                            </p:txEl>
-                                          </p:spTgt>
-                                        </p:tgtEl>
-                                      </p:cBhvr>
-                                    </p:animEffect>
-                                  </p:childTnLst>
-                                </p:cTn>
-                              </p:par>
-                            </p:childTnLst>
-                          </p:cTn>
-                        </p:par>
-                      </p:childTnLst>
-                    </p:cTn>
-                  </p:par>
-                  <p:par>
-                    <p:cTn id="13" fill="hold">
-                      <p:stCondLst>
-                        <p:cond delay="indefinite"/>
-                      </p:stCondLst>
-                      <p:childTnLst>
-                        <p:par>
-                          <p:cTn id="14" fill="hold">
-                            <p:stCondLst>
-                              <p:cond delay="0"/>
-                            </p:stCondLst>
-                            <p:childTnLst>
-                              <p:par>
-                                <p:cTn id="15" presetID="10" presetClass="entr" presetSubtype="0" fill="hold" nodeType="clickEffect">
-                                  <p:stCondLst>
-                                    <p:cond delay="0"/>
-                                  </p:stCondLst>
-                                  <p:childTnLst>
-                                    <p:set>
-                                      <p:cBhvr>
-                                        <p:cTn id="16" dur="1" fill="hold">
-                                          <p:stCondLst>
-                                            <p:cond delay="0"/>
-                                          </p:stCondLst>
-                                        </p:cTn>
-                                        <p:tgtEl>
-                                          <p:spTgt spid="5"/>
-                                        </p:tgtEl>
-                                        <p:attrNameLst>
-                                          <p:attrName>style.visibility</p:attrName>
-                                        </p:attrNameLst>
-                                      </p:cBhvr>
-                                      <p:to>
-                                        <p:strVal val="visible"/>
-                                      </p:to>
-                                    </p:set>
-                                    <p:animEffect transition="in" filter="fade">
-                                      <p:cBhvr>
-                                        <p:cTn id="17" dur="500"/>
-                                        <p:tgtEl>
-                                          <p:spTgt spid="5"/>
-                                        </p:tgtEl>
-                                      </p:cBhvr>
-                                    </p:animEffect>
-                                  </p:childTnLst>
-                                </p:cTn>
-                              </p:par>
-                              <p:par>
-                                <p:cTn id="18" presetID="10" presetClass="entr" presetSubtype="0" fill="hold" grpId="0" nodeType="withEffect">
-                                  <p:stCondLst>
-                                    <p:cond delay="0"/>
-                                  </p:stCondLst>
-                                  <p:childTnLst>
-                                    <p:set>
-                                      <p:cBhvr>
-                                        <p:cTn id="19" dur="1" fill="hold">
-                                          <p:stCondLst>
-                                            <p:cond delay="0"/>
-                                          </p:stCondLst>
-                                        </p:cTn>
-                                        <p:tgtEl>
-                                          <p:spTgt spid="6"/>
-                                        </p:tgtEl>
-                                        <p:attrNameLst>
-                                          <p:attrName>style.visibility</p:attrName>
-                                        </p:attrNameLst>
-                                      </p:cBhvr>
-                                      <p:to>
-                                        <p:strVal val="visible"/>
-                                      </p:to>
-                                    </p:set>
-                                    <p:animEffect transition="in" filter="fade">
-                                      <p:cBhvr>
-                                        <p:cTn id="20" dur="500"/>
-                                        <p:tgtEl>
-                                          <p:spTgt spid="6"/>
-                                        </p:tgtEl>
-                                      </p:cBhvr>
-                                    </p:animEffect>
-                                  </p:childTnLst>
-                                </p:cTn>
-                              </p:par>
-                            </p:childTnLst>
-                          </p:cTn>
-                        </p:par>
-                      </p:childTnLst>
-                    </p:cTn>
-                  </p:par>
-                  <p:par>
-                    <p:cTn id="21" fill="hold">
-                      <p:stCondLst>
-                        <p:cond delay="indefinite"/>
-                      </p:stCondLst>
-                      <p:childTnLst>
-                        <p:par>
-                          <p:cTn id="22" fill="hold">
-                            <p:stCondLst>
-                              <p:cond delay="0"/>
-                            </p:stCondLst>
-                            <p:childTnLst>
-                              <p:par>
-                                <p:cTn id="23" presetID="10" presetClass="entr" presetSubtype="0" fill="hold" nodeType="clickEffect">
-                                  <p:stCondLst>
-                                    <p:cond delay="0"/>
-                                  </p:stCondLst>
-                                  <p:childTnLst>
-                                    <p:set>
-                                      <p:cBhvr>
-                                        <p:cTn id="24" dur="1" fill="hold">
-                                          <p:stCondLst>
-                                            <p:cond delay="0"/>
-                                          </p:stCondLst>
-                                        </p:cTn>
-                                        <p:tgtEl>
-                                          <p:spTgt spid="3">
-                                            <p:txEl>
-                                              <p:pRg st="2" end="2"/>
-                                            </p:txEl>
-                                          </p:spTgt>
-                                        </p:tgtEl>
-                                        <p:attrNameLst>
-                                          <p:attrName>style.visibility</p:attrName>
-                                        </p:attrNameLst>
-                                      </p:cBhvr>
-                                      <p:to>
-                                        <p:strVal val="visible"/>
-                                      </p:to>
-                                    </p:set>
-                                    <p:animEffect transition="in" filter="fade">
-                                      <p:cBhvr>
-                                        <p:cTn id="25" dur="500"/>
-                                        <p:tgtEl>
-                                          <p:spTgt spid="3">
-                                            <p:txEl>
-                                              <p:pRg st="2" end="2"/>
-                                            </p:txEl>
-                                          </p:spTgt>
-                                        </p:tgtEl>
-                                      </p:cBhvr>
-                                    </p:animEffect>
-                                  </p:childTnLst>
-                                </p:cTn>
-                              </p:par>
-                            </p:childTnLst>
-                          </p:cTn>
-                        </p:par>
-                      </p:childTnLst>
-                    </p:cTn>
-                  </p:par>
-                  <p:par>
-                    <p:cTn id="26" fill="hold">
-                      <p:stCondLst>
-                        <p:cond delay="indefinite"/>
-                      </p:stCondLst>
-                      <p:childTnLst>
-                        <p:par>
-                          <p:cTn id="27" fill="hold">
-                            <p:stCondLst>
-                              <p:cond delay="0"/>
-                            </p:stCondLst>
-                            <p:childTnLst>
-                              <p:par>
-                                <p:cTn id="28" presetID="10" presetClass="entr" presetSubtype="0" fill="hold" nodeType="clickEffect">
-                                  <p:stCondLst>
-                                    <p:cond delay="0"/>
-                                  </p:stCondLst>
-                                  <p:childTnLst>
-                                    <p:set>
-                                      <p:cBhvr>
-                                        <p:cTn id="29" dur="1" fill="hold">
-                                          <p:stCondLst>
-                                            <p:cond delay="0"/>
-                                          </p:stCondLst>
-                                        </p:cTn>
-                                        <p:tgtEl>
-                                          <p:spTgt spid="3">
-                                            <p:txEl>
-                                              <p:pRg st="3" end="3"/>
-                                            </p:txEl>
-                                          </p:spTgt>
-                                        </p:tgtEl>
-                                        <p:attrNameLst>
-                                          <p:attrName>style.visibility</p:attrName>
-                                        </p:attrNameLst>
-                                      </p:cBhvr>
-                                      <p:to>
-                                        <p:strVal val="visible"/>
-                                      </p:to>
-                                    </p:set>
-                                    <p:animEffect transition="in" filter="fade">
-                                      <p:cBhvr>
-                                        <p:cTn id="30" dur="500"/>
-                                        <p:tgtEl>
-                                          <p:spTgt spid="3">
-                                            <p:txEl>
-                                              <p:pRg st="3" end="3"/>
-                                            </p:txEl>
-                                          </p:spTgt>
-                                        </p:tgtEl>
-                                      </p:cBhvr>
-                                    </p:animEffect>
-                                  </p:childTnLst>
-                                </p:cTn>
-                              </p:par>
-                            </p:childTnLst>
-                          </p:cTn>
-                        </p:par>
-                      </p:childTnLst>
-                    </p:cTn>
-                  </p:par>
-                  <p:par>
-                    <p:cTn id="31" fill="hold">
-                      <p:stCondLst>
-                        <p:cond delay="indefinite"/>
-                      </p:stCondLst>
-                      <p:childTnLst>
-                        <p:par>
-                          <p:cTn id="32" fill="hold">
-                            <p:stCondLst>
-                              <p:cond delay="0"/>
-                            </p:stCondLst>
-                            <p:childTnLst>
-                              <p:par>
-                                <p:cTn id="33" presetID="10" presetClass="entr" presetSubtype="0" fill="hold" nodeType="clickEffect">
-                                  <p:stCondLst>
-                                    <p:cond delay="0"/>
-                                  </p:stCondLst>
-                                  <p:childTnLst>
-                                    <p:set>
-                                      <p:cBhvr>
-                                        <p:cTn id="34" dur="1" fill="hold">
-                                          <p:stCondLst>
-                                            <p:cond delay="0"/>
-                                          </p:stCondLst>
-                                        </p:cTn>
-                                        <p:tgtEl>
-                                          <p:spTgt spid="3">
-                                            <p:txEl>
-                                              <p:pRg st="4" end="4"/>
-                                            </p:txEl>
-                                          </p:spTgt>
-                                        </p:tgtEl>
-                                        <p:attrNameLst>
-                                          <p:attrName>style.visibility</p:attrName>
-                                        </p:attrNameLst>
-                                      </p:cBhvr>
-                                      <p:to>
-                                        <p:strVal val="visible"/>
-                                      </p:to>
-                                    </p:set>
-                                    <p:animEffect transition="in" filter="fade">
-                                      <p:cBhvr>
-                                        <p:cTn id="35" dur="500"/>
-                                        <p:tgtEl>
-                                          <p:spTgt spid="3">
-                                            <p:txEl>
-                                              <p:pRg st="4" end="4"/>
-                                            </p:txEl>
-                                          </p:spTgt>
-                                        </p:tgtEl>
-                                      </p:cBhvr>
-                                    </p:animEffect>
-                                  </p:childTnLst>
-                                </p:cTn>
-                              </p:par>
-                            </p:childTnLst>
-                          </p:cTn>
-                        </p:par>
-                      </p:childTnLst>
-                    </p:cTn>
-                  </p:par>
-                  <p:par>
-                    <p:cTn id="36" fill="hold">
-                      <p:stCondLst>
-                        <p:cond delay="indefinite"/>
-                      </p:stCondLst>
-                      <p:childTnLst>
-                        <p:par>
-                          <p:cTn id="37" fill="hold">
-                            <p:stCondLst>
-                              <p:cond delay="0"/>
-                            </p:stCondLst>
-                            <p:childTnLst>
-                              <p:par>
-                                <p:cTn id="38" presetID="10" presetClass="entr" presetSubtype="0" fill="hold" nodeType="clickEffect">
-                                  <p:stCondLst>
-                                    <p:cond delay="0"/>
-                                  </p:stCondLst>
-                                  <p:childTnLst>
-                                    <p:set>
-                                      <p:cBhvr>
-                                        <p:cTn id="39" dur="1" fill="hold">
-                                          <p:stCondLst>
-                                            <p:cond delay="0"/>
-                                          </p:stCondLst>
-                                        </p:cTn>
-                                        <p:tgtEl>
-                                          <p:spTgt spid="3">
-                                            <p:txEl>
-                                              <p:pRg st="5" end="5"/>
-                                            </p:txEl>
-                                          </p:spTgt>
-                                        </p:tgtEl>
-                                        <p:attrNameLst>
-                                          <p:attrName>style.visibility</p:attrName>
-                                        </p:attrNameLst>
-                                      </p:cBhvr>
-                                      <p:to>
-                                        <p:strVal val="visible"/>
-                                      </p:to>
-                                    </p:set>
-                                    <p:animEffect transition="in" filter="fade">
-                                      <p:cBhvr>
-                                        <p:cTn id="40" dur="500"/>
-                                        <p:tgtEl>
-                                          <p:spTgt spid="3">
-                                            <p:txEl>
-                                              <p:pRg st="5" end="5"/>
-                                            </p:txEl>
-                                          </p:spTgt>
-                                        </p:tgtEl>
-                                      </p:cBhvr>
-                                    </p:animEffect>
-                                  </p:childTnLst>
-                                </p:cTn>
-                              </p:par>
-                            </p:childTnLst>
-                          </p:cTn>
-                        </p:par>
-                      </p:childTnLst>
-                    </p:cTn>
-                  </p:par>
-                  <p:par>
-                    <p:cTn id="41" fill="hold">
-                      <p:stCondLst>
-                        <p:cond delay="indefinite"/>
-                      </p:stCondLst>
-                      <p:childTnLst>
-                        <p:par>
-                          <p:cTn id="42" fill="hold">
-                            <p:stCondLst>
-                              <p:cond delay="0"/>
-                            </p:stCondLst>
-                            <p:childTnLst>
-                              <p:par>
-                                <p:cTn id="43" presetID="10" presetClass="entr" presetSubtype="0" fill="hold" nodeType="clickEffect">
-                                  <p:stCondLst>
-                                    <p:cond delay="0"/>
-                                  </p:stCondLst>
-                                  <p:childTnLst>
-                                    <p:set>
-                                      <p:cBhvr>
-                                        <p:cTn id="44" dur="1" fill="hold">
-                                          <p:stCondLst>
-                                            <p:cond delay="0"/>
-                                          </p:stCondLst>
-                                        </p:cTn>
-                                        <p:tgtEl>
-                                          <p:spTgt spid="3">
-                                            <p:txEl>
-                                              <p:pRg st="6" end="6"/>
-                                            </p:txEl>
-                                          </p:spTgt>
-                                        </p:tgtEl>
-                                        <p:attrNameLst>
-                                          <p:attrName>style.visibility</p:attrName>
-                                        </p:attrNameLst>
-                                      </p:cBhvr>
-                                      <p:to>
-                                        <p:strVal val="visible"/>
-                                      </p:to>
-                                    </p:set>
-                                    <p:animEffect transition="in" filter="fade">
-                                      <p:cBhvr>
-                                        <p:cTn id="45" dur="500"/>
-                                        <p:tgtEl>
-                                          <p:spTgt spid="3">
-                                            <p:txEl>
-                                              <p:pRg st="6" end="6"/>
-                                            </p:txEl>
-                                          </p:spTgt>
-                                        </p:tgtEl>
-                                      </p:cBhvr>
-                                    </p:animEffect>
-                                  </p:childTnLst>
-                                </p:cTn>
-                              </p:par>
-                            </p:childTnLst>
-                          </p:cTn>
-                        </p:par>
-                      </p:childTnLst>
-                    </p:cTn>
-                  </p:par>
-                </p:childTnLst>
-              </p:cTn>
-              <p:prevCondLst>
-                <p:cond evt="onPrev" delay="0">
-                  <p:tgtEl>
-                    <p:sldTgt/>
-                  </p:tgtEl>
-                </p:cond>
-              </p:prevCondLst>
-              <p:nextCondLst>
-                <p:cond evt="onNext" delay="0">
-                  <p:tgtEl>
-                    <p:sldTgt/>
-                  </p:tgtEl>
-                </p:cond>
-              </p:nextCondLst>
-            </p:seq>
-          </p:childTnLst>
-        </p:cTn>
-      </p:par>
-    </p:tnLst>
-    <p:bldLst>
-      <p:bldP spid="6" grpId="0"/>
-    </p:bldLst>
-  </p:timing>
-</p:sld>
-</file>
-
-<file path=ppt/slides/slide11.xml><?xml version="1.0" encoding="utf-8"?>
-<p:sld xmlns:a="http://schemas.openxmlformats.org/drawingml/2006/main" xmlns:r="http://schemas.openxmlformats.org/officeDocument/2006/relationships" xmlns:p="http://schemas.openxmlformats.org/presentationml/2006/main">
-  <p:cSld>
-    <p:spTree>
-      <p:nvGrpSpPr>
-        <p:cNvPr id="1" name=""/>
-        <p:cNvGrpSpPr/>
-        <p:nvPr/>
-      </p:nvGrpSpPr>
-      <p:grpSpPr>
-        <a:xfrm>
-          <a:off x="0" y="0"/>
-          <a:ext cx="0" cy="0"/>
-          <a:chOff x="0" y="0"/>
-          <a:chExt cx="0" cy="0"/>
-        </a:xfrm>
-      </p:grpSpPr>
-      <p:sp>
-        <p:nvSpPr>
-          <p:cNvPr id="2" name="Title 1"/>
-          <p:cNvSpPr>
-            <a:spLocks noGrp="1"/>
-          </p:cNvSpPr>
-          <p:nvPr>
-            <p:ph type="title"/>
-          </p:nvPr>
-        </p:nvSpPr>
-        <p:spPr/>
-        <p:txBody>
-          <a:bodyPr>
-            <a:normAutofit/>
-          </a:bodyPr>
-          <a:lstStyle/>
-          <a:p>
-            <a:r>
-              <a:rPr lang="en-US" dirty="0" err="1"/>
-              <a:t>Versionsverwaltungssysteme</a:t>
-            </a:r>
-            <a:endParaRPr lang="en-US" dirty="0"/>
-          </a:p>
-        </p:txBody>
-      </p:sp>
-      <p:sp>
-        <p:nvSpPr>
-          <p:cNvPr id="3" name="Content Placeholder 2"/>
-          <p:cNvSpPr>
-            <a:spLocks noGrp="1"/>
-          </p:cNvSpPr>
-          <p:nvPr>
-            <p:ph idx="1"/>
-          </p:nvPr>
-        </p:nvSpPr>
-        <p:spPr>
-          <a:xfrm>
-            <a:off x="457200" y="1935480"/>
-            <a:ext cx="8291264" cy="4389120"/>
-          </a:xfrm>
-        </p:spPr>
-        <p:txBody>
-          <a:bodyPr>
-            <a:normAutofit/>
-          </a:bodyPr>
-          <a:lstStyle/>
-          <a:p>
-            <a:pPr lvl="2"/>
-            <a:r>
-              <a:rPr lang="de-DE" dirty="0"/>
-              <a:t>SCM prüft ob Revisionsnummer der Working </a:t>
-            </a:r>
-            <a:r>
-              <a:rPr lang="de-DE" dirty="0" err="1"/>
-              <a:t>Copy</a:t>
-            </a:r>
-            <a:r>
-              <a:rPr lang="de-DE" dirty="0"/>
-              <a:t> gleich </a:t>
-            </a:r>
-            <a:r>
-              <a:rPr lang="de-DE" dirty="0" err="1"/>
-              <a:t>Revisionesnummer</a:t>
-            </a:r>
-            <a:r>
-              <a:rPr lang="de-DE" dirty="0"/>
-              <a:t> des </a:t>
-            </a:r>
-            <a:r>
-              <a:rPr lang="de-DE" dirty="0" err="1"/>
-              <a:t>repositorys</a:t>
-            </a:r>
-            <a:endParaRPr lang="de-DE" dirty="0"/>
-          </a:p>
-          <a:p>
-            <a:pPr lvl="3"/>
-            <a:r>
-              <a:rPr lang="de-DE" dirty="0"/>
-              <a:t>Falls ja </a:t>
-            </a:r>
-          </a:p>
-          <a:p>
-            <a:pPr lvl="4"/>
-            <a:r>
-              <a:rPr lang="de-DE" dirty="0"/>
-              <a:t>Änderungen übernehmen</a:t>
-            </a:r>
-          </a:p>
-          <a:p>
-            <a:pPr lvl="4"/>
-            <a:r>
-              <a:rPr lang="de-DE" dirty="0"/>
-              <a:t>neue Version erstellen (Revisionsnummer +1)</a:t>
-            </a:r>
-          </a:p>
-          <a:p>
-            <a:pPr lvl="3"/>
-            <a:r>
-              <a:rPr lang="de-DE" dirty="0"/>
-              <a:t>Falls nein </a:t>
-            </a:r>
-          </a:p>
-          <a:p>
-            <a:pPr lvl="4"/>
-            <a:r>
-              <a:rPr lang="de-DE" u="sng" dirty="0" err="1"/>
-              <a:t>Merge</a:t>
-            </a:r>
-            <a:r>
-              <a:rPr lang="de-DE" dirty="0"/>
-              <a:t>-Algorithmus mit manueller Prüfung ODER</a:t>
-            </a:r>
-          </a:p>
-          <a:p>
-            <a:pPr lvl="4"/>
-            <a:r>
-              <a:rPr lang="de-DE" dirty="0"/>
-              <a:t>Hinweis an Entwickler, update auszuführen und </a:t>
-            </a:r>
-            <a:r>
-              <a:rPr lang="de-DE" dirty="0" err="1"/>
-              <a:t>Merge</a:t>
-            </a:r>
-            <a:r>
-              <a:rPr lang="de-DE" dirty="0"/>
-              <a:t> selber durchzuführen</a:t>
-            </a:r>
-          </a:p>
-          <a:p>
-            <a:pPr lvl="2"/>
-            <a:endParaRPr lang="de-DE" dirty="0"/>
-          </a:p>
-          <a:p>
-            <a:pPr lvl="2"/>
-            <a:endParaRPr lang="de-DE" dirty="0"/>
-          </a:p>
-          <a:p>
-            <a:pPr lvl="1"/>
-            <a:endParaRPr lang="de-DE" dirty="0"/>
-          </a:p>
-          <a:p>
-            <a:pPr lvl="2"/>
-            <a:endParaRPr lang="de-DE" dirty="0"/>
-          </a:p>
-          <a:p>
-            <a:pPr lvl="2"/>
-            <a:endParaRPr lang="de-DE" dirty="0"/>
-          </a:p>
-          <a:p>
-            <a:pPr lvl="2"/>
-            <a:endParaRPr lang="de-DE" dirty="0"/>
-          </a:p>
-        </p:txBody>
-      </p:sp>
-      <p:sp>
-        <p:nvSpPr>
-          <p:cNvPr id="4" name="Foliennummernplatzhalter 3"/>
-          <p:cNvSpPr>
-            <a:spLocks noGrp="1"/>
-          </p:cNvSpPr>
-          <p:nvPr>
-            <p:ph type="sldNum" sz="quarter" idx="12"/>
-          </p:nvPr>
-        </p:nvSpPr>
-        <p:spPr/>
-        <p:txBody>
-          <a:bodyPr/>
-          <a:lstStyle/>
-          <a:p>
-            <a:fld id="{750AB064-513B-4E5C-9ADF-210709BEB955}" type="slidenum">
-              <a:rPr lang="en-US" smtClean="0"/>
-              <a:t>11</a:t>
-            </a:fld>
-            <a:endParaRPr lang="en-US"/>
-          </a:p>
-        </p:txBody>
-      </p:sp>
-    </p:spTree>
-    <p:extLst>
-      <p:ext uri="{BB962C8B-B14F-4D97-AF65-F5344CB8AC3E}">
-        <p14:creationId xmlns:p14="http://schemas.microsoft.com/office/powerpoint/2010/main" val="592168941"/>
-      </p:ext>
-    </p:extLst>
-  </p:cSld>
-  <p:clrMapOvr>
-    <a:masterClrMapping/>
-  </p:clrMapOvr>
-  <p:timing>
-    <p:tnLst>
-      <p:par>
-        <p:cTn id="1" dur="indefinite" restart="never" nodeType="tmRoot">
-          <p:childTnLst>
-            <p:seq concurrent="1" nextAc="seek">
-              <p:cTn id="2" dur="indefinite" nodeType="mainSeq">
-                <p:childTnLst>
-                  <p:par>
-                    <p:cTn id="3" fill="hold">
-                      <p:stCondLst>
-                        <p:cond delay="indefinite"/>
-                      </p:stCondLst>
-                      <p:childTnLst>
-                        <p:par>
-                          <p:cTn id="4" fill="hold">
-                            <p:stCondLst>
-                              <p:cond delay="0"/>
-                            </p:stCondLst>
-                            <p:childTnLst>
-                              <p:par>
-                                <p:cTn id="5" presetID="10" presetClass="entr" presetSubtype="0" fill="hold" nodeType="clickEffect">
-                                  <p:stCondLst>
-                                    <p:cond delay="0"/>
-                                  </p:stCondLst>
-                                  <p:childTnLst>
-                                    <p:set>
-                                      <p:cBhvr>
-                                        <p:cTn id="6" dur="1" fill="hold">
-                                          <p:stCondLst>
-                                            <p:cond delay="0"/>
-                                          </p:stCondLst>
-                                        </p:cTn>
-                                        <p:tgtEl>
-                                          <p:spTgt spid="3">
-                                            <p:txEl>
-                                              <p:pRg st="0" end="0"/>
-                                            </p:txEl>
-                                          </p:spTgt>
-                                        </p:tgtEl>
-                                        <p:attrNameLst>
-                                          <p:attrName>style.visibility</p:attrName>
-                                        </p:attrNameLst>
-                                      </p:cBhvr>
-                                      <p:to>
-                                        <p:strVal val="visible"/>
-                                      </p:to>
-                                    </p:set>
-                                    <p:animEffect transition="in" filter="fade">
-                                      <p:cBhvr>
-                                        <p:cTn id="7" dur="500"/>
-                                        <p:tgtEl>
-                                          <p:spTgt spid="3">
-                                            <p:txEl>
-                                              <p:pRg st="0" end="0"/>
-                                            </p:txEl>
-                                          </p:spTgt>
-                                        </p:tgtEl>
-                                      </p:cBhvr>
-                                    </p:animEffect>
-                                  </p:childTnLst>
-                                </p:cTn>
-                              </p:par>
-                            </p:childTnLst>
-                          </p:cTn>
-                        </p:par>
-                      </p:childTnLst>
-                    </p:cTn>
-                  </p:par>
-                  <p:par>
-                    <p:cTn id="8" fill="hold">
-                      <p:stCondLst>
-                        <p:cond delay="indefinite"/>
-                      </p:stCondLst>
-                      <p:childTnLst>
-                        <p:par>
-                          <p:cTn id="9" fill="hold">
-                            <p:stCondLst>
-                              <p:cond delay="0"/>
-                            </p:stCondLst>
-                            <p:childTnLst>
-                              <p:par>
-                                <p:cTn id="10" presetID="10" presetClass="entr" presetSubtype="0" fill="hold" nodeType="clickEffect">
-                                  <p:stCondLst>
-                                    <p:cond delay="0"/>
-                                  </p:stCondLst>
-                                  <p:childTnLst>
-                                    <p:set>
-                                      <p:cBhvr>
-                                        <p:cTn id="11" dur="1" fill="hold">
-                                          <p:stCondLst>
-                                            <p:cond delay="0"/>
-                                          </p:stCondLst>
-                                        </p:cTn>
-                                        <p:tgtEl>
-                                          <p:spTgt spid="3">
-                                            <p:txEl>
-                                              <p:pRg st="1" end="1"/>
-                                            </p:txEl>
-                                          </p:spTgt>
-                                        </p:tgtEl>
-                                        <p:attrNameLst>
-                                          <p:attrName>style.visibility</p:attrName>
-                                        </p:attrNameLst>
-                                      </p:cBhvr>
-                                      <p:to>
-                                        <p:strVal val="visible"/>
-                                      </p:to>
-                                    </p:set>
-                                    <p:animEffect transition="in" filter="fade">
-                                      <p:cBhvr>
-                                        <p:cTn id="12" dur="500"/>
-                                        <p:tgtEl>
-                                          <p:spTgt spid="3">
-                                            <p:txEl>
-                                              <p:pRg st="1" end="1"/>
-                                            </p:txEl>
-                                          </p:spTgt>
-                                        </p:tgtEl>
-                                      </p:cBhvr>
-                                    </p:animEffect>
-                                  </p:childTnLst>
-                                </p:cTn>
-                              </p:par>
-                            </p:childTnLst>
-                          </p:cTn>
-                        </p:par>
-                      </p:childTnLst>
-                    </p:cTn>
-                  </p:par>
-                  <p:par>
-                    <p:cTn id="13" fill="hold">
-                      <p:stCondLst>
-                        <p:cond delay="indefinite"/>
-                      </p:stCondLst>
-                      <p:childTnLst>
-                        <p:par>
-                          <p:cTn id="14" fill="hold">
-                            <p:stCondLst>
-                              <p:cond delay="0"/>
-                            </p:stCondLst>
-                            <p:childTnLst>
-                              <p:par>
-                                <p:cTn id="15" presetID="10" presetClass="entr" presetSubtype="0" fill="hold" nodeType="clickEffect">
-                                  <p:stCondLst>
-                                    <p:cond delay="0"/>
-                                  </p:stCondLst>
-                                  <p:childTnLst>
-                                    <p:set>
-                                      <p:cBhvr>
-                                        <p:cTn id="16" dur="1" fill="hold">
-                                          <p:stCondLst>
-                                            <p:cond delay="0"/>
-                                          </p:stCondLst>
-                                        </p:cTn>
-                                        <p:tgtEl>
-                                          <p:spTgt spid="3">
-                                            <p:txEl>
-                                              <p:pRg st="2" end="2"/>
-                                            </p:txEl>
-                                          </p:spTgt>
-                                        </p:tgtEl>
-                                        <p:attrNameLst>
-                                          <p:attrName>style.visibility</p:attrName>
-                                        </p:attrNameLst>
-                                      </p:cBhvr>
-                                      <p:to>
-                                        <p:strVal val="visible"/>
-                                      </p:to>
-                                    </p:set>
-                                    <p:animEffect transition="in" filter="fade">
-                                      <p:cBhvr>
-                                        <p:cTn id="17" dur="500"/>
-                                        <p:tgtEl>
-                                          <p:spTgt spid="3">
-                                            <p:txEl>
-                                              <p:pRg st="2" end="2"/>
-                                            </p:txEl>
-                                          </p:spTgt>
-                                        </p:tgtEl>
-                                      </p:cBhvr>
-                                    </p:animEffect>
-                                  </p:childTnLst>
-                                </p:cTn>
-                              </p:par>
-                            </p:childTnLst>
-                          </p:cTn>
-                        </p:par>
-                      </p:childTnLst>
-                    </p:cTn>
-                  </p:par>
-                  <p:par>
-                    <p:cTn id="18" fill="hold">
-                      <p:stCondLst>
-                        <p:cond delay="indefinite"/>
-                      </p:stCondLst>
-                      <p:childTnLst>
-                        <p:par>
-                          <p:cTn id="19" fill="hold">
-                            <p:stCondLst>
-                              <p:cond delay="0"/>
-                            </p:stCondLst>
-                            <p:childTnLst>
-                              <p:par>
-                                <p:cTn id="20" presetID="10" presetClass="entr" presetSubtype="0" fill="hold" nodeType="clickEffect">
-                                  <p:stCondLst>
-                                    <p:cond delay="0"/>
-                                  </p:stCondLst>
-                                  <p:childTnLst>
-                                    <p:set>
-                                      <p:cBhvr>
-                                        <p:cTn id="21" dur="1" fill="hold">
-                                          <p:stCondLst>
-                                            <p:cond delay="0"/>
-                                          </p:stCondLst>
-                                        </p:cTn>
-                                        <p:tgtEl>
-                                          <p:spTgt spid="3">
-                                            <p:txEl>
-                                              <p:pRg st="3" end="3"/>
-                                            </p:txEl>
-                                          </p:spTgt>
-                                        </p:tgtEl>
-                                        <p:attrNameLst>
-                                          <p:attrName>style.visibility</p:attrName>
-                                        </p:attrNameLst>
-                                      </p:cBhvr>
-                                      <p:to>
-                                        <p:strVal val="visible"/>
-                                      </p:to>
-                                    </p:set>
-                                    <p:animEffect transition="in" filter="fade">
-                                      <p:cBhvr>
-                                        <p:cTn id="22" dur="500"/>
-                                        <p:tgtEl>
-                                          <p:spTgt spid="3">
-                                            <p:txEl>
-                                              <p:pRg st="3" end="3"/>
-                                            </p:txEl>
-                                          </p:spTgt>
-                                        </p:tgtEl>
-                                      </p:cBhvr>
-                                    </p:animEffect>
-                                  </p:childTnLst>
-                                </p:cTn>
-                              </p:par>
-                            </p:childTnLst>
-                          </p:cTn>
-                        </p:par>
-                      </p:childTnLst>
-                    </p:cTn>
-                  </p:par>
-                  <p:par>
-                    <p:cTn id="23" fill="hold">
-                      <p:stCondLst>
-                        <p:cond delay="indefinite"/>
-                      </p:stCondLst>
-                      <p:childTnLst>
-                        <p:par>
-                          <p:cTn id="24" fill="hold">
-                            <p:stCondLst>
-                              <p:cond delay="0"/>
-                            </p:stCondLst>
-                            <p:childTnLst>
-                              <p:par>
-                                <p:cTn id="25" presetID="10" presetClass="entr" presetSubtype="0" fill="hold" nodeType="clickEffect">
-                                  <p:stCondLst>
-                                    <p:cond delay="0"/>
-                                  </p:stCondLst>
-                                  <p:childTnLst>
-                                    <p:set>
-                                      <p:cBhvr>
-                                        <p:cTn id="26" dur="1" fill="hold">
-                                          <p:stCondLst>
-                                            <p:cond delay="0"/>
-                                          </p:stCondLst>
-                                        </p:cTn>
-                                        <p:tgtEl>
-                                          <p:spTgt spid="3">
-                                            <p:txEl>
-                                              <p:pRg st="4" end="4"/>
-                                            </p:txEl>
-                                          </p:spTgt>
-                                        </p:tgtEl>
-                                        <p:attrNameLst>
-                                          <p:attrName>style.visibility</p:attrName>
-                                        </p:attrNameLst>
-                                      </p:cBhvr>
-                                      <p:to>
-                                        <p:strVal val="visible"/>
-                                      </p:to>
-                                    </p:set>
-                                    <p:animEffect transition="in" filter="fade">
-                                      <p:cBhvr>
-                                        <p:cTn id="27" dur="500"/>
-                                        <p:tgtEl>
-                                          <p:spTgt spid="3">
-                                            <p:txEl>
-                                              <p:pRg st="4" end="4"/>
-                                            </p:txEl>
-                                          </p:spTgt>
-                                        </p:tgtEl>
-                                      </p:cBhvr>
-                                    </p:animEffect>
-                                  </p:childTnLst>
-                                </p:cTn>
-                              </p:par>
-                            </p:childTnLst>
-                          </p:cTn>
-                        </p:par>
-                      </p:childTnLst>
-                    </p:cTn>
-                  </p:par>
-                  <p:par>
-                    <p:cTn id="28" fill="hold">
-                      <p:stCondLst>
-                        <p:cond delay="indefinite"/>
-                      </p:stCondLst>
-                      <p:childTnLst>
-                        <p:par>
-                          <p:cTn id="29" fill="hold">
-                            <p:stCondLst>
-                              <p:cond delay="0"/>
-                            </p:stCondLst>
-                            <p:childTnLst>
-                              <p:par>
-                                <p:cTn id="30" presetID="10" presetClass="entr" presetSubtype="0" fill="hold" nodeType="clickEffect">
-                                  <p:stCondLst>
-                                    <p:cond delay="0"/>
-                                  </p:stCondLst>
-                                  <p:childTnLst>
-                                    <p:set>
-                                      <p:cBhvr>
-                                        <p:cTn id="31" dur="1" fill="hold">
-                                          <p:stCondLst>
-                                            <p:cond delay="0"/>
-                                          </p:stCondLst>
-                                        </p:cTn>
-                                        <p:tgtEl>
-                                          <p:spTgt spid="3">
-                                            <p:txEl>
-                                              <p:pRg st="5" end="5"/>
-                                            </p:txEl>
-                                          </p:spTgt>
-                                        </p:tgtEl>
-                                        <p:attrNameLst>
-                                          <p:attrName>style.visibility</p:attrName>
-                                        </p:attrNameLst>
-                                      </p:cBhvr>
-                                      <p:to>
-                                        <p:strVal val="visible"/>
-                                      </p:to>
-                                    </p:set>
-                                    <p:animEffect transition="in" filter="fade">
-                                      <p:cBhvr>
-                                        <p:cTn id="32" dur="500"/>
-                                        <p:tgtEl>
-                                          <p:spTgt spid="3">
-                                            <p:txEl>
-                                              <p:pRg st="5" end="5"/>
-                                            </p:txEl>
-                                          </p:spTgt>
-                                        </p:tgtEl>
-                                      </p:cBhvr>
-                                    </p:animEffect>
-                                  </p:childTnLst>
-                                </p:cTn>
-                              </p:par>
-                            </p:childTnLst>
-                          </p:cTn>
-                        </p:par>
-                      </p:childTnLst>
-                    </p:cTn>
-                  </p:par>
-                  <p:par>
-                    <p:cTn id="33" fill="hold">
-                      <p:stCondLst>
-                        <p:cond delay="indefinite"/>
-                      </p:stCondLst>
-                      <p:childTnLst>
-                        <p:par>
-                          <p:cTn id="34" fill="hold">
-                            <p:stCondLst>
-                              <p:cond delay="0"/>
-                            </p:stCondLst>
-                            <p:childTnLst>
-                              <p:par>
-                                <p:cTn id="35" presetID="10" presetClass="entr" presetSubtype="0" fill="hold" nodeType="clickEffect">
-                                  <p:stCondLst>
-                                    <p:cond delay="0"/>
-                                  </p:stCondLst>
-                                  <p:childTnLst>
-                                    <p:set>
-                                      <p:cBhvr>
-                                        <p:cTn id="36" dur="1" fill="hold">
-                                          <p:stCondLst>
-                                            <p:cond delay="0"/>
-                                          </p:stCondLst>
-                                        </p:cTn>
-                                        <p:tgtEl>
-                                          <p:spTgt spid="3">
-                                            <p:txEl>
-                                              <p:pRg st="6" end="6"/>
-                                            </p:txEl>
-                                          </p:spTgt>
-                                        </p:tgtEl>
-                                        <p:attrNameLst>
-                                          <p:attrName>style.visibility</p:attrName>
-                                        </p:attrNameLst>
-                                      </p:cBhvr>
-                                      <p:to>
-                                        <p:strVal val="visible"/>
-                                      </p:to>
-                                    </p:set>
-                                    <p:animEffect transition="in" filter="fade">
-                                      <p:cBhvr>
-                                        <p:cTn id="37" dur="500"/>
-                                        <p:tgtEl>
-                                          <p:spTgt spid="3">
-                                            <p:txEl>
-                                              <p:pRg st="6" end="6"/>
-                                            </p:txEl>
-                                          </p:spTgt>
-                                        </p:tgtEl>
-                                      </p:cBhvr>
-                                    </p:animEffect>
-                                  </p:childTnLst>
-                                </p:cTn>
-                              </p:par>
-                            </p:childTnLst>
-                          </p:cTn>
-                        </p:par>
-                      </p:childTnLst>
-                    </p:cTn>
-                  </p:par>
-                </p:childTnLst>
-              </p:cTn>
-              <p:prevCondLst>
-                <p:cond evt="onPrev" delay="0">
-                  <p:tgtEl>
-                    <p:sldTgt/>
-                  </p:tgtEl>
-                </p:cond>
-              </p:prevCondLst>
-              <p:nextCondLst>
-                <p:cond evt="onNext" delay="0">
-                  <p:tgtEl>
-                    <p:sldTgt/>
-                  </p:tgtEl>
-                </p:cond>
-              </p:nextCondLst>
-            </p:seq>
-          </p:childTnLst>
-        </p:cTn>
-      </p:par>
-    </p:tnLst>
-  </p:timing>
-</p:sld>
-</file>
-
-<file path=ppt/slides/slide12.xml><?xml version="1.0" encoding="utf-8"?>
-<p:sld xmlns:a="http://schemas.openxmlformats.org/drawingml/2006/main" xmlns:r="http://schemas.openxmlformats.org/officeDocument/2006/relationships" xmlns:p="http://schemas.openxmlformats.org/presentationml/2006/main">
-  <p:cSld>
-    <p:spTree>
-      <p:nvGrpSpPr>
-        <p:cNvPr id="1" name=""/>
-        <p:cNvGrpSpPr/>
-        <p:nvPr/>
-      </p:nvGrpSpPr>
-      <p:grpSpPr>
-        <a:xfrm>
-          <a:off x="0" y="0"/>
-          <a:ext cx="0" cy="0"/>
-          <a:chOff x="0" y="0"/>
-          <a:chExt cx="0" cy="0"/>
-        </a:xfrm>
-      </p:grpSpPr>
-      <p:sp>
-        <p:nvSpPr>
-          <p:cNvPr id="2" name="Title 1"/>
-          <p:cNvSpPr>
-            <a:spLocks noGrp="1"/>
-          </p:cNvSpPr>
-          <p:nvPr>
-            <p:ph type="title"/>
-          </p:nvPr>
-        </p:nvSpPr>
-        <p:spPr/>
-        <p:txBody>
-          <a:bodyPr>
-            <a:normAutofit/>
-          </a:bodyPr>
-          <a:lstStyle/>
-          <a:p>
-            <a:r>
-              <a:rPr lang="en-US" dirty="0" err="1"/>
-              <a:t>Versionsverwaltungssysteme</a:t>
-            </a:r>
-            <a:endParaRPr lang="en-US" dirty="0"/>
-          </a:p>
-        </p:txBody>
-      </p:sp>
-      <p:sp>
-        <p:nvSpPr>
-          <p:cNvPr id="3" name="Content Placeholder 2"/>
-          <p:cNvSpPr>
-            <a:spLocks noGrp="1"/>
-          </p:cNvSpPr>
-          <p:nvPr>
-            <p:ph idx="1"/>
-          </p:nvPr>
-        </p:nvSpPr>
-        <p:spPr>
-          <a:xfrm>
-            <a:off x="457200" y="1935480"/>
-            <a:ext cx="8291264" cy="4389120"/>
-          </a:xfrm>
-        </p:spPr>
-        <p:txBody>
-          <a:bodyPr>
-            <a:normAutofit/>
-          </a:bodyPr>
-          <a:lstStyle/>
-          <a:p>
-            <a:pPr lvl="1"/>
-            <a:r>
-              <a:rPr lang="de-DE" dirty="0"/>
-              <a:t>Zentrale Versionsverwaltungssysteme</a:t>
-            </a:r>
-          </a:p>
-          <a:p>
-            <a:pPr lvl="2"/>
-            <a:r>
-              <a:rPr lang="de-DE" dirty="0"/>
-              <a:t>Nachteile: </a:t>
-            </a:r>
-          </a:p>
-          <a:p>
-            <a:pPr lvl="3"/>
-            <a:r>
-              <a:rPr lang="de-DE" dirty="0"/>
-              <a:t>Abhängigkeit vom zentralen Server</a:t>
-            </a:r>
-          </a:p>
-          <a:p>
-            <a:pPr lvl="3"/>
-            <a:r>
-              <a:rPr lang="de-DE" dirty="0"/>
-              <a:t>Backups notwendig</a:t>
-            </a:r>
-          </a:p>
-          <a:p>
-            <a:pPr lvl="3"/>
-            <a:r>
-              <a:rPr lang="de-DE" dirty="0"/>
-              <a:t>Versionsgeschichte nur im Repository vorhanden</a:t>
-            </a:r>
-          </a:p>
-          <a:p>
-            <a:pPr lvl="2"/>
-            <a:endParaRPr lang="de-DE" dirty="0"/>
-          </a:p>
-          <a:p>
-            <a:pPr lvl="2"/>
-            <a:endParaRPr lang="de-DE" dirty="0"/>
-          </a:p>
-          <a:p>
-            <a:pPr lvl="1"/>
-            <a:endParaRPr lang="de-DE" dirty="0"/>
-          </a:p>
-          <a:p>
-            <a:pPr lvl="2"/>
-            <a:endParaRPr lang="de-DE" dirty="0"/>
-          </a:p>
-          <a:p>
-            <a:pPr lvl="2"/>
-            <a:endParaRPr lang="de-DE" dirty="0"/>
-          </a:p>
-          <a:p>
-            <a:pPr lvl="2"/>
-            <a:endParaRPr lang="de-DE" dirty="0"/>
-          </a:p>
-        </p:txBody>
-      </p:sp>
-      <p:sp>
-        <p:nvSpPr>
-          <p:cNvPr id="4" name="Foliennummernplatzhalter 3"/>
-          <p:cNvSpPr>
-            <a:spLocks noGrp="1"/>
-          </p:cNvSpPr>
-          <p:nvPr>
-            <p:ph type="sldNum" sz="quarter" idx="12"/>
-          </p:nvPr>
-        </p:nvSpPr>
-        <p:spPr/>
-        <p:txBody>
-          <a:bodyPr/>
-          <a:lstStyle/>
-          <a:p>
-            <a:fld id="{750AB064-513B-4E5C-9ADF-210709BEB955}" type="slidenum">
-              <a:rPr lang="en-US" smtClean="0"/>
-              <a:t>12</a:t>
-            </a:fld>
-            <a:endParaRPr lang="en-US"/>
-          </a:p>
-        </p:txBody>
-      </p:sp>
-    </p:spTree>
-    <p:extLst>
-      <p:ext uri="{BB962C8B-B14F-4D97-AF65-F5344CB8AC3E}">
-        <p14:creationId xmlns:p14="http://schemas.microsoft.com/office/powerpoint/2010/main" val="1981251234"/>
-      </p:ext>
-    </p:extLst>
-  </p:cSld>
-  <p:clrMapOvr>
-    <a:masterClrMapping/>
-  </p:clrMapOvr>
-  <p:timing>
-    <p:tnLst>
-      <p:par>
-        <p:cTn id="1" dur="indefinite" restart="never" nodeType="tmRoot">
-          <p:childTnLst>
-            <p:seq concurrent="1" nextAc="seek">
-              <p:cTn id="2" dur="indefinite" nodeType="mainSeq">
-                <p:childTnLst>
-                  <p:par>
-                    <p:cTn id="3" fill="hold">
-                      <p:stCondLst>
-                        <p:cond delay="indefinite"/>
-                      </p:stCondLst>
-                      <p:childTnLst>
-                        <p:par>
-                          <p:cTn id="4" fill="hold">
-                            <p:stCondLst>
-                              <p:cond delay="0"/>
-                            </p:stCondLst>
-                            <p:childTnLst>
-                              <p:par>
-                                <p:cTn id="5" presetID="10" presetClass="entr" presetSubtype="0" fill="hold" nodeType="clickEffect">
-                                  <p:stCondLst>
-                                    <p:cond delay="0"/>
-                                  </p:stCondLst>
-                                  <p:childTnLst>
-                                    <p:set>
-                                      <p:cBhvr>
-                                        <p:cTn id="6" dur="1" fill="hold">
-                                          <p:stCondLst>
-                                            <p:cond delay="0"/>
-                                          </p:stCondLst>
-                                        </p:cTn>
-                                        <p:tgtEl>
-                                          <p:spTgt spid="3">
-                                            <p:txEl>
-                                              <p:pRg st="0" end="0"/>
-                                            </p:txEl>
-                                          </p:spTgt>
-                                        </p:tgtEl>
-                                        <p:attrNameLst>
-                                          <p:attrName>style.visibility</p:attrName>
-                                        </p:attrNameLst>
-                                      </p:cBhvr>
-                                      <p:to>
-                                        <p:strVal val="visible"/>
-                                      </p:to>
-                                    </p:set>
-                                    <p:animEffect transition="in" filter="fade">
-                                      <p:cBhvr>
-                                        <p:cTn id="7" dur="500"/>
-                                        <p:tgtEl>
-                                          <p:spTgt spid="3">
-                                            <p:txEl>
-                                              <p:pRg st="0" end="0"/>
-                                            </p:txEl>
-                                          </p:spTgt>
-                                        </p:tgtEl>
-                                      </p:cBhvr>
-                                    </p:animEffect>
-                                  </p:childTnLst>
-                                </p:cTn>
-                              </p:par>
-                            </p:childTnLst>
-                          </p:cTn>
-                        </p:par>
-                      </p:childTnLst>
-                    </p:cTn>
-                  </p:par>
-                  <p:par>
-                    <p:cTn id="8" fill="hold">
-                      <p:stCondLst>
-                        <p:cond delay="indefinite"/>
-                      </p:stCondLst>
-                      <p:childTnLst>
-                        <p:par>
-                          <p:cTn id="9" fill="hold">
-                            <p:stCondLst>
-                              <p:cond delay="0"/>
-                            </p:stCondLst>
-                            <p:childTnLst>
-                              <p:par>
-                                <p:cTn id="10" presetID="10" presetClass="entr" presetSubtype="0" fill="hold" nodeType="clickEffect">
-                                  <p:stCondLst>
-                                    <p:cond delay="0"/>
-                                  </p:stCondLst>
-                                  <p:childTnLst>
-                                    <p:set>
-                                      <p:cBhvr>
-                                        <p:cTn id="11" dur="1" fill="hold">
-                                          <p:stCondLst>
-                                            <p:cond delay="0"/>
-                                          </p:stCondLst>
-                                        </p:cTn>
-                                        <p:tgtEl>
-                                          <p:spTgt spid="3">
-                                            <p:txEl>
-                                              <p:pRg st="1" end="1"/>
-                                            </p:txEl>
-                                          </p:spTgt>
-                                        </p:tgtEl>
-                                        <p:attrNameLst>
-                                          <p:attrName>style.visibility</p:attrName>
-                                        </p:attrNameLst>
-                                      </p:cBhvr>
-                                      <p:to>
-                                        <p:strVal val="visible"/>
-                                      </p:to>
-                                    </p:set>
-                                    <p:animEffect transition="in" filter="fade">
-                                      <p:cBhvr>
-                                        <p:cTn id="12" dur="500"/>
-                                        <p:tgtEl>
-                                          <p:spTgt spid="3">
-                                            <p:txEl>
-                                              <p:pRg st="1" end="1"/>
-                                            </p:txEl>
-                                          </p:spTgt>
-                                        </p:tgtEl>
-                                      </p:cBhvr>
-                                    </p:animEffect>
-                                  </p:childTnLst>
-                                </p:cTn>
-                              </p:par>
-                            </p:childTnLst>
-                          </p:cTn>
-                        </p:par>
-                      </p:childTnLst>
-                    </p:cTn>
-                  </p:par>
-                  <p:par>
-                    <p:cTn id="13" fill="hold">
-                      <p:stCondLst>
-                        <p:cond delay="indefinite"/>
-                      </p:stCondLst>
-                      <p:childTnLst>
-                        <p:par>
-                          <p:cTn id="14" fill="hold">
-                            <p:stCondLst>
-                              <p:cond delay="0"/>
-                            </p:stCondLst>
-                            <p:childTnLst>
-                              <p:par>
-                                <p:cTn id="15" presetID="10" presetClass="entr" presetSubtype="0" fill="hold" nodeType="clickEffect">
-                                  <p:stCondLst>
-                                    <p:cond delay="0"/>
-                                  </p:stCondLst>
-                                  <p:childTnLst>
-                                    <p:set>
-                                      <p:cBhvr>
-                                        <p:cTn id="16" dur="1" fill="hold">
-                                          <p:stCondLst>
-                                            <p:cond delay="0"/>
-                                          </p:stCondLst>
-                                        </p:cTn>
-                                        <p:tgtEl>
-                                          <p:spTgt spid="3">
-                                            <p:txEl>
-                                              <p:pRg st="2" end="2"/>
-                                            </p:txEl>
-                                          </p:spTgt>
-                                        </p:tgtEl>
-                                        <p:attrNameLst>
-                                          <p:attrName>style.visibility</p:attrName>
-                                        </p:attrNameLst>
-                                      </p:cBhvr>
-                                      <p:to>
-                                        <p:strVal val="visible"/>
-                                      </p:to>
-                                    </p:set>
-                                    <p:animEffect transition="in" filter="fade">
-                                      <p:cBhvr>
-                                        <p:cTn id="17" dur="500"/>
-                                        <p:tgtEl>
-                                          <p:spTgt spid="3">
-                                            <p:txEl>
-                                              <p:pRg st="2" end="2"/>
-                                            </p:txEl>
-                                          </p:spTgt>
-                                        </p:tgtEl>
-                                      </p:cBhvr>
-                                    </p:animEffect>
-                                  </p:childTnLst>
-                                </p:cTn>
-                              </p:par>
-                            </p:childTnLst>
-                          </p:cTn>
-                        </p:par>
-                      </p:childTnLst>
-                    </p:cTn>
-                  </p:par>
-                  <p:par>
-                    <p:cTn id="18" fill="hold">
-                      <p:stCondLst>
-                        <p:cond delay="indefinite"/>
-                      </p:stCondLst>
-                      <p:childTnLst>
-                        <p:par>
-                          <p:cTn id="19" fill="hold">
-                            <p:stCondLst>
-                              <p:cond delay="0"/>
-                            </p:stCondLst>
-                            <p:childTnLst>
-                              <p:par>
-                                <p:cTn id="20" presetID="10" presetClass="entr" presetSubtype="0" fill="hold" nodeType="clickEffect">
-                                  <p:stCondLst>
-                                    <p:cond delay="0"/>
-                                  </p:stCondLst>
-                                  <p:childTnLst>
-                                    <p:set>
-                                      <p:cBhvr>
-                                        <p:cTn id="21" dur="1" fill="hold">
-                                          <p:stCondLst>
-                                            <p:cond delay="0"/>
-                                          </p:stCondLst>
-                                        </p:cTn>
-                                        <p:tgtEl>
-                                          <p:spTgt spid="3">
-                                            <p:txEl>
-                                              <p:pRg st="3" end="3"/>
-                                            </p:txEl>
-                                          </p:spTgt>
-                                        </p:tgtEl>
-                                        <p:attrNameLst>
-                                          <p:attrName>style.visibility</p:attrName>
-                                        </p:attrNameLst>
-                                      </p:cBhvr>
-                                      <p:to>
-                                        <p:strVal val="visible"/>
-                                      </p:to>
-                                    </p:set>
-                                    <p:animEffect transition="in" filter="fade">
-                                      <p:cBhvr>
-                                        <p:cTn id="22" dur="500"/>
-                                        <p:tgtEl>
-                                          <p:spTgt spid="3">
-                                            <p:txEl>
-                                              <p:pRg st="3" end="3"/>
-                                            </p:txEl>
-                                          </p:spTgt>
-                                        </p:tgtEl>
-                                      </p:cBhvr>
-                                    </p:animEffect>
-                                  </p:childTnLst>
-                                </p:cTn>
-                              </p:par>
-                            </p:childTnLst>
-                          </p:cTn>
-                        </p:par>
-                      </p:childTnLst>
-                    </p:cTn>
-                  </p:par>
-                  <p:par>
-                    <p:cTn id="23" fill="hold">
-                      <p:stCondLst>
-                        <p:cond delay="indefinite"/>
-                      </p:stCondLst>
-                      <p:childTnLst>
-                        <p:par>
-                          <p:cTn id="24" fill="hold">
-                            <p:stCondLst>
-                              <p:cond delay="0"/>
-                            </p:stCondLst>
-                            <p:childTnLst>
-                              <p:par>
-                                <p:cTn id="25" presetID="10" presetClass="entr" presetSubtype="0" fill="hold" nodeType="clickEffect">
-                                  <p:stCondLst>
-                                    <p:cond delay="0"/>
-                                  </p:stCondLst>
-                                  <p:childTnLst>
-                                    <p:set>
-                                      <p:cBhvr>
-                                        <p:cTn id="26" dur="1" fill="hold">
-                                          <p:stCondLst>
-                                            <p:cond delay="0"/>
-                                          </p:stCondLst>
-                                        </p:cTn>
-                                        <p:tgtEl>
-                                          <p:spTgt spid="3">
-                                            <p:txEl>
-                                              <p:pRg st="4" end="4"/>
-                                            </p:txEl>
-                                          </p:spTgt>
-                                        </p:tgtEl>
-                                        <p:attrNameLst>
-                                          <p:attrName>style.visibility</p:attrName>
-                                        </p:attrNameLst>
-                                      </p:cBhvr>
-                                      <p:to>
-                                        <p:strVal val="visible"/>
-                                      </p:to>
-                                    </p:set>
-                                    <p:animEffect transition="in" filter="fade">
-                                      <p:cBhvr>
-                                        <p:cTn id="27" dur="500"/>
-                                        <p:tgtEl>
-                                          <p:spTgt spid="3">
-                                            <p:txEl>
-                                              <p:pRg st="4" end="4"/>
-                                            </p:txEl>
-                                          </p:spTgt>
-                                        </p:tgtEl>
-                                      </p:cBhvr>
-                                    </p:animEffect>
-                                  </p:childTnLst>
-                                </p:cTn>
-                              </p:par>
-                            </p:childTnLst>
-                          </p:cTn>
-                        </p:par>
-                      </p:childTnLst>
-                    </p:cTn>
-                  </p:par>
-                </p:childTnLst>
-              </p:cTn>
-              <p:prevCondLst>
-                <p:cond evt="onPrev" delay="0">
-                  <p:tgtEl>
-                    <p:sldTgt/>
-                  </p:tgtEl>
-                </p:cond>
-              </p:prevCondLst>
-              <p:nextCondLst>
-                <p:cond evt="onNext" delay="0">
-                  <p:tgtEl>
-                    <p:sldTgt/>
-                  </p:tgtEl>
-                </p:cond>
-              </p:nextCondLst>
-            </p:seq>
-          </p:childTnLst>
-        </p:cTn>
-      </p:par>
-    </p:tnLst>
-  </p:timing>
-</p:sld>
-</file>
-
-<file path=ppt/slides/slide13.xml><?xml version="1.0" encoding="utf-8"?>
-<p:sld xmlns:a="http://schemas.openxmlformats.org/drawingml/2006/main" xmlns:r="http://schemas.openxmlformats.org/officeDocument/2006/relationships" xmlns:p="http://schemas.openxmlformats.org/presentationml/2006/main">
-  <p:cSld>
-    <p:spTree>
-      <p:nvGrpSpPr>
-        <p:cNvPr id="1" name=""/>
-        <p:cNvGrpSpPr/>
-        <p:nvPr/>
-      </p:nvGrpSpPr>
-      <p:grpSpPr>
-        <a:xfrm>
-          <a:off x="0" y="0"/>
-          <a:ext cx="0" cy="0"/>
-          <a:chOff x="0" y="0"/>
-          <a:chExt cx="0" cy="0"/>
-        </a:xfrm>
-      </p:grpSpPr>
-      <p:sp>
-        <p:nvSpPr>
-          <p:cNvPr id="2" name="Title 1"/>
-          <p:cNvSpPr>
-            <a:spLocks noGrp="1"/>
-          </p:cNvSpPr>
-          <p:nvPr>
-            <p:ph type="title"/>
-          </p:nvPr>
-        </p:nvSpPr>
-        <p:spPr/>
-        <p:txBody>
-          <a:bodyPr>
-            <a:normAutofit/>
-          </a:bodyPr>
-          <a:lstStyle/>
-          <a:p>
-            <a:r>
-              <a:rPr lang="en-US" dirty="0" err="1"/>
-              <a:t>Versionsverwaltungssysteme</a:t>
-            </a:r>
-            <a:endParaRPr lang="en-US" dirty="0"/>
-          </a:p>
-        </p:txBody>
-      </p:sp>
-      <p:sp>
-        <p:nvSpPr>
-          <p:cNvPr id="3" name="Content Placeholder 2"/>
-          <p:cNvSpPr>
-            <a:spLocks noGrp="1"/>
-          </p:cNvSpPr>
-          <p:nvPr>
-            <p:ph idx="1"/>
-          </p:nvPr>
-        </p:nvSpPr>
-        <p:spPr>
-          <a:xfrm>
-            <a:off x="457200" y="1935480"/>
-            <a:ext cx="4592067" cy="4389120"/>
-          </a:xfrm>
-        </p:spPr>
-        <p:txBody>
-          <a:bodyPr>
-            <a:normAutofit/>
-          </a:bodyPr>
-          <a:lstStyle/>
-          <a:p>
-            <a:pPr lvl="1"/>
-            <a:r>
-              <a:rPr lang="de-DE" dirty="0"/>
-              <a:t>Dezentrale Versionsverwaltungssysteme</a:t>
-            </a:r>
-          </a:p>
-          <a:p>
-            <a:pPr lvl="1"/>
-            <a:r>
-              <a:rPr lang="de-DE" dirty="0"/>
-              <a:t>Beispiele: </a:t>
-            </a:r>
-            <a:r>
-              <a:rPr lang="de-DE" dirty="0" err="1"/>
-              <a:t>Git</a:t>
-            </a:r>
-            <a:r>
-              <a:rPr lang="de-DE" dirty="0"/>
-              <a:t>, Monotone, </a:t>
-            </a:r>
-            <a:r>
-              <a:rPr lang="de-DE" dirty="0" err="1"/>
-              <a:t>BitKeeper</a:t>
-            </a:r>
-            <a:r>
-              <a:rPr lang="de-DE" dirty="0"/>
-              <a:t> </a:t>
-            </a:r>
-          </a:p>
-          <a:p>
-            <a:pPr lvl="2"/>
-            <a:r>
-              <a:rPr lang="de-DE" dirty="0"/>
-              <a:t>Jeder Benutzer unterhält eigenes Repository</a:t>
-            </a:r>
-          </a:p>
-          <a:p>
-            <a:pPr lvl="4"/>
-            <a:endParaRPr lang="de-DE" dirty="0"/>
-          </a:p>
-          <a:p>
-            <a:pPr lvl="4"/>
-            <a:endParaRPr lang="de-DE" dirty="0"/>
-          </a:p>
-          <a:p>
-            <a:pPr lvl="2"/>
-            <a:endParaRPr lang="de-DE" dirty="0"/>
-          </a:p>
-          <a:p>
-            <a:pPr lvl="2"/>
-            <a:endParaRPr lang="de-DE" dirty="0"/>
-          </a:p>
-          <a:p>
-            <a:pPr lvl="1"/>
-            <a:endParaRPr lang="de-DE" dirty="0"/>
-          </a:p>
-          <a:p>
-            <a:pPr lvl="2"/>
-            <a:endParaRPr lang="de-DE" dirty="0"/>
-          </a:p>
-          <a:p>
-            <a:pPr lvl="2"/>
-            <a:endParaRPr lang="de-DE" dirty="0"/>
-          </a:p>
-          <a:p>
-            <a:pPr lvl="2"/>
-            <a:endParaRPr lang="de-DE" dirty="0"/>
-          </a:p>
-        </p:txBody>
-      </p:sp>
-      <p:sp>
-        <p:nvSpPr>
-          <p:cNvPr id="4" name="Foliennummernplatzhalter 3"/>
-          <p:cNvSpPr>
-            <a:spLocks noGrp="1"/>
-          </p:cNvSpPr>
-          <p:nvPr>
-            <p:ph type="sldNum" sz="quarter" idx="12"/>
-          </p:nvPr>
-        </p:nvSpPr>
-        <p:spPr/>
-        <p:txBody>
-          <a:bodyPr/>
-          <a:lstStyle/>
-          <a:p>
-            <a:fld id="{750AB064-513B-4E5C-9ADF-210709BEB955}" type="slidenum">
-              <a:rPr lang="en-US" smtClean="0"/>
-              <a:t>13</a:t>
-            </a:fld>
-            <a:endParaRPr lang="en-US"/>
-          </a:p>
-        </p:txBody>
-      </p:sp>
-      <p:sp>
-        <p:nvSpPr>
-          <p:cNvPr id="5" name="Rechteck 4"/>
-          <p:cNvSpPr/>
-          <p:nvPr/>
-        </p:nvSpPr>
-        <p:spPr>
-          <a:xfrm>
-            <a:off x="4901208" y="5855783"/>
-            <a:ext cx="3785592" cy="261610"/>
-          </a:xfrm>
-          <a:prstGeom prst="rect">
-            <a:avLst/>
-          </a:prstGeom>
-        </p:spPr>
-        <p:txBody>
-          <a:bodyPr wrap="square">
-            <a:spAutoFit/>
-          </a:bodyPr>
-          <a:lstStyle/>
-          <a:p>
-            <a:r>
-              <a:rPr lang="de-DE" sz="1100" dirty="0"/>
-              <a:t>Quelle: </a:t>
-            </a:r>
-            <a:r>
-              <a:rPr lang="de-DE" sz="1100" dirty="0" err="1"/>
-              <a:t>Preißel</a:t>
-            </a:r>
-            <a:r>
-              <a:rPr lang="de-DE" sz="1100" dirty="0"/>
-              <a:t>, René / </a:t>
-            </a:r>
-            <a:r>
-              <a:rPr lang="de-DE" sz="1100" dirty="0" err="1"/>
-              <a:t>Stachmann</a:t>
-            </a:r>
-            <a:r>
-              <a:rPr lang="de-DE" sz="1100" dirty="0"/>
-              <a:t>, </a:t>
-            </a:r>
-            <a:r>
-              <a:rPr lang="de-DE" sz="1100" dirty="0" err="1"/>
-              <a:t>BjØrn</a:t>
-            </a:r>
-            <a:r>
-              <a:rPr lang="de-DE" sz="1100" dirty="0"/>
-              <a:t> (4. Auflage 2017): </a:t>
-            </a:r>
-            <a:r>
-              <a:rPr lang="de-DE" sz="1100" dirty="0" err="1"/>
-              <a:t>Git</a:t>
-            </a:r>
-            <a:r>
-              <a:rPr lang="de-DE" sz="1100" dirty="0"/>
-              <a:t> </a:t>
-            </a:r>
-          </a:p>
-        </p:txBody>
-      </p:sp>
-      <p:pic>
-        <p:nvPicPr>
-          <p:cNvPr id="6" name="Grafik 5"/>
-          <p:cNvPicPr>
-            <a:picLocks noChangeAspect="1"/>
-          </p:cNvPicPr>
-          <p:nvPr/>
-        </p:nvPicPr>
-        <p:blipFill>
-          <a:blip r:embed="rId2"/>
-          <a:stretch>
-            <a:fillRect/>
-          </a:stretch>
-        </p:blipFill>
-        <p:spPr>
-          <a:xfrm>
-            <a:off x="5049267" y="2404297"/>
-            <a:ext cx="3637533" cy="3451486"/>
-          </a:xfrm>
-          <a:prstGeom prst="rect">
-            <a:avLst/>
-          </a:prstGeom>
-        </p:spPr>
-      </p:pic>
-    </p:spTree>
-    <p:extLst>
-      <p:ext uri="{BB962C8B-B14F-4D97-AF65-F5344CB8AC3E}">
-        <p14:creationId xmlns:p14="http://schemas.microsoft.com/office/powerpoint/2010/main" val="1728725018"/>
-      </p:ext>
-    </p:extLst>
-  </p:cSld>
-  <p:clrMapOvr>
-    <a:masterClrMapping/>
-  </p:clrMapOvr>
-  <p:timing>
-    <p:tnLst>
-      <p:par>
-        <p:cTn id="1" dur="indefinite" restart="never" nodeType="tmRoot">
-          <p:childTnLst>
-            <p:seq concurrent="1" nextAc="seek">
-              <p:cTn id="2" dur="indefinite" nodeType="mainSeq">
-                <p:childTnLst>
-                  <p:par>
-                    <p:cTn id="3" fill="hold">
-                      <p:stCondLst>
-                        <p:cond delay="indefinite"/>
-                      </p:stCondLst>
-                      <p:childTnLst>
-                        <p:par>
-                          <p:cTn id="4" fill="hold">
-                            <p:stCondLst>
-                              <p:cond delay="0"/>
-                            </p:stCondLst>
-                            <p:childTnLst>
-                              <p:par>
-                                <p:cTn id="5" presetID="10" presetClass="entr" presetSubtype="0" fill="hold" nodeType="clickEffect">
-                                  <p:stCondLst>
-                                    <p:cond delay="0"/>
-                                  </p:stCondLst>
-                                  <p:childTnLst>
-                                    <p:set>
-                                      <p:cBhvr>
-                                        <p:cTn id="6" dur="1" fill="hold">
-                                          <p:stCondLst>
-                                            <p:cond delay="0"/>
-                                          </p:stCondLst>
-                                        </p:cTn>
-                                        <p:tgtEl>
-                                          <p:spTgt spid="3">
-                                            <p:txEl>
-                                              <p:pRg st="0" end="0"/>
-                                            </p:txEl>
-                                          </p:spTgt>
-                                        </p:tgtEl>
-                                        <p:attrNameLst>
-                                          <p:attrName>style.visibility</p:attrName>
-                                        </p:attrNameLst>
-                                      </p:cBhvr>
-                                      <p:to>
-                                        <p:strVal val="visible"/>
-                                      </p:to>
-                                    </p:set>
-                                    <p:animEffect transition="in" filter="fade">
-                                      <p:cBhvr>
-                                        <p:cTn id="7" dur="500"/>
-                                        <p:tgtEl>
-                                          <p:spTgt spid="3">
-                                            <p:txEl>
-                                              <p:pRg st="0" end="0"/>
-                                            </p:txEl>
-                                          </p:spTgt>
-                                        </p:tgtEl>
-                                      </p:cBhvr>
-                                    </p:animEffect>
-                                  </p:childTnLst>
-                                </p:cTn>
-                              </p:par>
-                            </p:childTnLst>
-                          </p:cTn>
-                        </p:par>
-                      </p:childTnLst>
-                    </p:cTn>
-                  </p:par>
-                  <p:par>
-                    <p:cTn id="8" fill="hold">
-                      <p:stCondLst>
-                        <p:cond delay="indefinite"/>
-                      </p:stCondLst>
-                      <p:childTnLst>
-                        <p:par>
-                          <p:cTn id="9" fill="hold">
-                            <p:stCondLst>
-                              <p:cond delay="0"/>
-                            </p:stCondLst>
-                            <p:childTnLst>
-                              <p:par>
-                                <p:cTn id="10" presetID="10" presetClass="entr" presetSubtype="0" fill="hold" nodeType="clickEffect">
-                                  <p:stCondLst>
-                                    <p:cond delay="0"/>
-                                  </p:stCondLst>
-                                  <p:childTnLst>
-                                    <p:set>
-                                      <p:cBhvr>
-                                        <p:cTn id="11" dur="1" fill="hold">
-                                          <p:stCondLst>
-                                            <p:cond delay="0"/>
-                                          </p:stCondLst>
-                                        </p:cTn>
-                                        <p:tgtEl>
-                                          <p:spTgt spid="3">
-                                            <p:txEl>
-                                              <p:pRg st="1" end="1"/>
-                                            </p:txEl>
-                                          </p:spTgt>
-                                        </p:tgtEl>
-                                        <p:attrNameLst>
-                                          <p:attrName>style.visibility</p:attrName>
-                                        </p:attrNameLst>
-                                      </p:cBhvr>
-                                      <p:to>
-                                        <p:strVal val="visible"/>
-                                      </p:to>
-                                    </p:set>
-                                    <p:animEffect transition="in" filter="fade">
-                                      <p:cBhvr>
-                                        <p:cTn id="12" dur="500"/>
-                                        <p:tgtEl>
-                                          <p:spTgt spid="3">
-                                            <p:txEl>
-                                              <p:pRg st="1" end="1"/>
-                                            </p:txEl>
-                                          </p:spTgt>
-                                        </p:tgtEl>
-                                      </p:cBhvr>
-                                    </p:animEffect>
-                                  </p:childTnLst>
-                                </p:cTn>
-                              </p:par>
-                            </p:childTnLst>
-                          </p:cTn>
-                        </p:par>
-                      </p:childTnLst>
-                    </p:cTn>
-                  </p:par>
-                  <p:par>
-                    <p:cTn id="13" fill="hold">
-                      <p:stCondLst>
-                        <p:cond delay="indefinite"/>
-                      </p:stCondLst>
-                      <p:childTnLst>
-                        <p:par>
-                          <p:cTn id="14" fill="hold">
-                            <p:stCondLst>
-                              <p:cond delay="0"/>
-                            </p:stCondLst>
-                            <p:childTnLst>
-                              <p:par>
-                                <p:cTn id="15" presetID="10" presetClass="entr" presetSubtype="0" fill="hold" nodeType="clickEffect">
-                                  <p:stCondLst>
-                                    <p:cond delay="0"/>
-                                  </p:stCondLst>
-                                  <p:childTnLst>
-                                    <p:set>
-                                      <p:cBhvr>
-                                        <p:cTn id="16" dur="1" fill="hold">
-                                          <p:stCondLst>
-                                            <p:cond delay="0"/>
-                                          </p:stCondLst>
-                                        </p:cTn>
-                                        <p:tgtEl>
-                                          <p:spTgt spid="6"/>
-                                        </p:tgtEl>
-                                        <p:attrNameLst>
-                                          <p:attrName>style.visibility</p:attrName>
-                                        </p:attrNameLst>
-                                      </p:cBhvr>
-                                      <p:to>
-                                        <p:strVal val="visible"/>
-                                      </p:to>
-                                    </p:set>
-                                    <p:animEffect transition="in" filter="fade">
-                                      <p:cBhvr>
-                                        <p:cTn id="17" dur="500"/>
-                                        <p:tgtEl>
-                                          <p:spTgt spid="6"/>
-                                        </p:tgtEl>
-                                      </p:cBhvr>
-                                    </p:animEffect>
-                                  </p:childTnLst>
-                                </p:cTn>
-                              </p:par>
-                              <p:par>
-                                <p:cTn id="18" presetID="10" presetClass="entr" presetSubtype="0" fill="hold" grpId="0" nodeType="withEffect">
-                                  <p:stCondLst>
-                                    <p:cond delay="0"/>
-                                  </p:stCondLst>
-                                  <p:childTnLst>
-                                    <p:set>
-                                      <p:cBhvr>
-                                        <p:cTn id="19" dur="1" fill="hold">
-                                          <p:stCondLst>
-                                            <p:cond delay="0"/>
-                                          </p:stCondLst>
-                                        </p:cTn>
-                                        <p:tgtEl>
-                                          <p:spTgt spid="5"/>
-                                        </p:tgtEl>
-                                        <p:attrNameLst>
-                                          <p:attrName>style.visibility</p:attrName>
-                                        </p:attrNameLst>
-                                      </p:cBhvr>
-                                      <p:to>
-                                        <p:strVal val="visible"/>
-                                      </p:to>
-                                    </p:set>
-                                    <p:animEffect transition="in" filter="fade">
-                                      <p:cBhvr>
-                                        <p:cTn id="20" dur="500"/>
-                                        <p:tgtEl>
-                                          <p:spTgt spid="5"/>
-                                        </p:tgtEl>
-                                      </p:cBhvr>
-                                    </p:animEffect>
-                                  </p:childTnLst>
-                                </p:cTn>
-                              </p:par>
-                            </p:childTnLst>
-                          </p:cTn>
-                        </p:par>
-                      </p:childTnLst>
-                    </p:cTn>
-                  </p:par>
-                  <p:par>
-                    <p:cTn id="21" fill="hold">
-                      <p:stCondLst>
-                        <p:cond delay="indefinite"/>
-                      </p:stCondLst>
-                      <p:childTnLst>
-                        <p:par>
-                          <p:cTn id="22" fill="hold">
-                            <p:stCondLst>
-                              <p:cond delay="0"/>
-                            </p:stCondLst>
-                            <p:childTnLst>
-                              <p:par>
-                                <p:cTn id="23" presetID="10" presetClass="entr" presetSubtype="0" fill="hold" nodeType="clickEffect">
-                                  <p:stCondLst>
-                                    <p:cond delay="0"/>
-                                  </p:stCondLst>
-                                  <p:childTnLst>
-                                    <p:set>
-                                      <p:cBhvr>
-                                        <p:cTn id="24" dur="1" fill="hold">
-                                          <p:stCondLst>
-                                            <p:cond delay="0"/>
-                                          </p:stCondLst>
-                                        </p:cTn>
-                                        <p:tgtEl>
-                                          <p:spTgt spid="3">
-                                            <p:txEl>
-                                              <p:pRg st="2" end="2"/>
-                                            </p:txEl>
-                                          </p:spTgt>
-                                        </p:tgtEl>
-                                        <p:attrNameLst>
-                                          <p:attrName>style.visibility</p:attrName>
-                                        </p:attrNameLst>
-                                      </p:cBhvr>
-                                      <p:to>
-                                        <p:strVal val="visible"/>
-                                      </p:to>
-                                    </p:set>
-                                    <p:animEffect transition="in" filter="fade">
-                                      <p:cBhvr>
-                                        <p:cTn id="25" dur="500"/>
-                                        <p:tgtEl>
-                                          <p:spTgt spid="3">
-                                            <p:txEl>
-                                              <p:pRg st="2" end="2"/>
-                                            </p:txEl>
-                                          </p:spTgt>
-                                        </p:tgtEl>
-                                      </p:cBhvr>
-                                    </p:animEffect>
-                                  </p:childTnLst>
-                                </p:cTn>
-                              </p:par>
-                            </p:childTnLst>
-                          </p:cTn>
-                        </p:par>
-                      </p:childTnLst>
-                    </p:cTn>
-                  </p:par>
-                </p:childTnLst>
-              </p:cTn>
-              <p:prevCondLst>
-                <p:cond evt="onPrev" delay="0">
-                  <p:tgtEl>
-                    <p:sldTgt/>
-                  </p:tgtEl>
-                </p:cond>
-              </p:prevCondLst>
-              <p:nextCondLst>
-                <p:cond evt="onNext" delay="0">
-                  <p:tgtEl>
-                    <p:sldTgt/>
-                  </p:tgtEl>
-                </p:cond>
-              </p:nextCondLst>
-            </p:seq>
-          </p:childTnLst>
-        </p:cTn>
-      </p:par>
-    </p:tnLst>
-    <p:bldLst>
-      <p:bldP spid="5" grpId="0"/>
-    </p:bldLst>
-  </p:timing>
-</p:sld>
-</file>
-
-<file path=ppt/slides/slide14.xml><?xml version="1.0" encoding="utf-8"?>
-<p:sld xmlns:a="http://schemas.openxmlformats.org/drawingml/2006/main" xmlns:r="http://schemas.openxmlformats.org/officeDocument/2006/relationships" xmlns:p="http://schemas.openxmlformats.org/presentationml/2006/main">
-  <p:cSld>
-    <p:spTree>
-      <p:nvGrpSpPr>
-        <p:cNvPr id="1" name=""/>
-        <p:cNvGrpSpPr/>
-        <p:nvPr/>
-      </p:nvGrpSpPr>
-      <p:grpSpPr>
-        <a:xfrm>
-          <a:off x="0" y="0"/>
-          <a:ext cx="0" cy="0"/>
-          <a:chOff x="0" y="0"/>
-          <a:chExt cx="0" cy="0"/>
-        </a:xfrm>
-      </p:grpSpPr>
-      <p:sp>
-        <p:nvSpPr>
-          <p:cNvPr id="2" name="Title 1"/>
-          <p:cNvSpPr>
-            <a:spLocks noGrp="1"/>
-          </p:cNvSpPr>
-          <p:nvPr>
-            <p:ph type="title"/>
-          </p:nvPr>
-        </p:nvSpPr>
-        <p:spPr/>
-        <p:txBody>
-          <a:bodyPr>
-            <a:normAutofit/>
-          </a:bodyPr>
-          <a:lstStyle/>
-          <a:p>
-            <a:r>
-              <a:rPr lang="en-US" dirty="0" err="1"/>
-              <a:t>Versionsverwaltungssysteme</a:t>
-            </a:r>
-            <a:endParaRPr lang="en-US" dirty="0"/>
-          </a:p>
-        </p:txBody>
-      </p:sp>
-      <p:sp>
-        <p:nvSpPr>
-          <p:cNvPr id="3" name="Content Placeholder 2"/>
-          <p:cNvSpPr>
-            <a:spLocks noGrp="1"/>
-          </p:cNvSpPr>
-          <p:nvPr>
-            <p:ph idx="1"/>
-          </p:nvPr>
-        </p:nvSpPr>
-        <p:spPr>
-          <a:xfrm>
-            <a:off x="457200" y="1935480"/>
-            <a:ext cx="8291264" cy="4389120"/>
-          </a:xfrm>
-        </p:spPr>
-        <p:txBody>
-          <a:bodyPr>
-            <a:normAutofit/>
-          </a:bodyPr>
-          <a:lstStyle/>
-          <a:p>
-            <a:pPr lvl="2"/>
-            <a:r>
-              <a:rPr lang="de-DE" dirty="0"/>
-              <a:t>Zusammenarbeit (Beispiel A möchte bei B mitentwickeln)</a:t>
-            </a:r>
-          </a:p>
-          <a:p>
-            <a:pPr lvl="3"/>
-            <a:r>
-              <a:rPr lang="de-DE" dirty="0"/>
-              <a:t>B macht Repository öffentlich (Hosting)</a:t>
-            </a:r>
-          </a:p>
-          <a:p>
-            <a:pPr lvl="3"/>
-            <a:r>
-              <a:rPr lang="de-DE" dirty="0"/>
-              <a:t>Repository von B </a:t>
-            </a:r>
-            <a:r>
-              <a:rPr lang="de-DE" dirty="0" err="1"/>
-              <a:t>clonen</a:t>
-            </a:r>
-            <a:r>
-              <a:rPr lang="de-DE" dirty="0"/>
-              <a:t> -&gt; A hat eigenes unabhängiges Repository</a:t>
-            </a:r>
-          </a:p>
-          <a:p>
-            <a:pPr lvl="3"/>
-            <a:r>
-              <a:rPr lang="de-DE" dirty="0"/>
-              <a:t>Um auf dem gleichen Stand zu bleiben Remote Update: Regelmäßiges Pull von dessen Repository</a:t>
-            </a:r>
-          </a:p>
-          <a:p>
-            <a:pPr lvl="3"/>
-            <a:r>
-              <a:rPr lang="de-DE" dirty="0"/>
-              <a:t>Änderungen von A an B übertragen: </a:t>
-            </a:r>
-          </a:p>
-          <a:p>
-            <a:pPr lvl="4"/>
-            <a:r>
-              <a:rPr lang="de-DE" dirty="0"/>
-              <a:t>Veröffentlichung eigenes Repository und bittet um Pull ODER</a:t>
-            </a:r>
-          </a:p>
-          <a:p>
-            <a:pPr lvl="4"/>
-            <a:r>
-              <a:rPr lang="de-DE" dirty="0"/>
-              <a:t>Remote Commit: Rechte von B bekommen, direkt in dessen Repository zu pushen ODER</a:t>
-            </a:r>
-          </a:p>
-          <a:p>
-            <a:pPr lvl="4"/>
-            <a:r>
-              <a:rPr lang="de-DE" dirty="0"/>
-              <a:t>Versand von Patches</a:t>
-            </a:r>
-          </a:p>
-          <a:p>
-            <a:pPr lvl="3"/>
-            <a:endParaRPr lang="de-DE" dirty="0"/>
-          </a:p>
-          <a:p>
-            <a:pPr lvl="4"/>
-            <a:endParaRPr lang="de-DE" dirty="0"/>
-          </a:p>
-          <a:p>
-            <a:pPr lvl="4"/>
-            <a:endParaRPr lang="de-DE" dirty="0"/>
-          </a:p>
-          <a:p>
-            <a:pPr lvl="2"/>
-            <a:endParaRPr lang="de-DE" dirty="0"/>
-          </a:p>
-          <a:p>
-            <a:pPr lvl="2"/>
-            <a:endParaRPr lang="de-DE" dirty="0"/>
-          </a:p>
-          <a:p>
-            <a:pPr lvl="1"/>
-            <a:endParaRPr lang="de-DE" dirty="0"/>
-          </a:p>
-          <a:p>
-            <a:pPr lvl="2"/>
-            <a:endParaRPr lang="de-DE" dirty="0"/>
-          </a:p>
-          <a:p>
-            <a:pPr lvl="2"/>
-            <a:endParaRPr lang="de-DE" dirty="0"/>
-          </a:p>
-          <a:p>
-            <a:pPr lvl="2"/>
-            <a:endParaRPr lang="de-DE" dirty="0"/>
-          </a:p>
-        </p:txBody>
-      </p:sp>
-      <p:sp>
-        <p:nvSpPr>
-          <p:cNvPr id="4" name="Foliennummernplatzhalter 3"/>
-          <p:cNvSpPr>
-            <a:spLocks noGrp="1"/>
-          </p:cNvSpPr>
-          <p:nvPr>
-            <p:ph type="sldNum" sz="quarter" idx="12"/>
-          </p:nvPr>
-        </p:nvSpPr>
-        <p:spPr/>
-        <p:txBody>
-          <a:bodyPr/>
-          <a:lstStyle/>
-          <a:p>
-            <a:fld id="{750AB064-513B-4E5C-9ADF-210709BEB955}" type="slidenum">
-              <a:rPr lang="en-US" smtClean="0"/>
-              <a:t>14</a:t>
-            </a:fld>
-            <a:endParaRPr lang="en-US"/>
-          </a:p>
-        </p:txBody>
-      </p:sp>
-    </p:spTree>
-    <p:extLst>
-      <p:ext uri="{BB962C8B-B14F-4D97-AF65-F5344CB8AC3E}">
-        <p14:creationId xmlns:p14="http://schemas.microsoft.com/office/powerpoint/2010/main" val="4223971734"/>
-      </p:ext>
-    </p:extLst>
-  </p:cSld>
-  <p:clrMapOvr>
-    <a:masterClrMapping/>
-  </p:clrMapOvr>
-  <p:timing>
-    <p:tnLst>
-      <p:par>
-        <p:cTn id="1" dur="indefinite" restart="never" nodeType="tmRoot">
-          <p:childTnLst>
-            <p:seq concurrent="1" nextAc="seek">
-              <p:cTn id="2" dur="indefinite" nodeType="mainSeq">
-                <p:childTnLst>
-                  <p:par>
-                    <p:cTn id="3" fill="hold">
-                      <p:stCondLst>
-                        <p:cond delay="indefinite"/>
-                      </p:stCondLst>
-                      <p:childTnLst>
-                        <p:par>
-                          <p:cTn id="4" fill="hold">
-                            <p:stCondLst>
-                              <p:cond delay="0"/>
-                            </p:stCondLst>
-                            <p:childTnLst>
-                              <p:par>
-                                <p:cTn id="5" presetID="10" presetClass="entr" presetSubtype="0" fill="hold" nodeType="clickEffect">
-                                  <p:stCondLst>
-                                    <p:cond delay="0"/>
-                                  </p:stCondLst>
-                                  <p:childTnLst>
-                                    <p:set>
-                                      <p:cBhvr>
-                                        <p:cTn id="6" dur="1" fill="hold">
-                                          <p:stCondLst>
-                                            <p:cond delay="0"/>
-                                          </p:stCondLst>
-                                        </p:cTn>
-                                        <p:tgtEl>
-                                          <p:spTgt spid="3">
-                                            <p:txEl>
-                                              <p:pRg st="0" end="0"/>
-                                            </p:txEl>
-                                          </p:spTgt>
-                                        </p:tgtEl>
-                                        <p:attrNameLst>
-                                          <p:attrName>style.visibility</p:attrName>
-                                        </p:attrNameLst>
-                                      </p:cBhvr>
-                                      <p:to>
-                                        <p:strVal val="visible"/>
-                                      </p:to>
-                                    </p:set>
-                                    <p:animEffect transition="in" filter="fade">
-                                      <p:cBhvr>
-                                        <p:cTn id="7" dur="500"/>
-                                        <p:tgtEl>
-                                          <p:spTgt spid="3">
-                                            <p:txEl>
-                                              <p:pRg st="0" end="0"/>
-                                            </p:txEl>
-                                          </p:spTgt>
-                                        </p:tgtEl>
-                                      </p:cBhvr>
-                                    </p:animEffect>
-                                  </p:childTnLst>
-                                </p:cTn>
-                              </p:par>
-                            </p:childTnLst>
-                          </p:cTn>
-                        </p:par>
-                      </p:childTnLst>
-                    </p:cTn>
-                  </p:par>
-                  <p:par>
-                    <p:cTn id="8" fill="hold">
-                      <p:stCondLst>
-                        <p:cond delay="indefinite"/>
-                      </p:stCondLst>
-                      <p:childTnLst>
-                        <p:par>
-                          <p:cTn id="9" fill="hold">
-                            <p:stCondLst>
-                              <p:cond delay="0"/>
-                            </p:stCondLst>
-                            <p:childTnLst>
-                              <p:par>
-                                <p:cTn id="10" presetID="10" presetClass="entr" presetSubtype="0" fill="hold" nodeType="clickEffect">
-                                  <p:stCondLst>
-                                    <p:cond delay="0"/>
-                                  </p:stCondLst>
-                                  <p:childTnLst>
-                                    <p:set>
-                                      <p:cBhvr>
-                                        <p:cTn id="11" dur="1" fill="hold">
-                                          <p:stCondLst>
-                                            <p:cond delay="0"/>
-                                          </p:stCondLst>
-                                        </p:cTn>
-                                        <p:tgtEl>
-                                          <p:spTgt spid="3">
-                                            <p:txEl>
-                                              <p:pRg st="1" end="1"/>
-                                            </p:txEl>
-                                          </p:spTgt>
-                                        </p:tgtEl>
-                                        <p:attrNameLst>
-                                          <p:attrName>style.visibility</p:attrName>
-                                        </p:attrNameLst>
-                                      </p:cBhvr>
-                                      <p:to>
-                                        <p:strVal val="visible"/>
-                                      </p:to>
-                                    </p:set>
-                                    <p:animEffect transition="in" filter="fade">
-                                      <p:cBhvr>
-                                        <p:cTn id="12" dur="500"/>
-                                        <p:tgtEl>
-                                          <p:spTgt spid="3">
-                                            <p:txEl>
-                                              <p:pRg st="1" end="1"/>
-                                            </p:txEl>
-                                          </p:spTgt>
-                                        </p:tgtEl>
-                                      </p:cBhvr>
-                                    </p:animEffect>
-                                  </p:childTnLst>
-                                </p:cTn>
-                              </p:par>
-                            </p:childTnLst>
-                          </p:cTn>
-                        </p:par>
-                      </p:childTnLst>
-                    </p:cTn>
-                  </p:par>
-                  <p:par>
-                    <p:cTn id="13" fill="hold">
-                      <p:stCondLst>
-                        <p:cond delay="indefinite"/>
-                      </p:stCondLst>
-                      <p:childTnLst>
-                        <p:par>
-                          <p:cTn id="14" fill="hold">
-                            <p:stCondLst>
-                              <p:cond delay="0"/>
-                            </p:stCondLst>
-                            <p:childTnLst>
-                              <p:par>
-                                <p:cTn id="15" presetID="10" presetClass="entr" presetSubtype="0" fill="hold" nodeType="clickEffect">
-                                  <p:stCondLst>
-                                    <p:cond delay="0"/>
-                                  </p:stCondLst>
-                                  <p:childTnLst>
-                                    <p:set>
-                                      <p:cBhvr>
-                                        <p:cTn id="16" dur="1" fill="hold">
-                                          <p:stCondLst>
-                                            <p:cond delay="0"/>
-                                          </p:stCondLst>
-                                        </p:cTn>
-                                        <p:tgtEl>
-                                          <p:spTgt spid="3">
-                                            <p:txEl>
-                                              <p:pRg st="2" end="2"/>
-                                            </p:txEl>
-                                          </p:spTgt>
-                                        </p:tgtEl>
-                                        <p:attrNameLst>
-                                          <p:attrName>style.visibility</p:attrName>
-                                        </p:attrNameLst>
-                                      </p:cBhvr>
-                                      <p:to>
-                                        <p:strVal val="visible"/>
-                                      </p:to>
-                                    </p:set>
-                                    <p:animEffect transition="in" filter="fade">
-                                      <p:cBhvr>
-                                        <p:cTn id="17" dur="500"/>
-                                        <p:tgtEl>
-                                          <p:spTgt spid="3">
-                                            <p:txEl>
-                                              <p:pRg st="2" end="2"/>
-                                            </p:txEl>
-                                          </p:spTgt>
-                                        </p:tgtEl>
-                                      </p:cBhvr>
-                                    </p:animEffect>
-                                  </p:childTnLst>
-                                </p:cTn>
-                              </p:par>
-                            </p:childTnLst>
-                          </p:cTn>
-                        </p:par>
-                      </p:childTnLst>
-                    </p:cTn>
-                  </p:par>
-                  <p:par>
-                    <p:cTn id="18" fill="hold">
-                      <p:stCondLst>
-                        <p:cond delay="indefinite"/>
-                      </p:stCondLst>
-                      <p:childTnLst>
-                        <p:par>
-                          <p:cTn id="19" fill="hold">
-                            <p:stCondLst>
-                              <p:cond delay="0"/>
-                            </p:stCondLst>
-                            <p:childTnLst>
-                              <p:par>
-                                <p:cTn id="20" presetID="10" presetClass="entr" presetSubtype="0" fill="hold" nodeType="clickEffect">
-                                  <p:stCondLst>
-                                    <p:cond delay="0"/>
-                                  </p:stCondLst>
-                                  <p:childTnLst>
-                                    <p:set>
-                                      <p:cBhvr>
-                                        <p:cTn id="21" dur="1" fill="hold">
-                                          <p:stCondLst>
-                                            <p:cond delay="0"/>
-                                          </p:stCondLst>
-                                        </p:cTn>
-                                        <p:tgtEl>
-                                          <p:spTgt spid="3">
-                                            <p:txEl>
-                                              <p:pRg st="3" end="3"/>
-                                            </p:txEl>
-                                          </p:spTgt>
-                                        </p:tgtEl>
-                                        <p:attrNameLst>
-                                          <p:attrName>style.visibility</p:attrName>
-                                        </p:attrNameLst>
-                                      </p:cBhvr>
-                                      <p:to>
-                                        <p:strVal val="visible"/>
-                                      </p:to>
-                                    </p:set>
-                                    <p:animEffect transition="in" filter="fade">
-                                      <p:cBhvr>
-                                        <p:cTn id="22" dur="500"/>
-                                        <p:tgtEl>
-                                          <p:spTgt spid="3">
-                                            <p:txEl>
-                                              <p:pRg st="3" end="3"/>
-                                            </p:txEl>
-                                          </p:spTgt>
-                                        </p:tgtEl>
-                                      </p:cBhvr>
-                                    </p:animEffect>
-                                  </p:childTnLst>
-                                </p:cTn>
-                              </p:par>
-                            </p:childTnLst>
-                          </p:cTn>
-                        </p:par>
-                      </p:childTnLst>
-                    </p:cTn>
-                  </p:par>
-                  <p:par>
-                    <p:cTn id="23" fill="hold">
-                      <p:stCondLst>
-                        <p:cond delay="indefinite"/>
-                      </p:stCondLst>
-                      <p:childTnLst>
-                        <p:par>
-                          <p:cTn id="24" fill="hold">
-                            <p:stCondLst>
-                              <p:cond delay="0"/>
-                            </p:stCondLst>
-                            <p:childTnLst>
-                              <p:par>
-                                <p:cTn id="25" presetID="10" presetClass="entr" presetSubtype="0" fill="hold" nodeType="clickEffect">
-                                  <p:stCondLst>
-                                    <p:cond delay="0"/>
-                                  </p:stCondLst>
-                                  <p:childTnLst>
-                                    <p:set>
-                                      <p:cBhvr>
-                                        <p:cTn id="26" dur="1" fill="hold">
-                                          <p:stCondLst>
-                                            <p:cond delay="0"/>
-                                          </p:stCondLst>
-                                        </p:cTn>
-                                        <p:tgtEl>
-                                          <p:spTgt spid="3">
-                                            <p:txEl>
-                                              <p:pRg st="4" end="4"/>
-                                            </p:txEl>
-                                          </p:spTgt>
-                                        </p:tgtEl>
-                                        <p:attrNameLst>
-                                          <p:attrName>style.visibility</p:attrName>
-                                        </p:attrNameLst>
-                                      </p:cBhvr>
-                                      <p:to>
-                                        <p:strVal val="visible"/>
-                                      </p:to>
-                                    </p:set>
-                                    <p:animEffect transition="in" filter="fade">
-                                      <p:cBhvr>
-                                        <p:cTn id="27" dur="500"/>
-                                        <p:tgtEl>
-                                          <p:spTgt spid="3">
-                                            <p:txEl>
-                                              <p:pRg st="4" end="4"/>
-                                            </p:txEl>
-                                          </p:spTgt>
-                                        </p:tgtEl>
-                                      </p:cBhvr>
-                                    </p:animEffect>
-                                  </p:childTnLst>
-                                </p:cTn>
-                              </p:par>
-                            </p:childTnLst>
-                          </p:cTn>
-                        </p:par>
-                      </p:childTnLst>
-                    </p:cTn>
-                  </p:par>
-                  <p:par>
-                    <p:cTn id="28" fill="hold">
-                      <p:stCondLst>
-                        <p:cond delay="indefinite"/>
-                      </p:stCondLst>
-                      <p:childTnLst>
-                        <p:par>
-                          <p:cTn id="29" fill="hold">
-                            <p:stCondLst>
-                              <p:cond delay="0"/>
-                            </p:stCondLst>
-                            <p:childTnLst>
-                              <p:par>
-                                <p:cTn id="30" presetID="10" presetClass="entr" presetSubtype="0" fill="hold" nodeType="clickEffect">
-                                  <p:stCondLst>
-                                    <p:cond delay="0"/>
-                                  </p:stCondLst>
-                                  <p:childTnLst>
-                                    <p:set>
-                                      <p:cBhvr>
-                                        <p:cTn id="31" dur="1" fill="hold">
-                                          <p:stCondLst>
-                                            <p:cond delay="0"/>
-                                          </p:stCondLst>
-                                        </p:cTn>
-                                        <p:tgtEl>
-                                          <p:spTgt spid="3">
-                                            <p:txEl>
-                                              <p:pRg st="5" end="5"/>
-                                            </p:txEl>
-                                          </p:spTgt>
-                                        </p:tgtEl>
-                                        <p:attrNameLst>
-                                          <p:attrName>style.visibility</p:attrName>
-                                        </p:attrNameLst>
-                                      </p:cBhvr>
-                                      <p:to>
-                                        <p:strVal val="visible"/>
-                                      </p:to>
-                                    </p:set>
-                                    <p:animEffect transition="in" filter="fade">
-                                      <p:cBhvr>
-                                        <p:cTn id="32" dur="500"/>
-                                        <p:tgtEl>
-                                          <p:spTgt spid="3">
-                                            <p:txEl>
-                                              <p:pRg st="5" end="5"/>
-                                            </p:txEl>
-                                          </p:spTgt>
-                                        </p:tgtEl>
-                                      </p:cBhvr>
-                                    </p:animEffect>
-                                  </p:childTnLst>
-                                </p:cTn>
-                              </p:par>
-                            </p:childTnLst>
-                          </p:cTn>
-                        </p:par>
-                      </p:childTnLst>
-                    </p:cTn>
-                  </p:par>
-                  <p:par>
-                    <p:cTn id="33" fill="hold">
-                      <p:stCondLst>
-                        <p:cond delay="indefinite"/>
-                      </p:stCondLst>
-                      <p:childTnLst>
-                        <p:par>
-                          <p:cTn id="34" fill="hold">
-                            <p:stCondLst>
-                              <p:cond delay="0"/>
-                            </p:stCondLst>
-                            <p:childTnLst>
-                              <p:par>
-                                <p:cTn id="35" presetID="10" presetClass="entr" presetSubtype="0" fill="hold" nodeType="clickEffect">
-                                  <p:stCondLst>
-                                    <p:cond delay="0"/>
-                                  </p:stCondLst>
-                                  <p:childTnLst>
-                                    <p:set>
-                                      <p:cBhvr>
-                                        <p:cTn id="36" dur="1" fill="hold">
-                                          <p:stCondLst>
-                                            <p:cond delay="0"/>
-                                          </p:stCondLst>
-                                        </p:cTn>
-                                        <p:tgtEl>
-                                          <p:spTgt spid="3">
-                                            <p:txEl>
-                                              <p:pRg st="6" end="6"/>
-                                            </p:txEl>
-                                          </p:spTgt>
-                                        </p:tgtEl>
-                                        <p:attrNameLst>
-                                          <p:attrName>style.visibility</p:attrName>
-                                        </p:attrNameLst>
-                                      </p:cBhvr>
-                                      <p:to>
-                                        <p:strVal val="visible"/>
-                                      </p:to>
-                                    </p:set>
-                                    <p:animEffect transition="in" filter="fade">
-                                      <p:cBhvr>
-                                        <p:cTn id="37" dur="500"/>
-                                        <p:tgtEl>
-                                          <p:spTgt spid="3">
-                                            <p:txEl>
-                                              <p:pRg st="6" end="6"/>
-                                            </p:txEl>
-                                          </p:spTgt>
-                                        </p:tgtEl>
-                                      </p:cBhvr>
-                                    </p:animEffect>
-                                  </p:childTnLst>
-                                </p:cTn>
-                              </p:par>
-                            </p:childTnLst>
-                          </p:cTn>
-                        </p:par>
-                      </p:childTnLst>
-                    </p:cTn>
-                  </p:par>
-                  <p:par>
-                    <p:cTn id="38" fill="hold">
-                      <p:stCondLst>
-                        <p:cond delay="indefinite"/>
-                      </p:stCondLst>
-                      <p:childTnLst>
-                        <p:par>
-                          <p:cTn id="39" fill="hold">
-                            <p:stCondLst>
-                              <p:cond delay="0"/>
-                            </p:stCondLst>
-                            <p:childTnLst>
-                              <p:par>
-                                <p:cTn id="40" presetID="10" presetClass="entr" presetSubtype="0" fill="hold" nodeType="clickEffect">
-                                  <p:stCondLst>
-                                    <p:cond delay="0"/>
-                                  </p:stCondLst>
-                                  <p:childTnLst>
-                                    <p:set>
-                                      <p:cBhvr>
-                                        <p:cTn id="41" dur="1" fill="hold">
-                                          <p:stCondLst>
-                                            <p:cond delay="0"/>
-                                          </p:stCondLst>
-                                        </p:cTn>
-                                        <p:tgtEl>
-                                          <p:spTgt spid="3">
-                                            <p:txEl>
-                                              <p:pRg st="7" end="7"/>
-                                            </p:txEl>
-                                          </p:spTgt>
-                                        </p:tgtEl>
-                                        <p:attrNameLst>
-                                          <p:attrName>style.visibility</p:attrName>
-                                        </p:attrNameLst>
-                                      </p:cBhvr>
-                                      <p:to>
-                                        <p:strVal val="visible"/>
-                                      </p:to>
-                                    </p:set>
-                                    <p:animEffect transition="in" filter="fade">
-                                      <p:cBhvr>
-                                        <p:cTn id="42" dur="500"/>
-                                        <p:tgtEl>
-                                          <p:spTgt spid="3">
-                                            <p:txEl>
-                                              <p:pRg st="7" end="7"/>
-                                            </p:txEl>
-                                          </p:spTgt>
-                                        </p:tgtEl>
-                                      </p:cBhvr>
-                                    </p:animEffect>
-                                  </p:childTnLst>
-                                </p:cTn>
-                              </p:par>
-                            </p:childTnLst>
-                          </p:cTn>
-                        </p:par>
-                      </p:childTnLst>
-                    </p:cTn>
-                  </p:par>
-                </p:childTnLst>
-              </p:cTn>
-              <p:prevCondLst>
-                <p:cond evt="onPrev" delay="0">
-                  <p:tgtEl>
-                    <p:sldTgt/>
-                  </p:tgtEl>
-                </p:cond>
-              </p:prevCondLst>
-              <p:nextCondLst>
-                <p:cond evt="onNext" delay="0">
-                  <p:tgtEl>
-                    <p:sldTgt/>
-                  </p:tgtEl>
-                </p:cond>
-              </p:nextCondLst>
-            </p:seq>
-          </p:childTnLst>
-        </p:cTn>
-      </p:par>
-    </p:tnLst>
-  </p:timing>
-</p:sld>
-</file>
-
-<file path=ppt/slides/slide15.xml><?xml version="1.0" encoding="utf-8"?>
-<p:sld xmlns:a="http://schemas.openxmlformats.org/drawingml/2006/main" xmlns:r="http://schemas.openxmlformats.org/officeDocument/2006/relationships" xmlns:p="http://schemas.openxmlformats.org/presentationml/2006/main">
-  <p:cSld>
-    <p:spTree>
-      <p:nvGrpSpPr>
-        <p:cNvPr id="1" name=""/>
-        <p:cNvGrpSpPr/>
-        <p:nvPr/>
-      </p:nvGrpSpPr>
-      <p:grpSpPr>
-        <a:xfrm>
-          <a:off x="0" y="0"/>
-          <a:ext cx="0" cy="0"/>
-          <a:chOff x="0" y="0"/>
-          <a:chExt cx="0" cy="0"/>
-        </a:xfrm>
-      </p:grpSpPr>
-      <p:sp>
-        <p:nvSpPr>
-          <p:cNvPr id="2" name="Title 1"/>
-          <p:cNvSpPr>
-            <a:spLocks noGrp="1"/>
-          </p:cNvSpPr>
-          <p:nvPr>
-            <p:ph type="title"/>
-          </p:nvPr>
-        </p:nvSpPr>
-        <p:spPr/>
-        <p:txBody>
-          <a:bodyPr>
-            <a:normAutofit/>
-          </a:bodyPr>
-          <a:lstStyle/>
-          <a:p>
-            <a:r>
-              <a:rPr lang="en-US" dirty="0" err="1"/>
-              <a:t>Versionsverwaltungssysteme</a:t>
-            </a:r>
-            <a:endParaRPr lang="en-US" dirty="0"/>
-          </a:p>
-        </p:txBody>
-      </p:sp>
-      <p:sp>
-        <p:nvSpPr>
-          <p:cNvPr id="3" name="Content Placeholder 2"/>
-          <p:cNvSpPr>
-            <a:spLocks noGrp="1"/>
-          </p:cNvSpPr>
-          <p:nvPr>
-            <p:ph idx="1"/>
-          </p:nvPr>
-        </p:nvSpPr>
-        <p:spPr>
-          <a:xfrm>
-            <a:off x="457200" y="1935479"/>
-            <a:ext cx="8291264" cy="4785995"/>
-          </a:xfrm>
-        </p:spPr>
-        <p:txBody>
-          <a:bodyPr>
-            <a:normAutofit/>
-          </a:bodyPr>
-          <a:lstStyle/>
-          <a:p>
-            <a:pPr lvl="2"/>
-            <a:r>
-              <a:rPr lang="de-DE" dirty="0"/>
-              <a:t>Vorteile: </a:t>
-            </a:r>
-          </a:p>
-          <a:p>
-            <a:pPr lvl="3"/>
-            <a:r>
-              <a:rPr lang="de-DE" dirty="0"/>
-              <a:t>Keine Verbindung zum Server notwendig -&gt; vollständiger Zugriff zu jedem Zeitpunkt möglich</a:t>
-            </a:r>
-          </a:p>
-          <a:p>
-            <a:pPr lvl="3"/>
-            <a:r>
-              <a:rPr lang="de-DE" dirty="0"/>
-              <a:t>Änderungen unter vollständiger Kontrolle (mit Namen)</a:t>
-            </a:r>
-          </a:p>
-          <a:p>
-            <a:pPr lvl="3"/>
-            <a:r>
-              <a:rPr lang="de-DE" dirty="0"/>
-              <a:t>Verteilte Versionsgeschichte (Änderungen lokal verfolgbar)</a:t>
-            </a:r>
-          </a:p>
-          <a:p>
-            <a:pPr lvl="3"/>
-            <a:r>
-              <a:rPr lang="de-DE" dirty="0"/>
-              <a:t>Unterstützen effiziente Arbeitsweise (schnelles Wechseln zwischen lokalen </a:t>
-            </a:r>
-            <a:r>
-              <a:rPr lang="de-DE" dirty="0" err="1"/>
-              <a:t>Branches</a:t>
-            </a:r>
-            <a:r>
-              <a:rPr lang="de-DE" dirty="0"/>
-              <a:t>)</a:t>
-            </a:r>
-          </a:p>
-          <a:p>
-            <a:pPr lvl="2"/>
-            <a:r>
-              <a:rPr lang="de-DE" dirty="0"/>
-              <a:t>Revisionen können anhand laufender Nummern nicht mehr identifiziert werden (SHA1-Prüfsummen als Lösung bei GIT)</a:t>
-            </a:r>
-          </a:p>
-          <a:p>
-            <a:pPr lvl="3"/>
-            <a:r>
-              <a:rPr lang="de-DE" dirty="0"/>
-              <a:t>Effizienter Abgleich zwischen </a:t>
-            </a:r>
-            <a:r>
-              <a:rPr lang="de-DE" dirty="0" err="1"/>
-              <a:t>Repositorys</a:t>
-            </a:r>
-            <a:endParaRPr lang="de-DE" dirty="0"/>
-          </a:p>
-          <a:p>
-            <a:pPr lvl="3"/>
-            <a:r>
-              <a:rPr lang="de-DE" dirty="0"/>
-              <a:t>Offline-Erzeugung der Hashs ohne Problem</a:t>
-            </a:r>
-          </a:p>
-          <a:p>
-            <a:pPr lvl="3"/>
-            <a:r>
-              <a:rPr lang="de-DE" dirty="0"/>
-              <a:t>Integrität -&gt; Hashwert wird aus Daten gewonnen -&gt; Manipulation schwer</a:t>
-            </a:r>
-          </a:p>
-          <a:p>
-            <a:pPr lvl="2"/>
-            <a:endParaRPr lang="de-DE" dirty="0"/>
-          </a:p>
-          <a:p>
-            <a:pPr lvl="2"/>
-            <a:endParaRPr lang="de-DE" dirty="0"/>
-          </a:p>
-          <a:p>
-            <a:pPr lvl="1"/>
-            <a:endParaRPr lang="de-DE" dirty="0"/>
-          </a:p>
-          <a:p>
-            <a:pPr lvl="2"/>
-            <a:endParaRPr lang="de-DE" dirty="0"/>
-          </a:p>
-          <a:p>
-            <a:pPr lvl="2"/>
-            <a:endParaRPr lang="de-DE" dirty="0"/>
-          </a:p>
-          <a:p>
-            <a:pPr lvl="2"/>
-            <a:endParaRPr lang="de-DE" dirty="0"/>
-          </a:p>
-        </p:txBody>
-      </p:sp>
-      <p:sp>
-        <p:nvSpPr>
-          <p:cNvPr id="4" name="Foliennummernplatzhalter 3"/>
-          <p:cNvSpPr>
-            <a:spLocks noGrp="1"/>
-          </p:cNvSpPr>
-          <p:nvPr>
-            <p:ph type="sldNum" sz="quarter" idx="12"/>
-          </p:nvPr>
-        </p:nvSpPr>
-        <p:spPr/>
-        <p:txBody>
-          <a:bodyPr/>
-          <a:lstStyle/>
-          <a:p>
-            <a:fld id="{750AB064-513B-4E5C-9ADF-210709BEB955}" type="slidenum">
-              <a:rPr lang="en-US" smtClean="0"/>
-              <a:t>15</a:t>
             </a:fld>
             <a:endParaRPr lang="en-US"/>
           </a:p>
@@ -11394,7 +8127,7 @@
 </p:sld>
 </file>
 
-<file path=ppt/slides/slide16.xml><?xml version="1.0" encoding="utf-8"?>
+<file path=ppt/slides/slide11.xml><?xml version="1.0" encoding="utf-8"?>
 <p:sld xmlns:a="http://schemas.openxmlformats.org/drawingml/2006/main" xmlns:r="http://schemas.openxmlformats.org/officeDocument/2006/relationships" xmlns:p="http://schemas.openxmlformats.org/presentationml/2006/main">
   <p:cSld>
     <p:spTree>
@@ -11550,7 +8283,7 @@
           <a:p>
             <a:fld id="{750AB064-513B-4E5C-9ADF-210709BEB955}" type="slidenum">
               <a:rPr lang="en-US" smtClean="0"/>
-              <a:t>16</a:t>
+              <a:t>11</a:t>
             </a:fld>
             <a:endParaRPr lang="en-US"/>
           </a:p>
@@ -12018,6 +8751,3528 @@
 </p:sld>
 </file>
 
+<file path=ppt/slides/slide12.xml><?xml version="1.0" encoding="utf-8"?>
+<p:sld xmlns:a="http://schemas.openxmlformats.org/drawingml/2006/main" xmlns:r="http://schemas.openxmlformats.org/officeDocument/2006/relationships" xmlns:p="http://schemas.openxmlformats.org/presentationml/2006/main">
+  <p:cSld>
+    <p:spTree>
+      <p:nvGrpSpPr>
+        <p:cNvPr id="1" name=""/>
+        <p:cNvGrpSpPr/>
+        <p:nvPr/>
+      </p:nvGrpSpPr>
+      <p:grpSpPr>
+        <a:xfrm>
+          <a:off x="0" y="0"/>
+          <a:ext cx="0" cy="0"/>
+          <a:chOff x="0" y="0"/>
+          <a:chExt cx="0" cy="0"/>
+        </a:xfrm>
+      </p:grpSpPr>
+      <p:sp>
+        <p:nvSpPr>
+          <p:cNvPr id="2" name="Title 1"/>
+          <p:cNvSpPr>
+            <a:spLocks noGrp="1"/>
+          </p:cNvSpPr>
+          <p:nvPr>
+            <p:ph type="title"/>
+          </p:nvPr>
+        </p:nvSpPr>
+        <p:spPr/>
+        <p:txBody>
+          <a:bodyPr/>
+          <a:lstStyle/>
+          <a:p>
+            <a:r>
+              <a:rPr lang="en-US" dirty="0" err="1"/>
+              <a:t>Continous</a:t>
+            </a:r>
+            <a:r>
+              <a:rPr lang="en-US" dirty="0"/>
+              <a:t> Integration</a:t>
+            </a:r>
+          </a:p>
+        </p:txBody>
+      </p:sp>
+      <p:sp>
+        <p:nvSpPr>
+          <p:cNvPr id="3" name="Content Placeholder 2"/>
+          <p:cNvSpPr>
+            <a:spLocks noGrp="1"/>
+          </p:cNvSpPr>
+          <p:nvPr>
+            <p:ph idx="1"/>
+          </p:nvPr>
+        </p:nvSpPr>
+        <p:spPr/>
+        <p:txBody>
+          <a:bodyPr>
+            <a:normAutofit fontScale="92500" lnSpcReduction="10000"/>
+          </a:bodyPr>
+          <a:lstStyle/>
+          <a:p>
+            <a:pPr lvl="1"/>
+            <a:r>
+              <a:rPr lang="de-DE" dirty="0"/>
+              <a:t>Fortlaufende Entwicklung </a:t>
+            </a:r>
+          </a:p>
+          <a:p>
+            <a:pPr lvl="1"/>
+            <a:r>
+              <a:rPr lang="de-DE" dirty="0"/>
+              <a:t>Beschreibt den Prozess des fortlaufenden Zusammenfügens von Komponenten zu einer Anwendung</a:t>
+            </a:r>
+          </a:p>
+          <a:p>
+            <a:pPr lvl="1"/>
+            <a:r>
+              <a:rPr lang="de-DE" dirty="0"/>
+              <a:t>Ziel:</a:t>
+            </a:r>
+          </a:p>
+          <a:p>
+            <a:pPr lvl="2"/>
+            <a:r>
+              <a:rPr lang="de-DE" dirty="0"/>
+              <a:t>Integration Problems vermeiden und</a:t>
+            </a:r>
+          </a:p>
+          <a:p>
+            <a:pPr lvl="2"/>
+            <a:r>
+              <a:rPr lang="de-DE" dirty="0"/>
+              <a:t>Steigerung der Qualität der Software</a:t>
+            </a:r>
+          </a:p>
+          <a:p>
+            <a:pPr lvl="1"/>
+            <a:r>
+              <a:rPr lang="de-DE" dirty="0"/>
+              <a:t>Oftmals umfasst das nicht nur den Neubau des Systems, sondern auch die Durchführung automatisierter Tests und Messung via Metriken</a:t>
+            </a:r>
+          </a:p>
+          <a:p>
+            <a:pPr lvl="1"/>
+            <a:r>
+              <a:rPr lang="de-DE" dirty="0"/>
+              <a:t>Automatisch ausgelöst durch Einchecken in die </a:t>
+            </a:r>
+            <a:r>
+              <a:rPr lang="de-DE" u="sng" dirty="0"/>
+              <a:t>Versionsverwaltung </a:t>
+            </a:r>
+          </a:p>
+          <a:p>
+            <a:pPr lvl="1"/>
+            <a:r>
+              <a:rPr lang="de-DE" dirty="0"/>
+              <a:t>Einfache Variante: </a:t>
+            </a:r>
+            <a:r>
+              <a:rPr lang="de-DE" dirty="0" err="1"/>
+              <a:t>nightly</a:t>
+            </a:r>
+            <a:r>
+              <a:rPr lang="de-DE" dirty="0"/>
+              <a:t> </a:t>
+            </a:r>
+            <a:r>
+              <a:rPr lang="de-DE" dirty="0" err="1"/>
+              <a:t>Build</a:t>
+            </a:r>
+            <a:endParaRPr lang="de-DE" dirty="0"/>
+          </a:p>
+          <a:p>
+            <a:pPr lvl="2"/>
+            <a:endParaRPr lang="de-DE" dirty="0"/>
+          </a:p>
+          <a:p>
+            <a:pPr lvl="1"/>
+            <a:endParaRPr lang="de-DE" dirty="0"/>
+          </a:p>
+          <a:p>
+            <a:pPr lvl="2"/>
+            <a:endParaRPr lang="de-DE" dirty="0"/>
+          </a:p>
+          <a:p>
+            <a:pPr lvl="2"/>
+            <a:endParaRPr lang="de-DE" dirty="0"/>
+          </a:p>
+          <a:p>
+            <a:pPr lvl="1"/>
+            <a:endParaRPr lang="de-DE" dirty="0"/>
+          </a:p>
+          <a:p>
+            <a:pPr lvl="2"/>
+            <a:endParaRPr lang="de-DE" dirty="0"/>
+          </a:p>
+          <a:p>
+            <a:pPr lvl="2"/>
+            <a:endParaRPr lang="de-DE" dirty="0"/>
+          </a:p>
+          <a:p>
+            <a:pPr lvl="2"/>
+            <a:endParaRPr lang="de-DE" dirty="0"/>
+          </a:p>
+        </p:txBody>
+      </p:sp>
+      <p:sp>
+        <p:nvSpPr>
+          <p:cNvPr id="4" name="Foliennummernplatzhalter 3"/>
+          <p:cNvSpPr>
+            <a:spLocks noGrp="1"/>
+          </p:cNvSpPr>
+          <p:nvPr>
+            <p:ph type="sldNum" sz="quarter" idx="12"/>
+          </p:nvPr>
+        </p:nvSpPr>
+        <p:spPr/>
+        <p:txBody>
+          <a:bodyPr/>
+          <a:lstStyle/>
+          <a:p>
+            <a:fld id="{750AB064-513B-4E5C-9ADF-210709BEB955}" type="slidenum">
+              <a:rPr lang="en-US" smtClean="0"/>
+              <a:t>12</a:t>
+            </a:fld>
+            <a:endParaRPr lang="en-US"/>
+          </a:p>
+        </p:txBody>
+      </p:sp>
+    </p:spTree>
+    <p:extLst>
+      <p:ext uri="{BB962C8B-B14F-4D97-AF65-F5344CB8AC3E}">
+        <p14:creationId xmlns:p14="http://schemas.microsoft.com/office/powerpoint/2010/main" val="952842343"/>
+      </p:ext>
+    </p:extLst>
+  </p:cSld>
+  <p:clrMapOvr>
+    <a:masterClrMapping/>
+  </p:clrMapOvr>
+  <p:timing>
+    <p:tnLst>
+      <p:par>
+        <p:cTn id="1" dur="indefinite" restart="never" nodeType="tmRoot">
+          <p:childTnLst>
+            <p:seq concurrent="1" nextAc="seek">
+              <p:cTn id="2" dur="indefinite" nodeType="mainSeq">
+                <p:childTnLst>
+                  <p:par>
+                    <p:cTn id="3" fill="hold">
+                      <p:stCondLst>
+                        <p:cond delay="indefinite"/>
+                      </p:stCondLst>
+                      <p:childTnLst>
+                        <p:par>
+                          <p:cTn id="4" fill="hold">
+                            <p:stCondLst>
+                              <p:cond delay="0"/>
+                            </p:stCondLst>
+                            <p:childTnLst>
+                              <p:par>
+                                <p:cTn id="5" presetID="10" presetClass="entr" presetSubtype="0" fill="hold" nodeType="clickEffect">
+                                  <p:stCondLst>
+                                    <p:cond delay="0"/>
+                                  </p:stCondLst>
+                                  <p:childTnLst>
+                                    <p:set>
+                                      <p:cBhvr>
+                                        <p:cTn id="6" dur="1" fill="hold">
+                                          <p:stCondLst>
+                                            <p:cond delay="0"/>
+                                          </p:stCondLst>
+                                        </p:cTn>
+                                        <p:tgtEl>
+                                          <p:spTgt spid="3">
+                                            <p:txEl>
+                                              <p:pRg st="0" end="0"/>
+                                            </p:txEl>
+                                          </p:spTgt>
+                                        </p:tgtEl>
+                                        <p:attrNameLst>
+                                          <p:attrName>style.visibility</p:attrName>
+                                        </p:attrNameLst>
+                                      </p:cBhvr>
+                                      <p:to>
+                                        <p:strVal val="visible"/>
+                                      </p:to>
+                                    </p:set>
+                                    <p:animEffect transition="in" filter="fade">
+                                      <p:cBhvr>
+                                        <p:cTn id="7" dur="500"/>
+                                        <p:tgtEl>
+                                          <p:spTgt spid="3">
+                                            <p:txEl>
+                                              <p:pRg st="0" end="0"/>
+                                            </p:txEl>
+                                          </p:spTgt>
+                                        </p:tgtEl>
+                                      </p:cBhvr>
+                                    </p:animEffect>
+                                  </p:childTnLst>
+                                </p:cTn>
+                              </p:par>
+                            </p:childTnLst>
+                          </p:cTn>
+                        </p:par>
+                      </p:childTnLst>
+                    </p:cTn>
+                  </p:par>
+                  <p:par>
+                    <p:cTn id="8" fill="hold">
+                      <p:stCondLst>
+                        <p:cond delay="indefinite"/>
+                      </p:stCondLst>
+                      <p:childTnLst>
+                        <p:par>
+                          <p:cTn id="9" fill="hold">
+                            <p:stCondLst>
+                              <p:cond delay="0"/>
+                            </p:stCondLst>
+                            <p:childTnLst>
+                              <p:par>
+                                <p:cTn id="10" presetID="10" presetClass="entr" presetSubtype="0" fill="hold" nodeType="clickEffect">
+                                  <p:stCondLst>
+                                    <p:cond delay="0"/>
+                                  </p:stCondLst>
+                                  <p:childTnLst>
+                                    <p:set>
+                                      <p:cBhvr>
+                                        <p:cTn id="11" dur="1" fill="hold">
+                                          <p:stCondLst>
+                                            <p:cond delay="0"/>
+                                          </p:stCondLst>
+                                        </p:cTn>
+                                        <p:tgtEl>
+                                          <p:spTgt spid="3">
+                                            <p:txEl>
+                                              <p:pRg st="1" end="1"/>
+                                            </p:txEl>
+                                          </p:spTgt>
+                                        </p:tgtEl>
+                                        <p:attrNameLst>
+                                          <p:attrName>style.visibility</p:attrName>
+                                        </p:attrNameLst>
+                                      </p:cBhvr>
+                                      <p:to>
+                                        <p:strVal val="visible"/>
+                                      </p:to>
+                                    </p:set>
+                                    <p:animEffect transition="in" filter="fade">
+                                      <p:cBhvr>
+                                        <p:cTn id="12" dur="500"/>
+                                        <p:tgtEl>
+                                          <p:spTgt spid="3">
+                                            <p:txEl>
+                                              <p:pRg st="1" end="1"/>
+                                            </p:txEl>
+                                          </p:spTgt>
+                                        </p:tgtEl>
+                                      </p:cBhvr>
+                                    </p:animEffect>
+                                  </p:childTnLst>
+                                </p:cTn>
+                              </p:par>
+                            </p:childTnLst>
+                          </p:cTn>
+                        </p:par>
+                      </p:childTnLst>
+                    </p:cTn>
+                  </p:par>
+                  <p:par>
+                    <p:cTn id="13" fill="hold">
+                      <p:stCondLst>
+                        <p:cond delay="indefinite"/>
+                      </p:stCondLst>
+                      <p:childTnLst>
+                        <p:par>
+                          <p:cTn id="14" fill="hold">
+                            <p:stCondLst>
+                              <p:cond delay="0"/>
+                            </p:stCondLst>
+                            <p:childTnLst>
+                              <p:par>
+                                <p:cTn id="15" presetID="10" presetClass="entr" presetSubtype="0" fill="hold" nodeType="clickEffect">
+                                  <p:stCondLst>
+                                    <p:cond delay="0"/>
+                                  </p:stCondLst>
+                                  <p:childTnLst>
+                                    <p:set>
+                                      <p:cBhvr>
+                                        <p:cTn id="16" dur="1" fill="hold">
+                                          <p:stCondLst>
+                                            <p:cond delay="0"/>
+                                          </p:stCondLst>
+                                        </p:cTn>
+                                        <p:tgtEl>
+                                          <p:spTgt spid="3">
+                                            <p:txEl>
+                                              <p:pRg st="2" end="2"/>
+                                            </p:txEl>
+                                          </p:spTgt>
+                                        </p:tgtEl>
+                                        <p:attrNameLst>
+                                          <p:attrName>style.visibility</p:attrName>
+                                        </p:attrNameLst>
+                                      </p:cBhvr>
+                                      <p:to>
+                                        <p:strVal val="visible"/>
+                                      </p:to>
+                                    </p:set>
+                                    <p:animEffect transition="in" filter="fade">
+                                      <p:cBhvr>
+                                        <p:cTn id="17" dur="500"/>
+                                        <p:tgtEl>
+                                          <p:spTgt spid="3">
+                                            <p:txEl>
+                                              <p:pRg st="2" end="2"/>
+                                            </p:txEl>
+                                          </p:spTgt>
+                                        </p:tgtEl>
+                                      </p:cBhvr>
+                                    </p:animEffect>
+                                  </p:childTnLst>
+                                </p:cTn>
+                              </p:par>
+                              <p:par>
+                                <p:cTn id="18" presetID="10" presetClass="entr" presetSubtype="0" fill="hold" nodeType="withEffect">
+                                  <p:stCondLst>
+                                    <p:cond delay="0"/>
+                                  </p:stCondLst>
+                                  <p:childTnLst>
+                                    <p:set>
+                                      <p:cBhvr>
+                                        <p:cTn id="19" dur="1" fill="hold">
+                                          <p:stCondLst>
+                                            <p:cond delay="0"/>
+                                          </p:stCondLst>
+                                        </p:cTn>
+                                        <p:tgtEl>
+                                          <p:spTgt spid="3">
+                                            <p:txEl>
+                                              <p:pRg st="3" end="3"/>
+                                            </p:txEl>
+                                          </p:spTgt>
+                                        </p:tgtEl>
+                                        <p:attrNameLst>
+                                          <p:attrName>style.visibility</p:attrName>
+                                        </p:attrNameLst>
+                                      </p:cBhvr>
+                                      <p:to>
+                                        <p:strVal val="visible"/>
+                                      </p:to>
+                                    </p:set>
+                                    <p:animEffect transition="in" filter="fade">
+                                      <p:cBhvr>
+                                        <p:cTn id="20" dur="500"/>
+                                        <p:tgtEl>
+                                          <p:spTgt spid="3">
+                                            <p:txEl>
+                                              <p:pRg st="3" end="3"/>
+                                            </p:txEl>
+                                          </p:spTgt>
+                                        </p:tgtEl>
+                                      </p:cBhvr>
+                                    </p:animEffect>
+                                  </p:childTnLst>
+                                </p:cTn>
+                              </p:par>
+                              <p:par>
+                                <p:cTn id="21" presetID="10" presetClass="entr" presetSubtype="0" fill="hold" nodeType="withEffect">
+                                  <p:stCondLst>
+                                    <p:cond delay="0"/>
+                                  </p:stCondLst>
+                                  <p:childTnLst>
+                                    <p:set>
+                                      <p:cBhvr>
+                                        <p:cTn id="22" dur="1" fill="hold">
+                                          <p:stCondLst>
+                                            <p:cond delay="0"/>
+                                          </p:stCondLst>
+                                        </p:cTn>
+                                        <p:tgtEl>
+                                          <p:spTgt spid="3">
+                                            <p:txEl>
+                                              <p:pRg st="4" end="4"/>
+                                            </p:txEl>
+                                          </p:spTgt>
+                                        </p:tgtEl>
+                                        <p:attrNameLst>
+                                          <p:attrName>style.visibility</p:attrName>
+                                        </p:attrNameLst>
+                                      </p:cBhvr>
+                                      <p:to>
+                                        <p:strVal val="visible"/>
+                                      </p:to>
+                                    </p:set>
+                                    <p:animEffect transition="in" filter="fade">
+                                      <p:cBhvr>
+                                        <p:cTn id="23" dur="500"/>
+                                        <p:tgtEl>
+                                          <p:spTgt spid="3">
+                                            <p:txEl>
+                                              <p:pRg st="4" end="4"/>
+                                            </p:txEl>
+                                          </p:spTgt>
+                                        </p:tgtEl>
+                                      </p:cBhvr>
+                                    </p:animEffect>
+                                  </p:childTnLst>
+                                </p:cTn>
+                              </p:par>
+                            </p:childTnLst>
+                          </p:cTn>
+                        </p:par>
+                      </p:childTnLst>
+                    </p:cTn>
+                  </p:par>
+                  <p:par>
+                    <p:cTn id="24" fill="hold">
+                      <p:stCondLst>
+                        <p:cond delay="indefinite"/>
+                      </p:stCondLst>
+                      <p:childTnLst>
+                        <p:par>
+                          <p:cTn id="25" fill="hold">
+                            <p:stCondLst>
+                              <p:cond delay="0"/>
+                            </p:stCondLst>
+                            <p:childTnLst>
+                              <p:par>
+                                <p:cTn id="26" presetID="10" presetClass="entr" presetSubtype="0" fill="hold" nodeType="clickEffect">
+                                  <p:stCondLst>
+                                    <p:cond delay="0"/>
+                                  </p:stCondLst>
+                                  <p:childTnLst>
+                                    <p:set>
+                                      <p:cBhvr>
+                                        <p:cTn id="27" dur="1" fill="hold">
+                                          <p:stCondLst>
+                                            <p:cond delay="0"/>
+                                          </p:stCondLst>
+                                        </p:cTn>
+                                        <p:tgtEl>
+                                          <p:spTgt spid="3">
+                                            <p:txEl>
+                                              <p:pRg st="5" end="5"/>
+                                            </p:txEl>
+                                          </p:spTgt>
+                                        </p:tgtEl>
+                                        <p:attrNameLst>
+                                          <p:attrName>style.visibility</p:attrName>
+                                        </p:attrNameLst>
+                                      </p:cBhvr>
+                                      <p:to>
+                                        <p:strVal val="visible"/>
+                                      </p:to>
+                                    </p:set>
+                                    <p:animEffect transition="in" filter="fade">
+                                      <p:cBhvr>
+                                        <p:cTn id="28" dur="500"/>
+                                        <p:tgtEl>
+                                          <p:spTgt spid="3">
+                                            <p:txEl>
+                                              <p:pRg st="5" end="5"/>
+                                            </p:txEl>
+                                          </p:spTgt>
+                                        </p:tgtEl>
+                                      </p:cBhvr>
+                                    </p:animEffect>
+                                  </p:childTnLst>
+                                </p:cTn>
+                              </p:par>
+                            </p:childTnLst>
+                          </p:cTn>
+                        </p:par>
+                      </p:childTnLst>
+                    </p:cTn>
+                  </p:par>
+                  <p:par>
+                    <p:cTn id="29" fill="hold">
+                      <p:stCondLst>
+                        <p:cond delay="indefinite"/>
+                      </p:stCondLst>
+                      <p:childTnLst>
+                        <p:par>
+                          <p:cTn id="30" fill="hold">
+                            <p:stCondLst>
+                              <p:cond delay="0"/>
+                            </p:stCondLst>
+                            <p:childTnLst>
+                              <p:par>
+                                <p:cTn id="31" presetID="10" presetClass="entr" presetSubtype="0" fill="hold" nodeType="clickEffect">
+                                  <p:stCondLst>
+                                    <p:cond delay="0"/>
+                                  </p:stCondLst>
+                                  <p:childTnLst>
+                                    <p:set>
+                                      <p:cBhvr>
+                                        <p:cTn id="32" dur="1" fill="hold">
+                                          <p:stCondLst>
+                                            <p:cond delay="0"/>
+                                          </p:stCondLst>
+                                        </p:cTn>
+                                        <p:tgtEl>
+                                          <p:spTgt spid="3">
+                                            <p:txEl>
+                                              <p:pRg st="6" end="6"/>
+                                            </p:txEl>
+                                          </p:spTgt>
+                                        </p:tgtEl>
+                                        <p:attrNameLst>
+                                          <p:attrName>style.visibility</p:attrName>
+                                        </p:attrNameLst>
+                                      </p:cBhvr>
+                                      <p:to>
+                                        <p:strVal val="visible"/>
+                                      </p:to>
+                                    </p:set>
+                                    <p:animEffect transition="in" filter="fade">
+                                      <p:cBhvr>
+                                        <p:cTn id="33" dur="500"/>
+                                        <p:tgtEl>
+                                          <p:spTgt spid="3">
+                                            <p:txEl>
+                                              <p:pRg st="6" end="6"/>
+                                            </p:txEl>
+                                          </p:spTgt>
+                                        </p:tgtEl>
+                                      </p:cBhvr>
+                                    </p:animEffect>
+                                  </p:childTnLst>
+                                </p:cTn>
+                              </p:par>
+                            </p:childTnLst>
+                          </p:cTn>
+                        </p:par>
+                      </p:childTnLst>
+                    </p:cTn>
+                  </p:par>
+                  <p:par>
+                    <p:cTn id="34" fill="hold">
+                      <p:stCondLst>
+                        <p:cond delay="indefinite"/>
+                      </p:stCondLst>
+                      <p:childTnLst>
+                        <p:par>
+                          <p:cTn id="35" fill="hold">
+                            <p:stCondLst>
+                              <p:cond delay="0"/>
+                            </p:stCondLst>
+                            <p:childTnLst>
+                              <p:par>
+                                <p:cTn id="36" presetID="10" presetClass="entr" presetSubtype="0" fill="hold" nodeType="clickEffect">
+                                  <p:stCondLst>
+                                    <p:cond delay="0"/>
+                                  </p:stCondLst>
+                                  <p:childTnLst>
+                                    <p:set>
+                                      <p:cBhvr>
+                                        <p:cTn id="37" dur="1" fill="hold">
+                                          <p:stCondLst>
+                                            <p:cond delay="0"/>
+                                          </p:stCondLst>
+                                        </p:cTn>
+                                        <p:tgtEl>
+                                          <p:spTgt spid="3">
+                                            <p:txEl>
+                                              <p:pRg st="7" end="7"/>
+                                            </p:txEl>
+                                          </p:spTgt>
+                                        </p:tgtEl>
+                                        <p:attrNameLst>
+                                          <p:attrName>style.visibility</p:attrName>
+                                        </p:attrNameLst>
+                                      </p:cBhvr>
+                                      <p:to>
+                                        <p:strVal val="visible"/>
+                                      </p:to>
+                                    </p:set>
+                                    <p:animEffect transition="in" filter="fade">
+                                      <p:cBhvr>
+                                        <p:cTn id="38" dur="500"/>
+                                        <p:tgtEl>
+                                          <p:spTgt spid="3">
+                                            <p:txEl>
+                                              <p:pRg st="7" end="7"/>
+                                            </p:txEl>
+                                          </p:spTgt>
+                                        </p:tgtEl>
+                                      </p:cBhvr>
+                                    </p:animEffect>
+                                  </p:childTnLst>
+                                </p:cTn>
+                              </p:par>
+                            </p:childTnLst>
+                          </p:cTn>
+                        </p:par>
+                      </p:childTnLst>
+                    </p:cTn>
+                  </p:par>
+                </p:childTnLst>
+              </p:cTn>
+              <p:prevCondLst>
+                <p:cond evt="onPrev" delay="0">
+                  <p:tgtEl>
+                    <p:sldTgt/>
+                  </p:tgtEl>
+                </p:cond>
+              </p:prevCondLst>
+              <p:nextCondLst>
+                <p:cond evt="onNext" delay="0">
+                  <p:tgtEl>
+                    <p:sldTgt/>
+                  </p:tgtEl>
+                </p:cond>
+              </p:nextCondLst>
+            </p:seq>
+          </p:childTnLst>
+        </p:cTn>
+      </p:par>
+    </p:tnLst>
+  </p:timing>
+</p:sld>
+</file>
+
+<file path=ppt/slides/slide13.xml><?xml version="1.0" encoding="utf-8"?>
+<p:sld xmlns:a="http://schemas.openxmlformats.org/drawingml/2006/main" xmlns:r="http://schemas.openxmlformats.org/officeDocument/2006/relationships" xmlns:p="http://schemas.openxmlformats.org/presentationml/2006/main">
+  <p:cSld>
+    <p:spTree>
+      <p:nvGrpSpPr>
+        <p:cNvPr id="1" name=""/>
+        <p:cNvGrpSpPr/>
+        <p:nvPr/>
+      </p:nvGrpSpPr>
+      <p:grpSpPr>
+        <a:xfrm>
+          <a:off x="0" y="0"/>
+          <a:ext cx="0" cy="0"/>
+          <a:chOff x="0" y="0"/>
+          <a:chExt cx="0" cy="0"/>
+        </a:xfrm>
+      </p:grpSpPr>
+      <p:sp>
+        <p:nvSpPr>
+          <p:cNvPr id="2" name="Title 1"/>
+          <p:cNvSpPr>
+            <a:spLocks noGrp="1"/>
+          </p:cNvSpPr>
+          <p:nvPr>
+            <p:ph type="title"/>
+          </p:nvPr>
+        </p:nvSpPr>
+        <p:spPr/>
+        <p:txBody>
+          <a:bodyPr>
+            <a:normAutofit/>
+          </a:bodyPr>
+          <a:lstStyle/>
+          <a:p>
+            <a:r>
+              <a:rPr lang="en-US" dirty="0"/>
+              <a:t>CI - </a:t>
+            </a:r>
+            <a:r>
+              <a:rPr lang="en-US" dirty="0" err="1"/>
+              <a:t>Grundsätze</a:t>
+            </a:r>
+            <a:endParaRPr lang="en-US" dirty="0"/>
+          </a:p>
+        </p:txBody>
+      </p:sp>
+      <p:sp>
+        <p:nvSpPr>
+          <p:cNvPr id="3" name="Content Placeholder 2"/>
+          <p:cNvSpPr>
+            <a:spLocks noGrp="1"/>
+          </p:cNvSpPr>
+          <p:nvPr>
+            <p:ph idx="1"/>
+          </p:nvPr>
+        </p:nvSpPr>
+        <p:spPr/>
+        <p:txBody>
+          <a:bodyPr>
+            <a:normAutofit lnSpcReduction="10000"/>
+          </a:bodyPr>
+          <a:lstStyle/>
+          <a:p>
+            <a:pPr lvl="1"/>
+            <a:r>
+              <a:rPr lang="de-DE" dirty="0"/>
+              <a:t>Gemeinsame Codebasis</a:t>
+            </a:r>
+          </a:p>
+          <a:p>
+            <a:pPr marL="667512" lvl="2" indent="0">
+              <a:buNone/>
+            </a:pPr>
+            <a:r>
+              <a:rPr lang="de-DE" dirty="0"/>
+              <a:t>Existenz einer Versionsverwaltung</a:t>
+            </a:r>
+            <a:br>
+              <a:rPr lang="de-DE" dirty="0"/>
+            </a:br>
+            <a:r>
+              <a:rPr lang="de-DE" dirty="0"/>
+              <a:t>(sinnvolle Integration innerhalb einer Arbeitsgruppe)</a:t>
+            </a:r>
+          </a:p>
+          <a:p>
+            <a:pPr lvl="1"/>
+            <a:r>
+              <a:rPr lang="de-DE" dirty="0"/>
+              <a:t>Automatisierte Übersetzung</a:t>
+            </a:r>
+          </a:p>
+          <a:p>
+            <a:pPr marL="667512" lvl="2" indent="0">
+              <a:buNone/>
+            </a:pPr>
+            <a:r>
+              <a:rPr lang="de-DE" dirty="0"/>
+              <a:t>Vor Integration: Durchlaufen von definierten Tests, bspw. statische Code-Überprüfungen -&gt; automatisierte Übersetzung notwendig</a:t>
+            </a:r>
+          </a:p>
+          <a:p>
+            <a:pPr marL="667512" lvl="2" indent="0">
+              <a:buNone/>
+            </a:pPr>
+            <a:r>
+              <a:rPr lang="de-DE" dirty="0"/>
+              <a:t>Einsatz separater Test-Umgebungen wird empfohlen, um Unabhängigkeit der Testergebnisse von Arbeitsumgebungen sicherzustellen </a:t>
+            </a:r>
+          </a:p>
+          <a:p>
+            <a:pPr lvl="1"/>
+            <a:r>
+              <a:rPr lang="de-DE" dirty="0"/>
+              <a:t>Kontinuierliche Test-Entwicklung</a:t>
+            </a:r>
+          </a:p>
+          <a:p>
+            <a:pPr marL="667512" lvl="2" indent="0">
+              <a:buNone/>
+            </a:pPr>
+            <a:r>
+              <a:rPr lang="de-DE" dirty="0"/>
+              <a:t>Jede Änderung sollte möglichst zeitnah mit einem dazugehörigen Test entwickelt werden</a:t>
+            </a:r>
+          </a:p>
+          <a:p>
+            <a:pPr lvl="1"/>
+            <a:endParaRPr lang="de-DE" dirty="0"/>
+          </a:p>
+          <a:p>
+            <a:pPr lvl="2"/>
+            <a:endParaRPr lang="de-DE" dirty="0"/>
+          </a:p>
+          <a:p>
+            <a:pPr lvl="1"/>
+            <a:endParaRPr lang="de-DE" dirty="0"/>
+          </a:p>
+          <a:p>
+            <a:pPr lvl="2"/>
+            <a:endParaRPr lang="de-DE" dirty="0"/>
+          </a:p>
+          <a:p>
+            <a:pPr lvl="2"/>
+            <a:endParaRPr lang="de-DE" dirty="0"/>
+          </a:p>
+          <a:p>
+            <a:pPr lvl="1"/>
+            <a:endParaRPr lang="de-DE" dirty="0"/>
+          </a:p>
+          <a:p>
+            <a:pPr lvl="2"/>
+            <a:endParaRPr lang="de-DE" dirty="0"/>
+          </a:p>
+          <a:p>
+            <a:pPr lvl="2"/>
+            <a:endParaRPr lang="de-DE" dirty="0"/>
+          </a:p>
+          <a:p>
+            <a:pPr lvl="2"/>
+            <a:endParaRPr lang="de-DE" dirty="0"/>
+          </a:p>
+        </p:txBody>
+      </p:sp>
+      <p:sp>
+        <p:nvSpPr>
+          <p:cNvPr id="4" name="Foliennummernplatzhalter 3"/>
+          <p:cNvSpPr>
+            <a:spLocks noGrp="1"/>
+          </p:cNvSpPr>
+          <p:nvPr>
+            <p:ph type="sldNum" sz="quarter" idx="12"/>
+          </p:nvPr>
+        </p:nvSpPr>
+        <p:spPr/>
+        <p:txBody>
+          <a:bodyPr/>
+          <a:lstStyle/>
+          <a:p>
+            <a:fld id="{750AB064-513B-4E5C-9ADF-210709BEB955}" type="slidenum">
+              <a:rPr lang="en-US" smtClean="0"/>
+              <a:t>13</a:t>
+            </a:fld>
+            <a:endParaRPr lang="en-US"/>
+          </a:p>
+        </p:txBody>
+      </p:sp>
+    </p:spTree>
+    <p:extLst>
+      <p:ext uri="{BB962C8B-B14F-4D97-AF65-F5344CB8AC3E}">
+        <p14:creationId xmlns:p14="http://schemas.microsoft.com/office/powerpoint/2010/main" val="2582044384"/>
+      </p:ext>
+    </p:extLst>
+  </p:cSld>
+  <p:clrMapOvr>
+    <a:masterClrMapping/>
+  </p:clrMapOvr>
+  <p:timing>
+    <p:tnLst>
+      <p:par>
+        <p:cTn id="1" dur="indefinite" restart="never" nodeType="tmRoot">
+          <p:childTnLst>
+            <p:seq concurrent="1" nextAc="seek">
+              <p:cTn id="2" dur="indefinite" nodeType="mainSeq">
+                <p:childTnLst>
+                  <p:par>
+                    <p:cTn id="3" fill="hold">
+                      <p:stCondLst>
+                        <p:cond delay="indefinite"/>
+                      </p:stCondLst>
+                      <p:childTnLst>
+                        <p:par>
+                          <p:cTn id="4" fill="hold">
+                            <p:stCondLst>
+                              <p:cond delay="0"/>
+                            </p:stCondLst>
+                            <p:childTnLst>
+                              <p:par>
+                                <p:cTn id="5" presetID="10" presetClass="entr" presetSubtype="0" fill="hold" nodeType="clickEffect">
+                                  <p:stCondLst>
+                                    <p:cond delay="0"/>
+                                  </p:stCondLst>
+                                  <p:childTnLst>
+                                    <p:set>
+                                      <p:cBhvr>
+                                        <p:cTn id="6" dur="1" fill="hold">
+                                          <p:stCondLst>
+                                            <p:cond delay="0"/>
+                                          </p:stCondLst>
+                                        </p:cTn>
+                                        <p:tgtEl>
+                                          <p:spTgt spid="3">
+                                            <p:txEl>
+                                              <p:pRg st="0" end="0"/>
+                                            </p:txEl>
+                                          </p:spTgt>
+                                        </p:tgtEl>
+                                        <p:attrNameLst>
+                                          <p:attrName>style.visibility</p:attrName>
+                                        </p:attrNameLst>
+                                      </p:cBhvr>
+                                      <p:to>
+                                        <p:strVal val="visible"/>
+                                      </p:to>
+                                    </p:set>
+                                    <p:animEffect transition="in" filter="fade">
+                                      <p:cBhvr>
+                                        <p:cTn id="7" dur="500"/>
+                                        <p:tgtEl>
+                                          <p:spTgt spid="3">
+                                            <p:txEl>
+                                              <p:pRg st="0" end="0"/>
+                                            </p:txEl>
+                                          </p:spTgt>
+                                        </p:tgtEl>
+                                      </p:cBhvr>
+                                    </p:animEffect>
+                                  </p:childTnLst>
+                                </p:cTn>
+                              </p:par>
+                            </p:childTnLst>
+                          </p:cTn>
+                        </p:par>
+                      </p:childTnLst>
+                    </p:cTn>
+                  </p:par>
+                  <p:par>
+                    <p:cTn id="8" fill="hold">
+                      <p:stCondLst>
+                        <p:cond delay="indefinite"/>
+                      </p:stCondLst>
+                      <p:childTnLst>
+                        <p:par>
+                          <p:cTn id="9" fill="hold">
+                            <p:stCondLst>
+                              <p:cond delay="0"/>
+                            </p:stCondLst>
+                            <p:childTnLst>
+                              <p:par>
+                                <p:cTn id="10" presetID="10" presetClass="entr" presetSubtype="0" fill="hold" nodeType="clickEffect">
+                                  <p:stCondLst>
+                                    <p:cond delay="0"/>
+                                  </p:stCondLst>
+                                  <p:childTnLst>
+                                    <p:set>
+                                      <p:cBhvr>
+                                        <p:cTn id="11" dur="1" fill="hold">
+                                          <p:stCondLst>
+                                            <p:cond delay="0"/>
+                                          </p:stCondLst>
+                                        </p:cTn>
+                                        <p:tgtEl>
+                                          <p:spTgt spid="3">
+                                            <p:txEl>
+                                              <p:pRg st="1" end="1"/>
+                                            </p:txEl>
+                                          </p:spTgt>
+                                        </p:tgtEl>
+                                        <p:attrNameLst>
+                                          <p:attrName>style.visibility</p:attrName>
+                                        </p:attrNameLst>
+                                      </p:cBhvr>
+                                      <p:to>
+                                        <p:strVal val="visible"/>
+                                      </p:to>
+                                    </p:set>
+                                    <p:animEffect transition="in" filter="fade">
+                                      <p:cBhvr>
+                                        <p:cTn id="12" dur="500"/>
+                                        <p:tgtEl>
+                                          <p:spTgt spid="3">
+                                            <p:txEl>
+                                              <p:pRg st="1" end="1"/>
+                                            </p:txEl>
+                                          </p:spTgt>
+                                        </p:tgtEl>
+                                      </p:cBhvr>
+                                    </p:animEffect>
+                                  </p:childTnLst>
+                                </p:cTn>
+                              </p:par>
+                            </p:childTnLst>
+                          </p:cTn>
+                        </p:par>
+                      </p:childTnLst>
+                    </p:cTn>
+                  </p:par>
+                  <p:par>
+                    <p:cTn id="13" fill="hold">
+                      <p:stCondLst>
+                        <p:cond delay="indefinite"/>
+                      </p:stCondLst>
+                      <p:childTnLst>
+                        <p:par>
+                          <p:cTn id="14" fill="hold">
+                            <p:stCondLst>
+                              <p:cond delay="0"/>
+                            </p:stCondLst>
+                            <p:childTnLst>
+                              <p:par>
+                                <p:cTn id="15" presetID="10" presetClass="entr" presetSubtype="0" fill="hold" nodeType="clickEffect">
+                                  <p:stCondLst>
+                                    <p:cond delay="0"/>
+                                  </p:stCondLst>
+                                  <p:childTnLst>
+                                    <p:set>
+                                      <p:cBhvr>
+                                        <p:cTn id="16" dur="1" fill="hold">
+                                          <p:stCondLst>
+                                            <p:cond delay="0"/>
+                                          </p:stCondLst>
+                                        </p:cTn>
+                                        <p:tgtEl>
+                                          <p:spTgt spid="3">
+                                            <p:txEl>
+                                              <p:pRg st="2" end="2"/>
+                                            </p:txEl>
+                                          </p:spTgt>
+                                        </p:tgtEl>
+                                        <p:attrNameLst>
+                                          <p:attrName>style.visibility</p:attrName>
+                                        </p:attrNameLst>
+                                      </p:cBhvr>
+                                      <p:to>
+                                        <p:strVal val="visible"/>
+                                      </p:to>
+                                    </p:set>
+                                    <p:animEffect transition="in" filter="fade">
+                                      <p:cBhvr>
+                                        <p:cTn id="17" dur="500"/>
+                                        <p:tgtEl>
+                                          <p:spTgt spid="3">
+                                            <p:txEl>
+                                              <p:pRg st="2" end="2"/>
+                                            </p:txEl>
+                                          </p:spTgt>
+                                        </p:tgtEl>
+                                      </p:cBhvr>
+                                    </p:animEffect>
+                                  </p:childTnLst>
+                                </p:cTn>
+                              </p:par>
+                            </p:childTnLst>
+                          </p:cTn>
+                        </p:par>
+                      </p:childTnLst>
+                    </p:cTn>
+                  </p:par>
+                  <p:par>
+                    <p:cTn id="18" fill="hold">
+                      <p:stCondLst>
+                        <p:cond delay="indefinite"/>
+                      </p:stCondLst>
+                      <p:childTnLst>
+                        <p:par>
+                          <p:cTn id="19" fill="hold">
+                            <p:stCondLst>
+                              <p:cond delay="0"/>
+                            </p:stCondLst>
+                            <p:childTnLst>
+                              <p:par>
+                                <p:cTn id="20" presetID="10" presetClass="entr" presetSubtype="0" fill="hold" nodeType="clickEffect">
+                                  <p:stCondLst>
+                                    <p:cond delay="0"/>
+                                  </p:stCondLst>
+                                  <p:childTnLst>
+                                    <p:set>
+                                      <p:cBhvr>
+                                        <p:cTn id="21" dur="1" fill="hold">
+                                          <p:stCondLst>
+                                            <p:cond delay="0"/>
+                                          </p:stCondLst>
+                                        </p:cTn>
+                                        <p:tgtEl>
+                                          <p:spTgt spid="3">
+                                            <p:txEl>
+                                              <p:pRg st="3" end="3"/>
+                                            </p:txEl>
+                                          </p:spTgt>
+                                        </p:tgtEl>
+                                        <p:attrNameLst>
+                                          <p:attrName>style.visibility</p:attrName>
+                                        </p:attrNameLst>
+                                      </p:cBhvr>
+                                      <p:to>
+                                        <p:strVal val="visible"/>
+                                      </p:to>
+                                    </p:set>
+                                    <p:animEffect transition="in" filter="fade">
+                                      <p:cBhvr>
+                                        <p:cTn id="22" dur="500"/>
+                                        <p:tgtEl>
+                                          <p:spTgt spid="3">
+                                            <p:txEl>
+                                              <p:pRg st="3" end="3"/>
+                                            </p:txEl>
+                                          </p:spTgt>
+                                        </p:tgtEl>
+                                      </p:cBhvr>
+                                    </p:animEffect>
+                                  </p:childTnLst>
+                                </p:cTn>
+                              </p:par>
+                            </p:childTnLst>
+                          </p:cTn>
+                        </p:par>
+                      </p:childTnLst>
+                    </p:cTn>
+                  </p:par>
+                  <p:par>
+                    <p:cTn id="23" fill="hold">
+                      <p:stCondLst>
+                        <p:cond delay="indefinite"/>
+                      </p:stCondLst>
+                      <p:childTnLst>
+                        <p:par>
+                          <p:cTn id="24" fill="hold">
+                            <p:stCondLst>
+                              <p:cond delay="0"/>
+                            </p:stCondLst>
+                            <p:childTnLst>
+                              <p:par>
+                                <p:cTn id="25" presetID="10" presetClass="entr" presetSubtype="0" fill="hold" nodeType="clickEffect">
+                                  <p:stCondLst>
+                                    <p:cond delay="0"/>
+                                  </p:stCondLst>
+                                  <p:childTnLst>
+                                    <p:set>
+                                      <p:cBhvr>
+                                        <p:cTn id="26" dur="1" fill="hold">
+                                          <p:stCondLst>
+                                            <p:cond delay="0"/>
+                                          </p:stCondLst>
+                                        </p:cTn>
+                                        <p:tgtEl>
+                                          <p:spTgt spid="3">
+                                            <p:txEl>
+                                              <p:pRg st="4" end="4"/>
+                                            </p:txEl>
+                                          </p:spTgt>
+                                        </p:tgtEl>
+                                        <p:attrNameLst>
+                                          <p:attrName>style.visibility</p:attrName>
+                                        </p:attrNameLst>
+                                      </p:cBhvr>
+                                      <p:to>
+                                        <p:strVal val="visible"/>
+                                      </p:to>
+                                    </p:set>
+                                    <p:animEffect transition="in" filter="fade">
+                                      <p:cBhvr>
+                                        <p:cTn id="27" dur="500"/>
+                                        <p:tgtEl>
+                                          <p:spTgt spid="3">
+                                            <p:txEl>
+                                              <p:pRg st="4" end="4"/>
+                                            </p:txEl>
+                                          </p:spTgt>
+                                        </p:tgtEl>
+                                      </p:cBhvr>
+                                    </p:animEffect>
+                                  </p:childTnLst>
+                                </p:cTn>
+                              </p:par>
+                            </p:childTnLst>
+                          </p:cTn>
+                        </p:par>
+                      </p:childTnLst>
+                    </p:cTn>
+                  </p:par>
+                  <p:par>
+                    <p:cTn id="28" fill="hold">
+                      <p:stCondLst>
+                        <p:cond delay="indefinite"/>
+                      </p:stCondLst>
+                      <p:childTnLst>
+                        <p:par>
+                          <p:cTn id="29" fill="hold">
+                            <p:stCondLst>
+                              <p:cond delay="0"/>
+                            </p:stCondLst>
+                            <p:childTnLst>
+                              <p:par>
+                                <p:cTn id="30" presetID="10" presetClass="entr" presetSubtype="0" fill="hold" nodeType="clickEffect">
+                                  <p:stCondLst>
+                                    <p:cond delay="0"/>
+                                  </p:stCondLst>
+                                  <p:childTnLst>
+                                    <p:set>
+                                      <p:cBhvr>
+                                        <p:cTn id="31" dur="1" fill="hold">
+                                          <p:stCondLst>
+                                            <p:cond delay="0"/>
+                                          </p:stCondLst>
+                                        </p:cTn>
+                                        <p:tgtEl>
+                                          <p:spTgt spid="3">
+                                            <p:txEl>
+                                              <p:pRg st="5" end="5"/>
+                                            </p:txEl>
+                                          </p:spTgt>
+                                        </p:tgtEl>
+                                        <p:attrNameLst>
+                                          <p:attrName>style.visibility</p:attrName>
+                                        </p:attrNameLst>
+                                      </p:cBhvr>
+                                      <p:to>
+                                        <p:strVal val="visible"/>
+                                      </p:to>
+                                    </p:set>
+                                    <p:animEffect transition="in" filter="fade">
+                                      <p:cBhvr>
+                                        <p:cTn id="32" dur="500"/>
+                                        <p:tgtEl>
+                                          <p:spTgt spid="3">
+                                            <p:txEl>
+                                              <p:pRg st="5" end="5"/>
+                                            </p:txEl>
+                                          </p:spTgt>
+                                        </p:tgtEl>
+                                      </p:cBhvr>
+                                    </p:animEffect>
+                                  </p:childTnLst>
+                                </p:cTn>
+                              </p:par>
+                            </p:childTnLst>
+                          </p:cTn>
+                        </p:par>
+                      </p:childTnLst>
+                    </p:cTn>
+                  </p:par>
+                  <p:par>
+                    <p:cTn id="33" fill="hold">
+                      <p:stCondLst>
+                        <p:cond delay="indefinite"/>
+                      </p:stCondLst>
+                      <p:childTnLst>
+                        <p:par>
+                          <p:cTn id="34" fill="hold">
+                            <p:stCondLst>
+                              <p:cond delay="0"/>
+                            </p:stCondLst>
+                            <p:childTnLst>
+                              <p:par>
+                                <p:cTn id="35" presetID="10" presetClass="entr" presetSubtype="0" fill="hold" nodeType="clickEffect">
+                                  <p:stCondLst>
+                                    <p:cond delay="0"/>
+                                  </p:stCondLst>
+                                  <p:childTnLst>
+                                    <p:set>
+                                      <p:cBhvr>
+                                        <p:cTn id="36" dur="1" fill="hold">
+                                          <p:stCondLst>
+                                            <p:cond delay="0"/>
+                                          </p:stCondLst>
+                                        </p:cTn>
+                                        <p:tgtEl>
+                                          <p:spTgt spid="3">
+                                            <p:txEl>
+                                              <p:pRg st="6" end="6"/>
+                                            </p:txEl>
+                                          </p:spTgt>
+                                        </p:tgtEl>
+                                        <p:attrNameLst>
+                                          <p:attrName>style.visibility</p:attrName>
+                                        </p:attrNameLst>
+                                      </p:cBhvr>
+                                      <p:to>
+                                        <p:strVal val="visible"/>
+                                      </p:to>
+                                    </p:set>
+                                    <p:animEffect transition="in" filter="fade">
+                                      <p:cBhvr>
+                                        <p:cTn id="37" dur="500"/>
+                                        <p:tgtEl>
+                                          <p:spTgt spid="3">
+                                            <p:txEl>
+                                              <p:pRg st="6" end="6"/>
+                                            </p:txEl>
+                                          </p:spTgt>
+                                        </p:tgtEl>
+                                      </p:cBhvr>
+                                    </p:animEffect>
+                                  </p:childTnLst>
+                                </p:cTn>
+                              </p:par>
+                            </p:childTnLst>
+                          </p:cTn>
+                        </p:par>
+                      </p:childTnLst>
+                    </p:cTn>
+                  </p:par>
+                </p:childTnLst>
+              </p:cTn>
+              <p:prevCondLst>
+                <p:cond evt="onPrev" delay="0">
+                  <p:tgtEl>
+                    <p:sldTgt/>
+                  </p:tgtEl>
+                </p:cond>
+              </p:prevCondLst>
+              <p:nextCondLst>
+                <p:cond evt="onNext" delay="0">
+                  <p:tgtEl>
+                    <p:sldTgt/>
+                  </p:tgtEl>
+                </p:cond>
+              </p:nextCondLst>
+            </p:seq>
+          </p:childTnLst>
+        </p:cTn>
+      </p:par>
+    </p:tnLst>
+  </p:timing>
+</p:sld>
+</file>
+
+<file path=ppt/slides/slide14.xml><?xml version="1.0" encoding="utf-8"?>
+<p:sld xmlns:a="http://schemas.openxmlformats.org/drawingml/2006/main" xmlns:r="http://schemas.openxmlformats.org/officeDocument/2006/relationships" xmlns:p="http://schemas.openxmlformats.org/presentationml/2006/main">
+  <p:cSld>
+    <p:spTree>
+      <p:nvGrpSpPr>
+        <p:cNvPr id="1" name=""/>
+        <p:cNvGrpSpPr/>
+        <p:nvPr/>
+      </p:nvGrpSpPr>
+      <p:grpSpPr>
+        <a:xfrm>
+          <a:off x="0" y="0"/>
+          <a:ext cx="0" cy="0"/>
+          <a:chOff x="0" y="0"/>
+          <a:chExt cx="0" cy="0"/>
+        </a:xfrm>
+      </p:grpSpPr>
+      <p:sp>
+        <p:nvSpPr>
+          <p:cNvPr id="2" name="Title 1"/>
+          <p:cNvSpPr>
+            <a:spLocks noGrp="1"/>
+          </p:cNvSpPr>
+          <p:nvPr>
+            <p:ph type="title"/>
+          </p:nvPr>
+        </p:nvSpPr>
+        <p:spPr/>
+        <p:txBody>
+          <a:bodyPr>
+            <a:normAutofit/>
+          </a:bodyPr>
+          <a:lstStyle/>
+          <a:p>
+            <a:r>
+              <a:rPr lang="en-US" dirty="0"/>
+              <a:t>CI - </a:t>
+            </a:r>
+            <a:r>
+              <a:rPr lang="en-US" dirty="0" err="1"/>
+              <a:t>Grundsätze</a:t>
+            </a:r>
+            <a:endParaRPr lang="en-US" dirty="0"/>
+          </a:p>
+        </p:txBody>
+      </p:sp>
+      <p:sp>
+        <p:nvSpPr>
+          <p:cNvPr id="3" name="Content Placeholder 2"/>
+          <p:cNvSpPr>
+            <a:spLocks noGrp="1"/>
+          </p:cNvSpPr>
+          <p:nvPr>
+            <p:ph idx="1"/>
+          </p:nvPr>
+        </p:nvSpPr>
+        <p:spPr/>
+        <p:txBody>
+          <a:bodyPr>
+            <a:normAutofit/>
+          </a:bodyPr>
+          <a:lstStyle/>
+          <a:p>
+            <a:pPr lvl="1"/>
+            <a:r>
+              <a:rPr lang="de-DE" dirty="0"/>
+              <a:t>Häufige Integration</a:t>
+            </a:r>
+          </a:p>
+          <a:p>
+            <a:pPr marL="667512" lvl="2" indent="0">
+              <a:buNone/>
+            </a:pPr>
+            <a:r>
+              <a:rPr lang="de-DE" dirty="0"/>
+              <a:t>So oft wie möglich integrieren</a:t>
+            </a:r>
+          </a:p>
+          <a:p>
+            <a:pPr marL="667512" lvl="2" indent="0">
+              <a:buNone/>
+            </a:pPr>
+            <a:r>
+              <a:rPr lang="de-DE" dirty="0"/>
+              <a:t>Risikominimierung fehlgeschlagener Integrationen</a:t>
+            </a:r>
+          </a:p>
+          <a:p>
+            <a:pPr marL="667512" lvl="2" indent="0">
+              <a:buNone/>
+            </a:pPr>
+            <a:r>
+              <a:rPr lang="de-DE" dirty="0"/>
+              <a:t>Sicherung des Entwicklungsstandes</a:t>
+            </a:r>
+          </a:p>
+          <a:p>
+            <a:pPr marL="667512" lvl="2" indent="0">
+              <a:buNone/>
+            </a:pPr>
+            <a:r>
+              <a:rPr lang="de-DE" dirty="0"/>
+              <a:t>Bspw. mindestens 1 Mal täglich</a:t>
+            </a:r>
+          </a:p>
+          <a:p>
+            <a:pPr lvl="1"/>
+            <a:r>
+              <a:rPr lang="de-DE" dirty="0"/>
+              <a:t>Integration in den </a:t>
+            </a:r>
+            <a:r>
+              <a:rPr lang="de-DE" dirty="0" err="1"/>
+              <a:t>Hauptbranch</a:t>
+            </a:r>
+            <a:endParaRPr lang="de-DE" dirty="0"/>
+          </a:p>
+          <a:p>
+            <a:pPr marL="667512" lvl="2" indent="0">
+              <a:buNone/>
+            </a:pPr>
+            <a:r>
+              <a:rPr lang="de-DE" dirty="0"/>
+              <a:t>Änderungen in </a:t>
+            </a:r>
+            <a:r>
+              <a:rPr lang="de-DE" dirty="0" err="1"/>
+              <a:t>Hauptbranch</a:t>
+            </a:r>
+            <a:r>
+              <a:rPr lang="de-DE" dirty="0"/>
+              <a:t> integrieren, dort startet automatischer </a:t>
+            </a:r>
+            <a:r>
+              <a:rPr lang="de-DE" dirty="0" err="1"/>
+              <a:t>Build</a:t>
+            </a:r>
+            <a:r>
+              <a:rPr lang="de-DE" dirty="0"/>
+              <a:t>- und Testzyklus (kontinuierlicher </a:t>
+            </a:r>
+            <a:r>
+              <a:rPr lang="de-DE" dirty="0" err="1"/>
+              <a:t>Integrationsbuild</a:t>
+            </a:r>
+            <a:r>
+              <a:rPr lang="de-DE" dirty="0"/>
+              <a:t>)</a:t>
+            </a:r>
+          </a:p>
+          <a:p>
+            <a:pPr lvl="1"/>
+            <a:r>
+              <a:rPr lang="de-DE" dirty="0"/>
+              <a:t>Kurze Testzyklen</a:t>
+            </a:r>
+          </a:p>
+          <a:p>
+            <a:pPr marL="667512" lvl="2" indent="0">
+              <a:buNone/>
+            </a:pPr>
+            <a:r>
+              <a:rPr lang="de-DE" dirty="0"/>
+              <a:t>Geringer Testzyklus vor Integration</a:t>
+            </a:r>
+          </a:p>
+          <a:p>
+            <a:pPr marL="667512" lvl="2" indent="0">
+              <a:buNone/>
+            </a:pPr>
+            <a:r>
+              <a:rPr lang="de-DE" dirty="0"/>
+              <a:t>Bsp. Lokale Tests vor Integration</a:t>
+            </a:r>
+          </a:p>
+          <a:p>
+            <a:pPr lvl="1"/>
+            <a:endParaRPr lang="de-DE" dirty="0"/>
+          </a:p>
+          <a:p>
+            <a:pPr lvl="1"/>
+            <a:endParaRPr lang="de-DE" dirty="0"/>
+          </a:p>
+          <a:p>
+            <a:pPr lvl="2"/>
+            <a:endParaRPr lang="de-DE" dirty="0"/>
+          </a:p>
+          <a:p>
+            <a:pPr lvl="1"/>
+            <a:endParaRPr lang="de-DE" dirty="0"/>
+          </a:p>
+          <a:p>
+            <a:pPr lvl="2"/>
+            <a:endParaRPr lang="de-DE" dirty="0"/>
+          </a:p>
+          <a:p>
+            <a:pPr lvl="2"/>
+            <a:endParaRPr lang="de-DE" dirty="0"/>
+          </a:p>
+          <a:p>
+            <a:pPr lvl="1"/>
+            <a:endParaRPr lang="de-DE" dirty="0"/>
+          </a:p>
+          <a:p>
+            <a:pPr lvl="2"/>
+            <a:endParaRPr lang="de-DE" dirty="0"/>
+          </a:p>
+          <a:p>
+            <a:pPr lvl="2"/>
+            <a:endParaRPr lang="de-DE" dirty="0"/>
+          </a:p>
+          <a:p>
+            <a:pPr lvl="2"/>
+            <a:endParaRPr lang="de-DE" dirty="0"/>
+          </a:p>
+        </p:txBody>
+      </p:sp>
+      <p:sp>
+        <p:nvSpPr>
+          <p:cNvPr id="4" name="Foliennummernplatzhalter 3"/>
+          <p:cNvSpPr>
+            <a:spLocks noGrp="1"/>
+          </p:cNvSpPr>
+          <p:nvPr>
+            <p:ph type="sldNum" sz="quarter" idx="12"/>
+          </p:nvPr>
+        </p:nvSpPr>
+        <p:spPr/>
+        <p:txBody>
+          <a:bodyPr/>
+          <a:lstStyle/>
+          <a:p>
+            <a:fld id="{750AB064-513B-4E5C-9ADF-210709BEB955}" type="slidenum">
+              <a:rPr lang="en-US" smtClean="0"/>
+              <a:t>14</a:t>
+            </a:fld>
+            <a:endParaRPr lang="en-US"/>
+          </a:p>
+        </p:txBody>
+      </p:sp>
+    </p:spTree>
+    <p:extLst>
+      <p:ext uri="{BB962C8B-B14F-4D97-AF65-F5344CB8AC3E}">
+        <p14:creationId xmlns:p14="http://schemas.microsoft.com/office/powerpoint/2010/main" val="391896757"/>
+      </p:ext>
+    </p:extLst>
+  </p:cSld>
+  <p:clrMapOvr>
+    <a:masterClrMapping/>
+  </p:clrMapOvr>
+  <p:timing>
+    <p:tnLst>
+      <p:par>
+        <p:cTn id="1" dur="indefinite" restart="never" nodeType="tmRoot">
+          <p:childTnLst>
+            <p:seq concurrent="1" nextAc="seek">
+              <p:cTn id="2" dur="indefinite" nodeType="mainSeq">
+                <p:childTnLst>
+                  <p:par>
+                    <p:cTn id="3" fill="hold">
+                      <p:stCondLst>
+                        <p:cond delay="indefinite"/>
+                      </p:stCondLst>
+                      <p:childTnLst>
+                        <p:par>
+                          <p:cTn id="4" fill="hold">
+                            <p:stCondLst>
+                              <p:cond delay="0"/>
+                            </p:stCondLst>
+                            <p:childTnLst>
+                              <p:par>
+                                <p:cTn id="5" presetID="10" presetClass="entr" presetSubtype="0" fill="hold" nodeType="clickEffect">
+                                  <p:stCondLst>
+                                    <p:cond delay="0"/>
+                                  </p:stCondLst>
+                                  <p:childTnLst>
+                                    <p:set>
+                                      <p:cBhvr>
+                                        <p:cTn id="6" dur="1" fill="hold">
+                                          <p:stCondLst>
+                                            <p:cond delay="0"/>
+                                          </p:stCondLst>
+                                        </p:cTn>
+                                        <p:tgtEl>
+                                          <p:spTgt spid="3">
+                                            <p:txEl>
+                                              <p:pRg st="0" end="0"/>
+                                            </p:txEl>
+                                          </p:spTgt>
+                                        </p:tgtEl>
+                                        <p:attrNameLst>
+                                          <p:attrName>style.visibility</p:attrName>
+                                        </p:attrNameLst>
+                                      </p:cBhvr>
+                                      <p:to>
+                                        <p:strVal val="visible"/>
+                                      </p:to>
+                                    </p:set>
+                                    <p:animEffect transition="in" filter="fade">
+                                      <p:cBhvr>
+                                        <p:cTn id="7" dur="500"/>
+                                        <p:tgtEl>
+                                          <p:spTgt spid="3">
+                                            <p:txEl>
+                                              <p:pRg st="0" end="0"/>
+                                            </p:txEl>
+                                          </p:spTgt>
+                                        </p:tgtEl>
+                                      </p:cBhvr>
+                                    </p:animEffect>
+                                  </p:childTnLst>
+                                </p:cTn>
+                              </p:par>
+                            </p:childTnLst>
+                          </p:cTn>
+                        </p:par>
+                      </p:childTnLst>
+                    </p:cTn>
+                  </p:par>
+                  <p:par>
+                    <p:cTn id="8" fill="hold">
+                      <p:stCondLst>
+                        <p:cond delay="indefinite"/>
+                      </p:stCondLst>
+                      <p:childTnLst>
+                        <p:par>
+                          <p:cTn id="9" fill="hold">
+                            <p:stCondLst>
+                              <p:cond delay="0"/>
+                            </p:stCondLst>
+                            <p:childTnLst>
+                              <p:par>
+                                <p:cTn id="10" presetID="10" presetClass="entr" presetSubtype="0" fill="hold" nodeType="clickEffect">
+                                  <p:stCondLst>
+                                    <p:cond delay="0"/>
+                                  </p:stCondLst>
+                                  <p:childTnLst>
+                                    <p:set>
+                                      <p:cBhvr>
+                                        <p:cTn id="11" dur="1" fill="hold">
+                                          <p:stCondLst>
+                                            <p:cond delay="0"/>
+                                          </p:stCondLst>
+                                        </p:cTn>
+                                        <p:tgtEl>
+                                          <p:spTgt spid="3">
+                                            <p:txEl>
+                                              <p:pRg st="1" end="1"/>
+                                            </p:txEl>
+                                          </p:spTgt>
+                                        </p:tgtEl>
+                                        <p:attrNameLst>
+                                          <p:attrName>style.visibility</p:attrName>
+                                        </p:attrNameLst>
+                                      </p:cBhvr>
+                                      <p:to>
+                                        <p:strVal val="visible"/>
+                                      </p:to>
+                                    </p:set>
+                                    <p:animEffect transition="in" filter="fade">
+                                      <p:cBhvr>
+                                        <p:cTn id="12" dur="500"/>
+                                        <p:tgtEl>
+                                          <p:spTgt spid="3">
+                                            <p:txEl>
+                                              <p:pRg st="1" end="1"/>
+                                            </p:txEl>
+                                          </p:spTgt>
+                                        </p:tgtEl>
+                                      </p:cBhvr>
+                                    </p:animEffect>
+                                  </p:childTnLst>
+                                </p:cTn>
+                              </p:par>
+                            </p:childTnLst>
+                          </p:cTn>
+                        </p:par>
+                      </p:childTnLst>
+                    </p:cTn>
+                  </p:par>
+                  <p:par>
+                    <p:cTn id="13" fill="hold">
+                      <p:stCondLst>
+                        <p:cond delay="indefinite"/>
+                      </p:stCondLst>
+                      <p:childTnLst>
+                        <p:par>
+                          <p:cTn id="14" fill="hold">
+                            <p:stCondLst>
+                              <p:cond delay="0"/>
+                            </p:stCondLst>
+                            <p:childTnLst>
+                              <p:par>
+                                <p:cTn id="15" presetID="10" presetClass="entr" presetSubtype="0" fill="hold" nodeType="clickEffect">
+                                  <p:stCondLst>
+                                    <p:cond delay="0"/>
+                                  </p:stCondLst>
+                                  <p:childTnLst>
+                                    <p:set>
+                                      <p:cBhvr>
+                                        <p:cTn id="16" dur="1" fill="hold">
+                                          <p:stCondLst>
+                                            <p:cond delay="0"/>
+                                          </p:stCondLst>
+                                        </p:cTn>
+                                        <p:tgtEl>
+                                          <p:spTgt spid="3">
+                                            <p:txEl>
+                                              <p:pRg st="2" end="2"/>
+                                            </p:txEl>
+                                          </p:spTgt>
+                                        </p:tgtEl>
+                                        <p:attrNameLst>
+                                          <p:attrName>style.visibility</p:attrName>
+                                        </p:attrNameLst>
+                                      </p:cBhvr>
+                                      <p:to>
+                                        <p:strVal val="visible"/>
+                                      </p:to>
+                                    </p:set>
+                                    <p:animEffect transition="in" filter="fade">
+                                      <p:cBhvr>
+                                        <p:cTn id="17" dur="500"/>
+                                        <p:tgtEl>
+                                          <p:spTgt spid="3">
+                                            <p:txEl>
+                                              <p:pRg st="2" end="2"/>
+                                            </p:txEl>
+                                          </p:spTgt>
+                                        </p:tgtEl>
+                                      </p:cBhvr>
+                                    </p:animEffect>
+                                  </p:childTnLst>
+                                </p:cTn>
+                              </p:par>
+                            </p:childTnLst>
+                          </p:cTn>
+                        </p:par>
+                      </p:childTnLst>
+                    </p:cTn>
+                  </p:par>
+                  <p:par>
+                    <p:cTn id="18" fill="hold">
+                      <p:stCondLst>
+                        <p:cond delay="indefinite"/>
+                      </p:stCondLst>
+                      <p:childTnLst>
+                        <p:par>
+                          <p:cTn id="19" fill="hold">
+                            <p:stCondLst>
+                              <p:cond delay="0"/>
+                            </p:stCondLst>
+                            <p:childTnLst>
+                              <p:par>
+                                <p:cTn id="20" presetID="10" presetClass="entr" presetSubtype="0" fill="hold" nodeType="clickEffect">
+                                  <p:stCondLst>
+                                    <p:cond delay="0"/>
+                                  </p:stCondLst>
+                                  <p:childTnLst>
+                                    <p:set>
+                                      <p:cBhvr>
+                                        <p:cTn id="21" dur="1" fill="hold">
+                                          <p:stCondLst>
+                                            <p:cond delay="0"/>
+                                          </p:stCondLst>
+                                        </p:cTn>
+                                        <p:tgtEl>
+                                          <p:spTgt spid="3">
+                                            <p:txEl>
+                                              <p:pRg st="3" end="3"/>
+                                            </p:txEl>
+                                          </p:spTgt>
+                                        </p:tgtEl>
+                                        <p:attrNameLst>
+                                          <p:attrName>style.visibility</p:attrName>
+                                        </p:attrNameLst>
+                                      </p:cBhvr>
+                                      <p:to>
+                                        <p:strVal val="visible"/>
+                                      </p:to>
+                                    </p:set>
+                                    <p:animEffect transition="in" filter="fade">
+                                      <p:cBhvr>
+                                        <p:cTn id="22" dur="500"/>
+                                        <p:tgtEl>
+                                          <p:spTgt spid="3">
+                                            <p:txEl>
+                                              <p:pRg st="3" end="3"/>
+                                            </p:txEl>
+                                          </p:spTgt>
+                                        </p:tgtEl>
+                                      </p:cBhvr>
+                                    </p:animEffect>
+                                  </p:childTnLst>
+                                </p:cTn>
+                              </p:par>
+                            </p:childTnLst>
+                          </p:cTn>
+                        </p:par>
+                      </p:childTnLst>
+                    </p:cTn>
+                  </p:par>
+                  <p:par>
+                    <p:cTn id="23" fill="hold">
+                      <p:stCondLst>
+                        <p:cond delay="indefinite"/>
+                      </p:stCondLst>
+                      <p:childTnLst>
+                        <p:par>
+                          <p:cTn id="24" fill="hold">
+                            <p:stCondLst>
+                              <p:cond delay="0"/>
+                            </p:stCondLst>
+                            <p:childTnLst>
+                              <p:par>
+                                <p:cTn id="25" presetID="10" presetClass="entr" presetSubtype="0" fill="hold" nodeType="clickEffect">
+                                  <p:stCondLst>
+                                    <p:cond delay="0"/>
+                                  </p:stCondLst>
+                                  <p:childTnLst>
+                                    <p:set>
+                                      <p:cBhvr>
+                                        <p:cTn id="26" dur="1" fill="hold">
+                                          <p:stCondLst>
+                                            <p:cond delay="0"/>
+                                          </p:stCondLst>
+                                        </p:cTn>
+                                        <p:tgtEl>
+                                          <p:spTgt spid="3">
+                                            <p:txEl>
+                                              <p:pRg st="4" end="4"/>
+                                            </p:txEl>
+                                          </p:spTgt>
+                                        </p:tgtEl>
+                                        <p:attrNameLst>
+                                          <p:attrName>style.visibility</p:attrName>
+                                        </p:attrNameLst>
+                                      </p:cBhvr>
+                                      <p:to>
+                                        <p:strVal val="visible"/>
+                                      </p:to>
+                                    </p:set>
+                                    <p:animEffect transition="in" filter="fade">
+                                      <p:cBhvr>
+                                        <p:cTn id="27" dur="500"/>
+                                        <p:tgtEl>
+                                          <p:spTgt spid="3">
+                                            <p:txEl>
+                                              <p:pRg st="4" end="4"/>
+                                            </p:txEl>
+                                          </p:spTgt>
+                                        </p:tgtEl>
+                                      </p:cBhvr>
+                                    </p:animEffect>
+                                  </p:childTnLst>
+                                </p:cTn>
+                              </p:par>
+                            </p:childTnLst>
+                          </p:cTn>
+                        </p:par>
+                      </p:childTnLst>
+                    </p:cTn>
+                  </p:par>
+                  <p:par>
+                    <p:cTn id="28" fill="hold">
+                      <p:stCondLst>
+                        <p:cond delay="indefinite"/>
+                      </p:stCondLst>
+                      <p:childTnLst>
+                        <p:par>
+                          <p:cTn id="29" fill="hold">
+                            <p:stCondLst>
+                              <p:cond delay="0"/>
+                            </p:stCondLst>
+                            <p:childTnLst>
+                              <p:par>
+                                <p:cTn id="30" presetID="10" presetClass="entr" presetSubtype="0" fill="hold" nodeType="clickEffect">
+                                  <p:stCondLst>
+                                    <p:cond delay="0"/>
+                                  </p:stCondLst>
+                                  <p:childTnLst>
+                                    <p:set>
+                                      <p:cBhvr>
+                                        <p:cTn id="31" dur="1" fill="hold">
+                                          <p:stCondLst>
+                                            <p:cond delay="0"/>
+                                          </p:stCondLst>
+                                        </p:cTn>
+                                        <p:tgtEl>
+                                          <p:spTgt spid="3">
+                                            <p:txEl>
+                                              <p:pRg st="5" end="5"/>
+                                            </p:txEl>
+                                          </p:spTgt>
+                                        </p:tgtEl>
+                                        <p:attrNameLst>
+                                          <p:attrName>style.visibility</p:attrName>
+                                        </p:attrNameLst>
+                                      </p:cBhvr>
+                                      <p:to>
+                                        <p:strVal val="visible"/>
+                                      </p:to>
+                                    </p:set>
+                                    <p:animEffect transition="in" filter="fade">
+                                      <p:cBhvr>
+                                        <p:cTn id="32" dur="500"/>
+                                        <p:tgtEl>
+                                          <p:spTgt spid="3">
+                                            <p:txEl>
+                                              <p:pRg st="5" end="5"/>
+                                            </p:txEl>
+                                          </p:spTgt>
+                                        </p:tgtEl>
+                                      </p:cBhvr>
+                                    </p:animEffect>
+                                  </p:childTnLst>
+                                </p:cTn>
+                              </p:par>
+                            </p:childTnLst>
+                          </p:cTn>
+                        </p:par>
+                      </p:childTnLst>
+                    </p:cTn>
+                  </p:par>
+                  <p:par>
+                    <p:cTn id="33" fill="hold">
+                      <p:stCondLst>
+                        <p:cond delay="indefinite"/>
+                      </p:stCondLst>
+                      <p:childTnLst>
+                        <p:par>
+                          <p:cTn id="34" fill="hold">
+                            <p:stCondLst>
+                              <p:cond delay="0"/>
+                            </p:stCondLst>
+                            <p:childTnLst>
+                              <p:par>
+                                <p:cTn id="35" presetID="10" presetClass="entr" presetSubtype="0" fill="hold" nodeType="clickEffect">
+                                  <p:stCondLst>
+                                    <p:cond delay="0"/>
+                                  </p:stCondLst>
+                                  <p:childTnLst>
+                                    <p:set>
+                                      <p:cBhvr>
+                                        <p:cTn id="36" dur="1" fill="hold">
+                                          <p:stCondLst>
+                                            <p:cond delay="0"/>
+                                          </p:stCondLst>
+                                        </p:cTn>
+                                        <p:tgtEl>
+                                          <p:spTgt spid="3">
+                                            <p:txEl>
+                                              <p:pRg st="6" end="6"/>
+                                            </p:txEl>
+                                          </p:spTgt>
+                                        </p:tgtEl>
+                                        <p:attrNameLst>
+                                          <p:attrName>style.visibility</p:attrName>
+                                        </p:attrNameLst>
+                                      </p:cBhvr>
+                                      <p:to>
+                                        <p:strVal val="visible"/>
+                                      </p:to>
+                                    </p:set>
+                                    <p:animEffect transition="in" filter="fade">
+                                      <p:cBhvr>
+                                        <p:cTn id="37" dur="500"/>
+                                        <p:tgtEl>
+                                          <p:spTgt spid="3">
+                                            <p:txEl>
+                                              <p:pRg st="6" end="6"/>
+                                            </p:txEl>
+                                          </p:spTgt>
+                                        </p:tgtEl>
+                                      </p:cBhvr>
+                                    </p:animEffect>
+                                  </p:childTnLst>
+                                </p:cTn>
+                              </p:par>
+                            </p:childTnLst>
+                          </p:cTn>
+                        </p:par>
+                      </p:childTnLst>
+                    </p:cTn>
+                  </p:par>
+                  <p:par>
+                    <p:cTn id="38" fill="hold">
+                      <p:stCondLst>
+                        <p:cond delay="indefinite"/>
+                      </p:stCondLst>
+                      <p:childTnLst>
+                        <p:par>
+                          <p:cTn id="39" fill="hold">
+                            <p:stCondLst>
+                              <p:cond delay="0"/>
+                            </p:stCondLst>
+                            <p:childTnLst>
+                              <p:par>
+                                <p:cTn id="40" presetID="10" presetClass="entr" presetSubtype="0" fill="hold" nodeType="clickEffect">
+                                  <p:stCondLst>
+                                    <p:cond delay="0"/>
+                                  </p:stCondLst>
+                                  <p:childTnLst>
+                                    <p:set>
+                                      <p:cBhvr>
+                                        <p:cTn id="41" dur="1" fill="hold">
+                                          <p:stCondLst>
+                                            <p:cond delay="0"/>
+                                          </p:stCondLst>
+                                        </p:cTn>
+                                        <p:tgtEl>
+                                          <p:spTgt spid="3">
+                                            <p:txEl>
+                                              <p:pRg st="7" end="7"/>
+                                            </p:txEl>
+                                          </p:spTgt>
+                                        </p:tgtEl>
+                                        <p:attrNameLst>
+                                          <p:attrName>style.visibility</p:attrName>
+                                        </p:attrNameLst>
+                                      </p:cBhvr>
+                                      <p:to>
+                                        <p:strVal val="visible"/>
+                                      </p:to>
+                                    </p:set>
+                                    <p:animEffect transition="in" filter="fade">
+                                      <p:cBhvr>
+                                        <p:cTn id="42" dur="500"/>
+                                        <p:tgtEl>
+                                          <p:spTgt spid="3">
+                                            <p:txEl>
+                                              <p:pRg st="7" end="7"/>
+                                            </p:txEl>
+                                          </p:spTgt>
+                                        </p:tgtEl>
+                                      </p:cBhvr>
+                                    </p:animEffect>
+                                  </p:childTnLst>
+                                </p:cTn>
+                              </p:par>
+                            </p:childTnLst>
+                          </p:cTn>
+                        </p:par>
+                      </p:childTnLst>
+                    </p:cTn>
+                  </p:par>
+                  <p:par>
+                    <p:cTn id="43" fill="hold">
+                      <p:stCondLst>
+                        <p:cond delay="indefinite"/>
+                      </p:stCondLst>
+                      <p:childTnLst>
+                        <p:par>
+                          <p:cTn id="44" fill="hold">
+                            <p:stCondLst>
+                              <p:cond delay="0"/>
+                            </p:stCondLst>
+                            <p:childTnLst>
+                              <p:par>
+                                <p:cTn id="45" presetID="10" presetClass="entr" presetSubtype="0" fill="hold" nodeType="clickEffect">
+                                  <p:stCondLst>
+                                    <p:cond delay="0"/>
+                                  </p:stCondLst>
+                                  <p:childTnLst>
+                                    <p:set>
+                                      <p:cBhvr>
+                                        <p:cTn id="46" dur="1" fill="hold">
+                                          <p:stCondLst>
+                                            <p:cond delay="0"/>
+                                          </p:stCondLst>
+                                        </p:cTn>
+                                        <p:tgtEl>
+                                          <p:spTgt spid="3">
+                                            <p:txEl>
+                                              <p:pRg st="8" end="8"/>
+                                            </p:txEl>
+                                          </p:spTgt>
+                                        </p:tgtEl>
+                                        <p:attrNameLst>
+                                          <p:attrName>style.visibility</p:attrName>
+                                        </p:attrNameLst>
+                                      </p:cBhvr>
+                                      <p:to>
+                                        <p:strVal val="visible"/>
+                                      </p:to>
+                                    </p:set>
+                                    <p:animEffect transition="in" filter="fade">
+                                      <p:cBhvr>
+                                        <p:cTn id="47" dur="500"/>
+                                        <p:tgtEl>
+                                          <p:spTgt spid="3">
+                                            <p:txEl>
+                                              <p:pRg st="8" end="8"/>
+                                            </p:txEl>
+                                          </p:spTgt>
+                                        </p:tgtEl>
+                                      </p:cBhvr>
+                                    </p:animEffect>
+                                  </p:childTnLst>
+                                </p:cTn>
+                              </p:par>
+                            </p:childTnLst>
+                          </p:cTn>
+                        </p:par>
+                      </p:childTnLst>
+                    </p:cTn>
+                  </p:par>
+                  <p:par>
+                    <p:cTn id="48" fill="hold">
+                      <p:stCondLst>
+                        <p:cond delay="indefinite"/>
+                      </p:stCondLst>
+                      <p:childTnLst>
+                        <p:par>
+                          <p:cTn id="49" fill="hold">
+                            <p:stCondLst>
+                              <p:cond delay="0"/>
+                            </p:stCondLst>
+                            <p:childTnLst>
+                              <p:par>
+                                <p:cTn id="50" presetID="10" presetClass="entr" presetSubtype="0" fill="hold" nodeType="clickEffect">
+                                  <p:stCondLst>
+                                    <p:cond delay="0"/>
+                                  </p:stCondLst>
+                                  <p:childTnLst>
+                                    <p:set>
+                                      <p:cBhvr>
+                                        <p:cTn id="51" dur="1" fill="hold">
+                                          <p:stCondLst>
+                                            <p:cond delay="0"/>
+                                          </p:stCondLst>
+                                        </p:cTn>
+                                        <p:tgtEl>
+                                          <p:spTgt spid="3">
+                                            <p:txEl>
+                                              <p:pRg st="9" end="9"/>
+                                            </p:txEl>
+                                          </p:spTgt>
+                                        </p:tgtEl>
+                                        <p:attrNameLst>
+                                          <p:attrName>style.visibility</p:attrName>
+                                        </p:attrNameLst>
+                                      </p:cBhvr>
+                                      <p:to>
+                                        <p:strVal val="visible"/>
+                                      </p:to>
+                                    </p:set>
+                                    <p:animEffect transition="in" filter="fade">
+                                      <p:cBhvr>
+                                        <p:cTn id="52" dur="500"/>
+                                        <p:tgtEl>
+                                          <p:spTgt spid="3">
+                                            <p:txEl>
+                                              <p:pRg st="9" end="9"/>
+                                            </p:txEl>
+                                          </p:spTgt>
+                                        </p:tgtEl>
+                                      </p:cBhvr>
+                                    </p:animEffect>
+                                  </p:childTnLst>
+                                </p:cTn>
+                              </p:par>
+                            </p:childTnLst>
+                          </p:cTn>
+                        </p:par>
+                      </p:childTnLst>
+                    </p:cTn>
+                  </p:par>
+                </p:childTnLst>
+              </p:cTn>
+              <p:prevCondLst>
+                <p:cond evt="onPrev" delay="0">
+                  <p:tgtEl>
+                    <p:sldTgt/>
+                  </p:tgtEl>
+                </p:cond>
+              </p:prevCondLst>
+              <p:nextCondLst>
+                <p:cond evt="onNext" delay="0">
+                  <p:tgtEl>
+                    <p:sldTgt/>
+                  </p:tgtEl>
+                </p:cond>
+              </p:nextCondLst>
+            </p:seq>
+          </p:childTnLst>
+        </p:cTn>
+      </p:par>
+    </p:tnLst>
+  </p:timing>
+</p:sld>
+</file>
+
+<file path=ppt/slides/slide15.xml><?xml version="1.0" encoding="utf-8"?>
+<p:sld xmlns:a="http://schemas.openxmlformats.org/drawingml/2006/main" xmlns:r="http://schemas.openxmlformats.org/officeDocument/2006/relationships" xmlns:p="http://schemas.openxmlformats.org/presentationml/2006/main">
+  <p:cSld>
+    <p:spTree>
+      <p:nvGrpSpPr>
+        <p:cNvPr id="1" name=""/>
+        <p:cNvGrpSpPr/>
+        <p:nvPr/>
+      </p:nvGrpSpPr>
+      <p:grpSpPr>
+        <a:xfrm>
+          <a:off x="0" y="0"/>
+          <a:ext cx="0" cy="0"/>
+          <a:chOff x="0" y="0"/>
+          <a:chExt cx="0" cy="0"/>
+        </a:xfrm>
+      </p:grpSpPr>
+      <p:sp>
+        <p:nvSpPr>
+          <p:cNvPr id="2" name="Title 1"/>
+          <p:cNvSpPr>
+            <a:spLocks noGrp="1"/>
+          </p:cNvSpPr>
+          <p:nvPr>
+            <p:ph type="title"/>
+          </p:nvPr>
+        </p:nvSpPr>
+        <p:spPr/>
+        <p:txBody>
+          <a:bodyPr>
+            <a:normAutofit/>
+          </a:bodyPr>
+          <a:lstStyle/>
+          <a:p>
+            <a:r>
+              <a:rPr lang="en-US" dirty="0"/>
+              <a:t>CI - </a:t>
+            </a:r>
+            <a:r>
+              <a:rPr lang="en-US" dirty="0" err="1"/>
+              <a:t>Grundsätze</a:t>
+            </a:r>
+            <a:endParaRPr lang="en-US" dirty="0"/>
+          </a:p>
+        </p:txBody>
+      </p:sp>
+      <p:sp>
+        <p:nvSpPr>
+          <p:cNvPr id="3" name="Content Placeholder 2"/>
+          <p:cNvSpPr>
+            <a:spLocks noGrp="1"/>
+          </p:cNvSpPr>
+          <p:nvPr>
+            <p:ph idx="1"/>
+          </p:nvPr>
+        </p:nvSpPr>
+        <p:spPr/>
+        <p:txBody>
+          <a:bodyPr>
+            <a:normAutofit/>
+          </a:bodyPr>
+          <a:lstStyle/>
+          <a:p>
+            <a:pPr lvl="1"/>
+            <a:r>
+              <a:rPr lang="de-DE" dirty="0"/>
+              <a:t>Gespiegelte Produktionsumgebung</a:t>
+            </a:r>
+          </a:p>
+          <a:p>
+            <a:pPr marL="667512" lvl="2" indent="0">
+              <a:buNone/>
+            </a:pPr>
+            <a:r>
+              <a:rPr lang="de-DE" dirty="0"/>
+              <a:t>Änderungen sollten in einem Abbild der Produktionsumgebung getestet werden</a:t>
+            </a:r>
+          </a:p>
+          <a:p>
+            <a:pPr lvl="1"/>
+            <a:r>
+              <a:rPr lang="de-DE" dirty="0"/>
+              <a:t>Einfacher Zugriff</a:t>
+            </a:r>
+          </a:p>
+          <a:p>
+            <a:pPr marL="667512" lvl="2" indent="0">
+              <a:buNone/>
+            </a:pPr>
+            <a:r>
+              <a:rPr lang="de-DE" dirty="0"/>
+              <a:t>Auch für Nicht-Entwickler (z.B. als Testsystem für Tester, Zahlen für QA, Dokumentation oder Pakete für Release Manager)</a:t>
+            </a:r>
+          </a:p>
+          <a:p>
+            <a:pPr lvl="1"/>
+            <a:r>
+              <a:rPr lang="de-DE" dirty="0"/>
+              <a:t>Automatisiertes Reporting</a:t>
+            </a:r>
+          </a:p>
+          <a:p>
+            <a:pPr marL="667512" lvl="2" indent="0">
+              <a:buNone/>
+            </a:pPr>
+            <a:r>
+              <a:rPr lang="de-DE" dirty="0"/>
+              <a:t>Ergebnisse der Integration sollten leicht verfügbar sein (wann, welche Änderungen, welche Qualität)</a:t>
+            </a:r>
+          </a:p>
+          <a:p>
+            <a:pPr lvl="1"/>
+            <a:r>
+              <a:rPr lang="de-DE" dirty="0"/>
+              <a:t>Automatisierte Verteilung</a:t>
+            </a:r>
+          </a:p>
+          <a:p>
+            <a:pPr marL="667512" lvl="2" indent="0">
+              <a:buNone/>
+            </a:pPr>
+            <a:r>
+              <a:rPr lang="de-DE" dirty="0"/>
+              <a:t>Leichte Überführung auf Produktionsumgebung</a:t>
+            </a:r>
+          </a:p>
+          <a:p>
+            <a:pPr lvl="1"/>
+            <a:endParaRPr lang="de-DE" dirty="0"/>
+          </a:p>
+          <a:p>
+            <a:pPr lvl="2"/>
+            <a:endParaRPr lang="de-DE" dirty="0"/>
+          </a:p>
+          <a:p>
+            <a:pPr lvl="1"/>
+            <a:endParaRPr lang="de-DE" dirty="0"/>
+          </a:p>
+          <a:p>
+            <a:pPr lvl="2"/>
+            <a:endParaRPr lang="de-DE" dirty="0"/>
+          </a:p>
+          <a:p>
+            <a:pPr lvl="2"/>
+            <a:endParaRPr lang="de-DE" dirty="0"/>
+          </a:p>
+          <a:p>
+            <a:pPr lvl="1"/>
+            <a:endParaRPr lang="de-DE" dirty="0"/>
+          </a:p>
+          <a:p>
+            <a:pPr lvl="2"/>
+            <a:endParaRPr lang="de-DE" dirty="0"/>
+          </a:p>
+          <a:p>
+            <a:pPr lvl="2"/>
+            <a:endParaRPr lang="de-DE" dirty="0"/>
+          </a:p>
+          <a:p>
+            <a:pPr lvl="2"/>
+            <a:endParaRPr lang="de-DE" dirty="0"/>
+          </a:p>
+        </p:txBody>
+      </p:sp>
+      <p:sp>
+        <p:nvSpPr>
+          <p:cNvPr id="4" name="Foliennummernplatzhalter 3"/>
+          <p:cNvSpPr>
+            <a:spLocks noGrp="1"/>
+          </p:cNvSpPr>
+          <p:nvPr>
+            <p:ph type="sldNum" sz="quarter" idx="12"/>
+          </p:nvPr>
+        </p:nvSpPr>
+        <p:spPr/>
+        <p:txBody>
+          <a:bodyPr/>
+          <a:lstStyle/>
+          <a:p>
+            <a:fld id="{750AB064-513B-4E5C-9ADF-210709BEB955}" type="slidenum">
+              <a:rPr lang="en-US" smtClean="0"/>
+              <a:t>15</a:t>
+            </a:fld>
+            <a:endParaRPr lang="en-US"/>
+          </a:p>
+        </p:txBody>
+      </p:sp>
+    </p:spTree>
+    <p:extLst>
+      <p:ext uri="{BB962C8B-B14F-4D97-AF65-F5344CB8AC3E}">
+        <p14:creationId xmlns:p14="http://schemas.microsoft.com/office/powerpoint/2010/main" val="1821650730"/>
+      </p:ext>
+    </p:extLst>
+  </p:cSld>
+  <p:clrMapOvr>
+    <a:masterClrMapping/>
+  </p:clrMapOvr>
+  <p:timing>
+    <p:tnLst>
+      <p:par>
+        <p:cTn id="1" dur="indefinite" restart="never" nodeType="tmRoot">
+          <p:childTnLst>
+            <p:seq concurrent="1" nextAc="seek">
+              <p:cTn id="2" dur="indefinite" nodeType="mainSeq">
+                <p:childTnLst>
+                  <p:par>
+                    <p:cTn id="3" fill="hold">
+                      <p:stCondLst>
+                        <p:cond delay="indefinite"/>
+                      </p:stCondLst>
+                      <p:childTnLst>
+                        <p:par>
+                          <p:cTn id="4" fill="hold">
+                            <p:stCondLst>
+                              <p:cond delay="0"/>
+                            </p:stCondLst>
+                            <p:childTnLst>
+                              <p:par>
+                                <p:cTn id="5" presetID="10" presetClass="entr" presetSubtype="0" fill="hold" nodeType="clickEffect">
+                                  <p:stCondLst>
+                                    <p:cond delay="0"/>
+                                  </p:stCondLst>
+                                  <p:childTnLst>
+                                    <p:set>
+                                      <p:cBhvr>
+                                        <p:cTn id="6" dur="1" fill="hold">
+                                          <p:stCondLst>
+                                            <p:cond delay="0"/>
+                                          </p:stCondLst>
+                                        </p:cTn>
+                                        <p:tgtEl>
+                                          <p:spTgt spid="3">
+                                            <p:txEl>
+                                              <p:pRg st="0" end="0"/>
+                                            </p:txEl>
+                                          </p:spTgt>
+                                        </p:tgtEl>
+                                        <p:attrNameLst>
+                                          <p:attrName>style.visibility</p:attrName>
+                                        </p:attrNameLst>
+                                      </p:cBhvr>
+                                      <p:to>
+                                        <p:strVal val="visible"/>
+                                      </p:to>
+                                    </p:set>
+                                    <p:animEffect transition="in" filter="fade">
+                                      <p:cBhvr>
+                                        <p:cTn id="7" dur="500"/>
+                                        <p:tgtEl>
+                                          <p:spTgt spid="3">
+                                            <p:txEl>
+                                              <p:pRg st="0" end="0"/>
+                                            </p:txEl>
+                                          </p:spTgt>
+                                        </p:tgtEl>
+                                      </p:cBhvr>
+                                    </p:animEffect>
+                                  </p:childTnLst>
+                                </p:cTn>
+                              </p:par>
+                            </p:childTnLst>
+                          </p:cTn>
+                        </p:par>
+                      </p:childTnLst>
+                    </p:cTn>
+                  </p:par>
+                  <p:par>
+                    <p:cTn id="8" fill="hold">
+                      <p:stCondLst>
+                        <p:cond delay="indefinite"/>
+                      </p:stCondLst>
+                      <p:childTnLst>
+                        <p:par>
+                          <p:cTn id="9" fill="hold">
+                            <p:stCondLst>
+                              <p:cond delay="0"/>
+                            </p:stCondLst>
+                            <p:childTnLst>
+                              <p:par>
+                                <p:cTn id="10" presetID="10" presetClass="entr" presetSubtype="0" fill="hold" nodeType="clickEffect">
+                                  <p:stCondLst>
+                                    <p:cond delay="0"/>
+                                  </p:stCondLst>
+                                  <p:childTnLst>
+                                    <p:set>
+                                      <p:cBhvr>
+                                        <p:cTn id="11" dur="1" fill="hold">
+                                          <p:stCondLst>
+                                            <p:cond delay="0"/>
+                                          </p:stCondLst>
+                                        </p:cTn>
+                                        <p:tgtEl>
+                                          <p:spTgt spid="3">
+                                            <p:txEl>
+                                              <p:pRg st="1" end="1"/>
+                                            </p:txEl>
+                                          </p:spTgt>
+                                        </p:tgtEl>
+                                        <p:attrNameLst>
+                                          <p:attrName>style.visibility</p:attrName>
+                                        </p:attrNameLst>
+                                      </p:cBhvr>
+                                      <p:to>
+                                        <p:strVal val="visible"/>
+                                      </p:to>
+                                    </p:set>
+                                    <p:animEffect transition="in" filter="fade">
+                                      <p:cBhvr>
+                                        <p:cTn id="12" dur="500"/>
+                                        <p:tgtEl>
+                                          <p:spTgt spid="3">
+                                            <p:txEl>
+                                              <p:pRg st="1" end="1"/>
+                                            </p:txEl>
+                                          </p:spTgt>
+                                        </p:tgtEl>
+                                      </p:cBhvr>
+                                    </p:animEffect>
+                                  </p:childTnLst>
+                                </p:cTn>
+                              </p:par>
+                            </p:childTnLst>
+                          </p:cTn>
+                        </p:par>
+                      </p:childTnLst>
+                    </p:cTn>
+                  </p:par>
+                  <p:par>
+                    <p:cTn id="13" fill="hold">
+                      <p:stCondLst>
+                        <p:cond delay="indefinite"/>
+                      </p:stCondLst>
+                      <p:childTnLst>
+                        <p:par>
+                          <p:cTn id="14" fill="hold">
+                            <p:stCondLst>
+                              <p:cond delay="0"/>
+                            </p:stCondLst>
+                            <p:childTnLst>
+                              <p:par>
+                                <p:cTn id="15" presetID="10" presetClass="entr" presetSubtype="0" fill="hold" nodeType="clickEffect">
+                                  <p:stCondLst>
+                                    <p:cond delay="0"/>
+                                  </p:stCondLst>
+                                  <p:childTnLst>
+                                    <p:set>
+                                      <p:cBhvr>
+                                        <p:cTn id="16" dur="1" fill="hold">
+                                          <p:stCondLst>
+                                            <p:cond delay="0"/>
+                                          </p:stCondLst>
+                                        </p:cTn>
+                                        <p:tgtEl>
+                                          <p:spTgt spid="3">
+                                            <p:txEl>
+                                              <p:pRg st="2" end="2"/>
+                                            </p:txEl>
+                                          </p:spTgt>
+                                        </p:tgtEl>
+                                        <p:attrNameLst>
+                                          <p:attrName>style.visibility</p:attrName>
+                                        </p:attrNameLst>
+                                      </p:cBhvr>
+                                      <p:to>
+                                        <p:strVal val="visible"/>
+                                      </p:to>
+                                    </p:set>
+                                    <p:animEffect transition="in" filter="fade">
+                                      <p:cBhvr>
+                                        <p:cTn id="17" dur="500"/>
+                                        <p:tgtEl>
+                                          <p:spTgt spid="3">
+                                            <p:txEl>
+                                              <p:pRg st="2" end="2"/>
+                                            </p:txEl>
+                                          </p:spTgt>
+                                        </p:tgtEl>
+                                      </p:cBhvr>
+                                    </p:animEffect>
+                                  </p:childTnLst>
+                                </p:cTn>
+                              </p:par>
+                            </p:childTnLst>
+                          </p:cTn>
+                        </p:par>
+                      </p:childTnLst>
+                    </p:cTn>
+                  </p:par>
+                  <p:par>
+                    <p:cTn id="18" fill="hold">
+                      <p:stCondLst>
+                        <p:cond delay="indefinite"/>
+                      </p:stCondLst>
+                      <p:childTnLst>
+                        <p:par>
+                          <p:cTn id="19" fill="hold">
+                            <p:stCondLst>
+                              <p:cond delay="0"/>
+                            </p:stCondLst>
+                            <p:childTnLst>
+                              <p:par>
+                                <p:cTn id="20" presetID="10" presetClass="entr" presetSubtype="0" fill="hold" nodeType="clickEffect">
+                                  <p:stCondLst>
+                                    <p:cond delay="0"/>
+                                  </p:stCondLst>
+                                  <p:childTnLst>
+                                    <p:set>
+                                      <p:cBhvr>
+                                        <p:cTn id="21" dur="1" fill="hold">
+                                          <p:stCondLst>
+                                            <p:cond delay="0"/>
+                                          </p:stCondLst>
+                                        </p:cTn>
+                                        <p:tgtEl>
+                                          <p:spTgt spid="3">
+                                            <p:txEl>
+                                              <p:pRg st="3" end="3"/>
+                                            </p:txEl>
+                                          </p:spTgt>
+                                        </p:tgtEl>
+                                        <p:attrNameLst>
+                                          <p:attrName>style.visibility</p:attrName>
+                                        </p:attrNameLst>
+                                      </p:cBhvr>
+                                      <p:to>
+                                        <p:strVal val="visible"/>
+                                      </p:to>
+                                    </p:set>
+                                    <p:animEffect transition="in" filter="fade">
+                                      <p:cBhvr>
+                                        <p:cTn id="22" dur="500"/>
+                                        <p:tgtEl>
+                                          <p:spTgt spid="3">
+                                            <p:txEl>
+                                              <p:pRg st="3" end="3"/>
+                                            </p:txEl>
+                                          </p:spTgt>
+                                        </p:tgtEl>
+                                      </p:cBhvr>
+                                    </p:animEffect>
+                                  </p:childTnLst>
+                                </p:cTn>
+                              </p:par>
+                            </p:childTnLst>
+                          </p:cTn>
+                        </p:par>
+                      </p:childTnLst>
+                    </p:cTn>
+                  </p:par>
+                  <p:par>
+                    <p:cTn id="23" fill="hold">
+                      <p:stCondLst>
+                        <p:cond delay="indefinite"/>
+                      </p:stCondLst>
+                      <p:childTnLst>
+                        <p:par>
+                          <p:cTn id="24" fill="hold">
+                            <p:stCondLst>
+                              <p:cond delay="0"/>
+                            </p:stCondLst>
+                            <p:childTnLst>
+                              <p:par>
+                                <p:cTn id="25" presetID="10" presetClass="entr" presetSubtype="0" fill="hold" nodeType="clickEffect">
+                                  <p:stCondLst>
+                                    <p:cond delay="0"/>
+                                  </p:stCondLst>
+                                  <p:childTnLst>
+                                    <p:set>
+                                      <p:cBhvr>
+                                        <p:cTn id="26" dur="1" fill="hold">
+                                          <p:stCondLst>
+                                            <p:cond delay="0"/>
+                                          </p:stCondLst>
+                                        </p:cTn>
+                                        <p:tgtEl>
+                                          <p:spTgt spid="3">
+                                            <p:txEl>
+                                              <p:pRg st="4" end="4"/>
+                                            </p:txEl>
+                                          </p:spTgt>
+                                        </p:tgtEl>
+                                        <p:attrNameLst>
+                                          <p:attrName>style.visibility</p:attrName>
+                                        </p:attrNameLst>
+                                      </p:cBhvr>
+                                      <p:to>
+                                        <p:strVal val="visible"/>
+                                      </p:to>
+                                    </p:set>
+                                    <p:animEffect transition="in" filter="fade">
+                                      <p:cBhvr>
+                                        <p:cTn id="27" dur="500"/>
+                                        <p:tgtEl>
+                                          <p:spTgt spid="3">
+                                            <p:txEl>
+                                              <p:pRg st="4" end="4"/>
+                                            </p:txEl>
+                                          </p:spTgt>
+                                        </p:tgtEl>
+                                      </p:cBhvr>
+                                    </p:animEffect>
+                                  </p:childTnLst>
+                                </p:cTn>
+                              </p:par>
+                            </p:childTnLst>
+                          </p:cTn>
+                        </p:par>
+                      </p:childTnLst>
+                    </p:cTn>
+                  </p:par>
+                  <p:par>
+                    <p:cTn id="28" fill="hold">
+                      <p:stCondLst>
+                        <p:cond delay="indefinite"/>
+                      </p:stCondLst>
+                      <p:childTnLst>
+                        <p:par>
+                          <p:cTn id="29" fill="hold">
+                            <p:stCondLst>
+                              <p:cond delay="0"/>
+                            </p:stCondLst>
+                            <p:childTnLst>
+                              <p:par>
+                                <p:cTn id="30" presetID="10" presetClass="entr" presetSubtype="0" fill="hold" nodeType="clickEffect">
+                                  <p:stCondLst>
+                                    <p:cond delay="0"/>
+                                  </p:stCondLst>
+                                  <p:childTnLst>
+                                    <p:set>
+                                      <p:cBhvr>
+                                        <p:cTn id="31" dur="1" fill="hold">
+                                          <p:stCondLst>
+                                            <p:cond delay="0"/>
+                                          </p:stCondLst>
+                                        </p:cTn>
+                                        <p:tgtEl>
+                                          <p:spTgt spid="3">
+                                            <p:txEl>
+                                              <p:pRg st="5" end="5"/>
+                                            </p:txEl>
+                                          </p:spTgt>
+                                        </p:tgtEl>
+                                        <p:attrNameLst>
+                                          <p:attrName>style.visibility</p:attrName>
+                                        </p:attrNameLst>
+                                      </p:cBhvr>
+                                      <p:to>
+                                        <p:strVal val="visible"/>
+                                      </p:to>
+                                    </p:set>
+                                    <p:animEffect transition="in" filter="fade">
+                                      <p:cBhvr>
+                                        <p:cTn id="32" dur="500"/>
+                                        <p:tgtEl>
+                                          <p:spTgt spid="3">
+                                            <p:txEl>
+                                              <p:pRg st="5" end="5"/>
+                                            </p:txEl>
+                                          </p:spTgt>
+                                        </p:tgtEl>
+                                      </p:cBhvr>
+                                    </p:animEffect>
+                                  </p:childTnLst>
+                                </p:cTn>
+                              </p:par>
+                            </p:childTnLst>
+                          </p:cTn>
+                        </p:par>
+                      </p:childTnLst>
+                    </p:cTn>
+                  </p:par>
+                  <p:par>
+                    <p:cTn id="33" fill="hold">
+                      <p:stCondLst>
+                        <p:cond delay="indefinite"/>
+                      </p:stCondLst>
+                      <p:childTnLst>
+                        <p:par>
+                          <p:cTn id="34" fill="hold">
+                            <p:stCondLst>
+                              <p:cond delay="0"/>
+                            </p:stCondLst>
+                            <p:childTnLst>
+                              <p:par>
+                                <p:cTn id="35" presetID="10" presetClass="entr" presetSubtype="0" fill="hold" nodeType="clickEffect">
+                                  <p:stCondLst>
+                                    <p:cond delay="0"/>
+                                  </p:stCondLst>
+                                  <p:childTnLst>
+                                    <p:set>
+                                      <p:cBhvr>
+                                        <p:cTn id="36" dur="1" fill="hold">
+                                          <p:stCondLst>
+                                            <p:cond delay="0"/>
+                                          </p:stCondLst>
+                                        </p:cTn>
+                                        <p:tgtEl>
+                                          <p:spTgt spid="3">
+                                            <p:txEl>
+                                              <p:pRg st="6" end="6"/>
+                                            </p:txEl>
+                                          </p:spTgt>
+                                        </p:tgtEl>
+                                        <p:attrNameLst>
+                                          <p:attrName>style.visibility</p:attrName>
+                                        </p:attrNameLst>
+                                      </p:cBhvr>
+                                      <p:to>
+                                        <p:strVal val="visible"/>
+                                      </p:to>
+                                    </p:set>
+                                    <p:animEffect transition="in" filter="fade">
+                                      <p:cBhvr>
+                                        <p:cTn id="37" dur="500"/>
+                                        <p:tgtEl>
+                                          <p:spTgt spid="3">
+                                            <p:txEl>
+                                              <p:pRg st="6" end="6"/>
+                                            </p:txEl>
+                                          </p:spTgt>
+                                        </p:tgtEl>
+                                      </p:cBhvr>
+                                    </p:animEffect>
+                                  </p:childTnLst>
+                                </p:cTn>
+                              </p:par>
+                            </p:childTnLst>
+                          </p:cTn>
+                        </p:par>
+                      </p:childTnLst>
+                    </p:cTn>
+                  </p:par>
+                  <p:par>
+                    <p:cTn id="38" fill="hold">
+                      <p:stCondLst>
+                        <p:cond delay="indefinite"/>
+                      </p:stCondLst>
+                      <p:childTnLst>
+                        <p:par>
+                          <p:cTn id="39" fill="hold">
+                            <p:stCondLst>
+                              <p:cond delay="0"/>
+                            </p:stCondLst>
+                            <p:childTnLst>
+                              <p:par>
+                                <p:cTn id="40" presetID="10" presetClass="entr" presetSubtype="0" fill="hold" nodeType="clickEffect">
+                                  <p:stCondLst>
+                                    <p:cond delay="0"/>
+                                  </p:stCondLst>
+                                  <p:childTnLst>
+                                    <p:set>
+                                      <p:cBhvr>
+                                        <p:cTn id="41" dur="1" fill="hold">
+                                          <p:stCondLst>
+                                            <p:cond delay="0"/>
+                                          </p:stCondLst>
+                                        </p:cTn>
+                                        <p:tgtEl>
+                                          <p:spTgt spid="3">
+                                            <p:txEl>
+                                              <p:pRg st="7" end="7"/>
+                                            </p:txEl>
+                                          </p:spTgt>
+                                        </p:tgtEl>
+                                        <p:attrNameLst>
+                                          <p:attrName>style.visibility</p:attrName>
+                                        </p:attrNameLst>
+                                      </p:cBhvr>
+                                      <p:to>
+                                        <p:strVal val="visible"/>
+                                      </p:to>
+                                    </p:set>
+                                    <p:animEffect transition="in" filter="fade">
+                                      <p:cBhvr>
+                                        <p:cTn id="42" dur="500"/>
+                                        <p:tgtEl>
+                                          <p:spTgt spid="3">
+                                            <p:txEl>
+                                              <p:pRg st="7" end="7"/>
+                                            </p:txEl>
+                                          </p:spTgt>
+                                        </p:tgtEl>
+                                      </p:cBhvr>
+                                    </p:animEffect>
+                                  </p:childTnLst>
+                                </p:cTn>
+                              </p:par>
+                            </p:childTnLst>
+                          </p:cTn>
+                        </p:par>
+                      </p:childTnLst>
+                    </p:cTn>
+                  </p:par>
+                </p:childTnLst>
+              </p:cTn>
+              <p:prevCondLst>
+                <p:cond evt="onPrev" delay="0">
+                  <p:tgtEl>
+                    <p:sldTgt/>
+                  </p:tgtEl>
+                </p:cond>
+              </p:prevCondLst>
+              <p:nextCondLst>
+                <p:cond evt="onNext" delay="0">
+                  <p:tgtEl>
+                    <p:sldTgt/>
+                  </p:tgtEl>
+                </p:cond>
+              </p:nextCondLst>
+            </p:seq>
+          </p:childTnLst>
+        </p:cTn>
+      </p:par>
+    </p:tnLst>
+  </p:timing>
+</p:sld>
+</file>
+
+<file path=ppt/slides/slide16.xml><?xml version="1.0" encoding="utf-8"?>
+<p:sld xmlns:a="http://schemas.openxmlformats.org/drawingml/2006/main" xmlns:r="http://schemas.openxmlformats.org/officeDocument/2006/relationships" xmlns:p="http://schemas.openxmlformats.org/presentationml/2006/main">
+  <p:cSld>
+    <p:spTree>
+      <p:nvGrpSpPr>
+        <p:cNvPr id="1" name=""/>
+        <p:cNvGrpSpPr/>
+        <p:nvPr/>
+      </p:nvGrpSpPr>
+      <p:grpSpPr>
+        <a:xfrm>
+          <a:off x="0" y="0"/>
+          <a:ext cx="0" cy="0"/>
+          <a:chOff x="0" y="0"/>
+          <a:chExt cx="0" cy="0"/>
+        </a:xfrm>
+      </p:grpSpPr>
+      <p:sp>
+        <p:nvSpPr>
+          <p:cNvPr id="2" name="Title 1"/>
+          <p:cNvSpPr>
+            <a:spLocks noGrp="1"/>
+          </p:cNvSpPr>
+          <p:nvPr>
+            <p:ph type="title"/>
+          </p:nvPr>
+        </p:nvSpPr>
+        <p:spPr/>
+        <p:txBody>
+          <a:bodyPr>
+            <a:normAutofit/>
+          </a:bodyPr>
+          <a:lstStyle/>
+          <a:p>
+            <a:r>
+              <a:rPr lang="en-US" dirty="0"/>
+              <a:t>CI - </a:t>
+            </a:r>
+            <a:r>
+              <a:rPr lang="en-US" dirty="0" err="1"/>
+              <a:t>Vorteile</a:t>
+            </a:r>
+            <a:endParaRPr lang="en-US" dirty="0"/>
+          </a:p>
+        </p:txBody>
+      </p:sp>
+      <p:sp>
+        <p:nvSpPr>
+          <p:cNvPr id="3" name="Content Placeholder 2"/>
+          <p:cNvSpPr>
+            <a:spLocks noGrp="1"/>
+          </p:cNvSpPr>
+          <p:nvPr>
+            <p:ph idx="1"/>
+          </p:nvPr>
+        </p:nvSpPr>
+        <p:spPr/>
+        <p:txBody>
+          <a:bodyPr>
+            <a:normAutofit/>
+          </a:bodyPr>
+          <a:lstStyle/>
+          <a:p>
+            <a:pPr lvl="1"/>
+            <a:r>
+              <a:rPr lang="de-DE" dirty="0"/>
+              <a:t>Steigerung der Software-Qualität durch: </a:t>
+            </a:r>
+          </a:p>
+          <a:p>
+            <a:pPr lvl="2"/>
+            <a:r>
+              <a:rPr lang="de-DE" dirty="0"/>
+              <a:t>Frühzeitiges Erkennen von Integrations-Problemen (fixen)</a:t>
+            </a:r>
+          </a:p>
+          <a:p>
+            <a:pPr lvl="2"/>
+            <a:r>
+              <a:rPr lang="de-DE" dirty="0"/>
+              <a:t>Frühe Warnungen bei nicht zusammenpassenden Bausteinen</a:t>
+            </a:r>
+          </a:p>
+          <a:p>
+            <a:pPr lvl="2"/>
+            <a:r>
+              <a:rPr lang="de-DE" dirty="0"/>
+              <a:t>Sofortige Unit Tests entdecken Fehler zeitnah</a:t>
+            </a:r>
+          </a:p>
+          <a:p>
+            <a:pPr lvl="2"/>
+            <a:r>
+              <a:rPr lang="de-DE" dirty="0"/>
+              <a:t>Ständige Verfügbarkeit eines lauffähigen Standes (Demo, Test, Vertrieb)</a:t>
+            </a:r>
+          </a:p>
+          <a:p>
+            <a:pPr lvl="2"/>
+            <a:r>
+              <a:rPr lang="de-DE" dirty="0"/>
+              <a:t>Feedback-Prozess führt zu einem verantwortlicheren Umgang (positiver „Erziehungseffekt“)</a:t>
+            </a:r>
+          </a:p>
+          <a:p>
+            <a:pPr lvl="2"/>
+            <a:endParaRPr lang="de-DE" dirty="0"/>
+          </a:p>
+          <a:p>
+            <a:pPr lvl="1"/>
+            <a:endParaRPr lang="de-DE" dirty="0"/>
+          </a:p>
+          <a:p>
+            <a:pPr lvl="2"/>
+            <a:endParaRPr lang="de-DE" dirty="0"/>
+          </a:p>
+          <a:p>
+            <a:pPr lvl="2"/>
+            <a:endParaRPr lang="de-DE" dirty="0"/>
+          </a:p>
+          <a:p>
+            <a:pPr lvl="1"/>
+            <a:endParaRPr lang="de-DE" dirty="0"/>
+          </a:p>
+          <a:p>
+            <a:pPr lvl="2"/>
+            <a:endParaRPr lang="de-DE" dirty="0"/>
+          </a:p>
+          <a:p>
+            <a:pPr lvl="2"/>
+            <a:endParaRPr lang="de-DE" dirty="0"/>
+          </a:p>
+          <a:p>
+            <a:pPr lvl="2"/>
+            <a:endParaRPr lang="de-DE" dirty="0"/>
+          </a:p>
+        </p:txBody>
+      </p:sp>
+      <p:sp>
+        <p:nvSpPr>
+          <p:cNvPr id="4" name="Foliennummernplatzhalter 3"/>
+          <p:cNvSpPr>
+            <a:spLocks noGrp="1"/>
+          </p:cNvSpPr>
+          <p:nvPr>
+            <p:ph type="sldNum" sz="quarter" idx="12"/>
+          </p:nvPr>
+        </p:nvSpPr>
+        <p:spPr/>
+        <p:txBody>
+          <a:bodyPr/>
+          <a:lstStyle/>
+          <a:p>
+            <a:fld id="{750AB064-513B-4E5C-9ADF-210709BEB955}" type="slidenum">
+              <a:rPr lang="en-US" smtClean="0"/>
+              <a:t>16</a:t>
+            </a:fld>
+            <a:endParaRPr lang="en-US"/>
+          </a:p>
+        </p:txBody>
+      </p:sp>
+    </p:spTree>
+    <p:extLst>
+      <p:ext uri="{BB962C8B-B14F-4D97-AF65-F5344CB8AC3E}">
+        <p14:creationId xmlns:p14="http://schemas.microsoft.com/office/powerpoint/2010/main" val="3860145146"/>
+      </p:ext>
+    </p:extLst>
+  </p:cSld>
+  <p:clrMapOvr>
+    <a:masterClrMapping/>
+  </p:clrMapOvr>
+  <p:timing>
+    <p:tnLst>
+      <p:par>
+        <p:cTn id="1" dur="indefinite" restart="never" nodeType="tmRoot">
+          <p:childTnLst>
+            <p:seq concurrent="1" nextAc="seek">
+              <p:cTn id="2" dur="indefinite" nodeType="mainSeq">
+                <p:childTnLst>
+                  <p:par>
+                    <p:cTn id="3" fill="hold">
+                      <p:stCondLst>
+                        <p:cond delay="indefinite"/>
+                      </p:stCondLst>
+                      <p:childTnLst>
+                        <p:par>
+                          <p:cTn id="4" fill="hold">
+                            <p:stCondLst>
+                              <p:cond delay="0"/>
+                            </p:stCondLst>
+                            <p:childTnLst>
+                              <p:par>
+                                <p:cTn id="5" presetID="10" presetClass="entr" presetSubtype="0" fill="hold" nodeType="clickEffect">
+                                  <p:stCondLst>
+                                    <p:cond delay="0"/>
+                                  </p:stCondLst>
+                                  <p:childTnLst>
+                                    <p:set>
+                                      <p:cBhvr>
+                                        <p:cTn id="6" dur="1" fill="hold">
+                                          <p:stCondLst>
+                                            <p:cond delay="0"/>
+                                          </p:stCondLst>
+                                        </p:cTn>
+                                        <p:tgtEl>
+                                          <p:spTgt spid="3">
+                                            <p:txEl>
+                                              <p:pRg st="0" end="0"/>
+                                            </p:txEl>
+                                          </p:spTgt>
+                                        </p:tgtEl>
+                                        <p:attrNameLst>
+                                          <p:attrName>style.visibility</p:attrName>
+                                        </p:attrNameLst>
+                                      </p:cBhvr>
+                                      <p:to>
+                                        <p:strVal val="visible"/>
+                                      </p:to>
+                                    </p:set>
+                                    <p:animEffect transition="in" filter="fade">
+                                      <p:cBhvr>
+                                        <p:cTn id="7" dur="500"/>
+                                        <p:tgtEl>
+                                          <p:spTgt spid="3">
+                                            <p:txEl>
+                                              <p:pRg st="0" end="0"/>
+                                            </p:txEl>
+                                          </p:spTgt>
+                                        </p:tgtEl>
+                                      </p:cBhvr>
+                                    </p:animEffect>
+                                  </p:childTnLst>
+                                </p:cTn>
+                              </p:par>
+                            </p:childTnLst>
+                          </p:cTn>
+                        </p:par>
+                      </p:childTnLst>
+                    </p:cTn>
+                  </p:par>
+                  <p:par>
+                    <p:cTn id="8" fill="hold">
+                      <p:stCondLst>
+                        <p:cond delay="indefinite"/>
+                      </p:stCondLst>
+                      <p:childTnLst>
+                        <p:par>
+                          <p:cTn id="9" fill="hold">
+                            <p:stCondLst>
+                              <p:cond delay="0"/>
+                            </p:stCondLst>
+                            <p:childTnLst>
+                              <p:par>
+                                <p:cTn id="10" presetID="10" presetClass="entr" presetSubtype="0" fill="hold" nodeType="clickEffect">
+                                  <p:stCondLst>
+                                    <p:cond delay="0"/>
+                                  </p:stCondLst>
+                                  <p:childTnLst>
+                                    <p:set>
+                                      <p:cBhvr>
+                                        <p:cTn id="11" dur="1" fill="hold">
+                                          <p:stCondLst>
+                                            <p:cond delay="0"/>
+                                          </p:stCondLst>
+                                        </p:cTn>
+                                        <p:tgtEl>
+                                          <p:spTgt spid="3">
+                                            <p:txEl>
+                                              <p:pRg st="1" end="1"/>
+                                            </p:txEl>
+                                          </p:spTgt>
+                                        </p:tgtEl>
+                                        <p:attrNameLst>
+                                          <p:attrName>style.visibility</p:attrName>
+                                        </p:attrNameLst>
+                                      </p:cBhvr>
+                                      <p:to>
+                                        <p:strVal val="visible"/>
+                                      </p:to>
+                                    </p:set>
+                                    <p:animEffect transition="in" filter="fade">
+                                      <p:cBhvr>
+                                        <p:cTn id="12" dur="500"/>
+                                        <p:tgtEl>
+                                          <p:spTgt spid="3">
+                                            <p:txEl>
+                                              <p:pRg st="1" end="1"/>
+                                            </p:txEl>
+                                          </p:spTgt>
+                                        </p:tgtEl>
+                                      </p:cBhvr>
+                                    </p:animEffect>
+                                  </p:childTnLst>
+                                </p:cTn>
+                              </p:par>
+                            </p:childTnLst>
+                          </p:cTn>
+                        </p:par>
+                      </p:childTnLst>
+                    </p:cTn>
+                  </p:par>
+                  <p:par>
+                    <p:cTn id="13" fill="hold">
+                      <p:stCondLst>
+                        <p:cond delay="indefinite"/>
+                      </p:stCondLst>
+                      <p:childTnLst>
+                        <p:par>
+                          <p:cTn id="14" fill="hold">
+                            <p:stCondLst>
+                              <p:cond delay="0"/>
+                            </p:stCondLst>
+                            <p:childTnLst>
+                              <p:par>
+                                <p:cTn id="15" presetID="10" presetClass="entr" presetSubtype="0" fill="hold" nodeType="clickEffect">
+                                  <p:stCondLst>
+                                    <p:cond delay="0"/>
+                                  </p:stCondLst>
+                                  <p:childTnLst>
+                                    <p:set>
+                                      <p:cBhvr>
+                                        <p:cTn id="16" dur="1" fill="hold">
+                                          <p:stCondLst>
+                                            <p:cond delay="0"/>
+                                          </p:stCondLst>
+                                        </p:cTn>
+                                        <p:tgtEl>
+                                          <p:spTgt spid="3">
+                                            <p:txEl>
+                                              <p:pRg st="2" end="2"/>
+                                            </p:txEl>
+                                          </p:spTgt>
+                                        </p:tgtEl>
+                                        <p:attrNameLst>
+                                          <p:attrName>style.visibility</p:attrName>
+                                        </p:attrNameLst>
+                                      </p:cBhvr>
+                                      <p:to>
+                                        <p:strVal val="visible"/>
+                                      </p:to>
+                                    </p:set>
+                                    <p:animEffect transition="in" filter="fade">
+                                      <p:cBhvr>
+                                        <p:cTn id="17" dur="500"/>
+                                        <p:tgtEl>
+                                          <p:spTgt spid="3">
+                                            <p:txEl>
+                                              <p:pRg st="2" end="2"/>
+                                            </p:txEl>
+                                          </p:spTgt>
+                                        </p:tgtEl>
+                                      </p:cBhvr>
+                                    </p:animEffect>
+                                  </p:childTnLst>
+                                </p:cTn>
+                              </p:par>
+                            </p:childTnLst>
+                          </p:cTn>
+                        </p:par>
+                      </p:childTnLst>
+                    </p:cTn>
+                  </p:par>
+                  <p:par>
+                    <p:cTn id="18" fill="hold">
+                      <p:stCondLst>
+                        <p:cond delay="indefinite"/>
+                      </p:stCondLst>
+                      <p:childTnLst>
+                        <p:par>
+                          <p:cTn id="19" fill="hold">
+                            <p:stCondLst>
+                              <p:cond delay="0"/>
+                            </p:stCondLst>
+                            <p:childTnLst>
+                              <p:par>
+                                <p:cTn id="20" presetID="10" presetClass="entr" presetSubtype="0" fill="hold" nodeType="clickEffect">
+                                  <p:stCondLst>
+                                    <p:cond delay="0"/>
+                                  </p:stCondLst>
+                                  <p:childTnLst>
+                                    <p:set>
+                                      <p:cBhvr>
+                                        <p:cTn id="21" dur="1" fill="hold">
+                                          <p:stCondLst>
+                                            <p:cond delay="0"/>
+                                          </p:stCondLst>
+                                        </p:cTn>
+                                        <p:tgtEl>
+                                          <p:spTgt spid="3">
+                                            <p:txEl>
+                                              <p:pRg st="3" end="3"/>
+                                            </p:txEl>
+                                          </p:spTgt>
+                                        </p:tgtEl>
+                                        <p:attrNameLst>
+                                          <p:attrName>style.visibility</p:attrName>
+                                        </p:attrNameLst>
+                                      </p:cBhvr>
+                                      <p:to>
+                                        <p:strVal val="visible"/>
+                                      </p:to>
+                                    </p:set>
+                                    <p:animEffect transition="in" filter="fade">
+                                      <p:cBhvr>
+                                        <p:cTn id="22" dur="500"/>
+                                        <p:tgtEl>
+                                          <p:spTgt spid="3">
+                                            <p:txEl>
+                                              <p:pRg st="3" end="3"/>
+                                            </p:txEl>
+                                          </p:spTgt>
+                                        </p:tgtEl>
+                                      </p:cBhvr>
+                                    </p:animEffect>
+                                  </p:childTnLst>
+                                </p:cTn>
+                              </p:par>
+                            </p:childTnLst>
+                          </p:cTn>
+                        </p:par>
+                      </p:childTnLst>
+                    </p:cTn>
+                  </p:par>
+                  <p:par>
+                    <p:cTn id="23" fill="hold">
+                      <p:stCondLst>
+                        <p:cond delay="indefinite"/>
+                      </p:stCondLst>
+                      <p:childTnLst>
+                        <p:par>
+                          <p:cTn id="24" fill="hold">
+                            <p:stCondLst>
+                              <p:cond delay="0"/>
+                            </p:stCondLst>
+                            <p:childTnLst>
+                              <p:par>
+                                <p:cTn id="25" presetID="10" presetClass="entr" presetSubtype="0" fill="hold" nodeType="clickEffect">
+                                  <p:stCondLst>
+                                    <p:cond delay="0"/>
+                                  </p:stCondLst>
+                                  <p:childTnLst>
+                                    <p:set>
+                                      <p:cBhvr>
+                                        <p:cTn id="26" dur="1" fill="hold">
+                                          <p:stCondLst>
+                                            <p:cond delay="0"/>
+                                          </p:stCondLst>
+                                        </p:cTn>
+                                        <p:tgtEl>
+                                          <p:spTgt spid="3">
+                                            <p:txEl>
+                                              <p:pRg st="4" end="4"/>
+                                            </p:txEl>
+                                          </p:spTgt>
+                                        </p:tgtEl>
+                                        <p:attrNameLst>
+                                          <p:attrName>style.visibility</p:attrName>
+                                        </p:attrNameLst>
+                                      </p:cBhvr>
+                                      <p:to>
+                                        <p:strVal val="visible"/>
+                                      </p:to>
+                                    </p:set>
+                                    <p:animEffect transition="in" filter="fade">
+                                      <p:cBhvr>
+                                        <p:cTn id="27" dur="500"/>
+                                        <p:tgtEl>
+                                          <p:spTgt spid="3">
+                                            <p:txEl>
+                                              <p:pRg st="4" end="4"/>
+                                            </p:txEl>
+                                          </p:spTgt>
+                                        </p:tgtEl>
+                                      </p:cBhvr>
+                                    </p:animEffect>
+                                  </p:childTnLst>
+                                </p:cTn>
+                              </p:par>
+                            </p:childTnLst>
+                          </p:cTn>
+                        </p:par>
+                      </p:childTnLst>
+                    </p:cTn>
+                  </p:par>
+                  <p:par>
+                    <p:cTn id="28" fill="hold">
+                      <p:stCondLst>
+                        <p:cond delay="indefinite"/>
+                      </p:stCondLst>
+                      <p:childTnLst>
+                        <p:par>
+                          <p:cTn id="29" fill="hold">
+                            <p:stCondLst>
+                              <p:cond delay="0"/>
+                            </p:stCondLst>
+                            <p:childTnLst>
+                              <p:par>
+                                <p:cTn id="30" presetID="10" presetClass="entr" presetSubtype="0" fill="hold" nodeType="clickEffect">
+                                  <p:stCondLst>
+                                    <p:cond delay="0"/>
+                                  </p:stCondLst>
+                                  <p:childTnLst>
+                                    <p:set>
+                                      <p:cBhvr>
+                                        <p:cTn id="31" dur="1" fill="hold">
+                                          <p:stCondLst>
+                                            <p:cond delay="0"/>
+                                          </p:stCondLst>
+                                        </p:cTn>
+                                        <p:tgtEl>
+                                          <p:spTgt spid="3">
+                                            <p:txEl>
+                                              <p:pRg st="5" end="5"/>
+                                            </p:txEl>
+                                          </p:spTgt>
+                                        </p:tgtEl>
+                                        <p:attrNameLst>
+                                          <p:attrName>style.visibility</p:attrName>
+                                        </p:attrNameLst>
+                                      </p:cBhvr>
+                                      <p:to>
+                                        <p:strVal val="visible"/>
+                                      </p:to>
+                                    </p:set>
+                                    <p:animEffect transition="in" filter="fade">
+                                      <p:cBhvr>
+                                        <p:cTn id="32" dur="500"/>
+                                        <p:tgtEl>
+                                          <p:spTgt spid="3">
+                                            <p:txEl>
+                                              <p:pRg st="5" end="5"/>
+                                            </p:txEl>
+                                          </p:spTgt>
+                                        </p:tgtEl>
+                                      </p:cBhvr>
+                                    </p:animEffect>
+                                  </p:childTnLst>
+                                </p:cTn>
+                              </p:par>
+                            </p:childTnLst>
+                          </p:cTn>
+                        </p:par>
+                      </p:childTnLst>
+                    </p:cTn>
+                  </p:par>
+                </p:childTnLst>
+              </p:cTn>
+              <p:prevCondLst>
+                <p:cond evt="onPrev" delay="0">
+                  <p:tgtEl>
+                    <p:sldTgt/>
+                  </p:tgtEl>
+                </p:cond>
+              </p:prevCondLst>
+              <p:nextCondLst>
+                <p:cond evt="onNext" delay="0">
+                  <p:tgtEl>
+                    <p:sldTgt/>
+                  </p:tgtEl>
+                </p:cond>
+              </p:nextCondLst>
+            </p:seq>
+          </p:childTnLst>
+        </p:cTn>
+      </p:par>
+    </p:tnLst>
+  </p:timing>
+</p:sld>
+</file>
+
 <file path=ppt/slides/slide17.xml><?xml version="1.0" encoding="utf-8"?>
 <p:sld xmlns:a="http://schemas.openxmlformats.org/drawingml/2006/main" xmlns:r="http://schemas.openxmlformats.org/officeDocument/2006/relationships" xmlns:p="http://schemas.openxmlformats.org/presentationml/2006/main">
   <p:cSld>
@@ -14392,6 +14647,12 @@
           <a:lstStyle/>
           <a:p>
             <a:r>
+              <a:rPr lang="de-DE" dirty="0"/>
+              <a:t>Versionsverwaltung</a:t>
+            </a:r>
+          </a:p>
+          <a:p>
+            <a:r>
               <a:rPr lang="de-DE" dirty="0" err="1"/>
               <a:t>Continous</a:t>
             </a:r>
@@ -14502,7 +14763,7 @@
                                         <p:tgtEl>
                                           <p:spTgt spid="2">
                                             <p:txEl>
-                                              <p:pRg st="0" end="0"/>
+                                              <p:pRg st="1" end="1"/>
                                             </p:txEl>
                                           </p:spTgt>
                                         </p:tgtEl>
@@ -14520,7 +14781,7 @@
                                         <p:tgtEl>
                                           <p:spTgt spid="2">
                                             <p:txEl>
-                                              <p:pRg st="0" end="0"/>
+                                              <p:pRg st="1" end="1"/>
                                             </p:txEl>
                                           </p:spTgt>
                                         </p:tgtEl>
@@ -14563,7 +14824,7 @@
                                         <p:tgtEl>
                                           <p:spTgt spid="2">
                                             <p:txEl>
-                                              <p:pRg st="1" end="1"/>
+                                              <p:pRg st="0" end="0"/>
                                             </p:txEl>
                                           </p:spTgt>
                                         </p:tgtEl>
@@ -14581,7 +14842,7 @@
                                         <p:tgtEl>
                                           <p:spTgt spid="2">
                                             <p:txEl>
-                                              <p:pRg st="1" end="1"/>
+                                              <p:pRg st="0" end="0"/>
                                             </p:txEl>
                                           </p:spTgt>
                                         </p:tgtEl>
@@ -14704,6 +14965,67 @@
                                           <p:spTgt spid="2">
                                             <p:txEl>
                                               <p:pRg st="3" end="3"/>
+                                            </p:txEl>
+                                          </p:spTgt>
+                                        </p:tgtEl>
+                                      </p:cBhvr>
+                                    </p:animEffect>
+                                  </p:childTnLst>
+                                </p:cTn>
+                              </p:par>
+                            </p:childTnLst>
+                          </p:cTn>
+                        </p:par>
+                      </p:childTnLst>
+                    </p:cTn>
+                  </p:par>
+                  <p:par>
+                    <p:cTn id="23" fill="hold">
+                      <p:stCondLst>
+                        <p:cond delay="indefinite"/>
+                      </p:stCondLst>
+                      <p:childTnLst>
+                        <p:par>
+                          <p:cTn id="24" fill="hold">
+                            <p:stCondLst>
+                              <p:cond delay="0"/>
+                            </p:stCondLst>
+                            <p:childTnLst>
+                              <p:par>
+                                <p:cTn id="25" presetID="10" presetClass="entr" presetSubtype="0" fill="hold" nodeType="clickEffect">
+                                  <p:stCondLst>
+                                    <p:cond delay="0"/>
+                                  </p:stCondLst>
+                                  <p:childTnLst>
+                                    <p:set>
+                                      <p:cBhvr>
+                                        <p:cTn id="26" dur="1" fill="hold">
+                                          <p:stCondLst>
+                                            <p:cond delay="0"/>
+                                          </p:stCondLst>
+                                        </p:cTn>
+                                        <p:tgtEl>
+                                          <p:spTgt spid="2">
+                                            <p:txEl>
+                                              <p:pRg st="4" end="4"/>
+                                            </p:txEl>
+                                          </p:spTgt>
+                                        </p:tgtEl>
+                                        <p:attrNameLst>
+                                          <p:attrName>style.visibility</p:attrName>
+                                        </p:attrNameLst>
+                                      </p:cBhvr>
+                                      <p:to>
+                                        <p:strVal val="visible"/>
+                                      </p:to>
+                                    </p:set>
+                                    <p:animEffect transition="in" filter="fade">
+                                      <p:cBhvr>
+                                        <p:cTn id="27" dur="500"/>
+                                        <p:tgtEl>
+                                          <p:spTgt spid="2">
+                                            <p:txEl>
+                                              <p:pRg st="4" end="4"/>
                                             </p:txEl>
                                           </p:spTgt>
                                         </p:tgtEl>
@@ -20820,17 +21142,16 @@
         </p:nvSpPr>
         <p:spPr/>
         <p:txBody>
-          <a:bodyPr/>
+          <a:bodyPr>
+            <a:normAutofit/>
+          </a:bodyPr>
           <a:lstStyle/>
           <a:p>
             <a:r>
               <a:rPr lang="en-US" dirty="0" err="1"/>
-              <a:t>Continous</a:t>
-            </a:r>
-            <a:r>
-              <a:rPr lang="en-US" dirty="0"/>
-              <a:t> Integration</a:t>
-            </a:r>
+              <a:t>Versionsverwaltungssysteme</a:t>
+            </a:r>
+            <a:endParaRPr lang="en-US" dirty="0"/>
           </a:p>
         </p:txBody>
       </p:sp>
@@ -20847,81 +21168,50 @@
         <p:spPr/>
         <p:txBody>
           <a:bodyPr>
-            <a:normAutofit fontScale="92500" lnSpcReduction="10000"/>
+            <a:normAutofit/>
           </a:bodyPr>
           <a:lstStyle/>
           <a:p>
             <a:pPr lvl="1"/>
             <a:r>
               <a:rPr lang="de-DE" dirty="0"/>
-              <a:t>Fortlaufende Entwicklung </a:t>
+              <a:t>Versionskontrollsysteme (SCM) dienen</a:t>
+            </a:r>
+          </a:p>
+          <a:p>
+            <a:pPr lvl="2"/>
+            <a:r>
+              <a:rPr lang="de-DE" dirty="0"/>
+              <a:t>Der Verwaltung von Dateien</a:t>
+            </a:r>
+          </a:p>
+          <a:p>
+            <a:pPr lvl="2"/>
+            <a:r>
+              <a:rPr lang="de-DE" dirty="0"/>
+              <a:t>Der Zugriffsregelung auf Dateien</a:t>
+            </a:r>
+          </a:p>
+          <a:p>
+            <a:pPr lvl="2"/>
+            <a:r>
+              <a:rPr lang="de-DE" dirty="0"/>
+              <a:t>Der Protokollierung von Änderungen an Dateien</a:t>
             </a:r>
           </a:p>
           <a:p>
             <a:pPr lvl="1"/>
             <a:r>
               <a:rPr lang="de-DE" dirty="0"/>
-              <a:t>Beschreibt den Prozess des fortlaufenden Zusammenfügens von Komponenten zu einer Anwendung</a:t>
+              <a:t>Alle zu verwaltenden Dateien liegen im Repository</a:t>
             </a:r>
           </a:p>
           <a:p>
             <a:pPr lvl="1"/>
             <a:r>
               <a:rPr lang="de-DE" dirty="0"/>
-              <a:t>Ziel:</a:t>
-            </a:r>
-          </a:p>
-          <a:p>
-            <a:pPr lvl="2"/>
-            <a:r>
-              <a:rPr lang="de-DE" dirty="0"/>
-              <a:t>Integration Problems vermeiden und</a:t>
-            </a:r>
-          </a:p>
-          <a:p>
-            <a:pPr lvl="2"/>
-            <a:r>
-              <a:rPr lang="de-DE" dirty="0"/>
-              <a:t>Steigerung der Qualität der Software</a:t>
-            </a:r>
-          </a:p>
-          <a:p>
-            <a:pPr lvl="1"/>
-            <a:r>
-              <a:rPr lang="de-DE" dirty="0"/>
-              <a:t>Oftmals umfasst das nicht nur den Neubau des Systems, sondern auch die Durchführung automatisierter Tests und Messung via Metriken</a:t>
-            </a:r>
-          </a:p>
-          <a:p>
-            <a:pPr lvl="1"/>
-            <a:r>
-              <a:rPr lang="de-DE" dirty="0"/>
-              <a:t>Automatisch ausgelöst durch Einchecken in die </a:t>
-            </a:r>
-            <a:r>
-              <a:rPr lang="de-DE" u="sng" dirty="0"/>
-              <a:t>Versionsverwaltung </a:t>
-            </a:r>
-          </a:p>
-          <a:p>
-            <a:pPr lvl="1"/>
-            <a:r>
-              <a:rPr lang="de-DE" dirty="0"/>
-              <a:t>Einfache Variante: </a:t>
-            </a:r>
-            <a:r>
-              <a:rPr lang="de-DE" dirty="0" err="1"/>
-              <a:t>nightly</a:t>
-            </a:r>
-            <a:r>
-              <a:rPr lang="de-DE" dirty="0"/>
-              <a:t> </a:t>
-            </a:r>
-            <a:r>
-              <a:rPr lang="de-DE" dirty="0" err="1"/>
-              <a:t>Build</a:t>
-            </a:r>
-            <a:endParaRPr lang="de-DE" dirty="0"/>
+              <a:t>Sobald Änderungen vorgenommen werden (und per Commit an das Repository übertragen werden) legt das SCM eine neue Version mit eindeutiger Kennzeichnung an (Revision)</a:t>
+            </a:r>
           </a:p>
           <a:p>
             <a:pPr lvl="2"/>
@@ -20983,7 +21273,7 @@
     </p:spTree>
     <p:extLst>
       <p:ext uri="{BB962C8B-B14F-4D97-AF65-F5344CB8AC3E}">
-        <p14:creationId xmlns:p14="http://schemas.microsoft.com/office/powerpoint/2010/main" val="952842343"/>
+        <p14:creationId xmlns:p14="http://schemas.microsoft.com/office/powerpoint/2010/main" val="317959587"/>
       </p:ext>
     </p:extLst>
   </p:cSld>
@@ -21175,15 +21465,33 @@
                                   </p:childTnLst>
                                 </p:cTn>
                               </p:par>
+                            </p:childTnLst>
+                          </p:cTn>
+                        </p:par>
+                      </p:childTnLst>
+                    </p:cTn>
+                  </p:par>
+                  <p:par>
+                    <p:cTn id="18" fill="hold">
+                      <p:stCondLst>
+                        <p:cond delay="indefinite"/>
+                      </p:stCondLst>
+                      <p:childTnLst>
+                        <p:par>
+                          <p:cTn id="19" fill="hold">
+                            <p:stCondLst>
+                              <p:cond delay="0"/>
+                            </p:stCondLst>
+                            <p:childTnLst>
                               <p:par>
-                                <p:cTn id="18" presetID="10" presetClass="entr" presetSubtype="0" fill="hold" nodeType="withEffect">
+                                <p:cTn id="20" presetID="10" presetClass="entr" presetSubtype="0" fill="hold" nodeType="clickEffect">
                                   <p:stCondLst>
                                     <p:cond delay="0"/>
                                   </p:stCondLst>
                                   <p:childTnLst>
                                     <p:set>
                                       <p:cBhvr>
-                                        <p:cTn id="19" dur="1" fill="hold">
+                                        <p:cTn id="21" dur="1" fill="hold">
                                           <p:stCondLst>
                                             <p:cond delay="0"/>
                                           </p:stCondLst>
@@ -21205,54 +21513,11 @@
                                     </p:set>
                                     <p:animEffect transition="in" filter="fade">
                                       <p:cBhvr>
-                                        <p:cTn id="20" dur="500"/>
+                                        <p:cTn id="22" dur="500"/>
                                         <p:tgtEl>
                                           <p:spTgt spid="3">
                                             <p:txEl>
                                               <p:pRg st="3" end="3"/>
-                                            </p:txEl>
-                                          </p:spTgt>
-                                        </p:tgtEl>
-                                      </p:cBhvr>
-                                    </p:animEffect>
-                                  </p:childTnLst>
-                                </p:cTn>
-                              </p:par>
-                              <p:par>
-                                <p:cTn id="21" presetID="10" presetClass="entr" presetSubtype="0" fill="hold" nodeType="withEffect">
-                                  <p:stCondLst>
-                                    <p:cond delay="0"/>
-                                  </p:stCondLst>
-                                  <p:childTnLst>
-                                    <p:set>
-                                      <p:cBhvr>
-                                        <p:cTn id="22" dur="1" fill="hold">
-                                          <p:stCondLst>
-                                            <p:cond delay="0"/>
-                                          </p:stCondLst>
-                                        </p:cTn>
-                                        <p:tgtEl>
-                                          <p:spTgt spid="3">
-                                            <p:txEl>
-                                              <p:pRg st="4" end="4"/>
-                                            </p:txEl>
-                                          </p:spTgt>
-                                        </p:tgtEl>
-                                        <p:attrNameLst>
-                                          <p:attrName>style.visibility</p:attrName>
-                                        </p:attrNameLst>
-                                      </p:cBhvr>
-                                      <p:to>
-                                        <p:strVal val="visible"/>
-                                      </p:to>
-                                    </p:set>
-                                    <p:animEffect transition="in" filter="fade">
-                                      <p:cBhvr>
-                                        <p:cTn id="23" dur="500"/>
-                                        <p:tgtEl>
-                                          <p:spTgt spid="3">
-                                            <p:txEl>
-                                              <p:pRg st="4" end="4"/>
                                             </p:txEl>
                                           </p:spTgt>
                                         </p:tgtEl>
@@ -21268,26 +21533,26 @@
                     </p:cTn>
                   </p:par>
                   <p:par>
-                    <p:cTn id="24" fill="hold">
+                    <p:cTn id="23" fill="hold">
                       <p:stCondLst>
                         <p:cond delay="indefinite"/>
                       </p:stCondLst>
                       <p:childTnLst>
                         <p:par>
-                          <p:cTn id="25" fill="hold">
+                          <p:cTn id="24" fill="hold">
                             <p:stCondLst>
                               <p:cond delay="0"/>
                             </p:stCondLst>
                             <p:childTnLst>
                               <p:par>
-                                <p:cTn id="26" presetID="10" presetClass="entr" presetSubtype="0" fill="hold" nodeType="clickEffect">
+                                <p:cTn id="25" presetID="10" presetClass="entr" presetSubtype="0" fill="hold" nodeType="clickEffect">
                                   <p:stCondLst>
                                     <p:cond delay="0"/>
                                   </p:stCondLst>
                                   <p:childTnLst>
                                     <p:set>
                                       <p:cBhvr>
-                                        <p:cTn id="27" dur="1" fill="hold">
+                                        <p:cTn id="26" dur="1" fill="hold">
                                           <p:stCondLst>
                                             <p:cond delay="0"/>
                                           </p:stCondLst>
@@ -21295,7 +21560,7 @@
                                         <p:tgtEl>
                                           <p:spTgt spid="3">
                                             <p:txEl>
-                                              <p:pRg st="5" end="5"/>
+                                              <p:pRg st="4" end="4"/>
                                             </p:txEl>
                                           </p:spTgt>
                                         </p:tgtEl>
@@ -21309,11 +21574,11 @@
                                     </p:set>
                                     <p:animEffect transition="in" filter="fade">
                                       <p:cBhvr>
-                                        <p:cTn id="28" dur="500"/>
-                                        <p:tgtEl>
-                                          <p:spTgt spid="3">
-                                            <p:txEl>
-                                              <p:pRg st="5" end="5"/>
+                                        <p:cTn id="27" dur="500"/>
+                                        <p:tgtEl>
+                                          <p:spTgt spid="3">
+                                            <p:txEl>
+                                              <p:pRg st="4" end="4"/>
                                             </p:txEl>
                                           </p:spTgt>
                                         </p:tgtEl>
@@ -21329,26 +21594,26 @@
                     </p:cTn>
                   </p:par>
                   <p:par>
-                    <p:cTn id="29" fill="hold">
+                    <p:cTn id="28" fill="hold">
                       <p:stCondLst>
                         <p:cond delay="indefinite"/>
                       </p:stCondLst>
                       <p:childTnLst>
                         <p:par>
-                          <p:cTn id="30" fill="hold">
+                          <p:cTn id="29" fill="hold">
                             <p:stCondLst>
                               <p:cond delay="0"/>
                             </p:stCondLst>
                             <p:childTnLst>
                               <p:par>
-                                <p:cTn id="31" presetID="10" presetClass="entr" presetSubtype="0" fill="hold" nodeType="clickEffect">
+                                <p:cTn id="30" presetID="10" presetClass="entr" presetSubtype="0" fill="hold" nodeType="clickEffect">
                                   <p:stCondLst>
                                     <p:cond delay="0"/>
                                   </p:stCondLst>
                                   <p:childTnLst>
                                     <p:set>
                                       <p:cBhvr>
-                                        <p:cTn id="32" dur="1" fill="hold">
+                                        <p:cTn id="31" dur="1" fill="hold">
                                           <p:stCondLst>
                                             <p:cond delay="0"/>
                                           </p:stCondLst>
@@ -21356,7 +21621,7 @@
                                         <p:tgtEl>
                                           <p:spTgt spid="3">
                                             <p:txEl>
-                                              <p:pRg st="6" end="6"/>
+                                              <p:pRg st="5" end="5"/>
                                             </p:txEl>
                                           </p:spTgt>
                                         </p:tgtEl>
@@ -21370,72 +21635,11 @@
                                     </p:set>
                                     <p:animEffect transition="in" filter="fade">
                                       <p:cBhvr>
-                                        <p:cTn id="33" dur="500"/>
-                                        <p:tgtEl>
-                                          <p:spTgt spid="3">
-                                            <p:txEl>
-                                              <p:pRg st="6" end="6"/>
-                                            </p:txEl>
-                                          </p:spTgt>
-                                        </p:tgtEl>
-                                      </p:cBhvr>
-                                    </p:animEffect>
-                                  </p:childTnLst>
-                                </p:cTn>
-                              </p:par>
-                            </p:childTnLst>
-                          </p:cTn>
-                        </p:par>
-                      </p:childTnLst>
-                    </p:cTn>
-                  </p:par>
-                  <p:par>
-                    <p:cTn id="34" fill="hold">
-                      <p:stCondLst>
-                        <p:cond delay="indefinite"/>
-                      </p:stCondLst>
-                      <p:childTnLst>
-                        <p:par>
-                          <p:cTn id="35" fill="hold">
-                            <p:stCondLst>
-                              <p:cond delay="0"/>
-                            </p:stCondLst>
-                            <p:childTnLst>
-                              <p:par>
-                                <p:cTn id="36" presetID="10" presetClass="entr" presetSubtype="0" fill="hold" nodeType="clickEffect">
-                                  <p:stCondLst>
-                                    <p:cond delay="0"/>
-                                  </p:stCondLst>
-                                  <p:childTnLst>
-                                    <p:set>
-                                      <p:cBhvr>
-                                        <p:cTn id="37" dur="1" fill="hold">
-                                          <p:stCondLst>
-                                            <p:cond delay="0"/>
-                                          </p:stCondLst>
-                                        </p:cTn>
-                                        <p:tgtEl>
-                                          <p:spTgt spid="3">
-                                            <p:txEl>
-                                              <p:pRg st="7" end="7"/>
-                                            </p:txEl>
-                                          </p:spTgt>
-                                        </p:tgtEl>
-                                        <p:attrNameLst>
-                                          <p:attrName>style.visibility</p:attrName>
-                                        </p:attrNameLst>
-                                      </p:cBhvr>
-                                      <p:to>
-                                        <p:strVal val="visible"/>
-                                      </p:to>
-                                    </p:set>
-                                    <p:animEffect transition="in" filter="fade">
-                                      <p:cBhvr>
-                                        <p:cTn id="38" dur="500"/>
-                                        <p:tgtEl>
-                                          <p:spTgt spid="3">
-                                            <p:txEl>
-                                              <p:pRg st="7" end="7"/>
+                                        <p:cTn id="32" dur="500"/>
+                                        <p:tgtEl>
+                                          <p:spTgt spid="3">
+                                            <p:txEl>
+                                              <p:pRg st="5" end="5"/>
                                             </p:txEl>
                                           </p:spTgt>
                                         </p:tgtEl>
@@ -28187,12 +28391,8 @@
           <a:lstStyle/>
           <a:p>
             <a:r>
-              <a:rPr lang="en-US" dirty="0"/>
-              <a:t>CI - </a:t>
-            </a:r>
-            <a:r>
               <a:rPr lang="en-US" dirty="0" err="1"/>
-              <a:t>Grundsätze</a:t>
+              <a:t>Versionsverwaltungssysteme</a:t>
             </a:r>
             <a:endParaRPr lang="en-US" dirty="0"/>
           </a:p>
@@ -28211,79 +28411,100 @@
         <p:spPr/>
         <p:txBody>
           <a:bodyPr>
-            <a:normAutofit lnSpcReduction="10000"/>
+            <a:normAutofit/>
           </a:bodyPr>
           <a:lstStyle/>
           <a:p>
             <a:pPr lvl="1"/>
             <a:r>
               <a:rPr lang="de-DE" dirty="0"/>
-              <a:t>Gemeinsame Codebasis</a:t>
-            </a:r>
-          </a:p>
-          <a:p>
-            <a:pPr marL="667512" lvl="2" indent="0">
-              <a:buNone/>
-            </a:pPr>
+              <a:t>Jede Revision enthält Metadaten</a:t>
+            </a:r>
+          </a:p>
+          <a:p>
+            <a:pPr lvl="2"/>
             <a:r>
               <a:rPr lang="de-DE" dirty="0"/>
-              <a:t>Existenz einer Versionsverwaltung</a:t>
-            </a:r>
-            <a:br>
+              <a:t>Name des Autors</a:t>
+            </a:r>
+          </a:p>
+          <a:p>
+            <a:pPr lvl="2"/>
+            <a:r>
               <a:rPr lang="de-DE" dirty="0"/>
-            </a:br>
+              <a:t>Zeitstemple</a:t>
+            </a:r>
+          </a:p>
+          <a:p>
+            <a:pPr lvl="2"/>
             <a:r>
               <a:rPr lang="de-DE" dirty="0"/>
-              <a:t>(sinnvolle Integration innerhalb einer Arbeitsgruppe)</a:t>
+              <a:t>Commit Message</a:t>
             </a:r>
           </a:p>
           <a:p>
             <a:pPr lvl="1"/>
             <a:r>
               <a:rPr lang="de-DE" dirty="0"/>
-              <a:t>Automatisierte Übersetzung</a:t>
-            </a:r>
-          </a:p>
-          <a:p>
-            <a:pPr marL="667512" lvl="2" indent="0">
-              <a:buNone/>
-            </a:pPr>
+              <a:t>Zugriff auf das Repository entweder lesend (vor allem bei </a:t>
+            </a:r>
+            <a:r>
+              <a:rPr lang="de-DE" dirty="0" err="1"/>
+              <a:t>OpenSource</a:t>
+            </a:r>
             <a:r>
               <a:rPr lang="de-DE" dirty="0"/>
-              <a:t>Vor Integration: Durchlaufen von definierten Tests, bspw. statische Code-Überprüfungen -&gt; automatisierte Übersetzung notwendig</a:t>
-            </a:r>
-          </a:p>
-          <a:p>
-            <a:pPr marL="667512" lvl="2" indent="0">
-              <a:buNone/>
-            </a:pPr>
+              <a:t>-Projekten) oder so stark wie möglich eingeschränkt</a:t>
+            </a:r>
+          </a:p>
+          <a:p>
+            <a:pPr lvl="1"/>
             <a:r>
               <a:rPr lang="de-DE" dirty="0"/>
-              <a:t>Einsatz separater Test-Umgebungen wird empfohlen, um Unabhängigkeit der Testergebnisse von Arbeitsumgebungen sicherzustellen </a:t>
+              <a:t>Schreibender Zugriff kann direkt gewährt werden (Commit-</a:t>
+            </a:r>
+            <a:r>
+              <a:rPr lang="de-DE" dirty="0" err="1"/>
+              <a:t>based</a:t>
+            </a:r>
+            <a:r>
+              <a:rPr lang="de-DE" dirty="0"/>
+              <a:t> </a:t>
+            </a:r>
+            <a:r>
+              <a:rPr lang="de-DE" dirty="0" err="1"/>
+              <a:t>Collaboration</a:t>
+            </a:r>
+            <a:r>
+              <a:rPr lang="de-DE" dirty="0"/>
+              <a:t>) oder indirekt (Patch-</a:t>
+            </a:r>
+            <a:r>
+              <a:rPr lang="de-DE" dirty="0" err="1"/>
+              <a:t>based</a:t>
+            </a:r>
+            <a:r>
+              <a:rPr lang="de-DE" dirty="0"/>
+              <a:t> </a:t>
+            </a:r>
+            <a:r>
+              <a:rPr lang="de-DE" dirty="0" err="1"/>
+              <a:t>Collaboration</a:t>
+            </a:r>
+            <a:r>
+              <a:rPr lang="de-DE" dirty="0"/>
+              <a:t>)</a:t>
             </a:r>
           </a:p>
           <a:p>
             <a:pPr lvl="1"/>
             <a:r>
               <a:rPr lang="de-DE" dirty="0"/>
-              <a:t>Kontinuierliche Test-Entwicklung</a:t>
-            </a:r>
-          </a:p>
-          <a:p>
-            <a:pPr marL="667512" lvl="2" indent="0">
-              <a:buNone/>
-            </a:pPr>
-            <a:r>
-              <a:rPr lang="de-DE" dirty="0"/>
-              <a:t>Jede Änderung sollte möglichst zeitnah mit einem dazugehörigen Test entwickelt werden</a:t>
+              <a:t>Unterscheidung zwischen zentralen und dezentralen SCMs</a:t>
             </a:r>
           </a:p>
           <a:p>
             <a:pPr lvl="1"/>
-            <a:endParaRPr lang="de-DE" dirty="0"/>
-          </a:p>
-          <a:p>
-            <a:pPr lvl="2"/>
             <a:endParaRPr lang="de-DE" dirty="0"/>
           </a:p>
           <a:p>
@@ -28342,7 +28563,7 @@
     </p:spTree>
     <p:extLst>
       <p:ext uri="{BB962C8B-B14F-4D97-AF65-F5344CB8AC3E}">
-        <p14:creationId xmlns:p14="http://schemas.microsoft.com/office/powerpoint/2010/main" val="2582044384"/>
+        <p14:creationId xmlns:p14="http://schemas.microsoft.com/office/powerpoint/2010/main" val="4006128135"/>
       </p:ext>
     </p:extLst>
   </p:cSld>
@@ -29351,7 +29572,6 @@
               <a:rPr lang="de-DE" sz="2500" dirty="0"/>
               <a:t> vom 17.04.2017 </a:t>
             </a:r>
-            <a:endParaRPr lang="de-DE" sz="2500" dirty="0"/>
           </a:p>
           <a:p>
             <a:pPr lvl="1"/>
@@ -29541,7 +29761,6 @@
               <a:rPr lang="de-DE" sz="2500" dirty="0"/>
               <a:t> vom 17.04.2017</a:t>
             </a:r>
-            <a:endParaRPr lang="de-DE" sz="2500" dirty="0"/>
           </a:p>
         </p:txBody>
       </p:sp>
@@ -31543,12 +31762,8 @@
           <a:lstStyle/>
           <a:p>
             <a:r>
-              <a:rPr lang="en-US" dirty="0"/>
-              <a:t>CI - </a:t>
-            </a:r>
-            <a:r>
               <a:rPr lang="en-US" dirty="0" err="1"/>
-              <a:t>Grundsätze</a:t>
+              <a:t>Versionsverwaltungssysteme</a:t>
             </a:r>
             <a:endParaRPr lang="en-US" dirty="0"/>
           </a:p>
@@ -31564,7 +31779,12 @@
             <p:ph idx="1"/>
           </p:nvPr>
         </p:nvSpPr>
-        <p:spPr/>
+        <p:spPr>
+          <a:xfrm>
+            <a:off x="457200" y="1935479"/>
+            <a:ext cx="5266928" cy="4922521"/>
+          </a:xfrm>
+        </p:spPr>
         <p:txBody>
           <a:bodyPr>
             <a:normAutofit/>
@@ -31574,130 +31794,75 @@
             <a:pPr lvl="1"/>
             <a:r>
               <a:rPr lang="de-DE" dirty="0"/>
-              <a:t>Häufige Integration</a:t>
-            </a:r>
-          </a:p>
-          <a:p>
-            <a:pPr marL="667512" lvl="2" indent="0">
-              <a:buNone/>
-            </a:pPr>
+              <a:t>Zentrale Versionsverwaltungssysteme</a:t>
+            </a:r>
+          </a:p>
+          <a:p>
+            <a:pPr lvl="1"/>
             <a:r>
               <a:rPr lang="de-DE" dirty="0"/>
-              <a:t>So oft wie möglich integrieren</a:t>
-            </a:r>
-          </a:p>
-          <a:p>
-            <a:pPr marL="667512" lvl="2" indent="0">
-              <a:buNone/>
-            </a:pPr>
+              <a:t>Beispiele: CVS, SVN</a:t>
+            </a:r>
+          </a:p>
+          <a:p>
+            <a:pPr lvl="2"/>
             <a:r>
               <a:rPr lang="de-DE" dirty="0"/>
-              <a:t>Risikominimierung fehlgeschlagener Integrationen</a:t>
-            </a:r>
-          </a:p>
-          <a:p>
-            <a:pPr marL="667512" lvl="2" indent="0">
-              <a:buNone/>
-            </a:pPr>
+              <a:t>Ein Repository auf einem zentralen Server</a:t>
+            </a:r>
+          </a:p>
+          <a:p>
+            <a:pPr lvl="2"/>
             <a:r>
               <a:rPr lang="de-DE" dirty="0"/>
-              <a:t>Sicherung des Entwicklungsstandes</a:t>
-            </a:r>
-          </a:p>
-          <a:p>
-            <a:pPr marL="667512" lvl="2" indent="0">
-              <a:buNone/>
-            </a:pPr>
+              <a:t>Lokale Kopie aller Dateien des </a:t>
+            </a:r>
+            <a:r>
+              <a:rPr lang="de-DE" dirty="0" err="1"/>
+              <a:t>repositorys</a:t>
+            </a:r>
             <a:r>
               <a:rPr lang="de-DE" dirty="0"/>
-              <a:t>Bspw. mindestens 1 Mal täglich</a:t>
-            </a:r>
-          </a:p>
-          <a:p>
-            <a:pPr lvl="1"/>
+              <a:t> </a:t>
+            </a:r>
+          </a:p>
+          <a:p>
+            <a:pPr lvl="2"/>
+            <a:r>
+              <a:rPr lang="de-DE" dirty="0" err="1"/>
+              <a:t>Checkout</a:t>
+            </a:r>
             <a:r>
               <a:rPr lang="de-DE" dirty="0"/>
-              <a:t>Integration in den </a:t>
+              <a:t> -&gt; Snapshot des </a:t>
             </a:r>
             <a:r>
               <a:rPr lang="de-DE" dirty="0" err="1"/>
-              <a:t>Hauptbranch</a:t>
-            </a:r>
-            <a:endParaRPr lang="de-DE" dirty="0"/>
-          </a:p>
-          <a:p>
-            <a:pPr marL="667512" lvl="2" indent="0">
-              <a:buNone/>
-            </a:pPr>
+              <a:t>repositorys</a:t>
+            </a:r>
             <a:r>
               <a:rPr lang="de-DE" dirty="0"/>
-              <a:t>Änderungen in </a:t>
+              <a:t> -&gt; Working </a:t>
             </a:r>
             <a:r>
               <a:rPr lang="de-DE" dirty="0" err="1"/>
-              <a:t>Hauptbranch</a:t>
-            </a:r>
+              <a:t>Copies</a:t>
+            </a:r>
+            <a:endParaRPr lang="de-DE" dirty="0"/>
+          </a:p>
+          <a:p>
+            <a:pPr lvl="2"/>
             <a:r>
               <a:rPr lang="de-DE" dirty="0"/>
-              <a:t> integrieren, dort startet automatischer </a:t>
-            </a:r>
-            <a:r>
-              <a:rPr lang="de-DE" dirty="0" err="1"/>
-              <a:t>Build</a:t>
-            </a:r>
+              <a:t>Änderungen -&gt; Commit</a:t>
+            </a:r>
+          </a:p>
+          <a:p>
+            <a:pPr lvl="2"/>
             <a:r>
               <a:rPr lang="de-DE" dirty="0"/>
-              <a:t>- und Testzyklus (kontinuierlicher </a:t>
-            </a:r>
-            <a:r>
-              <a:rPr lang="de-DE" dirty="0" err="1"/>
-              <a:t>Integrationsbuild</a:t>
-            </a:r>
-            <a:r>
-              <a:rPr lang="de-DE" dirty="0"/>
-              <a:t>)</a:t>
-            </a:r>
-          </a:p>
-          <a:p>
-            <a:pPr lvl="1"/>
-            <a:r>
-              <a:rPr lang="de-DE" dirty="0"/>
-              <a:t>Kurze Testzyklen</a:t>
-            </a:r>
-          </a:p>
-          <a:p>
-            <a:pPr marL="667512" lvl="2" indent="0">
-              <a:buNone/>
-            </a:pPr>
-            <a:r>
-              <a:rPr lang="de-DE" dirty="0"/>
-              <a:t>Geringer Testzyklus vor Integration</a:t>
-            </a:r>
-          </a:p>
-          <a:p>
-            <a:pPr marL="667512" lvl="2" indent="0">
-              <a:buNone/>
-            </a:pPr>
-            <a:r>
-              <a:rPr lang="de-DE" dirty="0"/>
-              <a:t>Bsp. Lokale Tests vor Integration</a:t>
-            </a:r>
-          </a:p>
-          <a:p>
-            <a:pPr lvl="1"/>
-            <a:endParaRPr lang="de-DE" dirty="0"/>
-          </a:p>
-          <a:p>
-            <a:pPr lvl="1"/>
-            <a:endParaRPr lang="de-DE" dirty="0"/>
-          </a:p>
-          <a:p>
-            <a:pPr lvl="2"/>
-            <a:endParaRPr lang="de-DE" dirty="0"/>
-          </a:p>
-          <a:p>
-            <a:pPr lvl="1"/>
-            <a:endParaRPr lang="de-DE" dirty="0"/>
+              <a:t>Nachfolgende Schritte für einzelne oder alle Dateien ausführbar (meiste SCMs)</a:t>
+            </a:r>
           </a:p>
           <a:p>
             <a:pPr lvl="2"/>
@@ -31748,10 +31913,94 @@
           </a:p>
         </p:txBody>
       </p:sp>
+      <p:pic>
+        <p:nvPicPr>
+          <p:cNvPr id="5" name="Grafik 4"/>
+          <p:cNvPicPr>
+            <a:picLocks noChangeAspect="1"/>
+          </p:cNvPicPr>
+          <p:nvPr/>
+        </p:nvPicPr>
+        <p:blipFill>
+          <a:blip r:embed="rId2"/>
+          <a:stretch>
+            <a:fillRect/>
+          </a:stretch>
+        </p:blipFill>
+        <p:spPr>
+          <a:xfrm>
+            <a:off x="5557037" y="2276872"/>
+            <a:ext cx="3129763" cy="2343015"/>
+          </a:xfrm>
+          <a:prstGeom prst="rect">
+            <a:avLst/>
+          </a:prstGeom>
+        </p:spPr>
+      </p:pic>
+      <p:sp>
+        <p:nvSpPr>
+          <p:cNvPr id="6" name="Rechteck 5"/>
+          <p:cNvSpPr/>
+          <p:nvPr/>
+        </p:nvSpPr>
+        <p:spPr>
+          <a:xfrm>
+            <a:off x="5557037" y="4723050"/>
+            <a:ext cx="2980601" cy="430887"/>
+          </a:xfrm>
+          <a:prstGeom prst="rect">
+            <a:avLst/>
+          </a:prstGeom>
+        </p:spPr>
+        <p:txBody>
+          <a:bodyPr wrap="square">
+            <a:spAutoFit/>
+          </a:bodyPr>
+          <a:lstStyle/>
+          <a:p>
+            <a:r>
+              <a:rPr lang="de-DE" sz="1100" dirty="0"/>
+              <a:t>Quelle: </a:t>
+            </a:r>
+            <a:r>
+              <a:rPr lang="de-DE" sz="1100" dirty="0" err="1"/>
+              <a:t>Preißel</a:t>
+            </a:r>
+            <a:r>
+              <a:rPr lang="de-DE" sz="1100" dirty="0"/>
+              <a:t>, René / </a:t>
+            </a:r>
+            <a:r>
+              <a:rPr lang="de-DE" sz="1100" dirty="0" err="1"/>
+              <a:t>Stachmann</a:t>
+            </a:r>
+            <a:r>
+              <a:rPr lang="de-DE" sz="1100" dirty="0"/>
+              <a:t>, </a:t>
+            </a:r>
+            <a:r>
+              <a:rPr lang="de-DE" sz="1100" dirty="0" err="1"/>
+              <a:t>BjØrn</a:t>
+            </a:r>
+            <a:r>
+              <a:rPr lang="de-DE" sz="1100" dirty="0"/>
+              <a:t> (4. Auflage 2017): </a:t>
+            </a:r>
+            <a:r>
+              <a:rPr lang="de-DE" sz="1100" dirty="0" err="1"/>
+              <a:t>Git</a:t>
+            </a:r>
+            <a:r>
+              <a:rPr lang="de-DE" sz="1100" dirty="0"/>
+              <a:t> </a:t>
+            </a:r>
+          </a:p>
+        </p:txBody>
+      </p:sp>
     </p:spTree>
     <p:extLst>
       <p:ext uri="{BB962C8B-B14F-4D97-AF65-F5344CB8AC3E}">
-        <p14:creationId xmlns:p14="http://schemas.microsoft.com/office/powerpoint/2010/main" val="391896757"/>
+        <p14:creationId xmlns:p14="http://schemas.microsoft.com/office/powerpoint/2010/main" val="3815401863"/>
       </p:ext>
     </p:extLst>
   </p:cSld>
@@ -31914,11 +32163,7 @@
                                           </p:stCondLst>
                                         </p:cTn>
                                         <p:tgtEl>
-                                          <p:spTgt spid="3">
-                                            <p:txEl>
-                                              <p:pRg st="2" end="2"/>
-                                            </p:txEl>
-                                          </p:spTgt>
+                                          <p:spTgt spid="5"/>
                                         </p:tgtEl>
                                         <p:attrNameLst>
                                           <p:attrName>style.visibility</p:attrName>
@@ -31932,11 +32177,42 @@
                                       <p:cBhvr>
                                         <p:cTn id="17" dur="500"/>
                                         <p:tgtEl>
-                                          <p:spTgt spid="3">
-                                            <p:txEl>
-                                              <p:pRg st="2" end="2"/>
-                                            </p:txEl>
-                                          </p:spTgt>
+                                          <p:spTgt spid="5"/>
+                                        </p:tgtEl>
+                                      </p:cBhvr>
+                                    </p:animEffect>
+                                  </p:childTnLst>
+                                </p:cTn>
+                              </p:par>
+                              <p:par>
+                                <p:cTn id="18" presetID="10" presetClass="entr" presetSubtype="0" fill="hold" grpId="0" nodeType="withEffect">
+                                  <p:stCondLst>
+                                    <p:cond delay="0"/>
+                                  </p:stCondLst>
+                                  <p:childTnLst>
+                                    <p:set>
+                                      <p:cBhvr>
+                                        <p:cTn id="19" dur="1" fill="hold">
+                                          <p:stCondLst>
+                                            <p:cond delay="0"/>
+                                          </p:stCondLst>
+                                        </p:cTn>
+                                        <p:tgtEl>
+                                          <p:spTgt spid="6"/>
+                                        </p:tgtEl>
+                                        <p:attrNameLst>
+                                          <p:attrName>style.visibility</p:attrName>
+                                        </p:attrNameLst>
+                                      </p:cBhvr>
+                                      <p:to>
+                                        <p:strVal val="visible"/>
+                                      </p:to>
+                                    </p:set>
+                                    <p:animEffect transition="in" filter="fade">
+                                      <p:cBhvr>
+                                        <p:cTn id="20" dur="500"/>
+                                        <p:tgtEl>
+                                          <p:spTgt spid="6"/>
                                         </p:tgtEl>
                                       </p:cBhvr>
                                     </p:animEffect>
@@ -31950,26 +32226,26 @@
                     </p:cTn>
                   </p:par>
                   <p:par>
-                    <p:cTn id="18" fill="hold">
+                    <p:cTn id="21" fill="hold">
                       <p:stCondLst>
                         <p:cond delay="indefinite"/>
                       </p:stCondLst>
                       <p:childTnLst>
                         <p:par>
-                          <p:cTn id="19" fill="hold">
+                          <p:cTn id="22" fill="hold">
                             <p:stCondLst>
                               <p:cond delay="0"/>
                             </p:stCondLst>
                             <p:childTnLst>
                               <p:par>
-                                <p:cTn id="20" presetID="10" presetClass="entr" presetSubtype="0" fill="hold" nodeType="clickEffect">
+                                <p:cTn id="23" presetID="10" presetClass="entr" presetSubtype="0" fill="hold" nodeType="clickEffect">
                                   <p:stCondLst>
                                     <p:cond delay="0"/>
                                   </p:stCondLst>
                                   <p:childTnLst>
                                     <p:set>
                                       <p:cBhvr>
-                                        <p:cTn id="21" dur="1" fill="hold">
+                                        <p:cTn id="24" dur="1" fill="hold">
                                           <p:stCondLst>
                                             <p:cond delay="0"/>
                                           </p:stCondLst>
@@ -31977,7 +32253,7 @@
                                         <p:tgtEl>
                                           <p:spTgt spid="3">
                                             <p:txEl>
-                                              <p:pRg st="3" end="3"/>
+                                              <p:pRg st="2" end="2"/>
                                             </p:txEl>
                                           </p:spTgt>
                                         </p:tgtEl>
@@ -31991,11 +32267,11 @@
                                     </p:set>
                                     <p:animEffect transition="in" filter="fade">
                                       <p:cBhvr>
-                                        <p:cTn id="22" dur="500"/>
-                                        <p:tgtEl>
-                                          <p:spTgt spid="3">
-                                            <p:txEl>
-                                              <p:pRg st="3" end="3"/>
+                                        <p:cTn id="25" dur="500"/>
+                                        <p:tgtEl>
+                                          <p:spTgt spid="3">
+                                            <p:txEl>
+                                              <p:pRg st="2" end="2"/>
                                             </p:txEl>
                                           </p:spTgt>
                                         </p:tgtEl>
@@ -32011,26 +32287,26 @@
                     </p:cTn>
                   </p:par>
                   <p:par>
-                    <p:cTn id="23" fill="hold">
+                    <p:cTn id="26" fill="hold">
                       <p:stCondLst>
                         <p:cond delay="indefinite"/>
                       </p:stCondLst>
                       <p:childTnLst>
                         <p:par>
-                          <p:cTn id="24" fill="hold">
+                          <p:cTn id="27" fill="hold">
                             <p:stCondLst>
                               <p:cond delay="0"/>
                             </p:stCondLst>
                             <p:childTnLst>
                               <p:par>
-                                <p:cTn id="25" presetID="10" presetClass="entr" presetSubtype="0" fill="hold" nodeType="clickEffect">
+                                <p:cTn id="28" presetID="10" presetClass="entr" presetSubtype="0" fill="hold" nodeType="clickEffect">
                                   <p:stCondLst>
                                     <p:cond delay="0"/>
                                   </p:stCondLst>
                                   <p:childTnLst>
                                     <p:set>
                                       <p:cBhvr>
-                                        <p:cTn id="26" dur="1" fill="hold">
+                                        <p:cTn id="29" dur="1" fill="hold">
                                           <p:stCondLst>
                                             <p:cond delay="0"/>
                                           </p:stCondLst>
@@ -32038,7 +32314,7 @@
                                         <p:tgtEl>
                                           <p:spTgt spid="3">
                                             <p:txEl>
-                                              <p:pRg st="4" end="4"/>
+                                              <p:pRg st="3" end="3"/>
                                             </p:txEl>
                                           </p:spTgt>
                                         </p:tgtEl>
@@ -32052,11 +32328,11 @@
                                     </p:set>
                                     <p:animEffect transition="in" filter="fade">
                                       <p:cBhvr>
-                                        <p:cTn id="27" dur="500"/>
-                                        <p:tgtEl>
-                                          <p:spTgt spid="3">
-                                            <p:txEl>
-                                              <p:pRg st="4" end="4"/>
+                                        <p:cTn id="30" dur="500"/>
+                                        <p:tgtEl>
+                                          <p:spTgt spid="3">
+                                            <p:txEl>
+                                              <p:pRg st="3" end="3"/>
                                             </p:txEl>
                                           </p:spTgt>
                                         </p:tgtEl>
@@ -32072,26 +32348,26 @@
                     </p:cTn>
                   </p:par>
                   <p:par>
-                    <p:cTn id="28" fill="hold">
+                    <p:cTn id="31" fill="hold">
                       <p:stCondLst>
                         <p:cond delay="indefinite"/>
                       </p:stCondLst>
                       <p:childTnLst>
                         <p:par>
-                          <p:cTn id="29" fill="hold">
+                          <p:cTn id="32" fill="hold">
                             <p:stCondLst>
                               <p:cond delay="0"/>
                             </p:stCondLst>
                             <p:childTnLst>
                               <p:par>
-                                <p:cTn id="30" presetID="10" presetClass="entr" presetSubtype="0" fill="hold" nodeType="clickEffect">
+                                <p:cTn id="33" presetID="10" presetClass="entr" presetSubtype="0" fill="hold" nodeType="clickEffect">
                                   <p:stCondLst>
                                     <p:cond delay="0"/>
                                   </p:stCondLst>
                                   <p:childTnLst>
                                     <p:set>
                                       <p:cBhvr>
-                                        <p:cTn id="31" dur="1" fill="hold">
+                                        <p:cTn id="34" dur="1" fill="hold">
                                           <p:stCondLst>
                                             <p:cond delay="0"/>
                                           </p:stCondLst>
@@ -32099,7 +32375,7 @@
                                         <p:tgtEl>
                                           <p:spTgt spid="3">
                                             <p:txEl>
-                                              <p:pRg st="5" end="5"/>
+                                              <p:pRg st="4" end="4"/>
                                             </p:txEl>
                                           </p:spTgt>
                                         </p:tgtEl>
@@ -32113,11 +32389,11 @@
                                     </p:set>
                                     <p:animEffect transition="in" filter="fade">
                                       <p:cBhvr>
-                                        <p:cTn id="32" dur="500"/>
-                                        <p:tgtEl>
-                                          <p:spTgt spid="3">
-                                            <p:txEl>
-                                              <p:pRg st="5" end="5"/>
+                                        <p:cTn id="35" dur="500"/>
+                                        <p:tgtEl>
+                                          <p:spTgt spid="3">
+                                            <p:txEl>
+                                              <p:pRg st="4" end="4"/>
                                             </p:txEl>
                                           </p:spTgt>
                                         </p:tgtEl>
@@ -32133,26 +32409,26 @@
                     </p:cTn>
                   </p:par>
                   <p:par>
-                    <p:cTn id="33" fill="hold">
+                    <p:cTn id="36" fill="hold">
                       <p:stCondLst>
                         <p:cond delay="indefinite"/>
                       </p:stCondLst>
                       <p:childTnLst>
                         <p:par>
-                          <p:cTn id="34" fill="hold">
+                          <p:cTn id="37" fill="hold">
                             <p:stCondLst>
                               <p:cond delay="0"/>
                             </p:stCondLst>
                             <p:childTnLst>
                               <p:par>
-                                <p:cTn id="35" presetID="10" presetClass="entr" presetSubtype="0" fill="hold" nodeType="clickEffect">
+                                <p:cTn id="38" presetID="10" presetClass="entr" presetSubtype="0" fill="hold" nodeType="clickEffect">
                                   <p:stCondLst>
                                     <p:cond delay="0"/>
                                   </p:stCondLst>
                                   <p:childTnLst>
                                     <p:set>
                                       <p:cBhvr>
-                                        <p:cTn id="36" dur="1" fill="hold">
+                                        <p:cTn id="39" dur="1" fill="hold">
                                           <p:stCondLst>
                                             <p:cond delay="0"/>
                                           </p:stCondLst>
@@ -32160,7 +32436,7 @@
                                         <p:tgtEl>
                                           <p:spTgt spid="3">
                                             <p:txEl>
-                                              <p:pRg st="6" end="6"/>
+                                              <p:pRg st="5" end="5"/>
                                             </p:txEl>
                                           </p:spTgt>
                                         </p:tgtEl>
@@ -32174,11 +32450,11 @@
                                     </p:set>
                                     <p:animEffect transition="in" filter="fade">
                                       <p:cBhvr>
-                                        <p:cTn id="37" dur="500"/>
-                                        <p:tgtEl>
-                                          <p:spTgt spid="3">
-                                            <p:txEl>
-                                              <p:pRg st="6" end="6"/>
+                                        <p:cTn id="40" dur="500"/>
+                                        <p:tgtEl>
+                                          <p:spTgt spid="3">
+                                            <p:txEl>
+                                              <p:pRg st="5" end="5"/>
                                             </p:txEl>
                                           </p:spTgt>
                                         </p:tgtEl>
@@ -32194,26 +32470,26 @@
                     </p:cTn>
                   </p:par>
                   <p:par>
-                    <p:cTn id="38" fill="hold">
+                    <p:cTn id="41" fill="hold">
                       <p:stCondLst>
                         <p:cond delay="indefinite"/>
                       </p:stCondLst>
                       <p:childTnLst>
                         <p:par>
-                          <p:cTn id="39" fill="hold">
+                          <p:cTn id="42" fill="hold">
                             <p:stCondLst>
                               <p:cond delay="0"/>
                             </p:stCondLst>
                             <p:childTnLst>
                               <p:par>
-                                <p:cTn id="40" presetID="10" presetClass="entr" presetSubtype="0" fill="hold" nodeType="clickEffect">
+                                <p:cTn id="43" presetID="10" presetClass="entr" presetSubtype="0" fill="hold" nodeType="clickEffect">
                                   <p:stCondLst>
                                     <p:cond delay="0"/>
                                   </p:stCondLst>
                                   <p:childTnLst>
                                     <p:set>
                                       <p:cBhvr>
-                                        <p:cTn id="41" dur="1" fill="hold">
+                                        <p:cTn id="44" dur="1" fill="hold">
                                           <p:stCondLst>
                                             <p:cond delay="0"/>
                                           </p:stCondLst>
@@ -32221,7 +32497,7 @@
                                         <p:tgtEl>
                                           <p:spTgt spid="3">
                                             <p:txEl>
-                                              <p:pRg st="7" end="7"/>
+                                              <p:pRg st="6" end="6"/>
                                             </p:txEl>
                                           </p:spTgt>
                                         </p:tgtEl>
@@ -32235,133 +32511,11 @@
                                     </p:set>
                                     <p:animEffect transition="in" filter="fade">
                                       <p:cBhvr>
-                                        <p:cTn id="42" dur="500"/>
-                                        <p:tgtEl>
-                                          <p:spTgt spid="3">
-                                            <p:txEl>
-                                              <p:pRg st="7" end="7"/>
-                                            </p:txEl>
-                                          </p:spTgt>
-                                        </p:tgtEl>
-                                      </p:cBhvr>
-                                    </p:animEffect>
-                                  </p:childTnLst>
-                                </p:cTn>
-                              </p:par>
-                            </p:childTnLst>
-                          </p:cTn>
-                        </p:par>
-                      </p:childTnLst>
-                    </p:cTn>
-                  </p:par>
-                  <p:par>
-                    <p:cTn id="43" fill="hold">
-                      <p:stCondLst>
-                        <p:cond delay="indefinite"/>
-                      </p:stCondLst>
-                      <p:childTnLst>
-                        <p:par>
-                          <p:cTn id="44" fill="hold">
-                            <p:stCondLst>
-                              <p:cond delay="0"/>
-                            </p:stCondLst>
-                            <p:childTnLst>
-                              <p:par>
-                                <p:cTn id="45" presetID="10" presetClass="entr" presetSubtype="0" fill="hold" nodeType="clickEffect">
-                                  <p:stCondLst>
-                                    <p:cond delay="0"/>
-                                  </p:stCondLst>
-                                  <p:childTnLst>
-                                    <p:set>
-                                      <p:cBhvr>
-                                        <p:cTn id="46" dur="1" fill="hold">
-                                          <p:stCondLst>
-                                            <p:cond delay="0"/>
-                                          </p:stCondLst>
-                                        </p:cTn>
-                                        <p:tgtEl>
-                                          <p:spTgt spid="3">
-                                            <p:txEl>
-                                              <p:pRg st="8" end="8"/>
-                                            </p:txEl>
-                                          </p:spTgt>
-                                        </p:tgtEl>
-                                        <p:attrNameLst>
-                                          <p:attrName>style.visibility</p:attrName>
-                                        </p:attrNameLst>
-                                      </p:cBhvr>
-                                      <p:to>
-                                        <p:strVal val="visible"/>
-                                      </p:to>
-                                    </p:set>
-                                    <p:animEffect transition="in" filter="fade">
-                                      <p:cBhvr>
-                                        <p:cTn id="47" dur="500"/>
-                                        <p:tgtEl>
-                                          <p:spTgt spid="3">
-                                            <p:txEl>
-                                              <p:pRg st="8" end="8"/>
-                                            </p:txEl>
-                                          </p:spTgt>
-                                        </p:tgtEl>
-                                      </p:cBhvr>
-                                    </p:animEffect>
-                                  </p:childTnLst>
-                                </p:cTn>
-                              </p:par>
-                            </p:childTnLst>
-                          </p:cTn>
-                        </p:par>
-                      </p:childTnLst>
-                    </p:cTn>
-                  </p:par>
-                  <p:par>
-                    <p:cTn id="48" fill="hold">
-                      <p:stCondLst>
-                        <p:cond delay="indefinite"/>
-                      </p:stCondLst>
-                      <p:childTnLst>
-                        <p:par>
-                          <p:cTn id="49" fill="hold">
-                            <p:stCondLst>
-                              <p:cond delay="0"/>
-                            </p:stCondLst>
-                            <p:childTnLst>
-                              <p:par>
-                                <p:cTn id="50" presetID="10" presetClass="entr" presetSubtype="0" fill="hold" nodeType="clickEffect">
-                                  <p:stCondLst>
-                                    <p:cond delay="0"/>
-                                  </p:stCondLst>
-                                  <p:childTnLst>
-                                    <p:set>
-                                      <p:cBhvr>
-                                        <p:cTn id="51" dur="1" fill="hold">
-                                          <p:stCondLst>
-                                            <p:cond delay="0"/>
-                                          </p:stCondLst>
-                                        </p:cTn>
-                                        <p:tgtEl>
-                                          <p:spTgt spid="3">
-                                            <p:txEl>
-                                              <p:pRg st="9" end="9"/>
-                                            </p:txEl>
-                                          </p:spTgt>
-                                        </p:tgtEl>
-                                        <p:attrNameLst>
-                                          <p:attrName>style.visibility</p:attrName>
-                                        </p:attrNameLst>
-                                      </p:cBhvr>
-                                      <p:to>
-                                        <p:strVal val="visible"/>
-                                      </p:to>
-                                    </p:set>
-                                    <p:animEffect transition="in" filter="fade">
-                                      <p:cBhvr>
-                                        <p:cTn id="52" dur="500"/>
-                                        <p:tgtEl>
-                                          <p:spTgt spid="3">
-                                            <p:txEl>
-                                              <p:pRg st="9" end="9"/>
+                                        <p:cTn id="45" dur="500"/>
+                                        <p:tgtEl>
+                                          <p:spTgt spid="3">
+                                            <p:txEl>
+                                              <p:pRg st="6" end="6"/>
                                             </p:txEl>
                                           </p:spTgt>
                                         </p:tgtEl>
@@ -32397,6 +32551,9 @@
         </p:cTn>
       </p:par>
     </p:tnLst>
+    <p:bldLst>
+      <p:bldP spid="6" grpId="0"/>
+    </p:bldLst>
   </p:timing>
 </p:sld>
 </file>
@@ -32436,12 +32593,8 @@
           <a:lstStyle/>
           <a:p>
             <a:r>
-              <a:rPr lang="en-US" dirty="0"/>
-              <a:t>CI - </a:t>
-            </a:r>
-            <a:r>
               <a:rPr lang="en-US" dirty="0" err="1"/>
-              <a:t>Grundsätze</a:t>
+              <a:t>Versionsverwaltungssysteme</a:t>
             </a:r>
             <a:endParaRPr lang="en-US" dirty="0"/>
           </a:p>
@@ -32457,87 +32610,98 @@
             <p:ph idx="1"/>
           </p:nvPr>
         </p:nvSpPr>
-        <p:spPr/>
+        <p:spPr>
+          <a:xfrm>
+            <a:off x="457200" y="1935480"/>
+            <a:ext cx="8291264" cy="4389120"/>
+          </a:xfrm>
+        </p:spPr>
         <p:txBody>
           <a:bodyPr>
             <a:normAutofit/>
           </a:bodyPr>
           <a:lstStyle/>
           <a:p>
-            <a:pPr lvl="1"/>
+            <a:pPr lvl="2"/>
             <a:r>
               <a:rPr lang="de-DE" dirty="0"/>
-              <a:t>Gespiegelte Produktionsumgebung</a:t>
-            </a:r>
-          </a:p>
-          <a:p>
-            <a:pPr marL="667512" lvl="2" indent="0">
-              <a:buNone/>
-            </a:pPr>
+              <a:t>SCM prüft ob Revisionsnummer der Working </a:t>
+            </a:r>
+            <a:r>
+              <a:rPr lang="de-DE" dirty="0" err="1"/>
+              <a:t>Copy</a:t>
+            </a:r>
             <a:r>
               <a:rPr lang="de-DE" dirty="0"/>
-              <a:t>Änderungen sollten in einem Abbild der Produktionsumgebung getestet werden</a:t>
-            </a:r>
-          </a:p>
-          <a:p>
-            <a:pPr lvl="1"/>
+              <a:t> gleich </a:t>
+            </a:r>
+            <a:r>
+              <a:rPr lang="de-DE" dirty="0" err="1"/>
+              <a:t>Revisionesnummer</a:t>
+            </a:r>
             <a:r>
               <a:rPr lang="de-DE" dirty="0"/>
-              <a:t>Einfacher Zugriff</a:t>
-            </a:r>
-          </a:p>
-          <a:p>
-            <a:pPr marL="667512" lvl="2" indent="0">
-              <a:buNone/>
-            </a:pPr>
+              <a:t> des </a:t>
+            </a:r>
+            <a:r>
+              <a:rPr lang="de-DE" dirty="0" err="1"/>
+              <a:t>repositorys</a:t>
+            </a:r>
+            <a:endParaRPr lang="de-DE" dirty="0"/>
+          </a:p>
+          <a:p>
+            <a:pPr lvl="3"/>
             <a:r>
               <a:rPr lang="de-DE" dirty="0"/>
-              <a:t>Auch für Nicht-Entwickler (z.B. als Testsystem für Tester, Zahlen für QA, Dokumentation oder Pakete für Release Manager)</a:t>
-            </a:r>
-          </a:p>
-          <a:p>
-            <a:pPr lvl="1"/>
+              <a:t>Falls ja </a:t>
+            </a:r>
+          </a:p>
+          <a:p>
+            <a:pPr lvl="4"/>
             <a:r>
               <a:rPr lang="de-DE" dirty="0"/>
-              <a:t>Automatisiertes Reporting</a:t>
-            </a:r>
-          </a:p>
-          <a:p>
-            <a:pPr marL="667512" lvl="2" indent="0">
-              <a:buNone/>
-            </a:pPr>
+              <a:t>Änderungen übernehmen</a:t>
+            </a:r>
+          </a:p>
+          <a:p>
+            <a:pPr lvl="4"/>
             <a:r>
               <a:rPr lang="de-DE" dirty="0"/>
-              <a:t>Ergebnisse der Integration sollten leicht verfügbar sein (wann, welche Änderungen, welche Qualität)</a:t>
-            </a:r>
-          </a:p>
-          <a:p>
-            <a:pPr lvl="1"/>
+              <a:t>neue Version erstellen (Revisionsnummer +1)</a:t>
+            </a:r>
+          </a:p>
+          <a:p>
+            <a:pPr lvl="3"/>
             <a:r>
               <a:rPr lang="de-DE" dirty="0"/>
-              <a:t>Automatisierte Verteilung</a:t>
-            </a:r>
-          </a:p>
-          <a:p>
-            <a:pPr marL="667512" lvl="2" indent="0">
-              <a:buNone/>
-            </a:pPr>
+              <a:t>Falls nein </a:t>
+            </a:r>
+          </a:p>
+          <a:p>
+            <a:pPr lvl="4"/>
+            <a:r>
+              <a:rPr lang="de-DE" u="sng" dirty="0" err="1"/>
+              <a:t>Merge</a:t>
+            </a:r>
             <a:r>
               <a:rPr lang="de-DE" dirty="0"/>
-              <a:t>Leichte Überführung auf Produktionsumgebung</a:t>
-            </a:r>
-          </a:p>
-          <a:p>
-            <a:pPr lvl="1"/>
-            <a:endParaRPr lang="de-DE" dirty="0"/>
-          </a:p>
-          <a:p>
-            <a:pPr lvl="2"/>
-            <a:endParaRPr lang="de-DE" dirty="0"/>
-          </a:p>
-          <a:p>
-            <a:pPr lvl="1"/>
-            <a:endParaRPr lang="de-DE" dirty="0"/>
+              <a:t>-Algorithmus mit manueller Prüfung ODER</a:t>
+            </a:r>
+          </a:p>
+          <a:p>
+            <a:pPr lvl="4"/>
+            <a:r>
+              <a:rPr lang="de-DE" dirty="0"/>
+              <a:t>Hinweis an Entwickler, update auszuführen und </a:t>
+            </a:r>
+            <a:r>
+              <a:rPr lang="de-DE" dirty="0" err="1"/>
+              <a:t>Merge</a:t>
+            </a:r>
+            <a:r>
+              <a:rPr lang="de-DE" dirty="0"/>
+              <a:t> selber durchzuführen</a:t>
+            </a:r>
           </a:p>
           <a:p>
             <a:pPr lvl="2"/>
@@ -32591,7 +32755,7 @@
     </p:spTree>
     <p:extLst>
       <p:ext uri="{BB962C8B-B14F-4D97-AF65-F5344CB8AC3E}">
-        <p14:creationId xmlns:p14="http://schemas.microsoft.com/office/powerpoint/2010/main" val="1821650730"/>
+        <p14:creationId xmlns:p14="http://schemas.microsoft.com/office/powerpoint/2010/main" val="592168941"/>
       </p:ext>
     </p:extLst>
   </p:cSld>
@@ -33019,67 +33183,6 @@
                                           <p:spTgt spid="3">
                                             <p:txEl>
                                               <p:pRg st="6" end="6"/>
-                                            </p:txEl>
-                                          </p:spTgt>
-                                        </p:tgtEl>
-                                      </p:cBhvr>
-                                    </p:animEffect>
-                                  </p:childTnLst>
-                                </p:cTn>
-                              </p:par>
-                            </p:childTnLst>
-                          </p:cTn>
-                        </p:par>
-                      </p:childTnLst>
-                    </p:cTn>
-                  </p:par>
-                  <p:par>
-                    <p:cTn id="38" fill="hold">
-                      <p:stCondLst>
-                        <p:cond delay="indefinite"/>
-                      </p:stCondLst>
-                      <p:childTnLst>
-                        <p:par>
-                          <p:cTn id="39" fill="hold">
-                            <p:stCondLst>
-                              <p:cond delay="0"/>
-                            </p:stCondLst>
-                            <p:childTnLst>
-                              <p:par>
-                                <p:cTn id="40" presetID="10" presetClass="entr" presetSubtype="0" fill="hold" nodeType="clickEffect">
-                                  <p:stCondLst>
-                                    <p:cond delay="0"/>
-                                  </p:stCondLst>
-                                  <p:childTnLst>
-                                    <p:set>
-                                      <p:cBhvr>
-                                        <p:cTn id="41" dur="1" fill="hold">
-                                          <p:stCondLst>
-                                            <p:cond delay="0"/>
-                                          </p:stCondLst>
-                                        </p:cTn>
-                                        <p:tgtEl>
-                                          <p:spTgt spid="3">
-                                            <p:txEl>
-                                              <p:pRg st="7" end="7"/>
-                                            </p:txEl>
-                                          </p:spTgt>
-                                        </p:tgtEl>
-                                        <p:attrNameLst>
-                                          <p:attrName>style.visibility</p:attrName>
-                                        </p:attrNameLst>
-                                      </p:cBhvr>
-                                      <p:to>
-                                        <p:strVal val="visible"/>
-                                      </p:to>
-                                    </p:set>
-                                    <p:animEffect transition="in" filter="fade">
-                                      <p:cBhvr>
-                                        <p:cTn id="42" dur="500"/>
-                                        <p:tgtEl>
-                                          <p:spTgt spid="3">
-                                            <p:txEl>
-                                              <p:pRg st="7" end="7"/>
                                             </p:txEl>
                                           </p:spTgt>
                                         </p:tgtEl>
@@ -33154,12 +33257,8 @@
           <a:lstStyle/>
           <a:p>
             <a:r>
-              <a:rPr lang="en-US" dirty="0"/>
-              <a:t>CI - </a:t>
-            </a:r>
-            <a:r>
               <a:rPr lang="en-US" dirty="0" err="1"/>
-              <a:t>Vorteile</a:t>
+              <a:t>Versionsverwaltungssysteme</a:t>
             </a:r>
             <a:endParaRPr lang="en-US" dirty="0"/>
           </a:p>
@@ -33175,7 +33274,12 @@
             <p:ph idx="1"/>
           </p:nvPr>
         </p:nvSpPr>
-        <p:spPr/>
+        <p:spPr>
+          <a:xfrm>
+            <a:off x="457200" y="1935480"/>
+            <a:ext cx="8291264" cy="4389120"/>
+          </a:xfrm>
+        </p:spPr>
         <p:txBody>
           <a:bodyPr>
             <a:normAutofit/>
@@ -33185,51 +33289,36 @@
             <a:pPr lvl="1"/>
             <a:r>
               <a:rPr lang="de-DE" dirty="0"/>
-              <a:t>Steigerung der Software-Qualität durch: </a:t>
+              <a:t>Zentrale Versionsverwaltungssysteme</a:t>
             </a:r>
           </a:p>
           <a:p>
             <a:pPr lvl="2"/>
             <a:r>
               <a:rPr lang="de-DE" dirty="0"/>
-              <a:t>Frühzeitiges Erkennen von Integrations-Problemen (fixen)</a:t>
-            </a:r>
-          </a:p>
-          <a:p>
-            <a:pPr lvl="2"/>
+              <a:t>Nachteile: </a:t>
+            </a:r>
+          </a:p>
+          <a:p>
+            <a:pPr lvl="3"/>
             <a:r>
               <a:rPr lang="de-DE" dirty="0"/>
-              <a:t>Frühe Warnungen bei nicht zusammenpassenden Bausteinen</a:t>
-            </a:r>
-          </a:p>
-          <a:p>
-            <a:pPr lvl="2"/>
+              <a:t>Abhängigkeit vom zentralen Server</a:t>
+            </a:r>
+          </a:p>
+          <a:p>
+            <a:pPr lvl="3"/>
             <a:r>
               <a:rPr lang="de-DE" dirty="0"/>
-              <a:t>Sofortige Unit Tests entdecken Fehler zeitnah</a:t>
-            </a:r>
-          </a:p>
-          <a:p>
-            <a:pPr lvl="2"/>
+              <a:t>Backups notwendig</a:t>
+            </a:r>
+          </a:p>
+          <a:p>
+            <a:pPr lvl="3"/>
             <a:r>
               <a:rPr lang="de-DE" dirty="0"/>
-              <a:t>Ständige Verfügbarkeit eines lauffähigen Standes (Demo, Test, Vertrieb)</a:t>
-            </a:r>
-          </a:p>
-          <a:p>
-            <a:pPr lvl="2"/>
-            <a:r>
-              <a:rPr lang="de-DE" dirty="0"/>
-              <a:t>Feedback-Prozess führt zu einem verantwortlicheren Umgang (positiver „Erziehungseffekt“)</a:t>
-            </a:r>
-          </a:p>
-          <a:p>
-            <a:pPr lvl="2"/>
-            <a:endParaRPr lang="de-DE" dirty="0"/>
-          </a:p>
-          <a:p>
-            <a:pPr lvl="1"/>
-            <a:endParaRPr lang="de-DE" dirty="0"/>
+              <a:t>Versionsgeschichte nur im Repository vorhanden</a:t>
+            </a:r>
           </a:p>
           <a:p>
             <a:pPr lvl="2"/>
@@ -33283,7 +33372,7 @@
     </p:spTree>
     <p:extLst>
       <p:ext uri="{BB962C8B-B14F-4D97-AF65-F5344CB8AC3E}">
-        <p14:creationId xmlns:p14="http://schemas.microsoft.com/office/powerpoint/2010/main" val="3860145146"/>
+        <p14:creationId xmlns:p14="http://schemas.microsoft.com/office/powerpoint/2010/main" val="1981251234"/>
       </p:ext>
     </p:extLst>
   </p:cSld>
@@ -33589,67 +33678,6 @@
                                           <p:spTgt spid="3">
                                             <p:txEl>
                                               <p:pRg st="4" end="4"/>
-                                            </p:txEl>
-                                          </p:spTgt>
-                                        </p:tgtEl>
-                                      </p:cBhvr>
-                                    </p:animEffect>
-                                  </p:childTnLst>
-                                </p:cTn>
-                              </p:par>
-                            </p:childTnLst>
-                          </p:cTn>
-                        </p:par>
-                      </p:childTnLst>
-                    </p:cTn>
-                  </p:par>
-                  <p:par>
-                    <p:cTn id="28" fill="hold">
-                      <p:stCondLst>
-                        <p:cond delay="indefinite"/>
-                      </p:stCondLst>
-                      <p:childTnLst>
-                        <p:par>
-                          <p:cTn id="29" fill="hold">
-                            <p:stCondLst>
-                              <p:cond delay="0"/>
-                            </p:stCondLst>
-                            <p:childTnLst>
-                              <p:par>
-                                <p:cTn id="30" presetID="10" presetClass="entr" presetSubtype="0" fill="hold" nodeType="clickEffect">
-                                  <p:stCondLst>
-                                    <p:cond delay="0"/>
-                                  </p:stCondLst>
-                                  <p:childTnLst>
-                                    <p:set>
-                                      <p:cBhvr>
-                                        <p:cTn id="31" dur="1" fill="hold">
-                                          <p:stCondLst>
-                                            <p:cond delay="0"/>
-                                          </p:stCondLst>
-                                        </p:cTn>
-                                        <p:tgtEl>
-                                          <p:spTgt spid="3">
-                                            <p:txEl>
-                                              <p:pRg st="5" end="5"/>
-                                            </p:txEl>
-                                          </p:spTgt>
-                                        </p:tgtEl>
-                                        <p:attrNameLst>
-                                          <p:attrName>style.visibility</p:attrName>
-                                        </p:attrNameLst>
-                                      </p:cBhvr>
-                                      <p:to>
-                                        <p:strVal val="visible"/>
-                                      </p:to>
-                                    </p:set>
-                                    <p:animEffect transition="in" filter="fade">
-                                      <p:cBhvr>
-                                        <p:cTn id="32" dur="500"/>
-                                        <p:tgtEl>
-                                          <p:spTgt spid="3">
-                                            <p:txEl>
-                                              <p:pRg st="5" end="5"/>
                                             </p:txEl>
                                           </p:spTgt>
                                         </p:tgtEl>
@@ -33741,7 +33769,12 @@
             <p:ph idx="1"/>
           </p:nvPr>
         </p:nvSpPr>
-        <p:spPr/>
+        <p:spPr>
+          <a:xfrm>
+            <a:off x="457200" y="1935480"/>
+            <a:ext cx="4592067" cy="4389120"/>
+          </a:xfrm>
+        </p:spPr>
         <p:txBody>
           <a:bodyPr>
             <a:normAutofit/>
@@ -33751,50 +33784,45 @@
             <a:pPr lvl="1"/>
             <a:r>
               <a:rPr lang="de-DE" dirty="0"/>
-              <a:t>Versionskontrollsysteme (SCM) dienen</a:t>
+              <a:t>Dezentrale Versionsverwaltungssysteme</a:t>
+            </a:r>
+          </a:p>
+          <a:p>
+            <a:pPr lvl="1"/>
+            <a:r>
+              <a:rPr lang="de-DE" dirty="0"/>
+              <a:t>Beispiele: </a:t>
+            </a:r>
+            <a:r>
+              <a:rPr lang="de-DE" dirty="0" err="1"/>
+              <a:t>Git</a:t>
+            </a:r>
+            <a:r>
+              <a:rPr lang="de-DE" dirty="0"/>
+              <a:t>, Monotone, </a:t>
+            </a:r>
+            <a:r>
+              <a:rPr lang="de-DE" dirty="0" err="1"/>
+              <a:t>BitKeeper</a:t>
+            </a:r>
+            <a:r>
+              <a:rPr lang="de-DE" dirty="0"/>
+              <a:t> </a:t>
             </a:r>
           </a:p>
           <a:p>
             <a:pPr lvl="2"/>
             <a:r>
               <a:rPr lang="de-DE" dirty="0"/>
-              <a:t>Der Verwaltung von Dateien</a:t>
-            </a:r>
-          </a:p>
-          <a:p>
-            <a:pPr lvl="2"/>
-            <a:r>
-              <a:rPr lang="de-DE" dirty="0"/>
-              <a:t>Der Zugriffsregelung auf Dateien</a:t>
-            </a:r>
-          </a:p>
-          <a:p>
-            <a:pPr lvl="2"/>
-            <a:r>
-              <a:rPr lang="de-DE" dirty="0"/>
-              <a:t>Der Protokollierung von Änderungen an Dateien</a:t>
-            </a:r>
-          </a:p>
-          <a:p>
-            <a:pPr lvl="1"/>
-            <a:r>
-              <a:rPr lang="de-DE" dirty="0"/>
-              <a:t>Alle zu verwaltenden Dateien liegen im Repository</a:t>
-            </a:r>
-          </a:p>
-          <a:p>
-            <a:pPr lvl="1"/>
-            <a:r>
-              <a:rPr lang="de-DE" dirty="0"/>
-              <a:t>Sobald Änderungen vorgenommen werden (und per Commit an das Repository übertragen werden) legt das SCM eine neue Version mit eindeutiger Kennzeichnung an (Revision)</a:t>
-            </a:r>
-          </a:p>
-          <a:p>
-            <a:pPr lvl="2"/>
-            <a:endParaRPr lang="de-DE" dirty="0"/>
-          </a:p>
-          <a:p>
-            <a:pPr lvl="1"/>
+              <a:t>Jeder Benutzer unterhält eigenes Repository</a:t>
+            </a:r>
+          </a:p>
+          <a:p>
+            <a:pPr lvl="4"/>
+            <a:endParaRPr lang="de-DE" dirty="0"/>
+          </a:p>
+          <a:p>
+            <a:pPr lvl="4"/>
             <a:endParaRPr lang="de-DE" dirty="0"/>
           </a:p>
           <a:p>
@@ -33846,10 +33874,94 @@
           </a:p>
         </p:txBody>
       </p:sp>
+      <p:sp>
+        <p:nvSpPr>
+          <p:cNvPr id="5" name="Rechteck 4"/>
+          <p:cNvSpPr/>
+          <p:nvPr/>
+        </p:nvSpPr>
+        <p:spPr>
+          <a:xfrm>
+            <a:off x="4901208" y="5855783"/>
+            <a:ext cx="3785592" cy="261610"/>
+          </a:xfrm>
+          <a:prstGeom prst="rect">
+            <a:avLst/>
+          </a:prstGeom>
+        </p:spPr>
+        <p:txBody>
+          <a:bodyPr wrap="square">
+            <a:spAutoFit/>
+          </a:bodyPr>
+          <a:lstStyle/>
+          <a:p>
+            <a:r>
+              <a:rPr lang="de-DE" sz="1100" dirty="0"/>
+              <a:t>Quelle: </a:t>
+            </a:r>
+            <a:r>
+              <a:rPr lang="de-DE" sz="1100" dirty="0" err="1"/>
+              <a:t>Preißel</a:t>
+            </a:r>
+            <a:r>
+              <a:rPr lang="de-DE" sz="1100" dirty="0"/>
+              <a:t>, René / </a:t>
+            </a:r>
+            <a:r>
+              <a:rPr lang="de-DE" sz="1100" dirty="0" err="1"/>
+              <a:t>Stachmann</a:t>
+            </a:r>
+            <a:r>
+              <a:rPr lang="de-DE" sz="1100" dirty="0"/>
+              <a:t>, </a:t>
+            </a:r>
+            <a:r>
+              <a:rPr lang="de-DE" sz="1100" dirty="0" err="1"/>
+              <a:t>BjØrn</a:t>
+            </a:r>
+            <a:r>
+              <a:rPr lang="de-DE" sz="1100" dirty="0"/>
+              <a:t> (4. Auflage 2017): </a:t>
+            </a:r>
+            <a:r>
+              <a:rPr lang="de-DE" sz="1100" dirty="0" err="1"/>
+              <a:t>Git</a:t>
+            </a:r>
+            <a:r>
+              <a:rPr lang="de-DE" sz="1100" dirty="0"/>
+              <a:t> </a:t>
+            </a:r>
+          </a:p>
+        </p:txBody>
+      </p:sp>
+      <p:pic>
+        <p:nvPicPr>
+          <p:cNvPr id="6" name="Grafik 5"/>
+          <p:cNvPicPr>
+            <a:picLocks noChangeAspect="1"/>
+          </p:cNvPicPr>
+          <p:nvPr/>
+        </p:nvPicPr>
+        <p:blipFill>
+          <a:blip r:embed="rId2"/>
+          <a:stretch>
+            <a:fillRect/>
+          </a:stretch>
+        </p:blipFill>
+        <p:spPr>
+          <a:xfrm>
+            <a:off x="5049267" y="2404297"/>
+            <a:ext cx="3637533" cy="3451486"/>
+          </a:xfrm>
+          <a:prstGeom prst="rect">
+            <a:avLst/>
+          </a:prstGeom>
+        </p:spPr>
+      </p:pic>
     </p:spTree>
     <p:extLst>
       <p:ext uri="{BB962C8B-B14F-4D97-AF65-F5344CB8AC3E}">
-        <p14:creationId xmlns:p14="http://schemas.microsoft.com/office/powerpoint/2010/main" val="317959587"/>
+        <p14:creationId xmlns:p14="http://schemas.microsoft.com/office/powerpoint/2010/main" val="1728725018"/>
       </p:ext>
     </p:extLst>
   </p:cSld>
@@ -34012,11 +34124,7 @@
                                           </p:stCondLst>
                                         </p:cTn>
                                         <p:tgtEl>
-                                          <p:spTgt spid="3">
-                                            <p:txEl>
-                                              <p:pRg st="2" end="2"/>
-                                            </p:txEl>
-                                          </p:spTgt>
+                                          <p:spTgt spid="6"/>
                                         </p:tgtEl>
                                         <p:attrNameLst>
                                           <p:attrName>style.visibility</p:attrName>
@@ -34030,11 +34138,42 @@
                                       <p:cBhvr>
                                         <p:cTn id="17" dur="500"/>
                                         <p:tgtEl>
-                                          <p:spTgt spid="3">
-                                            <p:txEl>
-                                              <p:pRg st="2" end="2"/>
-                                            </p:txEl>
-                                          </p:spTgt>
+                                          <p:spTgt spid="6"/>
+                                        </p:tgtEl>
+                                      </p:cBhvr>
+                                    </p:animEffect>
+                                  </p:childTnLst>
+                                </p:cTn>
+                              </p:par>
+                              <p:par>
+                                <p:cTn id="18" presetID="10" presetClass="entr" presetSubtype="0" fill="hold" grpId="0" nodeType="withEffect">
+                                  <p:stCondLst>
+                                    <p:cond delay="0"/>
+                                  </p:stCondLst>
+                                  <p:childTnLst>
+                                    <p:set>
+                                      <p:cBhvr>
+                                        <p:cTn id="19" dur="1" fill="hold">
+                                          <p:stCondLst>
+                                            <p:cond delay="0"/>
+                                          </p:stCondLst>
+                                        </p:cTn>
+                                        <p:tgtEl>
+                                          <p:spTgt spid="5"/>
+                                        </p:tgtEl>
+                                        <p:attrNameLst>
+                                          <p:attrName>style.visibility</p:attrName>
+                                        </p:attrNameLst>
+                                      </p:cBhvr>
+                                      <p:to>
+                                        <p:strVal val="visible"/>
+                                      </p:to>
+                                    </p:set>
+                                    <p:animEffect transition="in" filter="fade">
+                                      <p:cBhvr>
+                                        <p:cTn id="20" dur="500"/>
+                                        <p:tgtEl>
+                                          <p:spTgt spid="5"/>
                                         </p:tgtEl>
                                       </p:cBhvr>
                                     </p:animEffect>
@@ -34048,26 +34187,26 @@
                     </p:cTn>
                   </p:par>
                   <p:par>
-                    <p:cTn id="18" fill="hold">
+                    <p:cTn id="21" fill="hold">
                       <p:stCondLst>
                         <p:cond delay="indefinite"/>
                       </p:stCondLst>
                       <p:childTnLst>
                         <p:par>
-                          <p:cTn id="19" fill="hold">
+                          <p:cTn id="22" fill="hold">
                             <p:stCondLst>
                               <p:cond delay="0"/>
                             </p:stCondLst>
                             <p:childTnLst>
                               <p:par>
-                                <p:cTn id="20" presetID="10" presetClass="entr" presetSubtype="0" fill="hold" nodeType="clickEffect">
+                                <p:cTn id="23" presetID="10" presetClass="entr" presetSubtype="0" fill="hold" nodeType="clickEffect">
                                   <p:stCondLst>
                                     <p:cond delay="0"/>
                                   </p:stCondLst>
                                   <p:childTnLst>
                                     <p:set>
                                       <p:cBhvr>
-                                        <p:cTn id="21" dur="1" fill="hold">
+                                        <p:cTn id="24" dur="1" fill="hold">
                                           <p:stCondLst>
                                             <p:cond delay="0"/>
                                           </p:stCondLst>
@@ -34075,7 +34214,7 @@
                                         <p:tgtEl>
                                           <p:spTgt spid="3">
                                             <p:txEl>
-                                              <p:pRg st="3" end="3"/>
+                                              <p:pRg st="2" end="2"/>
                                             </p:txEl>
                                           </p:spTgt>
                                         </p:tgtEl>
@@ -34089,133 +34228,11 @@
                                     </p:set>
                                     <p:animEffect transition="in" filter="fade">
                                       <p:cBhvr>
-                                        <p:cTn id="22" dur="500"/>
-                                        <p:tgtEl>
-                                          <p:spTgt spid="3">
-                                            <p:txEl>
-                                              <p:pRg st="3" end="3"/>
-                                            </p:txEl>
-                                          </p:spTgt>
-                                        </p:tgtEl>
-                                      </p:cBhvr>
-                                    </p:animEffect>
-                                  </p:childTnLst>
-                                </p:cTn>
-                              </p:par>
-                            </p:childTnLst>
-                          </p:cTn>
-                        </p:par>
-                      </p:childTnLst>
-                    </p:cTn>
-                  </p:par>
-                  <p:par>
-                    <p:cTn id="23" fill="hold">
-                      <p:stCondLst>
-                        <p:cond delay="indefinite"/>
-                      </p:stCondLst>
-                      <p:childTnLst>
-                        <p:par>
-                          <p:cTn id="24" fill="hold">
-                            <p:stCondLst>
-                              <p:cond delay="0"/>
-                            </p:stCondLst>
-                            <p:childTnLst>
-                              <p:par>
-                                <p:cTn id="25" presetID="10" presetClass="entr" presetSubtype="0" fill="hold" nodeType="clickEffect">
-                                  <p:stCondLst>
-                                    <p:cond delay="0"/>
-                                  </p:stCondLst>
-                                  <p:childTnLst>
-                                    <p:set>
-                                      <p:cBhvr>
-                                        <p:cTn id="26" dur="1" fill="hold">
-                                          <p:stCondLst>
-                                            <p:cond delay="0"/>
-                                          </p:stCondLst>
-                                        </p:cTn>
-                                        <p:tgtEl>
-                                          <p:spTgt spid="3">
-                                            <p:txEl>
-                                              <p:pRg st="4" end="4"/>
-                                            </p:txEl>
-                                          </p:spTgt>
-                                        </p:tgtEl>
-                                        <p:attrNameLst>
-                                          <p:attrName>style.visibility</p:attrName>
-                                        </p:attrNameLst>
-                                      </p:cBhvr>
-                                      <p:to>
-                                        <p:strVal val="visible"/>
-                                      </p:to>
-                                    </p:set>
-                                    <p:animEffect transition="in" filter="fade">
-                                      <p:cBhvr>
-                                        <p:cTn id="27" dur="500"/>
-                                        <p:tgtEl>
-                                          <p:spTgt spid="3">
-                                            <p:txEl>
-                                              <p:pRg st="4" end="4"/>
-                                            </p:txEl>
-                                          </p:spTgt>
-                                        </p:tgtEl>
-                                      </p:cBhvr>
-                                    </p:animEffect>
-                                  </p:childTnLst>
-                                </p:cTn>
-                              </p:par>
-                            </p:childTnLst>
-                          </p:cTn>
-                        </p:par>
-                      </p:childTnLst>
-                    </p:cTn>
-                  </p:par>
-                  <p:par>
-                    <p:cTn id="28" fill="hold">
-                      <p:stCondLst>
-                        <p:cond delay="indefinite"/>
-                      </p:stCondLst>
-                      <p:childTnLst>
-                        <p:par>
-                          <p:cTn id="29" fill="hold">
-                            <p:stCondLst>
-                              <p:cond delay="0"/>
-                            </p:stCondLst>
-                            <p:childTnLst>
-                              <p:par>
-                                <p:cTn id="30" presetID="10" presetClass="entr" presetSubtype="0" fill="hold" nodeType="clickEffect">
-                                  <p:stCondLst>
-                                    <p:cond delay="0"/>
-                                  </p:stCondLst>
-                                  <p:childTnLst>
-                                    <p:set>
-                                      <p:cBhvr>
-                                        <p:cTn id="31" dur="1" fill="hold">
-                                          <p:stCondLst>
-                                            <p:cond delay="0"/>
-                                          </p:stCondLst>
-                                        </p:cTn>
-                                        <p:tgtEl>
-                                          <p:spTgt spid="3">
-                                            <p:txEl>
-                                              <p:pRg st="5" end="5"/>
-                                            </p:txEl>
-                                          </p:spTgt>
-                                        </p:tgtEl>
-                                        <p:attrNameLst>
-                                          <p:attrName>style.visibility</p:attrName>
-                                        </p:attrNameLst>
-                                      </p:cBhvr>
-                                      <p:to>
-                                        <p:strVal val="visible"/>
-                                      </p:to>
-                                    </p:set>
-                                    <p:animEffect transition="in" filter="fade">
-                                      <p:cBhvr>
-                                        <p:cTn id="32" dur="500"/>
-                                        <p:tgtEl>
-                                          <p:spTgt spid="3">
-                                            <p:txEl>
-                                              <p:pRg st="5" end="5"/>
+                                        <p:cTn id="25" dur="500"/>
+                                        <p:tgtEl>
+                                          <p:spTgt spid="3">
+                                            <p:txEl>
+                                              <p:pRg st="2" end="2"/>
                                             </p:txEl>
                                           </p:spTgt>
                                         </p:tgtEl>
@@ -34251,6 +34268,9 @@
         </p:cTn>
       </p:par>
     </p:tnLst>
+    <p:bldLst>
+      <p:bldP spid="5" grpId="0"/>
+    </p:bldLst>
   </p:timing>
 </p:sld>
 </file>
@@ -34307,107 +34327,91 @@
             <p:ph idx="1"/>
           </p:nvPr>
         </p:nvSpPr>
-        <p:spPr/>
+        <p:spPr>
+          <a:xfrm>
+            <a:off x="457200" y="1935480"/>
+            <a:ext cx="8291264" cy="4389120"/>
+          </a:xfrm>
+        </p:spPr>
         <p:txBody>
           <a:bodyPr>
             <a:normAutofit/>
           </a:bodyPr>
           <a:lstStyle/>
           <a:p>
-            <a:pPr lvl="1"/>
+            <a:pPr lvl="2"/>
             <a:r>
               <a:rPr lang="de-DE" dirty="0"/>
-              <a:t>Jede Revision enthält Metadaten</a:t>
-            </a:r>
-          </a:p>
-          <a:p>
-            <a:pPr lvl="2"/>
+              <a:t>Zusammenarbeit (Beispiel A möchte bei B mitentwickeln)</a:t>
+            </a:r>
+          </a:p>
+          <a:p>
+            <a:pPr lvl="3"/>
             <a:r>
               <a:rPr lang="de-DE" dirty="0"/>
-              <a:t>Name des Autors</a:t>
-            </a:r>
-          </a:p>
-          <a:p>
-            <a:pPr lvl="2"/>
+              <a:t>B macht Repository öffentlich (Hosting)</a:t>
+            </a:r>
+          </a:p>
+          <a:p>
+            <a:pPr lvl="3"/>
             <a:r>
               <a:rPr lang="de-DE" dirty="0"/>
-              <a:t>Zeitstemple</a:t>
-            </a:r>
-          </a:p>
-          <a:p>
-            <a:pPr lvl="2"/>
+              <a:t>Repository von B </a:t>
+            </a:r>
+            <a:r>
+              <a:rPr lang="de-DE" dirty="0" err="1"/>
+              <a:t>clonen</a:t>
+            </a:r>
             <a:r>
               <a:rPr lang="de-DE" dirty="0"/>
-              <a:t>Commit Message</a:t>
-            </a:r>
-          </a:p>
-          <a:p>
-            <a:pPr lvl="1"/>
+              <a:t> -&gt; A hat eigenes unabhängiges Repository</a:t>
+            </a:r>
+          </a:p>
+          <a:p>
+            <a:pPr lvl="3"/>
             <a:r>
               <a:rPr lang="de-DE" dirty="0"/>
-              <a:t>Zugriff auf das Repository entweder lesend (vor allem bei </a:t>
-            </a:r>
-            <a:r>
-              <a:rPr lang="de-DE" dirty="0" err="1"/>
-              <a:t>OpenSource</a:t>
-            </a:r>
+              <a:t>Um auf dem gleichen Stand zu bleiben Remote Update: Regelmäßiges Pull von dessen Repository</a:t>
+            </a:r>
+          </a:p>
+          <a:p>
+            <a:pPr lvl="3"/>
             <a:r>
               <a:rPr lang="de-DE" dirty="0"/>
-              <a:t>-Projekten) oder so stark wie möglich eingeschränkt</a:t>
-            </a:r>
-          </a:p>
-          <a:p>
-            <a:pPr lvl="1"/>
+              <a:t>Änderungen von A an B übertragen: </a:t>
+            </a:r>
+          </a:p>
+          <a:p>
+            <a:pPr lvl="4"/>
             <a:r>
               <a:rPr lang="de-DE" dirty="0"/>
-              <a:t>Schreibender Zugriff kann direkt gewährt werden (Commit-</a:t>
-            </a:r>
-            <a:r>
-              <a:rPr lang="de-DE" dirty="0" err="1"/>
-              <a:t>based</a:t>
-            </a:r>
+              <a:t>Veröffentlichung eigenes Repository und bittet um Pull ODER</a:t>
+            </a:r>
+          </a:p>
+          <a:p>
+            <a:pPr lvl="4"/>
             <a:r>
               <a:rPr lang="de-DE" dirty="0"/>
-              <a:t> </a:t>
-            </a:r>
-            <a:r>
-              <a:rPr lang="de-DE" dirty="0" err="1"/>
-              <a:t>Collaboration</a:t>
-            </a:r>
+              <a:t>Remote Commit: Rechte von B bekommen, direkt in dessen Repository zu pushen ODER</a:t>
+            </a:r>
+          </a:p>
+          <a:p>
+            <a:pPr lvl="4"/>
             <a:r>
               <a:rPr lang="de-DE" dirty="0"/>
-              <a:t>) oder indirekt (Patch-</a:t>
-            </a:r>
-            <a:r>
-              <a:rPr lang="de-DE" dirty="0" err="1"/>
-              <a:t>based</a:t>
-            </a:r>
-            <a:r>
-              <a:rPr lang="de-DE" dirty="0"/>
-              <a:t> </a:t>
-            </a:r>
-            <a:r>
-              <a:rPr lang="de-DE" dirty="0" err="1"/>
-              <a:t>Collaboration</a:t>
-            </a:r>
-            <a:r>
-              <a:rPr lang="de-DE" dirty="0"/>
-              <a:t>)</a:t>
-            </a:r>
-          </a:p>
-          <a:p>
-            <a:pPr lvl="1"/>
-            <a:r>
-              <a:rPr lang="de-DE" dirty="0"/>
-              <a:t>Unterscheidung zwischen zentralen und dezentralen SCMs</a:t>
-            </a:r>
-          </a:p>
-          <a:p>
-            <a:pPr lvl="1"/>
-            <a:endParaRPr lang="de-DE" dirty="0"/>
-          </a:p>
-          <a:p>
-            <a:pPr lvl="1"/>
+              <a:t>Versand von Patches</a:t>
+            </a:r>
+          </a:p>
+          <a:p>
+            <a:pPr lvl="3"/>
+            <a:endParaRPr lang="de-DE" dirty="0"/>
+          </a:p>
+          <a:p>
+            <a:pPr lvl="4"/>
+            <a:endParaRPr lang="de-DE" dirty="0"/>
+          </a:p>
+          <a:p>
+            <a:pPr lvl="4"/>
             <a:endParaRPr lang="de-DE" dirty="0"/>
           </a:p>
           <a:p>
@@ -34462,7 +34466,7 @@
     </p:spTree>
     <p:extLst>
       <p:ext uri="{BB962C8B-B14F-4D97-AF65-F5344CB8AC3E}">
-        <p14:creationId xmlns:p14="http://schemas.microsoft.com/office/powerpoint/2010/main" val="4006128135"/>
+        <p14:creationId xmlns:p14="http://schemas.microsoft.com/office/powerpoint/2010/main" val="4223971734"/>
       </p:ext>
     </p:extLst>
   </p:cSld>
@@ -34890,6 +34894,67 @@
                                           <p:spTgt spid="3">
                                             <p:txEl>
                                               <p:pRg st="6" end="6"/>
+                                            </p:txEl>
+                                          </p:spTgt>
+                                        </p:tgtEl>
+                                      </p:cBhvr>
+                                    </p:animEffect>
+                                  </p:childTnLst>
+                                </p:cTn>
+                              </p:par>
+                            </p:childTnLst>
+                          </p:cTn>
+                        </p:par>
+                      </p:childTnLst>
+                    </p:cTn>
+                  </p:par>
+                  <p:par>
+                    <p:cTn id="38" fill="hold">
+                      <p:stCondLst>
+                        <p:cond delay="indefinite"/>
+                      </p:stCondLst>
+                      <p:childTnLst>
+                        <p:par>
+                          <p:cTn id="39" fill="hold">
+                            <p:stCondLst>
+                              <p:cond delay="0"/>
+                            </p:stCondLst>
+                            <p:childTnLst>
+                              <p:par>
+                                <p:cTn id="40" presetID="10" presetClass="entr" presetSubtype="0" fill="hold" nodeType="clickEffect">
+                                  <p:stCondLst>
+                                    <p:cond delay="0"/>
+                                  </p:stCondLst>
+                                  <p:childTnLst>
+                                    <p:set>
+                                      <p:cBhvr>
+                                        <p:cTn id="41" dur="1" fill="hold">
+                                          <p:stCondLst>
+                                            <p:cond delay="0"/>
+                                          </p:stCondLst>
+                                        </p:cTn>
+                                        <p:tgtEl>
+                                          <p:spTgt spid="3">
+                                            <p:txEl>
+                                              <p:pRg st="7" end="7"/>
+                                            </p:txEl>
+                                          </p:spTgt>
+                                        </p:tgtEl>
+                                        <p:attrNameLst>
+                                          <p:attrName>style.visibility</p:attrName>
+                                        </p:attrNameLst>
+                                      </p:cBhvr>
+                                      <p:to>
+                                        <p:strVal val="visible"/>
+                                      </p:to>
+                                    </p:set>
+                                    <p:animEffect transition="in" filter="fade">
+                                      <p:cBhvr>
+                                        <p:cTn id="42" dur="500"/>
+                                        <p:tgtEl>
+                                          <p:spTgt spid="3">
+                                            <p:txEl>
+                                              <p:pRg st="7" end="7"/>
                                             </p:txEl>
                                           </p:spTgt>
                                         </p:tgtEl>

--- a/SS2017_Git_2017-04-27_Nina-Stodolka_Johannes-Struzek.pptx
+++ b/SS2017_Git_2017-04-27_Nina-Stodolka_Johannes-Struzek.pptx
@@ -13827,11 +13827,7 @@
             <a:pPr lvl="1"/>
             <a:r>
               <a:rPr lang="de-DE" dirty="0"/>
-              <a:t>Initiiert </a:t>
-            </a:r>
-            <a:r>
-              <a:rPr lang="de-DE"/>
-              <a:t>durch Linus </a:t>
+              <a:t>Initiiert durch Linus </a:t>
             </a:r>
             <a:r>
               <a:rPr lang="de-DE" dirty="0" err="1"/>
@@ -13843,6 +13839,50 @@
             </a:r>
           </a:p>
           <a:p>
+            <a:pPr lvl="2"/>
+            <a:r>
+              <a:rPr lang="de-DE" dirty="0"/>
+              <a:t>Ziele:</a:t>
+            </a:r>
+          </a:p>
+          <a:p>
+            <a:pPr lvl="3"/>
+            <a:r>
+              <a:rPr lang="de-DE" dirty="0"/>
+              <a:t>Versionsverwaltung zur Linux-Entwicklung</a:t>
+            </a:r>
+          </a:p>
+          <a:p>
+            <a:pPr lvl="4"/>
+            <a:r>
+              <a:rPr lang="de-DE" dirty="0"/>
+              <a:t>Unterstützung verteilter, </a:t>
+            </a:r>
+            <a:r>
+              <a:rPr lang="de-DE" dirty="0" err="1"/>
+              <a:t>BitKeeper</a:t>
+            </a:r>
+            <a:r>
+              <a:rPr lang="de-DE" dirty="0"/>
+              <a:t>-ähnlicher Arbeitsabläufe</a:t>
+            </a:r>
+          </a:p>
+          <a:p>
+            <a:pPr lvl="4"/>
+            <a:r>
+              <a:rPr lang="de-DE" dirty="0"/>
+              <a:t>Sehr hohe Sicherheit gegen sowohl unbeabsichtigte als auch böswillige Verfälschung</a:t>
+            </a:r>
+          </a:p>
+          <a:p>
+            <a:pPr lvl="4"/>
+            <a:r>
+              <a:rPr lang="de-DE" dirty="0"/>
+              <a:t>Hohe Effizienz</a:t>
+            </a:r>
+            <a:endParaRPr lang="de-DE" dirty="0"/>
+          </a:p>
+          <a:p>
             <a:pPr lvl="1"/>
             <a:r>
               <a:rPr lang="de-DE" dirty="0"/>
@@ -13863,42 +13903,6 @@
               <a:rPr lang="de-DE" dirty="0"/>
               <a:t>-Shell, Perl</a:t>
             </a:r>
-          </a:p>
-          <a:p>
-            <a:pPr lvl="1"/>
-            <a:endParaRPr lang="de-DE" dirty="0"/>
-          </a:p>
-          <a:p>
-            <a:pPr lvl="2"/>
-            <a:endParaRPr lang="de-DE" dirty="0"/>
-          </a:p>
-          <a:p>
-            <a:pPr lvl="1"/>
-            <a:endParaRPr lang="de-DE" dirty="0"/>
-          </a:p>
-          <a:p>
-            <a:pPr lvl="2"/>
-            <a:endParaRPr lang="de-DE" dirty="0"/>
-          </a:p>
-          <a:p>
-            <a:pPr lvl="2"/>
-            <a:endParaRPr lang="de-DE" dirty="0"/>
-          </a:p>
-          <a:p>
-            <a:pPr lvl="1"/>
-            <a:endParaRPr lang="de-DE" dirty="0"/>
-          </a:p>
-          <a:p>
-            <a:pPr lvl="2"/>
-            <a:endParaRPr lang="de-DE" dirty="0"/>
-          </a:p>
-          <a:p>
-            <a:pPr lvl="2"/>
-            <a:endParaRPr lang="de-DE" dirty="0"/>
-          </a:p>
-          <a:p>
-            <a:pPr lvl="2"/>
-            <a:endParaRPr lang="de-DE" dirty="0"/>
           </a:p>
         </p:txBody>
       </p:sp>
@@ -13977,235 +13981,6 @@
           </a:p>
         </p:txBody>
       </p:sp>
-      <p:sp>
-        <p:nvSpPr>
-          <p:cNvPr id="7" name="Content Placeholder 2"/>
-          <p:cNvSpPr txBox="1">
-            <a:spLocks/>
-          </p:cNvSpPr>
-          <p:nvPr/>
-        </p:nvSpPr>
-        <p:spPr>
-          <a:xfrm>
-            <a:off x="3682752" y="1967230"/>
-            <a:ext cx="5004048" cy="4389120"/>
-          </a:xfrm>
-          <a:prstGeom prst="rect">
-            <a:avLst/>
-          </a:prstGeom>
-        </p:spPr>
-        <p:txBody>
-          <a:bodyPr vert="horz">
-            <a:normAutofit/>
-          </a:bodyPr>
-          <a:lstStyle>
-            <a:lvl1pPr marL="274320" indent="-274320" algn="l" rtl="0" eaLnBrk="1" latinLnBrk="0" hangingPunct="1">
-              <a:spcBef>
-                <a:spcPct val="20000"/>
-              </a:spcBef>
-              <a:buClr>
-                <a:schemeClr val="accent3"/>
-              </a:buClr>
-              <a:buSzPct val="95000"/>
-              <a:buFont typeface="Wingdings 2"/>
-              <a:buChar char=""/>
-              <a:defRPr kumimoji="0" sz="2600" kern="1200">
-                <a:solidFill>
-                  <a:schemeClr val="tx1"/>
-                </a:solidFill>
-                <a:latin typeface="+mn-lt"/>
-                <a:ea typeface="+mn-ea"/>
-                <a:cs typeface="+mn-cs"/>
-              </a:defRPr>
-            </a:lvl1pPr>
-            <a:lvl2pPr marL="640080" indent="-246888" algn="l" rtl="0" eaLnBrk="1" latinLnBrk="0" hangingPunct="1">
-              <a:spcBef>
-                <a:spcPct val="20000"/>
-              </a:spcBef>
-              <a:buClr>
-                <a:schemeClr val="accent1"/>
-              </a:buClr>
-              <a:buSzPct val="85000"/>
-              <a:buFont typeface="Wingdings 2"/>
-              <a:buChar char=""/>
-              <a:defRPr kumimoji="0" sz="2400" kern="1200">
-                <a:solidFill>
-                  <a:schemeClr val="tx1"/>
-                </a:solidFill>
-                <a:latin typeface="+mn-lt"/>
-                <a:ea typeface="+mn-ea"/>
-                <a:cs typeface="+mn-cs"/>
-              </a:defRPr>
-            </a:lvl2pPr>
-            <a:lvl3pPr marL="914400" indent="-246888" algn="l" rtl="0" eaLnBrk="1" latinLnBrk="0" hangingPunct="1">
-              <a:spcBef>
-                <a:spcPct val="20000"/>
-              </a:spcBef>
-              <a:buClr>
-                <a:schemeClr val="accent2"/>
-              </a:buClr>
-              <a:buSzPct val="70000"/>
-              <a:buFont typeface="Wingdings 2"/>
-              <a:buChar char=""/>
-              <a:defRPr kumimoji="0" sz="2100" kern="1200">
-                <a:solidFill>
-                  <a:schemeClr val="tx1"/>
-                </a:solidFill>
-                <a:latin typeface="+mn-lt"/>
-                <a:ea typeface="+mn-ea"/>
-                <a:cs typeface="+mn-cs"/>
-              </a:defRPr>
-            </a:lvl3pPr>
-            <a:lvl4pPr marL="1188720" indent="-210312" algn="l" rtl="0" eaLnBrk="1" latinLnBrk="0" hangingPunct="1">
-              <a:spcBef>
-                <a:spcPct val="20000"/>
-              </a:spcBef>
-              <a:buClr>
-                <a:schemeClr val="accent3"/>
-              </a:buClr>
-              <a:buSzPct val="65000"/>
-              <a:buFont typeface="Wingdings 2"/>
-              <a:buChar char=""/>
-              <a:defRPr kumimoji="0" sz="2000" kern="1200">
-                <a:solidFill>
-                  <a:schemeClr val="tx1"/>
-                </a:solidFill>
-                <a:latin typeface="+mn-lt"/>
-                <a:ea typeface="+mn-ea"/>
-                <a:cs typeface="+mn-cs"/>
-              </a:defRPr>
-            </a:lvl4pPr>
-            <a:lvl5pPr marL="1463040" indent="-210312" algn="l" rtl="0" eaLnBrk="1" latinLnBrk="0" hangingPunct="1">
-              <a:spcBef>
-                <a:spcPct val="20000"/>
-              </a:spcBef>
-              <a:buClr>
-                <a:schemeClr val="accent4"/>
-              </a:buClr>
-              <a:buSzPct val="65000"/>
-              <a:buFont typeface="Wingdings 2"/>
-              <a:buChar char=""/>
-              <a:defRPr kumimoji="0" sz="2000" kern="1200">
-                <a:solidFill>
-                  <a:schemeClr val="tx1"/>
-                </a:solidFill>
-                <a:latin typeface="+mn-lt"/>
-                <a:ea typeface="+mn-ea"/>
-                <a:cs typeface="+mn-cs"/>
-              </a:defRPr>
-            </a:lvl5pPr>
-            <a:lvl6pPr marL="1737360" indent="-210312" algn="l" rtl="0" eaLnBrk="1" latinLnBrk="0" hangingPunct="1">
-              <a:spcBef>
-                <a:spcPct val="20000"/>
-              </a:spcBef>
-              <a:buClr>
-                <a:schemeClr val="accent5"/>
-              </a:buClr>
-              <a:buSzPct val="80000"/>
-              <a:buFont typeface="Wingdings 2"/>
-              <a:buChar char=""/>
-              <a:defRPr kumimoji="0" sz="1800" kern="1200">
-                <a:solidFill>
-                  <a:schemeClr val="tx1"/>
-                </a:solidFill>
-                <a:latin typeface="+mn-lt"/>
-                <a:ea typeface="+mn-ea"/>
-                <a:cs typeface="+mn-cs"/>
-              </a:defRPr>
-            </a:lvl6pPr>
-            <a:lvl7pPr marL="1920240" indent="-182880" algn="l" rtl="0" eaLnBrk="1" latinLnBrk="0" hangingPunct="1">
-              <a:spcBef>
-                <a:spcPct val="20000"/>
-              </a:spcBef>
-              <a:buClr>
-                <a:schemeClr val="accent6"/>
-              </a:buClr>
-              <a:buSzPct val="80000"/>
-              <a:buFont typeface="Wingdings 2"/>
-              <a:buChar char=""/>
-              <a:defRPr kumimoji="0" sz="1600" kern="1200" baseline="0">
-                <a:solidFill>
-                  <a:schemeClr val="tx1"/>
-                </a:solidFill>
-                <a:latin typeface="+mn-lt"/>
-                <a:ea typeface="+mn-ea"/>
-                <a:cs typeface="+mn-cs"/>
-              </a:defRPr>
-            </a:lvl7pPr>
-            <a:lvl8pPr marL="2194560" indent="-182880" algn="l" rtl="0" eaLnBrk="1" latinLnBrk="0" hangingPunct="1">
-              <a:spcBef>
-                <a:spcPct val="20000"/>
-              </a:spcBef>
-              <a:buClr>
-                <a:schemeClr val="tx2"/>
-              </a:buClr>
-              <a:buChar char="•"/>
-              <a:defRPr kumimoji="0" sz="1600" kern="1200">
-                <a:solidFill>
-                  <a:schemeClr val="tx1"/>
-                </a:solidFill>
-                <a:latin typeface="+mn-lt"/>
-                <a:ea typeface="+mn-ea"/>
-                <a:cs typeface="+mn-cs"/>
-              </a:defRPr>
-            </a:lvl8pPr>
-            <a:lvl9pPr marL="2468880" indent="-182880" algn="l" rtl="0" eaLnBrk="1" latinLnBrk="0" hangingPunct="1">
-              <a:spcBef>
-                <a:spcPct val="20000"/>
-              </a:spcBef>
-              <a:buClr>
-                <a:schemeClr val="tx2"/>
-              </a:buClr>
-              <a:buFontTx/>
-              <a:buChar char="•"/>
-              <a:defRPr kumimoji="0" sz="1400" kern="1200" baseline="0">
-                <a:solidFill>
-                  <a:schemeClr val="tx1"/>
-                </a:solidFill>
-                <a:latin typeface="+mn-lt"/>
-                <a:ea typeface="+mn-ea"/>
-                <a:cs typeface="+mn-cs"/>
-              </a:defRPr>
-            </a:lvl9pPr>
-          </a:lstStyle>
-          <a:p>
-            <a:pPr lvl="1"/>
-            <a:endParaRPr lang="de-DE" dirty="0"/>
-          </a:p>
-          <a:p>
-            <a:pPr lvl="2"/>
-            <a:endParaRPr lang="de-DE" dirty="0"/>
-          </a:p>
-          <a:p>
-            <a:pPr lvl="1"/>
-            <a:endParaRPr lang="de-DE" dirty="0"/>
-          </a:p>
-          <a:p>
-            <a:pPr lvl="2"/>
-            <a:endParaRPr lang="de-DE" dirty="0"/>
-          </a:p>
-          <a:p>
-            <a:pPr lvl="2"/>
-            <a:endParaRPr lang="de-DE" dirty="0"/>
-          </a:p>
-          <a:p>
-            <a:pPr lvl="1"/>
-            <a:endParaRPr lang="de-DE" dirty="0"/>
-          </a:p>
-          <a:p>
-            <a:pPr lvl="2"/>
-            <a:endParaRPr lang="de-DE" dirty="0"/>
-          </a:p>
-          <a:p>
-            <a:pPr lvl="2"/>
-            <a:endParaRPr lang="de-DE" dirty="0"/>
-          </a:p>
-          <a:p>
-            <a:pPr lvl="2"/>
-            <a:endParaRPr lang="de-DE" dirty="0"/>
-          </a:p>
-        </p:txBody>
-      </p:sp>
     </p:spTree>
     <p:extLst>
       <p:ext uri="{BB962C8B-B14F-4D97-AF65-F5344CB8AC3E}">
@@ -14542,6 +14317,275 @@
                                           <p:spTgt spid="3">
                                             <p:txEl>
                                               <p:pRg st="3" end="3"/>
+                                            </p:txEl>
+                                          </p:spTgt>
+                                        </p:tgtEl>
+                                      </p:cBhvr>
+                                    </p:animEffect>
+                                  </p:childTnLst>
+                                </p:cTn>
+                              </p:par>
+                            </p:childTnLst>
+                          </p:cTn>
+                        </p:par>
+                      </p:childTnLst>
+                    </p:cTn>
+                  </p:par>
+                  <p:par>
+                    <p:cTn id="31" fill="hold">
+                      <p:stCondLst>
+                        <p:cond delay="indefinite"/>
+                      </p:stCondLst>
+                      <p:childTnLst>
+                        <p:par>
+                          <p:cTn id="32" fill="hold">
+                            <p:stCondLst>
+                              <p:cond delay="0"/>
+                            </p:stCondLst>
+                            <p:childTnLst>
+                              <p:par>
+                                <p:cTn id="33" presetID="10" presetClass="entr" presetSubtype="0" fill="hold" nodeType="clickEffect">
+                                  <p:stCondLst>
+                                    <p:cond delay="0"/>
+                                  </p:stCondLst>
+                                  <p:childTnLst>
+                                    <p:set>
+                                      <p:cBhvr>
+                                        <p:cTn id="34" dur="1" fill="hold">
+                                          <p:stCondLst>
+                                            <p:cond delay="0"/>
+                                          </p:stCondLst>
+                                        </p:cTn>
+                                        <p:tgtEl>
+                                          <p:spTgt spid="3">
+                                            <p:txEl>
+                                              <p:pRg st="4" end="4"/>
+                                            </p:txEl>
+                                          </p:spTgt>
+                                        </p:tgtEl>
+                                        <p:attrNameLst>
+                                          <p:attrName>style.visibility</p:attrName>
+                                        </p:attrNameLst>
+                                      </p:cBhvr>
+                                      <p:to>
+                                        <p:strVal val="visible"/>
+                                      </p:to>
+                                    </p:set>
+                                    <p:animEffect transition="in" filter="fade">
+                                      <p:cBhvr>
+                                        <p:cTn id="35" dur="500"/>
+                                        <p:tgtEl>
+                                          <p:spTgt spid="3">
+                                            <p:txEl>
+                                              <p:pRg st="4" end="4"/>
+                                            </p:txEl>
+                                          </p:spTgt>
+                                        </p:tgtEl>
+                                      </p:cBhvr>
+                                    </p:animEffect>
+                                  </p:childTnLst>
+                                </p:cTn>
+                              </p:par>
+                              <p:par>
+                                <p:cTn id="36" presetID="10" presetClass="entr" presetSubtype="0" fill="hold" nodeType="withEffect">
+                                  <p:stCondLst>
+                                    <p:cond delay="0"/>
+                                  </p:stCondLst>
+                                  <p:childTnLst>
+                                    <p:set>
+                                      <p:cBhvr>
+                                        <p:cTn id="37" dur="1" fill="hold">
+                                          <p:stCondLst>
+                                            <p:cond delay="0"/>
+                                          </p:stCondLst>
+                                        </p:cTn>
+                                        <p:tgtEl>
+                                          <p:spTgt spid="3">
+                                            <p:txEl>
+                                              <p:pRg st="5" end="5"/>
+                                            </p:txEl>
+                                          </p:spTgt>
+                                        </p:tgtEl>
+                                        <p:attrNameLst>
+                                          <p:attrName>style.visibility</p:attrName>
+                                        </p:attrNameLst>
+                                      </p:cBhvr>
+                                      <p:to>
+                                        <p:strVal val="visible"/>
+                                      </p:to>
+                                    </p:set>
+                                    <p:animEffect transition="in" filter="fade">
+                                      <p:cBhvr>
+                                        <p:cTn id="38" dur="500"/>
+                                        <p:tgtEl>
+                                          <p:spTgt spid="3">
+                                            <p:txEl>
+                                              <p:pRg st="5" end="5"/>
+                                            </p:txEl>
+                                          </p:spTgt>
+                                        </p:tgtEl>
+                                      </p:cBhvr>
+                                    </p:animEffect>
+                                  </p:childTnLst>
+                                </p:cTn>
+                              </p:par>
+                              <p:par>
+                                <p:cTn id="39" presetID="10" presetClass="entr" presetSubtype="0" fill="hold" nodeType="withEffect">
+                                  <p:stCondLst>
+                                    <p:cond delay="0"/>
+                                  </p:stCondLst>
+                                  <p:childTnLst>
+                                    <p:set>
+                                      <p:cBhvr>
+                                        <p:cTn id="40" dur="1" fill="hold">
+                                          <p:stCondLst>
+                                            <p:cond delay="0"/>
+                                          </p:stCondLst>
+                                        </p:cTn>
+                                        <p:tgtEl>
+                                          <p:spTgt spid="3">
+                                            <p:txEl>
+                                              <p:pRg st="6" end="6"/>
+                                            </p:txEl>
+                                          </p:spTgt>
+                                        </p:tgtEl>
+                                        <p:attrNameLst>
+                                          <p:attrName>style.visibility</p:attrName>
+                                        </p:attrNameLst>
+                                      </p:cBhvr>
+                                      <p:to>
+                                        <p:strVal val="visible"/>
+                                      </p:to>
+                                    </p:set>
+                                    <p:animEffect transition="in" filter="fade">
+                                      <p:cBhvr>
+                                        <p:cTn id="41" dur="500"/>
+                                        <p:tgtEl>
+                                          <p:spTgt spid="3">
+                                            <p:txEl>
+                                              <p:pRg st="6" end="6"/>
+                                            </p:txEl>
+                                          </p:spTgt>
+                                        </p:tgtEl>
+                                      </p:cBhvr>
+                                    </p:animEffect>
+                                  </p:childTnLst>
+                                </p:cTn>
+                              </p:par>
+                            </p:childTnLst>
+                          </p:cTn>
+                        </p:par>
+                      </p:childTnLst>
+                    </p:cTn>
+                  </p:par>
+                  <p:par>
+                    <p:cTn id="42" fill="hold">
+                      <p:stCondLst>
+                        <p:cond delay="indefinite"/>
+                      </p:stCondLst>
+                      <p:childTnLst>
+                        <p:par>
+                          <p:cTn id="43" fill="hold">
+                            <p:stCondLst>
+                              <p:cond delay="0"/>
+                            </p:stCondLst>
+                            <p:childTnLst>
+                              <p:par>
+                                <p:cTn id="44" presetID="10" presetClass="entr" presetSubtype="0" fill="hold" nodeType="clickEffect">
+                                  <p:stCondLst>
+                                    <p:cond delay="0"/>
+                                  </p:stCondLst>
+                                  <p:childTnLst>
+                                    <p:set>
+                                      <p:cBhvr>
+                                        <p:cTn id="45" dur="1" fill="hold">
+                                          <p:stCondLst>
+                                            <p:cond delay="0"/>
+                                          </p:stCondLst>
+                                        </p:cTn>
+                                        <p:tgtEl>
+                                          <p:spTgt spid="3">
+                                            <p:txEl>
+                                              <p:pRg st="7" end="7"/>
+                                            </p:txEl>
+                                          </p:spTgt>
+                                        </p:tgtEl>
+                                        <p:attrNameLst>
+                                          <p:attrName>style.visibility</p:attrName>
+                                        </p:attrNameLst>
+                                      </p:cBhvr>
+                                      <p:to>
+                                        <p:strVal val="visible"/>
+                                      </p:to>
+                                    </p:set>
+                                    <p:animEffect transition="in" filter="fade">
+                                      <p:cBhvr>
+                                        <p:cTn id="46" dur="500"/>
+                                        <p:tgtEl>
+                                          <p:spTgt spid="3">
+                                            <p:txEl>
+                                              <p:pRg st="7" end="7"/>
+                                            </p:txEl>
+                                          </p:spTgt>
+                                        </p:tgtEl>
+                                      </p:cBhvr>
+                                    </p:animEffect>
+                                  </p:childTnLst>
+                                </p:cTn>
+                              </p:par>
+                            </p:childTnLst>
+                          </p:cTn>
+                        </p:par>
+                      </p:childTnLst>
+                    </p:cTn>
+                  </p:par>
+                  <p:par>
+                    <p:cTn id="47" fill="hold">
+                      <p:stCondLst>
+                        <p:cond delay="indefinite"/>
+                      </p:stCondLst>
+                      <p:childTnLst>
+                        <p:par>
+                          <p:cTn id="48" fill="hold">
+                            <p:stCondLst>
+                              <p:cond delay="0"/>
+                            </p:stCondLst>
+                            <p:childTnLst>
+                              <p:par>
+                                <p:cTn id="49" presetID="10" presetClass="entr" presetSubtype="0" fill="hold" nodeType="clickEffect">
+                                  <p:stCondLst>
+                                    <p:cond delay="0"/>
+                                  </p:stCondLst>
+                                  <p:childTnLst>
+                                    <p:set>
+                                      <p:cBhvr>
+                                        <p:cTn id="50" dur="1" fill="hold">
+                                          <p:stCondLst>
+                                            <p:cond delay="0"/>
+                                          </p:stCondLst>
+                                        </p:cTn>
+                                        <p:tgtEl>
+                                          <p:spTgt spid="3">
+                                            <p:txEl>
+                                              <p:pRg st="8" end="8"/>
+                                            </p:txEl>
+                                          </p:spTgt>
+                                        </p:tgtEl>
+                                        <p:attrNameLst>
+                                          <p:attrName>style.visibility</p:attrName>
+                                        </p:attrNameLst>
+                                      </p:cBhvr>
+                                      <p:to>
+                                        <p:strVal val="visible"/>
+                                      </p:to>
+                                    </p:set>
+                                    <p:animEffect transition="in" filter="fade">
+                                      <p:cBhvr>
+                                        <p:cTn id="51" dur="500"/>
+                                        <p:tgtEl>
+                                          <p:spTgt spid="3">
+                                            <p:txEl>
+                                              <p:pRg st="8" end="8"/>
                                             </p:txEl>
                                           </p:spTgt>
                                         </p:tgtEl>

--- a/SS2017_Git_2017-04-27_Nina-Stodolka_Johannes-Struzek.pptx
+++ b/SS2017_Git_2017-04-27_Nina-Stodolka_Johannes-Struzek.pptx
@@ -24,12 +24,12 @@
     <p:sldId id="291" r:id="rId15"/>
     <p:sldId id="290" r:id="rId16"/>
     <p:sldId id="292" r:id="rId17"/>
-    <p:sldId id="323" r:id="rId18"/>
-    <p:sldId id="333" r:id="rId19"/>
-    <p:sldId id="294" r:id="rId20"/>
-    <p:sldId id="304" r:id="rId21"/>
-    <p:sldId id="309" r:id="rId22"/>
-    <p:sldId id="310" r:id="rId23"/>
+    <p:sldId id="294" r:id="rId18"/>
+    <p:sldId id="304" r:id="rId19"/>
+    <p:sldId id="309" r:id="rId20"/>
+    <p:sldId id="310" r:id="rId21"/>
+    <p:sldId id="323" r:id="rId22"/>
+    <p:sldId id="333" r:id="rId23"/>
     <p:sldId id="311" r:id="rId24"/>
     <p:sldId id="312" r:id="rId25"/>
     <p:sldId id="313" r:id="rId26"/>
@@ -12308,8 +12308,127 @@
           <a:lstStyle/>
           <a:p>
             <a:r>
-              <a:rPr lang="en-US" dirty="0"/>
-              <a:t>GitHub</a:t>
+              <a:rPr lang="en-US" dirty="0" err="1"/>
+              <a:t>Git</a:t>
+            </a:r>
+            <a:endParaRPr lang="en-US" dirty="0"/>
+          </a:p>
+        </p:txBody>
+      </p:sp>
+      <p:sp>
+        <p:nvSpPr>
+          <p:cNvPr id="3" name="Content Placeholder 2"/>
+          <p:cNvSpPr>
+            <a:spLocks noGrp="1"/>
+          </p:cNvSpPr>
+          <p:nvPr>
+            <p:ph idx="1"/>
+          </p:nvPr>
+        </p:nvSpPr>
+        <p:spPr>
+          <a:xfrm>
+            <a:off x="0" y="1934275"/>
+            <a:ext cx="8892480" cy="4389120"/>
+          </a:xfrm>
+        </p:spPr>
+        <p:txBody>
+          <a:bodyPr>
+            <a:normAutofit/>
+          </a:bodyPr>
+          <a:lstStyle/>
+          <a:p>
+            <a:pPr lvl="1"/>
+            <a:r>
+              <a:rPr lang="de-DE" dirty="0"/>
+              <a:t>Freie Software </a:t>
+            </a:r>
+            <a:r>
+              <a:rPr lang="de-DE" sz="1400" dirty="0"/>
+              <a:t>(GNU GPLv2 Lizenz) </a:t>
+            </a:r>
+            <a:r>
+              <a:rPr lang="de-DE" dirty="0"/>
+              <a:t>zur verteilten Versionsverwaltung</a:t>
+            </a:r>
+          </a:p>
+          <a:p>
+            <a:pPr lvl="1"/>
+            <a:r>
+              <a:rPr lang="de-DE" dirty="0"/>
+              <a:t>Initiiert durch Linus </a:t>
+            </a:r>
+            <a:r>
+              <a:rPr lang="de-DE" dirty="0" err="1"/>
+              <a:t>Torvalds</a:t>
+            </a:r>
+            <a:r>
+              <a:rPr lang="de-DE" dirty="0"/>
+              <a:t> (Linux Kernel)</a:t>
+            </a:r>
+          </a:p>
+          <a:p>
+            <a:pPr lvl="2"/>
+            <a:r>
+              <a:rPr lang="de-DE" dirty="0"/>
+              <a:t>Ziele:</a:t>
+            </a:r>
+          </a:p>
+          <a:p>
+            <a:pPr lvl="3"/>
+            <a:r>
+              <a:rPr lang="de-DE" dirty="0"/>
+              <a:t>Versionsverwaltung zur Linux-Entwicklung</a:t>
+            </a:r>
+          </a:p>
+          <a:p>
+            <a:pPr lvl="4"/>
+            <a:r>
+              <a:rPr lang="de-DE" dirty="0"/>
+              <a:t>Unterstützung verteilter, </a:t>
+            </a:r>
+            <a:r>
+              <a:rPr lang="de-DE" dirty="0" err="1"/>
+              <a:t>BitKeeper</a:t>
+            </a:r>
+            <a:r>
+              <a:rPr lang="de-DE" dirty="0"/>
+              <a:t>-ähnlicher Arbeitsabläufe</a:t>
+            </a:r>
+          </a:p>
+          <a:p>
+            <a:pPr lvl="4"/>
+            <a:r>
+              <a:rPr lang="de-DE" dirty="0"/>
+              <a:t>Sehr hohe Sicherheit gegen sowohl unbeabsichtigte als auch böswillige Verfälschung</a:t>
+            </a:r>
+          </a:p>
+          <a:p>
+            <a:pPr lvl="4"/>
+            <a:r>
+              <a:rPr lang="de-DE" dirty="0"/>
+              <a:t>Hohe Effizienz</a:t>
+            </a:r>
+          </a:p>
+          <a:p>
+            <a:pPr lvl="1"/>
+            <a:r>
+              <a:rPr lang="de-DE" dirty="0"/>
+              <a:t>Bedeutet umgangssprachlich „Blödmann“</a:t>
+            </a:r>
+          </a:p>
+          <a:p>
+            <a:pPr lvl="1"/>
+            <a:r>
+              <a:rPr lang="de-DE" dirty="0"/>
+              <a:t>Programmiersprache C, </a:t>
+            </a:r>
+            <a:r>
+              <a:rPr lang="de-DE" dirty="0" err="1"/>
+              <a:t>Bourne</a:t>
+            </a:r>
+            <a:r>
+              <a:rPr lang="de-DE" dirty="0"/>
+              <a:t>-Shell, Perl</a:t>
             </a:r>
           </a:p>
         </p:txBody>
@@ -12332,6 +12451,3176 @@
             <a:fld id="{750AB064-513B-4E5C-9ADF-210709BEB955}" type="slidenum">
               <a:rPr lang="en-US" smtClean="0"/>
               <a:t>17</a:t>
+            </a:fld>
+            <a:endParaRPr lang="en-US"/>
+          </a:p>
+        </p:txBody>
+      </p:sp>
+      <p:pic>
+        <p:nvPicPr>
+          <p:cNvPr id="5" name="Grafik 4"/>
+          <p:cNvPicPr>
+            <a:picLocks noChangeAspect="1"/>
+          </p:cNvPicPr>
+          <p:nvPr/>
+        </p:nvPicPr>
+        <p:blipFill>
+          <a:blip r:embed="rId2"/>
+          <a:stretch>
+            <a:fillRect/>
+          </a:stretch>
+        </p:blipFill>
+        <p:spPr>
+          <a:xfrm>
+            <a:off x="4139952" y="1129174"/>
+            <a:ext cx="1191106" cy="600318"/>
+          </a:xfrm>
+          <a:prstGeom prst="rect">
+            <a:avLst/>
+          </a:prstGeom>
+        </p:spPr>
+      </p:pic>
+      <p:sp>
+        <p:nvSpPr>
+          <p:cNvPr id="6" name="Rechteck 5"/>
+          <p:cNvSpPr/>
+          <p:nvPr/>
+        </p:nvSpPr>
+        <p:spPr>
+          <a:xfrm>
+            <a:off x="5940152" y="1312694"/>
+            <a:ext cx="1819729" cy="261610"/>
+          </a:xfrm>
+          <a:prstGeom prst="rect">
+            <a:avLst/>
+          </a:prstGeom>
+        </p:spPr>
+        <p:txBody>
+          <a:bodyPr wrap="none">
+            <a:spAutoFit/>
+          </a:bodyPr>
+          <a:lstStyle/>
+          <a:p>
+            <a:r>
+              <a:rPr lang="de-DE" sz="1100" dirty="0"/>
+              <a:t>Quelle: https://git-scm.com/</a:t>
+            </a:r>
+          </a:p>
+        </p:txBody>
+      </p:sp>
+    </p:spTree>
+    <p:extLst>
+      <p:ext uri="{BB962C8B-B14F-4D97-AF65-F5344CB8AC3E}">
+        <p14:creationId xmlns:p14="http://schemas.microsoft.com/office/powerpoint/2010/main" val="147490556"/>
+      </p:ext>
+    </p:extLst>
+  </p:cSld>
+  <p:clrMapOvr>
+    <a:masterClrMapping/>
+  </p:clrMapOvr>
+  <p:timing>
+    <p:tnLst>
+      <p:par>
+        <p:cTn id="1" dur="indefinite" restart="never" nodeType="tmRoot">
+          <p:childTnLst>
+            <p:seq concurrent="1" nextAc="seek">
+              <p:cTn id="2" dur="indefinite" nodeType="mainSeq">
+                <p:childTnLst>
+                  <p:par>
+                    <p:cTn id="3" fill="hold">
+                      <p:stCondLst>
+                        <p:cond delay="indefinite"/>
+                      </p:stCondLst>
+                      <p:childTnLst>
+                        <p:par>
+                          <p:cTn id="4" fill="hold">
+                            <p:stCondLst>
+                              <p:cond delay="0"/>
+                            </p:stCondLst>
+                            <p:childTnLst>
+                              <p:par>
+                                <p:cTn id="5" presetID="10" presetClass="entr" presetSubtype="0" fill="hold" nodeType="clickEffect">
+                                  <p:stCondLst>
+                                    <p:cond delay="0"/>
+                                  </p:stCondLst>
+                                  <p:childTnLst>
+                                    <p:set>
+                                      <p:cBhvr>
+                                        <p:cTn id="6" dur="1" fill="hold">
+                                          <p:stCondLst>
+                                            <p:cond delay="0"/>
+                                          </p:stCondLst>
+                                        </p:cTn>
+                                        <p:tgtEl>
+                                          <p:spTgt spid="5"/>
+                                        </p:tgtEl>
+                                        <p:attrNameLst>
+                                          <p:attrName>style.visibility</p:attrName>
+                                        </p:attrNameLst>
+                                      </p:cBhvr>
+                                      <p:to>
+                                        <p:strVal val="visible"/>
+                                      </p:to>
+                                    </p:set>
+                                    <p:animEffect transition="in" filter="fade">
+                                      <p:cBhvr>
+                                        <p:cTn id="7" dur="500"/>
+                                        <p:tgtEl>
+                                          <p:spTgt spid="5"/>
+                                        </p:tgtEl>
+                                      </p:cBhvr>
+                                    </p:animEffect>
+                                  </p:childTnLst>
+                                </p:cTn>
+                              </p:par>
+                              <p:par>
+                                <p:cTn id="8" presetID="10" presetClass="entr" presetSubtype="0" fill="hold" grpId="0" nodeType="withEffect">
+                                  <p:stCondLst>
+                                    <p:cond delay="0"/>
+                                  </p:stCondLst>
+                                  <p:childTnLst>
+                                    <p:set>
+                                      <p:cBhvr>
+                                        <p:cTn id="9" dur="1" fill="hold">
+                                          <p:stCondLst>
+                                            <p:cond delay="0"/>
+                                          </p:stCondLst>
+                                        </p:cTn>
+                                        <p:tgtEl>
+                                          <p:spTgt spid="6"/>
+                                        </p:tgtEl>
+                                        <p:attrNameLst>
+                                          <p:attrName>style.visibility</p:attrName>
+                                        </p:attrNameLst>
+                                      </p:cBhvr>
+                                      <p:to>
+                                        <p:strVal val="visible"/>
+                                      </p:to>
+                                    </p:set>
+                                    <p:animEffect transition="in" filter="fade">
+                                      <p:cBhvr>
+                                        <p:cTn id="10" dur="500"/>
+                                        <p:tgtEl>
+                                          <p:spTgt spid="6"/>
+                                        </p:tgtEl>
+                                      </p:cBhvr>
+                                    </p:animEffect>
+                                  </p:childTnLst>
+                                </p:cTn>
+                              </p:par>
+                            </p:childTnLst>
+                          </p:cTn>
+                        </p:par>
+                      </p:childTnLst>
+                    </p:cTn>
+                  </p:par>
+                  <p:par>
+                    <p:cTn id="11" fill="hold">
+                      <p:stCondLst>
+                        <p:cond delay="indefinite"/>
+                      </p:stCondLst>
+                      <p:childTnLst>
+                        <p:par>
+                          <p:cTn id="12" fill="hold">
+                            <p:stCondLst>
+                              <p:cond delay="0"/>
+                            </p:stCondLst>
+                            <p:childTnLst>
+                              <p:par>
+                                <p:cTn id="13" presetID="10" presetClass="entr" presetSubtype="0" fill="hold" nodeType="clickEffect">
+                                  <p:stCondLst>
+                                    <p:cond delay="0"/>
+                                  </p:stCondLst>
+                                  <p:childTnLst>
+                                    <p:set>
+                                      <p:cBhvr>
+                                        <p:cTn id="14" dur="1" fill="hold">
+                                          <p:stCondLst>
+                                            <p:cond delay="0"/>
+                                          </p:stCondLst>
+                                        </p:cTn>
+                                        <p:tgtEl>
+                                          <p:spTgt spid="3">
+                                            <p:txEl>
+                                              <p:pRg st="0" end="0"/>
+                                            </p:txEl>
+                                          </p:spTgt>
+                                        </p:tgtEl>
+                                        <p:attrNameLst>
+                                          <p:attrName>style.visibility</p:attrName>
+                                        </p:attrNameLst>
+                                      </p:cBhvr>
+                                      <p:to>
+                                        <p:strVal val="visible"/>
+                                      </p:to>
+                                    </p:set>
+                                    <p:animEffect transition="in" filter="fade">
+                                      <p:cBhvr>
+                                        <p:cTn id="15" dur="500"/>
+                                        <p:tgtEl>
+                                          <p:spTgt spid="3">
+                                            <p:txEl>
+                                              <p:pRg st="0" end="0"/>
+                                            </p:txEl>
+                                          </p:spTgt>
+                                        </p:tgtEl>
+                                      </p:cBhvr>
+                                    </p:animEffect>
+                                  </p:childTnLst>
+                                </p:cTn>
+                              </p:par>
+                            </p:childTnLst>
+                          </p:cTn>
+                        </p:par>
+                      </p:childTnLst>
+                    </p:cTn>
+                  </p:par>
+                  <p:par>
+                    <p:cTn id="16" fill="hold">
+                      <p:stCondLst>
+                        <p:cond delay="indefinite"/>
+                      </p:stCondLst>
+                      <p:childTnLst>
+                        <p:par>
+                          <p:cTn id="17" fill="hold">
+                            <p:stCondLst>
+                              <p:cond delay="0"/>
+                            </p:stCondLst>
+                            <p:childTnLst>
+                              <p:par>
+                                <p:cTn id="18" presetID="10" presetClass="entr" presetSubtype="0" fill="hold" nodeType="clickEffect">
+                                  <p:stCondLst>
+                                    <p:cond delay="0"/>
+                                  </p:stCondLst>
+                                  <p:childTnLst>
+                                    <p:set>
+                                      <p:cBhvr>
+                                        <p:cTn id="19" dur="1" fill="hold">
+                                          <p:stCondLst>
+                                            <p:cond delay="0"/>
+                                          </p:stCondLst>
+                                        </p:cTn>
+                                        <p:tgtEl>
+                                          <p:spTgt spid="3">
+                                            <p:txEl>
+                                              <p:pRg st="1" end="1"/>
+                                            </p:txEl>
+                                          </p:spTgt>
+                                        </p:tgtEl>
+                                        <p:attrNameLst>
+                                          <p:attrName>style.visibility</p:attrName>
+                                        </p:attrNameLst>
+                                      </p:cBhvr>
+                                      <p:to>
+                                        <p:strVal val="visible"/>
+                                      </p:to>
+                                    </p:set>
+                                    <p:animEffect transition="in" filter="fade">
+                                      <p:cBhvr>
+                                        <p:cTn id="20" dur="500"/>
+                                        <p:tgtEl>
+                                          <p:spTgt spid="3">
+                                            <p:txEl>
+                                              <p:pRg st="1" end="1"/>
+                                            </p:txEl>
+                                          </p:spTgt>
+                                        </p:tgtEl>
+                                      </p:cBhvr>
+                                    </p:animEffect>
+                                  </p:childTnLst>
+                                </p:cTn>
+                              </p:par>
+                            </p:childTnLst>
+                          </p:cTn>
+                        </p:par>
+                      </p:childTnLst>
+                    </p:cTn>
+                  </p:par>
+                  <p:par>
+                    <p:cTn id="21" fill="hold">
+                      <p:stCondLst>
+                        <p:cond delay="indefinite"/>
+                      </p:stCondLst>
+                      <p:childTnLst>
+                        <p:par>
+                          <p:cTn id="22" fill="hold">
+                            <p:stCondLst>
+                              <p:cond delay="0"/>
+                            </p:stCondLst>
+                            <p:childTnLst>
+                              <p:par>
+                                <p:cTn id="23" presetID="10" presetClass="entr" presetSubtype="0" fill="hold" nodeType="clickEffect">
+                                  <p:stCondLst>
+                                    <p:cond delay="0"/>
+                                  </p:stCondLst>
+                                  <p:childTnLst>
+                                    <p:set>
+                                      <p:cBhvr>
+                                        <p:cTn id="24" dur="1" fill="hold">
+                                          <p:stCondLst>
+                                            <p:cond delay="0"/>
+                                          </p:stCondLst>
+                                        </p:cTn>
+                                        <p:tgtEl>
+                                          <p:spTgt spid="3">
+                                            <p:txEl>
+                                              <p:pRg st="2" end="2"/>
+                                            </p:txEl>
+                                          </p:spTgt>
+                                        </p:tgtEl>
+                                        <p:attrNameLst>
+                                          <p:attrName>style.visibility</p:attrName>
+                                        </p:attrNameLst>
+                                      </p:cBhvr>
+                                      <p:to>
+                                        <p:strVal val="visible"/>
+                                      </p:to>
+                                    </p:set>
+                                    <p:animEffect transition="in" filter="fade">
+                                      <p:cBhvr>
+                                        <p:cTn id="25" dur="500"/>
+                                        <p:tgtEl>
+                                          <p:spTgt spid="3">
+                                            <p:txEl>
+                                              <p:pRg st="2" end="2"/>
+                                            </p:txEl>
+                                          </p:spTgt>
+                                        </p:tgtEl>
+                                      </p:cBhvr>
+                                    </p:animEffect>
+                                  </p:childTnLst>
+                                </p:cTn>
+                              </p:par>
+                            </p:childTnLst>
+                          </p:cTn>
+                        </p:par>
+                      </p:childTnLst>
+                    </p:cTn>
+                  </p:par>
+                  <p:par>
+                    <p:cTn id="26" fill="hold">
+                      <p:stCondLst>
+                        <p:cond delay="indefinite"/>
+                      </p:stCondLst>
+                      <p:childTnLst>
+                        <p:par>
+                          <p:cTn id="27" fill="hold">
+                            <p:stCondLst>
+                              <p:cond delay="0"/>
+                            </p:stCondLst>
+                            <p:childTnLst>
+                              <p:par>
+                                <p:cTn id="28" presetID="10" presetClass="entr" presetSubtype="0" fill="hold" nodeType="clickEffect">
+                                  <p:stCondLst>
+                                    <p:cond delay="0"/>
+                                  </p:stCondLst>
+                                  <p:childTnLst>
+                                    <p:set>
+                                      <p:cBhvr>
+                                        <p:cTn id="29" dur="1" fill="hold">
+                                          <p:stCondLst>
+                                            <p:cond delay="0"/>
+                                          </p:stCondLst>
+                                        </p:cTn>
+                                        <p:tgtEl>
+                                          <p:spTgt spid="3">
+                                            <p:txEl>
+                                              <p:pRg st="3" end="3"/>
+                                            </p:txEl>
+                                          </p:spTgt>
+                                        </p:tgtEl>
+                                        <p:attrNameLst>
+                                          <p:attrName>style.visibility</p:attrName>
+                                        </p:attrNameLst>
+                                      </p:cBhvr>
+                                      <p:to>
+                                        <p:strVal val="visible"/>
+                                      </p:to>
+                                    </p:set>
+                                    <p:animEffect transition="in" filter="fade">
+                                      <p:cBhvr>
+                                        <p:cTn id="30" dur="500"/>
+                                        <p:tgtEl>
+                                          <p:spTgt spid="3">
+                                            <p:txEl>
+                                              <p:pRg st="3" end="3"/>
+                                            </p:txEl>
+                                          </p:spTgt>
+                                        </p:tgtEl>
+                                      </p:cBhvr>
+                                    </p:animEffect>
+                                  </p:childTnLst>
+                                </p:cTn>
+                              </p:par>
+                            </p:childTnLst>
+                          </p:cTn>
+                        </p:par>
+                      </p:childTnLst>
+                    </p:cTn>
+                  </p:par>
+                  <p:par>
+                    <p:cTn id="31" fill="hold">
+                      <p:stCondLst>
+                        <p:cond delay="indefinite"/>
+                      </p:stCondLst>
+                      <p:childTnLst>
+                        <p:par>
+                          <p:cTn id="32" fill="hold">
+                            <p:stCondLst>
+                              <p:cond delay="0"/>
+                            </p:stCondLst>
+                            <p:childTnLst>
+                              <p:par>
+                                <p:cTn id="33" presetID="10" presetClass="entr" presetSubtype="0" fill="hold" nodeType="clickEffect">
+                                  <p:stCondLst>
+                                    <p:cond delay="0"/>
+                                  </p:stCondLst>
+                                  <p:childTnLst>
+                                    <p:set>
+                                      <p:cBhvr>
+                                        <p:cTn id="34" dur="1" fill="hold">
+                                          <p:stCondLst>
+                                            <p:cond delay="0"/>
+                                          </p:stCondLst>
+                                        </p:cTn>
+                                        <p:tgtEl>
+                                          <p:spTgt spid="3">
+                                            <p:txEl>
+                                              <p:pRg st="4" end="4"/>
+                                            </p:txEl>
+                                          </p:spTgt>
+                                        </p:tgtEl>
+                                        <p:attrNameLst>
+                                          <p:attrName>style.visibility</p:attrName>
+                                        </p:attrNameLst>
+                                      </p:cBhvr>
+                                      <p:to>
+                                        <p:strVal val="visible"/>
+                                      </p:to>
+                                    </p:set>
+                                    <p:animEffect transition="in" filter="fade">
+                                      <p:cBhvr>
+                                        <p:cTn id="35" dur="500"/>
+                                        <p:tgtEl>
+                                          <p:spTgt spid="3">
+                                            <p:txEl>
+                                              <p:pRg st="4" end="4"/>
+                                            </p:txEl>
+                                          </p:spTgt>
+                                        </p:tgtEl>
+                                      </p:cBhvr>
+                                    </p:animEffect>
+                                  </p:childTnLst>
+                                </p:cTn>
+                              </p:par>
+                              <p:par>
+                                <p:cTn id="36" presetID="10" presetClass="entr" presetSubtype="0" fill="hold" nodeType="withEffect">
+                                  <p:stCondLst>
+                                    <p:cond delay="0"/>
+                                  </p:stCondLst>
+                                  <p:childTnLst>
+                                    <p:set>
+                                      <p:cBhvr>
+                                        <p:cTn id="37" dur="1" fill="hold">
+                                          <p:stCondLst>
+                                            <p:cond delay="0"/>
+                                          </p:stCondLst>
+                                        </p:cTn>
+                                        <p:tgtEl>
+                                          <p:spTgt spid="3">
+                                            <p:txEl>
+                                              <p:pRg st="5" end="5"/>
+                                            </p:txEl>
+                                          </p:spTgt>
+                                        </p:tgtEl>
+                                        <p:attrNameLst>
+                                          <p:attrName>style.visibility</p:attrName>
+                                        </p:attrNameLst>
+                                      </p:cBhvr>
+                                      <p:to>
+                                        <p:strVal val="visible"/>
+                                      </p:to>
+                                    </p:set>
+                                    <p:animEffect transition="in" filter="fade">
+                                      <p:cBhvr>
+                                        <p:cTn id="38" dur="500"/>
+                                        <p:tgtEl>
+                                          <p:spTgt spid="3">
+                                            <p:txEl>
+                                              <p:pRg st="5" end="5"/>
+                                            </p:txEl>
+                                          </p:spTgt>
+                                        </p:tgtEl>
+                                      </p:cBhvr>
+                                    </p:animEffect>
+                                  </p:childTnLst>
+                                </p:cTn>
+                              </p:par>
+                              <p:par>
+                                <p:cTn id="39" presetID="10" presetClass="entr" presetSubtype="0" fill="hold" nodeType="withEffect">
+                                  <p:stCondLst>
+                                    <p:cond delay="0"/>
+                                  </p:stCondLst>
+                                  <p:childTnLst>
+                                    <p:set>
+                                      <p:cBhvr>
+                                        <p:cTn id="40" dur="1" fill="hold">
+                                          <p:stCondLst>
+                                            <p:cond delay="0"/>
+                                          </p:stCondLst>
+                                        </p:cTn>
+                                        <p:tgtEl>
+                                          <p:spTgt spid="3">
+                                            <p:txEl>
+                                              <p:pRg st="6" end="6"/>
+                                            </p:txEl>
+                                          </p:spTgt>
+                                        </p:tgtEl>
+                                        <p:attrNameLst>
+                                          <p:attrName>style.visibility</p:attrName>
+                                        </p:attrNameLst>
+                                      </p:cBhvr>
+                                      <p:to>
+                                        <p:strVal val="visible"/>
+                                      </p:to>
+                                    </p:set>
+                                    <p:animEffect transition="in" filter="fade">
+                                      <p:cBhvr>
+                                        <p:cTn id="41" dur="500"/>
+                                        <p:tgtEl>
+                                          <p:spTgt spid="3">
+                                            <p:txEl>
+                                              <p:pRg st="6" end="6"/>
+                                            </p:txEl>
+                                          </p:spTgt>
+                                        </p:tgtEl>
+                                      </p:cBhvr>
+                                    </p:animEffect>
+                                  </p:childTnLst>
+                                </p:cTn>
+                              </p:par>
+                            </p:childTnLst>
+                          </p:cTn>
+                        </p:par>
+                      </p:childTnLst>
+                    </p:cTn>
+                  </p:par>
+                  <p:par>
+                    <p:cTn id="42" fill="hold">
+                      <p:stCondLst>
+                        <p:cond delay="indefinite"/>
+                      </p:stCondLst>
+                      <p:childTnLst>
+                        <p:par>
+                          <p:cTn id="43" fill="hold">
+                            <p:stCondLst>
+                              <p:cond delay="0"/>
+                            </p:stCondLst>
+                            <p:childTnLst>
+                              <p:par>
+                                <p:cTn id="44" presetID="10" presetClass="entr" presetSubtype="0" fill="hold" nodeType="clickEffect">
+                                  <p:stCondLst>
+                                    <p:cond delay="0"/>
+                                  </p:stCondLst>
+                                  <p:childTnLst>
+                                    <p:set>
+                                      <p:cBhvr>
+                                        <p:cTn id="45" dur="1" fill="hold">
+                                          <p:stCondLst>
+                                            <p:cond delay="0"/>
+                                          </p:stCondLst>
+                                        </p:cTn>
+                                        <p:tgtEl>
+                                          <p:spTgt spid="3">
+                                            <p:txEl>
+                                              <p:pRg st="7" end="7"/>
+                                            </p:txEl>
+                                          </p:spTgt>
+                                        </p:tgtEl>
+                                        <p:attrNameLst>
+                                          <p:attrName>style.visibility</p:attrName>
+                                        </p:attrNameLst>
+                                      </p:cBhvr>
+                                      <p:to>
+                                        <p:strVal val="visible"/>
+                                      </p:to>
+                                    </p:set>
+                                    <p:animEffect transition="in" filter="fade">
+                                      <p:cBhvr>
+                                        <p:cTn id="46" dur="500"/>
+                                        <p:tgtEl>
+                                          <p:spTgt spid="3">
+                                            <p:txEl>
+                                              <p:pRg st="7" end="7"/>
+                                            </p:txEl>
+                                          </p:spTgt>
+                                        </p:tgtEl>
+                                      </p:cBhvr>
+                                    </p:animEffect>
+                                  </p:childTnLst>
+                                </p:cTn>
+                              </p:par>
+                            </p:childTnLst>
+                          </p:cTn>
+                        </p:par>
+                      </p:childTnLst>
+                    </p:cTn>
+                  </p:par>
+                  <p:par>
+                    <p:cTn id="47" fill="hold">
+                      <p:stCondLst>
+                        <p:cond delay="indefinite"/>
+                      </p:stCondLst>
+                      <p:childTnLst>
+                        <p:par>
+                          <p:cTn id="48" fill="hold">
+                            <p:stCondLst>
+                              <p:cond delay="0"/>
+                            </p:stCondLst>
+                            <p:childTnLst>
+                              <p:par>
+                                <p:cTn id="49" presetID="10" presetClass="entr" presetSubtype="0" fill="hold" nodeType="clickEffect">
+                                  <p:stCondLst>
+                                    <p:cond delay="0"/>
+                                  </p:stCondLst>
+                                  <p:childTnLst>
+                                    <p:set>
+                                      <p:cBhvr>
+                                        <p:cTn id="50" dur="1" fill="hold">
+                                          <p:stCondLst>
+                                            <p:cond delay="0"/>
+                                          </p:stCondLst>
+                                        </p:cTn>
+                                        <p:tgtEl>
+                                          <p:spTgt spid="3">
+                                            <p:txEl>
+                                              <p:pRg st="8" end="8"/>
+                                            </p:txEl>
+                                          </p:spTgt>
+                                        </p:tgtEl>
+                                        <p:attrNameLst>
+                                          <p:attrName>style.visibility</p:attrName>
+                                        </p:attrNameLst>
+                                      </p:cBhvr>
+                                      <p:to>
+                                        <p:strVal val="visible"/>
+                                      </p:to>
+                                    </p:set>
+                                    <p:animEffect transition="in" filter="fade">
+                                      <p:cBhvr>
+                                        <p:cTn id="51" dur="500"/>
+                                        <p:tgtEl>
+                                          <p:spTgt spid="3">
+                                            <p:txEl>
+                                              <p:pRg st="8" end="8"/>
+                                            </p:txEl>
+                                          </p:spTgt>
+                                        </p:tgtEl>
+                                      </p:cBhvr>
+                                    </p:animEffect>
+                                  </p:childTnLst>
+                                </p:cTn>
+                              </p:par>
+                            </p:childTnLst>
+                          </p:cTn>
+                        </p:par>
+                      </p:childTnLst>
+                    </p:cTn>
+                  </p:par>
+                </p:childTnLst>
+              </p:cTn>
+              <p:prevCondLst>
+                <p:cond evt="onPrev" delay="0">
+                  <p:tgtEl>
+                    <p:sldTgt/>
+                  </p:tgtEl>
+                </p:cond>
+              </p:prevCondLst>
+              <p:nextCondLst>
+                <p:cond evt="onNext" delay="0">
+                  <p:tgtEl>
+                    <p:sldTgt/>
+                  </p:tgtEl>
+                </p:cond>
+              </p:nextCondLst>
+            </p:seq>
+          </p:childTnLst>
+        </p:cTn>
+      </p:par>
+    </p:tnLst>
+    <p:bldLst>
+      <p:bldP spid="6" grpId="0"/>
+    </p:bldLst>
+  </p:timing>
+</p:sld>
+</file>
+
+<file path=ppt/slides/slide18.xml><?xml version="1.0" encoding="utf-8"?>
+<p:sld xmlns:a="http://schemas.openxmlformats.org/drawingml/2006/main" xmlns:r="http://schemas.openxmlformats.org/officeDocument/2006/relationships" xmlns:p="http://schemas.openxmlformats.org/presentationml/2006/main">
+  <p:cSld>
+    <p:spTree>
+      <p:nvGrpSpPr>
+        <p:cNvPr id="1" name=""/>
+        <p:cNvGrpSpPr/>
+        <p:nvPr/>
+      </p:nvGrpSpPr>
+      <p:grpSpPr>
+        <a:xfrm>
+          <a:off x="0" y="0"/>
+          <a:ext cx="0" cy="0"/>
+          <a:chOff x="0" y="0"/>
+          <a:chExt cx="0" cy="0"/>
+        </a:xfrm>
+      </p:grpSpPr>
+      <p:sp>
+        <p:nvSpPr>
+          <p:cNvPr id="2" name="Title 1"/>
+          <p:cNvSpPr>
+            <a:spLocks noGrp="1"/>
+          </p:cNvSpPr>
+          <p:nvPr>
+            <p:ph type="title"/>
+          </p:nvPr>
+        </p:nvSpPr>
+        <p:spPr/>
+        <p:txBody>
+          <a:bodyPr>
+            <a:normAutofit/>
+          </a:bodyPr>
+          <a:lstStyle/>
+          <a:p>
+            <a:r>
+              <a:rPr lang="en-US" dirty="0" err="1"/>
+              <a:t>Git</a:t>
+            </a:r>
+            <a:r>
+              <a:rPr lang="en-US" dirty="0"/>
+              <a:t> - </a:t>
+            </a:r>
+            <a:r>
+              <a:rPr lang="en-US" dirty="0" err="1"/>
+              <a:t>Besonderheiten</a:t>
+            </a:r>
+            <a:endParaRPr lang="en-US" dirty="0"/>
+          </a:p>
+        </p:txBody>
+      </p:sp>
+      <p:sp>
+        <p:nvSpPr>
+          <p:cNvPr id="3" name="Content Placeholder 2"/>
+          <p:cNvSpPr>
+            <a:spLocks noGrp="1"/>
+          </p:cNvSpPr>
+          <p:nvPr>
+            <p:ph idx="1"/>
+          </p:nvPr>
+        </p:nvSpPr>
+        <p:spPr/>
+        <p:txBody>
+          <a:bodyPr>
+            <a:normAutofit/>
+          </a:bodyPr>
+          <a:lstStyle/>
+          <a:p>
+            <a:pPr lvl="2"/>
+            <a:r>
+              <a:rPr lang="de-DE" dirty="0"/>
+              <a:t>Nicht-Lineare Entwicklung</a:t>
+            </a:r>
+          </a:p>
+          <a:p>
+            <a:pPr lvl="3"/>
+            <a:r>
+              <a:rPr lang="de-DE" dirty="0" err="1"/>
+              <a:t>Branching</a:t>
+            </a:r>
+            <a:r>
+              <a:rPr lang="de-DE" dirty="0"/>
+              <a:t> und </a:t>
+            </a:r>
+            <a:r>
+              <a:rPr lang="de-DE" dirty="0" err="1"/>
+              <a:t>Merging</a:t>
+            </a:r>
+            <a:r>
+              <a:rPr lang="de-DE" dirty="0"/>
+              <a:t> sind integraler Bestandteil (Feature-</a:t>
+            </a:r>
+            <a:r>
+              <a:rPr lang="de-DE" dirty="0" err="1"/>
+              <a:t>Based</a:t>
+            </a:r>
+            <a:r>
+              <a:rPr lang="de-DE" dirty="0"/>
+              <a:t>-Workflow)</a:t>
+            </a:r>
+          </a:p>
+          <a:p>
+            <a:pPr lvl="3"/>
+            <a:r>
+              <a:rPr lang="de-DE" dirty="0" err="1"/>
+              <a:t>Branches</a:t>
+            </a:r>
+            <a:r>
+              <a:rPr lang="de-DE" dirty="0"/>
+              <a:t> sind performant integriert (</a:t>
+            </a:r>
+            <a:r>
+              <a:rPr lang="de-DE" dirty="0" err="1"/>
+              <a:t>Branch</a:t>
+            </a:r>
+            <a:r>
+              <a:rPr lang="de-DE" dirty="0"/>
+              <a:t> stellt nur eine Reference </a:t>
+            </a:r>
+            <a:r>
+              <a:rPr lang="de-DE" sz="1600" dirty="0"/>
+              <a:t>(Textdatei mit einer Commit-ID)</a:t>
+            </a:r>
+            <a:r>
+              <a:rPr lang="de-DE" dirty="0"/>
+              <a:t> dar, die in einem Repository im Verzeichnis .</a:t>
+            </a:r>
+            <a:r>
+              <a:rPr lang="de-DE" dirty="0" err="1"/>
+              <a:t>git</a:t>
+            </a:r>
+            <a:r>
+              <a:rPr lang="de-DE" dirty="0"/>
+              <a:t>/</a:t>
+            </a:r>
+            <a:r>
+              <a:rPr lang="de-DE" dirty="0" err="1"/>
+              <a:t>refs</a:t>
+            </a:r>
+            <a:r>
+              <a:rPr lang="de-DE" dirty="0"/>
+              <a:t>/</a:t>
+            </a:r>
+            <a:r>
+              <a:rPr lang="de-DE" dirty="0" err="1"/>
+              <a:t>heads</a:t>
+            </a:r>
+            <a:r>
+              <a:rPr lang="de-DE" dirty="0"/>
+              <a:t> liegt und auf einen bestimmten Commit verweist. Über dessen Parental </a:t>
+            </a:r>
+            <a:r>
+              <a:rPr lang="de-DE" dirty="0" err="1"/>
+              <a:t>Commits</a:t>
+            </a:r>
+            <a:r>
+              <a:rPr lang="de-DE" dirty="0"/>
+              <a:t>, also Eltern-</a:t>
+            </a:r>
+            <a:r>
+              <a:rPr lang="de-DE" dirty="0" err="1"/>
+              <a:t>Commits</a:t>
+            </a:r>
+            <a:r>
+              <a:rPr lang="de-DE" dirty="0"/>
+              <a:t>, lässt sich die </a:t>
+            </a:r>
+            <a:r>
+              <a:rPr lang="de-DE" dirty="0" err="1"/>
+              <a:t>Branch</a:t>
+            </a:r>
+            <a:r>
+              <a:rPr lang="de-DE" dirty="0"/>
+              <a:t>-Struktur rekonstruieren)</a:t>
+            </a:r>
+          </a:p>
+          <a:p>
+            <a:pPr lvl="3"/>
+            <a:r>
+              <a:rPr lang="de-DE" dirty="0"/>
+              <a:t>Sehr große und effiziente Entwicklungsstrukturen (</a:t>
+            </a:r>
+            <a:r>
+              <a:rPr lang="de-DE" dirty="0" err="1"/>
+              <a:t>Git</a:t>
+            </a:r>
+            <a:r>
+              <a:rPr lang="de-DE" dirty="0"/>
+              <a:t>, Linux) realisierbar (jedes Feature bzw. jeder Entwickler hat einen </a:t>
+            </a:r>
+            <a:r>
+              <a:rPr lang="de-DE" dirty="0" err="1"/>
+              <a:t>Branch</a:t>
+            </a:r>
+            <a:r>
+              <a:rPr lang="de-DE" dirty="0"/>
+              <a:t>/Repository und der </a:t>
+            </a:r>
+            <a:r>
+              <a:rPr lang="de-DE" dirty="0" err="1"/>
+              <a:t>Maintainer</a:t>
+            </a:r>
+            <a:r>
+              <a:rPr lang="de-DE" dirty="0"/>
+              <a:t> übernimmt </a:t>
+            </a:r>
+            <a:r>
+              <a:rPr lang="de-DE" dirty="0" err="1"/>
+              <a:t>Commits</a:t>
+            </a:r>
+            <a:r>
+              <a:rPr lang="de-DE" dirty="0"/>
+              <a:t>)</a:t>
+            </a:r>
+          </a:p>
+          <a:p>
+            <a:pPr lvl="2"/>
+            <a:endParaRPr lang="de-DE" dirty="0"/>
+          </a:p>
+          <a:p>
+            <a:pPr lvl="2"/>
+            <a:endParaRPr lang="de-DE" dirty="0"/>
+          </a:p>
+          <a:p>
+            <a:pPr lvl="1"/>
+            <a:endParaRPr lang="de-DE" dirty="0"/>
+          </a:p>
+          <a:p>
+            <a:pPr lvl="2"/>
+            <a:endParaRPr lang="de-DE" dirty="0"/>
+          </a:p>
+          <a:p>
+            <a:pPr lvl="2"/>
+            <a:endParaRPr lang="de-DE" dirty="0"/>
+          </a:p>
+          <a:p>
+            <a:pPr lvl="1"/>
+            <a:endParaRPr lang="de-DE" dirty="0"/>
+          </a:p>
+          <a:p>
+            <a:pPr lvl="2"/>
+            <a:endParaRPr lang="de-DE" dirty="0"/>
+          </a:p>
+          <a:p>
+            <a:pPr lvl="2"/>
+            <a:endParaRPr lang="de-DE" dirty="0"/>
+          </a:p>
+          <a:p>
+            <a:pPr lvl="2"/>
+            <a:endParaRPr lang="de-DE" dirty="0"/>
+          </a:p>
+        </p:txBody>
+      </p:sp>
+      <p:sp>
+        <p:nvSpPr>
+          <p:cNvPr id="4" name="Foliennummernplatzhalter 3"/>
+          <p:cNvSpPr>
+            <a:spLocks noGrp="1"/>
+          </p:cNvSpPr>
+          <p:nvPr>
+            <p:ph type="sldNum" sz="quarter" idx="12"/>
+          </p:nvPr>
+        </p:nvSpPr>
+        <p:spPr/>
+        <p:txBody>
+          <a:bodyPr/>
+          <a:lstStyle/>
+          <a:p>
+            <a:fld id="{750AB064-513B-4E5C-9ADF-210709BEB955}" type="slidenum">
+              <a:rPr lang="en-US" smtClean="0"/>
+              <a:t>18</a:t>
+            </a:fld>
+            <a:endParaRPr lang="en-US"/>
+          </a:p>
+        </p:txBody>
+      </p:sp>
+    </p:spTree>
+    <p:extLst>
+      <p:ext uri="{BB962C8B-B14F-4D97-AF65-F5344CB8AC3E}">
+        <p14:creationId xmlns:p14="http://schemas.microsoft.com/office/powerpoint/2010/main" val="1429941628"/>
+      </p:ext>
+    </p:extLst>
+  </p:cSld>
+  <p:clrMapOvr>
+    <a:masterClrMapping/>
+  </p:clrMapOvr>
+  <p:timing>
+    <p:tnLst>
+      <p:par>
+        <p:cTn id="1" dur="indefinite" restart="never" nodeType="tmRoot">
+          <p:childTnLst>
+            <p:seq concurrent="1" nextAc="seek">
+              <p:cTn id="2" dur="indefinite" nodeType="mainSeq">
+                <p:childTnLst>
+                  <p:par>
+                    <p:cTn id="3" fill="hold">
+                      <p:stCondLst>
+                        <p:cond delay="indefinite"/>
+                      </p:stCondLst>
+                      <p:childTnLst>
+                        <p:par>
+                          <p:cTn id="4" fill="hold">
+                            <p:stCondLst>
+                              <p:cond delay="0"/>
+                            </p:stCondLst>
+                            <p:childTnLst>
+                              <p:par>
+                                <p:cTn id="5" presetID="10" presetClass="entr" presetSubtype="0" fill="hold" nodeType="clickEffect">
+                                  <p:stCondLst>
+                                    <p:cond delay="0"/>
+                                  </p:stCondLst>
+                                  <p:childTnLst>
+                                    <p:set>
+                                      <p:cBhvr>
+                                        <p:cTn id="6" dur="1" fill="hold">
+                                          <p:stCondLst>
+                                            <p:cond delay="0"/>
+                                          </p:stCondLst>
+                                        </p:cTn>
+                                        <p:tgtEl>
+                                          <p:spTgt spid="3">
+                                            <p:txEl>
+                                              <p:pRg st="0" end="0"/>
+                                            </p:txEl>
+                                          </p:spTgt>
+                                        </p:tgtEl>
+                                        <p:attrNameLst>
+                                          <p:attrName>style.visibility</p:attrName>
+                                        </p:attrNameLst>
+                                      </p:cBhvr>
+                                      <p:to>
+                                        <p:strVal val="visible"/>
+                                      </p:to>
+                                    </p:set>
+                                    <p:animEffect transition="in" filter="fade">
+                                      <p:cBhvr>
+                                        <p:cTn id="7" dur="500"/>
+                                        <p:tgtEl>
+                                          <p:spTgt spid="3">
+                                            <p:txEl>
+                                              <p:pRg st="0" end="0"/>
+                                            </p:txEl>
+                                          </p:spTgt>
+                                        </p:tgtEl>
+                                      </p:cBhvr>
+                                    </p:animEffect>
+                                  </p:childTnLst>
+                                </p:cTn>
+                              </p:par>
+                            </p:childTnLst>
+                          </p:cTn>
+                        </p:par>
+                      </p:childTnLst>
+                    </p:cTn>
+                  </p:par>
+                  <p:par>
+                    <p:cTn id="8" fill="hold">
+                      <p:stCondLst>
+                        <p:cond delay="indefinite"/>
+                      </p:stCondLst>
+                      <p:childTnLst>
+                        <p:par>
+                          <p:cTn id="9" fill="hold">
+                            <p:stCondLst>
+                              <p:cond delay="0"/>
+                            </p:stCondLst>
+                            <p:childTnLst>
+                              <p:par>
+                                <p:cTn id="10" presetID="10" presetClass="entr" presetSubtype="0" fill="hold" nodeType="clickEffect">
+                                  <p:stCondLst>
+                                    <p:cond delay="0"/>
+                                  </p:stCondLst>
+                                  <p:childTnLst>
+                                    <p:set>
+                                      <p:cBhvr>
+                                        <p:cTn id="11" dur="1" fill="hold">
+                                          <p:stCondLst>
+                                            <p:cond delay="0"/>
+                                          </p:stCondLst>
+                                        </p:cTn>
+                                        <p:tgtEl>
+                                          <p:spTgt spid="3">
+                                            <p:txEl>
+                                              <p:pRg st="1" end="1"/>
+                                            </p:txEl>
+                                          </p:spTgt>
+                                        </p:tgtEl>
+                                        <p:attrNameLst>
+                                          <p:attrName>style.visibility</p:attrName>
+                                        </p:attrNameLst>
+                                      </p:cBhvr>
+                                      <p:to>
+                                        <p:strVal val="visible"/>
+                                      </p:to>
+                                    </p:set>
+                                    <p:animEffect transition="in" filter="fade">
+                                      <p:cBhvr>
+                                        <p:cTn id="12" dur="500"/>
+                                        <p:tgtEl>
+                                          <p:spTgt spid="3">
+                                            <p:txEl>
+                                              <p:pRg st="1" end="1"/>
+                                            </p:txEl>
+                                          </p:spTgt>
+                                        </p:tgtEl>
+                                      </p:cBhvr>
+                                    </p:animEffect>
+                                  </p:childTnLst>
+                                </p:cTn>
+                              </p:par>
+                            </p:childTnLst>
+                          </p:cTn>
+                        </p:par>
+                      </p:childTnLst>
+                    </p:cTn>
+                  </p:par>
+                  <p:par>
+                    <p:cTn id="13" fill="hold">
+                      <p:stCondLst>
+                        <p:cond delay="indefinite"/>
+                      </p:stCondLst>
+                      <p:childTnLst>
+                        <p:par>
+                          <p:cTn id="14" fill="hold">
+                            <p:stCondLst>
+                              <p:cond delay="0"/>
+                            </p:stCondLst>
+                            <p:childTnLst>
+                              <p:par>
+                                <p:cTn id="15" presetID="10" presetClass="entr" presetSubtype="0" fill="hold" nodeType="clickEffect">
+                                  <p:stCondLst>
+                                    <p:cond delay="0"/>
+                                  </p:stCondLst>
+                                  <p:childTnLst>
+                                    <p:set>
+                                      <p:cBhvr>
+                                        <p:cTn id="16" dur="1" fill="hold">
+                                          <p:stCondLst>
+                                            <p:cond delay="0"/>
+                                          </p:stCondLst>
+                                        </p:cTn>
+                                        <p:tgtEl>
+                                          <p:spTgt spid="3">
+                                            <p:txEl>
+                                              <p:pRg st="2" end="2"/>
+                                            </p:txEl>
+                                          </p:spTgt>
+                                        </p:tgtEl>
+                                        <p:attrNameLst>
+                                          <p:attrName>style.visibility</p:attrName>
+                                        </p:attrNameLst>
+                                      </p:cBhvr>
+                                      <p:to>
+                                        <p:strVal val="visible"/>
+                                      </p:to>
+                                    </p:set>
+                                    <p:animEffect transition="in" filter="fade">
+                                      <p:cBhvr>
+                                        <p:cTn id="17" dur="500"/>
+                                        <p:tgtEl>
+                                          <p:spTgt spid="3">
+                                            <p:txEl>
+                                              <p:pRg st="2" end="2"/>
+                                            </p:txEl>
+                                          </p:spTgt>
+                                        </p:tgtEl>
+                                      </p:cBhvr>
+                                    </p:animEffect>
+                                  </p:childTnLst>
+                                </p:cTn>
+                              </p:par>
+                            </p:childTnLst>
+                          </p:cTn>
+                        </p:par>
+                      </p:childTnLst>
+                    </p:cTn>
+                  </p:par>
+                  <p:par>
+                    <p:cTn id="18" fill="hold">
+                      <p:stCondLst>
+                        <p:cond delay="indefinite"/>
+                      </p:stCondLst>
+                      <p:childTnLst>
+                        <p:par>
+                          <p:cTn id="19" fill="hold">
+                            <p:stCondLst>
+                              <p:cond delay="0"/>
+                            </p:stCondLst>
+                            <p:childTnLst>
+                              <p:par>
+                                <p:cTn id="20" presetID="10" presetClass="entr" presetSubtype="0" fill="hold" nodeType="clickEffect">
+                                  <p:stCondLst>
+                                    <p:cond delay="0"/>
+                                  </p:stCondLst>
+                                  <p:childTnLst>
+                                    <p:set>
+                                      <p:cBhvr>
+                                        <p:cTn id="21" dur="1" fill="hold">
+                                          <p:stCondLst>
+                                            <p:cond delay="0"/>
+                                          </p:stCondLst>
+                                        </p:cTn>
+                                        <p:tgtEl>
+                                          <p:spTgt spid="3">
+                                            <p:txEl>
+                                              <p:pRg st="3" end="3"/>
+                                            </p:txEl>
+                                          </p:spTgt>
+                                        </p:tgtEl>
+                                        <p:attrNameLst>
+                                          <p:attrName>style.visibility</p:attrName>
+                                        </p:attrNameLst>
+                                      </p:cBhvr>
+                                      <p:to>
+                                        <p:strVal val="visible"/>
+                                      </p:to>
+                                    </p:set>
+                                    <p:animEffect transition="in" filter="fade">
+                                      <p:cBhvr>
+                                        <p:cTn id="22" dur="500"/>
+                                        <p:tgtEl>
+                                          <p:spTgt spid="3">
+                                            <p:txEl>
+                                              <p:pRg st="3" end="3"/>
+                                            </p:txEl>
+                                          </p:spTgt>
+                                        </p:tgtEl>
+                                      </p:cBhvr>
+                                    </p:animEffect>
+                                  </p:childTnLst>
+                                </p:cTn>
+                              </p:par>
+                            </p:childTnLst>
+                          </p:cTn>
+                        </p:par>
+                      </p:childTnLst>
+                    </p:cTn>
+                  </p:par>
+                </p:childTnLst>
+              </p:cTn>
+              <p:prevCondLst>
+                <p:cond evt="onPrev" delay="0">
+                  <p:tgtEl>
+                    <p:sldTgt/>
+                  </p:tgtEl>
+                </p:cond>
+              </p:prevCondLst>
+              <p:nextCondLst>
+                <p:cond evt="onNext" delay="0">
+                  <p:tgtEl>
+                    <p:sldTgt/>
+                  </p:tgtEl>
+                </p:cond>
+              </p:nextCondLst>
+            </p:seq>
+          </p:childTnLst>
+        </p:cTn>
+      </p:par>
+    </p:tnLst>
+  </p:timing>
+</p:sld>
+</file>
+
+<file path=ppt/slides/slide19.xml><?xml version="1.0" encoding="utf-8"?>
+<p:sld xmlns:a="http://schemas.openxmlformats.org/drawingml/2006/main" xmlns:r="http://schemas.openxmlformats.org/officeDocument/2006/relationships" xmlns:p="http://schemas.openxmlformats.org/presentationml/2006/main">
+  <p:cSld>
+    <p:spTree>
+      <p:nvGrpSpPr>
+        <p:cNvPr id="1" name=""/>
+        <p:cNvGrpSpPr/>
+        <p:nvPr/>
+      </p:nvGrpSpPr>
+      <p:grpSpPr>
+        <a:xfrm>
+          <a:off x="0" y="0"/>
+          <a:ext cx="0" cy="0"/>
+          <a:chOff x="0" y="0"/>
+          <a:chExt cx="0" cy="0"/>
+        </a:xfrm>
+      </p:grpSpPr>
+      <p:sp>
+        <p:nvSpPr>
+          <p:cNvPr id="2" name="Title 1"/>
+          <p:cNvSpPr>
+            <a:spLocks noGrp="1"/>
+          </p:cNvSpPr>
+          <p:nvPr>
+            <p:ph type="title"/>
+          </p:nvPr>
+        </p:nvSpPr>
+        <p:spPr/>
+        <p:txBody>
+          <a:bodyPr>
+            <a:normAutofit/>
+          </a:bodyPr>
+          <a:lstStyle/>
+          <a:p>
+            <a:r>
+              <a:rPr lang="en-US" dirty="0" err="1"/>
+              <a:t>Git</a:t>
+            </a:r>
+            <a:r>
+              <a:rPr lang="en-US" dirty="0"/>
+              <a:t> - </a:t>
+            </a:r>
+            <a:r>
+              <a:rPr lang="en-US" dirty="0" err="1"/>
+              <a:t>Besonderheiten</a:t>
+            </a:r>
+            <a:endParaRPr lang="en-US" dirty="0"/>
+          </a:p>
+        </p:txBody>
+      </p:sp>
+      <p:sp>
+        <p:nvSpPr>
+          <p:cNvPr id="3" name="Content Placeholder 2"/>
+          <p:cNvSpPr>
+            <a:spLocks noGrp="1"/>
+          </p:cNvSpPr>
+          <p:nvPr>
+            <p:ph idx="1"/>
+          </p:nvPr>
+        </p:nvSpPr>
+        <p:spPr/>
+        <p:txBody>
+          <a:bodyPr>
+            <a:normAutofit/>
+          </a:bodyPr>
+          <a:lstStyle/>
+          <a:p>
+            <a:pPr lvl="2"/>
+            <a:r>
+              <a:rPr lang="de-DE" dirty="0"/>
+              <a:t>Kein zentraler Server (siehe dezentrales SCM)</a:t>
+            </a:r>
+          </a:p>
+          <a:p>
+            <a:pPr lvl="2"/>
+            <a:r>
+              <a:rPr lang="de-DE" dirty="0"/>
+              <a:t>Datentransfer zwischen </a:t>
+            </a:r>
+            <a:r>
+              <a:rPr lang="de-DE" dirty="0" err="1"/>
+              <a:t>Repositorys</a:t>
+            </a:r>
+            <a:r>
+              <a:rPr lang="de-DE" dirty="0"/>
+              <a:t> auf verschiedene Wege (Protokolle, Patches, Review-Systeme, Push &amp; </a:t>
+            </a:r>
+            <a:r>
+              <a:rPr lang="de-DE" dirty="0" err="1"/>
+              <a:t>Merge</a:t>
+            </a:r>
+            <a:r>
+              <a:rPr lang="de-DE" dirty="0"/>
+              <a:t>)</a:t>
+            </a:r>
+          </a:p>
+          <a:p>
+            <a:pPr lvl="2"/>
+            <a:r>
+              <a:rPr lang="de-DE" dirty="0"/>
+              <a:t>Kryptographische Sicherheit der Projektgeschichte (durch Hashs)</a:t>
+            </a:r>
+          </a:p>
+          <a:p>
+            <a:pPr lvl="2"/>
+            <a:r>
+              <a:rPr lang="de-DE" dirty="0"/>
+              <a:t>Speichersystem und </a:t>
+            </a:r>
+            <a:r>
+              <a:rPr lang="de-DE" dirty="0" err="1"/>
+              <a:t>Dateiversionierung</a:t>
+            </a:r>
+            <a:endParaRPr lang="de-DE" dirty="0"/>
+          </a:p>
+          <a:p>
+            <a:pPr lvl="3"/>
+            <a:r>
+              <a:rPr lang="de-DE" dirty="0"/>
+              <a:t>Gesamtes Verzeichnis weist gleiche Revisionsnummer auf</a:t>
+            </a:r>
+          </a:p>
+          <a:p>
+            <a:pPr lvl="3"/>
+            <a:r>
+              <a:rPr lang="de-DE" dirty="0"/>
+              <a:t>Wird eine Datei in einem Commit nicht geändert, ändert sich Prüfsumme nicht und sie muss nicht nochmals gespeichert werden. </a:t>
+            </a:r>
+          </a:p>
+          <a:p>
+            <a:pPr lvl="2"/>
+            <a:r>
+              <a:rPr lang="de-DE" dirty="0"/>
+              <a:t>Säubern des </a:t>
+            </a:r>
+            <a:r>
+              <a:rPr lang="de-DE" dirty="0" err="1"/>
+              <a:t>Repositorys</a:t>
+            </a:r>
+            <a:r>
+              <a:rPr lang="de-DE" dirty="0"/>
+              <a:t> (Daten gelöschter und zurückgenommener Aktionen und </a:t>
+            </a:r>
+            <a:r>
+              <a:rPr lang="de-DE" dirty="0" err="1"/>
+              <a:t>Branches</a:t>
+            </a:r>
+            <a:r>
+              <a:rPr lang="de-DE" dirty="0"/>
+              <a:t> bleiben bis zur expliziten Löschung vorhanden)</a:t>
+            </a:r>
+          </a:p>
+          <a:p>
+            <a:pPr lvl="2"/>
+            <a:endParaRPr lang="de-DE" dirty="0"/>
+          </a:p>
+          <a:p>
+            <a:pPr lvl="2"/>
+            <a:endParaRPr lang="de-DE" dirty="0"/>
+          </a:p>
+          <a:p>
+            <a:pPr lvl="1"/>
+            <a:endParaRPr lang="de-DE" dirty="0"/>
+          </a:p>
+          <a:p>
+            <a:pPr lvl="2"/>
+            <a:endParaRPr lang="de-DE" dirty="0"/>
+          </a:p>
+          <a:p>
+            <a:pPr lvl="2"/>
+            <a:endParaRPr lang="de-DE" dirty="0"/>
+          </a:p>
+          <a:p>
+            <a:pPr lvl="1"/>
+            <a:endParaRPr lang="de-DE" dirty="0"/>
+          </a:p>
+          <a:p>
+            <a:pPr lvl="2"/>
+            <a:endParaRPr lang="de-DE" dirty="0"/>
+          </a:p>
+          <a:p>
+            <a:pPr lvl="2"/>
+            <a:endParaRPr lang="de-DE" dirty="0"/>
+          </a:p>
+          <a:p>
+            <a:pPr lvl="2"/>
+            <a:endParaRPr lang="de-DE" dirty="0"/>
+          </a:p>
+        </p:txBody>
+      </p:sp>
+      <p:sp>
+        <p:nvSpPr>
+          <p:cNvPr id="4" name="Foliennummernplatzhalter 3"/>
+          <p:cNvSpPr>
+            <a:spLocks noGrp="1"/>
+          </p:cNvSpPr>
+          <p:nvPr>
+            <p:ph type="sldNum" sz="quarter" idx="12"/>
+          </p:nvPr>
+        </p:nvSpPr>
+        <p:spPr/>
+        <p:txBody>
+          <a:bodyPr/>
+          <a:lstStyle/>
+          <a:p>
+            <a:fld id="{750AB064-513B-4E5C-9ADF-210709BEB955}" type="slidenum">
+              <a:rPr lang="en-US" smtClean="0"/>
+              <a:t>19</a:t>
+            </a:fld>
+            <a:endParaRPr lang="en-US"/>
+          </a:p>
+        </p:txBody>
+      </p:sp>
+    </p:spTree>
+    <p:extLst>
+      <p:ext uri="{BB962C8B-B14F-4D97-AF65-F5344CB8AC3E}">
+        <p14:creationId xmlns:p14="http://schemas.microsoft.com/office/powerpoint/2010/main" val="1221602424"/>
+      </p:ext>
+    </p:extLst>
+  </p:cSld>
+  <p:clrMapOvr>
+    <a:masterClrMapping/>
+  </p:clrMapOvr>
+  <p:timing>
+    <p:tnLst>
+      <p:par>
+        <p:cTn id="1" dur="indefinite" restart="never" nodeType="tmRoot">
+          <p:childTnLst>
+            <p:seq concurrent="1" nextAc="seek">
+              <p:cTn id="2" dur="indefinite" nodeType="mainSeq">
+                <p:childTnLst>
+                  <p:par>
+                    <p:cTn id="3" fill="hold">
+                      <p:stCondLst>
+                        <p:cond delay="indefinite"/>
+                      </p:stCondLst>
+                      <p:childTnLst>
+                        <p:par>
+                          <p:cTn id="4" fill="hold">
+                            <p:stCondLst>
+                              <p:cond delay="0"/>
+                            </p:stCondLst>
+                            <p:childTnLst>
+                              <p:par>
+                                <p:cTn id="5" presetID="10" presetClass="entr" presetSubtype="0" fill="hold" nodeType="clickEffect">
+                                  <p:stCondLst>
+                                    <p:cond delay="0"/>
+                                  </p:stCondLst>
+                                  <p:childTnLst>
+                                    <p:set>
+                                      <p:cBhvr>
+                                        <p:cTn id="6" dur="1" fill="hold">
+                                          <p:stCondLst>
+                                            <p:cond delay="0"/>
+                                          </p:stCondLst>
+                                        </p:cTn>
+                                        <p:tgtEl>
+                                          <p:spTgt spid="3">
+                                            <p:txEl>
+                                              <p:pRg st="0" end="0"/>
+                                            </p:txEl>
+                                          </p:spTgt>
+                                        </p:tgtEl>
+                                        <p:attrNameLst>
+                                          <p:attrName>style.visibility</p:attrName>
+                                        </p:attrNameLst>
+                                      </p:cBhvr>
+                                      <p:to>
+                                        <p:strVal val="visible"/>
+                                      </p:to>
+                                    </p:set>
+                                    <p:animEffect transition="in" filter="fade">
+                                      <p:cBhvr>
+                                        <p:cTn id="7" dur="500"/>
+                                        <p:tgtEl>
+                                          <p:spTgt spid="3">
+                                            <p:txEl>
+                                              <p:pRg st="0" end="0"/>
+                                            </p:txEl>
+                                          </p:spTgt>
+                                        </p:tgtEl>
+                                      </p:cBhvr>
+                                    </p:animEffect>
+                                  </p:childTnLst>
+                                </p:cTn>
+                              </p:par>
+                            </p:childTnLst>
+                          </p:cTn>
+                        </p:par>
+                      </p:childTnLst>
+                    </p:cTn>
+                  </p:par>
+                  <p:par>
+                    <p:cTn id="8" fill="hold">
+                      <p:stCondLst>
+                        <p:cond delay="indefinite"/>
+                      </p:stCondLst>
+                      <p:childTnLst>
+                        <p:par>
+                          <p:cTn id="9" fill="hold">
+                            <p:stCondLst>
+                              <p:cond delay="0"/>
+                            </p:stCondLst>
+                            <p:childTnLst>
+                              <p:par>
+                                <p:cTn id="10" presetID="10" presetClass="entr" presetSubtype="0" fill="hold" nodeType="clickEffect">
+                                  <p:stCondLst>
+                                    <p:cond delay="0"/>
+                                  </p:stCondLst>
+                                  <p:childTnLst>
+                                    <p:set>
+                                      <p:cBhvr>
+                                        <p:cTn id="11" dur="1" fill="hold">
+                                          <p:stCondLst>
+                                            <p:cond delay="0"/>
+                                          </p:stCondLst>
+                                        </p:cTn>
+                                        <p:tgtEl>
+                                          <p:spTgt spid="3">
+                                            <p:txEl>
+                                              <p:pRg st="1" end="1"/>
+                                            </p:txEl>
+                                          </p:spTgt>
+                                        </p:tgtEl>
+                                        <p:attrNameLst>
+                                          <p:attrName>style.visibility</p:attrName>
+                                        </p:attrNameLst>
+                                      </p:cBhvr>
+                                      <p:to>
+                                        <p:strVal val="visible"/>
+                                      </p:to>
+                                    </p:set>
+                                    <p:animEffect transition="in" filter="fade">
+                                      <p:cBhvr>
+                                        <p:cTn id="12" dur="500"/>
+                                        <p:tgtEl>
+                                          <p:spTgt spid="3">
+                                            <p:txEl>
+                                              <p:pRg st="1" end="1"/>
+                                            </p:txEl>
+                                          </p:spTgt>
+                                        </p:tgtEl>
+                                      </p:cBhvr>
+                                    </p:animEffect>
+                                  </p:childTnLst>
+                                </p:cTn>
+                              </p:par>
+                            </p:childTnLst>
+                          </p:cTn>
+                        </p:par>
+                      </p:childTnLst>
+                    </p:cTn>
+                  </p:par>
+                  <p:par>
+                    <p:cTn id="13" fill="hold">
+                      <p:stCondLst>
+                        <p:cond delay="indefinite"/>
+                      </p:stCondLst>
+                      <p:childTnLst>
+                        <p:par>
+                          <p:cTn id="14" fill="hold">
+                            <p:stCondLst>
+                              <p:cond delay="0"/>
+                            </p:stCondLst>
+                            <p:childTnLst>
+                              <p:par>
+                                <p:cTn id="15" presetID="10" presetClass="entr" presetSubtype="0" fill="hold" nodeType="clickEffect">
+                                  <p:stCondLst>
+                                    <p:cond delay="0"/>
+                                  </p:stCondLst>
+                                  <p:childTnLst>
+                                    <p:set>
+                                      <p:cBhvr>
+                                        <p:cTn id="16" dur="1" fill="hold">
+                                          <p:stCondLst>
+                                            <p:cond delay="0"/>
+                                          </p:stCondLst>
+                                        </p:cTn>
+                                        <p:tgtEl>
+                                          <p:spTgt spid="3">
+                                            <p:txEl>
+                                              <p:pRg st="2" end="2"/>
+                                            </p:txEl>
+                                          </p:spTgt>
+                                        </p:tgtEl>
+                                        <p:attrNameLst>
+                                          <p:attrName>style.visibility</p:attrName>
+                                        </p:attrNameLst>
+                                      </p:cBhvr>
+                                      <p:to>
+                                        <p:strVal val="visible"/>
+                                      </p:to>
+                                    </p:set>
+                                    <p:animEffect transition="in" filter="fade">
+                                      <p:cBhvr>
+                                        <p:cTn id="17" dur="500"/>
+                                        <p:tgtEl>
+                                          <p:spTgt spid="3">
+                                            <p:txEl>
+                                              <p:pRg st="2" end="2"/>
+                                            </p:txEl>
+                                          </p:spTgt>
+                                        </p:tgtEl>
+                                      </p:cBhvr>
+                                    </p:animEffect>
+                                  </p:childTnLst>
+                                </p:cTn>
+                              </p:par>
+                            </p:childTnLst>
+                          </p:cTn>
+                        </p:par>
+                      </p:childTnLst>
+                    </p:cTn>
+                  </p:par>
+                  <p:par>
+                    <p:cTn id="18" fill="hold">
+                      <p:stCondLst>
+                        <p:cond delay="indefinite"/>
+                      </p:stCondLst>
+                      <p:childTnLst>
+                        <p:par>
+                          <p:cTn id="19" fill="hold">
+                            <p:stCondLst>
+                              <p:cond delay="0"/>
+                            </p:stCondLst>
+                            <p:childTnLst>
+                              <p:par>
+                                <p:cTn id="20" presetID="10" presetClass="entr" presetSubtype="0" fill="hold" nodeType="clickEffect">
+                                  <p:stCondLst>
+                                    <p:cond delay="0"/>
+                                  </p:stCondLst>
+                                  <p:childTnLst>
+                                    <p:set>
+                                      <p:cBhvr>
+                                        <p:cTn id="21" dur="1" fill="hold">
+                                          <p:stCondLst>
+                                            <p:cond delay="0"/>
+                                          </p:stCondLst>
+                                        </p:cTn>
+                                        <p:tgtEl>
+                                          <p:spTgt spid="3">
+                                            <p:txEl>
+                                              <p:pRg st="3" end="3"/>
+                                            </p:txEl>
+                                          </p:spTgt>
+                                        </p:tgtEl>
+                                        <p:attrNameLst>
+                                          <p:attrName>style.visibility</p:attrName>
+                                        </p:attrNameLst>
+                                      </p:cBhvr>
+                                      <p:to>
+                                        <p:strVal val="visible"/>
+                                      </p:to>
+                                    </p:set>
+                                    <p:animEffect transition="in" filter="fade">
+                                      <p:cBhvr>
+                                        <p:cTn id="22" dur="500"/>
+                                        <p:tgtEl>
+                                          <p:spTgt spid="3">
+                                            <p:txEl>
+                                              <p:pRg st="3" end="3"/>
+                                            </p:txEl>
+                                          </p:spTgt>
+                                        </p:tgtEl>
+                                      </p:cBhvr>
+                                    </p:animEffect>
+                                  </p:childTnLst>
+                                </p:cTn>
+                              </p:par>
+                            </p:childTnLst>
+                          </p:cTn>
+                        </p:par>
+                      </p:childTnLst>
+                    </p:cTn>
+                  </p:par>
+                  <p:par>
+                    <p:cTn id="23" fill="hold">
+                      <p:stCondLst>
+                        <p:cond delay="indefinite"/>
+                      </p:stCondLst>
+                      <p:childTnLst>
+                        <p:par>
+                          <p:cTn id="24" fill="hold">
+                            <p:stCondLst>
+                              <p:cond delay="0"/>
+                            </p:stCondLst>
+                            <p:childTnLst>
+                              <p:par>
+                                <p:cTn id="25" presetID="10" presetClass="entr" presetSubtype="0" fill="hold" nodeType="clickEffect">
+                                  <p:stCondLst>
+                                    <p:cond delay="0"/>
+                                  </p:stCondLst>
+                                  <p:childTnLst>
+                                    <p:set>
+                                      <p:cBhvr>
+                                        <p:cTn id="26" dur="1" fill="hold">
+                                          <p:stCondLst>
+                                            <p:cond delay="0"/>
+                                          </p:stCondLst>
+                                        </p:cTn>
+                                        <p:tgtEl>
+                                          <p:spTgt spid="3">
+                                            <p:txEl>
+                                              <p:pRg st="4" end="4"/>
+                                            </p:txEl>
+                                          </p:spTgt>
+                                        </p:tgtEl>
+                                        <p:attrNameLst>
+                                          <p:attrName>style.visibility</p:attrName>
+                                        </p:attrNameLst>
+                                      </p:cBhvr>
+                                      <p:to>
+                                        <p:strVal val="visible"/>
+                                      </p:to>
+                                    </p:set>
+                                    <p:animEffect transition="in" filter="fade">
+                                      <p:cBhvr>
+                                        <p:cTn id="27" dur="500"/>
+                                        <p:tgtEl>
+                                          <p:spTgt spid="3">
+                                            <p:txEl>
+                                              <p:pRg st="4" end="4"/>
+                                            </p:txEl>
+                                          </p:spTgt>
+                                        </p:tgtEl>
+                                      </p:cBhvr>
+                                    </p:animEffect>
+                                  </p:childTnLst>
+                                </p:cTn>
+                              </p:par>
+                            </p:childTnLst>
+                          </p:cTn>
+                        </p:par>
+                      </p:childTnLst>
+                    </p:cTn>
+                  </p:par>
+                  <p:par>
+                    <p:cTn id="28" fill="hold">
+                      <p:stCondLst>
+                        <p:cond delay="indefinite"/>
+                      </p:stCondLst>
+                      <p:childTnLst>
+                        <p:par>
+                          <p:cTn id="29" fill="hold">
+                            <p:stCondLst>
+                              <p:cond delay="0"/>
+                            </p:stCondLst>
+                            <p:childTnLst>
+                              <p:par>
+                                <p:cTn id="30" presetID="10" presetClass="entr" presetSubtype="0" fill="hold" nodeType="clickEffect">
+                                  <p:stCondLst>
+                                    <p:cond delay="0"/>
+                                  </p:stCondLst>
+                                  <p:childTnLst>
+                                    <p:set>
+                                      <p:cBhvr>
+                                        <p:cTn id="31" dur="1" fill="hold">
+                                          <p:stCondLst>
+                                            <p:cond delay="0"/>
+                                          </p:stCondLst>
+                                        </p:cTn>
+                                        <p:tgtEl>
+                                          <p:spTgt spid="3">
+                                            <p:txEl>
+                                              <p:pRg st="5" end="5"/>
+                                            </p:txEl>
+                                          </p:spTgt>
+                                        </p:tgtEl>
+                                        <p:attrNameLst>
+                                          <p:attrName>style.visibility</p:attrName>
+                                        </p:attrNameLst>
+                                      </p:cBhvr>
+                                      <p:to>
+                                        <p:strVal val="visible"/>
+                                      </p:to>
+                                    </p:set>
+                                    <p:animEffect transition="in" filter="fade">
+                                      <p:cBhvr>
+                                        <p:cTn id="32" dur="500"/>
+                                        <p:tgtEl>
+                                          <p:spTgt spid="3">
+                                            <p:txEl>
+                                              <p:pRg st="5" end="5"/>
+                                            </p:txEl>
+                                          </p:spTgt>
+                                        </p:tgtEl>
+                                      </p:cBhvr>
+                                    </p:animEffect>
+                                  </p:childTnLst>
+                                </p:cTn>
+                              </p:par>
+                            </p:childTnLst>
+                          </p:cTn>
+                        </p:par>
+                      </p:childTnLst>
+                    </p:cTn>
+                  </p:par>
+                  <p:par>
+                    <p:cTn id="33" fill="hold">
+                      <p:stCondLst>
+                        <p:cond delay="indefinite"/>
+                      </p:stCondLst>
+                      <p:childTnLst>
+                        <p:par>
+                          <p:cTn id="34" fill="hold">
+                            <p:stCondLst>
+                              <p:cond delay="0"/>
+                            </p:stCondLst>
+                            <p:childTnLst>
+                              <p:par>
+                                <p:cTn id="35" presetID="10" presetClass="entr" presetSubtype="0" fill="hold" nodeType="clickEffect">
+                                  <p:stCondLst>
+                                    <p:cond delay="0"/>
+                                  </p:stCondLst>
+                                  <p:childTnLst>
+                                    <p:set>
+                                      <p:cBhvr>
+                                        <p:cTn id="36" dur="1" fill="hold">
+                                          <p:stCondLst>
+                                            <p:cond delay="0"/>
+                                          </p:stCondLst>
+                                        </p:cTn>
+                                        <p:tgtEl>
+                                          <p:spTgt spid="3">
+                                            <p:txEl>
+                                              <p:pRg st="6" end="6"/>
+                                            </p:txEl>
+                                          </p:spTgt>
+                                        </p:tgtEl>
+                                        <p:attrNameLst>
+                                          <p:attrName>style.visibility</p:attrName>
+                                        </p:attrNameLst>
+                                      </p:cBhvr>
+                                      <p:to>
+                                        <p:strVal val="visible"/>
+                                      </p:to>
+                                    </p:set>
+                                    <p:animEffect transition="in" filter="fade">
+                                      <p:cBhvr>
+                                        <p:cTn id="37" dur="500"/>
+                                        <p:tgtEl>
+                                          <p:spTgt spid="3">
+                                            <p:txEl>
+                                              <p:pRg st="6" end="6"/>
+                                            </p:txEl>
+                                          </p:spTgt>
+                                        </p:tgtEl>
+                                      </p:cBhvr>
+                                    </p:animEffect>
+                                  </p:childTnLst>
+                                </p:cTn>
+                              </p:par>
+                            </p:childTnLst>
+                          </p:cTn>
+                        </p:par>
+                      </p:childTnLst>
+                    </p:cTn>
+                  </p:par>
+                </p:childTnLst>
+              </p:cTn>
+              <p:prevCondLst>
+                <p:cond evt="onPrev" delay="0">
+                  <p:tgtEl>
+                    <p:sldTgt/>
+                  </p:tgtEl>
+                </p:cond>
+              </p:prevCondLst>
+              <p:nextCondLst>
+                <p:cond evt="onNext" delay="0">
+                  <p:tgtEl>
+                    <p:sldTgt/>
+                  </p:tgtEl>
+                </p:cond>
+              </p:nextCondLst>
+            </p:seq>
+          </p:childTnLst>
+        </p:cTn>
+      </p:par>
+    </p:tnLst>
+  </p:timing>
+</p:sld>
+</file>
+
+<file path=ppt/slides/slide2.xml><?xml version="1.0" encoding="utf-8"?>
+<p:sld xmlns:a="http://schemas.openxmlformats.org/drawingml/2006/main" xmlns:r="http://schemas.openxmlformats.org/officeDocument/2006/relationships" xmlns:p="http://schemas.openxmlformats.org/presentationml/2006/main">
+  <p:cSld>
+    <p:spTree>
+      <p:nvGrpSpPr>
+        <p:cNvPr id="1" name=""/>
+        <p:cNvGrpSpPr/>
+        <p:nvPr/>
+      </p:nvGrpSpPr>
+      <p:grpSpPr>
+        <a:xfrm>
+          <a:off x="0" y="0"/>
+          <a:ext cx="0" cy="0"/>
+          <a:chOff x="0" y="0"/>
+          <a:chExt cx="0" cy="0"/>
+        </a:xfrm>
+      </p:grpSpPr>
+      <p:sp>
+        <p:nvSpPr>
+          <p:cNvPr id="3" name="Title 2"/>
+          <p:cNvSpPr>
+            <a:spLocks noGrp="1"/>
+          </p:cNvSpPr>
+          <p:nvPr>
+            <p:ph type="title"/>
+          </p:nvPr>
+        </p:nvSpPr>
+        <p:spPr/>
+        <p:txBody>
+          <a:bodyPr/>
+          <a:lstStyle/>
+          <a:p>
+            <a:r>
+              <a:rPr lang="de-DE" dirty="0"/>
+              <a:t>Agenda</a:t>
+            </a:r>
+            <a:endParaRPr lang="en-US" dirty="0"/>
+          </a:p>
+        </p:txBody>
+      </p:sp>
+      <p:sp>
+        <p:nvSpPr>
+          <p:cNvPr id="2" name="Content Placeholder 1"/>
+          <p:cNvSpPr>
+            <a:spLocks noGrp="1"/>
+          </p:cNvSpPr>
+          <p:nvPr>
+            <p:ph idx="1"/>
+          </p:nvPr>
+        </p:nvSpPr>
+        <p:spPr>
+          <a:xfrm>
+            <a:off x="457200" y="1935480"/>
+            <a:ext cx="8229600" cy="4661872"/>
+          </a:xfrm>
+        </p:spPr>
+        <p:txBody>
+          <a:bodyPr>
+            <a:normAutofit/>
+          </a:bodyPr>
+          <a:lstStyle/>
+          <a:p>
+            <a:r>
+              <a:rPr lang="de-DE" dirty="0"/>
+              <a:t>Versionsverwaltung</a:t>
+            </a:r>
+          </a:p>
+          <a:p>
+            <a:r>
+              <a:rPr lang="de-DE" dirty="0" err="1"/>
+              <a:t>Continous</a:t>
+            </a:r>
+            <a:r>
+              <a:rPr lang="de-DE" dirty="0"/>
+              <a:t> Integration</a:t>
+            </a:r>
+          </a:p>
+          <a:p>
+            <a:r>
+              <a:rPr lang="de-DE" dirty="0" err="1"/>
+              <a:t>Git</a:t>
+            </a:r>
+            <a:r>
+              <a:rPr lang="de-DE" dirty="0"/>
+              <a:t> und </a:t>
+            </a:r>
+            <a:r>
+              <a:rPr lang="de-DE" dirty="0" err="1"/>
+              <a:t>Github</a:t>
+            </a:r>
+            <a:endParaRPr lang="de-DE" dirty="0"/>
+          </a:p>
+          <a:p>
+            <a:r>
+              <a:rPr lang="en-US" dirty="0"/>
+              <a:t>Workflows / Branch Management</a:t>
+            </a:r>
+            <a:endParaRPr lang="de-DE" dirty="0"/>
+          </a:p>
+          <a:p>
+            <a:r>
+              <a:rPr lang="de-DE" dirty="0"/>
+              <a:t>Travis CI</a:t>
+            </a:r>
+          </a:p>
+          <a:p>
+            <a:endParaRPr lang="de-DE" dirty="0"/>
+          </a:p>
+        </p:txBody>
+      </p:sp>
+      <p:sp>
+        <p:nvSpPr>
+          <p:cNvPr id="4" name="Foliennummernplatzhalter 3"/>
+          <p:cNvSpPr>
+            <a:spLocks noGrp="1"/>
+          </p:cNvSpPr>
+          <p:nvPr>
+            <p:ph type="sldNum" sz="quarter" idx="12"/>
+          </p:nvPr>
+        </p:nvSpPr>
+        <p:spPr/>
+        <p:txBody>
+          <a:bodyPr/>
+          <a:lstStyle/>
+          <a:p>
+            <a:fld id="{750AB064-513B-4E5C-9ADF-210709BEB955}" type="slidenum">
+              <a:rPr lang="en-US" smtClean="0"/>
+              <a:t>2</a:t>
+            </a:fld>
+            <a:endParaRPr lang="en-US"/>
+          </a:p>
+        </p:txBody>
+      </p:sp>
+    </p:spTree>
+    <p:extLst>
+      <p:ext uri="{BB962C8B-B14F-4D97-AF65-F5344CB8AC3E}">
+        <p14:creationId xmlns:p14="http://schemas.microsoft.com/office/powerpoint/2010/main" val="3126967693"/>
+      </p:ext>
+    </p:extLst>
+  </p:cSld>
+  <p:clrMapOvr>
+    <a:masterClrMapping/>
+  </p:clrMapOvr>
+  <p:timing>
+    <p:tnLst>
+      <p:par>
+        <p:cTn id="1" dur="indefinite" restart="never" nodeType="tmRoot">
+          <p:childTnLst>
+            <p:seq concurrent="1" nextAc="seek">
+              <p:cTn id="2" dur="indefinite" nodeType="mainSeq">
+                <p:childTnLst>
+                  <p:par>
+                    <p:cTn id="3" fill="hold">
+                      <p:stCondLst>
+                        <p:cond delay="indefinite"/>
+                      </p:stCondLst>
+                      <p:childTnLst>
+                        <p:par>
+                          <p:cTn id="4" fill="hold">
+                            <p:stCondLst>
+                              <p:cond delay="0"/>
+                            </p:stCondLst>
+                            <p:childTnLst>
+                              <p:par>
+                                <p:cTn id="5" presetID="10" presetClass="entr" presetSubtype="0" fill="hold" nodeType="clickEffect">
+                                  <p:stCondLst>
+                                    <p:cond delay="0"/>
+                                  </p:stCondLst>
+                                  <p:childTnLst>
+                                    <p:set>
+                                      <p:cBhvr>
+                                        <p:cTn id="6" dur="1" fill="hold">
+                                          <p:stCondLst>
+                                            <p:cond delay="0"/>
+                                          </p:stCondLst>
+                                        </p:cTn>
+                                        <p:tgtEl>
+                                          <p:spTgt spid="2">
+                                            <p:txEl>
+                                              <p:pRg st="1" end="1"/>
+                                            </p:txEl>
+                                          </p:spTgt>
+                                        </p:tgtEl>
+                                        <p:attrNameLst>
+                                          <p:attrName>style.visibility</p:attrName>
+                                        </p:attrNameLst>
+                                      </p:cBhvr>
+                                      <p:to>
+                                        <p:strVal val="visible"/>
+                                      </p:to>
+                                    </p:set>
+                                    <p:animEffect transition="in" filter="fade">
+                                      <p:cBhvr>
+                                        <p:cTn id="7" dur="500"/>
+                                        <p:tgtEl>
+                                          <p:spTgt spid="2">
+                                            <p:txEl>
+                                              <p:pRg st="1" end="1"/>
+                                            </p:txEl>
+                                          </p:spTgt>
+                                        </p:tgtEl>
+                                      </p:cBhvr>
+                                    </p:animEffect>
+                                  </p:childTnLst>
+                                </p:cTn>
+                              </p:par>
+                            </p:childTnLst>
+                          </p:cTn>
+                        </p:par>
+                      </p:childTnLst>
+                    </p:cTn>
+                  </p:par>
+                  <p:par>
+                    <p:cTn id="8" fill="hold">
+                      <p:stCondLst>
+                        <p:cond delay="indefinite"/>
+                      </p:stCondLst>
+                      <p:childTnLst>
+                        <p:par>
+                          <p:cTn id="9" fill="hold">
+                            <p:stCondLst>
+                              <p:cond delay="0"/>
+                            </p:stCondLst>
+                            <p:childTnLst>
+                              <p:par>
+                                <p:cTn id="10" presetID="10" presetClass="entr" presetSubtype="0" fill="hold" nodeType="clickEffect">
+                                  <p:stCondLst>
+                                    <p:cond delay="0"/>
+                                  </p:stCondLst>
+                                  <p:childTnLst>
+                                    <p:set>
+                                      <p:cBhvr>
+                                        <p:cTn id="11" dur="1" fill="hold">
+                                          <p:stCondLst>
+                                            <p:cond delay="0"/>
+                                          </p:stCondLst>
+                                        </p:cTn>
+                                        <p:tgtEl>
+                                          <p:spTgt spid="2">
+                                            <p:txEl>
+                                              <p:pRg st="0" end="0"/>
+                                            </p:txEl>
+                                          </p:spTgt>
+                                        </p:tgtEl>
+                                        <p:attrNameLst>
+                                          <p:attrName>style.visibility</p:attrName>
+                                        </p:attrNameLst>
+                                      </p:cBhvr>
+                                      <p:to>
+                                        <p:strVal val="visible"/>
+                                      </p:to>
+                                    </p:set>
+                                    <p:animEffect transition="in" filter="fade">
+                                      <p:cBhvr>
+                                        <p:cTn id="12" dur="500"/>
+                                        <p:tgtEl>
+                                          <p:spTgt spid="2">
+                                            <p:txEl>
+                                              <p:pRg st="0" end="0"/>
+                                            </p:txEl>
+                                          </p:spTgt>
+                                        </p:tgtEl>
+                                      </p:cBhvr>
+                                    </p:animEffect>
+                                  </p:childTnLst>
+                                </p:cTn>
+                              </p:par>
+                            </p:childTnLst>
+                          </p:cTn>
+                        </p:par>
+                      </p:childTnLst>
+                    </p:cTn>
+                  </p:par>
+                  <p:par>
+                    <p:cTn id="13" fill="hold">
+                      <p:stCondLst>
+                        <p:cond delay="indefinite"/>
+                      </p:stCondLst>
+                      <p:childTnLst>
+                        <p:par>
+                          <p:cTn id="14" fill="hold">
+                            <p:stCondLst>
+                              <p:cond delay="0"/>
+                            </p:stCondLst>
+                            <p:childTnLst>
+                              <p:par>
+                                <p:cTn id="15" presetID="10" presetClass="entr" presetSubtype="0" fill="hold" nodeType="clickEffect">
+                                  <p:stCondLst>
+                                    <p:cond delay="0"/>
+                                  </p:stCondLst>
+                                  <p:childTnLst>
+                                    <p:set>
+                                      <p:cBhvr>
+                                        <p:cTn id="16" dur="1" fill="hold">
+                                          <p:stCondLst>
+                                            <p:cond delay="0"/>
+                                          </p:stCondLst>
+                                        </p:cTn>
+                                        <p:tgtEl>
+                                          <p:spTgt spid="2">
+                                            <p:txEl>
+                                              <p:pRg st="2" end="2"/>
+                                            </p:txEl>
+                                          </p:spTgt>
+                                        </p:tgtEl>
+                                        <p:attrNameLst>
+                                          <p:attrName>style.visibility</p:attrName>
+                                        </p:attrNameLst>
+                                      </p:cBhvr>
+                                      <p:to>
+                                        <p:strVal val="visible"/>
+                                      </p:to>
+                                    </p:set>
+                                    <p:animEffect transition="in" filter="fade">
+                                      <p:cBhvr>
+                                        <p:cTn id="17" dur="500"/>
+                                        <p:tgtEl>
+                                          <p:spTgt spid="2">
+                                            <p:txEl>
+                                              <p:pRg st="2" end="2"/>
+                                            </p:txEl>
+                                          </p:spTgt>
+                                        </p:tgtEl>
+                                      </p:cBhvr>
+                                    </p:animEffect>
+                                  </p:childTnLst>
+                                </p:cTn>
+                              </p:par>
+                            </p:childTnLst>
+                          </p:cTn>
+                        </p:par>
+                      </p:childTnLst>
+                    </p:cTn>
+                  </p:par>
+                  <p:par>
+                    <p:cTn id="18" fill="hold">
+                      <p:stCondLst>
+                        <p:cond delay="indefinite"/>
+                      </p:stCondLst>
+                      <p:childTnLst>
+                        <p:par>
+                          <p:cTn id="19" fill="hold">
+                            <p:stCondLst>
+                              <p:cond delay="0"/>
+                            </p:stCondLst>
+                            <p:childTnLst>
+                              <p:par>
+                                <p:cTn id="20" presetID="10" presetClass="entr" presetSubtype="0" fill="hold" nodeType="clickEffect">
+                                  <p:stCondLst>
+                                    <p:cond delay="0"/>
+                                  </p:stCondLst>
+                                  <p:childTnLst>
+                                    <p:set>
+                                      <p:cBhvr>
+                                        <p:cTn id="21" dur="1" fill="hold">
+                                          <p:stCondLst>
+                                            <p:cond delay="0"/>
+                                          </p:stCondLst>
+                                        </p:cTn>
+                                        <p:tgtEl>
+                                          <p:spTgt spid="2">
+                                            <p:txEl>
+                                              <p:pRg st="3" end="3"/>
+                                            </p:txEl>
+                                          </p:spTgt>
+                                        </p:tgtEl>
+                                        <p:attrNameLst>
+                                          <p:attrName>style.visibility</p:attrName>
+                                        </p:attrNameLst>
+                                      </p:cBhvr>
+                                      <p:to>
+                                        <p:strVal val="visible"/>
+                                      </p:to>
+                                    </p:set>
+                                    <p:animEffect transition="in" filter="fade">
+                                      <p:cBhvr>
+                                        <p:cTn id="22" dur="500"/>
+                                        <p:tgtEl>
+                                          <p:spTgt spid="2">
+                                            <p:txEl>
+                                              <p:pRg st="3" end="3"/>
+                                            </p:txEl>
+                                          </p:spTgt>
+                                        </p:tgtEl>
+                                      </p:cBhvr>
+                                    </p:animEffect>
+                                  </p:childTnLst>
+                                </p:cTn>
+                              </p:par>
+                            </p:childTnLst>
+                          </p:cTn>
+                        </p:par>
+                      </p:childTnLst>
+                    </p:cTn>
+                  </p:par>
+                  <p:par>
+                    <p:cTn id="23" fill="hold">
+                      <p:stCondLst>
+                        <p:cond delay="indefinite"/>
+                      </p:stCondLst>
+                      <p:childTnLst>
+                        <p:par>
+                          <p:cTn id="24" fill="hold">
+                            <p:stCondLst>
+                              <p:cond delay="0"/>
+                            </p:stCondLst>
+                            <p:childTnLst>
+                              <p:par>
+                                <p:cTn id="25" presetID="10" presetClass="entr" presetSubtype="0" fill="hold" nodeType="clickEffect">
+                                  <p:stCondLst>
+                                    <p:cond delay="0"/>
+                                  </p:stCondLst>
+                                  <p:childTnLst>
+                                    <p:set>
+                                      <p:cBhvr>
+                                        <p:cTn id="26" dur="1" fill="hold">
+                                          <p:stCondLst>
+                                            <p:cond delay="0"/>
+                                          </p:stCondLst>
+                                        </p:cTn>
+                                        <p:tgtEl>
+                                          <p:spTgt spid="2">
+                                            <p:txEl>
+                                              <p:pRg st="4" end="4"/>
+                                            </p:txEl>
+                                          </p:spTgt>
+                                        </p:tgtEl>
+                                        <p:attrNameLst>
+                                          <p:attrName>style.visibility</p:attrName>
+                                        </p:attrNameLst>
+                                      </p:cBhvr>
+                                      <p:to>
+                                        <p:strVal val="visible"/>
+                                      </p:to>
+                                    </p:set>
+                                    <p:animEffect transition="in" filter="fade">
+                                      <p:cBhvr>
+                                        <p:cTn id="27" dur="500"/>
+                                        <p:tgtEl>
+                                          <p:spTgt spid="2">
+                                            <p:txEl>
+                                              <p:pRg st="4" end="4"/>
+                                            </p:txEl>
+                                          </p:spTgt>
+                                        </p:tgtEl>
+                                      </p:cBhvr>
+                                    </p:animEffect>
+                                  </p:childTnLst>
+                                </p:cTn>
+                              </p:par>
+                            </p:childTnLst>
+                          </p:cTn>
+                        </p:par>
+                      </p:childTnLst>
+                    </p:cTn>
+                  </p:par>
+                </p:childTnLst>
+              </p:cTn>
+              <p:prevCondLst>
+                <p:cond evt="onPrev" delay="0">
+                  <p:tgtEl>
+                    <p:sldTgt/>
+                  </p:tgtEl>
+                </p:cond>
+              </p:prevCondLst>
+              <p:nextCondLst>
+                <p:cond evt="onNext" delay="0">
+                  <p:tgtEl>
+                    <p:sldTgt/>
+                  </p:tgtEl>
+                </p:cond>
+              </p:nextCondLst>
+            </p:seq>
+          </p:childTnLst>
+        </p:cTn>
+      </p:par>
+    </p:tnLst>
+  </p:timing>
+</p:sld>
+</file>
+
+<file path=ppt/slides/slide20.xml><?xml version="1.0" encoding="utf-8"?>
+<p:sld xmlns:a="http://schemas.openxmlformats.org/drawingml/2006/main" xmlns:r="http://schemas.openxmlformats.org/officeDocument/2006/relationships" xmlns:p="http://schemas.openxmlformats.org/presentationml/2006/main">
+  <p:cSld>
+    <p:spTree>
+      <p:nvGrpSpPr>
+        <p:cNvPr id="1" name=""/>
+        <p:cNvGrpSpPr/>
+        <p:nvPr/>
+      </p:nvGrpSpPr>
+      <p:grpSpPr>
+        <a:xfrm>
+          <a:off x="0" y="0"/>
+          <a:ext cx="0" cy="0"/>
+          <a:chOff x="0" y="0"/>
+          <a:chExt cx="0" cy="0"/>
+        </a:xfrm>
+      </p:grpSpPr>
+      <p:sp>
+        <p:nvSpPr>
+          <p:cNvPr id="2" name="Title 1"/>
+          <p:cNvSpPr>
+            <a:spLocks noGrp="1"/>
+          </p:cNvSpPr>
+          <p:nvPr>
+            <p:ph type="title"/>
+          </p:nvPr>
+        </p:nvSpPr>
+        <p:spPr/>
+        <p:txBody>
+          <a:bodyPr>
+            <a:normAutofit/>
+          </a:bodyPr>
+          <a:lstStyle/>
+          <a:p>
+            <a:r>
+              <a:rPr lang="en-US" dirty="0" err="1"/>
+              <a:t>Git</a:t>
+            </a:r>
+            <a:r>
+              <a:rPr lang="en-US" dirty="0"/>
+              <a:t> - </a:t>
+            </a:r>
+            <a:r>
+              <a:rPr lang="en-US" dirty="0" err="1"/>
+              <a:t>Besonderheiten</a:t>
+            </a:r>
+            <a:endParaRPr lang="en-US" dirty="0"/>
+          </a:p>
+        </p:txBody>
+      </p:sp>
+      <p:sp>
+        <p:nvSpPr>
+          <p:cNvPr id="3" name="Content Placeholder 2"/>
+          <p:cNvSpPr>
+            <a:spLocks noGrp="1"/>
+          </p:cNvSpPr>
+          <p:nvPr>
+            <p:ph idx="1"/>
+          </p:nvPr>
+        </p:nvSpPr>
+        <p:spPr/>
+        <p:txBody>
+          <a:bodyPr>
+            <a:normAutofit/>
+          </a:bodyPr>
+          <a:lstStyle/>
+          <a:p>
+            <a:pPr lvl="2"/>
+            <a:r>
+              <a:rPr lang="de-DE" dirty="0"/>
+              <a:t>Interoperabilität (Hilfsprogramme für Interoperabilität zu anderen SCMs)</a:t>
+            </a:r>
+          </a:p>
+          <a:p>
+            <a:pPr lvl="2"/>
+            <a:r>
+              <a:rPr lang="de-DE" dirty="0"/>
+              <a:t>Web-Interface (</a:t>
+            </a:r>
+            <a:r>
+              <a:rPr lang="de-DE" dirty="0" err="1"/>
+              <a:t>Gitweb</a:t>
+            </a:r>
+            <a:r>
+              <a:rPr lang="de-DE" dirty="0"/>
+              <a:t>)</a:t>
+            </a:r>
+          </a:p>
+          <a:p>
+            <a:pPr lvl="2"/>
+            <a:r>
+              <a:rPr lang="de-DE" dirty="0" err="1"/>
+              <a:t>Staging</a:t>
+            </a:r>
+            <a:r>
+              <a:rPr lang="de-DE" dirty="0"/>
+              <a:t> Bereich (auch genannt Stage oder Index)</a:t>
+            </a:r>
+          </a:p>
+          <a:p>
+            <a:pPr lvl="3"/>
+            <a:r>
+              <a:rPr lang="de-DE" dirty="0"/>
+              <a:t>Zwischenbereich, indem Dateien gesammelt werden</a:t>
+            </a:r>
+          </a:p>
+          <a:p>
+            <a:pPr lvl="3"/>
+            <a:r>
+              <a:rPr lang="de-DE" dirty="0"/>
+              <a:t>Nicht alle Dateien aus dem </a:t>
+            </a:r>
+            <a:r>
+              <a:rPr lang="de-DE" dirty="0" err="1"/>
+              <a:t>Staging</a:t>
+            </a:r>
+            <a:r>
+              <a:rPr lang="de-DE" dirty="0"/>
+              <a:t> müssen </a:t>
+            </a:r>
+            <a:r>
+              <a:rPr lang="de-DE" dirty="0" err="1"/>
+              <a:t>commited</a:t>
+            </a:r>
+            <a:r>
+              <a:rPr lang="de-DE" dirty="0"/>
+              <a:t> werden</a:t>
+            </a:r>
+          </a:p>
+          <a:p>
+            <a:pPr lvl="2"/>
+            <a:endParaRPr lang="de-DE" dirty="0"/>
+          </a:p>
+          <a:p>
+            <a:pPr lvl="2"/>
+            <a:endParaRPr lang="de-DE" dirty="0"/>
+          </a:p>
+          <a:p>
+            <a:pPr lvl="1"/>
+            <a:endParaRPr lang="de-DE" dirty="0"/>
+          </a:p>
+          <a:p>
+            <a:pPr lvl="2"/>
+            <a:endParaRPr lang="de-DE" dirty="0"/>
+          </a:p>
+          <a:p>
+            <a:pPr lvl="2"/>
+            <a:endParaRPr lang="de-DE" dirty="0"/>
+          </a:p>
+          <a:p>
+            <a:pPr lvl="1"/>
+            <a:endParaRPr lang="de-DE" dirty="0"/>
+          </a:p>
+          <a:p>
+            <a:pPr lvl="2"/>
+            <a:endParaRPr lang="de-DE" dirty="0"/>
+          </a:p>
+          <a:p>
+            <a:pPr lvl="2"/>
+            <a:endParaRPr lang="de-DE" dirty="0"/>
+          </a:p>
+          <a:p>
+            <a:pPr lvl="2"/>
+            <a:endParaRPr lang="de-DE" dirty="0"/>
+          </a:p>
+        </p:txBody>
+      </p:sp>
+      <p:sp>
+        <p:nvSpPr>
+          <p:cNvPr id="4" name="Foliennummernplatzhalter 3"/>
+          <p:cNvSpPr>
+            <a:spLocks noGrp="1"/>
+          </p:cNvSpPr>
+          <p:nvPr>
+            <p:ph type="sldNum" sz="quarter" idx="12"/>
+          </p:nvPr>
+        </p:nvSpPr>
+        <p:spPr/>
+        <p:txBody>
+          <a:bodyPr/>
+          <a:lstStyle/>
+          <a:p>
+            <a:fld id="{750AB064-513B-4E5C-9ADF-210709BEB955}" type="slidenum">
+              <a:rPr lang="en-US" smtClean="0"/>
+              <a:t>20</a:t>
+            </a:fld>
+            <a:endParaRPr lang="en-US"/>
+          </a:p>
+        </p:txBody>
+      </p:sp>
+      <p:pic>
+        <p:nvPicPr>
+          <p:cNvPr id="5" name="Grafik 4"/>
+          <p:cNvPicPr>
+            <a:picLocks noChangeAspect="1"/>
+          </p:cNvPicPr>
+          <p:nvPr/>
+        </p:nvPicPr>
+        <p:blipFill>
+          <a:blip r:embed="rId2"/>
+          <a:stretch>
+            <a:fillRect/>
+          </a:stretch>
+        </p:blipFill>
+        <p:spPr>
+          <a:xfrm>
+            <a:off x="1835696" y="4287805"/>
+            <a:ext cx="4187058" cy="2251107"/>
+          </a:xfrm>
+          <a:prstGeom prst="rect">
+            <a:avLst/>
+          </a:prstGeom>
+        </p:spPr>
+      </p:pic>
+      <p:sp>
+        <p:nvSpPr>
+          <p:cNvPr id="6" name="Rechteck 5"/>
+          <p:cNvSpPr/>
+          <p:nvPr/>
+        </p:nvSpPr>
+        <p:spPr>
+          <a:xfrm>
+            <a:off x="5980584" y="5931427"/>
+            <a:ext cx="1944216" cy="600164"/>
+          </a:xfrm>
+          <a:prstGeom prst="rect">
+            <a:avLst/>
+          </a:prstGeom>
+        </p:spPr>
+        <p:txBody>
+          <a:bodyPr wrap="square">
+            <a:spAutoFit/>
+          </a:bodyPr>
+          <a:lstStyle/>
+          <a:p>
+            <a:r>
+              <a:rPr lang="de-DE" sz="1100" dirty="0"/>
+              <a:t>Quelle: https://git-scm.com/book/en/v2/Getting-Started-Git-Basics</a:t>
+            </a:r>
+          </a:p>
+        </p:txBody>
+      </p:sp>
+    </p:spTree>
+    <p:extLst>
+      <p:ext uri="{BB962C8B-B14F-4D97-AF65-F5344CB8AC3E}">
+        <p14:creationId xmlns:p14="http://schemas.microsoft.com/office/powerpoint/2010/main" val="370042495"/>
+      </p:ext>
+    </p:extLst>
+  </p:cSld>
+  <p:clrMapOvr>
+    <a:masterClrMapping/>
+  </p:clrMapOvr>
+  <p:timing>
+    <p:tnLst>
+      <p:par>
+        <p:cTn id="1" dur="indefinite" restart="never" nodeType="tmRoot">
+          <p:childTnLst>
+            <p:seq concurrent="1" nextAc="seek">
+              <p:cTn id="2" dur="indefinite" nodeType="mainSeq">
+                <p:childTnLst>
+                  <p:par>
+                    <p:cTn id="3" fill="hold">
+                      <p:stCondLst>
+                        <p:cond delay="indefinite"/>
+                      </p:stCondLst>
+                      <p:childTnLst>
+                        <p:par>
+                          <p:cTn id="4" fill="hold">
+                            <p:stCondLst>
+                              <p:cond delay="0"/>
+                            </p:stCondLst>
+                            <p:childTnLst>
+                              <p:par>
+                                <p:cTn id="5" presetID="10" presetClass="entr" presetSubtype="0" fill="hold" nodeType="clickEffect">
+                                  <p:stCondLst>
+                                    <p:cond delay="0"/>
+                                  </p:stCondLst>
+                                  <p:childTnLst>
+                                    <p:set>
+                                      <p:cBhvr>
+                                        <p:cTn id="6" dur="1" fill="hold">
+                                          <p:stCondLst>
+                                            <p:cond delay="0"/>
+                                          </p:stCondLst>
+                                        </p:cTn>
+                                        <p:tgtEl>
+                                          <p:spTgt spid="3">
+                                            <p:txEl>
+                                              <p:pRg st="0" end="0"/>
+                                            </p:txEl>
+                                          </p:spTgt>
+                                        </p:tgtEl>
+                                        <p:attrNameLst>
+                                          <p:attrName>style.visibility</p:attrName>
+                                        </p:attrNameLst>
+                                      </p:cBhvr>
+                                      <p:to>
+                                        <p:strVal val="visible"/>
+                                      </p:to>
+                                    </p:set>
+                                    <p:animEffect transition="in" filter="fade">
+                                      <p:cBhvr>
+                                        <p:cTn id="7" dur="500"/>
+                                        <p:tgtEl>
+                                          <p:spTgt spid="3">
+                                            <p:txEl>
+                                              <p:pRg st="0" end="0"/>
+                                            </p:txEl>
+                                          </p:spTgt>
+                                        </p:tgtEl>
+                                      </p:cBhvr>
+                                    </p:animEffect>
+                                  </p:childTnLst>
+                                </p:cTn>
+                              </p:par>
+                            </p:childTnLst>
+                          </p:cTn>
+                        </p:par>
+                      </p:childTnLst>
+                    </p:cTn>
+                  </p:par>
+                  <p:par>
+                    <p:cTn id="8" fill="hold">
+                      <p:stCondLst>
+                        <p:cond delay="indefinite"/>
+                      </p:stCondLst>
+                      <p:childTnLst>
+                        <p:par>
+                          <p:cTn id="9" fill="hold">
+                            <p:stCondLst>
+                              <p:cond delay="0"/>
+                            </p:stCondLst>
+                            <p:childTnLst>
+                              <p:par>
+                                <p:cTn id="10" presetID="10" presetClass="entr" presetSubtype="0" fill="hold" nodeType="clickEffect">
+                                  <p:stCondLst>
+                                    <p:cond delay="0"/>
+                                  </p:stCondLst>
+                                  <p:childTnLst>
+                                    <p:set>
+                                      <p:cBhvr>
+                                        <p:cTn id="11" dur="1" fill="hold">
+                                          <p:stCondLst>
+                                            <p:cond delay="0"/>
+                                          </p:stCondLst>
+                                        </p:cTn>
+                                        <p:tgtEl>
+                                          <p:spTgt spid="3">
+                                            <p:txEl>
+                                              <p:pRg st="1" end="1"/>
+                                            </p:txEl>
+                                          </p:spTgt>
+                                        </p:tgtEl>
+                                        <p:attrNameLst>
+                                          <p:attrName>style.visibility</p:attrName>
+                                        </p:attrNameLst>
+                                      </p:cBhvr>
+                                      <p:to>
+                                        <p:strVal val="visible"/>
+                                      </p:to>
+                                    </p:set>
+                                    <p:animEffect transition="in" filter="fade">
+                                      <p:cBhvr>
+                                        <p:cTn id="12" dur="500"/>
+                                        <p:tgtEl>
+                                          <p:spTgt spid="3">
+                                            <p:txEl>
+                                              <p:pRg st="1" end="1"/>
+                                            </p:txEl>
+                                          </p:spTgt>
+                                        </p:tgtEl>
+                                      </p:cBhvr>
+                                    </p:animEffect>
+                                  </p:childTnLst>
+                                </p:cTn>
+                              </p:par>
+                            </p:childTnLst>
+                          </p:cTn>
+                        </p:par>
+                      </p:childTnLst>
+                    </p:cTn>
+                  </p:par>
+                  <p:par>
+                    <p:cTn id="13" fill="hold">
+                      <p:stCondLst>
+                        <p:cond delay="indefinite"/>
+                      </p:stCondLst>
+                      <p:childTnLst>
+                        <p:par>
+                          <p:cTn id="14" fill="hold">
+                            <p:stCondLst>
+                              <p:cond delay="0"/>
+                            </p:stCondLst>
+                            <p:childTnLst>
+                              <p:par>
+                                <p:cTn id="15" presetID="10" presetClass="entr" presetSubtype="0" fill="hold" nodeType="clickEffect">
+                                  <p:stCondLst>
+                                    <p:cond delay="0"/>
+                                  </p:stCondLst>
+                                  <p:childTnLst>
+                                    <p:set>
+                                      <p:cBhvr>
+                                        <p:cTn id="16" dur="1" fill="hold">
+                                          <p:stCondLst>
+                                            <p:cond delay="0"/>
+                                          </p:stCondLst>
+                                        </p:cTn>
+                                        <p:tgtEl>
+                                          <p:spTgt spid="3">
+                                            <p:txEl>
+                                              <p:pRg st="2" end="2"/>
+                                            </p:txEl>
+                                          </p:spTgt>
+                                        </p:tgtEl>
+                                        <p:attrNameLst>
+                                          <p:attrName>style.visibility</p:attrName>
+                                        </p:attrNameLst>
+                                      </p:cBhvr>
+                                      <p:to>
+                                        <p:strVal val="visible"/>
+                                      </p:to>
+                                    </p:set>
+                                    <p:animEffect transition="in" filter="fade">
+                                      <p:cBhvr>
+                                        <p:cTn id="17" dur="500"/>
+                                        <p:tgtEl>
+                                          <p:spTgt spid="3">
+                                            <p:txEl>
+                                              <p:pRg st="2" end="2"/>
+                                            </p:txEl>
+                                          </p:spTgt>
+                                        </p:tgtEl>
+                                      </p:cBhvr>
+                                    </p:animEffect>
+                                  </p:childTnLst>
+                                </p:cTn>
+                              </p:par>
+                            </p:childTnLst>
+                          </p:cTn>
+                        </p:par>
+                      </p:childTnLst>
+                    </p:cTn>
+                  </p:par>
+                  <p:par>
+                    <p:cTn id="18" fill="hold">
+                      <p:stCondLst>
+                        <p:cond delay="indefinite"/>
+                      </p:stCondLst>
+                      <p:childTnLst>
+                        <p:par>
+                          <p:cTn id="19" fill="hold">
+                            <p:stCondLst>
+                              <p:cond delay="0"/>
+                            </p:stCondLst>
+                            <p:childTnLst>
+                              <p:par>
+                                <p:cTn id="20" presetID="10" presetClass="entr" presetSubtype="0" fill="hold" nodeType="clickEffect">
+                                  <p:stCondLst>
+                                    <p:cond delay="0"/>
+                                  </p:stCondLst>
+                                  <p:childTnLst>
+                                    <p:set>
+                                      <p:cBhvr>
+                                        <p:cTn id="21" dur="1" fill="hold">
+                                          <p:stCondLst>
+                                            <p:cond delay="0"/>
+                                          </p:stCondLst>
+                                        </p:cTn>
+                                        <p:tgtEl>
+                                          <p:spTgt spid="3">
+                                            <p:txEl>
+                                              <p:pRg st="3" end="3"/>
+                                            </p:txEl>
+                                          </p:spTgt>
+                                        </p:tgtEl>
+                                        <p:attrNameLst>
+                                          <p:attrName>style.visibility</p:attrName>
+                                        </p:attrNameLst>
+                                      </p:cBhvr>
+                                      <p:to>
+                                        <p:strVal val="visible"/>
+                                      </p:to>
+                                    </p:set>
+                                    <p:animEffect transition="in" filter="fade">
+                                      <p:cBhvr>
+                                        <p:cTn id="22" dur="500"/>
+                                        <p:tgtEl>
+                                          <p:spTgt spid="3">
+                                            <p:txEl>
+                                              <p:pRg st="3" end="3"/>
+                                            </p:txEl>
+                                          </p:spTgt>
+                                        </p:tgtEl>
+                                      </p:cBhvr>
+                                    </p:animEffect>
+                                  </p:childTnLst>
+                                </p:cTn>
+                              </p:par>
+                            </p:childTnLst>
+                          </p:cTn>
+                        </p:par>
+                      </p:childTnLst>
+                    </p:cTn>
+                  </p:par>
+                  <p:par>
+                    <p:cTn id="23" fill="hold">
+                      <p:stCondLst>
+                        <p:cond delay="indefinite"/>
+                      </p:stCondLst>
+                      <p:childTnLst>
+                        <p:par>
+                          <p:cTn id="24" fill="hold">
+                            <p:stCondLst>
+                              <p:cond delay="0"/>
+                            </p:stCondLst>
+                            <p:childTnLst>
+                              <p:par>
+                                <p:cTn id="25" presetID="10" presetClass="entr" presetSubtype="0" fill="hold" nodeType="clickEffect">
+                                  <p:stCondLst>
+                                    <p:cond delay="0"/>
+                                  </p:stCondLst>
+                                  <p:childTnLst>
+                                    <p:set>
+                                      <p:cBhvr>
+                                        <p:cTn id="26" dur="1" fill="hold">
+                                          <p:stCondLst>
+                                            <p:cond delay="0"/>
+                                          </p:stCondLst>
+                                        </p:cTn>
+                                        <p:tgtEl>
+                                          <p:spTgt spid="3">
+                                            <p:txEl>
+                                              <p:pRg st="4" end="4"/>
+                                            </p:txEl>
+                                          </p:spTgt>
+                                        </p:tgtEl>
+                                        <p:attrNameLst>
+                                          <p:attrName>style.visibility</p:attrName>
+                                        </p:attrNameLst>
+                                      </p:cBhvr>
+                                      <p:to>
+                                        <p:strVal val="visible"/>
+                                      </p:to>
+                                    </p:set>
+                                    <p:animEffect transition="in" filter="fade">
+                                      <p:cBhvr>
+                                        <p:cTn id="27" dur="500"/>
+                                        <p:tgtEl>
+                                          <p:spTgt spid="3">
+                                            <p:txEl>
+                                              <p:pRg st="4" end="4"/>
+                                            </p:txEl>
+                                          </p:spTgt>
+                                        </p:tgtEl>
+                                      </p:cBhvr>
+                                    </p:animEffect>
+                                  </p:childTnLst>
+                                </p:cTn>
+                              </p:par>
+                            </p:childTnLst>
+                          </p:cTn>
+                        </p:par>
+                      </p:childTnLst>
+                    </p:cTn>
+                  </p:par>
+                  <p:par>
+                    <p:cTn id="28" fill="hold">
+                      <p:stCondLst>
+                        <p:cond delay="indefinite"/>
+                      </p:stCondLst>
+                      <p:childTnLst>
+                        <p:par>
+                          <p:cTn id="29" fill="hold">
+                            <p:stCondLst>
+                              <p:cond delay="0"/>
+                            </p:stCondLst>
+                            <p:childTnLst>
+                              <p:par>
+                                <p:cTn id="30" presetID="10" presetClass="entr" presetSubtype="0" fill="hold" nodeType="clickEffect">
+                                  <p:stCondLst>
+                                    <p:cond delay="0"/>
+                                  </p:stCondLst>
+                                  <p:childTnLst>
+                                    <p:set>
+                                      <p:cBhvr>
+                                        <p:cTn id="31" dur="1" fill="hold">
+                                          <p:stCondLst>
+                                            <p:cond delay="0"/>
+                                          </p:stCondLst>
+                                        </p:cTn>
+                                        <p:tgtEl>
+                                          <p:spTgt spid="5"/>
+                                        </p:tgtEl>
+                                        <p:attrNameLst>
+                                          <p:attrName>style.visibility</p:attrName>
+                                        </p:attrNameLst>
+                                      </p:cBhvr>
+                                      <p:to>
+                                        <p:strVal val="visible"/>
+                                      </p:to>
+                                    </p:set>
+                                    <p:animEffect transition="in" filter="fade">
+                                      <p:cBhvr>
+                                        <p:cTn id="32" dur="500"/>
+                                        <p:tgtEl>
+                                          <p:spTgt spid="5"/>
+                                        </p:tgtEl>
+                                      </p:cBhvr>
+                                    </p:animEffect>
+                                  </p:childTnLst>
+                                </p:cTn>
+                              </p:par>
+                              <p:par>
+                                <p:cTn id="33" presetID="10" presetClass="entr" presetSubtype="0" fill="hold" grpId="0" nodeType="withEffect">
+                                  <p:stCondLst>
+                                    <p:cond delay="0"/>
+                                  </p:stCondLst>
+                                  <p:childTnLst>
+                                    <p:set>
+                                      <p:cBhvr>
+                                        <p:cTn id="34" dur="1" fill="hold">
+                                          <p:stCondLst>
+                                            <p:cond delay="0"/>
+                                          </p:stCondLst>
+                                        </p:cTn>
+                                        <p:tgtEl>
+                                          <p:spTgt spid="6"/>
+                                        </p:tgtEl>
+                                        <p:attrNameLst>
+                                          <p:attrName>style.visibility</p:attrName>
+                                        </p:attrNameLst>
+                                      </p:cBhvr>
+                                      <p:to>
+                                        <p:strVal val="visible"/>
+                                      </p:to>
+                                    </p:set>
+                                    <p:animEffect transition="in" filter="fade">
+                                      <p:cBhvr>
+                                        <p:cTn id="35" dur="500"/>
+                                        <p:tgtEl>
+                                          <p:spTgt spid="6"/>
+                                        </p:tgtEl>
+                                      </p:cBhvr>
+                                    </p:animEffect>
+                                  </p:childTnLst>
+                                </p:cTn>
+                              </p:par>
+                            </p:childTnLst>
+                          </p:cTn>
+                        </p:par>
+                      </p:childTnLst>
+                    </p:cTn>
+                  </p:par>
+                </p:childTnLst>
+              </p:cTn>
+              <p:prevCondLst>
+                <p:cond evt="onPrev" delay="0">
+                  <p:tgtEl>
+                    <p:sldTgt/>
+                  </p:tgtEl>
+                </p:cond>
+              </p:prevCondLst>
+              <p:nextCondLst>
+                <p:cond evt="onNext" delay="0">
+                  <p:tgtEl>
+                    <p:sldTgt/>
+                  </p:tgtEl>
+                </p:cond>
+              </p:nextCondLst>
+            </p:seq>
+          </p:childTnLst>
+        </p:cTn>
+      </p:par>
+    </p:tnLst>
+    <p:bldLst>
+      <p:bldP spid="6" grpId="0"/>
+    </p:bldLst>
+  </p:timing>
+</p:sld>
+</file>
+
+<file path=ppt/slides/slide21.xml><?xml version="1.0" encoding="utf-8"?>
+<p:sld xmlns:a="http://schemas.openxmlformats.org/drawingml/2006/main" xmlns:r="http://schemas.openxmlformats.org/officeDocument/2006/relationships" xmlns:p="http://schemas.openxmlformats.org/presentationml/2006/main">
+  <p:cSld>
+    <p:spTree>
+      <p:nvGrpSpPr>
+        <p:cNvPr id="1" name=""/>
+        <p:cNvGrpSpPr/>
+        <p:nvPr/>
+      </p:nvGrpSpPr>
+      <p:grpSpPr>
+        <a:xfrm>
+          <a:off x="0" y="0"/>
+          <a:ext cx="0" cy="0"/>
+          <a:chOff x="0" y="0"/>
+          <a:chExt cx="0" cy="0"/>
+        </a:xfrm>
+      </p:grpSpPr>
+      <p:sp>
+        <p:nvSpPr>
+          <p:cNvPr id="2" name="Title 1"/>
+          <p:cNvSpPr>
+            <a:spLocks noGrp="1"/>
+          </p:cNvSpPr>
+          <p:nvPr>
+            <p:ph type="title"/>
+          </p:nvPr>
+        </p:nvSpPr>
+        <p:spPr/>
+        <p:txBody>
+          <a:bodyPr>
+            <a:normAutofit/>
+          </a:bodyPr>
+          <a:lstStyle/>
+          <a:p>
+            <a:r>
+              <a:rPr lang="en-US" dirty="0"/>
+              <a:t>GitHub</a:t>
+            </a:r>
+          </a:p>
+        </p:txBody>
+      </p:sp>
+      <p:sp>
+        <p:nvSpPr>
+          <p:cNvPr id="4" name="Foliennummernplatzhalter 3"/>
+          <p:cNvSpPr>
+            <a:spLocks noGrp="1"/>
+          </p:cNvSpPr>
+          <p:nvPr>
+            <p:ph type="sldNum" sz="quarter" idx="12"/>
+          </p:nvPr>
+        </p:nvSpPr>
+        <p:spPr/>
+        <p:txBody>
+          <a:bodyPr/>
+          <a:lstStyle/>
+          <a:p>
+            <a:fld id="{750AB064-513B-4E5C-9ADF-210709BEB955}" type="slidenum">
+              <a:rPr lang="en-US" smtClean="0"/>
+              <a:t>21</a:t>
             </a:fld>
             <a:endParaRPr lang="en-US"/>
           </a:p>
@@ -13379,7 +16668,7 @@
 </p:sld>
 </file>
 
-<file path=ppt/slides/slide18.xml><?xml version="1.0" encoding="utf-8"?>
+<file path=ppt/slides/slide22.xml><?xml version="1.0" encoding="utf-8"?>
 <p:sld xmlns:a="http://schemas.openxmlformats.org/drawingml/2006/main" xmlns:r="http://schemas.openxmlformats.org/officeDocument/2006/relationships" xmlns:p="http://schemas.openxmlformats.org/presentationml/2006/main">
   <p:cSld>
     <p:spTree>
@@ -13437,7 +16726,7 @@
           <a:p>
             <a:fld id="{750AB064-513B-4E5C-9ADF-210709BEB955}" type="slidenum">
               <a:rPr lang="en-US" smtClean="0"/>
-              <a:t>18</a:t>
+              <a:t>22</a:t>
             </a:fld>
             <a:endParaRPr lang="en-US"/>
           </a:p>
@@ -13741,3296 +17030,6 @@
         </p:cTn>
       </p:par>
     </p:tnLst>
-  </p:timing>
-</p:sld>
-</file>
-
-<file path=ppt/slides/slide19.xml><?xml version="1.0" encoding="utf-8"?>
-<p:sld xmlns:a="http://schemas.openxmlformats.org/drawingml/2006/main" xmlns:r="http://schemas.openxmlformats.org/officeDocument/2006/relationships" xmlns:p="http://schemas.openxmlformats.org/presentationml/2006/main">
-  <p:cSld>
-    <p:spTree>
-      <p:nvGrpSpPr>
-        <p:cNvPr id="1" name=""/>
-        <p:cNvGrpSpPr/>
-        <p:nvPr/>
-      </p:nvGrpSpPr>
-      <p:grpSpPr>
-        <a:xfrm>
-          <a:off x="0" y="0"/>
-          <a:ext cx="0" cy="0"/>
-          <a:chOff x="0" y="0"/>
-          <a:chExt cx="0" cy="0"/>
-        </a:xfrm>
-      </p:grpSpPr>
-      <p:sp>
-        <p:nvSpPr>
-          <p:cNvPr id="2" name="Title 1"/>
-          <p:cNvSpPr>
-            <a:spLocks noGrp="1"/>
-          </p:cNvSpPr>
-          <p:nvPr>
-            <p:ph type="title"/>
-          </p:nvPr>
-        </p:nvSpPr>
-        <p:spPr/>
-        <p:txBody>
-          <a:bodyPr>
-            <a:normAutofit/>
-          </a:bodyPr>
-          <a:lstStyle/>
-          <a:p>
-            <a:r>
-              <a:rPr lang="en-US" dirty="0" err="1"/>
-              <a:t>Git</a:t>
-            </a:r>
-            <a:endParaRPr lang="en-US" dirty="0"/>
-          </a:p>
-        </p:txBody>
-      </p:sp>
-      <p:sp>
-        <p:nvSpPr>
-          <p:cNvPr id="3" name="Content Placeholder 2"/>
-          <p:cNvSpPr>
-            <a:spLocks noGrp="1"/>
-          </p:cNvSpPr>
-          <p:nvPr>
-            <p:ph idx="1"/>
-          </p:nvPr>
-        </p:nvSpPr>
-        <p:spPr>
-          <a:xfrm>
-            <a:off x="0" y="1934275"/>
-            <a:ext cx="8892480" cy="4389120"/>
-          </a:xfrm>
-        </p:spPr>
-        <p:txBody>
-          <a:bodyPr>
-            <a:normAutofit/>
-          </a:bodyPr>
-          <a:lstStyle/>
-          <a:p>
-            <a:pPr lvl="1"/>
-            <a:r>
-              <a:rPr lang="de-DE" dirty="0"/>
-              <a:t>Freie Software </a:t>
-            </a:r>
-            <a:r>
-              <a:rPr lang="de-DE" sz="1400" dirty="0"/>
-              <a:t>(GNU GPLv2 Lizenz) </a:t>
-            </a:r>
-            <a:r>
-              <a:rPr lang="de-DE" dirty="0"/>
-              <a:t>zur verteilten Versionsverwaltung</a:t>
-            </a:r>
-          </a:p>
-          <a:p>
-            <a:pPr lvl="1"/>
-            <a:r>
-              <a:rPr lang="de-DE" dirty="0"/>
-              <a:t>Initiiert durch Linus </a:t>
-            </a:r>
-            <a:r>
-              <a:rPr lang="de-DE" dirty="0" err="1"/>
-              <a:t>Torvalds</a:t>
-            </a:r>
-            <a:r>
-              <a:rPr lang="de-DE" dirty="0"/>
-              <a:t> (Linux Kernel)</a:t>
-            </a:r>
-          </a:p>
-          <a:p>
-            <a:pPr lvl="2"/>
-            <a:r>
-              <a:rPr lang="de-DE" dirty="0"/>
-              <a:t>Ziele:</a:t>
-            </a:r>
-          </a:p>
-          <a:p>
-            <a:pPr lvl="3"/>
-            <a:r>
-              <a:rPr lang="de-DE" dirty="0"/>
-              <a:t>Versionsverwaltung zur Linux-Entwicklung</a:t>
-            </a:r>
-          </a:p>
-          <a:p>
-            <a:pPr lvl="4"/>
-            <a:r>
-              <a:rPr lang="de-DE" dirty="0"/>
-              <a:t>Unterstützung verteilter, </a:t>
-            </a:r>
-            <a:r>
-              <a:rPr lang="de-DE" dirty="0" err="1"/>
-              <a:t>BitKeeper</a:t>
-            </a:r>
-            <a:r>
-              <a:rPr lang="de-DE" dirty="0"/>
-              <a:t>-ähnlicher Arbeitsabläufe</a:t>
-            </a:r>
-          </a:p>
-          <a:p>
-            <a:pPr lvl="4"/>
-            <a:r>
-              <a:rPr lang="de-DE" dirty="0"/>
-              <a:t>Sehr hohe Sicherheit gegen sowohl unbeabsichtigte als auch böswillige Verfälschung</a:t>
-            </a:r>
-          </a:p>
-          <a:p>
-            <a:pPr lvl="4"/>
-            <a:r>
-              <a:rPr lang="de-DE" dirty="0"/>
-              <a:t>Hohe Effizienz</a:t>
-            </a:r>
-            <a:endParaRPr lang="de-DE" dirty="0"/>
-          </a:p>
-          <a:p>
-            <a:pPr lvl="1"/>
-            <a:r>
-              <a:rPr lang="de-DE" dirty="0"/>
-              <a:t>Bedeutet umgangssprachlich „Blödmann“</a:t>
-            </a:r>
-          </a:p>
-          <a:p>
-            <a:pPr lvl="1"/>
-            <a:r>
-              <a:rPr lang="de-DE" dirty="0"/>
-              <a:t>Programmiersprache C, </a:t>
-            </a:r>
-            <a:r>
-              <a:rPr lang="de-DE" dirty="0" err="1"/>
-              <a:t>Bourne</a:t>
-            </a:r>
-            <a:r>
-              <a:rPr lang="de-DE" dirty="0"/>
-              <a:t>-Shell, Perl</a:t>
-            </a:r>
-          </a:p>
-        </p:txBody>
-      </p:sp>
-      <p:sp>
-        <p:nvSpPr>
-          <p:cNvPr id="4" name="Foliennummernplatzhalter 3"/>
-          <p:cNvSpPr>
-            <a:spLocks noGrp="1"/>
-          </p:cNvSpPr>
-          <p:nvPr>
-            <p:ph type="sldNum" sz="quarter" idx="12"/>
-          </p:nvPr>
-        </p:nvSpPr>
-        <p:spPr/>
-        <p:txBody>
-          <a:bodyPr/>
-          <a:lstStyle/>
-          <a:p>
-            <a:fld id="{750AB064-513B-4E5C-9ADF-210709BEB955}" type="slidenum">
-              <a:rPr lang="en-US" smtClean="0"/>
-              <a:t>19</a:t>
-            </a:fld>
-            <a:endParaRPr lang="en-US"/>
-          </a:p>
-        </p:txBody>
-      </p:sp>
-      <p:pic>
-        <p:nvPicPr>
-          <p:cNvPr id="5" name="Grafik 4"/>
-          <p:cNvPicPr>
-            <a:picLocks noChangeAspect="1"/>
-          </p:cNvPicPr>
-          <p:nvPr/>
-        </p:nvPicPr>
-        <p:blipFill>
-          <a:blip r:embed="rId2"/>
-          <a:stretch>
-            <a:fillRect/>
-          </a:stretch>
-        </p:blipFill>
-        <p:spPr>
-          <a:xfrm>
-            <a:off x="4139952" y="1129174"/>
-            <a:ext cx="1191106" cy="600318"/>
-          </a:xfrm>
-          <a:prstGeom prst="rect">
-            <a:avLst/>
-          </a:prstGeom>
-        </p:spPr>
-      </p:pic>
-      <p:sp>
-        <p:nvSpPr>
-          <p:cNvPr id="6" name="Rechteck 5"/>
-          <p:cNvSpPr/>
-          <p:nvPr/>
-        </p:nvSpPr>
-        <p:spPr>
-          <a:xfrm>
-            <a:off x="5940152" y="1312694"/>
-            <a:ext cx="1819729" cy="261610"/>
-          </a:xfrm>
-          <a:prstGeom prst="rect">
-            <a:avLst/>
-          </a:prstGeom>
-        </p:spPr>
-        <p:txBody>
-          <a:bodyPr wrap="none">
-            <a:spAutoFit/>
-          </a:bodyPr>
-          <a:lstStyle/>
-          <a:p>
-            <a:r>
-              <a:rPr lang="de-DE" sz="1100" dirty="0"/>
-              <a:t>Quelle: https://git-scm.com/</a:t>
-            </a:r>
-          </a:p>
-        </p:txBody>
-      </p:sp>
-    </p:spTree>
-    <p:extLst>
-      <p:ext uri="{BB962C8B-B14F-4D97-AF65-F5344CB8AC3E}">
-        <p14:creationId xmlns:p14="http://schemas.microsoft.com/office/powerpoint/2010/main" val="147490556"/>
-      </p:ext>
-    </p:extLst>
-  </p:cSld>
-  <p:clrMapOvr>
-    <a:masterClrMapping/>
-  </p:clrMapOvr>
-  <p:timing>
-    <p:tnLst>
-      <p:par>
-        <p:cTn id="1" dur="indefinite" restart="never" nodeType="tmRoot">
-          <p:childTnLst>
-            <p:seq concurrent="1" nextAc="seek">
-              <p:cTn id="2" dur="indefinite" nodeType="mainSeq">
-                <p:childTnLst>
-                  <p:par>
-                    <p:cTn id="3" fill="hold">
-                      <p:stCondLst>
-                        <p:cond delay="indefinite"/>
-                      </p:stCondLst>
-                      <p:childTnLst>
-                        <p:par>
-                          <p:cTn id="4" fill="hold">
-                            <p:stCondLst>
-                              <p:cond delay="0"/>
-                            </p:stCondLst>
-                            <p:childTnLst>
-                              <p:par>
-                                <p:cTn id="5" presetID="10" presetClass="entr" presetSubtype="0" fill="hold" nodeType="clickEffect">
-                                  <p:stCondLst>
-                                    <p:cond delay="0"/>
-                                  </p:stCondLst>
-                                  <p:childTnLst>
-                                    <p:set>
-                                      <p:cBhvr>
-                                        <p:cTn id="6" dur="1" fill="hold">
-                                          <p:stCondLst>
-                                            <p:cond delay="0"/>
-                                          </p:stCondLst>
-                                        </p:cTn>
-                                        <p:tgtEl>
-                                          <p:spTgt spid="5"/>
-                                        </p:tgtEl>
-                                        <p:attrNameLst>
-                                          <p:attrName>style.visibility</p:attrName>
-                                        </p:attrNameLst>
-                                      </p:cBhvr>
-                                      <p:to>
-                                        <p:strVal val="visible"/>
-                                      </p:to>
-                                    </p:set>
-                                    <p:animEffect transition="in" filter="fade">
-                                      <p:cBhvr>
-                                        <p:cTn id="7" dur="500"/>
-                                        <p:tgtEl>
-                                          <p:spTgt spid="5"/>
-                                        </p:tgtEl>
-                                      </p:cBhvr>
-                                    </p:animEffect>
-                                  </p:childTnLst>
-                                </p:cTn>
-                              </p:par>
-                              <p:par>
-                                <p:cTn id="8" presetID="10" presetClass="entr" presetSubtype="0" fill="hold" grpId="0" nodeType="withEffect">
-                                  <p:stCondLst>
-                                    <p:cond delay="0"/>
-                                  </p:stCondLst>
-                                  <p:childTnLst>
-                                    <p:set>
-                                      <p:cBhvr>
-                                        <p:cTn id="9" dur="1" fill="hold">
-                                          <p:stCondLst>
-                                            <p:cond delay="0"/>
-                                          </p:stCondLst>
-                                        </p:cTn>
-                                        <p:tgtEl>
-                                          <p:spTgt spid="6"/>
-                                        </p:tgtEl>
-                                        <p:attrNameLst>
-                                          <p:attrName>style.visibility</p:attrName>
-                                        </p:attrNameLst>
-                                      </p:cBhvr>
-                                      <p:to>
-                                        <p:strVal val="visible"/>
-                                      </p:to>
-                                    </p:set>
-                                    <p:animEffect transition="in" filter="fade">
-                                      <p:cBhvr>
-                                        <p:cTn id="10" dur="500"/>
-                                        <p:tgtEl>
-                                          <p:spTgt spid="6"/>
-                                        </p:tgtEl>
-                                      </p:cBhvr>
-                                    </p:animEffect>
-                                  </p:childTnLst>
-                                </p:cTn>
-                              </p:par>
-                            </p:childTnLst>
-                          </p:cTn>
-                        </p:par>
-                      </p:childTnLst>
-                    </p:cTn>
-                  </p:par>
-                  <p:par>
-                    <p:cTn id="11" fill="hold">
-                      <p:stCondLst>
-                        <p:cond delay="indefinite"/>
-                      </p:stCondLst>
-                      <p:childTnLst>
-                        <p:par>
-                          <p:cTn id="12" fill="hold">
-                            <p:stCondLst>
-                              <p:cond delay="0"/>
-                            </p:stCondLst>
-                            <p:childTnLst>
-                              <p:par>
-                                <p:cTn id="13" presetID="10" presetClass="entr" presetSubtype="0" fill="hold" nodeType="clickEffect">
-                                  <p:stCondLst>
-                                    <p:cond delay="0"/>
-                                  </p:stCondLst>
-                                  <p:childTnLst>
-                                    <p:set>
-                                      <p:cBhvr>
-                                        <p:cTn id="14" dur="1" fill="hold">
-                                          <p:stCondLst>
-                                            <p:cond delay="0"/>
-                                          </p:stCondLst>
-                                        </p:cTn>
-                                        <p:tgtEl>
-                                          <p:spTgt spid="3">
-                                            <p:txEl>
-                                              <p:pRg st="0" end="0"/>
-                                            </p:txEl>
-                                          </p:spTgt>
-                                        </p:tgtEl>
-                                        <p:attrNameLst>
-                                          <p:attrName>style.visibility</p:attrName>
-                                        </p:attrNameLst>
-                                      </p:cBhvr>
-                                      <p:to>
-                                        <p:strVal val="visible"/>
-                                      </p:to>
-                                    </p:set>
-                                    <p:animEffect transition="in" filter="fade">
-                                      <p:cBhvr>
-                                        <p:cTn id="15" dur="500"/>
-                                        <p:tgtEl>
-                                          <p:spTgt spid="3">
-                                            <p:txEl>
-                                              <p:pRg st="0" end="0"/>
-                                            </p:txEl>
-                                          </p:spTgt>
-                                        </p:tgtEl>
-                                      </p:cBhvr>
-                                    </p:animEffect>
-                                  </p:childTnLst>
-                                </p:cTn>
-                              </p:par>
-                            </p:childTnLst>
-                          </p:cTn>
-                        </p:par>
-                      </p:childTnLst>
-                    </p:cTn>
-                  </p:par>
-                  <p:par>
-                    <p:cTn id="16" fill="hold">
-                      <p:stCondLst>
-                        <p:cond delay="indefinite"/>
-                      </p:stCondLst>
-                      <p:childTnLst>
-                        <p:par>
-                          <p:cTn id="17" fill="hold">
-                            <p:stCondLst>
-                              <p:cond delay="0"/>
-                            </p:stCondLst>
-                            <p:childTnLst>
-                              <p:par>
-                                <p:cTn id="18" presetID="10" presetClass="entr" presetSubtype="0" fill="hold" nodeType="clickEffect">
-                                  <p:stCondLst>
-                                    <p:cond delay="0"/>
-                                  </p:stCondLst>
-                                  <p:childTnLst>
-                                    <p:set>
-                                      <p:cBhvr>
-                                        <p:cTn id="19" dur="1" fill="hold">
-                                          <p:stCondLst>
-                                            <p:cond delay="0"/>
-                                          </p:stCondLst>
-                                        </p:cTn>
-                                        <p:tgtEl>
-                                          <p:spTgt spid="3">
-                                            <p:txEl>
-                                              <p:pRg st="1" end="1"/>
-                                            </p:txEl>
-                                          </p:spTgt>
-                                        </p:tgtEl>
-                                        <p:attrNameLst>
-                                          <p:attrName>style.visibility</p:attrName>
-                                        </p:attrNameLst>
-                                      </p:cBhvr>
-                                      <p:to>
-                                        <p:strVal val="visible"/>
-                                      </p:to>
-                                    </p:set>
-                                    <p:animEffect transition="in" filter="fade">
-                                      <p:cBhvr>
-                                        <p:cTn id="20" dur="500"/>
-                                        <p:tgtEl>
-                                          <p:spTgt spid="3">
-                                            <p:txEl>
-                                              <p:pRg st="1" end="1"/>
-                                            </p:txEl>
-                                          </p:spTgt>
-                                        </p:tgtEl>
-                                      </p:cBhvr>
-                                    </p:animEffect>
-                                  </p:childTnLst>
-                                </p:cTn>
-                              </p:par>
-                            </p:childTnLst>
-                          </p:cTn>
-                        </p:par>
-                      </p:childTnLst>
-                    </p:cTn>
-                  </p:par>
-                  <p:par>
-                    <p:cTn id="21" fill="hold">
-                      <p:stCondLst>
-                        <p:cond delay="indefinite"/>
-                      </p:stCondLst>
-                      <p:childTnLst>
-                        <p:par>
-                          <p:cTn id="22" fill="hold">
-                            <p:stCondLst>
-                              <p:cond delay="0"/>
-                            </p:stCondLst>
-                            <p:childTnLst>
-                              <p:par>
-                                <p:cTn id="23" presetID="10" presetClass="entr" presetSubtype="0" fill="hold" nodeType="clickEffect">
-                                  <p:stCondLst>
-                                    <p:cond delay="0"/>
-                                  </p:stCondLst>
-                                  <p:childTnLst>
-                                    <p:set>
-                                      <p:cBhvr>
-                                        <p:cTn id="24" dur="1" fill="hold">
-                                          <p:stCondLst>
-                                            <p:cond delay="0"/>
-                                          </p:stCondLst>
-                                        </p:cTn>
-                                        <p:tgtEl>
-                                          <p:spTgt spid="3">
-                                            <p:txEl>
-                                              <p:pRg st="2" end="2"/>
-                                            </p:txEl>
-                                          </p:spTgt>
-                                        </p:tgtEl>
-                                        <p:attrNameLst>
-                                          <p:attrName>style.visibility</p:attrName>
-                                        </p:attrNameLst>
-                                      </p:cBhvr>
-                                      <p:to>
-                                        <p:strVal val="visible"/>
-                                      </p:to>
-                                    </p:set>
-                                    <p:animEffect transition="in" filter="fade">
-                                      <p:cBhvr>
-                                        <p:cTn id="25" dur="500"/>
-                                        <p:tgtEl>
-                                          <p:spTgt spid="3">
-                                            <p:txEl>
-                                              <p:pRg st="2" end="2"/>
-                                            </p:txEl>
-                                          </p:spTgt>
-                                        </p:tgtEl>
-                                      </p:cBhvr>
-                                    </p:animEffect>
-                                  </p:childTnLst>
-                                </p:cTn>
-                              </p:par>
-                            </p:childTnLst>
-                          </p:cTn>
-                        </p:par>
-                      </p:childTnLst>
-                    </p:cTn>
-                  </p:par>
-                  <p:par>
-                    <p:cTn id="26" fill="hold">
-                      <p:stCondLst>
-                        <p:cond delay="indefinite"/>
-                      </p:stCondLst>
-                      <p:childTnLst>
-                        <p:par>
-                          <p:cTn id="27" fill="hold">
-                            <p:stCondLst>
-                              <p:cond delay="0"/>
-                            </p:stCondLst>
-                            <p:childTnLst>
-                              <p:par>
-                                <p:cTn id="28" presetID="10" presetClass="entr" presetSubtype="0" fill="hold" nodeType="clickEffect">
-                                  <p:stCondLst>
-                                    <p:cond delay="0"/>
-                                  </p:stCondLst>
-                                  <p:childTnLst>
-                                    <p:set>
-                                      <p:cBhvr>
-                                        <p:cTn id="29" dur="1" fill="hold">
-                                          <p:stCondLst>
-                                            <p:cond delay="0"/>
-                                          </p:stCondLst>
-                                        </p:cTn>
-                                        <p:tgtEl>
-                                          <p:spTgt spid="3">
-                                            <p:txEl>
-                                              <p:pRg st="3" end="3"/>
-                                            </p:txEl>
-                                          </p:spTgt>
-                                        </p:tgtEl>
-                                        <p:attrNameLst>
-                                          <p:attrName>style.visibility</p:attrName>
-                                        </p:attrNameLst>
-                                      </p:cBhvr>
-                                      <p:to>
-                                        <p:strVal val="visible"/>
-                                      </p:to>
-                                    </p:set>
-                                    <p:animEffect transition="in" filter="fade">
-                                      <p:cBhvr>
-                                        <p:cTn id="30" dur="500"/>
-                                        <p:tgtEl>
-                                          <p:spTgt spid="3">
-                                            <p:txEl>
-                                              <p:pRg st="3" end="3"/>
-                                            </p:txEl>
-                                          </p:spTgt>
-                                        </p:tgtEl>
-                                      </p:cBhvr>
-                                    </p:animEffect>
-                                  </p:childTnLst>
-                                </p:cTn>
-                              </p:par>
-                            </p:childTnLst>
-                          </p:cTn>
-                        </p:par>
-                      </p:childTnLst>
-                    </p:cTn>
-                  </p:par>
-                  <p:par>
-                    <p:cTn id="31" fill="hold">
-                      <p:stCondLst>
-                        <p:cond delay="indefinite"/>
-                      </p:stCondLst>
-                      <p:childTnLst>
-                        <p:par>
-                          <p:cTn id="32" fill="hold">
-                            <p:stCondLst>
-                              <p:cond delay="0"/>
-                            </p:stCondLst>
-                            <p:childTnLst>
-                              <p:par>
-                                <p:cTn id="33" presetID="10" presetClass="entr" presetSubtype="0" fill="hold" nodeType="clickEffect">
-                                  <p:stCondLst>
-                                    <p:cond delay="0"/>
-                                  </p:stCondLst>
-                                  <p:childTnLst>
-                                    <p:set>
-                                      <p:cBhvr>
-                                        <p:cTn id="34" dur="1" fill="hold">
-                                          <p:stCondLst>
-                                            <p:cond delay="0"/>
-                                          </p:stCondLst>
-                                        </p:cTn>
-                                        <p:tgtEl>
-                                          <p:spTgt spid="3">
-                                            <p:txEl>
-                                              <p:pRg st="4" end="4"/>
-                                            </p:txEl>
-                                          </p:spTgt>
-                                        </p:tgtEl>
-                                        <p:attrNameLst>
-                                          <p:attrName>style.visibility</p:attrName>
-                                        </p:attrNameLst>
-                                      </p:cBhvr>
-                                      <p:to>
-                                        <p:strVal val="visible"/>
-                                      </p:to>
-                                    </p:set>
-                                    <p:animEffect transition="in" filter="fade">
-                                      <p:cBhvr>
-                                        <p:cTn id="35" dur="500"/>
-                                        <p:tgtEl>
-                                          <p:spTgt spid="3">
-                                            <p:txEl>
-                                              <p:pRg st="4" end="4"/>
-                                            </p:txEl>
-                                          </p:spTgt>
-                                        </p:tgtEl>
-                                      </p:cBhvr>
-                                    </p:animEffect>
-                                  </p:childTnLst>
-                                </p:cTn>
-                              </p:par>
-                              <p:par>
-                                <p:cTn id="36" presetID="10" presetClass="entr" presetSubtype="0" fill="hold" nodeType="withEffect">
-                                  <p:stCondLst>
-                                    <p:cond delay="0"/>
-                                  </p:stCondLst>
-                                  <p:childTnLst>
-                                    <p:set>
-                                      <p:cBhvr>
-                                        <p:cTn id="37" dur="1" fill="hold">
-                                          <p:stCondLst>
-                                            <p:cond delay="0"/>
-                                          </p:stCondLst>
-                                        </p:cTn>
-                                        <p:tgtEl>
-                                          <p:spTgt spid="3">
-                                            <p:txEl>
-                                              <p:pRg st="5" end="5"/>
-                                            </p:txEl>
-                                          </p:spTgt>
-                                        </p:tgtEl>
-                                        <p:attrNameLst>
-                                          <p:attrName>style.visibility</p:attrName>
-                                        </p:attrNameLst>
-                                      </p:cBhvr>
-                                      <p:to>
-                                        <p:strVal val="visible"/>
-                                      </p:to>
-                                    </p:set>
-                                    <p:animEffect transition="in" filter="fade">
-                                      <p:cBhvr>
-                                        <p:cTn id="38" dur="500"/>
-                                        <p:tgtEl>
-                                          <p:spTgt spid="3">
-                                            <p:txEl>
-                                              <p:pRg st="5" end="5"/>
-                                            </p:txEl>
-                                          </p:spTgt>
-                                        </p:tgtEl>
-                                      </p:cBhvr>
-                                    </p:animEffect>
-                                  </p:childTnLst>
-                                </p:cTn>
-                              </p:par>
-                              <p:par>
-                                <p:cTn id="39" presetID="10" presetClass="entr" presetSubtype="0" fill="hold" nodeType="withEffect">
-                                  <p:stCondLst>
-                                    <p:cond delay="0"/>
-                                  </p:stCondLst>
-                                  <p:childTnLst>
-                                    <p:set>
-                                      <p:cBhvr>
-                                        <p:cTn id="40" dur="1" fill="hold">
-                                          <p:stCondLst>
-                                            <p:cond delay="0"/>
-                                          </p:stCondLst>
-                                        </p:cTn>
-                                        <p:tgtEl>
-                                          <p:spTgt spid="3">
-                                            <p:txEl>
-                                              <p:pRg st="6" end="6"/>
-                                            </p:txEl>
-                                          </p:spTgt>
-                                        </p:tgtEl>
-                                        <p:attrNameLst>
-                                          <p:attrName>style.visibility</p:attrName>
-                                        </p:attrNameLst>
-                                      </p:cBhvr>
-                                      <p:to>
-                                        <p:strVal val="visible"/>
-                                      </p:to>
-                                    </p:set>
-                                    <p:animEffect transition="in" filter="fade">
-                                      <p:cBhvr>
-                                        <p:cTn id="41" dur="500"/>
-                                        <p:tgtEl>
-                                          <p:spTgt spid="3">
-                                            <p:txEl>
-                                              <p:pRg st="6" end="6"/>
-                                            </p:txEl>
-                                          </p:spTgt>
-                                        </p:tgtEl>
-                                      </p:cBhvr>
-                                    </p:animEffect>
-                                  </p:childTnLst>
-                                </p:cTn>
-                              </p:par>
-                            </p:childTnLst>
-                          </p:cTn>
-                        </p:par>
-                      </p:childTnLst>
-                    </p:cTn>
-                  </p:par>
-                  <p:par>
-                    <p:cTn id="42" fill="hold">
-                      <p:stCondLst>
-                        <p:cond delay="indefinite"/>
-                      </p:stCondLst>
-                      <p:childTnLst>
-                        <p:par>
-                          <p:cTn id="43" fill="hold">
-                            <p:stCondLst>
-                              <p:cond delay="0"/>
-                            </p:stCondLst>
-                            <p:childTnLst>
-                              <p:par>
-                                <p:cTn id="44" presetID="10" presetClass="entr" presetSubtype="0" fill="hold" nodeType="clickEffect">
-                                  <p:stCondLst>
-                                    <p:cond delay="0"/>
-                                  </p:stCondLst>
-                                  <p:childTnLst>
-                                    <p:set>
-                                      <p:cBhvr>
-                                        <p:cTn id="45" dur="1" fill="hold">
-                                          <p:stCondLst>
-                                            <p:cond delay="0"/>
-                                          </p:stCondLst>
-                                        </p:cTn>
-                                        <p:tgtEl>
-                                          <p:spTgt spid="3">
-                                            <p:txEl>
-                                              <p:pRg st="7" end="7"/>
-                                            </p:txEl>
-                                          </p:spTgt>
-                                        </p:tgtEl>
-                                        <p:attrNameLst>
-                                          <p:attrName>style.visibility</p:attrName>
-                                        </p:attrNameLst>
-                                      </p:cBhvr>
-                                      <p:to>
-                                        <p:strVal val="visible"/>
-                                      </p:to>
-                                    </p:set>
-                                    <p:animEffect transition="in" filter="fade">
-                                      <p:cBhvr>
-                                        <p:cTn id="46" dur="500"/>
-                                        <p:tgtEl>
-                                          <p:spTgt spid="3">
-                                            <p:txEl>
-                                              <p:pRg st="7" end="7"/>
-                                            </p:txEl>
-                                          </p:spTgt>
-                                        </p:tgtEl>
-                                      </p:cBhvr>
-                                    </p:animEffect>
-                                  </p:childTnLst>
-                                </p:cTn>
-                              </p:par>
-                            </p:childTnLst>
-                          </p:cTn>
-                        </p:par>
-                      </p:childTnLst>
-                    </p:cTn>
-                  </p:par>
-                  <p:par>
-                    <p:cTn id="47" fill="hold">
-                      <p:stCondLst>
-                        <p:cond delay="indefinite"/>
-                      </p:stCondLst>
-                      <p:childTnLst>
-                        <p:par>
-                          <p:cTn id="48" fill="hold">
-                            <p:stCondLst>
-                              <p:cond delay="0"/>
-                            </p:stCondLst>
-                            <p:childTnLst>
-                              <p:par>
-                                <p:cTn id="49" presetID="10" presetClass="entr" presetSubtype="0" fill="hold" nodeType="clickEffect">
-                                  <p:stCondLst>
-                                    <p:cond delay="0"/>
-                                  </p:stCondLst>
-                                  <p:childTnLst>
-                                    <p:set>
-                                      <p:cBhvr>
-                                        <p:cTn id="50" dur="1" fill="hold">
-                                          <p:stCondLst>
-                                            <p:cond delay="0"/>
-                                          </p:stCondLst>
-                                        </p:cTn>
-                                        <p:tgtEl>
-                                          <p:spTgt spid="3">
-                                            <p:txEl>
-                                              <p:pRg st="8" end="8"/>
-                                            </p:txEl>
-                                          </p:spTgt>
-                                        </p:tgtEl>
-                                        <p:attrNameLst>
-                                          <p:attrName>style.visibility</p:attrName>
-                                        </p:attrNameLst>
-                                      </p:cBhvr>
-                                      <p:to>
-                                        <p:strVal val="visible"/>
-                                      </p:to>
-                                    </p:set>
-                                    <p:animEffect transition="in" filter="fade">
-                                      <p:cBhvr>
-                                        <p:cTn id="51" dur="500"/>
-                                        <p:tgtEl>
-                                          <p:spTgt spid="3">
-                                            <p:txEl>
-                                              <p:pRg st="8" end="8"/>
-                                            </p:txEl>
-                                          </p:spTgt>
-                                        </p:tgtEl>
-                                      </p:cBhvr>
-                                    </p:animEffect>
-                                  </p:childTnLst>
-                                </p:cTn>
-                              </p:par>
-                            </p:childTnLst>
-                          </p:cTn>
-                        </p:par>
-                      </p:childTnLst>
-                    </p:cTn>
-                  </p:par>
-                </p:childTnLst>
-              </p:cTn>
-              <p:prevCondLst>
-                <p:cond evt="onPrev" delay="0">
-                  <p:tgtEl>
-                    <p:sldTgt/>
-                  </p:tgtEl>
-                </p:cond>
-              </p:prevCondLst>
-              <p:nextCondLst>
-                <p:cond evt="onNext" delay="0">
-                  <p:tgtEl>
-                    <p:sldTgt/>
-                  </p:tgtEl>
-                </p:cond>
-              </p:nextCondLst>
-            </p:seq>
-          </p:childTnLst>
-        </p:cTn>
-      </p:par>
-    </p:tnLst>
-    <p:bldLst>
-      <p:bldP spid="6" grpId="0"/>
-    </p:bldLst>
-  </p:timing>
-</p:sld>
-</file>
-
-<file path=ppt/slides/slide2.xml><?xml version="1.0" encoding="utf-8"?>
-<p:sld xmlns:a="http://schemas.openxmlformats.org/drawingml/2006/main" xmlns:r="http://schemas.openxmlformats.org/officeDocument/2006/relationships" xmlns:p="http://schemas.openxmlformats.org/presentationml/2006/main">
-  <p:cSld>
-    <p:spTree>
-      <p:nvGrpSpPr>
-        <p:cNvPr id="1" name=""/>
-        <p:cNvGrpSpPr/>
-        <p:nvPr/>
-      </p:nvGrpSpPr>
-      <p:grpSpPr>
-        <a:xfrm>
-          <a:off x="0" y="0"/>
-          <a:ext cx="0" cy="0"/>
-          <a:chOff x="0" y="0"/>
-          <a:chExt cx="0" cy="0"/>
-        </a:xfrm>
-      </p:grpSpPr>
-      <p:sp>
-        <p:nvSpPr>
-          <p:cNvPr id="3" name="Title 2"/>
-          <p:cNvSpPr>
-            <a:spLocks noGrp="1"/>
-          </p:cNvSpPr>
-          <p:nvPr>
-            <p:ph type="title"/>
-          </p:nvPr>
-        </p:nvSpPr>
-        <p:spPr/>
-        <p:txBody>
-          <a:bodyPr/>
-          <a:lstStyle/>
-          <a:p>
-            <a:r>
-              <a:rPr lang="de-DE" dirty="0"/>
-              <a:t>Agenda</a:t>
-            </a:r>
-            <a:endParaRPr lang="en-US" dirty="0"/>
-          </a:p>
-        </p:txBody>
-      </p:sp>
-      <p:sp>
-        <p:nvSpPr>
-          <p:cNvPr id="2" name="Content Placeholder 1"/>
-          <p:cNvSpPr>
-            <a:spLocks noGrp="1"/>
-          </p:cNvSpPr>
-          <p:nvPr>
-            <p:ph idx="1"/>
-          </p:nvPr>
-        </p:nvSpPr>
-        <p:spPr>
-          <a:xfrm>
-            <a:off x="457200" y="1935480"/>
-            <a:ext cx="8229600" cy="4661872"/>
-          </a:xfrm>
-        </p:spPr>
-        <p:txBody>
-          <a:bodyPr>
-            <a:normAutofit/>
-          </a:bodyPr>
-          <a:lstStyle/>
-          <a:p>
-            <a:r>
-              <a:rPr lang="de-DE" dirty="0"/>
-              <a:t>Versionsverwaltung</a:t>
-            </a:r>
-          </a:p>
-          <a:p>
-            <a:r>
-              <a:rPr lang="de-DE" dirty="0" err="1"/>
-              <a:t>Continous</a:t>
-            </a:r>
-            <a:r>
-              <a:rPr lang="de-DE" dirty="0"/>
-              <a:t> Integration</a:t>
-            </a:r>
-          </a:p>
-          <a:p>
-            <a:r>
-              <a:rPr lang="de-DE" dirty="0" err="1"/>
-              <a:t>Git</a:t>
-            </a:r>
-            <a:r>
-              <a:rPr lang="de-DE" dirty="0"/>
-              <a:t> und </a:t>
-            </a:r>
-            <a:r>
-              <a:rPr lang="de-DE" dirty="0" err="1"/>
-              <a:t>Github</a:t>
-            </a:r>
-            <a:endParaRPr lang="de-DE" dirty="0"/>
-          </a:p>
-          <a:p>
-            <a:r>
-              <a:rPr lang="en-US" dirty="0"/>
-              <a:t>Workflows / Branch Management</a:t>
-            </a:r>
-            <a:endParaRPr lang="de-DE" dirty="0"/>
-          </a:p>
-          <a:p>
-            <a:r>
-              <a:rPr lang="de-DE" dirty="0"/>
-              <a:t>Travis CI</a:t>
-            </a:r>
-          </a:p>
-          <a:p>
-            <a:endParaRPr lang="de-DE" dirty="0"/>
-          </a:p>
-        </p:txBody>
-      </p:sp>
-      <p:sp>
-        <p:nvSpPr>
-          <p:cNvPr id="4" name="Foliennummernplatzhalter 3"/>
-          <p:cNvSpPr>
-            <a:spLocks noGrp="1"/>
-          </p:cNvSpPr>
-          <p:nvPr>
-            <p:ph type="sldNum" sz="quarter" idx="12"/>
-          </p:nvPr>
-        </p:nvSpPr>
-        <p:spPr/>
-        <p:txBody>
-          <a:bodyPr/>
-          <a:lstStyle/>
-          <a:p>
-            <a:fld id="{750AB064-513B-4E5C-9ADF-210709BEB955}" type="slidenum">
-              <a:rPr lang="en-US" smtClean="0"/>
-              <a:t>2</a:t>
-            </a:fld>
-            <a:endParaRPr lang="en-US"/>
-          </a:p>
-        </p:txBody>
-      </p:sp>
-    </p:spTree>
-    <p:extLst>
-      <p:ext uri="{BB962C8B-B14F-4D97-AF65-F5344CB8AC3E}">
-        <p14:creationId xmlns:p14="http://schemas.microsoft.com/office/powerpoint/2010/main" val="3126967693"/>
-      </p:ext>
-    </p:extLst>
-  </p:cSld>
-  <p:clrMapOvr>
-    <a:masterClrMapping/>
-  </p:clrMapOvr>
-  <p:timing>
-    <p:tnLst>
-      <p:par>
-        <p:cTn id="1" dur="indefinite" restart="never" nodeType="tmRoot">
-          <p:childTnLst>
-            <p:seq concurrent="1" nextAc="seek">
-              <p:cTn id="2" dur="indefinite" nodeType="mainSeq">
-                <p:childTnLst>
-                  <p:par>
-                    <p:cTn id="3" fill="hold">
-                      <p:stCondLst>
-                        <p:cond delay="indefinite"/>
-                      </p:stCondLst>
-                      <p:childTnLst>
-                        <p:par>
-                          <p:cTn id="4" fill="hold">
-                            <p:stCondLst>
-                              <p:cond delay="0"/>
-                            </p:stCondLst>
-                            <p:childTnLst>
-                              <p:par>
-                                <p:cTn id="5" presetID="10" presetClass="entr" presetSubtype="0" fill="hold" nodeType="clickEffect">
-                                  <p:stCondLst>
-                                    <p:cond delay="0"/>
-                                  </p:stCondLst>
-                                  <p:childTnLst>
-                                    <p:set>
-                                      <p:cBhvr>
-                                        <p:cTn id="6" dur="1" fill="hold">
-                                          <p:stCondLst>
-                                            <p:cond delay="0"/>
-                                          </p:stCondLst>
-                                        </p:cTn>
-                                        <p:tgtEl>
-                                          <p:spTgt spid="2">
-                                            <p:txEl>
-                                              <p:pRg st="1" end="1"/>
-                                            </p:txEl>
-                                          </p:spTgt>
-                                        </p:tgtEl>
-                                        <p:attrNameLst>
-                                          <p:attrName>style.visibility</p:attrName>
-                                        </p:attrNameLst>
-                                      </p:cBhvr>
-                                      <p:to>
-                                        <p:strVal val="visible"/>
-                                      </p:to>
-                                    </p:set>
-                                    <p:animEffect transition="in" filter="fade">
-                                      <p:cBhvr>
-                                        <p:cTn id="7" dur="500"/>
-                                        <p:tgtEl>
-                                          <p:spTgt spid="2">
-                                            <p:txEl>
-                                              <p:pRg st="1" end="1"/>
-                                            </p:txEl>
-                                          </p:spTgt>
-                                        </p:tgtEl>
-                                      </p:cBhvr>
-                                    </p:animEffect>
-                                  </p:childTnLst>
-                                </p:cTn>
-                              </p:par>
-                            </p:childTnLst>
-                          </p:cTn>
-                        </p:par>
-                      </p:childTnLst>
-                    </p:cTn>
-                  </p:par>
-                  <p:par>
-                    <p:cTn id="8" fill="hold">
-                      <p:stCondLst>
-                        <p:cond delay="indefinite"/>
-                      </p:stCondLst>
-                      <p:childTnLst>
-                        <p:par>
-                          <p:cTn id="9" fill="hold">
-                            <p:stCondLst>
-                              <p:cond delay="0"/>
-                            </p:stCondLst>
-                            <p:childTnLst>
-                              <p:par>
-                                <p:cTn id="10" presetID="10" presetClass="entr" presetSubtype="0" fill="hold" nodeType="clickEffect">
-                                  <p:stCondLst>
-                                    <p:cond delay="0"/>
-                                  </p:stCondLst>
-                                  <p:childTnLst>
-                                    <p:set>
-                                      <p:cBhvr>
-                                        <p:cTn id="11" dur="1" fill="hold">
-                                          <p:stCondLst>
-                                            <p:cond delay="0"/>
-                                          </p:stCondLst>
-                                        </p:cTn>
-                                        <p:tgtEl>
-                                          <p:spTgt spid="2">
-                                            <p:txEl>
-                                              <p:pRg st="0" end="0"/>
-                                            </p:txEl>
-                                          </p:spTgt>
-                                        </p:tgtEl>
-                                        <p:attrNameLst>
-                                          <p:attrName>style.visibility</p:attrName>
-                                        </p:attrNameLst>
-                                      </p:cBhvr>
-                                      <p:to>
-                                        <p:strVal val="visible"/>
-                                      </p:to>
-                                    </p:set>
-                                    <p:animEffect transition="in" filter="fade">
-                                      <p:cBhvr>
-                                        <p:cTn id="12" dur="500"/>
-                                        <p:tgtEl>
-                                          <p:spTgt spid="2">
-                                            <p:txEl>
-                                              <p:pRg st="0" end="0"/>
-                                            </p:txEl>
-                                          </p:spTgt>
-                                        </p:tgtEl>
-                                      </p:cBhvr>
-                                    </p:animEffect>
-                                  </p:childTnLst>
-                                </p:cTn>
-                              </p:par>
-                            </p:childTnLst>
-                          </p:cTn>
-                        </p:par>
-                      </p:childTnLst>
-                    </p:cTn>
-                  </p:par>
-                  <p:par>
-                    <p:cTn id="13" fill="hold">
-                      <p:stCondLst>
-                        <p:cond delay="indefinite"/>
-                      </p:stCondLst>
-                      <p:childTnLst>
-                        <p:par>
-                          <p:cTn id="14" fill="hold">
-                            <p:stCondLst>
-                              <p:cond delay="0"/>
-                            </p:stCondLst>
-                            <p:childTnLst>
-                              <p:par>
-                                <p:cTn id="15" presetID="10" presetClass="entr" presetSubtype="0" fill="hold" nodeType="clickEffect">
-                                  <p:stCondLst>
-                                    <p:cond delay="0"/>
-                                  </p:stCondLst>
-                                  <p:childTnLst>
-                                    <p:set>
-                                      <p:cBhvr>
-                                        <p:cTn id="16" dur="1" fill="hold">
-                                          <p:stCondLst>
-                                            <p:cond delay="0"/>
-                                          </p:stCondLst>
-                                        </p:cTn>
-                                        <p:tgtEl>
-                                          <p:spTgt spid="2">
-                                            <p:txEl>
-                                              <p:pRg st="2" end="2"/>
-                                            </p:txEl>
-                                          </p:spTgt>
-                                        </p:tgtEl>
-                                        <p:attrNameLst>
-                                          <p:attrName>style.visibility</p:attrName>
-                                        </p:attrNameLst>
-                                      </p:cBhvr>
-                                      <p:to>
-                                        <p:strVal val="visible"/>
-                                      </p:to>
-                                    </p:set>
-                                    <p:animEffect transition="in" filter="fade">
-                                      <p:cBhvr>
-                                        <p:cTn id="17" dur="500"/>
-                                        <p:tgtEl>
-                                          <p:spTgt spid="2">
-                                            <p:txEl>
-                                              <p:pRg st="2" end="2"/>
-                                            </p:txEl>
-                                          </p:spTgt>
-                                        </p:tgtEl>
-                                      </p:cBhvr>
-                                    </p:animEffect>
-                                  </p:childTnLst>
-                                </p:cTn>
-                              </p:par>
-                            </p:childTnLst>
-                          </p:cTn>
-                        </p:par>
-                      </p:childTnLst>
-                    </p:cTn>
-                  </p:par>
-                  <p:par>
-                    <p:cTn id="18" fill="hold">
-                      <p:stCondLst>
-                        <p:cond delay="indefinite"/>
-                      </p:stCondLst>
-                      <p:childTnLst>
-                        <p:par>
-                          <p:cTn id="19" fill="hold">
-                            <p:stCondLst>
-                              <p:cond delay="0"/>
-                            </p:stCondLst>
-                            <p:childTnLst>
-                              <p:par>
-                                <p:cTn id="20" presetID="10" presetClass="entr" presetSubtype="0" fill="hold" nodeType="clickEffect">
-                                  <p:stCondLst>
-                                    <p:cond delay="0"/>
-                                  </p:stCondLst>
-                                  <p:childTnLst>
-                                    <p:set>
-                                      <p:cBhvr>
-                                        <p:cTn id="21" dur="1" fill="hold">
-                                          <p:stCondLst>
-                                            <p:cond delay="0"/>
-                                          </p:stCondLst>
-                                        </p:cTn>
-                                        <p:tgtEl>
-                                          <p:spTgt spid="2">
-                                            <p:txEl>
-                                              <p:pRg st="3" end="3"/>
-                                            </p:txEl>
-                                          </p:spTgt>
-                                        </p:tgtEl>
-                                        <p:attrNameLst>
-                                          <p:attrName>style.visibility</p:attrName>
-                                        </p:attrNameLst>
-                                      </p:cBhvr>
-                                      <p:to>
-                                        <p:strVal val="visible"/>
-                                      </p:to>
-                                    </p:set>
-                                    <p:animEffect transition="in" filter="fade">
-                                      <p:cBhvr>
-                                        <p:cTn id="22" dur="500"/>
-                                        <p:tgtEl>
-                                          <p:spTgt spid="2">
-                                            <p:txEl>
-                                              <p:pRg st="3" end="3"/>
-                                            </p:txEl>
-                                          </p:spTgt>
-                                        </p:tgtEl>
-                                      </p:cBhvr>
-                                    </p:animEffect>
-                                  </p:childTnLst>
-                                </p:cTn>
-                              </p:par>
-                            </p:childTnLst>
-                          </p:cTn>
-                        </p:par>
-                      </p:childTnLst>
-                    </p:cTn>
-                  </p:par>
-                  <p:par>
-                    <p:cTn id="23" fill="hold">
-                      <p:stCondLst>
-                        <p:cond delay="indefinite"/>
-                      </p:stCondLst>
-                      <p:childTnLst>
-                        <p:par>
-                          <p:cTn id="24" fill="hold">
-                            <p:stCondLst>
-                              <p:cond delay="0"/>
-                            </p:stCondLst>
-                            <p:childTnLst>
-                              <p:par>
-                                <p:cTn id="25" presetID="10" presetClass="entr" presetSubtype="0" fill="hold" nodeType="clickEffect">
-                                  <p:stCondLst>
-                                    <p:cond delay="0"/>
-                                  </p:stCondLst>
-                                  <p:childTnLst>
-                                    <p:set>
-                                      <p:cBhvr>
-                                        <p:cTn id="26" dur="1" fill="hold">
-                                          <p:stCondLst>
-                                            <p:cond delay="0"/>
-                                          </p:stCondLst>
-                                        </p:cTn>
-                                        <p:tgtEl>
-                                          <p:spTgt spid="2">
-                                            <p:txEl>
-                                              <p:pRg st="4" end="4"/>
-                                            </p:txEl>
-                                          </p:spTgt>
-                                        </p:tgtEl>
-                                        <p:attrNameLst>
-                                          <p:attrName>style.visibility</p:attrName>
-                                        </p:attrNameLst>
-                                      </p:cBhvr>
-                                      <p:to>
-                                        <p:strVal val="visible"/>
-                                      </p:to>
-                                    </p:set>
-                                    <p:animEffect transition="in" filter="fade">
-                                      <p:cBhvr>
-                                        <p:cTn id="27" dur="500"/>
-                                        <p:tgtEl>
-                                          <p:spTgt spid="2">
-                                            <p:txEl>
-                                              <p:pRg st="4" end="4"/>
-                                            </p:txEl>
-                                          </p:spTgt>
-                                        </p:tgtEl>
-                                      </p:cBhvr>
-                                    </p:animEffect>
-                                  </p:childTnLst>
-                                </p:cTn>
-                              </p:par>
-                            </p:childTnLst>
-                          </p:cTn>
-                        </p:par>
-                      </p:childTnLst>
-                    </p:cTn>
-                  </p:par>
-                </p:childTnLst>
-              </p:cTn>
-              <p:prevCondLst>
-                <p:cond evt="onPrev" delay="0">
-                  <p:tgtEl>
-                    <p:sldTgt/>
-                  </p:tgtEl>
-                </p:cond>
-              </p:prevCondLst>
-              <p:nextCondLst>
-                <p:cond evt="onNext" delay="0">
-                  <p:tgtEl>
-                    <p:sldTgt/>
-                  </p:tgtEl>
-                </p:cond>
-              </p:nextCondLst>
-            </p:seq>
-          </p:childTnLst>
-        </p:cTn>
-      </p:par>
-    </p:tnLst>
-  </p:timing>
-</p:sld>
-</file>
-
-<file path=ppt/slides/slide20.xml><?xml version="1.0" encoding="utf-8"?>
-<p:sld xmlns:a="http://schemas.openxmlformats.org/drawingml/2006/main" xmlns:r="http://schemas.openxmlformats.org/officeDocument/2006/relationships" xmlns:p="http://schemas.openxmlformats.org/presentationml/2006/main">
-  <p:cSld>
-    <p:spTree>
-      <p:nvGrpSpPr>
-        <p:cNvPr id="1" name=""/>
-        <p:cNvGrpSpPr/>
-        <p:nvPr/>
-      </p:nvGrpSpPr>
-      <p:grpSpPr>
-        <a:xfrm>
-          <a:off x="0" y="0"/>
-          <a:ext cx="0" cy="0"/>
-          <a:chOff x="0" y="0"/>
-          <a:chExt cx="0" cy="0"/>
-        </a:xfrm>
-      </p:grpSpPr>
-      <p:sp>
-        <p:nvSpPr>
-          <p:cNvPr id="2" name="Title 1"/>
-          <p:cNvSpPr>
-            <a:spLocks noGrp="1"/>
-          </p:cNvSpPr>
-          <p:nvPr>
-            <p:ph type="title"/>
-          </p:nvPr>
-        </p:nvSpPr>
-        <p:spPr/>
-        <p:txBody>
-          <a:bodyPr>
-            <a:normAutofit/>
-          </a:bodyPr>
-          <a:lstStyle/>
-          <a:p>
-            <a:r>
-              <a:rPr lang="en-US" dirty="0" err="1"/>
-              <a:t>Git</a:t>
-            </a:r>
-            <a:r>
-              <a:rPr lang="en-US" dirty="0"/>
-              <a:t> - </a:t>
-            </a:r>
-            <a:r>
-              <a:rPr lang="en-US" dirty="0" err="1"/>
-              <a:t>Besonderheiten</a:t>
-            </a:r>
-            <a:endParaRPr lang="en-US" dirty="0"/>
-          </a:p>
-        </p:txBody>
-      </p:sp>
-      <p:sp>
-        <p:nvSpPr>
-          <p:cNvPr id="3" name="Content Placeholder 2"/>
-          <p:cNvSpPr>
-            <a:spLocks noGrp="1"/>
-          </p:cNvSpPr>
-          <p:nvPr>
-            <p:ph idx="1"/>
-          </p:nvPr>
-        </p:nvSpPr>
-        <p:spPr/>
-        <p:txBody>
-          <a:bodyPr>
-            <a:normAutofit/>
-          </a:bodyPr>
-          <a:lstStyle/>
-          <a:p>
-            <a:pPr lvl="2"/>
-            <a:r>
-              <a:rPr lang="de-DE" dirty="0"/>
-              <a:t>Nicht-Lineare Entwicklung</a:t>
-            </a:r>
-          </a:p>
-          <a:p>
-            <a:pPr lvl="3"/>
-            <a:r>
-              <a:rPr lang="de-DE" dirty="0" err="1"/>
-              <a:t>Branching</a:t>
-            </a:r>
-            <a:r>
-              <a:rPr lang="de-DE" dirty="0"/>
-              <a:t> und </a:t>
-            </a:r>
-            <a:r>
-              <a:rPr lang="de-DE" dirty="0" err="1"/>
-              <a:t>Merging</a:t>
-            </a:r>
-            <a:r>
-              <a:rPr lang="de-DE" dirty="0"/>
-              <a:t> sind integraler Bestandteil (Feature-</a:t>
-            </a:r>
-            <a:r>
-              <a:rPr lang="de-DE" dirty="0" err="1"/>
-              <a:t>Based</a:t>
-            </a:r>
-            <a:r>
-              <a:rPr lang="de-DE" dirty="0"/>
-              <a:t>-Workflow)</a:t>
-            </a:r>
-          </a:p>
-          <a:p>
-            <a:pPr lvl="3"/>
-            <a:r>
-              <a:rPr lang="de-DE" dirty="0" err="1"/>
-              <a:t>Branches</a:t>
-            </a:r>
-            <a:r>
-              <a:rPr lang="de-DE" dirty="0"/>
-              <a:t> sind performant integriert (</a:t>
-            </a:r>
-            <a:r>
-              <a:rPr lang="de-DE" dirty="0" err="1"/>
-              <a:t>Branch</a:t>
-            </a:r>
-            <a:r>
-              <a:rPr lang="de-DE" dirty="0"/>
-              <a:t> stellt nur eine Reference </a:t>
-            </a:r>
-            <a:r>
-              <a:rPr lang="de-DE" sz="1600" dirty="0"/>
-              <a:t>(Textdatei mit einer Commit-ID)</a:t>
-            </a:r>
-            <a:r>
-              <a:rPr lang="de-DE" dirty="0"/>
-              <a:t> dar, die in einem Repository im Verzeichnis .</a:t>
-            </a:r>
-            <a:r>
-              <a:rPr lang="de-DE" dirty="0" err="1"/>
-              <a:t>git</a:t>
-            </a:r>
-            <a:r>
-              <a:rPr lang="de-DE" dirty="0"/>
-              <a:t>/</a:t>
-            </a:r>
-            <a:r>
-              <a:rPr lang="de-DE" dirty="0" err="1"/>
-              <a:t>refs</a:t>
-            </a:r>
-            <a:r>
-              <a:rPr lang="de-DE" dirty="0"/>
-              <a:t>/</a:t>
-            </a:r>
-            <a:r>
-              <a:rPr lang="de-DE" dirty="0" err="1"/>
-              <a:t>heads</a:t>
-            </a:r>
-            <a:r>
-              <a:rPr lang="de-DE" dirty="0"/>
-              <a:t> liegt und auf einen bestimmten Commit verweist. Über dessen Parental </a:t>
-            </a:r>
-            <a:r>
-              <a:rPr lang="de-DE" dirty="0" err="1"/>
-              <a:t>Commits</a:t>
-            </a:r>
-            <a:r>
-              <a:rPr lang="de-DE" dirty="0"/>
-              <a:t>, also Eltern-</a:t>
-            </a:r>
-            <a:r>
-              <a:rPr lang="de-DE" dirty="0" err="1"/>
-              <a:t>Commits</a:t>
-            </a:r>
-            <a:r>
-              <a:rPr lang="de-DE" dirty="0"/>
-              <a:t>, lässt sich die </a:t>
-            </a:r>
-            <a:r>
-              <a:rPr lang="de-DE" dirty="0" err="1"/>
-              <a:t>Branch</a:t>
-            </a:r>
-            <a:r>
-              <a:rPr lang="de-DE" dirty="0"/>
-              <a:t>-Struktur rekonstruieren)</a:t>
-            </a:r>
-          </a:p>
-          <a:p>
-            <a:pPr lvl="3"/>
-            <a:r>
-              <a:rPr lang="de-DE" dirty="0"/>
-              <a:t>Sehr große und effiziente Entwicklungsstrukturen (</a:t>
-            </a:r>
-            <a:r>
-              <a:rPr lang="de-DE" dirty="0" err="1"/>
-              <a:t>Git</a:t>
-            </a:r>
-            <a:r>
-              <a:rPr lang="de-DE" dirty="0"/>
-              <a:t>, Linux) realisierbar (jedes Feature bzw. jeder Entwickler hat einen </a:t>
-            </a:r>
-            <a:r>
-              <a:rPr lang="de-DE" dirty="0" err="1"/>
-              <a:t>Branch</a:t>
-            </a:r>
-            <a:r>
-              <a:rPr lang="de-DE" dirty="0"/>
-              <a:t>/Repository und der </a:t>
-            </a:r>
-            <a:r>
-              <a:rPr lang="de-DE" dirty="0" err="1"/>
-              <a:t>Maintainer</a:t>
-            </a:r>
-            <a:r>
-              <a:rPr lang="de-DE" dirty="0"/>
-              <a:t> übernimmt </a:t>
-            </a:r>
-            <a:r>
-              <a:rPr lang="de-DE" dirty="0" err="1"/>
-              <a:t>Commits</a:t>
-            </a:r>
-            <a:r>
-              <a:rPr lang="de-DE" dirty="0"/>
-              <a:t>)</a:t>
-            </a:r>
-          </a:p>
-          <a:p>
-            <a:pPr lvl="2"/>
-            <a:endParaRPr lang="de-DE" dirty="0"/>
-          </a:p>
-          <a:p>
-            <a:pPr lvl="2"/>
-            <a:endParaRPr lang="de-DE" dirty="0"/>
-          </a:p>
-          <a:p>
-            <a:pPr lvl="1"/>
-            <a:endParaRPr lang="de-DE" dirty="0"/>
-          </a:p>
-          <a:p>
-            <a:pPr lvl="2"/>
-            <a:endParaRPr lang="de-DE" dirty="0"/>
-          </a:p>
-          <a:p>
-            <a:pPr lvl="2"/>
-            <a:endParaRPr lang="de-DE" dirty="0"/>
-          </a:p>
-          <a:p>
-            <a:pPr lvl="1"/>
-            <a:endParaRPr lang="de-DE" dirty="0"/>
-          </a:p>
-          <a:p>
-            <a:pPr lvl="2"/>
-            <a:endParaRPr lang="de-DE" dirty="0"/>
-          </a:p>
-          <a:p>
-            <a:pPr lvl="2"/>
-            <a:endParaRPr lang="de-DE" dirty="0"/>
-          </a:p>
-          <a:p>
-            <a:pPr lvl="2"/>
-            <a:endParaRPr lang="de-DE" dirty="0"/>
-          </a:p>
-        </p:txBody>
-      </p:sp>
-      <p:sp>
-        <p:nvSpPr>
-          <p:cNvPr id="4" name="Foliennummernplatzhalter 3"/>
-          <p:cNvSpPr>
-            <a:spLocks noGrp="1"/>
-          </p:cNvSpPr>
-          <p:nvPr>
-            <p:ph type="sldNum" sz="quarter" idx="12"/>
-          </p:nvPr>
-        </p:nvSpPr>
-        <p:spPr/>
-        <p:txBody>
-          <a:bodyPr/>
-          <a:lstStyle/>
-          <a:p>
-            <a:fld id="{750AB064-513B-4E5C-9ADF-210709BEB955}" type="slidenum">
-              <a:rPr lang="en-US" smtClean="0"/>
-              <a:t>20</a:t>
-            </a:fld>
-            <a:endParaRPr lang="en-US"/>
-          </a:p>
-        </p:txBody>
-      </p:sp>
-    </p:spTree>
-    <p:extLst>
-      <p:ext uri="{BB962C8B-B14F-4D97-AF65-F5344CB8AC3E}">
-        <p14:creationId xmlns:p14="http://schemas.microsoft.com/office/powerpoint/2010/main" val="1429941628"/>
-      </p:ext>
-    </p:extLst>
-  </p:cSld>
-  <p:clrMapOvr>
-    <a:masterClrMapping/>
-  </p:clrMapOvr>
-  <p:timing>
-    <p:tnLst>
-      <p:par>
-        <p:cTn id="1" dur="indefinite" restart="never" nodeType="tmRoot">
-          <p:childTnLst>
-            <p:seq concurrent="1" nextAc="seek">
-              <p:cTn id="2" dur="indefinite" nodeType="mainSeq">
-                <p:childTnLst>
-                  <p:par>
-                    <p:cTn id="3" fill="hold">
-                      <p:stCondLst>
-                        <p:cond delay="indefinite"/>
-                      </p:stCondLst>
-                      <p:childTnLst>
-                        <p:par>
-                          <p:cTn id="4" fill="hold">
-                            <p:stCondLst>
-                              <p:cond delay="0"/>
-                            </p:stCondLst>
-                            <p:childTnLst>
-                              <p:par>
-                                <p:cTn id="5" presetID="10" presetClass="entr" presetSubtype="0" fill="hold" nodeType="clickEffect">
-                                  <p:stCondLst>
-                                    <p:cond delay="0"/>
-                                  </p:stCondLst>
-                                  <p:childTnLst>
-                                    <p:set>
-                                      <p:cBhvr>
-                                        <p:cTn id="6" dur="1" fill="hold">
-                                          <p:stCondLst>
-                                            <p:cond delay="0"/>
-                                          </p:stCondLst>
-                                        </p:cTn>
-                                        <p:tgtEl>
-                                          <p:spTgt spid="3">
-                                            <p:txEl>
-                                              <p:pRg st="0" end="0"/>
-                                            </p:txEl>
-                                          </p:spTgt>
-                                        </p:tgtEl>
-                                        <p:attrNameLst>
-                                          <p:attrName>style.visibility</p:attrName>
-                                        </p:attrNameLst>
-                                      </p:cBhvr>
-                                      <p:to>
-                                        <p:strVal val="visible"/>
-                                      </p:to>
-                                    </p:set>
-                                    <p:animEffect transition="in" filter="fade">
-                                      <p:cBhvr>
-                                        <p:cTn id="7" dur="500"/>
-                                        <p:tgtEl>
-                                          <p:spTgt spid="3">
-                                            <p:txEl>
-                                              <p:pRg st="0" end="0"/>
-                                            </p:txEl>
-                                          </p:spTgt>
-                                        </p:tgtEl>
-                                      </p:cBhvr>
-                                    </p:animEffect>
-                                  </p:childTnLst>
-                                </p:cTn>
-                              </p:par>
-                            </p:childTnLst>
-                          </p:cTn>
-                        </p:par>
-                      </p:childTnLst>
-                    </p:cTn>
-                  </p:par>
-                  <p:par>
-                    <p:cTn id="8" fill="hold">
-                      <p:stCondLst>
-                        <p:cond delay="indefinite"/>
-                      </p:stCondLst>
-                      <p:childTnLst>
-                        <p:par>
-                          <p:cTn id="9" fill="hold">
-                            <p:stCondLst>
-                              <p:cond delay="0"/>
-                            </p:stCondLst>
-                            <p:childTnLst>
-                              <p:par>
-                                <p:cTn id="10" presetID="10" presetClass="entr" presetSubtype="0" fill="hold" nodeType="clickEffect">
-                                  <p:stCondLst>
-                                    <p:cond delay="0"/>
-                                  </p:stCondLst>
-                                  <p:childTnLst>
-                                    <p:set>
-                                      <p:cBhvr>
-                                        <p:cTn id="11" dur="1" fill="hold">
-                                          <p:stCondLst>
-                                            <p:cond delay="0"/>
-                                          </p:stCondLst>
-                                        </p:cTn>
-                                        <p:tgtEl>
-                                          <p:spTgt spid="3">
-                                            <p:txEl>
-                                              <p:pRg st="1" end="1"/>
-                                            </p:txEl>
-                                          </p:spTgt>
-                                        </p:tgtEl>
-                                        <p:attrNameLst>
-                                          <p:attrName>style.visibility</p:attrName>
-                                        </p:attrNameLst>
-                                      </p:cBhvr>
-                                      <p:to>
-                                        <p:strVal val="visible"/>
-                                      </p:to>
-                                    </p:set>
-                                    <p:animEffect transition="in" filter="fade">
-                                      <p:cBhvr>
-                                        <p:cTn id="12" dur="500"/>
-                                        <p:tgtEl>
-                                          <p:spTgt spid="3">
-                                            <p:txEl>
-                                              <p:pRg st="1" end="1"/>
-                                            </p:txEl>
-                                          </p:spTgt>
-                                        </p:tgtEl>
-                                      </p:cBhvr>
-                                    </p:animEffect>
-                                  </p:childTnLst>
-                                </p:cTn>
-                              </p:par>
-                            </p:childTnLst>
-                          </p:cTn>
-                        </p:par>
-                      </p:childTnLst>
-                    </p:cTn>
-                  </p:par>
-                  <p:par>
-                    <p:cTn id="13" fill="hold">
-                      <p:stCondLst>
-                        <p:cond delay="indefinite"/>
-                      </p:stCondLst>
-                      <p:childTnLst>
-                        <p:par>
-                          <p:cTn id="14" fill="hold">
-                            <p:stCondLst>
-                              <p:cond delay="0"/>
-                            </p:stCondLst>
-                            <p:childTnLst>
-                              <p:par>
-                                <p:cTn id="15" presetID="10" presetClass="entr" presetSubtype="0" fill="hold" nodeType="clickEffect">
-                                  <p:stCondLst>
-                                    <p:cond delay="0"/>
-                                  </p:stCondLst>
-                                  <p:childTnLst>
-                                    <p:set>
-                                      <p:cBhvr>
-                                        <p:cTn id="16" dur="1" fill="hold">
-                                          <p:stCondLst>
-                                            <p:cond delay="0"/>
-                                          </p:stCondLst>
-                                        </p:cTn>
-                                        <p:tgtEl>
-                                          <p:spTgt spid="3">
-                                            <p:txEl>
-                                              <p:pRg st="2" end="2"/>
-                                            </p:txEl>
-                                          </p:spTgt>
-                                        </p:tgtEl>
-                                        <p:attrNameLst>
-                                          <p:attrName>style.visibility</p:attrName>
-                                        </p:attrNameLst>
-                                      </p:cBhvr>
-                                      <p:to>
-                                        <p:strVal val="visible"/>
-                                      </p:to>
-                                    </p:set>
-                                    <p:animEffect transition="in" filter="fade">
-                                      <p:cBhvr>
-                                        <p:cTn id="17" dur="500"/>
-                                        <p:tgtEl>
-                                          <p:spTgt spid="3">
-                                            <p:txEl>
-                                              <p:pRg st="2" end="2"/>
-                                            </p:txEl>
-                                          </p:spTgt>
-                                        </p:tgtEl>
-                                      </p:cBhvr>
-                                    </p:animEffect>
-                                  </p:childTnLst>
-                                </p:cTn>
-                              </p:par>
-                            </p:childTnLst>
-                          </p:cTn>
-                        </p:par>
-                      </p:childTnLst>
-                    </p:cTn>
-                  </p:par>
-                  <p:par>
-                    <p:cTn id="18" fill="hold">
-                      <p:stCondLst>
-                        <p:cond delay="indefinite"/>
-                      </p:stCondLst>
-                      <p:childTnLst>
-                        <p:par>
-                          <p:cTn id="19" fill="hold">
-                            <p:stCondLst>
-                              <p:cond delay="0"/>
-                            </p:stCondLst>
-                            <p:childTnLst>
-                              <p:par>
-                                <p:cTn id="20" presetID="10" presetClass="entr" presetSubtype="0" fill="hold" nodeType="clickEffect">
-                                  <p:stCondLst>
-                                    <p:cond delay="0"/>
-                                  </p:stCondLst>
-                                  <p:childTnLst>
-                                    <p:set>
-                                      <p:cBhvr>
-                                        <p:cTn id="21" dur="1" fill="hold">
-                                          <p:stCondLst>
-                                            <p:cond delay="0"/>
-                                          </p:stCondLst>
-                                        </p:cTn>
-                                        <p:tgtEl>
-                                          <p:spTgt spid="3">
-                                            <p:txEl>
-                                              <p:pRg st="3" end="3"/>
-                                            </p:txEl>
-                                          </p:spTgt>
-                                        </p:tgtEl>
-                                        <p:attrNameLst>
-                                          <p:attrName>style.visibility</p:attrName>
-                                        </p:attrNameLst>
-                                      </p:cBhvr>
-                                      <p:to>
-                                        <p:strVal val="visible"/>
-                                      </p:to>
-                                    </p:set>
-                                    <p:animEffect transition="in" filter="fade">
-                                      <p:cBhvr>
-                                        <p:cTn id="22" dur="500"/>
-                                        <p:tgtEl>
-                                          <p:spTgt spid="3">
-                                            <p:txEl>
-                                              <p:pRg st="3" end="3"/>
-                                            </p:txEl>
-                                          </p:spTgt>
-                                        </p:tgtEl>
-                                      </p:cBhvr>
-                                    </p:animEffect>
-                                  </p:childTnLst>
-                                </p:cTn>
-                              </p:par>
-                            </p:childTnLst>
-                          </p:cTn>
-                        </p:par>
-                      </p:childTnLst>
-                    </p:cTn>
-                  </p:par>
-                </p:childTnLst>
-              </p:cTn>
-              <p:prevCondLst>
-                <p:cond evt="onPrev" delay="0">
-                  <p:tgtEl>
-                    <p:sldTgt/>
-                  </p:tgtEl>
-                </p:cond>
-              </p:prevCondLst>
-              <p:nextCondLst>
-                <p:cond evt="onNext" delay="0">
-                  <p:tgtEl>
-                    <p:sldTgt/>
-                  </p:tgtEl>
-                </p:cond>
-              </p:nextCondLst>
-            </p:seq>
-          </p:childTnLst>
-        </p:cTn>
-      </p:par>
-    </p:tnLst>
-  </p:timing>
-</p:sld>
-</file>
-
-<file path=ppt/slides/slide21.xml><?xml version="1.0" encoding="utf-8"?>
-<p:sld xmlns:a="http://schemas.openxmlformats.org/drawingml/2006/main" xmlns:r="http://schemas.openxmlformats.org/officeDocument/2006/relationships" xmlns:p="http://schemas.openxmlformats.org/presentationml/2006/main">
-  <p:cSld>
-    <p:spTree>
-      <p:nvGrpSpPr>
-        <p:cNvPr id="1" name=""/>
-        <p:cNvGrpSpPr/>
-        <p:nvPr/>
-      </p:nvGrpSpPr>
-      <p:grpSpPr>
-        <a:xfrm>
-          <a:off x="0" y="0"/>
-          <a:ext cx="0" cy="0"/>
-          <a:chOff x="0" y="0"/>
-          <a:chExt cx="0" cy="0"/>
-        </a:xfrm>
-      </p:grpSpPr>
-      <p:sp>
-        <p:nvSpPr>
-          <p:cNvPr id="2" name="Title 1"/>
-          <p:cNvSpPr>
-            <a:spLocks noGrp="1"/>
-          </p:cNvSpPr>
-          <p:nvPr>
-            <p:ph type="title"/>
-          </p:nvPr>
-        </p:nvSpPr>
-        <p:spPr/>
-        <p:txBody>
-          <a:bodyPr>
-            <a:normAutofit/>
-          </a:bodyPr>
-          <a:lstStyle/>
-          <a:p>
-            <a:r>
-              <a:rPr lang="en-US" dirty="0" err="1"/>
-              <a:t>Git</a:t>
-            </a:r>
-            <a:r>
-              <a:rPr lang="en-US" dirty="0"/>
-              <a:t> - </a:t>
-            </a:r>
-            <a:r>
-              <a:rPr lang="en-US" dirty="0" err="1"/>
-              <a:t>Besonderheiten</a:t>
-            </a:r>
-            <a:endParaRPr lang="en-US" dirty="0"/>
-          </a:p>
-        </p:txBody>
-      </p:sp>
-      <p:sp>
-        <p:nvSpPr>
-          <p:cNvPr id="3" name="Content Placeholder 2"/>
-          <p:cNvSpPr>
-            <a:spLocks noGrp="1"/>
-          </p:cNvSpPr>
-          <p:nvPr>
-            <p:ph idx="1"/>
-          </p:nvPr>
-        </p:nvSpPr>
-        <p:spPr/>
-        <p:txBody>
-          <a:bodyPr>
-            <a:normAutofit/>
-          </a:bodyPr>
-          <a:lstStyle/>
-          <a:p>
-            <a:pPr lvl="2"/>
-            <a:r>
-              <a:rPr lang="de-DE" dirty="0"/>
-              <a:t>Kein zentraler Server (siehe dezentrales SCM)</a:t>
-            </a:r>
-          </a:p>
-          <a:p>
-            <a:pPr lvl="2"/>
-            <a:r>
-              <a:rPr lang="de-DE" dirty="0"/>
-              <a:t>Datentransfer zwischen </a:t>
-            </a:r>
-            <a:r>
-              <a:rPr lang="de-DE" dirty="0" err="1"/>
-              <a:t>Repositorys</a:t>
-            </a:r>
-            <a:r>
-              <a:rPr lang="de-DE" dirty="0"/>
-              <a:t> auf verschiedene Wege (Protokolle, Patches, Review-Systeme, Push &amp; </a:t>
-            </a:r>
-            <a:r>
-              <a:rPr lang="de-DE" dirty="0" err="1"/>
-              <a:t>Merge</a:t>
-            </a:r>
-            <a:r>
-              <a:rPr lang="de-DE" dirty="0"/>
-              <a:t>)</a:t>
-            </a:r>
-          </a:p>
-          <a:p>
-            <a:pPr lvl="2"/>
-            <a:r>
-              <a:rPr lang="de-DE" dirty="0"/>
-              <a:t>Kryptographische Sicherheit der Projektgeschichte (durch Hashs)</a:t>
-            </a:r>
-          </a:p>
-          <a:p>
-            <a:pPr lvl="2"/>
-            <a:r>
-              <a:rPr lang="de-DE" dirty="0"/>
-              <a:t>Speichersystem und </a:t>
-            </a:r>
-            <a:r>
-              <a:rPr lang="de-DE" dirty="0" err="1"/>
-              <a:t>Dateiversionierung</a:t>
-            </a:r>
-            <a:endParaRPr lang="de-DE" dirty="0"/>
-          </a:p>
-          <a:p>
-            <a:pPr lvl="3"/>
-            <a:r>
-              <a:rPr lang="de-DE" dirty="0"/>
-              <a:t>Gesamtes Verzeichnis weist gleiche Revisionsnummer auf</a:t>
-            </a:r>
-          </a:p>
-          <a:p>
-            <a:pPr lvl="3"/>
-            <a:r>
-              <a:rPr lang="de-DE" dirty="0"/>
-              <a:t>Wird eine Datei in einem Commit nicht geändert, ändert sich Prüfsumme nicht und sie muss nicht nochmals gespeichert werden. </a:t>
-            </a:r>
-          </a:p>
-          <a:p>
-            <a:pPr lvl="2"/>
-            <a:r>
-              <a:rPr lang="de-DE" dirty="0"/>
-              <a:t>Säubern des </a:t>
-            </a:r>
-            <a:r>
-              <a:rPr lang="de-DE" dirty="0" err="1"/>
-              <a:t>Repositorys</a:t>
-            </a:r>
-            <a:r>
-              <a:rPr lang="de-DE" dirty="0"/>
-              <a:t> (Daten gelöschter und zurückgenommener Aktionen und </a:t>
-            </a:r>
-            <a:r>
-              <a:rPr lang="de-DE" dirty="0" err="1"/>
-              <a:t>Branches</a:t>
-            </a:r>
-            <a:r>
-              <a:rPr lang="de-DE" dirty="0"/>
-              <a:t> bleiben bis zur expliziten Löschung vorhanden)</a:t>
-            </a:r>
-          </a:p>
-          <a:p>
-            <a:pPr lvl="2"/>
-            <a:endParaRPr lang="de-DE" dirty="0"/>
-          </a:p>
-          <a:p>
-            <a:pPr lvl="2"/>
-            <a:endParaRPr lang="de-DE" dirty="0"/>
-          </a:p>
-          <a:p>
-            <a:pPr lvl="1"/>
-            <a:endParaRPr lang="de-DE" dirty="0"/>
-          </a:p>
-          <a:p>
-            <a:pPr lvl="2"/>
-            <a:endParaRPr lang="de-DE" dirty="0"/>
-          </a:p>
-          <a:p>
-            <a:pPr lvl="2"/>
-            <a:endParaRPr lang="de-DE" dirty="0"/>
-          </a:p>
-          <a:p>
-            <a:pPr lvl="1"/>
-            <a:endParaRPr lang="de-DE" dirty="0"/>
-          </a:p>
-          <a:p>
-            <a:pPr lvl="2"/>
-            <a:endParaRPr lang="de-DE" dirty="0"/>
-          </a:p>
-          <a:p>
-            <a:pPr lvl="2"/>
-            <a:endParaRPr lang="de-DE" dirty="0"/>
-          </a:p>
-          <a:p>
-            <a:pPr lvl="2"/>
-            <a:endParaRPr lang="de-DE" dirty="0"/>
-          </a:p>
-        </p:txBody>
-      </p:sp>
-      <p:sp>
-        <p:nvSpPr>
-          <p:cNvPr id="4" name="Foliennummernplatzhalter 3"/>
-          <p:cNvSpPr>
-            <a:spLocks noGrp="1"/>
-          </p:cNvSpPr>
-          <p:nvPr>
-            <p:ph type="sldNum" sz="quarter" idx="12"/>
-          </p:nvPr>
-        </p:nvSpPr>
-        <p:spPr/>
-        <p:txBody>
-          <a:bodyPr/>
-          <a:lstStyle/>
-          <a:p>
-            <a:fld id="{750AB064-513B-4E5C-9ADF-210709BEB955}" type="slidenum">
-              <a:rPr lang="en-US" smtClean="0"/>
-              <a:t>21</a:t>
-            </a:fld>
-            <a:endParaRPr lang="en-US"/>
-          </a:p>
-        </p:txBody>
-      </p:sp>
-    </p:spTree>
-    <p:extLst>
-      <p:ext uri="{BB962C8B-B14F-4D97-AF65-F5344CB8AC3E}">
-        <p14:creationId xmlns:p14="http://schemas.microsoft.com/office/powerpoint/2010/main" val="1221602424"/>
-      </p:ext>
-    </p:extLst>
-  </p:cSld>
-  <p:clrMapOvr>
-    <a:masterClrMapping/>
-  </p:clrMapOvr>
-  <p:timing>
-    <p:tnLst>
-      <p:par>
-        <p:cTn id="1" dur="indefinite" restart="never" nodeType="tmRoot">
-          <p:childTnLst>
-            <p:seq concurrent="1" nextAc="seek">
-              <p:cTn id="2" dur="indefinite" nodeType="mainSeq">
-                <p:childTnLst>
-                  <p:par>
-                    <p:cTn id="3" fill="hold">
-                      <p:stCondLst>
-                        <p:cond delay="indefinite"/>
-                      </p:stCondLst>
-                      <p:childTnLst>
-                        <p:par>
-                          <p:cTn id="4" fill="hold">
-                            <p:stCondLst>
-                              <p:cond delay="0"/>
-                            </p:stCondLst>
-                            <p:childTnLst>
-                              <p:par>
-                                <p:cTn id="5" presetID="10" presetClass="entr" presetSubtype="0" fill="hold" nodeType="clickEffect">
-                                  <p:stCondLst>
-                                    <p:cond delay="0"/>
-                                  </p:stCondLst>
-                                  <p:childTnLst>
-                                    <p:set>
-                                      <p:cBhvr>
-                                        <p:cTn id="6" dur="1" fill="hold">
-                                          <p:stCondLst>
-                                            <p:cond delay="0"/>
-                                          </p:stCondLst>
-                                        </p:cTn>
-                                        <p:tgtEl>
-                                          <p:spTgt spid="3">
-                                            <p:txEl>
-                                              <p:pRg st="0" end="0"/>
-                                            </p:txEl>
-                                          </p:spTgt>
-                                        </p:tgtEl>
-                                        <p:attrNameLst>
-                                          <p:attrName>style.visibility</p:attrName>
-                                        </p:attrNameLst>
-                                      </p:cBhvr>
-                                      <p:to>
-                                        <p:strVal val="visible"/>
-                                      </p:to>
-                                    </p:set>
-                                    <p:animEffect transition="in" filter="fade">
-                                      <p:cBhvr>
-                                        <p:cTn id="7" dur="500"/>
-                                        <p:tgtEl>
-                                          <p:spTgt spid="3">
-                                            <p:txEl>
-                                              <p:pRg st="0" end="0"/>
-                                            </p:txEl>
-                                          </p:spTgt>
-                                        </p:tgtEl>
-                                      </p:cBhvr>
-                                    </p:animEffect>
-                                  </p:childTnLst>
-                                </p:cTn>
-                              </p:par>
-                            </p:childTnLst>
-                          </p:cTn>
-                        </p:par>
-                      </p:childTnLst>
-                    </p:cTn>
-                  </p:par>
-                  <p:par>
-                    <p:cTn id="8" fill="hold">
-                      <p:stCondLst>
-                        <p:cond delay="indefinite"/>
-                      </p:stCondLst>
-                      <p:childTnLst>
-                        <p:par>
-                          <p:cTn id="9" fill="hold">
-                            <p:stCondLst>
-                              <p:cond delay="0"/>
-                            </p:stCondLst>
-                            <p:childTnLst>
-                              <p:par>
-                                <p:cTn id="10" presetID="10" presetClass="entr" presetSubtype="0" fill="hold" nodeType="clickEffect">
-                                  <p:stCondLst>
-                                    <p:cond delay="0"/>
-                                  </p:stCondLst>
-                                  <p:childTnLst>
-                                    <p:set>
-                                      <p:cBhvr>
-                                        <p:cTn id="11" dur="1" fill="hold">
-                                          <p:stCondLst>
-                                            <p:cond delay="0"/>
-                                          </p:stCondLst>
-                                        </p:cTn>
-                                        <p:tgtEl>
-                                          <p:spTgt spid="3">
-                                            <p:txEl>
-                                              <p:pRg st="1" end="1"/>
-                                            </p:txEl>
-                                          </p:spTgt>
-                                        </p:tgtEl>
-                                        <p:attrNameLst>
-                                          <p:attrName>style.visibility</p:attrName>
-                                        </p:attrNameLst>
-                                      </p:cBhvr>
-                                      <p:to>
-                                        <p:strVal val="visible"/>
-                                      </p:to>
-                                    </p:set>
-                                    <p:animEffect transition="in" filter="fade">
-                                      <p:cBhvr>
-                                        <p:cTn id="12" dur="500"/>
-                                        <p:tgtEl>
-                                          <p:spTgt spid="3">
-                                            <p:txEl>
-                                              <p:pRg st="1" end="1"/>
-                                            </p:txEl>
-                                          </p:spTgt>
-                                        </p:tgtEl>
-                                      </p:cBhvr>
-                                    </p:animEffect>
-                                  </p:childTnLst>
-                                </p:cTn>
-                              </p:par>
-                            </p:childTnLst>
-                          </p:cTn>
-                        </p:par>
-                      </p:childTnLst>
-                    </p:cTn>
-                  </p:par>
-                  <p:par>
-                    <p:cTn id="13" fill="hold">
-                      <p:stCondLst>
-                        <p:cond delay="indefinite"/>
-                      </p:stCondLst>
-                      <p:childTnLst>
-                        <p:par>
-                          <p:cTn id="14" fill="hold">
-                            <p:stCondLst>
-                              <p:cond delay="0"/>
-                            </p:stCondLst>
-                            <p:childTnLst>
-                              <p:par>
-                                <p:cTn id="15" presetID="10" presetClass="entr" presetSubtype="0" fill="hold" nodeType="clickEffect">
-                                  <p:stCondLst>
-                                    <p:cond delay="0"/>
-                                  </p:stCondLst>
-                                  <p:childTnLst>
-                                    <p:set>
-                                      <p:cBhvr>
-                                        <p:cTn id="16" dur="1" fill="hold">
-                                          <p:stCondLst>
-                                            <p:cond delay="0"/>
-                                          </p:stCondLst>
-                                        </p:cTn>
-                                        <p:tgtEl>
-                                          <p:spTgt spid="3">
-                                            <p:txEl>
-                                              <p:pRg st="2" end="2"/>
-                                            </p:txEl>
-                                          </p:spTgt>
-                                        </p:tgtEl>
-                                        <p:attrNameLst>
-                                          <p:attrName>style.visibility</p:attrName>
-                                        </p:attrNameLst>
-                                      </p:cBhvr>
-                                      <p:to>
-                                        <p:strVal val="visible"/>
-                                      </p:to>
-                                    </p:set>
-                                    <p:animEffect transition="in" filter="fade">
-                                      <p:cBhvr>
-                                        <p:cTn id="17" dur="500"/>
-                                        <p:tgtEl>
-                                          <p:spTgt spid="3">
-                                            <p:txEl>
-                                              <p:pRg st="2" end="2"/>
-                                            </p:txEl>
-                                          </p:spTgt>
-                                        </p:tgtEl>
-                                      </p:cBhvr>
-                                    </p:animEffect>
-                                  </p:childTnLst>
-                                </p:cTn>
-                              </p:par>
-                            </p:childTnLst>
-                          </p:cTn>
-                        </p:par>
-                      </p:childTnLst>
-                    </p:cTn>
-                  </p:par>
-                  <p:par>
-                    <p:cTn id="18" fill="hold">
-                      <p:stCondLst>
-                        <p:cond delay="indefinite"/>
-                      </p:stCondLst>
-                      <p:childTnLst>
-                        <p:par>
-                          <p:cTn id="19" fill="hold">
-                            <p:stCondLst>
-                              <p:cond delay="0"/>
-                            </p:stCondLst>
-                            <p:childTnLst>
-                              <p:par>
-                                <p:cTn id="20" presetID="10" presetClass="entr" presetSubtype="0" fill="hold" nodeType="clickEffect">
-                                  <p:stCondLst>
-                                    <p:cond delay="0"/>
-                                  </p:stCondLst>
-                                  <p:childTnLst>
-                                    <p:set>
-                                      <p:cBhvr>
-                                        <p:cTn id="21" dur="1" fill="hold">
-                                          <p:stCondLst>
-                                            <p:cond delay="0"/>
-                                          </p:stCondLst>
-                                        </p:cTn>
-                                        <p:tgtEl>
-                                          <p:spTgt spid="3">
-                                            <p:txEl>
-                                              <p:pRg st="3" end="3"/>
-                                            </p:txEl>
-                                          </p:spTgt>
-                                        </p:tgtEl>
-                                        <p:attrNameLst>
-                                          <p:attrName>style.visibility</p:attrName>
-                                        </p:attrNameLst>
-                                      </p:cBhvr>
-                                      <p:to>
-                                        <p:strVal val="visible"/>
-                                      </p:to>
-                                    </p:set>
-                                    <p:animEffect transition="in" filter="fade">
-                                      <p:cBhvr>
-                                        <p:cTn id="22" dur="500"/>
-                                        <p:tgtEl>
-                                          <p:spTgt spid="3">
-                                            <p:txEl>
-                                              <p:pRg st="3" end="3"/>
-                                            </p:txEl>
-                                          </p:spTgt>
-                                        </p:tgtEl>
-                                      </p:cBhvr>
-                                    </p:animEffect>
-                                  </p:childTnLst>
-                                </p:cTn>
-                              </p:par>
-                            </p:childTnLst>
-                          </p:cTn>
-                        </p:par>
-                      </p:childTnLst>
-                    </p:cTn>
-                  </p:par>
-                  <p:par>
-                    <p:cTn id="23" fill="hold">
-                      <p:stCondLst>
-                        <p:cond delay="indefinite"/>
-                      </p:stCondLst>
-                      <p:childTnLst>
-                        <p:par>
-                          <p:cTn id="24" fill="hold">
-                            <p:stCondLst>
-                              <p:cond delay="0"/>
-                            </p:stCondLst>
-                            <p:childTnLst>
-                              <p:par>
-                                <p:cTn id="25" presetID="10" presetClass="entr" presetSubtype="0" fill="hold" nodeType="clickEffect">
-                                  <p:stCondLst>
-                                    <p:cond delay="0"/>
-                                  </p:stCondLst>
-                                  <p:childTnLst>
-                                    <p:set>
-                                      <p:cBhvr>
-                                        <p:cTn id="26" dur="1" fill="hold">
-                                          <p:stCondLst>
-                                            <p:cond delay="0"/>
-                                          </p:stCondLst>
-                                        </p:cTn>
-                                        <p:tgtEl>
-                                          <p:spTgt spid="3">
-                                            <p:txEl>
-                                              <p:pRg st="4" end="4"/>
-                                            </p:txEl>
-                                          </p:spTgt>
-                                        </p:tgtEl>
-                                        <p:attrNameLst>
-                                          <p:attrName>style.visibility</p:attrName>
-                                        </p:attrNameLst>
-                                      </p:cBhvr>
-                                      <p:to>
-                                        <p:strVal val="visible"/>
-                                      </p:to>
-                                    </p:set>
-                                    <p:animEffect transition="in" filter="fade">
-                                      <p:cBhvr>
-                                        <p:cTn id="27" dur="500"/>
-                                        <p:tgtEl>
-                                          <p:spTgt spid="3">
-                                            <p:txEl>
-                                              <p:pRg st="4" end="4"/>
-                                            </p:txEl>
-                                          </p:spTgt>
-                                        </p:tgtEl>
-                                      </p:cBhvr>
-                                    </p:animEffect>
-                                  </p:childTnLst>
-                                </p:cTn>
-                              </p:par>
-                            </p:childTnLst>
-                          </p:cTn>
-                        </p:par>
-                      </p:childTnLst>
-                    </p:cTn>
-                  </p:par>
-                  <p:par>
-                    <p:cTn id="28" fill="hold">
-                      <p:stCondLst>
-                        <p:cond delay="indefinite"/>
-                      </p:stCondLst>
-                      <p:childTnLst>
-                        <p:par>
-                          <p:cTn id="29" fill="hold">
-                            <p:stCondLst>
-                              <p:cond delay="0"/>
-                            </p:stCondLst>
-                            <p:childTnLst>
-                              <p:par>
-                                <p:cTn id="30" presetID="10" presetClass="entr" presetSubtype="0" fill="hold" nodeType="clickEffect">
-                                  <p:stCondLst>
-                                    <p:cond delay="0"/>
-                                  </p:stCondLst>
-                                  <p:childTnLst>
-                                    <p:set>
-                                      <p:cBhvr>
-                                        <p:cTn id="31" dur="1" fill="hold">
-                                          <p:stCondLst>
-                                            <p:cond delay="0"/>
-                                          </p:stCondLst>
-                                        </p:cTn>
-                                        <p:tgtEl>
-                                          <p:spTgt spid="3">
-                                            <p:txEl>
-                                              <p:pRg st="5" end="5"/>
-                                            </p:txEl>
-                                          </p:spTgt>
-                                        </p:tgtEl>
-                                        <p:attrNameLst>
-                                          <p:attrName>style.visibility</p:attrName>
-                                        </p:attrNameLst>
-                                      </p:cBhvr>
-                                      <p:to>
-                                        <p:strVal val="visible"/>
-                                      </p:to>
-                                    </p:set>
-                                    <p:animEffect transition="in" filter="fade">
-                                      <p:cBhvr>
-                                        <p:cTn id="32" dur="500"/>
-                                        <p:tgtEl>
-                                          <p:spTgt spid="3">
-                                            <p:txEl>
-                                              <p:pRg st="5" end="5"/>
-                                            </p:txEl>
-                                          </p:spTgt>
-                                        </p:tgtEl>
-                                      </p:cBhvr>
-                                    </p:animEffect>
-                                  </p:childTnLst>
-                                </p:cTn>
-                              </p:par>
-                            </p:childTnLst>
-                          </p:cTn>
-                        </p:par>
-                      </p:childTnLst>
-                    </p:cTn>
-                  </p:par>
-                  <p:par>
-                    <p:cTn id="33" fill="hold">
-                      <p:stCondLst>
-                        <p:cond delay="indefinite"/>
-                      </p:stCondLst>
-                      <p:childTnLst>
-                        <p:par>
-                          <p:cTn id="34" fill="hold">
-                            <p:stCondLst>
-                              <p:cond delay="0"/>
-                            </p:stCondLst>
-                            <p:childTnLst>
-                              <p:par>
-                                <p:cTn id="35" presetID="10" presetClass="entr" presetSubtype="0" fill="hold" nodeType="clickEffect">
-                                  <p:stCondLst>
-                                    <p:cond delay="0"/>
-                                  </p:stCondLst>
-                                  <p:childTnLst>
-                                    <p:set>
-                                      <p:cBhvr>
-                                        <p:cTn id="36" dur="1" fill="hold">
-                                          <p:stCondLst>
-                                            <p:cond delay="0"/>
-                                          </p:stCondLst>
-                                        </p:cTn>
-                                        <p:tgtEl>
-                                          <p:spTgt spid="3">
-                                            <p:txEl>
-                                              <p:pRg st="6" end="6"/>
-                                            </p:txEl>
-                                          </p:spTgt>
-                                        </p:tgtEl>
-                                        <p:attrNameLst>
-                                          <p:attrName>style.visibility</p:attrName>
-                                        </p:attrNameLst>
-                                      </p:cBhvr>
-                                      <p:to>
-                                        <p:strVal val="visible"/>
-                                      </p:to>
-                                    </p:set>
-                                    <p:animEffect transition="in" filter="fade">
-                                      <p:cBhvr>
-                                        <p:cTn id="37" dur="500"/>
-                                        <p:tgtEl>
-                                          <p:spTgt spid="3">
-                                            <p:txEl>
-                                              <p:pRg st="6" end="6"/>
-                                            </p:txEl>
-                                          </p:spTgt>
-                                        </p:tgtEl>
-                                      </p:cBhvr>
-                                    </p:animEffect>
-                                  </p:childTnLst>
-                                </p:cTn>
-                              </p:par>
-                            </p:childTnLst>
-                          </p:cTn>
-                        </p:par>
-                      </p:childTnLst>
-                    </p:cTn>
-                  </p:par>
-                </p:childTnLst>
-              </p:cTn>
-              <p:prevCondLst>
-                <p:cond evt="onPrev" delay="0">
-                  <p:tgtEl>
-                    <p:sldTgt/>
-                  </p:tgtEl>
-                </p:cond>
-              </p:prevCondLst>
-              <p:nextCondLst>
-                <p:cond evt="onNext" delay="0">
-                  <p:tgtEl>
-                    <p:sldTgt/>
-                  </p:tgtEl>
-                </p:cond>
-              </p:nextCondLst>
-            </p:seq>
-          </p:childTnLst>
-        </p:cTn>
-      </p:par>
-    </p:tnLst>
-  </p:timing>
-</p:sld>
-</file>
-
-<file path=ppt/slides/slide22.xml><?xml version="1.0" encoding="utf-8"?>
-<p:sld xmlns:a="http://schemas.openxmlformats.org/drawingml/2006/main" xmlns:r="http://schemas.openxmlformats.org/officeDocument/2006/relationships" xmlns:p="http://schemas.openxmlformats.org/presentationml/2006/main">
-  <p:cSld>
-    <p:spTree>
-      <p:nvGrpSpPr>
-        <p:cNvPr id="1" name=""/>
-        <p:cNvGrpSpPr/>
-        <p:nvPr/>
-      </p:nvGrpSpPr>
-      <p:grpSpPr>
-        <a:xfrm>
-          <a:off x="0" y="0"/>
-          <a:ext cx="0" cy="0"/>
-          <a:chOff x="0" y="0"/>
-          <a:chExt cx="0" cy="0"/>
-        </a:xfrm>
-      </p:grpSpPr>
-      <p:sp>
-        <p:nvSpPr>
-          <p:cNvPr id="2" name="Title 1"/>
-          <p:cNvSpPr>
-            <a:spLocks noGrp="1"/>
-          </p:cNvSpPr>
-          <p:nvPr>
-            <p:ph type="title"/>
-          </p:nvPr>
-        </p:nvSpPr>
-        <p:spPr/>
-        <p:txBody>
-          <a:bodyPr>
-            <a:normAutofit/>
-          </a:bodyPr>
-          <a:lstStyle/>
-          <a:p>
-            <a:r>
-              <a:rPr lang="en-US" dirty="0" err="1"/>
-              <a:t>Git</a:t>
-            </a:r>
-            <a:r>
-              <a:rPr lang="en-US" dirty="0"/>
-              <a:t> - </a:t>
-            </a:r>
-            <a:r>
-              <a:rPr lang="en-US" dirty="0" err="1"/>
-              <a:t>Besonderheiten</a:t>
-            </a:r>
-            <a:endParaRPr lang="en-US" dirty="0"/>
-          </a:p>
-        </p:txBody>
-      </p:sp>
-      <p:sp>
-        <p:nvSpPr>
-          <p:cNvPr id="3" name="Content Placeholder 2"/>
-          <p:cNvSpPr>
-            <a:spLocks noGrp="1"/>
-          </p:cNvSpPr>
-          <p:nvPr>
-            <p:ph idx="1"/>
-          </p:nvPr>
-        </p:nvSpPr>
-        <p:spPr/>
-        <p:txBody>
-          <a:bodyPr>
-            <a:normAutofit/>
-          </a:bodyPr>
-          <a:lstStyle/>
-          <a:p>
-            <a:pPr lvl="2"/>
-            <a:r>
-              <a:rPr lang="de-DE" dirty="0"/>
-              <a:t>Interoperabilität (Hilfsprogramme für Interoperabilität zu anderen SCMs)</a:t>
-            </a:r>
-          </a:p>
-          <a:p>
-            <a:pPr lvl="2"/>
-            <a:r>
-              <a:rPr lang="de-DE" dirty="0"/>
-              <a:t>Web-Interface (</a:t>
-            </a:r>
-            <a:r>
-              <a:rPr lang="de-DE" dirty="0" err="1"/>
-              <a:t>Gitweb</a:t>
-            </a:r>
-            <a:r>
-              <a:rPr lang="de-DE" dirty="0"/>
-              <a:t>)</a:t>
-            </a:r>
-          </a:p>
-          <a:p>
-            <a:pPr lvl="2"/>
-            <a:r>
-              <a:rPr lang="de-DE" dirty="0" err="1"/>
-              <a:t>Staging</a:t>
-            </a:r>
-            <a:r>
-              <a:rPr lang="de-DE" dirty="0"/>
-              <a:t> Bereich (auch genannt Stage oder Index)</a:t>
-            </a:r>
-          </a:p>
-          <a:p>
-            <a:pPr lvl="3"/>
-            <a:r>
-              <a:rPr lang="de-DE" dirty="0"/>
-              <a:t>Zwischenbereich, indem Dateien gesammelt werden</a:t>
-            </a:r>
-          </a:p>
-          <a:p>
-            <a:pPr lvl="3"/>
-            <a:r>
-              <a:rPr lang="de-DE" dirty="0"/>
-              <a:t>Nicht alle Dateien aus dem </a:t>
-            </a:r>
-            <a:r>
-              <a:rPr lang="de-DE" dirty="0" err="1"/>
-              <a:t>Staging</a:t>
-            </a:r>
-            <a:r>
-              <a:rPr lang="de-DE" dirty="0"/>
-              <a:t> müssen </a:t>
-            </a:r>
-            <a:r>
-              <a:rPr lang="de-DE" dirty="0" err="1"/>
-              <a:t>commited</a:t>
-            </a:r>
-            <a:r>
-              <a:rPr lang="de-DE" dirty="0"/>
-              <a:t> werden</a:t>
-            </a:r>
-          </a:p>
-          <a:p>
-            <a:pPr lvl="2"/>
-            <a:endParaRPr lang="de-DE" dirty="0"/>
-          </a:p>
-          <a:p>
-            <a:pPr lvl="2"/>
-            <a:endParaRPr lang="de-DE" dirty="0"/>
-          </a:p>
-          <a:p>
-            <a:pPr lvl="1"/>
-            <a:endParaRPr lang="de-DE" dirty="0"/>
-          </a:p>
-          <a:p>
-            <a:pPr lvl="2"/>
-            <a:endParaRPr lang="de-DE" dirty="0"/>
-          </a:p>
-          <a:p>
-            <a:pPr lvl="2"/>
-            <a:endParaRPr lang="de-DE" dirty="0"/>
-          </a:p>
-          <a:p>
-            <a:pPr lvl="1"/>
-            <a:endParaRPr lang="de-DE" dirty="0"/>
-          </a:p>
-          <a:p>
-            <a:pPr lvl="2"/>
-            <a:endParaRPr lang="de-DE" dirty="0"/>
-          </a:p>
-          <a:p>
-            <a:pPr lvl="2"/>
-            <a:endParaRPr lang="de-DE" dirty="0"/>
-          </a:p>
-          <a:p>
-            <a:pPr lvl="2"/>
-            <a:endParaRPr lang="de-DE" dirty="0"/>
-          </a:p>
-        </p:txBody>
-      </p:sp>
-      <p:sp>
-        <p:nvSpPr>
-          <p:cNvPr id="4" name="Foliennummernplatzhalter 3"/>
-          <p:cNvSpPr>
-            <a:spLocks noGrp="1"/>
-          </p:cNvSpPr>
-          <p:nvPr>
-            <p:ph type="sldNum" sz="quarter" idx="12"/>
-          </p:nvPr>
-        </p:nvSpPr>
-        <p:spPr/>
-        <p:txBody>
-          <a:bodyPr/>
-          <a:lstStyle/>
-          <a:p>
-            <a:fld id="{750AB064-513B-4E5C-9ADF-210709BEB955}" type="slidenum">
-              <a:rPr lang="en-US" smtClean="0"/>
-              <a:t>22</a:t>
-            </a:fld>
-            <a:endParaRPr lang="en-US"/>
-          </a:p>
-        </p:txBody>
-      </p:sp>
-      <p:pic>
-        <p:nvPicPr>
-          <p:cNvPr id="5" name="Grafik 4"/>
-          <p:cNvPicPr>
-            <a:picLocks noChangeAspect="1"/>
-          </p:cNvPicPr>
-          <p:nvPr/>
-        </p:nvPicPr>
-        <p:blipFill>
-          <a:blip r:embed="rId2"/>
-          <a:stretch>
-            <a:fillRect/>
-          </a:stretch>
-        </p:blipFill>
-        <p:spPr>
-          <a:xfrm>
-            <a:off x="1835696" y="4287805"/>
-            <a:ext cx="4187058" cy="2251107"/>
-          </a:xfrm>
-          <a:prstGeom prst="rect">
-            <a:avLst/>
-          </a:prstGeom>
-        </p:spPr>
-      </p:pic>
-      <p:sp>
-        <p:nvSpPr>
-          <p:cNvPr id="6" name="Rechteck 5"/>
-          <p:cNvSpPr/>
-          <p:nvPr/>
-        </p:nvSpPr>
-        <p:spPr>
-          <a:xfrm>
-            <a:off x="5980584" y="5931427"/>
-            <a:ext cx="1944216" cy="600164"/>
-          </a:xfrm>
-          <a:prstGeom prst="rect">
-            <a:avLst/>
-          </a:prstGeom>
-        </p:spPr>
-        <p:txBody>
-          <a:bodyPr wrap="square">
-            <a:spAutoFit/>
-          </a:bodyPr>
-          <a:lstStyle/>
-          <a:p>
-            <a:r>
-              <a:rPr lang="de-DE" sz="1100" dirty="0"/>
-              <a:t>Quelle: https://git-scm.com/book/en/v2/Getting-Started-Git-Basics</a:t>
-            </a:r>
-          </a:p>
-        </p:txBody>
-      </p:sp>
-    </p:spTree>
-    <p:extLst>
-      <p:ext uri="{BB962C8B-B14F-4D97-AF65-F5344CB8AC3E}">
-        <p14:creationId xmlns:p14="http://schemas.microsoft.com/office/powerpoint/2010/main" val="370042495"/>
-      </p:ext>
-    </p:extLst>
-  </p:cSld>
-  <p:clrMapOvr>
-    <a:masterClrMapping/>
-  </p:clrMapOvr>
-  <p:timing>
-    <p:tnLst>
-      <p:par>
-        <p:cTn id="1" dur="indefinite" restart="never" nodeType="tmRoot">
-          <p:childTnLst>
-            <p:seq concurrent="1" nextAc="seek">
-              <p:cTn id="2" dur="indefinite" nodeType="mainSeq">
-                <p:childTnLst>
-                  <p:par>
-                    <p:cTn id="3" fill="hold">
-                      <p:stCondLst>
-                        <p:cond delay="indefinite"/>
-                      </p:stCondLst>
-                      <p:childTnLst>
-                        <p:par>
-                          <p:cTn id="4" fill="hold">
-                            <p:stCondLst>
-                              <p:cond delay="0"/>
-                            </p:stCondLst>
-                            <p:childTnLst>
-                              <p:par>
-                                <p:cTn id="5" presetID="10" presetClass="entr" presetSubtype="0" fill="hold" nodeType="clickEffect">
-                                  <p:stCondLst>
-                                    <p:cond delay="0"/>
-                                  </p:stCondLst>
-                                  <p:childTnLst>
-                                    <p:set>
-                                      <p:cBhvr>
-                                        <p:cTn id="6" dur="1" fill="hold">
-                                          <p:stCondLst>
-                                            <p:cond delay="0"/>
-                                          </p:stCondLst>
-                                        </p:cTn>
-                                        <p:tgtEl>
-                                          <p:spTgt spid="3">
-                                            <p:txEl>
-                                              <p:pRg st="0" end="0"/>
-                                            </p:txEl>
-                                          </p:spTgt>
-                                        </p:tgtEl>
-                                        <p:attrNameLst>
-                                          <p:attrName>style.visibility</p:attrName>
-                                        </p:attrNameLst>
-                                      </p:cBhvr>
-                                      <p:to>
-                                        <p:strVal val="visible"/>
-                                      </p:to>
-                                    </p:set>
-                                    <p:animEffect transition="in" filter="fade">
-                                      <p:cBhvr>
-                                        <p:cTn id="7" dur="500"/>
-                                        <p:tgtEl>
-                                          <p:spTgt spid="3">
-                                            <p:txEl>
-                                              <p:pRg st="0" end="0"/>
-                                            </p:txEl>
-                                          </p:spTgt>
-                                        </p:tgtEl>
-                                      </p:cBhvr>
-                                    </p:animEffect>
-                                  </p:childTnLst>
-                                </p:cTn>
-                              </p:par>
-                            </p:childTnLst>
-                          </p:cTn>
-                        </p:par>
-                      </p:childTnLst>
-                    </p:cTn>
-                  </p:par>
-                  <p:par>
-                    <p:cTn id="8" fill="hold">
-                      <p:stCondLst>
-                        <p:cond delay="indefinite"/>
-                      </p:stCondLst>
-                      <p:childTnLst>
-                        <p:par>
-                          <p:cTn id="9" fill="hold">
-                            <p:stCondLst>
-                              <p:cond delay="0"/>
-                            </p:stCondLst>
-                            <p:childTnLst>
-                              <p:par>
-                                <p:cTn id="10" presetID="10" presetClass="entr" presetSubtype="0" fill="hold" nodeType="clickEffect">
-                                  <p:stCondLst>
-                                    <p:cond delay="0"/>
-                                  </p:stCondLst>
-                                  <p:childTnLst>
-                                    <p:set>
-                                      <p:cBhvr>
-                                        <p:cTn id="11" dur="1" fill="hold">
-                                          <p:stCondLst>
-                                            <p:cond delay="0"/>
-                                          </p:stCondLst>
-                                        </p:cTn>
-                                        <p:tgtEl>
-                                          <p:spTgt spid="3">
-                                            <p:txEl>
-                                              <p:pRg st="1" end="1"/>
-                                            </p:txEl>
-                                          </p:spTgt>
-                                        </p:tgtEl>
-                                        <p:attrNameLst>
-                                          <p:attrName>style.visibility</p:attrName>
-                                        </p:attrNameLst>
-                                      </p:cBhvr>
-                                      <p:to>
-                                        <p:strVal val="visible"/>
-                                      </p:to>
-                                    </p:set>
-                                    <p:animEffect transition="in" filter="fade">
-                                      <p:cBhvr>
-                                        <p:cTn id="12" dur="500"/>
-                                        <p:tgtEl>
-                                          <p:spTgt spid="3">
-                                            <p:txEl>
-                                              <p:pRg st="1" end="1"/>
-                                            </p:txEl>
-                                          </p:spTgt>
-                                        </p:tgtEl>
-                                      </p:cBhvr>
-                                    </p:animEffect>
-                                  </p:childTnLst>
-                                </p:cTn>
-                              </p:par>
-                            </p:childTnLst>
-                          </p:cTn>
-                        </p:par>
-                      </p:childTnLst>
-                    </p:cTn>
-                  </p:par>
-                  <p:par>
-                    <p:cTn id="13" fill="hold">
-                      <p:stCondLst>
-                        <p:cond delay="indefinite"/>
-                      </p:stCondLst>
-                      <p:childTnLst>
-                        <p:par>
-                          <p:cTn id="14" fill="hold">
-                            <p:stCondLst>
-                              <p:cond delay="0"/>
-                            </p:stCondLst>
-                            <p:childTnLst>
-                              <p:par>
-                                <p:cTn id="15" presetID="10" presetClass="entr" presetSubtype="0" fill="hold" nodeType="clickEffect">
-                                  <p:stCondLst>
-                                    <p:cond delay="0"/>
-                                  </p:stCondLst>
-                                  <p:childTnLst>
-                                    <p:set>
-                                      <p:cBhvr>
-                                        <p:cTn id="16" dur="1" fill="hold">
-                                          <p:stCondLst>
-                                            <p:cond delay="0"/>
-                                          </p:stCondLst>
-                                        </p:cTn>
-                                        <p:tgtEl>
-                                          <p:spTgt spid="3">
-                                            <p:txEl>
-                                              <p:pRg st="2" end="2"/>
-                                            </p:txEl>
-                                          </p:spTgt>
-                                        </p:tgtEl>
-                                        <p:attrNameLst>
-                                          <p:attrName>style.visibility</p:attrName>
-                                        </p:attrNameLst>
-                                      </p:cBhvr>
-                                      <p:to>
-                                        <p:strVal val="visible"/>
-                                      </p:to>
-                                    </p:set>
-                                    <p:animEffect transition="in" filter="fade">
-                                      <p:cBhvr>
-                                        <p:cTn id="17" dur="500"/>
-                                        <p:tgtEl>
-                                          <p:spTgt spid="3">
-                                            <p:txEl>
-                                              <p:pRg st="2" end="2"/>
-                                            </p:txEl>
-                                          </p:spTgt>
-                                        </p:tgtEl>
-                                      </p:cBhvr>
-                                    </p:animEffect>
-                                  </p:childTnLst>
-                                </p:cTn>
-                              </p:par>
-                            </p:childTnLst>
-                          </p:cTn>
-                        </p:par>
-                      </p:childTnLst>
-                    </p:cTn>
-                  </p:par>
-                  <p:par>
-                    <p:cTn id="18" fill="hold">
-                      <p:stCondLst>
-                        <p:cond delay="indefinite"/>
-                      </p:stCondLst>
-                      <p:childTnLst>
-                        <p:par>
-                          <p:cTn id="19" fill="hold">
-                            <p:stCondLst>
-                              <p:cond delay="0"/>
-                            </p:stCondLst>
-                            <p:childTnLst>
-                              <p:par>
-                                <p:cTn id="20" presetID="10" presetClass="entr" presetSubtype="0" fill="hold" nodeType="clickEffect">
-                                  <p:stCondLst>
-                                    <p:cond delay="0"/>
-                                  </p:stCondLst>
-                                  <p:childTnLst>
-                                    <p:set>
-                                      <p:cBhvr>
-                                        <p:cTn id="21" dur="1" fill="hold">
-                                          <p:stCondLst>
-                                            <p:cond delay="0"/>
-                                          </p:stCondLst>
-                                        </p:cTn>
-                                        <p:tgtEl>
-                                          <p:spTgt spid="3">
-                                            <p:txEl>
-                                              <p:pRg st="3" end="3"/>
-                                            </p:txEl>
-                                          </p:spTgt>
-                                        </p:tgtEl>
-                                        <p:attrNameLst>
-                                          <p:attrName>style.visibility</p:attrName>
-                                        </p:attrNameLst>
-                                      </p:cBhvr>
-                                      <p:to>
-                                        <p:strVal val="visible"/>
-                                      </p:to>
-                                    </p:set>
-                                    <p:animEffect transition="in" filter="fade">
-                                      <p:cBhvr>
-                                        <p:cTn id="22" dur="500"/>
-                                        <p:tgtEl>
-                                          <p:spTgt spid="3">
-                                            <p:txEl>
-                                              <p:pRg st="3" end="3"/>
-                                            </p:txEl>
-                                          </p:spTgt>
-                                        </p:tgtEl>
-                                      </p:cBhvr>
-                                    </p:animEffect>
-                                  </p:childTnLst>
-                                </p:cTn>
-                              </p:par>
-                            </p:childTnLst>
-                          </p:cTn>
-                        </p:par>
-                      </p:childTnLst>
-                    </p:cTn>
-                  </p:par>
-                  <p:par>
-                    <p:cTn id="23" fill="hold">
-                      <p:stCondLst>
-                        <p:cond delay="indefinite"/>
-                      </p:stCondLst>
-                      <p:childTnLst>
-                        <p:par>
-                          <p:cTn id="24" fill="hold">
-                            <p:stCondLst>
-                              <p:cond delay="0"/>
-                            </p:stCondLst>
-                            <p:childTnLst>
-                              <p:par>
-                                <p:cTn id="25" presetID="10" presetClass="entr" presetSubtype="0" fill="hold" nodeType="clickEffect">
-                                  <p:stCondLst>
-                                    <p:cond delay="0"/>
-                                  </p:stCondLst>
-                                  <p:childTnLst>
-                                    <p:set>
-                                      <p:cBhvr>
-                                        <p:cTn id="26" dur="1" fill="hold">
-                                          <p:stCondLst>
-                                            <p:cond delay="0"/>
-                                          </p:stCondLst>
-                                        </p:cTn>
-                                        <p:tgtEl>
-                                          <p:spTgt spid="3">
-                                            <p:txEl>
-                                              <p:pRg st="4" end="4"/>
-                                            </p:txEl>
-                                          </p:spTgt>
-                                        </p:tgtEl>
-                                        <p:attrNameLst>
-                                          <p:attrName>style.visibility</p:attrName>
-                                        </p:attrNameLst>
-                                      </p:cBhvr>
-                                      <p:to>
-                                        <p:strVal val="visible"/>
-                                      </p:to>
-                                    </p:set>
-                                    <p:animEffect transition="in" filter="fade">
-                                      <p:cBhvr>
-                                        <p:cTn id="27" dur="500"/>
-                                        <p:tgtEl>
-                                          <p:spTgt spid="3">
-                                            <p:txEl>
-                                              <p:pRg st="4" end="4"/>
-                                            </p:txEl>
-                                          </p:spTgt>
-                                        </p:tgtEl>
-                                      </p:cBhvr>
-                                    </p:animEffect>
-                                  </p:childTnLst>
-                                </p:cTn>
-                              </p:par>
-                            </p:childTnLst>
-                          </p:cTn>
-                        </p:par>
-                      </p:childTnLst>
-                    </p:cTn>
-                  </p:par>
-                  <p:par>
-                    <p:cTn id="28" fill="hold">
-                      <p:stCondLst>
-                        <p:cond delay="indefinite"/>
-                      </p:stCondLst>
-                      <p:childTnLst>
-                        <p:par>
-                          <p:cTn id="29" fill="hold">
-                            <p:stCondLst>
-                              <p:cond delay="0"/>
-                            </p:stCondLst>
-                            <p:childTnLst>
-                              <p:par>
-                                <p:cTn id="30" presetID="10" presetClass="entr" presetSubtype="0" fill="hold" nodeType="clickEffect">
-                                  <p:stCondLst>
-                                    <p:cond delay="0"/>
-                                  </p:stCondLst>
-                                  <p:childTnLst>
-                                    <p:set>
-                                      <p:cBhvr>
-                                        <p:cTn id="31" dur="1" fill="hold">
-                                          <p:stCondLst>
-                                            <p:cond delay="0"/>
-                                          </p:stCondLst>
-                                        </p:cTn>
-                                        <p:tgtEl>
-                                          <p:spTgt spid="5"/>
-                                        </p:tgtEl>
-                                        <p:attrNameLst>
-                                          <p:attrName>style.visibility</p:attrName>
-                                        </p:attrNameLst>
-                                      </p:cBhvr>
-                                      <p:to>
-                                        <p:strVal val="visible"/>
-                                      </p:to>
-                                    </p:set>
-                                    <p:animEffect transition="in" filter="fade">
-                                      <p:cBhvr>
-                                        <p:cTn id="32" dur="500"/>
-                                        <p:tgtEl>
-                                          <p:spTgt spid="5"/>
-                                        </p:tgtEl>
-                                      </p:cBhvr>
-                                    </p:animEffect>
-                                  </p:childTnLst>
-                                </p:cTn>
-                              </p:par>
-                              <p:par>
-                                <p:cTn id="33" presetID="10" presetClass="entr" presetSubtype="0" fill="hold" grpId="0" nodeType="withEffect">
-                                  <p:stCondLst>
-                                    <p:cond delay="0"/>
-                                  </p:stCondLst>
-                                  <p:childTnLst>
-                                    <p:set>
-                                      <p:cBhvr>
-                                        <p:cTn id="34" dur="1" fill="hold">
-                                          <p:stCondLst>
-                                            <p:cond delay="0"/>
-                                          </p:stCondLst>
-                                        </p:cTn>
-                                        <p:tgtEl>
-                                          <p:spTgt spid="6"/>
-                                        </p:tgtEl>
-                                        <p:attrNameLst>
-                                          <p:attrName>style.visibility</p:attrName>
-                                        </p:attrNameLst>
-                                      </p:cBhvr>
-                                      <p:to>
-                                        <p:strVal val="visible"/>
-                                      </p:to>
-                                    </p:set>
-                                    <p:animEffect transition="in" filter="fade">
-                                      <p:cBhvr>
-                                        <p:cTn id="35" dur="500"/>
-                                        <p:tgtEl>
-                                          <p:spTgt spid="6"/>
-                                        </p:tgtEl>
-                                      </p:cBhvr>
-                                    </p:animEffect>
-                                  </p:childTnLst>
-                                </p:cTn>
-                              </p:par>
-                            </p:childTnLst>
-                          </p:cTn>
-                        </p:par>
-                      </p:childTnLst>
-                    </p:cTn>
-                  </p:par>
-                </p:childTnLst>
-              </p:cTn>
-              <p:prevCondLst>
-                <p:cond evt="onPrev" delay="0">
-                  <p:tgtEl>
-                    <p:sldTgt/>
-                  </p:tgtEl>
-                </p:cond>
-              </p:prevCondLst>
-              <p:nextCondLst>
-                <p:cond evt="onNext" delay="0">
-                  <p:tgtEl>
-                    <p:sldTgt/>
-                  </p:tgtEl>
-                </p:cond>
-              </p:nextCondLst>
-            </p:seq>
-          </p:childTnLst>
-        </p:cTn>
-      </p:par>
-    </p:tnLst>
-    <p:bldLst>
-      <p:bldP spid="6" grpId="0"/>
-    </p:bldLst>
   </p:timing>
 </p:sld>
 </file>

--- a/SS2017_Git_2017-04-27_Nina-Stodolka_Johannes-Struzek.pptx
+++ b/SS2017_Git_2017-04-27_Nina-Stodolka_Johannes-Struzek.pptx
@@ -5,7 +5,7 @@
     <p:sldMasterId id="2147484128" r:id="rId1"/>
   </p:sldMasterIdLst>
   <p:notesMasterIdLst>
-    <p:notesMasterId r:id="rId47"/>
+    <p:notesMasterId r:id="rId48"/>
   </p:notesMasterIdLst>
   <p:sldIdLst>
     <p:sldId id="256" r:id="rId2"/>
@@ -43,16 +43,17 @@
     <p:sldId id="311" r:id="rId34"/>
     <p:sldId id="312" r:id="rId35"/>
     <p:sldId id="313" r:id="rId36"/>
-    <p:sldId id="330" r:id="rId37"/>
-    <p:sldId id="331" r:id="rId38"/>
-    <p:sldId id="332" r:id="rId39"/>
-    <p:sldId id="334" r:id="rId40"/>
-    <p:sldId id="288" r:id="rId41"/>
-    <p:sldId id="270" r:id="rId42"/>
-    <p:sldId id="293" r:id="rId43"/>
-    <p:sldId id="305" r:id="rId44"/>
-    <p:sldId id="306" r:id="rId45"/>
-    <p:sldId id="307" r:id="rId46"/>
+    <p:sldId id="337" r:id="rId37"/>
+    <p:sldId id="330" r:id="rId38"/>
+    <p:sldId id="331" r:id="rId39"/>
+    <p:sldId id="332" r:id="rId40"/>
+    <p:sldId id="334" r:id="rId41"/>
+    <p:sldId id="288" r:id="rId42"/>
+    <p:sldId id="270" r:id="rId43"/>
+    <p:sldId id="293" r:id="rId44"/>
+    <p:sldId id="305" r:id="rId45"/>
+    <p:sldId id="306" r:id="rId46"/>
+    <p:sldId id="307" r:id="rId47"/>
   </p:sldIdLst>
   <p:sldSz cx="9144000" cy="6858000" type="screen4x3"/>
   <p:notesSz cx="6858000" cy="9734550"/>
@@ -25963,6 +25964,247 @@
       </p:grpSpPr>
       <p:sp>
         <p:nvSpPr>
+          <p:cNvPr id="2" name="Titel 1"/>
+          <p:cNvSpPr>
+            <a:spLocks noGrp="1"/>
+          </p:cNvSpPr>
+          <p:nvPr>
+            <p:ph type="title"/>
+          </p:nvPr>
+        </p:nvSpPr>
+        <p:spPr/>
+        <p:txBody>
+          <a:bodyPr/>
+          <a:lstStyle/>
+          <a:p>
+            <a:r>
+              <a:rPr lang="de-DE" dirty="0" err="1"/>
+              <a:t>Build</a:t>
+            </a:r>
+            <a:r>
+              <a:rPr lang="de-DE" dirty="0"/>
+              <a:t> </a:t>
+            </a:r>
+            <a:r>
+              <a:rPr lang="de-DE" dirty="0" err="1"/>
+              <a:t>automation</a:t>
+            </a:r>
+            <a:endParaRPr lang="de-DE" dirty="0"/>
+          </a:p>
+        </p:txBody>
+      </p:sp>
+      <p:sp>
+        <p:nvSpPr>
+          <p:cNvPr id="3" name="Inhaltsplatzhalter 2"/>
+          <p:cNvSpPr>
+            <a:spLocks noGrp="1"/>
+          </p:cNvSpPr>
+          <p:nvPr>
+            <p:ph idx="1"/>
+          </p:nvPr>
+        </p:nvSpPr>
+        <p:spPr/>
+        <p:txBody>
+          <a:bodyPr>
+            <a:normAutofit fontScale="92500" lnSpcReduction="10000"/>
+          </a:bodyPr>
+          <a:lstStyle/>
+          <a:p>
+            <a:r>
+              <a:rPr lang="de-DE" dirty="0"/>
+              <a:t>Besteht aus</a:t>
+            </a:r>
+          </a:p>
+          <a:p>
+            <a:pPr lvl="1"/>
+            <a:r>
+              <a:rPr lang="de-DE" dirty="0" err="1"/>
+              <a:t>Compiling</a:t>
+            </a:r>
+            <a:endParaRPr lang="de-DE" dirty="0"/>
+          </a:p>
+          <a:p>
+            <a:pPr lvl="1"/>
+            <a:r>
+              <a:rPr lang="de-DE" dirty="0" err="1"/>
+              <a:t>Packing</a:t>
+            </a:r>
+            <a:endParaRPr lang="de-DE" dirty="0"/>
+          </a:p>
+          <a:p>
+            <a:pPr lvl="1"/>
+            <a:r>
+              <a:rPr lang="de-DE" dirty="0"/>
+              <a:t>automatische Tests</a:t>
+            </a:r>
+          </a:p>
+          <a:p>
+            <a:r>
+              <a:rPr lang="de-DE" dirty="0"/>
+              <a:t>Lokal (</a:t>
+            </a:r>
+            <a:r>
+              <a:rPr lang="en-US" dirty="0"/>
+              <a:t>Make, Rake, MS build, Ant, Gradle)</a:t>
+            </a:r>
+            <a:br>
+              <a:rPr lang="en-US" dirty="0"/>
+            </a:br>
+            <a:r>
+              <a:rPr lang="en-US" dirty="0" err="1"/>
+              <a:t>oder</a:t>
+            </a:r>
+            <a:r>
+              <a:rPr lang="en-US" dirty="0"/>
+              <a:t> Server </a:t>
+            </a:r>
+            <a:r>
+              <a:rPr lang="en-US" dirty="0" err="1"/>
+              <a:t>basiert</a:t>
+            </a:r>
+            <a:r>
+              <a:rPr lang="en-US" dirty="0"/>
+              <a:t> (Travis CI)</a:t>
+            </a:r>
+          </a:p>
+          <a:p>
+            <a:r>
+              <a:rPr lang="en-US" dirty="0" err="1"/>
+              <a:t>Servertypen</a:t>
+            </a:r>
+            <a:r>
+              <a:rPr lang="en-US" dirty="0"/>
+              <a:t>:</a:t>
+            </a:r>
+          </a:p>
+          <a:p>
+            <a:pPr lvl="1"/>
+            <a:r>
+              <a:rPr lang="de-DE" dirty="0"/>
+              <a:t>On-</a:t>
+            </a:r>
+            <a:r>
+              <a:rPr lang="de-DE" dirty="0" err="1"/>
+              <a:t>demand</a:t>
+            </a:r>
+            <a:r>
+              <a:rPr lang="de-DE" dirty="0"/>
+              <a:t> </a:t>
+            </a:r>
+            <a:r>
+              <a:rPr lang="de-DE" dirty="0" err="1"/>
+              <a:t>automation</a:t>
+            </a:r>
+            <a:endParaRPr lang="de-DE" dirty="0"/>
+          </a:p>
+          <a:p>
+            <a:pPr lvl="1"/>
+            <a:r>
+              <a:rPr lang="de-DE" dirty="0" err="1"/>
+              <a:t>Scheduled</a:t>
+            </a:r>
+            <a:r>
+              <a:rPr lang="de-DE" dirty="0"/>
+              <a:t> </a:t>
+            </a:r>
+            <a:r>
+              <a:rPr lang="de-DE" dirty="0" err="1"/>
+              <a:t>automation</a:t>
+            </a:r>
+            <a:endParaRPr lang="de-DE" dirty="0"/>
+          </a:p>
+          <a:p>
+            <a:pPr lvl="1"/>
+            <a:r>
+              <a:rPr lang="de-DE" dirty="0" err="1"/>
+              <a:t>Triggered</a:t>
+            </a:r>
+            <a:r>
+              <a:rPr lang="de-DE" dirty="0"/>
+              <a:t> </a:t>
+            </a:r>
+            <a:r>
+              <a:rPr lang="de-DE" dirty="0" err="1"/>
+              <a:t>automation</a:t>
+            </a:r>
+            <a:endParaRPr lang="de-DE" dirty="0"/>
+          </a:p>
+          <a:p>
+            <a:r>
+              <a:rPr lang="de-DE" dirty="0"/>
+              <a:t>Erster Schritt zu </a:t>
+            </a:r>
+            <a:r>
+              <a:rPr lang="de-DE" dirty="0" err="1"/>
+              <a:t>Continuous</a:t>
+            </a:r>
+            <a:r>
+              <a:rPr lang="de-DE" dirty="0"/>
+              <a:t> </a:t>
+            </a:r>
+            <a:r>
+              <a:rPr lang="de-DE" dirty="0" err="1"/>
+              <a:t>Delivery</a:t>
+            </a:r>
+            <a:endParaRPr lang="de-DE" dirty="0"/>
+          </a:p>
+        </p:txBody>
+      </p:sp>
+      <p:sp>
+        <p:nvSpPr>
+          <p:cNvPr id="4" name="Foliennummernplatzhalter 3"/>
+          <p:cNvSpPr>
+            <a:spLocks noGrp="1"/>
+          </p:cNvSpPr>
+          <p:nvPr>
+            <p:ph type="sldNum" sz="quarter" idx="12"/>
+          </p:nvPr>
+        </p:nvSpPr>
+        <p:spPr/>
+        <p:txBody>
+          <a:bodyPr/>
+          <a:lstStyle/>
+          <a:p>
+            <a:fld id="{750AB064-513B-4E5C-9ADF-210709BEB955}" type="slidenum">
+              <a:rPr lang="en-US" smtClean="0"/>
+              <a:t>36</a:t>
+            </a:fld>
+            <a:endParaRPr lang="en-US"/>
+          </a:p>
+        </p:txBody>
+      </p:sp>
+    </p:spTree>
+    <p:extLst>
+      <p:ext uri="{BB962C8B-B14F-4D97-AF65-F5344CB8AC3E}">
+        <p14:creationId xmlns:p14="http://schemas.microsoft.com/office/powerpoint/2010/main" val="967525160"/>
+      </p:ext>
+    </p:extLst>
+  </p:cSld>
+  <p:clrMapOvr>
+    <a:masterClrMapping/>
+  </p:clrMapOvr>
+</p:sld>
+</file>
+
+<file path=ppt/slides/slide37.xml><?xml version="1.0" encoding="utf-8"?>
+<p:sld xmlns:a="http://schemas.openxmlformats.org/drawingml/2006/main" xmlns:r="http://schemas.openxmlformats.org/officeDocument/2006/relationships" xmlns:p="http://schemas.openxmlformats.org/presentationml/2006/main">
+  <p:cSld>
+    <p:spTree>
+      <p:nvGrpSpPr>
+        <p:cNvPr id="1" name=""/>
+        <p:cNvGrpSpPr/>
+        <p:nvPr/>
+      </p:nvGrpSpPr>
+      <p:grpSpPr>
+        <a:xfrm>
+          <a:off x="0" y="0"/>
+          <a:ext cx="0" cy="0"/>
+          <a:chOff x="0" y="0"/>
+          <a:chExt cx="0" cy="0"/>
+        </a:xfrm>
+      </p:grpSpPr>
+      <p:sp>
+        <p:nvSpPr>
           <p:cNvPr id="2" name="Title 1"/>
           <p:cNvSpPr>
             <a:spLocks noGrp="1"/>
@@ -26066,46 +26308,6 @@
               <a:t>-basiert (Standard)</a:t>
             </a:r>
           </a:p>
-          <a:p>
-            <a:pPr lvl="1"/>
-            <a:endParaRPr lang="de-DE" dirty="0"/>
-          </a:p>
-          <a:p>
-            <a:pPr lvl="1"/>
-            <a:endParaRPr lang="de-DE" dirty="0"/>
-          </a:p>
-          <a:p>
-            <a:pPr lvl="2"/>
-            <a:endParaRPr lang="de-DE" dirty="0"/>
-          </a:p>
-          <a:p>
-            <a:pPr lvl="1"/>
-            <a:endParaRPr lang="de-DE" dirty="0"/>
-          </a:p>
-          <a:p>
-            <a:pPr lvl="2"/>
-            <a:endParaRPr lang="de-DE" dirty="0"/>
-          </a:p>
-          <a:p>
-            <a:pPr lvl="2"/>
-            <a:endParaRPr lang="de-DE" dirty="0"/>
-          </a:p>
-          <a:p>
-            <a:pPr lvl="1"/>
-            <a:endParaRPr lang="de-DE" dirty="0"/>
-          </a:p>
-          <a:p>
-            <a:pPr lvl="2"/>
-            <a:endParaRPr lang="de-DE" dirty="0"/>
-          </a:p>
-          <a:p>
-            <a:pPr lvl="2"/>
-            <a:endParaRPr lang="de-DE" dirty="0"/>
-          </a:p>
-          <a:p>
-            <a:pPr lvl="2"/>
-            <a:endParaRPr lang="de-DE" dirty="0"/>
-          </a:p>
         </p:txBody>
       </p:sp>
       <p:sp>
@@ -26125,7 +26327,7 @@
           <a:p>
             <a:fld id="{750AB064-513B-4E5C-9ADF-210709BEB955}" type="slidenum">
               <a:rPr lang="en-US" smtClean="0"/>
-              <a:t>36</a:t>
+              <a:t>37</a:t>
             </a:fld>
             <a:endParaRPr lang="en-US"/>
           </a:p>
@@ -26561,7 +26763,7 @@
 </p:sld>
 </file>
 
-<file path=ppt/slides/slide37.xml><?xml version="1.0" encoding="utf-8"?>
+<file path=ppt/slides/slide38.xml><?xml version="1.0" encoding="utf-8"?>
 <p:sld xmlns:a="http://schemas.openxmlformats.org/drawingml/2006/main" xmlns:r="http://schemas.openxmlformats.org/officeDocument/2006/relationships" xmlns:p="http://schemas.openxmlformats.org/presentationml/2006/main">
   <p:cSld>
     <p:spTree>
@@ -26757,49 +26959,6 @@
               <a:rPr lang="de-DE" dirty="0" err="1"/>
               <a:t>Trusty</a:t>
             </a:r>
-            <a:r>
-              <a:rPr lang="de-DE" dirty="0"/>
-              <a:t> </a:t>
-            </a:r>
-          </a:p>
-          <a:p>
-            <a:pPr lvl="3"/>
-            <a:endParaRPr lang="de-DE" dirty="0"/>
-          </a:p>
-          <a:p>
-            <a:pPr lvl="2"/>
-            <a:endParaRPr lang="de-DE" dirty="0"/>
-          </a:p>
-          <a:p>
-            <a:pPr lvl="2"/>
-            <a:endParaRPr lang="de-DE" dirty="0"/>
-          </a:p>
-          <a:p>
-            <a:pPr lvl="1"/>
-            <a:endParaRPr lang="de-DE" dirty="0"/>
-          </a:p>
-          <a:p>
-            <a:pPr lvl="2"/>
-            <a:endParaRPr lang="de-DE" dirty="0"/>
-          </a:p>
-          <a:p>
-            <a:pPr lvl="2"/>
-            <a:endParaRPr lang="de-DE" dirty="0"/>
-          </a:p>
-          <a:p>
-            <a:pPr lvl="1"/>
-            <a:endParaRPr lang="de-DE" dirty="0"/>
-          </a:p>
-          <a:p>
-            <a:pPr lvl="2"/>
-            <a:endParaRPr lang="de-DE" dirty="0"/>
-          </a:p>
-          <a:p>
-            <a:pPr lvl="2"/>
-            <a:endParaRPr lang="de-DE" dirty="0"/>
-          </a:p>
-          <a:p>
-            <a:pPr lvl="2"/>
             <a:endParaRPr lang="de-DE" dirty="0"/>
           </a:p>
         </p:txBody>
@@ -26821,7 +26980,7 @@
           <a:p>
             <a:fld id="{750AB064-513B-4E5C-9ADF-210709BEB955}" type="slidenum">
               <a:rPr lang="en-US" smtClean="0"/>
-              <a:t>37</a:t>
+              <a:t>38</a:t>
             </a:fld>
             <a:endParaRPr lang="en-US"/>
           </a:p>
@@ -27441,700 +27600,6 @@
                                           <p:spTgt spid="3">
                                             <p:txEl>
                                               <p:pRg st="9" end="9"/>
-                                            </p:txEl>
-                                          </p:spTgt>
-                                        </p:tgtEl>
-                                      </p:cBhvr>
-                                    </p:animEffect>
-                                  </p:childTnLst>
-                                </p:cTn>
-                              </p:par>
-                            </p:childTnLst>
-                          </p:cTn>
-                        </p:par>
-                      </p:childTnLst>
-                    </p:cTn>
-                  </p:par>
-                </p:childTnLst>
-              </p:cTn>
-              <p:prevCondLst>
-                <p:cond evt="onPrev" delay="0">
-                  <p:tgtEl>
-                    <p:sldTgt/>
-                  </p:tgtEl>
-                </p:cond>
-              </p:prevCondLst>
-              <p:nextCondLst>
-                <p:cond evt="onNext" delay="0">
-                  <p:tgtEl>
-                    <p:sldTgt/>
-                  </p:tgtEl>
-                </p:cond>
-              </p:nextCondLst>
-            </p:seq>
-          </p:childTnLst>
-        </p:cTn>
-      </p:par>
-    </p:tnLst>
-  </p:timing>
-</p:sld>
-</file>
-
-<file path=ppt/slides/slide38.xml><?xml version="1.0" encoding="utf-8"?>
-<p:sld xmlns:a="http://schemas.openxmlformats.org/drawingml/2006/main" xmlns:r="http://schemas.openxmlformats.org/officeDocument/2006/relationships" xmlns:p="http://schemas.openxmlformats.org/presentationml/2006/main">
-  <p:cSld>
-    <p:spTree>
-      <p:nvGrpSpPr>
-        <p:cNvPr id="1" name=""/>
-        <p:cNvGrpSpPr/>
-        <p:nvPr/>
-      </p:nvGrpSpPr>
-      <p:grpSpPr>
-        <a:xfrm>
-          <a:off x="0" y="0"/>
-          <a:ext cx="0" cy="0"/>
-          <a:chOff x="0" y="0"/>
-          <a:chExt cx="0" cy="0"/>
-        </a:xfrm>
-      </p:grpSpPr>
-      <p:sp>
-        <p:nvSpPr>
-          <p:cNvPr id="2" name="Title 1"/>
-          <p:cNvSpPr>
-            <a:spLocks noGrp="1"/>
-          </p:cNvSpPr>
-          <p:nvPr>
-            <p:ph type="title"/>
-          </p:nvPr>
-        </p:nvSpPr>
-        <p:spPr>
-          <a:xfrm>
-            <a:off x="457200" y="704088"/>
-            <a:ext cx="8686800" cy="1143000"/>
-          </a:xfrm>
-        </p:spPr>
-        <p:txBody>
-          <a:bodyPr>
-            <a:normAutofit/>
-          </a:bodyPr>
-          <a:lstStyle/>
-          <a:p>
-            <a:r>
-              <a:rPr lang="en-US" dirty="0"/>
-              <a:t>Build automation with Travis CI </a:t>
-            </a:r>
-          </a:p>
-        </p:txBody>
-      </p:sp>
-      <p:sp>
-        <p:nvSpPr>
-          <p:cNvPr id="3" name="Content Placeholder 2"/>
-          <p:cNvSpPr>
-            <a:spLocks noGrp="1"/>
-          </p:cNvSpPr>
-          <p:nvPr>
-            <p:ph idx="1"/>
-          </p:nvPr>
-        </p:nvSpPr>
-        <p:spPr/>
-        <p:txBody>
-          <a:bodyPr>
-            <a:normAutofit/>
-          </a:bodyPr>
-          <a:lstStyle/>
-          <a:p>
-            <a:pPr lvl="1"/>
-            <a:r>
-              <a:rPr lang="de-DE" dirty="0"/>
-              <a:t>Funktionsweise</a:t>
-            </a:r>
-          </a:p>
-          <a:p>
-            <a:pPr lvl="2"/>
-            <a:r>
-              <a:rPr lang="de-DE" dirty="0"/>
-              <a:t>Konfiguration über ein .</a:t>
-            </a:r>
-            <a:r>
-              <a:rPr lang="de-DE" dirty="0" err="1"/>
-              <a:t>travis.yml</a:t>
-            </a:r>
-            <a:r>
-              <a:rPr lang="de-DE" dirty="0"/>
-              <a:t> File, das in das Root Verzeichnis des </a:t>
-            </a:r>
-            <a:r>
-              <a:rPr lang="de-DE" dirty="0" err="1"/>
-              <a:t>Repositorys</a:t>
-            </a:r>
-            <a:r>
-              <a:rPr lang="de-DE" dirty="0"/>
-              <a:t> gelegt wird</a:t>
-            </a:r>
-          </a:p>
-          <a:p>
-            <a:pPr lvl="2"/>
-            <a:r>
-              <a:rPr lang="de-DE" dirty="0"/>
-              <a:t>Darin enthalten sind Details </a:t>
-            </a:r>
-          </a:p>
-          <a:p>
-            <a:pPr lvl="3"/>
-            <a:r>
-              <a:rPr lang="de-DE" dirty="0"/>
-              <a:t>Zur verwendeten Programmiersprache</a:t>
-            </a:r>
-          </a:p>
-          <a:p>
-            <a:pPr lvl="3"/>
-            <a:r>
-              <a:rPr lang="de-DE" dirty="0"/>
-              <a:t>Zu Befehlen oder Skripten, die vor dem </a:t>
-            </a:r>
-            <a:r>
-              <a:rPr lang="de-DE" dirty="0" err="1"/>
-              <a:t>Build</a:t>
-            </a:r>
-            <a:r>
-              <a:rPr lang="de-DE" dirty="0"/>
-              <a:t> ausgeführt werden sollen (beispielsweise Installation oder Kopieren der Projektabhängigkeiten)</a:t>
-            </a:r>
-          </a:p>
-          <a:p>
-            <a:pPr lvl="3"/>
-            <a:r>
-              <a:rPr lang="de-DE" dirty="0"/>
-              <a:t>Der gewünschten </a:t>
-            </a:r>
-            <a:r>
-              <a:rPr lang="de-DE" dirty="0" err="1"/>
-              <a:t>Build</a:t>
-            </a:r>
-            <a:r>
-              <a:rPr lang="de-DE" dirty="0"/>
-              <a:t>- und Testumgebung</a:t>
-            </a:r>
-          </a:p>
-          <a:p>
-            <a:pPr lvl="3"/>
-            <a:r>
-              <a:rPr lang="de-DE" dirty="0"/>
-              <a:t>Zu Emails, </a:t>
-            </a:r>
-            <a:r>
-              <a:rPr lang="de-DE" dirty="0" err="1"/>
-              <a:t>Campfire</a:t>
-            </a:r>
-            <a:r>
-              <a:rPr lang="de-DE" dirty="0"/>
-              <a:t> oder IRC </a:t>
-            </a:r>
-            <a:r>
-              <a:rPr lang="de-DE" dirty="0" err="1"/>
-              <a:t>Rooms</a:t>
-            </a:r>
-            <a:r>
-              <a:rPr lang="de-DE" dirty="0"/>
-              <a:t>, die bei Fehlern zu benachrichtigen sind</a:t>
-            </a:r>
-          </a:p>
-          <a:p>
-            <a:pPr lvl="3"/>
-            <a:endParaRPr lang="de-DE" dirty="0"/>
-          </a:p>
-          <a:p>
-            <a:pPr lvl="2"/>
-            <a:endParaRPr lang="de-DE" dirty="0"/>
-          </a:p>
-          <a:p>
-            <a:pPr lvl="2"/>
-            <a:endParaRPr lang="de-DE" dirty="0"/>
-          </a:p>
-          <a:p>
-            <a:pPr lvl="1"/>
-            <a:endParaRPr lang="de-DE" dirty="0"/>
-          </a:p>
-          <a:p>
-            <a:pPr lvl="2"/>
-            <a:endParaRPr lang="de-DE" dirty="0"/>
-          </a:p>
-          <a:p>
-            <a:pPr lvl="2"/>
-            <a:endParaRPr lang="de-DE" dirty="0"/>
-          </a:p>
-          <a:p>
-            <a:pPr lvl="1"/>
-            <a:endParaRPr lang="de-DE" dirty="0"/>
-          </a:p>
-          <a:p>
-            <a:pPr lvl="2"/>
-            <a:endParaRPr lang="de-DE" dirty="0"/>
-          </a:p>
-          <a:p>
-            <a:pPr lvl="2"/>
-            <a:endParaRPr lang="de-DE" dirty="0"/>
-          </a:p>
-          <a:p>
-            <a:pPr lvl="2"/>
-            <a:endParaRPr lang="de-DE" dirty="0"/>
-          </a:p>
-        </p:txBody>
-      </p:sp>
-      <p:sp>
-        <p:nvSpPr>
-          <p:cNvPr id="4" name="Foliennummernplatzhalter 3"/>
-          <p:cNvSpPr>
-            <a:spLocks noGrp="1"/>
-          </p:cNvSpPr>
-          <p:nvPr>
-            <p:ph type="sldNum" sz="quarter" idx="12"/>
-          </p:nvPr>
-        </p:nvSpPr>
-        <p:spPr/>
-        <p:txBody>
-          <a:bodyPr/>
-          <a:lstStyle/>
-          <a:p>
-            <a:fld id="{750AB064-513B-4E5C-9ADF-210709BEB955}" type="slidenum">
-              <a:rPr lang="en-US" smtClean="0"/>
-              <a:t>38</a:t>
-            </a:fld>
-            <a:endParaRPr lang="en-US"/>
-          </a:p>
-        </p:txBody>
-      </p:sp>
-    </p:spTree>
-    <p:extLst>
-      <p:ext uri="{BB962C8B-B14F-4D97-AF65-F5344CB8AC3E}">
-        <p14:creationId xmlns:p14="http://schemas.microsoft.com/office/powerpoint/2010/main" val="1876934997"/>
-      </p:ext>
-    </p:extLst>
-  </p:cSld>
-  <p:clrMapOvr>
-    <a:masterClrMapping/>
-  </p:clrMapOvr>
-  <p:timing>
-    <p:tnLst>
-      <p:par>
-        <p:cTn id="1" dur="indefinite" restart="never" nodeType="tmRoot">
-          <p:childTnLst>
-            <p:seq concurrent="1" nextAc="seek">
-              <p:cTn id="2" dur="indefinite" nodeType="mainSeq">
-                <p:childTnLst>
-                  <p:par>
-                    <p:cTn id="3" fill="hold">
-                      <p:stCondLst>
-                        <p:cond delay="indefinite"/>
-                      </p:stCondLst>
-                      <p:childTnLst>
-                        <p:par>
-                          <p:cTn id="4" fill="hold">
-                            <p:stCondLst>
-                              <p:cond delay="0"/>
-                            </p:stCondLst>
-                            <p:childTnLst>
-                              <p:par>
-                                <p:cTn id="5" presetID="10" presetClass="entr" presetSubtype="0" fill="hold" nodeType="clickEffect">
-                                  <p:stCondLst>
-                                    <p:cond delay="0"/>
-                                  </p:stCondLst>
-                                  <p:childTnLst>
-                                    <p:set>
-                                      <p:cBhvr>
-                                        <p:cTn id="6" dur="1" fill="hold">
-                                          <p:stCondLst>
-                                            <p:cond delay="0"/>
-                                          </p:stCondLst>
-                                        </p:cTn>
-                                        <p:tgtEl>
-                                          <p:spTgt spid="3">
-                                            <p:txEl>
-                                              <p:pRg st="0" end="0"/>
-                                            </p:txEl>
-                                          </p:spTgt>
-                                        </p:tgtEl>
-                                        <p:attrNameLst>
-                                          <p:attrName>style.visibility</p:attrName>
-                                        </p:attrNameLst>
-                                      </p:cBhvr>
-                                      <p:to>
-                                        <p:strVal val="visible"/>
-                                      </p:to>
-                                    </p:set>
-                                    <p:animEffect transition="in" filter="fade">
-                                      <p:cBhvr>
-                                        <p:cTn id="7" dur="500"/>
-                                        <p:tgtEl>
-                                          <p:spTgt spid="3">
-                                            <p:txEl>
-                                              <p:pRg st="0" end="0"/>
-                                            </p:txEl>
-                                          </p:spTgt>
-                                        </p:tgtEl>
-                                      </p:cBhvr>
-                                    </p:animEffect>
-                                  </p:childTnLst>
-                                </p:cTn>
-                              </p:par>
-                            </p:childTnLst>
-                          </p:cTn>
-                        </p:par>
-                      </p:childTnLst>
-                    </p:cTn>
-                  </p:par>
-                  <p:par>
-                    <p:cTn id="8" fill="hold">
-                      <p:stCondLst>
-                        <p:cond delay="indefinite"/>
-                      </p:stCondLst>
-                      <p:childTnLst>
-                        <p:par>
-                          <p:cTn id="9" fill="hold">
-                            <p:stCondLst>
-                              <p:cond delay="0"/>
-                            </p:stCondLst>
-                            <p:childTnLst>
-                              <p:par>
-                                <p:cTn id="10" presetID="10" presetClass="entr" presetSubtype="0" fill="hold" nodeType="clickEffect">
-                                  <p:stCondLst>
-                                    <p:cond delay="0"/>
-                                  </p:stCondLst>
-                                  <p:childTnLst>
-                                    <p:set>
-                                      <p:cBhvr>
-                                        <p:cTn id="11" dur="1" fill="hold">
-                                          <p:stCondLst>
-                                            <p:cond delay="0"/>
-                                          </p:stCondLst>
-                                        </p:cTn>
-                                        <p:tgtEl>
-                                          <p:spTgt spid="3">
-                                            <p:txEl>
-                                              <p:pRg st="1" end="1"/>
-                                            </p:txEl>
-                                          </p:spTgt>
-                                        </p:tgtEl>
-                                        <p:attrNameLst>
-                                          <p:attrName>style.visibility</p:attrName>
-                                        </p:attrNameLst>
-                                      </p:cBhvr>
-                                      <p:to>
-                                        <p:strVal val="visible"/>
-                                      </p:to>
-                                    </p:set>
-                                    <p:animEffect transition="in" filter="fade">
-                                      <p:cBhvr>
-                                        <p:cTn id="12" dur="500"/>
-                                        <p:tgtEl>
-                                          <p:spTgt spid="3">
-                                            <p:txEl>
-                                              <p:pRg st="1" end="1"/>
-                                            </p:txEl>
-                                          </p:spTgt>
-                                        </p:tgtEl>
-                                      </p:cBhvr>
-                                    </p:animEffect>
-                                  </p:childTnLst>
-                                </p:cTn>
-                              </p:par>
-                            </p:childTnLst>
-                          </p:cTn>
-                        </p:par>
-                      </p:childTnLst>
-                    </p:cTn>
-                  </p:par>
-                  <p:par>
-                    <p:cTn id="13" fill="hold">
-                      <p:stCondLst>
-                        <p:cond delay="indefinite"/>
-                      </p:stCondLst>
-                      <p:childTnLst>
-                        <p:par>
-                          <p:cTn id="14" fill="hold">
-                            <p:stCondLst>
-                              <p:cond delay="0"/>
-                            </p:stCondLst>
-                            <p:childTnLst>
-                              <p:par>
-                                <p:cTn id="15" presetID="10" presetClass="entr" presetSubtype="0" fill="hold" nodeType="clickEffect">
-                                  <p:stCondLst>
-                                    <p:cond delay="0"/>
-                                  </p:stCondLst>
-                                  <p:childTnLst>
-                                    <p:set>
-                                      <p:cBhvr>
-                                        <p:cTn id="16" dur="1" fill="hold">
-                                          <p:stCondLst>
-                                            <p:cond delay="0"/>
-                                          </p:stCondLst>
-                                        </p:cTn>
-                                        <p:tgtEl>
-                                          <p:spTgt spid="3">
-                                            <p:txEl>
-                                              <p:pRg st="2" end="2"/>
-                                            </p:txEl>
-                                          </p:spTgt>
-                                        </p:tgtEl>
-                                        <p:attrNameLst>
-                                          <p:attrName>style.visibility</p:attrName>
-                                        </p:attrNameLst>
-                                      </p:cBhvr>
-                                      <p:to>
-                                        <p:strVal val="visible"/>
-                                      </p:to>
-                                    </p:set>
-                                    <p:animEffect transition="in" filter="fade">
-                                      <p:cBhvr>
-                                        <p:cTn id="17" dur="500"/>
-                                        <p:tgtEl>
-                                          <p:spTgt spid="3">
-                                            <p:txEl>
-                                              <p:pRg st="2" end="2"/>
-                                            </p:txEl>
-                                          </p:spTgt>
-                                        </p:tgtEl>
-                                      </p:cBhvr>
-                                    </p:animEffect>
-                                  </p:childTnLst>
-                                </p:cTn>
-                              </p:par>
-                            </p:childTnLst>
-                          </p:cTn>
-                        </p:par>
-                      </p:childTnLst>
-                    </p:cTn>
-                  </p:par>
-                  <p:par>
-                    <p:cTn id="18" fill="hold">
-                      <p:stCondLst>
-                        <p:cond delay="indefinite"/>
-                      </p:stCondLst>
-                      <p:childTnLst>
-                        <p:par>
-                          <p:cTn id="19" fill="hold">
-                            <p:stCondLst>
-                              <p:cond delay="0"/>
-                            </p:stCondLst>
-                            <p:childTnLst>
-                              <p:par>
-                                <p:cTn id="20" presetID="10" presetClass="entr" presetSubtype="0" fill="hold" nodeType="clickEffect">
-                                  <p:stCondLst>
-                                    <p:cond delay="0"/>
-                                  </p:stCondLst>
-                                  <p:childTnLst>
-                                    <p:set>
-                                      <p:cBhvr>
-                                        <p:cTn id="21" dur="1" fill="hold">
-                                          <p:stCondLst>
-                                            <p:cond delay="0"/>
-                                          </p:stCondLst>
-                                        </p:cTn>
-                                        <p:tgtEl>
-                                          <p:spTgt spid="3">
-                                            <p:txEl>
-                                              <p:pRg st="3" end="3"/>
-                                            </p:txEl>
-                                          </p:spTgt>
-                                        </p:tgtEl>
-                                        <p:attrNameLst>
-                                          <p:attrName>style.visibility</p:attrName>
-                                        </p:attrNameLst>
-                                      </p:cBhvr>
-                                      <p:to>
-                                        <p:strVal val="visible"/>
-                                      </p:to>
-                                    </p:set>
-                                    <p:animEffect transition="in" filter="fade">
-                                      <p:cBhvr>
-                                        <p:cTn id="22" dur="500"/>
-                                        <p:tgtEl>
-                                          <p:spTgt spid="3">
-                                            <p:txEl>
-                                              <p:pRg st="3" end="3"/>
-                                            </p:txEl>
-                                          </p:spTgt>
-                                        </p:tgtEl>
-                                      </p:cBhvr>
-                                    </p:animEffect>
-                                  </p:childTnLst>
-                                </p:cTn>
-                              </p:par>
-                            </p:childTnLst>
-                          </p:cTn>
-                        </p:par>
-                      </p:childTnLst>
-                    </p:cTn>
-                  </p:par>
-                  <p:par>
-                    <p:cTn id="23" fill="hold">
-                      <p:stCondLst>
-                        <p:cond delay="indefinite"/>
-                      </p:stCondLst>
-                      <p:childTnLst>
-                        <p:par>
-                          <p:cTn id="24" fill="hold">
-                            <p:stCondLst>
-                              <p:cond delay="0"/>
-                            </p:stCondLst>
-                            <p:childTnLst>
-                              <p:par>
-                                <p:cTn id="25" presetID="10" presetClass="entr" presetSubtype="0" fill="hold" nodeType="clickEffect">
-                                  <p:stCondLst>
-                                    <p:cond delay="0"/>
-                                  </p:stCondLst>
-                                  <p:childTnLst>
-                                    <p:set>
-                                      <p:cBhvr>
-                                        <p:cTn id="26" dur="1" fill="hold">
-                                          <p:stCondLst>
-                                            <p:cond delay="0"/>
-                                          </p:stCondLst>
-                                        </p:cTn>
-                                        <p:tgtEl>
-                                          <p:spTgt spid="3">
-                                            <p:txEl>
-                                              <p:pRg st="4" end="4"/>
-                                            </p:txEl>
-                                          </p:spTgt>
-                                        </p:tgtEl>
-                                        <p:attrNameLst>
-                                          <p:attrName>style.visibility</p:attrName>
-                                        </p:attrNameLst>
-                                      </p:cBhvr>
-                                      <p:to>
-                                        <p:strVal val="visible"/>
-                                      </p:to>
-                                    </p:set>
-                                    <p:animEffect transition="in" filter="fade">
-                                      <p:cBhvr>
-                                        <p:cTn id="27" dur="500"/>
-                                        <p:tgtEl>
-                                          <p:spTgt spid="3">
-                                            <p:txEl>
-                                              <p:pRg st="4" end="4"/>
-                                            </p:txEl>
-                                          </p:spTgt>
-                                        </p:tgtEl>
-                                      </p:cBhvr>
-                                    </p:animEffect>
-                                  </p:childTnLst>
-                                </p:cTn>
-                              </p:par>
-                            </p:childTnLst>
-                          </p:cTn>
-                        </p:par>
-                      </p:childTnLst>
-                    </p:cTn>
-                  </p:par>
-                  <p:par>
-                    <p:cTn id="28" fill="hold">
-                      <p:stCondLst>
-                        <p:cond delay="indefinite"/>
-                      </p:stCondLst>
-                      <p:childTnLst>
-                        <p:par>
-                          <p:cTn id="29" fill="hold">
-                            <p:stCondLst>
-                              <p:cond delay="0"/>
-                            </p:stCondLst>
-                            <p:childTnLst>
-                              <p:par>
-                                <p:cTn id="30" presetID="10" presetClass="entr" presetSubtype="0" fill="hold" nodeType="clickEffect">
-                                  <p:stCondLst>
-                                    <p:cond delay="0"/>
-                                  </p:stCondLst>
-                                  <p:childTnLst>
-                                    <p:set>
-                                      <p:cBhvr>
-                                        <p:cTn id="31" dur="1" fill="hold">
-                                          <p:stCondLst>
-                                            <p:cond delay="0"/>
-                                          </p:stCondLst>
-                                        </p:cTn>
-                                        <p:tgtEl>
-                                          <p:spTgt spid="3">
-                                            <p:txEl>
-                                              <p:pRg st="5" end="5"/>
-                                            </p:txEl>
-                                          </p:spTgt>
-                                        </p:tgtEl>
-                                        <p:attrNameLst>
-                                          <p:attrName>style.visibility</p:attrName>
-                                        </p:attrNameLst>
-                                      </p:cBhvr>
-                                      <p:to>
-                                        <p:strVal val="visible"/>
-                                      </p:to>
-                                    </p:set>
-                                    <p:animEffect transition="in" filter="fade">
-                                      <p:cBhvr>
-                                        <p:cTn id="32" dur="500"/>
-                                        <p:tgtEl>
-                                          <p:spTgt spid="3">
-                                            <p:txEl>
-                                              <p:pRg st="5" end="5"/>
-                                            </p:txEl>
-                                          </p:spTgt>
-                                        </p:tgtEl>
-                                      </p:cBhvr>
-                                    </p:animEffect>
-                                  </p:childTnLst>
-                                </p:cTn>
-                              </p:par>
-                            </p:childTnLst>
-                          </p:cTn>
-                        </p:par>
-                      </p:childTnLst>
-                    </p:cTn>
-                  </p:par>
-                  <p:par>
-                    <p:cTn id="33" fill="hold">
-                      <p:stCondLst>
-                        <p:cond delay="indefinite"/>
-                      </p:stCondLst>
-                      <p:childTnLst>
-                        <p:par>
-                          <p:cTn id="34" fill="hold">
-                            <p:stCondLst>
-                              <p:cond delay="0"/>
-                            </p:stCondLst>
-                            <p:childTnLst>
-                              <p:par>
-                                <p:cTn id="35" presetID="10" presetClass="entr" presetSubtype="0" fill="hold" nodeType="clickEffect">
-                                  <p:stCondLst>
-                                    <p:cond delay="0"/>
-                                  </p:stCondLst>
-                                  <p:childTnLst>
-                                    <p:set>
-                                      <p:cBhvr>
-                                        <p:cTn id="36" dur="1" fill="hold">
-                                          <p:stCondLst>
-                                            <p:cond delay="0"/>
-                                          </p:stCondLst>
-                                        </p:cTn>
-                                        <p:tgtEl>
-                                          <p:spTgt spid="3">
-                                            <p:txEl>
-                                              <p:pRg st="6" end="6"/>
-                                            </p:txEl>
-                                          </p:spTgt>
-                                        </p:tgtEl>
-                                        <p:attrNameLst>
-                                          <p:attrName>style.visibility</p:attrName>
-                                        </p:attrNameLst>
-                                      </p:cBhvr>
-                                      <p:to>
-                                        <p:strVal val="visible"/>
-                                      </p:to>
-                                    </p:set>
-                                    <p:animEffect transition="in" filter="fade">
-                                      <p:cBhvr>
-                                        <p:cTn id="37" dur="500"/>
-                                        <p:tgtEl>
-                                          <p:spTgt spid="3">
-                                            <p:txEl>
-                                              <p:pRg st="6" end="6"/>
                                             </p:txEl>
                                           </p:spTgt>
                                         </p:tgtEl>
@@ -28222,6 +27687,216 @@
       </p:sp>
       <p:sp>
         <p:nvSpPr>
+          <p:cNvPr id="3" name="Content Placeholder 2"/>
+          <p:cNvSpPr>
+            <a:spLocks noGrp="1"/>
+          </p:cNvSpPr>
+          <p:nvPr>
+            <p:ph idx="1"/>
+          </p:nvPr>
+        </p:nvSpPr>
+        <p:spPr/>
+        <p:txBody>
+          <a:bodyPr>
+            <a:normAutofit lnSpcReduction="10000"/>
+          </a:bodyPr>
+          <a:lstStyle/>
+          <a:p>
+            <a:pPr lvl="1"/>
+            <a:r>
+              <a:rPr lang="de-DE" dirty="0"/>
+              <a:t>Funktionsweise</a:t>
+            </a:r>
+          </a:p>
+          <a:p>
+            <a:pPr lvl="2"/>
+            <a:r>
+              <a:rPr lang="de-DE" dirty="0"/>
+              <a:t>„</a:t>
+            </a:r>
+            <a:r>
+              <a:rPr lang="de-DE" dirty="0" err="1"/>
+              <a:t>Triggered</a:t>
+            </a:r>
+            <a:r>
+              <a:rPr lang="de-DE" dirty="0"/>
+              <a:t> </a:t>
+            </a:r>
+            <a:r>
+              <a:rPr lang="de-DE" dirty="0" err="1"/>
+              <a:t>automation</a:t>
+            </a:r>
+            <a:r>
+              <a:rPr lang="de-DE" dirty="0"/>
+              <a:t>“</a:t>
+            </a:r>
+            <a:br>
+              <a:rPr lang="de-DE" dirty="0"/>
+            </a:br>
+            <a:r>
+              <a:rPr lang="de-DE" dirty="0"/>
+              <a:t>oder bei </a:t>
+            </a:r>
+            <a:r>
+              <a:rPr lang="de-DE" dirty="0" err="1"/>
+              <a:t>Cron</a:t>
+            </a:r>
+            <a:r>
+              <a:rPr lang="de-DE" dirty="0"/>
+              <a:t> Job „</a:t>
+            </a:r>
+            <a:r>
+              <a:rPr lang="de-DE" dirty="0" err="1"/>
+              <a:t>Scheduled</a:t>
+            </a:r>
+            <a:r>
+              <a:rPr lang="de-DE" dirty="0"/>
+              <a:t> </a:t>
+            </a:r>
+            <a:r>
+              <a:rPr lang="de-DE" dirty="0" err="1"/>
+              <a:t>automation</a:t>
+            </a:r>
+            <a:r>
+              <a:rPr lang="de-DE" dirty="0"/>
+              <a:t>“</a:t>
+            </a:r>
+            <a:endParaRPr lang="de-DE" dirty="0"/>
+          </a:p>
+          <a:p>
+            <a:pPr lvl="2"/>
+            <a:r>
+              <a:rPr lang="de-DE" dirty="0"/>
+              <a:t>Konfiguration über ein .</a:t>
+            </a:r>
+            <a:r>
+              <a:rPr lang="de-DE" dirty="0" err="1"/>
+              <a:t>travis.yml</a:t>
+            </a:r>
+            <a:r>
+              <a:rPr lang="de-DE" dirty="0"/>
+              <a:t> File, das in das Root Verzeichnis des </a:t>
+            </a:r>
+            <a:r>
+              <a:rPr lang="de-DE" dirty="0" err="1"/>
+              <a:t>Repositorys</a:t>
+            </a:r>
+            <a:r>
+              <a:rPr lang="de-DE" dirty="0"/>
+              <a:t> gelegt wird</a:t>
+            </a:r>
+          </a:p>
+          <a:p>
+            <a:pPr lvl="2"/>
+            <a:r>
+              <a:rPr lang="de-DE" dirty="0"/>
+              <a:t>Darin enthalten sind Details </a:t>
+            </a:r>
+          </a:p>
+          <a:p>
+            <a:pPr lvl="3"/>
+            <a:r>
+              <a:rPr lang="de-DE" dirty="0"/>
+              <a:t>Zur verwendeten Programmiersprache</a:t>
+            </a:r>
+          </a:p>
+          <a:p>
+            <a:pPr lvl="3"/>
+            <a:r>
+              <a:rPr lang="de-DE" dirty="0"/>
+              <a:t>Zu Befehlen oder Skripten, die vor dem </a:t>
+            </a:r>
+            <a:r>
+              <a:rPr lang="de-DE" dirty="0" err="1"/>
+              <a:t>Build</a:t>
+            </a:r>
+            <a:r>
+              <a:rPr lang="de-DE" dirty="0"/>
+              <a:t> ausgeführt werden sollen (beispielsweise Installation oder Kopieren der Projektabhängigkeiten)</a:t>
+            </a:r>
+          </a:p>
+          <a:p>
+            <a:pPr lvl="3"/>
+            <a:r>
+              <a:rPr lang="de-DE" dirty="0"/>
+              <a:t>Der gewünschten </a:t>
+            </a:r>
+            <a:r>
+              <a:rPr lang="de-DE" dirty="0" err="1"/>
+              <a:t>Build</a:t>
+            </a:r>
+            <a:r>
+              <a:rPr lang="de-DE" dirty="0"/>
+              <a:t>- und Testumgebung</a:t>
+            </a:r>
+          </a:p>
+          <a:p>
+            <a:pPr lvl="3"/>
+            <a:r>
+              <a:rPr lang="de-DE" dirty="0"/>
+              <a:t>Zu Emails, </a:t>
+            </a:r>
+            <a:r>
+              <a:rPr lang="de-DE" dirty="0" err="1"/>
+              <a:t>Campfire</a:t>
+            </a:r>
+            <a:r>
+              <a:rPr lang="de-DE" dirty="0"/>
+              <a:t> oder IRC </a:t>
+            </a:r>
+            <a:r>
+              <a:rPr lang="de-DE" dirty="0" err="1"/>
+              <a:t>Rooms</a:t>
+            </a:r>
+            <a:r>
+              <a:rPr lang="de-DE" dirty="0"/>
+              <a:t>, die bei Fehlern zu benachrichtigen sind</a:t>
+            </a:r>
+          </a:p>
+          <a:p>
+            <a:pPr lvl="3"/>
+            <a:endParaRPr lang="de-DE" dirty="0"/>
+          </a:p>
+          <a:p>
+            <a:pPr lvl="2"/>
+            <a:endParaRPr lang="de-DE" dirty="0"/>
+          </a:p>
+          <a:p>
+            <a:pPr lvl="2"/>
+            <a:endParaRPr lang="de-DE" dirty="0"/>
+          </a:p>
+          <a:p>
+            <a:pPr lvl="1"/>
+            <a:endParaRPr lang="de-DE" dirty="0"/>
+          </a:p>
+          <a:p>
+            <a:pPr lvl="2"/>
+            <a:endParaRPr lang="de-DE" dirty="0"/>
+          </a:p>
+          <a:p>
+            <a:pPr lvl="2"/>
+            <a:endParaRPr lang="de-DE" dirty="0"/>
+          </a:p>
+          <a:p>
+            <a:pPr lvl="1"/>
+            <a:endParaRPr lang="de-DE" dirty="0"/>
+          </a:p>
+          <a:p>
+            <a:pPr lvl="2"/>
+            <a:endParaRPr lang="de-DE" dirty="0"/>
+          </a:p>
+          <a:p>
+            <a:pPr lvl="2"/>
+            <a:endParaRPr lang="de-DE" dirty="0"/>
+          </a:p>
+          <a:p>
+            <a:pPr lvl="2"/>
+            <a:endParaRPr lang="de-DE" dirty="0"/>
+          </a:p>
+        </p:txBody>
+      </p:sp>
+      <p:sp>
+        <p:nvSpPr>
           <p:cNvPr id="4" name="Foliennummernplatzhalter 3"/>
           <p:cNvSpPr>
             <a:spLocks noGrp="1"/>
@@ -28238,6 +27913,1280 @@
             <a:fld id="{750AB064-513B-4E5C-9ADF-210709BEB955}" type="slidenum">
               <a:rPr lang="en-US" smtClean="0"/>
               <a:t>39</a:t>
+            </a:fld>
+            <a:endParaRPr lang="en-US"/>
+          </a:p>
+        </p:txBody>
+      </p:sp>
+    </p:spTree>
+    <p:extLst>
+      <p:ext uri="{BB962C8B-B14F-4D97-AF65-F5344CB8AC3E}">
+        <p14:creationId xmlns:p14="http://schemas.microsoft.com/office/powerpoint/2010/main" val="1876934997"/>
+      </p:ext>
+    </p:extLst>
+  </p:cSld>
+  <p:clrMapOvr>
+    <a:masterClrMapping/>
+  </p:clrMapOvr>
+  <p:timing>
+    <p:tnLst>
+      <p:par>
+        <p:cTn id="1" dur="indefinite" restart="never" nodeType="tmRoot">
+          <p:childTnLst>
+            <p:seq concurrent="1" nextAc="seek">
+              <p:cTn id="2" dur="indefinite" nodeType="mainSeq">
+                <p:childTnLst>
+                  <p:par>
+                    <p:cTn id="3" fill="hold">
+                      <p:stCondLst>
+                        <p:cond delay="indefinite"/>
+                      </p:stCondLst>
+                      <p:childTnLst>
+                        <p:par>
+                          <p:cTn id="4" fill="hold">
+                            <p:stCondLst>
+                              <p:cond delay="0"/>
+                            </p:stCondLst>
+                            <p:childTnLst>
+                              <p:par>
+                                <p:cTn id="5" presetID="10" presetClass="entr" presetSubtype="0" fill="hold" nodeType="clickEffect">
+                                  <p:stCondLst>
+                                    <p:cond delay="0"/>
+                                  </p:stCondLst>
+                                  <p:childTnLst>
+                                    <p:set>
+                                      <p:cBhvr>
+                                        <p:cTn id="6" dur="1" fill="hold">
+                                          <p:stCondLst>
+                                            <p:cond delay="0"/>
+                                          </p:stCondLst>
+                                        </p:cTn>
+                                        <p:tgtEl>
+                                          <p:spTgt spid="3">
+                                            <p:txEl>
+                                              <p:pRg st="0" end="0"/>
+                                            </p:txEl>
+                                          </p:spTgt>
+                                        </p:tgtEl>
+                                        <p:attrNameLst>
+                                          <p:attrName>style.visibility</p:attrName>
+                                        </p:attrNameLst>
+                                      </p:cBhvr>
+                                      <p:to>
+                                        <p:strVal val="visible"/>
+                                      </p:to>
+                                    </p:set>
+                                    <p:animEffect transition="in" filter="fade">
+                                      <p:cBhvr>
+                                        <p:cTn id="7" dur="500"/>
+                                        <p:tgtEl>
+                                          <p:spTgt spid="3">
+                                            <p:txEl>
+                                              <p:pRg st="0" end="0"/>
+                                            </p:txEl>
+                                          </p:spTgt>
+                                        </p:tgtEl>
+                                      </p:cBhvr>
+                                    </p:animEffect>
+                                  </p:childTnLst>
+                                </p:cTn>
+                              </p:par>
+                            </p:childTnLst>
+                          </p:cTn>
+                        </p:par>
+                      </p:childTnLst>
+                    </p:cTn>
+                  </p:par>
+                  <p:par>
+                    <p:cTn id="8" fill="hold">
+                      <p:stCondLst>
+                        <p:cond delay="indefinite"/>
+                      </p:stCondLst>
+                      <p:childTnLst>
+                        <p:par>
+                          <p:cTn id="9" fill="hold">
+                            <p:stCondLst>
+                              <p:cond delay="0"/>
+                            </p:stCondLst>
+                            <p:childTnLst>
+                              <p:par>
+                                <p:cTn id="10" presetID="10" presetClass="entr" presetSubtype="0" fill="hold" nodeType="clickEffect">
+                                  <p:stCondLst>
+                                    <p:cond delay="0"/>
+                                  </p:stCondLst>
+                                  <p:childTnLst>
+                                    <p:set>
+                                      <p:cBhvr>
+                                        <p:cTn id="11" dur="1" fill="hold">
+                                          <p:stCondLst>
+                                            <p:cond delay="0"/>
+                                          </p:stCondLst>
+                                        </p:cTn>
+                                        <p:tgtEl>
+                                          <p:spTgt spid="3">
+                                            <p:txEl>
+                                              <p:pRg st="1" end="1"/>
+                                            </p:txEl>
+                                          </p:spTgt>
+                                        </p:tgtEl>
+                                        <p:attrNameLst>
+                                          <p:attrName>style.visibility</p:attrName>
+                                        </p:attrNameLst>
+                                      </p:cBhvr>
+                                      <p:to>
+                                        <p:strVal val="visible"/>
+                                      </p:to>
+                                    </p:set>
+                                    <p:animEffect transition="in" filter="fade">
+                                      <p:cBhvr>
+                                        <p:cTn id="12" dur="500"/>
+                                        <p:tgtEl>
+                                          <p:spTgt spid="3">
+                                            <p:txEl>
+                                              <p:pRg st="1" end="1"/>
+                                            </p:txEl>
+                                          </p:spTgt>
+                                        </p:tgtEl>
+                                      </p:cBhvr>
+                                    </p:animEffect>
+                                  </p:childTnLst>
+                                </p:cTn>
+                              </p:par>
+                            </p:childTnLst>
+                          </p:cTn>
+                        </p:par>
+                      </p:childTnLst>
+                    </p:cTn>
+                  </p:par>
+                  <p:par>
+                    <p:cTn id="13" fill="hold">
+                      <p:stCondLst>
+                        <p:cond delay="indefinite"/>
+                      </p:stCondLst>
+                      <p:childTnLst>
+                        <p:par>
+                          <p:cTn id="14" fill="hold">
+                            <p:stCondLst>
+                              <p:cond delay="0"/>
+                            </p:stCondLst>
+                            <p:childTnLst>
+                              <p:par>
+                                <p:cTn id="15" presetID="10" presetClass="entr" presetSubtype="0" fill="hold" nodeType="clickEffect">
+                                  <p:stCondLst>
+                                    <p:cond delay="0"/>
+                                  </p:stCondLst>
+                                  <p:childTnLst>
+                                    <p:set>
+                                      <p:cBhvr>
+                                        <p:cTn id="16" dur="1" fill="hold">
+                                          <p:stCondLst>
+                                            <p:cond delay="0"/>
+                                          </p:stCondLst>
+                                        </p:cTn>
+                                        <p:tgtEl>
+                                          <p:spTgt spid="3">
+                                            <p:txEl>
+                                              <p:pRg st="2" end="2"/>
+                                            </p:txEl>
+                                          </p:spTgt>
+                                        </p:tgtEl>
+                                        <p:attrNameLst>
+                                          <p:attrName>style.visibility</p:attrName>
+                                        </p:attrNameLst>
+                                      </p:cBhvr>
+                                      <p:to>
+                                        <p:strVal val="visible"/>
+                                      </p:to>
+                                    </p:set>
+                                    <p:animEffect transition="in" filter="fade">
+                                      <p:cBhvr>
+                                        <p:cTn id="17" dur="500"/>
+                                        <p:tgtEl>
+                                          <p:spTgt spid="3">
+                                            <p:txEl>
+                                              <p:pRg st="2" end="2"/>
+                                            </p:txEl>
+                                          </p:spTgt>
+                                        </p:tgtEl>
+                                      </p:cBhvr>
+                                    </p:animEffect>
+                                  </p:childTnLst>
+                                </p:cTn>
+                              </p:par>
+                            </p:childTnLst>
+                          </p:cTn>
+                        </p:par>
+                      </p:childTnLst>
+                    </p:cTn>
+                  </p:par>
+                  <p:par>
+                    <p:cTn id="18" fill="hold">
+                      <p:stCondLst>
+                        <p:cond delay="indefinite"/>
+                      </p:stCondLst>
+                      <p:childTnLst>
+                        <p:par>
+                          <p:cTn id="19" fill="hold">
+                            <p:stCondLst>
+                              <p:cond delay="0"/>
+                            </p:stCondLst>
+                            <p:childTnLst>
+                              <p:par>
+                                <p:cTn id="20" presetID="10" presetClass="entr" presetSubtype="0" fill="hold" nodeType="clickEffect">
+                                  <p:stCondLst>
+                                    <p:cond delay="0"/>
+                                  </p:stCondLst>
+                                  <p:childTnLst>
+                                    <p:set>
+                                      <p:cBhvr>
+                                        <p:cTn id="21" dur="1" fill="hold">
+                                          <p:stCondLst>
+                                            <p:cond delay="0"/>
+                                          </p:stCondLst>
+                                        </p:cTn>
+                                        <p:tgtEl>
+                                          <p:spTgt spid="3">
+                                            <p:txEl>
+                                              <p:pRg st="3" end="3"/>
+                                            </p:txEl>
+                                          </p:spTgt>
+                                        </p:tgtEl>
+                                        <p:attrNameLst>
+                                          <p:attrName>style.visibility</p:attrName>
+                                        </p:attrNameLst>
+                                      </p:cBhvr>
+                                      <p:to>
+                                        <p:strVal val="visible"/>
+                                      </p:to>
+                                    </p:set>
+                                    <p:animEffect transition="in" filter="fade">
+                                      <p:cBhvr>
+                                        <p:cTn id="22" dur="500"/>
+                                        <p:tgtEl>
+                                          <p:spTgt spid="3">
+                                            <p:txEl>
+                                              <p:pRg st="3" end="3"/>
+                                            </p:txEl>
+                                          </p:spTgt>
+                                        </p:tgtEl>
+                                      </p:cBhvr>
+                                    </p:animEffect>
+                                  </p:childTnLst>
+                                </p:cTn>
+                              </p:par>
+                            </p:childTnLst>
+                          </p:cTn>
+                        </p:par>
+                      </p:childTnLst>
+                    </p:cTn>
+                  </p:par>
+                  <p:par>
+                    <p:cTn id="23" fill="hold">
+                      <p:stCondLst>
+                        <p:cond delay="indefinite"/>
+                      </p:stCondLst>
+                      <p:childTnLst>
+                        <p:par>
+                          <p:cTn id="24" fill="hold">
+                            <p:stCondLst>
+                              <p:cond delay="0"/>
+                            </p:stCondLst>
+                            <p:childTnLst>
+                              <p:par>
+                                <p:cTn id="25" presetID="10" presetClass="entr" presetSubtype="0" fill="hold" nodeType="clickEffect">
+                                  <p:stCondLst>
+                                    <p:cond delay="0"/>
+                                  </p:stCondLst>
+                                  <p:childTnLst>
+                                    <p:set>
+                                      <p:cBhvr>
+                                        <p:cTn id="26" dur="1" fill="hold">
+                                          <p:stCondLst>
+                                            <p:cond delay="0"/>
+                                          </p:stCondLst>
+                                        </p:cTn>
+                                        <p:tgtEl>
+                                          <p:spTgt spid="3">
+                                            <p:txEl>
+                                              <p:pRg st="4" end="4"/>
+                                            </p:txEl>
+                                          </p:spTgt>
+                                        </p:tgtEl>
+                                        <p:attrNameLst>
+                                          <p:attrName>style.visibility</p:attrName>
+                                        </p:attrNameLst>
+                                      </p:cBhvr>
+                                      <p:to>
+                                        <p:strVal val="visible"/>
+                                      </p:to>
+                                    </p:set>
+                                    <p:animEffect transition="in" filter="fade">
+                                      <p:cBhvr>
+                                        <p:cTn id="27" dur="500"/>
+                                        <p:tgtEl>
+                                          <p:spTgt spid="3">
+                                            <p:txEl>
+                                              <p:pRg st="4" end="4"/>
+                                            </p:txEl>
+                                          </p:spTgt>
+                                        </p:tgtEl>
+                                      </p:cBhvr>
+                                    </p:animEffect>
+                                  </p:childTnLst>
+                                </p:cTn>
+                              </p:par>
+                            </p:childTnLst>
+                          </p:cTn>
+                        </p:par>
+                      </p:childTnLst>
+                    </p:cTn>
+                  </p:par>
+                  <p:par>
+                    <p:cTn id="28" fill="hold">
+                      <p:stCondLst>
+                        <p:cond delay="indefinite"/>
+                      </p:stCondLst>
+                      <p:childTnLst>
+                        <p:par>
+                          <p:cTn id="29" fill="hold">
+                            <p:stCondLst>
+                              <p:cond delay="0"/>
+                            </p:stCondLst>
+                            <p:childTnLst>
+                              <p:par>
+                                <p:cTn id="30" presetID="10" presetClass="entr" presetSubtype="0" fill="hold" nodeType="clickEffect">
+                                  <p:stCondLst>
+                                    <p:cond delay="0"/>
+                                  </p:stCondLst>
+                                  <p:childTnLst>
+                                    <p:set>
+                                      <p:cBhvr>
+                                        <p:cTn id="31" dur="1" fill="hold">
+                                          <p:stCondLst>
+                                            <p:cond delay="0"/>
+                                          </p:stCondLst>
+                                        </p:cTn>
+                                        <p:tgtEl>
+                                          <p:spTgt spid="3">
+                                            <p:txEl>
+                                              <p:pRg st="5" end="5"/>
+                                            </p:txEl>
+                                          </p:spTgt>
+                                        </p:tgtEl>
+                                        <p:attrNameLst>
+                                          <p:attrName>style.visibility</p:attrName>
+                                        </p:attrNameLst>
+                                      </p:cBhvr>
+                                      <p:to>
+                                        <p:strVal val="visible"/>
+                                      </p:to>
+                                    </p:set>
+                                    <p:animEffect transition="in" filter="fade">
+                                      <p:cBhvr>
+                                        <p:cTn id="32" dur="500"/>
+                                        <p:tgtEl>
+                                          <p:spTgt spid="3">
+                                            <p:txEl>
+                                              <p:pRg st="5" end="5"/>
+                                            </p:txEl>
+                                          </p:spTgt>
+                                        </p:tgtEl>
+                                      </p:cBhvr>
+                                    </p:animEffect>
+                                  </p:childTnLst>
+                                </p:cTn>
+                              </p:par>
+                            </p:childTnLst>
+                          </p:cTn>
+                        </p:par>
+                      </p:childTnLst>
+                    </p:cTn>
+                  </p:par>
+                  <p:par>
+                    <p:cTn id="33" fill="hold">
+                      <p:stCondLst>
+                        <p:cond delay="indefinite"/>
+                      </p:stCondLst>
+                      <p:childTnLst>
+                        <p:par>
+                          <p:cTn id="34" fill="hold">
+                            <p:stCondLst>
+                              <p:cond delay="0"/>
+                            </p:stCondLst>
+                            <p:childTnLst>
+                              <p:par>
+                                <p:cTn id="35" presetID="10" presetClass="entr" presetSubtype="0" fill="hold" nodeType="clickEffect">
+                                  <p:stCondLst>
+                                    <p:cond delay="0"/>
+                                  </p:stCondLst>
+                                  <p:childTnLst>
+                                    <p:set>
+                                      <p:cBhvr>
+                                        <p:cTn id="36" dur="1" fill="hold">
+                                          <p:stCondLst>
+                                            <p:cond delay="0"/>
+                                          </p:stCondLst>
+                                        </p:cTn>
+                                        <p:tgtEl>
+                                          <p:spTgt spid="3">
+                                            <p:txEl>
+                                              <p:pRg st="6" end="6"/>
+                                            </p:txEl>
+                                          </p:spTgt>
+                                        </p:tgtEl>
+                                        <p:attrNameLst>
+                                          <p:attrName>style.visibility</p:attrName>
+                                        </p:attrNameLst>
+                                      </p:cBhvr>
+                                      <p:to>
+                                        <p:strVal val="visible"/>
+                                      </p:to>
+                                    </p:set>
+                                    <p:animEffect transition="in" filter="fade">
+                                      <p:cBhvr>
+                                        <p:cTn id="37" dur="500"/>
+                                        <p:tgtEl>
+                                          <p:spTgt spid="3">
+                                            <p:txEl>
+                                              <p:pRg st="6" end="6"/>
+                                            </p:txEl>
+                                          </p:spTgt>
+                                        </p:tgtEl>
+                                      </p:cBhvr>
+                                    </p:animEffect>
+                                  </p:childTnLst>
+                                </p:cTn>
+                              </p:par>
+                            </p:childTnLst>
+                          </p:cTn>
+                        </p:par>
+                      </p:childTnLst>
+                    </p:cTn>
+                  </p:par>
+                  <p:par>
+                    <p:cTn id="38" fill="hold">
+                      <p:stCondLst>
+                        <p:cond delay="indefinite"/>
+                      </p:stCondLst>
+                      <p:childTnLst>
+                        <p:par>
+                          <p:cTn id="39" fill="hold">
+                            <p:stCondLst>
+                              <p:cond delay="0"/>
+                            </p:stCondLst>
+                            <p:childTnLst>
+                              <p:par>
+                                <p:cTn id="40" presetID="10" presetClass="entr" presetSubtype="0" fill="hold" nodeType="clickEffect">
+                                  <p:stCondLst>
+                                    <p:cond delay="0"/>
+                                  </p:stCondLst>
+                                  <p:childTnLst>
+                                    <p:set>
+                                      <p:cBhvr>
+                                        <p:cTn id="41" dur="1" fill="hold">
+                                          <p:stCondLst>
+                                            <p:cond delay="0"/>
+                                          </p:stCondLst>
+                                        </p:cTn>
+                                        <p:tgtEl>
+                                          <p:spTgt spid="3">
+                                            <p:txEl>
+                                              <p:pRg st="7" end="7"/>
+                                            </p:txEl>
+                                          </p:spTgt>
+                                        </p:tgtEl>
+                                        <p:attrNameLst>
+                                          <p:attrName>style.visibility</p:attrName>
+                                        </p:attrNameLst>
+                                      </p:cBhvr>
+                                      <p:to>
+                                        <p:strVal val="visible"/>
+                                      </p:to>
+                                    </p:set>
+                                    <p:animEffect transition="in" filter="fade">
+                                      <p:cBhvr>
+                                        <p:cTn id="42" dur="500"/>
+                                        <p:tgtEl>
+                                          <p:spTgt spid="3">
+                                            <p:txEl>
+                                              <p:pRg st="7" end="7"/>
+                                            </p:txEl>
+                                          </p:spTgt>
+                                        </p:tgtEl>
+                                      </p:cBhvr>
+                                    </p:animEffect>
+                                  </p:childTnLst>
+                                </p:cTn>
+                              </p:par>
+                            </p:childTnLst>
+                          </p:cTn>
+                        </p:par>
+                      </p:childTnLst>
+                    </p:cTn>
+                  </p:par>
+                </p:childTnLst>
+              </p:cTn>
+              <p:prevCondLst>
+                <p:cond evt="onPrev" delay="0">
+                  <p:tgtEl>
+                    <p:sldTgt/>
+                  </p:tgtEl>
+                </p:cond>
+              </p:prevCondLst>
+              <p:nextCondLst>
+                <p:cond evt="onNext" delay="0">
+                  <p:tgtEl>
+                    <p:sldTgt/>
+                  </p:tgtEl>
+                </p:cond>
+              </p:nextCondLst>
+            </p:seq>
+          </p:childTnLst>
+        </p:cTn>
+      </p:par>
+    </p:tnLst>
+  </p:timing>
+</p:sld>
+</file>
+
+<file path=ppt/slides/slide4.xml><?xml version="1.0" encoding="utf-8"?>
+<p:sld xmlns:a="http://schemas.openxmlformats.org/drawingml/2006/main" xmlns:r="http://schemas.openxmlformats.org/officeDocument/2006/relationships" xmlns:p="http://schemas.openxmlformats.org/presentationml/2006/main">
+  <p:cSld>
+    <p:spTree>
+      <p:nvGrpSpPr>
+        <p:cNvPr id="1" name=""/>
+        <p:cNvGrpSpPr/>
+        <p:nvPr/>
+      </p:nvGrpSpPr>
+      <p:grpSpPr>
+        <a:xfrm>
+          <a:off x="0" y="0"/>
+          <a:ext cx="0" cy="0"/>
+          <a:chOff x="0" y="0"/>
+          <a:chExt cx="0" cy="0"/>
+        </a:xfrm>
+      </p:grpSpPr>
+      <p:sp>
+        <p:nvSpPr>
+          <p:cNvPr id="2" name="Title 1"/>
+          <p:cNvSpPr>
+            <a:spLocks noGrp="1"/>
+          </p:cNvSpPr>
+          <p:nvPr>
+            <p:ph type="title"/>
+          </p:nvPr>
+        </p:nvSpPr>
+        <p:spPr/>
+        <p:txBody>
+          <a:bodyPr>
+            <a:normAutofit/>
+          </a:bodyPr>
+          <a:lstStyle/>
+          <a:p>
+            <a:r>
+              <a:rPr lang="en-US" dirty="0" err="1"/>
+              <a:t>Versionsverwaltungssysteme</a:t>
+            </a:r>
+            <a:endParaRPr lang="en-US" dirty="0"/>
+          </a:p>
+        </p:txBody>
+      </p:sp>
+      <p:sp>
+        <p:nvSpPr>
+          <p:cNvPr id="3" name="Content Placeholder 2"/>
+          <p:cNvSpPr>
+            <a:spLocks noGrp="1"/>
+          </p:cNvSpPr>
+          <p:nvPr>
+            <p:ph idx="1"/>
+          </p:nvPr>
+        </p:nvSpPr>
+        <p:spPr/>
+        <p:txBody>
+          <a:bodyPr>
+            <a:normAutofit/>
+          </a:bodyPr>
+          <a:lstStyle/>
+          <a:p>
+            <a:pPr lvl="1"/>
+            <a:r>
+              <a:rPr lang="de-DE" dirty="0"/>
+              <a:t>Jede Revision enthält Metadaten</a:t>
+            </a:r>
+          </a:p>
+          <a:p>
+            <a:pPr lvl="2"/>
+            <a:r>
+              <a:rPr lang="de-DE" dirty="0"/>
+              <a:t>Name des Autors</a:t>
+            </a:r>
+          </a:p>
+          <a:p>
+            <a:pPr lvl="2"/>
+            <a:r>
+              <a:rPr lang="de-DE" dirty="0"/>
+              <a:t>Zeitstemple</a:t>
+            </a:r>
+          </a:p>
+          <a:p>
+            <a:pPr lvl="2"/>
+            <a:r>
+              <a:rPr lang="de-DE" dirty="0"/>
+              <a:t>Commit Message</a:t>
+            </a:r>
+          </a:p>
+          <a:p>
+            <a:pPr lvl="1"/>
+            <a:r>
+              <a:rPr lang="de-DE" dirty="0"/>
+              <a:t>Zugriff auf das Repository entweder lesend (vor allem bei </a:t>
+            </a:r>
+            <a:r>
+              <a:rPr lang="de-DE" dirty="0" err="1"/>
+              <a:t>OpenSource</a:t>
+            </a:r>
+            <a:r>
+              <a:rPr lang="de-DE" dirty="0"/>
+              <a:t>-Projekten) oder so stark wie möglich eingeschränkt</a:t>
+            </a:r>
+          </a:p>
+          <a:p>
+            <a:pPr lvl="1"/>
+            <a:r>
+              <a:rPr lang="de-DE" dirty="0"/>
+              <a:t>Schreibender Zugriff kann direkt gewährt werden (Commit-</a:t>
+            </a:r>
+            <a:r>
+              <a:rPr lang="de-DE" dirty="0" err="1"/>
+              <a:t>based</a:t>
+            </a:r>
+            <a:r>
+              <a:rPr lang="de-DE" dirty="0"/>
+              <a:t> </a:t>
+            </a:r>
+            <a:r>
+              <a:rPr lang="de-DE" dirty="0" err="1"/>
+              <a:t>Collaboration</a:t>
+            </a:r>
+            <a:r>
+              <a:rPr lang="de-DE" dirty="0"/>
+              <a:t>) oder indirekt (Patch-</a:t>
+            </a:r>
+            <a:r>
+              <a:rPr lang="de-DE" dirty="0" err="1"/>
+              <a:t>based</a:t>
+            </a:r>
+            <a:r>
+              <a:rPr lang="de-DE" dirty="0"/>
+              <a:t> </a:t>
+            </a:r>
+            <a:r>
+              <a:rPr lang="de-DE" dirty="0" err="1"/>
+              <a:t>Collaboration</a:t>
+            </a:r>
+            <a:r>
+              <a:rPr lang="de-DE" dirty="0"/>
+              <a:t>)</a:t>
+            </a:r>
+          </a:p>
+          <a:p>
+            <a:pPr lvl="1"/>
+            <a:r>
+              <a:rPr lang="de-DE" dirty="0"/>
+              <a:t>Unterscheidung zwischen zentralen und dezentralen SCMs</a:t>
+            </a:r>
+          </a:p>
+          <a:p>
+            <a:pPr lvl="1"/>
+            <a:endParaRPr lang="de-DE" dirty="0"/>
+          </a:p>
+          <a:p>
+            <a:pPr lvl="1"/>
+            <a:endParaRPr lang="de-DE" dirty="0"/>
+          </a:p>
+          <a:p>
+            <a:pPr lvl="2"/>
+            <a:endParaRPr lang="de-DE" dirty="0"/>
+          </a:p>
+          <a:p>
+            <a:pPr lvl="2"/>
+            <a:endParaRPr lang="de-DE" dirty="0"/>
+          </a:p>
+          <a:p>
+            <a:pPr lvl="1"/>
+            <a:endParaRPr lang="de-DE" dirty="0"/>
+          </a:p>
+          <a:p>
+            <a:pPr lvl="2"/>
+            <a:endParaRPr lang="de-DE" dirty="0"/>
+          </a:p>
+          <a:p>
+            <a:pPr lvl="2"/>
+            <a:endParaRPr lang="de-DE" dirty="0"/>
+          </a:p>
+          <a:p>
+            <a:pPr lvl="2"/>
+            <a:endParaRPr lang="de-DE" dirty="0"/>
+          </a:p>
+        </p:txBody>
+      </p:sp>
+      <p:sp>
+        <p:nvSpPr>
+          <p:cNvPr id="4" name="Foliennummernplatzhalter 3"/>
+          <p:cNvSpPr>
+            <a:spLocks noGrp="1"/>
+          </p:cNvSpPr>
+          <p:nvPr>
+            <p:ph type="sldNum" sz="quarter" idx="12"/>
+          </p:nvPr>
+        </p:nvSpPr>
+        <p:spPr/>
+        <p:txBody>
+          <a:bodyPr/>
+          <a:lstStyle/>
+          <a:p>
+            <a:fld id="{750AB064-513B-4E5C-9ADF-210709BEB955}" type="slidenum">
+              <a:rPr lang="en-US" smtClean="0"/>
+              <a:t>4</a:t>
+            </a:fld>
+            <a:endParaRPr lang="en-US"/>
+          </a:p>
+        </p:txBody>
+      </p:sp>
+    </p:spTree>
+    <p:extLst>
+      <p:ext uri="{BB962C8B-B14F-4D97-AF65-F5344CB8AC3E}">
+        <p14:creationId xmlns:p14="http://schemas.microsoft.com/office/powerpoint/2010/main" val="4006128135"/>
+      </p:ext>
+    </p:extLst>
+  </p:cSld>
+  <p:clrMapOvr>
+    <a:masterClrMapping/>
+  </p:clrMapOvr>
+  <p:timing>
+    <p:tnLst>
+      <p:par>
+        <p:cTn id="1" dur="indefinite" restart="never" nodeType="tmRoot">
+          <p:childTnLst>
+            <p:seq concurrent="1" nextAc="seek">
+              <p:cTn id="2" dur="indefinite" nodeType="mainSeq">
+                <p:childTnLst>
+                  <p:par>
+                    <p:cTn id="3" fill="hold">
+                      <p:stCondLst>
+                        <p:cond delay="indefinite"/>
+                      </p:stCondLst>
+                      <p:childTnLst>
+                        <p:par>
+                          <p:cTn id="4" fill="hold">
+                            <p:stCondLst>
+                              <p:cond delay="0"/>
+                            </p:stCondLst>
+                            <p:childTnLst>
+                              <p:par>
+                                <p:cTn id="5" presetID="10" presetClass="entr" presetSubtype="0" fill="hold" nodeType="clickEffect">
+                                  <p:stCondLst>
+                                    <p:cond delay="0"/>
+                                  </p:stCondLst>
+                                  <p:childTnLst>
+                                    <p:set>
+                                      <p:cBhvr>
+                                        <p:cTn id="6" dur="1" fill="hold">
+                                          <p:stCondLst>
+                                            <p:cond delay="0"/>
+                                          </p:stCondLst>
+                                        </p:cTn>
+                                        <p:tgtEl>
+                                          <p:spTgt spid="3">
+                                            <p:txEl>
+                                              <p:pRg st="0" end="0"/>
+                                            </p:txEl>
+                                          </p:spTgt>
+                                        </p:tgtEl>
+                                        <p:attrNameLst>
+                                          <p:attrName>style.visibility</p:attrName>
+                                        </p:attrNameLst>
+                                      </p:cBhvr>
+                                      <p:to>
+                                        <p:strVal val="visible"/>
+                                      </p:to>
+                                    </p:set>
+                                    <p:animEffect transition="in" filter="fade">
+                                      <p:cBhvr>
+                                        <p:cTn id="7" dur="500"/>
+                                        <p:tgtEl>
+                                          <p:spTgt spid="3">
+                                            <p:txEl>
+                                              <p:pRg st="0" end="0"/>
+                                            </p:txEl>
+                                          </p:spTgt>
+                                        </p:tgtEl>
+                                      </p:cBhvr>
+                                    </p:animEffect>
+                                  </p:childTnLst>
+                                </p:cTn>
+                              </p:par>
+                            </p:childTnLst>
+                          </p:cTn>
+                        </p:par>
+                      </p:childTnLst>
+                    </p:cTn>
+                  </p:par>
+                  <p:par>
+                    <p:cTn id="8" fill="hold">
+                      <p:stCondLst>
+                        <p:cond delay="indefinite"/>
+                      </p:stCondLst>
+                      <p:childTnLst>
+                        <p:par>
+                          <p:cTn id="9" fill="hold">
+                            <p:stCondLst>
+                              <p:cond delay="0"/>
+                            </p:stCondLst>
+                            <p:childTnLst>
+                              <p:par>
+                                <p:cTn id="10" presetID="10" presetClass="entr" presetSubtype="0" fill="hold" nodeType="clickEffect">
+                                  <p:stCondLst>
+                                    <p:cond delay="0"/>
+                                  </p:stCondLst>
+                                  <p:childTnLst>
+                                    <p:set>
+                                      <p:cBhvr>
+                                        <p:cTn id="11" dur="1" fill="hold">
+                                          <p:stCondLst>
+                                            <p:cond delay="0"/>
+                                          </p:stCondLst>
+                                        </p:cTn>
+                                        <p:tgtEl>
+                                          <p:spTgt spid="3">
+                                            <p:txEl>
+                                              <p:pRg st="1" end="1"/>
+                                            </p:txEl>
+                                          </p:spTgt>
+                                        </p:tgtEl>
+                                        <p:attrNameLst>
+                                          <p:attrName>style.visibility</p:attrName>
+                                        </p:attrNameLst>
+                                      </p:cBhvr>
+                                      <p:to>
+                                        <p:strVal val="visible"/>
+                                      </p:to>
+                                    </p:set>
+                                    <p:animEffect transition="in" filter="fade">
+                                      <p:cBhvr>
+                                        <p:cTn id="12" dur="500"/>
+                                        <p:tgtEl>
+                                          <p:spTgt spid="3">
+                                            <p:txEl>
+                                              <p:pRg st="1" end="1"/>
+                                            </p:txEl>
+                                          </p:spTgt>
+                                        </p:tgtEl>
+                                      </p:cBhvr>
+                                    </p:animEffect>
+                                  </p:childTnLst>
+                                </p:cTn>
+                              </p:par>
+                            </p:childTnLst>
+                          </p:cTn>
+                        </p:par>
+                      </p:childTnLst>
+                    </p:cTn>
+                  </p:par>
+                  <p:par>
+                    <p:cTn id="13" fill="hold">
+                      <p:stCondLst>
+                        <p:cond delay="indefinite"/>
+                      </p:stCondLst>
+                      <p:childTnLst>
+                        <p:par>
+                          <p:cTn id="14" fill="hold">
+                            <p:stCondLst>
+                              <p:cond delay="0"/>
+                            </p:stCondLst>
+                            <p:childTnLst>
+                              <p:par>
+                                <p:cTn id="15" presetID="10" presetClass="entr" presetSubtype="0" fill="hold" nodeType="clickEffect">
+                                  <p:stCondLst>
+                                    <p:cond delay="0"/>
+                                  </p:stCondLst>
+                                  <p:childTnLst>
+                                    <p:set>
+                                      <p:cBhvr>
+                                        <p:cTn id="16" dur="1" fill="hold">
+                                          <p:stCondLst>
+                                            <p:cond delay="0"/>
+                                          </p:stCondLst>
+                                        </p:cTn>
+                                        <p:tgtEl>
+                                          <p:spTgt spid="3">
+                                            <p:txEl>
+                                              <p:pRg st="2" end="2"/>
+                                            </p:txEl>
+                                          </p:spTgt>
+                                        </p:tgtEl>
+                                        <p:attrNameLst>
+                                          <p:attrName>style.visibility</p:attrName>
+                                        </p:attrNameLst>
+                                      </p:cBhvr>
+                                      <p:to>
+                                        <p:strVal val="visible"/>
+                                      </p:to>
+                                    </p:set>
+                                    <p:animEffect transition="in" filter="fade">
+                                      <p:cBhvr>
+                                        <p:cTn id="17" dur="500"/>
+                                        <p:tgtEl>
+                                          <p:spTgt spid="3">
+                                            <p:txEl>
+                                              <p:pRg st="2" end="2"/>
+                                            </p:txEl>
+                                          </p:spTgt>
+                                        </p:tgtEl>
+                                      </p:cBhvr>
+                                    </p:animEffect>
+                                  </p:childTnLst>
+                                </p:cTn>
+                              </p:par>
+                            </p:childTnLst>
+                          </p:cTn>
+                        </p:par>
+                      </p:childTnLst>
+                    </p:cTn>
+                  </p:par>
+                  <p:par>
+                    <p:cTn id="18" fill="hold">
+                      <p:stCondLst>
+                        <p:cond delay="indefinite"/>
+                      </p:stCondLst>
+                      <p:childTnLst>
+                        <p:par>
+                          <p:cTn id="19" fill="hold">
+                            <p:stCondLst>
+                              <p:cond delay="0"/>
+                            </p:stCondLst>
+                            <p:childTnLst>
+                              <p:par>
+                                <p:cTn id="20" presetID="10" presetClass="entr" presetSubtype="0" fill="hold" nodeType="clickEffect">
+                                  <p:stCondLst>
+                                    <p:cond delay="0"/>
+                                  </p:stCondLst>
+                                  <p:childTnLst>
+                                    <p:set>
+                                      <p:cBhvr>
+                                        <p:cTn id="21" dur="1" fill="hold">
+                                          <p:stCondLst>
+                                            <p:cond delay="0"/>
+                                          </p:stCondLst>
+                                        </p:cTn>
+                                        <p:tgtEl>
+                                          <p:spTgt spid="3">
+                                            <p:txEl>
+                                              <p:pRg st="3" end="3"/>
+                                            </p:txEl>
+                                          </p:spTgt>
+                                        </p:tgtEl>
+                                        <p:attrNameLst>
+                                          <p:attrName>style.visibility</p:attrName>
+                                        </p:attrNameLst>
+                                      </p:cBhvr>
+                                      <p:to>
+                                        <p:strVal val="visible"/>
+                                      </p:to>
+                                    </p:set>
+                                    <p:animEffect transition="in" filter="fade">
+                                      <p:cBhvr>
+                                        <p:cTn id="22" dur="500"/>
+                                        <p:tgtEl>
+                                          <p:spTgt spid="3">
+                                            <p:txEl>
+                                              <p:pRg st="3" end="3"/>
+                                            </p:txEl>
+                                          </p:spTgt>
+                                        </p:tgtEl>
+                                      </p:cBhvr>
+                                    </p:animEffect>
+                                  </p:childTnLst>
+                                </p:cTn>
+                              </p:par>
+                            </p:childTnLst>
+                          </p:cTn>
+                        </p:par>
+                      </p:childTnLst>
+                    </p:cTn>
+                  </p:par>
+                  <p:par>
+                    <p:cTn id="23" fill="hold">
+                      <p:stCondLst>
+                        <p:cond delay="indefinite"/>
+                      </p:stCondLst>
+                      <p:childTnLst>
+                        <p:par>
+                          <p:cTn id="24" fill="hold">
+                            <p:stCondLst>
+                              <p:cond delay="0"/>
+                            </p:stCondLst>
+                            <p:childTnLst>
+                              <p:par>
+                                <p:cTn id="25" presetID="10" presetClass="entr" presetSubtype="0" fill="hold" nodeType="clickEffect">
+                                  <p:stCondLst>
+                                    <p:cond delay="0"/>
+                                  </p:stCondLst>
+                                  <p:childTnLst>
+                                    <p:set>
+                                      <p:cBhvr>
+                                        <p:cTn id="26" dur="1" fill="hold">
+                                          <p:stCondLst>
+                                            <p:cond delay="0"/>
+                                          </p:stCondLst>
+                                        </p:cTn>
+                                        <p:tgtEl>
+                                          <p:spTgt spid="3">
+                                            <p:txEl>
+                                              <p:pRg st="4" end="4"/>
+                                            </p:txEl>
+                                          </p:spTgt>
+                                        </p:tgtEl>
+                                        <p:attrNameLst>
+                                          <p:attrName>style.visibility</p:attrName>
+                                        </p:attrNameLst>
+                                      </p:cBhvr>
+                                      <p:to>
+                                        <p:strVal val="visible"/>
+                                      </p:to>
+                                    </p:set>
+                                    <p:animEffect transition="in" filter="fade">
+                                      <p:cBhvr>
+                                        <p:cTn id="27" dur="500"/>
+                                        <p:tgtEl>
+                                          <p:spTgt spid="3">
+                                            <p:txEl>
+                                              <p:pRg st="4" end="4"/>
+                                            </p:txEl>
+                                          </p:spTgt>
+                                        </p:tgtEl>
+                                      </p:cBhvr>
+                                    </p:animEffect>
+                                  </p:childTnLst>
+                                </p:cTn>
+                              </p:par>
+                            </p:childTnLst>
+                          </p:cTn>
+                        </p:par>
+                      </p:childTnLst>
+                    </p:cTn>
+                  </p:par>
+                  <p:par>
+                    <p:cTn id="28" fill="hold">
+                      <p:stCondLst>
+                        <p:cond delay="indefinite"/>
+                      </p:stCondLst>
+                      <p:childTnLst>
+                        <p:par>
+                          <p:cTn id="29" fill="hold">
+                            <p:stCondLst>
+                              <p:cond delay="0"/>
+                            </p:stCondLst>
+                            <p:childTnLst>
+                              <p:par>
+                                <p:cTn id="30" presetID="10" presetClass="entr" presetSubtype="0" fill="hold" nodeType="clickEffect">
+                                  <p:stCondLst>
+                                    <p:cond delay="0"/>
+                                  </p:stCondLst>
+                                  <p:childTnLst>
+                                    <p:set>
+                                      <p:cBhvr>
+                                        <p:cTn id="31" dur="1" fill="hold">
+                                          <p:stCondLst>
+                                            <p:cond delay="0"/>
+                                          </p:stCondLst>
+                                        </p:cTn>
+                                        <p:tgtEl>
+                                          <p:spTgt spid="3">
+                                            <p:txEl>
+                                              <p:pRg st="5" end="5"/>
+                                            </p:txEl>
+                                          </p:spTgt>
+                                        </p:tgtEl>
+                                        <p:attrNameLst>
+                                          <p:attrName>style.visibility</p:attrName>
+                                        </p:attrNameLst>
+                                      </p:cBhvr>
+                                      <p:to>
+                                        <p:strVal val="visible"/>
+                                      </p:to>
+                                    </p:set>
+                                    <p:animEffect transition="in" filter="fade">
+                                      <p:cBhvr>
+                                        <p:cTn id="32" dur="500"/>
+                                        <p:tgtEl>
+                                          <p:spTgt spid="3">
+                                            <p:txEl>
+                                              <p:pRg st="5" end="5"/>
+                                            </p:txEl>
+                                          </p:spTgt>
+                                        </p:tgtEl>
+                                      </p:cBhvr>
+                                    </p:animEffect>
+                                  </p:childTnLst>
+                                </p:cTn>
+                              </p:par>
+                            </p:childTnLst>
+                          </p:cTn>
+                        </p:par>
+                      </p:childTnLst>
+                    </p:cTn>
+                  </p:par>
+                  <p:par>
+                    <p:cTn id="33" fill="hold">
+                      <p:stCondLst>
+                        <p:cond delay="indefinite"/>
+                      </p:stCondLst>
+                      <p:childTnLst>
+                        <p:par>
+                          <p:cTn id="34" fill="hold">
+                            <p:stCondLst>
+                              <p:cond delay="0"/>
+                            </p:stCondLst>
+                            <p:childTnLst>
+                              <p:par>
+                                <p:cTn id="35" presetID="10" presetClass="entr" presetSubtype="0" fill="hold" nodeType="clickEffect">
+                                  <p:stCondLst>
+                                    <p:cond delay="0"/>
+                                  </p:stCondLst>
+                                  <p:childTnLst>
+                                    <p:set>
+                                      <p:cBhvr>
+                                        <p:cTn id="36" dur="1" fill="hold">
+                                          <p:stCondLst>
+                                            <p:cond delay="0"/>
+                                          </p:stCondLst>
+                                        </p:cTn>
+                                        <p:tgtEl>
+                                          <p:spTgt spid="3">
+                                            <p:txEl>
+                                              <p:pRg st="6" end="6"/>
+                                            </p:txEl>
+                                          </p:spTgt>
+                                        </p:tgtEl>
+                                        <p:attrNameLst>
+                                          <p:attrName>style.visibility</p:attrName>
+                                        </p:attrNameLst>
+                                      </p:cBhvr>
+                                      <p:to>
+                                        <p:strVal val="visible"/>
+                                      </p:to>
+                                    </p:set>
+                                    <p:animEffect transition="in" filter="fade">
+                                      <p:cBhvr>
+                                        <p:cTn id="37" dur="500"/>
+                                        <p:tgtEl>
+                                          <p:spTgt spid="3">
+                                            <p:txEl>
+                                              <p:pRg st="6" end="6"/>
+                                            </p:txEl>
+                                          </p:spTgt>
+                                        </p:tgtEl>
+                                      </p:cBhvr>
+                                    </p:animEffect>
+                                  </p:childTnLst>
+                                </p:cTn>
+                              </p:par>
+                            </p:childTnLst>
+                          </p:cTn>
+                        </p:par>
+                      </p:childTnLst>
+                    </p:cTn>
+                  </p:par>
+                </p:childTnLst>
+              </p:cTn>
+              <p:prevCondLst>
+                <p:cond evt="onPrev" delay="0">
+                  <p:tgtEl>
+                    <p:sldTgt/>
+                  </p:tgtEl>
+                </p:cond>
+              </p:prevCondLst>
+              <p:nextCondLst>
+                <p:cond evt="onNext" delay="0">
+                  <p:tgtEl>
+                    <p:sldTgt/>
+                  </p:tgtEl>
+                </p:cond>
+              </p:nextCondLst>
+            </p:seq>
+          </p:childTnLst>
+        </p:cTn>
+      </p:par>
+    </p:tnLst>
+  </p:timing>
+</p:sld>
+</file>
+
+<file path=ppt/slides/slide40.xml><?xml version="1.0" encoding="utf-8"?>
+<p:sld xmlns:a="http://schemas.openxmlformats.org/drawingml/2006/main" xmlns:r="http://schemas.openxmlformats.org/officeDocument/2006/relationships" xmlns:p="http://schemas.openxmlformats.org/presentationml/2006/main">
+  <p:cSld>
+    <p:spTree>
+      <p:nvGrpSpPr>
+        <p:cNvPr id="1" name=""/>
+        <p:cNvGrpSpPr/>
+        <p:nvPr/>
+      </p:nvGrpSpPr>
+      <p:grpSpPr>
+        <a:xfrm>
+          <a:off x="0" y="0"/>
+          <a:ext cx="0" cy="0"/>
+          <a:chOff x="0" y="0"/>
+          <a:chExt cx="0" cy="0"/>
+        </a:xfrm>
+      </p:grpSpPr>
+      <p:sp>
+        <p:nvSpPr>
+          <p:cNvPr id="2" name="Title 1"/>
+          <p:cNvSpPr>
+            <a:spLocks noGrp="1"/>
+          </p:cNvSpPr>
+          <p:nvPr>
+            <p:ph type="title"/>
+          </p:nvPr>
+        </p:nvSpPr>
+        <p:spPr>
+          <a:xfrm>
+            <a:off x="457200" y="704088"/>
+            <a:ext cx="8686800" cy="1143000"/>
+          </a:xfrm>
+        </p:spPr>
+        <p:txBody>
+          <a:bodyPr>
+            <a:normAutofit/>
+          </a:bodyPr>
+          <a:lstStyle/>
+          <a:p>
+            <a:r>
+              <a:rPr lang="en-US" dirty="0"/>
+              <a:t>Build automation with Travis CI </a:t>
+            </a:r>
+          </a:p>
+        </p:txBody>
+      </p:sp>
+      <p:sp>
+        <p:nvSpPr>
+          <p:cNvPr id="4" name="Foliennummernplatzhalter 3"/>
+          <p:cNvSpPr>
+            <a:spLocks noGrp="1"/>
+          </p:cNvSpPr>
+          <p:nvPr>
+            <p:ph type="sldNum" sz="quarter" idx="12"/>
+          </p:nvPr>
+        </p:nvSpPr>
+        <p:spPr/>
+        <p:txBody>
+          <a:bodyPr/>
+          <a:lstStyle/>
+          <a:p>
+            <a:fld id="{750AB064-513B-4E5C-9ADF-210709BEB955}" type="slidenum">
+              <a:rPr lang="en-US" smtClean="0"/>
+              <a:t>40</a:t>
             </a:fld>
             <a:endParaRPr lang="en-US"/>
           </a:p>
@@ -28399,681 +29348,7 @@
 </p:sld>
 </file>
 
-<file path=ppt/slides/slide4.xml><?xml version="1.0" encoding="utf-8"?>
-<p:sld xmlns:a="http://schemas.openxmlformats.org/drawingml/2006/main" xmlns:r="http://schemas.openxmlformats.org/officeDocument/2006/relationships" xmlns:p="http://schemas.openxmlformats.org/presentationml/2006/main">
-  <p:cSld>
-    <p:spTree>
-      <p:nvGrpSpPr>
-        <p:cNvPr id="1" name=""/>
-        <p:cNvGrpSpPr/>
-        <p:nvPr/>
-      </p:nvGrpSpPr>
-      <p:grpSpPr>
-        <a:xfrm>
-          <a:off x="0" y="0"/>
-          <a:ext cx="0" cy="0"/>
-          <a:chOff x="0" y="0"/>
-          <a:chExt cx="0" cy="0"/>
-        </a:xfrm>
-      </p:grpSpPr>
-      <p:sp>
-        <p:nvSpPr>
-          <p:cNvPr id="2" name="Title 1"/>
-          <p:cNvSpPr>
-            <a:spLocks noGrp="1"/>
-          </p:cNvSpPr>
-          <p:nvPr>
-            <p:ph type="title"/>
-          </p:nvPr>
-        </p:nvSpPr>
-        <p:spPr/>
-        <p:txBody>
-          <a:bodyPr>
-            <a:normAutofit/>
-          </a:bodyPr>
-          <a:lstStyle/>
-          <a:p>
-            <a:r>
-              <a:rPr lang="en-US" dirty="0" err="1"/>
-              <a:t>Versionsverwaltungssysteme</a:t>
-            </a:r>
-            <a:endParaRPr lang="en-US" dirty="0"/>
-          </a:p>
-        </p:txBody>
-      </p:sp>
-      <p:sp>
-        <p:nvSpPr>
-          <p:cNvPr id="3" name="Content Placeholder 2"/>
-          <p:cNvSpPr>
-            <a:spLocks noGrp="1"/>
-          </p:cNvSpPr>
-          <p:nvPr>
-            <p:ph idx="1"/>
-          </p:nvPr>
-        </p:nvSpPr>
-        <p:spPr/>
-        <p:txBody>
-          <a:bodyPr>
-            <a:normAutofit/>
-          </a:bodyPr>
-          <a:lstStyle/>
-          <a:p>
-            <a:pPr lvl="1"/>
-            <a:r>
-              <a:rPr lang="de-DE" dirty="0"/>
-              <a:t>Jede Revision enthält Metadaten</a:t>
-            </a:r>
-          </a:p>
-          <a:p>
-            <a:pPr lvl="2"/>
-            <a:r>
-              <a:rPr lang="de-DE" dirty="0"/>
-              <a:t>Name des Autors</a:t>
-            </a:r>
-          </a:p>
-          <a:p>
-            <a:pPr lvl="2"/>
-            <a:r>
-              <a:rPr lang="de-DE" dirty="0"/>
-              <a:t>Zeitstemple</a:t>
-            </a:r>
-          </a:p>
-          <a:p>
-            <a:pPr lvl="2"/>
-            <a:r>
-              <a:rPr lang="de-DE" dirty="0"/>
-              <a:t>Commit Message</a:t>
-            </a:r>
-          </a:p>
-          <a:p>
-            <a:pPr lvl="1"/>
-            <a:r>
-              <a:rPr lang="de-DE" dirty="0"/>
-              <a:t>Zugriff auf das Repository entweder lesend (vor allem bei </a:t>
-            </a:r>
-            <a:r>
-              <a:rPr lang="de-DE" dirty="0" err="1"/>
-              <a:t>OpenSource</a:t>
-            </a:r>
-            <a:r>
-              <a:rPr lang="de-DE" dirty="0"/>
-              <a:t>-Projekten) oder so stark wie möglich eingeschränkt</a:t>
-            </a:r>
-          </a:p>
-          <a:p>
-            <a:pPr lvl="1"/>
-            <a:r>
-              <a:rPr lang="de-DE" dirty="0"/>
-              <a:t>Schreibender Zugriff kann direkt gewährt werden (Commit-</a:t>
-            </a:r>
-            <a:r>
-              <a:rPr lang="de-DE" dirty="0" err="1"/>
-              <a:t>based</a:t>
-            </a:r>
-            <a:r>
-              <a:rPr lang="de-DE" dirty="0"/>
-              <a:t> </a:t>
-            </a:r>
-            <a:r>
-              <a:rPr lang="de-DE" dirty="0" err="1"/>
-              <a:t>Collaboration</a:t>
-            </a:r>
-            <a:r>
-              <a:rPr lang="de-DE" dirty="0"/>
-              <a:t>) oder indirekt (Patch-</a:t>
-            </a:r>
-            <a:r>
-              <a:rPr lang="de-DE" dirty="0" err="1"/>
-              <a:t>based</a:t>
-            </a:r>
-            <a:r>
-              <a:rPr lang="de-DE" dirty="0"/>
-              <a:t> </a:t>
-            </a:r>
-            <a:r>
-              <a:rPr lang="de-DE" dirty="0" err="1"/>
-              <a:t>Collaboration</a:t>
-            </a:r>
-            <a:r>
-              <a:rPr lang="de-DE" dirty="0"/>
-              <a:t>)</a:t>
-            </a:r>
-          </a:p>
-          <a:p>
-            <a:pPr lvl="1"/>
-            <a:r>
-              <a:rPr lang="de-DE" dirty="0"/>
-              <a:t>Unterscheidung zwischen zentralen und dezentralen SCMs</a:t>
-            </a:r>
-          </a:p>
-          <a:p>
-            <a:pPr lvl="1"/>
-            <a:endParaRPr lang="de-DE" dirty="0"/>
-          </a:p>
-          <a:p>
-            <a:pPr lvl="1"/>
-            <a:endParaRPr lang="de-DE" dirty="0"/>
-          </a:p>
-          <a:p>
-            <a:pPr lvl="2"/>
-            <a:endParaRPr lang="de-DE" dirty="0"/>
-          </a:p>
-          <a:p>
-            <a:pPr lvl="2"/>
-            <a:endParaRPr lang="de-DE" dirty="0"/>
-          </a:p>
-          <a:p>
-            <a:pPr lvl="1"/>
-            <a:endParaRPr lang="de-DE" dirty="0"/>
-          </a:p>
-          <a:p>
-            <a:pPr lvl="2"/>
-            <a:endParaRPr lang="de-DE" dirty="0"/>
-          </a:p>
-          <a:p>
-            <a:pPr lvl="2"/>
-            <a:endParaRPr lang="de-DE" dirty="0"/>
-          </a:p>
-          <a:p>
-            <a:pPr lvl="2"/>
-            <a:endParaRPr lang="de-DE" dirty="0"/>
-          </a:p>
-        </p:txBody>
-      </p:sp>
-      <p:sp>
-        <p:nvSpPr>
-          <p:cNvPr id="4" name="Foliennummernplatzhalter 3"/>
-          <p:cNvSpPr>
-            <a:spLocks noGrp="1"/>
-          </p:cNvSpPr>
-          <p:nvPr>
-            <p:ph type="sldNum" sz="quarter" idx="12"/>
-          </p:nvPr>
-        </p:nvSpPr>
-        <p:spPr/>
-        <p:txBody>
-          <a:bodyPr/>
-          <a:lstStyle/>
-          <a:p>
-            <a:fld id="{750AB064-513B-4E5C-9ADF-210709BEB955}" type="slidenum">
-              <a:rPr lang="en-US" smtClean="0"/>
-              <a:t>4</a:t>
-            </a:fld>
-            <a:endParaRPr lang="en-US"/>
-          </a:p>
-        </p:txBody>
-      </p:sp>
-    </p:spTree>
-    <p:extLst>
-      <p:ext uri="{BB962C8B-B14F-4D97-AF65-F5344CB8AC3E}">
-        <p14:creationId xmlns:p14="http://schemas.microsoft.com/office/powerpoint/2010/main" val="4006128135"/>
-      </p:ext>
-    </p:extLst>
-  </p:cSld>
-  <p:clrMapOvr>
-    <a:masterClrMapping/>
-  </p:clrMapOvr>
-  <p:timing>
-    <p:tnLst>
-      <p:par>
-        <p:cTn id="1" dur="indefinite" restart="never" nodeType="tmRoot">
-          <p:childTnLst>
-            <p:seq concurrent="1" nextAc="seek">
-              <p:cTn id="2" dur="indefinite" nodeType="mainSeq">
-                <p:childTnLst>
-                  <p:par>
-                    <p:cTn id="3" fill="hold">
-                      <p:stCondLst>
-                        <p:cond delay="indefinite"/>
-                      </p:stCondLst>
-                      <p:childTnLst>
-                        <p:par>
-                          <p:cTn id="4" fill="hold">
-                            <p:stCondLst>
-                              <p:cond delay="0"/>
-                            </p:stCondLst>
-                            <p:childTnLst>
-                              <p:par>
-                                <p:cTn id="5" presetID="10" presetClass="entr" presetSubtype="0" fill="hold" nodeType="clickEffect">
-                                  <p:stCondLst>
-                                    <p:cond delay="0"/>
-                                  </p:stCondLst>
-                                  <p:childTnLst>
-                                    <p:set>
-                                      <p:cBhvr>
-                                        <p:cTn id="6" dur="1" fill="hold">
-                                          <p:stCondLst>
-                                            <p:cond delay="0"/>
-                                          </p:stCondLst>
-                                        </p:cTn>
-                                        <p:tgtEl>
-                                          <p:spTgt spid="3">
-                                            <p:txEl>
-                                              <p:pRg st="0" end="0"/>
-                                            </p:txEl>
-                                          </p:spTgt>
-                                        </p:tgtEl>
-                                        <p:attrNameLst>
-                                          <p:attrName>style.visibility</p:attrName>
-                                        </p:attrNameLst>
-                                      </p:cBhvr>
-                                      <p:to>
-                                        <p:strVal val="visible"/>
-                                      </p:to>
-                                    </p:set>
-                                    <p:animEffect transition="in" filter="fade">
-                                      <p:cBhvr>
-                                        <p:cTn id="7" dur="500"/>
-                                        <p:tgtEl>
-                                          <p:spTgt spid="3">
-                                            <p:txEl>
-                                              <p:pRg st="0" end="0"/>
-                                            </p:txEl>
-                                          </p:spTgt>
-                                        </p:tgtEl>
-                                      </p:cBhvr>
-                                    </p:animEffect>
-                                  </p:childTnLst>
-                                </p:cTn>
-                              </p:par>
-                            </p:childTnLst>
-                          </p:cTn>
-                        </p:par>
-                      </p:childTnLst>
-                    </p:cTn>
-                  </p:par>
-                  <p:par>
-                    <p:cTn id="8" fill="hold">
-                      <p:stCondLst>
-                        <p:cond delay="indefinite"/>
-                      </p:stCondLst>
-                      <p:childTnLst>
-                        <p:par>
-                          <p:cTn id="9" fill="hold">
-                            <p:stCondLst>
-                              <p:cond delay="0"/>
-                            </p:stCondLst>
-                            <p:childTnLst>
-                              <p:par>
-                                <p:cTn id="10" presetID="10" presetClass="entr" presetSubtype="0" fill="hold" nodeType="clickEffect">
-                                  <p:stCondLst>
-                                    <p:cond delay="0"/>
-                                  </p:stCondLst>
-                                  <p:childTnLst>
-                                    <p:set>
-                                      <p:cBhvr>
-                                        <p:cTn id="11" dur="1" fill="hold">
-                                          <p:stCondLst>
-                                            <p:cond delay="0"/>
-                                          </p:stCondLst>
-                                        </p:cTn>
-                                        <p:tgtEl>
-                                          <p:spTgt spid="3">
-                                            <p:txEl>
-                                              <p:pRg st="1" end="1"/>
-                                            </p:txEl>
-                                          </p:spTgt>
-                                        </p:tgtEl>
-                                        <p:attrNameLst>
-                                          <p:attrName>style.visibility</p:attrName>
-                                        </p:attrNameLst>
-                                      </p:cBhvr>
-                                      <p:to>
-                                        <p:strVal val="visible"/>
-                                      </p:to>
-                                    </p:set>
-                                    <p:animEffect transition="in" filter="fade">
-                                      <p:cBhvr>
-                                        <p:cTn id="12" dur="500"/>
-                                        <p:tgtEl>
-                                          <p:spTgt spid="3">
-                                            <p:txEl>
-                                              <p:pRg st="1" end="1"/>
-                                            </p:txEl>
-                                          </p:spTgt>
-                                        </p:tgtEl>
-                                      </p:cBhvr>
-                                    </p:animEffect>
-                                  </p:childTnLst>
-                                </p:cTn>
-                              </p:par>
-                            </p:childTnLst>
-                          </p:cTn>
-                        </p:par>
-                      </p:childTnLst>
-                    </p:cTn>
-                  </p:par>
-                  <p:par>
-                    <p:cTn id="13" fill="hold">
-                      <p:stCondLst>
-                        <p:cond delay="indefinite"/>
-                      </p:stCondLst>
-                      <p:childTnLst>
-                        <p:par>
-                          <p:cTn id="14" fill="hold">
-                            <p:stCondLst>
-                              <p:cond delay="0"/>
-                            </p:stCondLst>
-                            <p:childTnLst>
-                              <p:par>
-                                <p:cTn id="15" presetID="10" presetClass="entr" presetSubtype="0" fill="hold" nodeType="clickEffect">
-                                  <p:stCondLst>
-                                    <p:cond delay="0"/>
-                                  </p:stCondLst>
-                                  <p:childTnLst>
-                                    <p:set>
-                                      <p:cBhvr>
-                                        <p:cTn id="16" dur="1" fill="hold">
-                                          <p:stCondLst>
-                                            <p:cond delay="0"/>
-                                          </p:stCondLst>
-                                        </p:cTn>
-                                        <p:tgtEl>
-                                          <p:spTgt spid="3">
-                                            <p:txEl>
-                                              <p:pRg st="2" end="2"/>
-                                            </p:txEl>
-                                          </p:spTgt>
-                                        </p:tgtEl>
-                                        <p:attrNameLst>
-                                          <p:attrName>style.visibility</p:attrName>
-                                        </p:attrNameLst>
-                                      </p:cBhvr>
-                                      <p:to>
-                                        <p:strVal val="visible"/>
-                                      </p:to>
-                                    </p:set>
-                                    <p:animEffect transition="in" filter="fade">
-                                      <p:cBhvr>
-                                        <p:cTn id="17" dur="500"/>
-                                        <p:tgtEl>
-                                          <p:spTgt spid="3">
-                                            <p:txEl>
-                                              <p:pRg st="2" end="2"/>
-                                            </p:txEl>
-                                          </p:spTgt>
-                                        </p:tgtEl>
-                                      </p:cBhvr>
-                                    </p:animEffect>
-                                  </p:childTnLst>
-                                </p:cTn>
-                              </p:par>
-                            </p:childTnLst>
-                          </p:cTn>
-                        </p:par>
-                      </p:childTnLst>
-                    </p:cTn>
-                  </p:par>
-                  <p:par>
-                    <p:cTn id="18" fill="hold">
-                      <p:stCondLst>
-                        <p:cond delay="indefinite"/>
-                      </p:stCondLst>
-                      <p:childTnLst>
-                        <p:par>
-                          <p:cTn id="19" fill="hold">
-                            <p:stCondLst>
-                              <p:cond delay="0"/>
-                            </p:stCondLst>
-                            <p:childTnLst>
-                              <p:par>
-                                <p:cTn id="20" presetID="10" presetClass="entr" presetSubtype="0" fill="hold" nodeType="clickEffect">
-                                  <p:stCondLst>
-                                    <p:cond delay="0"/>
-                                  </p:stCondLst>
-                                  <p:childTnLst>
-                                    <p:set>
-                                      <p:cBhvr>
-                                        <p:cTn id="21" dur="1" fill="hold">
-                                          <p:stCondLst>
-                                            <p:cond delay="0"/>
-                                          </p:stCondLst>
-                                        </p:cTn>
-                                        <p:tgtEl>
-                                          <p:spTgt spid="3">
-                                            <p:txEl>
-                                              <p:pRg st="3" end="3"/>
-                                            </p:txEl>
-                                          </p:spTgt>
-                                        </p:tgtEl>
-                                        <p:attrNameLst>
-                                          <p:attrName>style.visibility</p:attrName>
-                                        </p:attrNameLst>
-                                      </p:cBhvr>
-                                      <p:to>
-                                        <p:strVal val="visible"/>
-                                      </p:to>
-                                    </p:set>
-                                    <p:animEffect transition="in" filter="fade">
-                                      <p:cBhvr>
-                                        <p:cTn id="22" dur="500"/>
-                                        <p:tgtEl>
-                                          <p:spTgt spid="3">
-                                            <p:txEl>
-                                              <p:pRg st="3" end="3"/>
-                                            </p:txEl>
-                                          </p:spTgt>
-                                        </p:tgtEl>
-                                      </p:cBhvr>
-                                    </p:animEffect>
-                                  </p:childTnLst>
-                                </p:cTn>
-                              </p:par>
-                            </p:childTnLst>
-                          </p:cTn>
-                        </p:par>
-                      </p:childTnLst>
-                    </p:cTn>
-                  </p:par>
-                  <p:par>
-                    <p:cTn id="23" fill="hold">
-                      <p:stCondLst>
-                        <p:cond delay="indefinite"/>
-                      </p:stCondLst>
-                      <p:childTnLst>
-                        <p:par>
-                          <p:cTn id="24" fill="hold">
-                            <p:stCondLst>
-                              <p:cond delay="0"/>
-                            </p:stCondLst>
-                            <p:childTnLst>
-                              <p:par>
-                                <p:cTn id="25" presetID="10" presetClass="entr" presetSubtype="0" fill="hold" nodeType="clickEffect">
-                                  <p:stCondLst>
-                                    <p:cond delay="0"/>
-                                  </p:stCondLst>
-                                  <p:childTnLst>
-                                    <p:set>
-                                      <p:cBhvr>
-                                        <p:cTn id="26" dur="1" fill="hold">
-                                          <p:stCondLst>
-                                            <p:cond delay="0"/>
-                                          </p:stCondLst>
-                                        </p:cTn>
-                                        <p:tgtEl>
-                                          <p:spTgt spid="3">
-                                            <p:txEl>
-                                              <p:pRg st="4" end="4"/>
-                                            </p:txEl>
-                                          </p:spTgt>
-                                        </p:tgtEl>
-                                        <p:attrNameLst>
-                                          <p:attrName>style.visibility</p:attrName>
-                                        </p:attrNameLst>
-                                      </p:cBhvr>
-                                      <p:to>
-                                        <p:strVal val="visible"/>
-                                      </p:to>
-                                    </p:set>
-                                    <p:animEffect transition="in" filter="fade">
-                                      <p:cBhvr>
-                                        <p:cTn id="27" dur="500"/>
-                                        <p:tgtEl>
-                                          <p:spTgt spid="3">
-                                            <p:txEl>
-                                              <p:pRg st="4" end="4"/>
-                                            </p:txEl>
-                                          </p:spTgt>
-                                        </p:tgtEl>
-                                      </p:cBhvr>
-                                    </p:animEffect>
-                                  </p:childTnLst>
-                                </p:cTn>
-                              </p:par>
-                            </p:childTnLst>
-                          </p:cTn>
-                        </p:par>
-                      </p:childTnLst>
-                    </p:cTn>
-                  </p:par>
-                  <p:par>
-                    <p:cTn id="28" fill="hold">
-                      <p:stCondLst>
-                        <p:cond delay="indefinite"/>
-                      </p:stCondLst>
-                      <p:childTnLst>
-                        <p:par>
-                          <p:cTn id="29" fill="hold">
-                            <p:stCondLst>
-                              <p:cond delay="0"/>
-                            </p:stCondLst>
-                            <p:childTnLst>
-                              <p:par>
-                                <p:cTn id="30" presetID="10" presetClass="entr" presetSubtype="0" fill="hold" nodeType="clickEffect">
-                                  <p:stCondLst>
-                                    <p:cond delay="0"/>
-                                  </p:stCondLst>
-                                  <p:childTnLst>
-                                    <p:set>
-                                      <p:cBhvr>
-                                        <p:cTn id="31" dur="1" fill="hold">
-                                          <p:stCondLst>
-                                            <p:cond delay="0"/>
-                                          </p:stCondLst>
-                                        </p:cTn>
-                                        <p:tgtEl>
-                                          <p:spTgt spid="3">
-                                            <p:txEl>
-                                              <p:pRg st="5" end="5"/>
-                                            </p:txEl>
-                                          </p:spTgt>
-                                        </p:tgtEl>
-                                        <p:attrNameLst>
-                                          <p:attrName>style.visibility</p:attrName>
-                                        </p:attrNameLst>
-                                      </p:cBhvr>
-                                      <p:to>
-                                        <p:strVal val="visible"/>
-                                      </p:to>
-                                    </p:set>
-                                    <p:animEffect transition="in" filter="fade">
-                                      <p:cBhvr>
-                                        <p:cTn id="32" dur="500"/>
-                                        <p:tgtEl>
-                                          <p:spTgt spid="3">
-                                            <p:txEl>
-                                              <p:pRg st="5" end="5"/>
-                                            </p:txEl>
-                                          </p:spTgt>
-                                        </p:tgtEl>
-                                      </p:cBhvr>
-                                    </p:animEffect>
-                                  </p:childTnLst>
-                                </p:cTn>
-                              </p:par>
-                            </p:childTnLst>
-                          </p:cTn>
-                        </p:par>
-                      </p:childTnLst>
-                    </p:cTn>
-                  </p:par>
-                  <p:par>
-                    <p:cTn id="33" fill="hold">
-                      <p:stCondLst>
-                        <p:cond delay="indefinite"/>
-                      </p:stCondLst>
-                      <p:childTnLst>
-                        <p:par>
-                          <p:cTn id="34" fill="hold">
-                            <p:stCondLst>
-                              <p:cond delay="0"/>
-                            </p:stCondLst>
-                            <p:childTnLst>
-                              <p:par>
-                                <p:cTn id="35" presetID="10" presetClass="entr" presetSubtype="0" fill="hold" nodeType="clickEffect">
-                                  <p:stCondLst>
-                                    <p:cond delay="0"/>
-                                  </p:stCondLst>
-                                  <p:childTnLst>
-                                    <p:set>
-                                      <p:cBhvr>
-                                        <p:cTn id="36" dur="1" fill="hold">
-                                          <p:stCondLst>
-                                            <p:cond delay="0"/>
-                                          </p:stCondLst>
-                                        </p:cTn>
-                                        <p:tgtEl>
-                                          <p:spTgt spid="3">
-                                            <p:txEl>
-                                              <p:pRg st="6" end="6"/>
-                                            </p:txEl>
-                                          </p:spTgt>
-                                        </p:tgtEl>
-                                        <p:attrNameLst>
-                                          <p:attrName>style.visibility</p:attrName>
-                                        </p:attrNameLst>
-                                      </p:cBhvr>
-                                      <p:to>
-                                        <p:strVal val="visible"/>
-                                      </p:to>
-                                    </p:set>
-                                    <p:animEffect transition="in" filter="fade">
-                                      <p:cBhvr>
-                                        <p:cTn id="37" dur="500"/>
-                                        <p:tgtEl>
-                                          <p:spTgt spid="3">
-                                            <p:txEl>
-                                              <p:pRg st="6" end="6"/>
-                                            </p:txEl>
-                                          </p:spTgt>
-                                        </p:tgtEl>
-                                      </p:cBhvr>
-                                    </p:animEffect>
-                                  </p:childTnLst>
-                                </p:cTn>
-                              </p:par>
-                            </p:childTnLst>
-                          </p:cTn>
-                        </p:par>
-                      </p:childTnLst>
-                    </p:cTn>
-                  </p:par>
-                </p:childTnLst>
-              </p:cTn>
-              <p:prevCondLst>
-                <p:cond evt="onPrev" delay="0">
-                  <p:tgtEl>
-                    <p:sldTgt/>
-                  </p:tgtEl>
-                </p:cond>
-              </p:prevCondLst>
-              <p:nextCondLst>
-                <p:cond evt="onNext" delay="0">
-                  <p:tgtEl>
-                    <p:sldTgt/>
-                  </p:tgtEl>
-                </p:cond>
-              </p:nextCondLst>
-            </p:seq>
-          </p:childTnLst>
-        </p:cTn>
-      </p:par>
-    </p:tnLst>
-  </p:timing>
-</p:sld>
-</file>
-
-<file path=ppt/slides/slide40.xml><?xml version="1.0" encoding="utf-8"?>
+<file path=ppt/slides/slide41.xml><?xml version="1.0" encoding="utf-8"?>
 <p:sld xmlns:a="http://schemas.openxmlformats.org/drawingml/2006/main" xmlns:r="http://schemas.openxmlformats.org/officeDocument/2006/relationships" xmlns:p="http://schemas.openxmlformats.org/presentationml/2006/main">
   <p:cSld>
     <p:spTree>
@@ -29208,7 +29483,7 @@
           <a:p>
             <a:fld id="{750AB064-513B-4E5C-9ADF-210709BEB955}" type="slidenum">
               <a:rPr lang="en-US" smtClean="0"/>
-              <a:t>40</a:t>
+              <a:t>41</a:t>
             </a:fld>
             <a:endParaRPr lang="en-US"/>
           </a:p>
@@ -29218,622 +29493,6 @@
     <p:extLst>
       <p:ext uri="{BB962C8B-B14F-4D97-AF65-F5344CB8AC3E}">
         <p14:creationId xmlns:p14="http://schemas.microsoft.com/office/powerpoint/2010/main" val="3601778317"/>
-      </p:ext>
-    </p:extLst>
-  </p:cSld>
-  <p:clrMapOvr>
-    <a:masterClrMapping/>
-  </p:clrMapOvr>
-</p:sld>
-</file>
-
-<file path=ppt/slides/slide41.xml><?xml version="1.0" encoding="utf-8"?>
-<p:sld xmlns:a="http://schemas.openxmlformats.org/drawingml/2006/main" xmlns:r="http://schemas.openxmlformats.org/officeDocument/2006/relationships" xmlns:p="http://schemas.openxmlformats.org/presentationml/2006/main">
-  <p:cSld>
-    <p:spTree>
-      <p:nvGrpSpPr>
-        <p:cNvPr id="1" name=""/>
-        <p:cNvGrpSpPr/>
-        <p:nvPr/>
-      </p:nvGrpSpPr>
-      <p:grpSpPr>
-        <a:xfrm>
-          <a:off x="0" y="0"/>
-          <a:ext cx="0" cy="0"/>
-          <a:chOff x="0" y="0"/>
-          <a:chExt cx="0" cy="0"/>
-        </a:xfrm>
-      </p:grpSpPr>
-      <p:sp>
-        <p:nvSpPr>
-          <p:cNvPr id="2" name="Title 1"/>
-          <p:cNvSpPr>
-            <a:spLocks noGrp="1"/>
-          </p:cNvSpPr>
-          <p:nvPr>
-            <p:ph type="title"/>
-          </p:nvPr>
-        </p:nvSpPr>
-        <p:spPr/>
-        <p:txBody>
-          <a:bodyPr/>
-          <a:lstStyle/>
-          <a:p>
-            <a:r>
-              <a:rPr lang="de-DE" dirty="0"/>
-              <a:t>Quellenverzeichnis</a:t>
-            </a:r>
-            <a:endParaRPr lang="en-US" dirty="0"/>
-          </a:p>
-        </p:txBody>
-      </p:sp>
-      <p:sp>
-        <p:nvSpPr>
-          <p:cNvPr id="3" name="Content Placeholder 2"/>
-          <p:cNvSpPr>
-            <a:spLocks noGrp="1"/>
-          </p:cNvSpPr>
-          <p:nvPr>
-            <p:ph idx="1"/>
-          </p:nvPr>
-        </p:nvSpPr>
-        <p:spPr>
-          <a:xfrm>
-            <a:off x="457200" y="1935479"/>
-            <a:ext cx="8229600" cy="4589865"/>
-          </a:xfrm>
-        </p:spPr>
-        <p:txBody>
-          <a:bodyPr>
-            <a:normAutofit fontScale="40000" lnSpcReduction="20000"/>
-          </a:bodyPr>
-          <a:lstStyle/>
-          <a:p>
-            <a:pPr lvl="1"/>
-            <a:r>
-              <a:rPr lang="de-DE" sz="2500" u="sng" dirty="0">
-                <a:hlinkClick r:id="rId2"/>
-              </a:rPr>
-              <a:t> </a:t>
-            </a:r>
-            <a:r>
-              <a:rPr lang="de-DE" sz="2500" dirty="0"/>
-              <a:t>1 &amp; 1 Digital Guide: </a:t>
-            </a:r>
-            <a:r>
-              <a:rPr lang="de-DE" sz="2500" dirty="0" err="1"/>
-              <a:t>Git</a:t>
-            </a:r>
-            <a:r>
-              <a:rPr lang="de-DE" sz="2500" dirty="0"/>
-              <a:t> vs. SVN – Von verteilter und zentralisierter Versionsverwaltung, URL: </a:t>
-            </a:r>
-            <a:r>
-              <a:rPr lang="de-DE" sz="2500" u="sng" dirty="0">
-                <a:hlinkClick r:id="rId2"/>
-              </a:rPr>
-              <a:t>https://hosting.1und1.de/digitalguide/websites/web-entwicklung/git-vs-svn-versionsverwaltung-im-vergleich/</a:t>
-            </a:r>
-            <a:r>
-              <a:rPr lang="de-DE" sz="2500" dirty="0"/>
-              <a:t> vom 15.04.2017 </a:t>
-            </a:r>
-          </a:p>
-          <a:p>
-            <a:pPr lvl="1"/>
-            <a:r>
-              <a:rPr lang="de-DE" sz="2500" dirty="0" err="1"/>
-              <a:t>Atlassian</a:t>
-            </a:r>
-            <a:r>
-              <a:rPr lang="de-DE" sz="2500" dirty="0"/>
-              <a:t>: </a:t>
-            </a:r>
-            <a:r>
-              <a:rPr lang="de-DE" sz="2500" dirty="0" err="1"/>
-              <a:t>Comparing</a:t>
-            </a:r>
-            <a:r>
-              <a:rPr lang="de-DE" sz="2500" dirty="0"/>
-              <a:t> Workflows, URL: </a:t>
-            </a:r>
-            <a:r>
-              <a:rPr lang="de-DE" sz="2500" dirty="0">
-                <a:hlinkClick r:id="rId3"/>
-              </a:rPr>
-              <a:t>https://de.atlassian.com/git/tutorials/comparing-workflows</a:t>
-            </a:r>
-            <a:r>
-              <a:rPr lang="de-DE" sz="2500" dirty="0"/>
-              <a:t>  vom 15.04.2017 </a:t>
-            </a:r>
-          </a:p>
-          <a:p>
-            <a:pPr lvl="1"/>
-            <a:r>
-              <a:rPr lang="de-DE" sz="2500" dirty="0" err="1"/>
-              <a:t>Chacon</a:t>
-            </a:r>
-            <a:r>
-              <a:rPr lang="de-DE" sz="2500" dirty="0"/>
-              <a:t>, Scott / Straub, Ben (2. Auflage 2014): Pro </a:t>
-            </a:r>
-            <a:r>
-              <a:rPr lang="de-DE" sz="2500" dirty="0" err="1"/>
-              <a:t>Git</a:t>
-            </a:r>
-            <a:r>
-              <a:rPr lang="de-DE" sz="2500" dirty="0"/>
-              <a:t>, </a:t>
-            </a:r>
-            <a:r>
-              <a:rPr lang="de-DE" sz="2500" dirty="0" err="1"/>
-              <a:t>Apress</a:t>
-            </a:r>
-            <a:r>
-              <a:rPr lang="de-DE" sz="2500" dirty="0"/>
-              <a:t>, URL: </a:t>
-            </a:r>
-            <a:r>
-              <a:rPr lang="de-DE" sz="2500" u="sng" dirty="0">
-                <a:hlinkClick r:id="rId4"/>
-              </a:rPr>
-              <a:t>https://git-scm.com/book/en/v2</a:t>
-            </a:r>
-            <a:r>
-              <a:rPr lang="de-DE" sz="2500" dirty="0"/>
-              <a:t> vom 15.04.2017 </a:t>
-            </a:r>
-          </a:p>
-          <a:p>
-            <a:pPr lvl="1"/>
-            <a:r>
-              <a:rPr lang="de-DE" sz="2500" dirty="0"/>
-              <a:t>Dudler, Roger: </a:t>
-            </a:r>
-            <a:r>
-              <a:rPr lang="de-DE" sz="2500" dirty="0" err="1"/>
-              <a:t>git</a:t>
-            </a:r>
-            <a:r>
-              <a:rPr lang="de-DE" sz="2500" dirty="0"/>
-              <a:t> – Der einfach Einstieg, URL: </a:t>
-            </a:r>
-            <a:r>
-              <a:rPr lang="de-DE" sz="2500" u="sng" dirty="0">
-                <a:hlinkClick r:id="rId5"/>
-              </a:rPr>
-              <a:t>https://rogerdudler.github.io/git-guide/index.de.html</a:t>
-            </a:r>
-            <a:r>
-              <a:rPr lang="de-DE" sz="2500" dirty="0"/>
-              <a:t>  vom 15.04.2017 </a:t>
-            </a:r>
-          </a:p>
-          <a:p>
-            <a:pPr lvl="1"/>
-            <a:r>
-              <a:rPr lang="de-DE" sz="2500" dirty="0"/>
-              <a:t>Fowler, Martin: </a:t>
-            </a:r>
-            <a:r>
-              <a:rPr lang="de-DE" sz="2500" dirty="0" err="1"/>
-              <a:t>Continuous</a:t>
-            </a:r>
-            <a:r>
-              <a:rPr lang="de-DE" sz="2500" dirty="0"/>
-              <a:t> Integration, URL: </a:t>
-            </a:r>
-            <a:r>
-              <a:rPr lang="de-DE" sz="2500" u="sng" dirty="0">
-                <a:hlinkClick r:id="rId6"/>
-              </a:rPr>
-              <a:t>https://www.martinfowler.com/articles/continuousIntegration.html</a:t>
-            </a:r>
-            <a:r>
-              <a:rPr lang="de-DE" sz="2500" dirty="0"/>
-              <a:t> vom 15.04.2017 </a:t>
-            </a:r>
-          </a:p>
-          <a:p>
-            <a:pPr lvl="1"/>
-            <a:r>
-              <a:rPr lang="de-DE" sz="2500" dirty="0" err="1"/>
-              <a:t>Git</a:t>
-            </a:r>
-            <a:r>
-              <a:rPr lang="de-DE" sz="2500" dirty="0"/>
-              <a:t>: Homepage, URL: </a:t>
-            </a:r>
-            <a:r>
-              <a:rPr lang="de-DE" sz="2500" dirty="0">
-                <a:hlinkClick r:id="rId7"/>
-              </a:rPr>
-              <a:t>https://git-scm.com</a:t>
-            </a:r>
-            <a:r>
-              <a:rPr lang="de-DE" sz="2500" dirty="0"/>
-              <a:t> vom 15.04.2017 </a:t>
-            </a:r>
-          </a:p>
-          <a:p>
-            <a:pPr lvl="1"/>
-            <a:r>
-              <a:rPr lang="de-DE" sz="2500" dirty="0" err="1"/>
-              <a:t>GitHub</a:t>
-            </a:r>
-            <a:r>
-              <a:rPr lang="de-DE" sz="2500" dirty="0"/>
-              <a:t> Inc.: Homepage, URL: </a:t>
-            </a:r>
-            <a:r>
-              <a:rPr lang="de-DE" sz="2500" dirty="0">
-                <a:hlinkClick r:id="rId8"/>
-              </a:rPr>
-              <a:t>https://github.com</a:t>
-            </a:r>
-            <a:r>
-              <a:rPr lang="de-DE" sz="2500" dirty="0"/>
-              <a:t>  vom 15.04.2017</a:t>
-            </a:r>
-          </a:p>
-          <a:p>
-            <a:pPr lvl="1"/>
-            <a:r>
-              <a:rPr lang="de-DE" sz="2500" dirty="0" err="1"/>
-              <a:t>Preißel</a:t>
-            </a:r>
-            <a:r>
-              <a:rPr lang="de-DE" sz="2500" dirty="0"/>
-              <a:t>, René / </a:t>
-            </a:r>
-            <a:r>
-              <a:rPr lang="de-DE" sz="2500" dirty="0" err="1"/>
-              <a:t>Stachmann</a:t>
-            </a:r>
-            <a:r>
-              <a:rPr lang="de-DE" sz="2500" dirty="0"/>
-              <a:t>, </a:t>
-            </a:r>
-            <a:r>
-              <a:rPr lang="de-DE" sz="2500" dirty="0" err="1"/>
-              <a:t>BjØrn</a:t>
-            </a:r>
-            <a:r>
-              <a:rPr lang="de-DE" sz="2500" dirty="0"/>
-              <a:t> (4. Auflage 2017): </a:t>
-            </a:r>
-            <a:r>
-              <a:rPr lang="de-DE" sz="2500" dirty="0" err="1"/>
-              <a:t>Git</a:t>
-            </a:r>
-            <a:r>
-              <a:rPr lang="de-DE" sz="2500" dirty="0"/>
-              <a:t> – Dezentrale Versionsverwaltung im Team – Grundlagen und Workflows, Heidelberg</a:t>
-            </a:r>
-          </a:p>
-          <a:p>
-            <a:pPr lvl="1"/>
-            <a:r>
-              <a:rPr lang="de-DE" sz="2500" dirty="0" err="1"/>
-              <a:t>Stückler</a:t>
-            </a:r>
-            <a:r>
-              <a:rPr lang="de-DE" sz="2500" dirty="0"/>
-              <a:t>, Moritz: Was ist eigentlich dieses </a:t>
-            </a:r>
-            <a:r>
-              <a:rPr lang="de-DE" sz="2500" dirty="0" err="1"/>
-              <a:t>GitHub</a:t>
-            </a:r>
-            <a:r>
-              <a:rPr lang="de-DE" sz="2500" dirty="0"/>
-              <a:t>? , URL: </a:t>
-            </a:r>
-            <a:r>
-              <a:rPr lang="de-DE" sz="2500" u="sng" dirty="0">
-                <a:hlinkClick r:id="rId9"/>
-              </a:rPr>
-              <a:t>http://t3n.de/news/eigentlich-github-472886/</a:t>
-            </a:r>
-            <a:r>
-              <a:rPr lang="de-DE" sz="2500" dirty="0"/>
-              <a:t> vom 15.04.2017 </a:t>
-            </a:r>
-          </a:p>
-          <a:p>
-            <a:pPr lvl="1"/>
-            <a:r>
-              <a:rPr lang="de-DE" sz="2500" dirty="0"/>
-              <a:t>Travis CI GmbH: Homepage, URL: </a:t>
-            </a:r>
-            <a:r>
-              <a:rPr lang="de-DE" sz="2500" dirty="0">
-                <a:hlinkClick r:id="rId10"/>
-              </a:rPr>
-              <a:t>https://travis-ci.com/</a:t>
-            </a:r>
-            <a:r>
-              <a:rPr lang="de-DE" sz="2500" dirty="0"/>
-              <a:t> vom 15.04.2017 </a:t>
-            </a:r>
-          </a:p>
-          <a:p>
-            <a:pPr lvl="1"/>
-            <a:r>
-              <a:rPr lang="de-DE" sz="2500" dirty="0"/>
-              <a:t>Von dem Berge, Jana (2009): Auswirkungen der Benutzung von zentralen und dezentralen Versionsverwaltungssystemen In Open Source Projekten, URL: </a:t>
-            </a:r>
-            <a:r>
-              <a:rPr lang="de-DE" sz="2500" u="sng" dirty="0">
-                <a:hlinkClick r:id="rId11"/>
-              </a:rPr>
-              <a:t>http://www.inf.fu-berlin.de/inst/ag-se/theses/Berge09-versionsverwaltung-OSS.pdf </a:t>
-            </a:r>
-            <a:r>
-              <a:rPr lang="de-DE" sz="2500" dirty="0"/>
-              <a:t>vom 15.04.2017 </a:t>
-            </a:r>
-          </a:p>
-          <a:p>
-            <a:pPr lvl="1"/>
-            <a:r>
-              <a:rPr lang="de-DE" sz="2500" dirty="0"/>
-              <a:t>Wikimedia </a:t>
-            </a:r>
-            <a:r>
-              <a:rPr lang="de-DE" sz="2500" dirty="0" err="1"/>
-              <a:t>Foundation</a:t>
-            </a:r>
-            <a:r>
-              <a:rPr lang="de-DE" sz="2500" dirty="0"/>
-              <a:t> Inc.</a:t>
-            </a:r>
-            <a:r>
-              <a:rPr lang="en-US" sz="2500" dirty="0"/>
-              <a:t>: </a:t>
-            </a:r>
-            <a:r>
-              <a:rPr lang="en-US" sz="2500" dirty="0" err="1"/>
-              <a:t>Versionsverwaltung</a:t>
-            </a:r>
-            <a:r>
-              <a:rPr lang="en-US" sz="2500" dirty="0"/>
-              <a:t>, </a:t>
-            </a:r>
-            <a:r>
-              <a:rPr lang="de-DE" sz="2500" dirty="0"/>
-              <a:t>URL: </a:t>
-            </a:r>
-            <a:r>
-              <a:rPr lang="de-DE" sz="2500" dirty="0">
-                <a:hlinkClick r:id="rId12"/>
-              </a:rPr>
-              <a:t>https://de.wikipedia.org/wiki/Versionsverwaltung</a:t>
-            </a:r>
-            <a:r>
-              <a:rPr lang="de-DE" sz="2500" dirty="0"/>
-              <a:t> vom 17.04.2017 </a:t>
-            </a:r>
-          </a:p>
-          <a:p>
-            <a:pPr lvl="1"/>
-            <a:r>
-              <a:rPr lang="de-DE" sz="2500" dirty="0"/>
-              <a:t>Wikimedia </a:t>
-            </a:r>
-            <a:r>
-              <a:rPr lang="de-DE" sz="2500" dirty="0" err="1"/>
-              <a:t>Foundation</a:t>
-            </a:r>
-            <a:r>
-              <a:rPr lang="de-DE" sz="2500" dirty="0"/>
-              <a:t> Inc.</a:t>
-            </a:r>
-            <a:r>
-              <a:rPr lang="en-US" sz="2500" dirty="0"/>
-              <a:t>: </a:t>
-            </a:r>
-            <a:r>
-              <a:rPr lang="en-US" sz="2500" dirty="0" err="1"/>
-              <a:t>Git</a:t>
-            </a:r>
-            <a:r>
-              <a:rPr lang="en-US" sz="2500" dirty="0"/>
-              <a:t>, </a:t>
-            </a:r>
-            <a:r>
-              <a:rPr lang="de-DE" sz="2500" dirty="0"/>
-              <a:t>URL: </a:t>
-            </a:r>
-            <a:r>
-              <a:rPr lang="de-DE" sz="2500" u="sng" dirty="0">
-                <a:hlinkClick r:id="rId13"/>
-              </a:rPr>
-              <a:t>https://de.wikipedia.org/wiki/Git</a:t>
-            </a:r>
-            <a:r>
-              <a:rPr lang="de-DE" sz="2500" dirty="0"/>
-              <a:t> vom 11.04.2017 </a:t>
-            </a:r>
-          </a:p>
-          <a:p>
-            <a:pPr lvl="1"/>
-            <a:r>
-              <a:rPr lang="de-DE" sz="2500" dirty="0"/>
-              <a:t>Wikimedia </a:t>
-            </a:r>
-            <a:r>
-              <a:rPr lang="de-DE" sz="2500" dirty="0" err="1"/>
-              <a:t>Foundation</a:t>
-            </a:r>
-            <a:r>
-              <a:rPr lang="de-DE" sz="2500" dirty="0"/>
-              <a:t> Inc.</a:t>
-            </a:r>
-            <a:r>
-              <a:rPr lang="en-US" sz="2500" dirty="0"/>
-              <a:t>: </a:t>
-            </a:r>
-            <a:r>
-              <a:rPr lang="de-DE" sz="2500" dirty="0" err="1"/>
-              <a:t>GitHub</a:t>
-            </a:r>
-            <a:r>
-              <a:rPr lang="en-US" sz="2500" dirty="0"/>
-              <a:t>, </a:t>
-            </a:r>
-            <a:r>
-              <a:rPr lang="de-DE" sz="2500" dirty="0"/>
-              <a:t>URL: </a:t>
-            </a:r>
-            <a:r>
-              <a:rPr lang="de-DE" sz="2500" u="sng" dirty="0">
-                <a:hlinkClick r:id="rId14"/>
-              </a:rPr>
-              <a:t>https://de.wikipedia.org/wiki/GitHub</a:t>
-            </a:r>
-            <a:r>
-              <a:rPr lang="de-DE" sz="2500" dirty="0"/>
-              <a:t> vom 15.04.2017 </a:t>
-            </a:r>
-          </a:p>
-          <a:p>
-            <a:pPr lvl="1"/>
-            <a:r>
-              <a:rPr lang="de-DE" sz="2500" dirty="0"/>
-              <a:t>Wikimedia </a:t>
-            </a:r>
-            <a:r>
-              <a:rPr lang="de-DE" sz="2500" dirty="0" err="1"/>
-              <a:t>Foundation</a:t>
-            </a:r>
-            <a:r>
-              <a:rPr lang="de-DE" sz="2500" dirty="0"/>
-              <a:t> Inc.: GNU General Public </a:t>
-            </a:r>
-            <a:r>
-              <a:rPr lang="de-DE" sz="2500" dirty="0" err="1"/>
-              <a:t>License</a:t>
-            </a:r>
-            <a:r>
-              <a:rPr lang="de-DE" sz="2500" dirty="0"/>
-              <a:t>, URL: </a:t>
-            </a:r>
-            <a:r>
-              <a:rPr lang="de-DE" sz="2500" u="sng" dirty="0">
-                <a:hlinkClick r:id="rId15"/>
-              </a:rPr>
-              <a:t>https://de.wikipedia.org/wiki/GNU_General_Public_License</a:t>
-            </a:r>
-            <a:r>
-              <a:rPr lang="de-DE" sz="2500" dirty="0"/>
-              <a:t> vom 15.04.2017 </a:t>
-            </a:r>
-          </a:p>
-          <a:p>
-            <a:pPr lvl="1"/>
-            <a:r>
-              <a:rPr lang="de-DE" sz="2500" dirty="0"/>
-              <a:t>Wikimedia </a:t>
-            </a:r>
-            <a:r>
-              <a:rPr lang="de-DE" sz="2500" dirty="0" err="1"/>
-              <a:t>Foundation</a:t>
-            </a:r>
-            <a:r>
-              <a:rPr lang="de-DE" sz="2500" dirty="0"/>
-              <a:t> Inc.</a:t>
-            </a:r>
-            <a:r>
-              <a:rPr lang="en-US" sz="2500" dirty="0"/>
-              <a:t>: </a:t>
-            </a:r>
-            <a:r>
-              <a:rPr lang="de-DE" sz="2500" dirty="0"/>
-              <a:t>Kontinuierliche Integration</a:t>
-            </a:r>
-            <a:r>
-              <a:rPr lang="en-US" sz="2500" dirty="0"/>
-              <a:t>, </a:t>
-            </a:r>
-            <a:r>
-              <a:rPr lang="de-DE" sz="2500" dirty="0"/>
-              <a:t>URL: </a:t>
-            </a:r>
-            <a:r>
-              <a:rPr lang="de-DE" sz="2500" u="sng" dirty="0">
-                <a:hlinkClick r:id="rId16"/>
-              </a:rPr>
-              <a:t>https://de.wikipedia.org/wiki/Kontinuierliche_Integration</a:t>
-            </a:r>
-            <a:r>
-              <a:rPr lang="de-DE" sz="2500" dirty="0"/>
-              <a:t>  vom 15.04.2017 </a:t>
-            </a:r>
-          </a:p>
-          <a:p>
-            <a:pPr lvl="1"/>
-            <a:r>
-              <a:rPr lang="de-DE" sz="2500" dirty="0"/>
-              <a:t>Wikimedia </a:t>
-            </a:r>
-            <a:r>
-              <a:rPr lang="de-DE" sz="2500" dirty="0" err="1"/>
-              <a:t>Foundation</a:t>
-            </a:r>
-            <a:r>
-              <a:rPr lang="de-DE" sz="2500" dirty="0"/>
-              <a:t> Inc.</a:t>
-            </a:r>
-            <a:r>
-              <a:rPr lang="en-US" sz="2500" dirty="0"/>
-              <a:t>: Continuous integration, </a:t>
-            </a:r>
-            <a:r>
-              <a:rPr lang="de-DE" sz="2500" dirty="0"/>
-              <a:t>URL: </a:t>
-            </a:r>
-            <a:r>
-              <a:rPr lang="de-DE" sz="2500" dirty="0">
-                <a:hlinkClick r:id="rId17"/>
-              </a:rPr>
-              <a:t>https://en.wikipedia.org/wiki/Continuous_integration</a:t>
-            </a:r>
-            <a:r>
-              <a:rPr lang="de-DE" sz="2500" dirty="0"/>
-              <a:t> vom 17.04.2017</a:t>
-            </a:r>
-          </a:p>
-        </p:txBody>
-      </p:sp>
-      <p:sp>
-        <p:nvSpPr>
-          <p:cNvPr id="4" name="Foliennummernplatzhalter 3"/>
-          <p:cNvSpPr>
-            <a:spLocks noGrp="1"/>
-          </p:cNvSpPr>
-          <p:nvPr>
-            <p:ph type="sldNum" sz="quarter" idx="12"/>
-          </p:nvPr>
-        </p:nvSpPr>
-        <p:spPr/>
-        <p:txBody>
-          <a:bodyPr/>
-          <a:lstStyle/>
-          <a:p>
-            <a:fld id="{750AB064-513B-4E5C-9ADF-210709BEB955}" type="slidenum">
-              <a:rPr lang="en-US" smtClean="0"/>
-              <a:t>41</a:t>
-            </a:fld>
-            <a:endParaRPr lang="en-US"/>
-          </a:p>
-        </p:txBody>
-      </p:sp>
-    </p:spTree>
-    <p:extLst>
-      <p:ext uri="{BB962C8B-B14F-4D97-AF65-F5344CB8AC3E}">
-        <p14:creationId xmlns:p14="http://schemas.microsoft.com/office/powerpoint/2010/main" val="1597032122"/>
       </p:ext>
     </p:extLst>
   </p:cSld>
@@ -29870,34 +29529,16 @@
             <p:ph type="title"/>
           </p:nvPr>
         </p:nvSpPr>
-        <p:spPr>
-          <a:xfrm>
-            <a:off x="457200" y="704088"/>
-            <a:ext cx="8363272" cy="1143000"/>
-          </a:xfrm>
-        </p:spPr>
+        <p:spPr/>
         <p:txBody>
-          <a:bodyPr>
-            <a:normAutofit/>
-          </a:bodyPr>
+          <a:bodyPr/>
           <a:lstStyle/>
           <a:p>
             <a:r>
-              <a:rPr lang="en-US" dirty="0" err="1"/>
-              <a:t>Erfahrungen</a:t>
-            </a:r>
-            <a:r>
-              <a:rPr lang="en-US" dirty="0"/>
-              <a:t> </a:t>
-            </a:r>
-            <a:r>
-              <a:rPr lang="en-US" dirty="0" err="1"/>
-              <a:t>aus</a:t>
-            </a:r>
-            <a:r>
-              <a:rPr lang="en-US" dirty="0"/>
-              <a:t> der Praxis - CI</a:t>
-            </a:r>
+              <a:rPr lang="de-DE" dirty="0"/>
+              <a:t>Quellenverzeichnis</a:t>
+            </a:r>
+            <a:endParaRPr lang="en-US" dirty="0"/>
           </a:p>
         </p:txBody>
       </p:sp>
@@ -29913,133 +29554,559 @@
         </p:nvSpPr>
         <p:spPr>
           <a:xfrm>
-            <a:off x="457200" y="1935480"/>
-            <a:ext cx="8229600" cy="4517856"/>
+            <a:off x="457200" y="1935479"/>
+            <a:ext cx="8229600" cy="4589865"/>
           </a:xfrm>
         </p:spPr>
         <p:txBody>
           <a:bodyPr>
-            <a:normAutofit lnSpcReduction="10000"/>
+            <a:normAutofit/>
           </a:bodyPr>
           <a:lstStyle/>
           <a:p>
             <a:pPr lvl="1"/>
             <a:r>
-              <a:rPr lang="de-DE" dirty="0"/>
-              <a:t>Vernachlässigung Testprozesse</a:t>
+              <a:rPr lang="de-DE" sz="1100" dirty="0"/>
+              <a:t>1 &amp; 1 Digital Guide: </a:t>
+            </a:r>
+            <a:r>
+              <a:rPr lang="de-DE" sz="1100" dirty="0" err="1"/>
+              <a:t>Git</a:t>
+            </a:r>
+            <a:r>
+              <a:rPr lang="de-DE" sz="1100" dirty="0"/>
+              <a:t> vs. SVN – Von verteilter und zentralisierter Versionsverwaltung, URL: </a:t>
+            </a:r>
+            <a:r>
+              <a:rPr lang="de-DE" sz="1100" u="sng" dirty="0">
+                <a:hlinkClick r:id="rId2"/>
+              </a:rPr>
+              <a:t>https://hosting.1und1.de/digitalguide/websites/web-entwicklung/git-vs-svn-versionsverwaltung-im-vergleich/</a:t>
+            </a:r>
+            <a:r>
+              <a:rPr lang="de-DE" sz="1100" dirty="0"/>
+              <a:t> vom 15.04.2017 </a:t>
             </a:r>
           </a:p>
           <a:p>
             <a:pPr lvl="1"/>
             <a:r>
-              <a:rPr lang="de-DE" dirty="0"/>
-              <a:t>Spiegelung Produktionsumgebung</a:t>
+              <a:rPr lang="de-DE" sz="1100" dirty="0" err="1"/>
+              <a:t>Atlassian</a:t>
+            </a:r>
+            <a:r>
+              <a:rPr lang="de-DE" sz="1100" dirty="0"/>
+              <a:t>: </a:t>
+            </a:r>
+            <a:r>
+              <a:rPr lang="de-DE" sz="1100" dirty="0" err="1"/>
+              <a:t>Comparing</a:t>
+            </a:r>
+            <a:r>
+              <a:rPr lang="de-DE" sz="1100" dirty="0"/>
+              <a:t> Workflows, URL: </a:t>
+            </a:r>
+            <a:r>
+              <a:rPr lang="de-DE" sz="1100" dirty="0">
+                <a:hlinkClick r:id="rId3"/>
+              </a:rPr>
+              <a:t>https://de.atlassian.com/git/tutorials/comparing-workflows</a:t>
+            </a:r>
+            <a:r>
+              <a:rPr lang="de-DE" sz="1100" dirty="0"/>
+              <a:t>  vom 15.04.2017 </a:t>
             </a:r>
           </a:p>
           <a:p>
             <a:pPr lvl="1"/>
             <a:r>
-              <a:rPr lang="de-DE" dirty="0"/>
-              <a:t>Automatisierte Verteilung / einfacher Zugriff</a:t>
+              <a:rPr lang="de-DE" sz="1100" dirty="0" err="1"/>
+              <a:t>Chacon</a:t>
+            </a:r>
+            <a:r>
+              <a:rPr lang="de-DE" sz="1100" dirty="0"/>
+              <a:t>, Scott / Straub, Ben (2. Auflage 2014): Pro </a:t>
+            </a:r>
+            <a:r>
+              <a:rPr lang="de-DE" sz="1100" dirty="0" err="1"/>
+              <a:t>Git</a:t>
+            </a:r>
+            <a:r>
+              <a:rPr lang="de-DE" sz="1100" dirty="0"/>
+              <a:t>, </a:t>
+            </a:r>
+            <a:r>
+              <a:rPr lang="de-DE" sz="1100" dirty="0" err="1"/>
+              <a:t>Apress</a:t>
+            </a:r>
+            <a:r>
+              <a:rPr lang="de-DE" sz="1100" dirty="0"/>
+              <a:t>, URL: </a:t>
+            </a:r>
+            <a:r>
+              <a:rPr lang="de-DE" sz="1100" u="sng" dirty="0">
+                <a:hlinkClick r:id="rId4"/>
+              </a:rPr>
+              <a:t>https://git-scm.com/book/en/v2</a:t>
+            </a:r>
+            <a:r>
+              <a:rPr lang="de-DE" sz="1100" dirty="0"/>
+              <a:t> vom 15.04.2017 </a:t>
             </a:r>
           </a:p>
           <a:p>
             <a:pPr lvl="1"/>
             <a:r>
-              <a:rPr lang="de-DE" dirty="0"/>
-              <a:t>Herausforderung Verantwortungsübernahme für </a:t>
-            </a:r>
-            <a:r>
-              <a:rPr lang="de-DE" dirty="0" err="1"/>
-              <a:t>Build</a:t>
-            </a:r>
-            <a:r>
-              <a:rPr lang="de-DE" dirty="0"/>
-              <a:t>-Qualität</a:t>
+              <a:rPr lang="de-DE" sz="1100" dirty="0"/>
+              <a:t>Dudler, Roger: </a:t>
+            </a:r>
+            <a:r>
+              <a:rPr lang="de-DE" sz="1100" dirty="0" err="1"/>
+              <a:t>git</a:t>
+            </a:r>
+            <a:r>
+              <a:rPr lang="de-DE" sz="1100" dirty="0"/>
+              <a:t> – Der einfach Einstieg, URL: </a:t>
+            </a:r>
+            <a:r>
+              <a:rPr lang="de-DE" sz="1100" u="sng" dirty="0">
+                <a:hlinkClick r:id="rId5"/>
+              </a:rPr>
+              <a:t>https://rogerdudler.github.io/git-guide/index.de.html</a:t>
+            </a:r>
+            <a:r>
+              <a:rPr lang="de-DE" sz="1100" dirty="0"/>
+              <a:t>  vom 15.04.2017 </a:t>
             </a:r>
           </a:p>
           <a:p>
             <a:pPr lvl="1"/>
             <a:r>
-              <a:rPr lang="de-DE" dirty="0"/>
-              <a:t>Automatisierung von </a:t>
-            </a:r>
-            <a:r>
-              <a:rPr lang="de-DE" dirty="0" err="1"/>
-              <a:t>Builds</a:t>
-            </a:r>
-            <a:r>
-              <a:rPr lang="de-DE" dirty="0"/>
-              <a:t>: Freigabe von </a:t>
-            </a:r>
-            <a:r>
-              <a:rPr lang="de-DE" dirty="0" err="1"/>
-              <a:t>Builds</a:t>
-            </a:r>
-            <a:r>
-              <a:rPr lang="de-DE" dirty="0"/>
-              <a:t> in einzelnen Schritten (für Testsystem, Produktionsumgebung)</a:t>
+              <a:rPr lang="de-DE" sz="1100" dirty="0"/>
+              <a:t>Fowler, Martin: </a:t>
+            </a:r>
+            <a:r>
+              <a:rPr lang="de-DE" sz="1100" dirty="0" err="1"/>
+              <a:t>Continuous</a:t>
+            </a:r>
+            <a:r>
+              <a:rPr lang="de-DE" sz="1100" dirty="0"/>
+              <a:t> Integration, URL: </a:t>
+            </a:r>
+            <a:r>
+              <a:rPr lang="de-DE" sz="1100" u="sng" dirty="0">
+                <a:hlinkClick r:id="rId6"/>
+              </a:rPr>
+              <a:t>https://www.martinfowler.com/articles/continuousIntegration.html</a:t>
+            </a:r>
+            <a:r>
+              <a:rPr lang="de-DE" sz="1100" dirty="0"/>
+              <a:t> vom 15.04.2017 </a:t>
             </a:r>
           </a:p>
           <a:p>
             <a:pPr lvl="1"/>
             <a:r>
-              <a:rPr lang="de-DE" dirty="0"/>
-              <a:t>Abstimmung &amp; Kontrolle Termine </a:t>
-            </a:r>
-          </a:p>
-          <a:p>
-            <a:pPr lvl="2"/>
-            <a:r>
-              <a:rPr lang="de-DE" dirty="0"/>
-              <a:t>Wer darf wann wo etwas einchecken (SVN)</a:t>
-            </a:r>
-          </a:p>
-          <a:p>
-            <a:pPr lvl="2"/>
-            <a:r>
-              <a:rPr lang="de-DE" dirty="0"/>
-              <a:t>Herausforderung viele Umgebungen -&gt; Ungenauigkeiten Check-In</a:t>
-            </a:r>
-          </a:p>
-          <a:p>
-            <a:pPr lvl="2"/>
-            <a:r>
-              <a:rPr lang="de-DE" dirty="0"/>
-              <a:t>Herausforderung ungleiche Zyklen</a:t>
+              <a:rPr lang="de-DE" sz="1100" dirty="0" err="1"/>
+              <a:t>Git</a:t>
+            </a:r>
+            <a:r>
+              <a:rPr lang="de-DE" sz="1100" dirty="0"/>
+              <a:t>: Homepage, URL: </a:t>
+            </a:r>
+            <a:r>
+              <a:rPr lang="de-DE" sz="1100" dirty="0">
+                <a:hlinkClick r:id="rId7"/>
+              </a:rPr>
+              <a:t>https://git-scm.com</a:t>
+            </a:r>
+            <a:r>
+              <a:rPr lang="de-DE" sz="1100" dirty="0"/>
+              <a:t> vom 15.04.2017 </a:t>
             </a:r>
           </a:p>
           <a:p>
             <a:pPr lvl="1"/>
-            <a:endParaRPr lang="de-DE" dirty="0"/>
-          </a:p>
-          <a:p>
-            <a:pPr marL="393192" lvl="1" indent="0">
-              <a:buNone/>
-            </a:pPr>
-            <a:endParaRPr lang="de-DE" dirty="0"/>
+            <a:r>
+              <a:rPr lang="de-DE" sz="1100" dirty="0" err="1"/>
+              <a:t>GitHub</a:t>
+            </a:r>
+            <a:r>
+              <a:rPr lang="de-DE" sz="1100" dirty="0"/>
+              <a:t> Inc.: Homepage, URL: </a:t>
+            </a:r>
+            <a:r>
+              <a:rPr lang="de-DE" sz="1100" dirty="0">
+                <a:hlinkClick r:id="rId8"/>
+              </a:rPr>
+              <a:t>https://github.com</a:t>
+            </a:r>
+            <a:r>
+              <a:rPr lang="de-DE" sz="1100" dirty="0"/>
+              <a:t>  vom 15.04.2017</a:t>
+            </a:r>
           </a:p>
           <a:p>
             <a:pPr lvl="1"/>
-            <a:endParaRPr lang="de-DE" dirty="0"/>
+            <a:r>
+              <a:rPr lang="de-DE" sz="1100" dirty="0" err="1"/>
+              <a:t>Preißel</a:t>
+            </a:r>
+            <a:r>
+              <a:rPr lang="de-DE" sz="1100" dirty="0"/>
+              <a:t>, René / </a:t>
+            </a:r>
+            <a:r>
+              <a:rPr lang="de-DE" sz="1100" dirty="0" err="1"/>
+              <a:t>Stachmann</a:t>
+            </a:r>
+            <a:r>
+              <a:rPr lang="de-DE" sz="1100" dirty="0"/>
+              <a:t>, </a:t>
+            </a:r>
+            <a:r>
+              <a:rPr lang="de-DE" sz="1100" dirty="0" err="1"/>
+              <a:t>BjØrn</a:t>
+            </a:r>
+            <a:r>
+              <a:rPr lang="de-DE" sz="1100" dirty="0"/>
+              <a:t> (4. Auflage 2017): </a:t>
+            </a:r>
+            <a:r>
+              <a:rPr lang="de-DE" sz="1100" dirty="0" err="1"/>
+              <a:t>Git</a:t>
+            </a:r>
+            <a:r>
+              <a:rPr lang="de-DE" sz="1100" dirty="0"/>
+              <a:t> – Dezentrale Versionsverwaltung im Team – Grundlagen und Workflows, Heidelberg</a:t>
+            </a:r>
           </a:p>
           <a:p>
             <a:pPr lvl="1"/>
-            <a:endParaRPr lang="de-DE" dirty="0"/>
-          </a:p>
-          <a:p>
-            <a:endParaRPr lang="de-DE" dirty="0"/>
-          </a:p>
-          <a:p>
-            <a:endParaRPr lang="de-DE" dirty="0"/>
+            <a:r>
+              <a:rPr lang="de-DE" sz="1100" dirty="0" err="1"/>
+              <a:t>Stückler</a:t>
+            </a:r>
+            <a:r>
+              <a:rPr lang="de-DE" sz="1100" dirty="0"/>
+              <a:t>, Moritz: Was ist eigentlich dieses </a:t>
+            </a:r>
+            <a:r>
+              <a:rPr lang="de-DE" sz="1100" dirty="0" err="1"/>
+              <a:t>GitHub</a:t>
+            </a:r>
+            <a:r>
+              <a:rPr lang="de-DE" sz="1100" dirty="0"/>
+              <a:t>? , URL: </a:t>
+            </a:r>
+            <a:r>
+              <a:rPr lang="de-DE" sz="1100" u="sng" dirty="0">
+                <a:hlinkClick r:id="rId9"/>
+              </a:rPr>
+              <a:t>http://t3n.de/news/eigentlich-github-472886/</a:t>
+            </a:r>
+            <a:r>
+              <a:rPr lang="de-DE" sz="1100" dirty="0"/>
+              <a:t> vom 15.04.2017 </a:t>
+            </a:r>
           </a:p>
           <a:p>
             <a:pPr lvl="1"/>
-            <a:endParaRPr lang="de-DE" dirty="0"/>
+            <a:r>
+              <a:rPr lang="de-DE" sz="1100" dirty="0"/>
+              <a:t>Travis CI GmbH: Homepage, URL: </a:t>
+            </a:r>
+            <a:r>
+              <a:rPr lang="de-DE" sz="1100" dirty="0">
+                <a:hlinkClick r:id="rId10"/>
+              </a:rPr>
+              <a:t>https://travis-ci.com/</a:t>
+            </a:r>
+            <a:r>
+              <a:rPr lang="de-DE" sz="1100" dirty="0"/>
+              <a:t> vom 15.04.2017 </a:t>
+            </a:r>
           </a:p>
           <a:p>
             <a:pPr lvl="1"/>
-            <a:endParaRPr lang="de-DE" dirty="0"/>
+            <a:r>
+              <a:rPr lang="de-DE" sz="1100" dirty="0"/>
+              <a:t>Von dem Berge, Jana (2009): Auswirkungen der Benutzung von zentralen und dezentralen Versionsverwaltungssystemen In Open Source Projekten, URL: </a:t>
+            </a:r>
+            <a:r>
+              <a:rPr lang="de-DE" sz="1100" u="sng" dirty="0">
+                <a:hlinkClick r:id="rId11"/>
+              </a:rPr>
+              <a:t>http://www.inf.fu-berlin.de/inst/ag-se/theses/Berge09-versionsverwaltung-OSS.pdf </a:t>
+            </a:r>
+            <a:r>
+              <a:rPr lang="de-DE" sz="1100" dirty="0"/>
+              <a:t>vom 15.04.2017 </a:t>
+            </a:r>
+          </a:p>
+          <a:p>
+            <a:pPr lvl="1"/>
+            <a:r>
+              <a:rPr lang="de-DE" sz="1100" dirty="0"/>
+              <a:t>Wikimedia </a:t>
+            </a:r>
+            <a:r>
+              <a:rPr lang="de-DE" sz="1100" dirty="0" err="1"/>
+              <a:t>Foundation</a:t>
+            </a:r>
+            <a:r>
+              <a:rPr lang="de-DE" sz="1100" dirty="0"/>
+              <a:t> Inc.</a:t>
+            </a:r>
+            <a:r>
+              <a:rPr lang="en-US" sz="1100" dirty="0"/>
+              <a:t>: </a:t>
+            </a:r>
+            <a:r>
+              <a:rPr lang="en-US" sz="1100" dirty="0" err="1"/>
+              <a:t>Versionsverwaltung</a:t>
+            </a:r>
+            <a:r>
+              <a:rPr lang="en-US" sz="1100" dirty="0"/>
+              <a:t>, </a:t>
+            </a:r>
+            <a:r>
+              <a:rPr lang="de-DE" sz="1100" dirty="0"/>
+              <a:t>URL: </a:t>
+            </a:r>
+            <a:r>
+              <a:rPr lang="de-DE" sz="1100" dirty="0">
+                <a:hlinkClick r:id="rId12"/>
+              </a:rPr>
+              <a:t>https://de.wikipedia.org/wiki/Versionsverwaltung</a:t>
+            </a:r>
+            <a:r>
+              <a:rPr lang="de-DE" sz="1100" dirty="0"/>
+              <a:t> vom 17.04.2017 </a:t>
+            </a:r>
+          </a:p>
+          <a:p>
+            <a:pPr lvl="1"/>
+            <a:r>
+              <a:rPr lang="de-DE" sz="1100" dirty="0"/>
+              <a:t>Wikimedia </a:t>
+            </a:r>
+            <a:r>
+              <a:rPr lang="de-DE" sz="1100" dirty="0" err="1"/>
+              <a:t>Foundation</a:t>
+            </a:r>
+            <a:r>
+              <a:rPr lang="de-DE" sz="1100" dirty="0"/>
+              <a:t> Inc.</a:t>
+            </a:r>
+            <a:r>
+              <a:rPr lang="en-US" sz="1100" dirty="0"/>
+              <a:t>: </a:t>
+            </a:r>
+            <a:r>
+              <a:rPr lang="en-US" sz="1100" dirty="0" err="1"/>
+              <a:t>Git</a:t>
+            </a:r>
+            <a:r>
+              <a:rPr lang="en-US" sz="1100" dirty="0"/>
+              <a:t>, </a:t>
+            </a:r>
+            <a:r>
+              <a:rPr lang="de-DE" sz="1100" dirty="0"/>
+              <a:t>URL: </a:t>
+            </a:r>
+            <a:r>
+              <a:rPr lang="de-DE" sz="1100" u="sng" dirty="0">
+                <a:hlinkClick r:id="rId13"/>
+              </a:rPr>
+              <a:t>https://de.wikipedia.org/wiki/Git</a:t>
+            </a:r>
+            <a:r>
+              <a:rPr lang="de-DE" sz="1100" dirty="0"/>
+              <a:t> vom 11.04.2017 </a:t>
+            </a:r>
+          </a:p>
+          <a:p>
+            <a:pPr lvl="1"/>
+            <a:r>
+              <a:rPr lang="de-DE" sz="1100" dirty="0"/>
+              <a:t>Wikimedia </a:t>
+            </a:r>
+            <a:r>
+              <a:rPr lang="de-DE" sz="1100" dirty="0" err="1"/>
+              <a:t>Foundation</a:t>
+            </a:r>
+            <a:r>
+              <a:rPr lang="de-DE" sz="1100" dirty="0"/>
+              <a:t> Inc.</a:t>
+            </a:r>
+            <a:r>
+              <a:rPr lang="en-US" sz="1100" dirty="0"/>
+              <a:t>: </a:t>
+            </a:r>
+            <a:r>
+              <a:rPr lang="de-DE" sz="1100" dirty="0" err="1"/>
+              <a:t>GitHub</a:t>
+            </a:r>
+            <a:r>
+              <a:rPr lang="en-US" sz="1100" dirty="0"/>
+              <a:t>, </a:t>
+            </a:r>
+            <a:r>
+              <a:rPr lang="de-DE" sz="1100" dirty="0"/>
+              <a:t>URL: </a:t>
+            </a:r>
+            <a:r>
+              <a:rPr lang="de-DE" sz="1100" u="sng" dirty="0">
+                <a:hlinkClick r:id="rId14"/>
+              </a:rPr>
+              <a:t>https://de.wikipedia.org/wiki/GitHub</a:t>
+            </a:r>
+            <a:r>
+              <a:rPr lang="de-DE" sz="1100" dirty="0"/>
+              <a:t> vom 15.04.2017 </a:t>
+            </a:r>
+          </a:p>
+          <a:p>
+            <a:pPr lvl="1"/>
+            <a:r>
+              <a:rPr lang="de-DE" sz="1100" dirty="0"/>
+              <a:t>Wikimedia </a:t>
+            </a:r>
+            <a:r>
+              <a:rPr lang="de-DE" sz="1100" dirty="0" err="1"/>
+              <a:t>Foundation</a:t>
+            </a:r>
+            <a:r>
+              <a:rPr lang="de-DE" sz="1100" dirty="0"/>
+              <a:t> Inc.: GNU General Public </a:t>
+            </a:r>
+            <a:r>
+              <a:rPr lang="de-DE" sz="1100" dirty="0" err="1"/>
+              <a:t>License</a:t>
+            </a:r>
+            <a:r>
+              <a:rPr lang="de-DE" sz="1100" dirty="0"/>
+              <a:t>, URL: </a:t>
+            </a:r>
+            <a:r>
+              <a:rPr lang="de-DE" sz="1100" u="sng" dirty="0">
+                <a:hlinkClick r:id="rId15"/>
+              </a:rPr>
+              <a:t>https://de.wikipedia.org/wiki/GNU_General_Public_License</a:t>
+            </a:r>
+            <a:r>
+              <a:rPr lang="de-DE" sz="1100" dirty="0"/>
+              <a:t> vom 15.04.2017 </a:t>
+            </a:r>
+          </a:p>
+          <a:p>
+            <a:pPr lvl="1"/>
+            <a:r>
+              <a:rPr lang="de-DE" sz="1100" dirty="0"/>
+              <a:t>Wikimedia </a:t>
+            </a:r>
+            <a:r>
+              <a:rPr lang="de-DE" sz="1100" dirty="0" err="1"/>
+              <a:t>Foundation</a:t>
+            </a:r>
+            <a:r>
+              <a:rPr lang="de-DE" sz="1100" dirty="0"/>
+              <a:t> Inc.</a:t>
+            </a:r>
+            <a:r>
+              <a:rPr lang="en-US" sz="1100" dirty="0"/>
+              <a:t>: </a:t>
+            </a:r>
+            <a:r>
+              <a:rPr lang="de-DE" sz="1100" dirty="0"/>
+              <a:t>Kontinuierliche Integration</a:t>
+            </a:r>
+            <a:r>
+              <a:rPr lang="en-US" sz="1100" dirty="0"/>
+              <a:t>, </a:t>
+            </a:r>
+            <a:r>
+              <a:rPr lang="de-DE" sz="1100" dirty="0"/>
+              <a:t>URL: </a:t>
+            </a:r>
+            <a:r>
+              <a:rPr lang="de-DE" sz="1100" u="sng" dirty="0">
+                <a:hlinkClick r:id="rId16"/>
+              </a:rPr>
+              <a:t>https://de.wikipedia.org/wiki/Kontinuierliche_Integration</a:t>
+            </a:r>
+            <a:r>
+              <a:rPr lang="de-DE" sz="1100" dirty="0"/>
+              <a:t>  vom 15.04.2017 </a:t>
+            </a:r>
+            <a:endParaRPr lang="de-DE" sz="1100" dirty="0"/>
+          </a:p>
+          <a:p>
+            <a:pPr lvl="1"/>
+            <a:r>
+              <a:rPr lang="de-DE" sz="1100" dirty="0"/>
+              <a:t>Wikimedia </a:t>
+            </a:r>
+            <a:r>
+              <a:rPr lang="de-DE" sz="1100" dirty="0" err="1"/>
+              <a:t>Foundation</a:t>
+            </a:r>
+            <a:r>
+              <a:rPr lang="de-DE" sz="1100" dirty="0"/>
+              <a:t> Inc.</a:t>
+            </a:r>
+            <a:r>
+              <a:rPr lang="en-US" sz="1100" dirty="0"/>
+              <a:t>: Continuous integration, </a:t>
+            </a:r>
+            <a:r>
+              <a:rPr lang="de-DE" sz="1100" dirty="0"/>
+              <a:t>URL: </a:t>
+            </a:r>
+            <a:r>
+              <a:rPr lang="de-DE" sz="1100" dirty="0">
+                <a:hlinkClick r:id="rId17"/>
+              </a:rPr>
+              <a:t>https://en.wikipedia.org/wiki/Continuous_integration</a:t>
+            </a:r>
+            <a:r>
+              <a:rPr lang="de-DE" sz="1100" dirty="0"/>
+              <a:t> vom 17.04.2017</a:t>
+            </a:r>
+          </a:p>
+          <a:p>
+            <a:pPr lvl="1"/>
+            <a:r>
+              <a:rPr lang="de-DE" sz="1100" dirty="0"/>
+              <a:t>Wikimedia </a:t>
+            </a:r>
+            <a:r>
+              <a:rPr lang="de-DE" sz="1100" dirty="0" err="1"/>
+              <a:t>Foundation</a:t>
+            </a:r>
+            <a:r>
+              <a:rPr lang="de-DE" sz="1100" dirty="0"/>
+              <a:t> Inc.</a:t>
+            </a:r>
+            <a:r>
+              <a:rPr lang="en-US" sz="1100" dirty="0"/>
+              <a:t>: Build automation, </a:t>
+            </a:r>
+            <a:r>
+              <a:rPr lang="de-DE" sz="1100" dirty="0"/>
+              <a:t>URL: </a:t>
+            </a:r>
+            <a:r>
+              <a:rPr lang="de-DE" sz="1100" dirty="0">
+                <a:hlinkClick r:id="rId18"/>
+              </a:rPr>
+              <a:t>https://en.wikipedia.org/wiki/Build_automation</a:t>
+            </a:r>
+            <a:r>
+              <a:rPr lang="de-DE" sz="1100" dirty="0"/>
+              <a:t> vom 17.04.2017</a:t>
+            </a:r>
           </a:p>
         </p:txBody>
       </p:sp>
@@ -30069,592 +30136,13 @@
     </p:spTree>
     <p:extLst>
       <p:ext uri="{BB962C8B-B14F-4D97-AF65-F5344CB8AC3E}">
-        <p14:creationId xmlns:p14="http://schemas.microsoft.com/office/powerpoint/2010/main" val="51017569"/>
+        <p14:creationId xmlns:p14="http://schemas.microsoft.com/office/powerpoint/2010/main" val="1597032122"/>
       </p:ext>
     </p:extLst>
   </p:cSld>
   <p:clrMapOvr>
     <a:masterClrMapping/>
   </p:clrMapOvr>
-  <p:timing>
-    <p:tnLst>
-      <p:par>
-        <p:cTn id="1" dur="indefinite" restart="never" nodeType="tmRoot">
-          <p:childTnLst>
-            <p:seq concurrent="1" nextAc="seek">
-              <p:cTn id="2" dur="indefinite" nodeType="mainSeq">
-                <p:childTnLst>
-                  <p:par>
-                    <p:cTn id="3" fill="hold">
-                      <p:stCondLst>
-                        <p:cond delay="indefinite"/>
-                      </p:stCondLst>
-                      <p:childTnLst>
-                        <p:par>
-                          <p:cTn id="4" fill="hold">
-                            <p:stCondLst>
-                              <p:cond delay="0"/>
-                            </p:stCondLst>
-                            <p:childTnLst>
-                              <p:par>
-                                <p:cTn id="5" presetID="10" presetClass="entr" presetSubtype="0" fill="hold" nodeType="clickEffect">
-                                  <p:stCondLst>
-                                    <p:cond delay="0"/>
-                                  </p:stCondLst>
-                                  <p:childTnLst>
-                                    <p:set>
-                                      <p:cBhvr>
-                                        <p:cTn id="6" dur="1" fill="hold">
-                                          <p:stCondLst>
-                                            <p:cond delay="0"/>
-                                          </p:stCondLst>
-                                        </p:cTn>
-                                        <p:tgtEl>
-                                          <p:spTgt spid="3">
-                                            <p:txEl>
-                                              <p:pRg st="0" end="0"/>
-                                            </p:txEl>
-                                          </p:spTgt>
-                                        </p:tgtEl>
-                                        <p:attrNameLst>
-                                          <p:attrName>style.visibility</p:attrName>
-                                        </p:attrNameLst>
-                                      </p:cBhvr>
-                                      <p:to>
-                                        <p:strVal val="visible"/>
-                                      </p:to>
-                                    </p:set>
-                                    <p:animEffect transition="in" filter="fade">
-                                      <p:cBhvr>
-                                        <p:cTn id="7" dur="500"/>
-                                        <p:tgtEl>
-                                          <p:spTgt spid="3">
-                                            <p:txEl>
-                                              <p:pRg st="0" end="0"/>
-                                            </p:txEl>
-                                          </p:spTgt>
-                                        </p:tgtEl>
-                                      </p:cBhvr>
-                                    </p:animEffect>
-                                  </p:childTnLst>
-                                </p:cTn>
-                              </p:par>
-                            </p:childTnLst>
-                          </p:cTn>
-                        </p:par>
-                      </p:childTnLst>
-                    </p:cTn>
-                  </p:par>
-                  <p:par>
-                    <p:cTn id="8" fill="hold">
-                      <p:stCondLst>
-                        <p:cond delay="indefinite"/>
-                      </p:stCondLst>
-                      <p:childTnLst>
-                        <p:par>
-                          <p:cTn id="9" fill="hold">
-                            <p:stCondLst>
-                              <p:cond delay="0"/>
-                            </p:stCondLst>
-                            <p:childTnLst>
-                              <p:par>
-                                <p:cTn id="10" presetID="10" presetClass="entr" presetSubtype="0" fill="hold" nodeType="clickEffect">
-                                  <p:stCondLst>
-                                    <p:cond delay="0"/>
-                                  </p:stCondLst>
-                                  <p:childTnLst>
-                                    <p:set>
-                                      <p:cBhvr>
-                                        <p:cTn id="11" dur="1" fill="hold">
-                                          <p:stCondLst>
-                                            <p:cond delay="0"/>
-                                          </p:stCondLst>
-                                        </p:cTn>
-                                        <p:tgtEl>
-                                          <p:spTgt spid="3">
-                                            <p:txEl>
-                                              <p:pRg st="1" end="1"/>
-                                            </p:txEl>
-                                          </p:spTgt>
-                                        </p:tgtEl>
-                                        <p:attrNameLst>
-                                          <p:attrName>style.visibility</p:attrName>
-                                        </p:attrNameLst>
-                                      </p:cBhvr>
-                                      <p:to>
-                                        <p:strVal val="visible"/>
-                                      </p:to>
-                                    </p:set>
-                                    <p:animEffect transition="in" filter="fade">
-                                      <p:cBhvr>
-                                        <p:cTn id="12" dur="500"/>
-                                        <p:tgtEl>
-                                          <p:spTgt spid="3">
-                                            <p:txEl>
-                                              <p:pRg st="1" end="1"/>
-                                            </p:txEl>
-                                          </p:spTgt>
-                                        </p:tgtEl>
-                                      </p:cBhvr>
-                                    </p:animEffect>
-                                  </p:childTnLst>
-                                </p:cTn>
-                              </p:par>
-                            </p:childTnLst>
-                          </p:cTn>
-                        </p:par>
-                      </p:childTnLst>
-                    </p:cTn>
-                  </p:par>
-                  <p:par>
-                    <p:cTn id="13" fill="hold">
-                      <p:stCondLst>
-                        <p:cond delay="indefinite"/>
-                      </p:stCondLst>
-                      <p:childTnLst>
-                        <p:par>
-                          <p:cTn id="14" fill="hold">
-                            <p:stCondLst>
-                              <p:cond delay="0"/>
-                            </p:stCondLst>
-                            <p:childTnLst>
-                              <p:par>
-                                <p:cTn id="15" presetID="10" presetClass="entr" presetSubtype="0" fill="hold" nodeType="clickEffect">
-                                  <p:stCondLst>
-                                    <p:cond delay="0"/>
-                                  </p:stCondLst>
-                                  <p:childTnLst>
-                                    <p:set>
-                                      <p:cBhvr>
-                                        <p:cTn id="16" dur="1" fill="hold">
-                                          <p:stCondLst>
-                                            <p:cond delay="0"/>
-                                          </p:stCondLst>
-                                        </p:cTn>
-                                        <p:tgtEl>
-                                          <p:spTgt spid="3">
-                                            <p:txEl>
-                                              <p:pRg st="2" end="2"/>
-                                            </p:txEl>
-                                          </p:spTgt>
-                                        </p:tgtEl>
-                                        <p:attrNameLst>
-                                          <p:attrName>style.visibility</p:attrName>
-                                        </p:attrNameLst>
-                                      </p:cBhvr>
-                                      <p:to>
-                                        <p:strVal val="visible"/>
-                                      </p:to>
-                                    </p:set>
-                                    <p:animEffect transition="in" filter="fade">
-                                      <p:cBhvr>
-                                        <p:cTn id="17" dur="500"/>
-                                        <p:tgtEl>
-                                          <p:spTgt spid="3">
-                                            <p:txEl>
-                                              <p:pRg st="2" end="2"/>
-                                            </p:txEl>
-                                          </p:spTgt>
-                                        </p:tgtEl>
-                                      </p:cBhvr>
-                                    </p:animEffect>
-                                  </p:childTnLst>
-                                </p:cTn>
-                              </p:par>
-                            </p:childTnLst>
-                          </p:cTn>
-                        </p:par>
-                      </p:childTnLst>
-                    </p:cTn>
-                  </p:par>
-                  <p:par>
-                    <p:cTn id="18" fill="hold">
-                      <p:stCondLst>
-                        <p:cond delay="indefinite"/>
-                      </p:stCondLst>
-                      <p:childTnLst>
-                        <p:par>
-                          <p:cTn id="19" fill="hold">
-                            <p:stCondLst>
-                              <p:cond delay="0"/>
-                            </p:stCondLst>
-                            <p:childTnLst>
-                              <p:par>
-                                <p:cTn id="20" presetID="10" presetClass="entr" presetSubtype="0" fill="hold" nodeType="clickEffect">
-                                  <p:stCondLst>
-                                    <p:cond delay="0"/>
-                                  </p:stCondLst>
-                                  <p:childTnLst>
-                                    <p:set>
-                                      <p:cBhvr>
-                                        <p:cTn id="21" dur="1" fill="hold">
-                                          <p:stCondLst>
-                                            <p:cond delay="0"/>
-                                          </p:stCondLst>
-                                        </p:cTn>
-                                        <p:tgtEl>
-                                          <p:spTgt spid="3">
-                                            <p:txEl>
-                                              <p:pRg st="3" end="3"/>
-                                            </p:txEl>
-                                          </p:spTgt>
-                                        </p:tgtEl>
-                                        <p:attrNameLst>
-                                          <p:attrName>style.visibility</p:attrName>
-                                        </p:attrNameLst>
-                                      </p:cBhvr>
-                                      <p:to>
-                                        <p:strVal val="visible"/>
-                                      </p:to>
-                                    </p:set>
-                                    <p:animEffect transition="in" filter="fade">
-                                      <p:cBhvr>
-                                        <p:cTn id="22" dur="500"/>
-                                        <p:tgtEl>
-                                          <p:spTgt spid="3">
-                                            <p:txEl>
-                                              <p:pRg st="3" end="3"/>
-                                            </p:txEl>
-                                          </p:spTgt>
-                                        </p:tgtEl>
-                                      </p:cBhvr>
-                                    </p:animEffect>
-                                  </p:childTnLst>
-                                </p:cTn>
-                              </p:par>
-                            </p:childTnLst>
-                          </p:cTn>
-                        </p:par>
-                      </p:childTnLst>
-                    </p:cTn>
-                  </p:par>
-                  <p:par>
-                    <p:cTn id="23" fill="hold">
-                      <p:stCondLst>
-                        <p:cond delay="indefinite"/>
-                      </p:stCondLst>
-                      <p:childTnLst>
-                        <p:par>
-                          <p:cTn id="24" fill="hold">
-                            <p:stCondLst>
-                              <p:cond delay="0"/>
-                            </p:stCondLst>
-                            <p:childTnLst>
-                              <p:par>
-                                <p:cTn id="25" presetID="10" presetClass="entr" presetSubtype="0" fill="hold" nodeType="clickEffect">
-                                  <p:stCondLst>
-                                    <p:cond delay="0"/>
-                                  </p:stCondLst>
-                                  <p:childTnLst>
-                                    <p:set>
-                                      <p:cBhvr>
-                                        <p:cTn id="26" dur="1" fill="hold">
-                                          <p:stCondLst>
-                                            <p:cond delay="0"/>
-                                          </p:stCondLst>
-                                        </p:cTn>
-                                        <p:tgtEl>
-                                          <p:spTgt spid="3">
-                                            <p:txEl>
-                                              <p:pRg st="4" end="4"/>
-                                            </p:txEl>
-                                          </p:spTgt>
-                                        </p:tgtEl>
-                                        <p:attrNameLst>
-                                          <p:attrName>style.visibility</p:attrName>
-                                        </p:attrNameLst>
-                                      </p:cBhvr>
-                                      <p:to>
-                                        <p:strVal val="visible"/>
-                                      </p:to>
-                                    </p:set>
-                                    <p:animEffect transition="in" filter="fade">
-                                      <p:cBhvr>
-                                        <p:cTn id="27" dur="500"/>
-                                        <p:tgtEl>
-                                          <p:spTgt spid="3">
-                                            <p:txEl>
-                                              <p:pRg st="4" end="4"/>
-                                            </p:txEl>
-                                          </p:spTgt>
-                                        </p:tgtEl>
-                                      </p:cBhvr>
-                                    </p:animEffect>
-                                  </p:childTnLst>
-                                </p:cTn>
-                              </p:par>
-                            </p:childTnLst>
-                          </p:cTn>
-                        </p:par>
-                      </p:childTnLst>
-                    </p:cTn>
-                  </p:par>
-                  <p:par>
-                    <p:cTn id="28" fill="hold">
-                      <p:stCondLst>
-                        <p:cond delay="indefinite"/>
-                      </p:stCondLst>
-                      <p:childTnLst>
-                        <p:par>
-                          <p:cTn id="29" fill="hold">
-                            <p:stCondLst>
-                              <p:cond delay="0"/>
-                            </p:stCondLst>
-                            <p:childTnLst>
-                              <p:par>
-                                <p:cTn id="30" presetID="10" presetClass="entr" presetSubtype="0" fill="hold" nodeType="clickEffect">
-                                  <p:stCondLst>
-                                    <p:cond delay="0"/>
-                                  </p:stCondLst>
-                                  <p:childTnLst>
-                                    <p:set>
-                                      <p:cBhvr>
-                                        <p:cTn id="31" dur="1" fill="hold">
-                                          <p:stCondLst>
-                                            <p:cond delay="0"/>
-                                          </p:stCondLst>
-                                        </p:cTn>
-                                        <p:tgtEl>
-                                          <p:spTgt spid="3">
-                                            <p:txEl>
-                                              <p:pRg st="5" end="5"/>
-                                            </p:txEl>
-                                          </p:spTgt>
-                                        </p:tgtEl>
-                                        <p:attrNameLst>
-                                          <p:attrName>style.visibility</p:attrName>
-                                        </p:attrNameLst>
-                                      </p:cBhvr>
-                                      <p:to>
-                                        <p:strVal val="visible"/>
-                                      </p:to>
-                                    </p:set>
-                                    <p:animEffect transition="in" filter="fade">
-                                      <p:cBhvr>
-                                        <p:cTn id="32" dur="500"/>
-                                        <p:tgtEl>
-                                          <p:spTgt spid="3">
-                                            <p:txEl>
-                                              <p:pRg st="5" end="5"/>
-                                            </p:txEl>
-                                          </p:spTgt>
-                                        </p:tgtEl>
-                                      </p:cBhvr>
-                                    </p:animEffect>
-                                  </p:childTnLst>
-                                </p:cTn>
-                              </p:par>
-                            </p:childTnLst>
-                          </p:cTn>
-                        </p:par>
-                      </p:childTnLst>
-                    </p:cTn>
-                  </p:par>
-                  <p:par>
-                    <p:cTn id="33" fill="hold">
-                      <p:stCondLst>
-                        <p:cond delay="indefinite"/>
-                      </p:stCondLst>
-                      <p:childTnLst>
-                        <p:par>
-                          <p:cTn id="34" fill="hold">
-                            <p:stCondLst>
-                              <p:cond delay="0"/>
-                            </p:stCondLst>
-                            <p:childTnLst>
-                              <p:par>
-                                <p:cTn id="35" presetID="10" presetClass="entr" presetSubtype="0" fill="hold" nodeType="clickEffect">
-                                  <p:stCondLst>
-                                    <p:cond delay="0"/>
-                                  </p:stCondLst>
-                                  <p:childTnLst>
-                                    <p:set>
-                                      <p:cBhvr>
-                                        <p:cTn id="36" dur="1" fill="hold">
-                                          <p:stCondLst>
-                                            <p:cond delay="0"/>
-                                          </p:stCondLst>
-                                        </p:cTn>
-                                        <p:tgtEl>
-                                          <p:spTgt spid="3">
-                                            <p:txEl>
-                                              <p:pRg st="6" end="6"/>
-                                            </p:txEl>
-                                          </p:spTgt>
-                                        </p:tgtEl>
-                                        <p:attrNameLst>
-                                          <p:attrName>style.visibility</p:attrName>
-                                        </p:attrNameLst>
-                                      </p:cBhvr>
-                                      <p:to>
-                                        <p:strVal val="visible"/>
-                                      </p:to>
-                                    </p:set>
-                                    <p:animEffect transition="in" filter="fade">
-                                      <p:cBhvr>
-                                        <p:cTn id="37" dur="500"/>
-                                        <p:tgtEl>
-                                          <p:spTgt spid="3">
-                                            <p:txEl>
-                                              <p:pRg st="6" end="6"/>
-                                            </p:txEl>
-                                          </p:spTgt>
-                                        </p:tgtEl>
-                                      </p:cBhvr>
-                                    </p:animEffect>
-                                  </p:childTnLst>
-                                </p:cTn>
-                              </p:par>
-                            </p:childTnLst>
-                          </p:cTn>
-                        </p:par>
-                      </p:childTnLst>
-                    </p:cTn>
-                  </p:par>
-                  <p:par>
-                    <p:cTn id="38" fill="hold">
-                      <p:stCondLst>
-                        <p:cond delay="indefinite"/>
-                      </p:stCondLst>
-                      <p:childTnLst>
-                        <p:par>
-                          <p:cTn id="39" fill="hold">
-                            <p:stCondLst>
-                              <p:cond delay="0"/>
-                            </p:stCondLst>
-                            <p:childTnLst>
-                              <p:par>
-                                <p:cTn id="40" presetID="10" presetClass="entr" presetSubtype="0" fill="hold" nodeType="clickEffect">
-                                  <p:stCondLst>
-                                    <p:cond delay="0"/>
-                                  </p:stCondLst>
-                                  <p:childTnLst>
-                                    <p:set>
-                                      <p:cBhvr>
-                                        <p:cTn id="41" dur="1" fill="hold">
-                                          <p:stCondLst>
-                                            <p:cond delay="0"/>
-                                          </p:stCondLst>
-                                        </p:cTn>
-                                        <p:tgtEl>
-                                          <p:spTgt spid="3">
-                                            <p:txEl>
-                                              <p:pRg st="7" end="7"/>
-                                            </p:txEl>
-                                          </p:spTgt>
-                                        </p:tgtEl>
-                                        <p:attrNameLst>
-                                          <p:attrName>style.visibility</p:attrName>
-                                        </p:attrNameLst>
-                                      </p:cBhvr>
-                                      <p:to>
-                                        <p:strVal val="visible"/>
-                                      </p:to>
-                                    </p:set>
-                                    <p:animEffect transition="in" filter="fade">
-                                      <p:cBhvr>
-                                        <p:cTn id="42" dur="500"/>
-                                        <p:tgtEl>
-                                          <p:spTgt spid="3">
-                                            <p:txEl>
-                                              <p:pRg st="7" end="7"/>
-                                            </p:txEl>
-                                          </p:spTgt>
-                                        </p:tgtEl>
-                                      </p:cBhvr>
-                                    </p:animEffect>
-                                  </p:childTnLst>
-                                </p:cTn>
-                              </p:par>
-                            </p:childTnLst>
-                          </p:cTn>
-                        </p:par>
-                      </p:childTnLst>
-                    </p:cTn>
-                  </p:par>
-                  <p:par>
-                    <p:cTn id="43" fill="hold">
-                      <p:stCondLst>
-                        <p:cond delay="indefinite"/>
-                      </p:stCondLst>
-                      <p:childTnLst>
-                        <p:par>
-                          <p:cTn id="44" fill="hold">
-                            <p:stCondLst>
-                              <p:cond delay="0"/>
-                            </p:stCondLst>
-                            <p:childTnLst>
-                              <p:par>
-                                <p:cTn id="45" presetID="10" presetClass="entr" presetSubtype="0" fill="hold" nodeType="clickEffect">
-                                  <p:stCondLst>
-                                    <p:cond delay="0"/>
-                                  </p:stCondLst>
-                                  <p:childTnLst>
-                                    <p:set>
-                                      <p:cBhvr>
-                                        <p:cTn id="46" dur="1" fill="hold">
-                                          <p:stCondLst>
-                                            <p:cond delay="0"/>
-                                          </p:stCondLst>
-                                        </p:cTn>
-                                        <p:tgtEl>
-                                          <p:spTgt spid="3">
-                                            <p:txEl>
-                                              <p:pRg st="8" end="8"/>
-                                            </p:txEl>
-                                          </p:spTgt>
-                                        </p:tgtEl>
-                                        <p:attrNameLst>
-                                          <p:attrName>style.visibility</p:attrName>
-                                        </p:attrNameLst>
-                                      </p:cBhvr>
-                                      <p:to>
-                                        <p:strVal val="visible"/>
-                                      </p:to>
-                                    </p:set>
-                                    <p:animEffect transition="in" filter="fade">
-                                      <p:cBhvr>
-                                        <p:cTn id="47" dur="500"/>
-                                        <p:tgtEl>
-                                          <p:spTgt spid="3">
-                                            <p:txEl>
-                                              <p:pRg st="8" end="8"/>
-                                            </p:txEl>
-                                          </p:spTgt>
-                                        </p:tgtEl>
-                                      </p:cBhvr>
-                                    </p:animEffect>
-                                  </p:childTnLst>
-                                </p:cTn>
-                              </p:par>
-                            </p:childTnLst>
-                          </p:cTn>
-                        </p:par>
-                      </p:childTnLst>
-                    </p:cTn>
-                  </p:par>
-                </p:childTnLst>
-              </p:cTn>
-              <p:prevCondLst>
-                <p:cond evt="onPrev" delay="0">
-                  <p:tgtEl>
-                    <p:sldTgt/>
-                  </p:tgtEl>
-                </p:cond>
-              </p:prevCondLst>
-              <p:nextCondLst>
-                <p:cond evt="onNext" delay="0">
-                  <p:tgtEl>
-                    <p:sldTgt/>
-                  </p:tgtEl>
-                </p:cond>
-              </p:nextCondLst>
-            </p:seq>
-          </p:childTnLst>
-        </p:cTn>
-      </p:par>
-    </p:tnLst>
-  </p:timing>
 </p:sld>
 </file>
 
@@ -30698,8 +30186,20 @@
           <a:lstStyle/>
           <a:p>
             <a:r>
+              <a:rPr lang="en-US" dirty="0" err="1"/>
+              <a:t>Erfahrungen</a:t>
+            </a:r>
+            <a:r>
               <a:rPr lang="en-US" dirty="0"/>
-              <a:t>SHA1-Prüfsummen</a:t>
+              <a:t> </a:t>
+            </a:r>
+            <a:r>
+              <a:rPr lang="en-US" dirty="0" err="1"/>
+              <a:t>aus</a:t>
+            </a:r>
+            <a:r>
+              <a:rPr lang="en-US" dirty="0"/>
+              <a:t> der Praxis - CI</a:t>
             </a:r>
           </a:p>
         </p:txBody>
@@ -30722,51 +30222,94 @@
         </p:spPr>
         <p:txBody>
           <a:bodyPr>
-            <a:normAutofit/>
+            <a:normAutofit lnSpcReduction="10000"/>
           </a:bodyPr>
           <a:lstStyle/>
           <a:p>
             <a:pPr lvl="1"/>
             <a:r>
               <a:rPr lang="de-DE" dirty="0"/>
-              <a:t>Prüfsummen Funktion</a:t>
+              <a:t>Vernachlässigung Testprozesse</a:t>
             </a:r>
           </a:p>
           <a:p>
             <a:pPr lvl="1"/>
             <a:r>
               <a:rPr lang="de-DE" dirty="0"/>
-              <a:t>Aus beliebigen Datenblöcken Prüfwerte bildbar (bei </a:t>
+              <a:t>Spiegelung Produktionsumgebung</a:t>
+            </a:r>
+          </a:p>
+          <a:p>
+            <a:pPr lvl="1"/>
+            <a:r>
+              <a:rPr lang="de-DE" dirty="0"/>
+              <a:t>Automatisierte Verteilung / einfacher Zugriff</a:t>
+            </a:r>
+          </a:p>
+          <a:p>
+            <a:pPr lvl="1"/>
+            <a:r>
+              <a:rPr lang="de-DE" dirty="0"/>
+              <a:t>Herausforderung Verantwortungsübernahme für </a:t>
             </a:r>
             <a:r>
               <a:rPr lang="de-DE" dirty="0" err="1"/>
-              <a:t>Git</a:t>
+              <a:t>Build</a:t>
             </a:r>
             <a:r>
               <a:rPr lang="de-DE" dirty="0"/>
-              <a:t> auf Basis aller Daten – Inhalten der Dateien, Autor und Zeitpunkt)</a:t>
+              <a:t>-Qualität</a:t>
             </a:r>
           </a:p>
           <a:p>
             <a:pPr lvl="1"/>
             <a:r>
               <a:rPr lang="de-DE" dirty="0"/>
-              <a:t>Durch den Vergleich von Prüfwerten bei Sender und Empfänger wird sichergestellt, dass Nachrichten unverändert ankommen</a:t>
+              <a:t>Automatisierung von </a:t>
+            </a:r>
+            <a:r>
+              <a:rPr lang="de-DE" dirty="0" err="1"/>
+              <a:t>Builds</a:t>
+            </a:r>
+            <a:r>
+              <a:rPr lang="de-DE" dirty="0"/>
+              <a:t>: Freigabe von </a:t>
+            </a:r>
+            <a:r>
+              <a:rPr lang="de-DE" dirty="0" err="1"/>
+              <a:t>Builds</a:t>
+            </a:r>
+            <a:r>
+              <a:rPr lang="de-DE" dirty="0"/>
+              <a:t> in einzelnen Schritten (für Testsystem, Produktionsumgebung)</a:t>
             </a:r>
           </a:p>
           <a:p>
             <a:pPr lvl="1"/>
             <a:r>
               <a:rPr lang="de-DE" dirty="0"/>
-              <a:t>ABER: es gibt mehrere Ausgangszahlen die die gleiche </a:t>
-            </a:r>
-            <a:r>
-              <a:rPr lang="de-DE" dirty="0" err="1"/>
-              <a:t>Prüfzahl</a:t>
-            </a:r>
+              <a:t>Abstimmung &amp; Kontrolle Termine </a:t>
+            </a:r>
+          </a:p>
+          <a:p>
+            <a:pPr lvl="2"/>
             <a:r>
               <a:rPr lang="de-DE" dirty="0"/>
-              <a:t> ergeben -&gt; ist an sich geknackt</a:t>
+              <a:t>Wer darf wann wo etwas einchecken (SVN)</a:t>
+            </a:r>
+          </a:p>
+          <a:p>
+            <a:pPr lvl="2"/>
+            <a:r>
+              <a:rPr lang="de-DE" dirty="0"/>
+              <a:t>Herausforderung viele Umgebungen -&gt; Ungenauigkeiten Check-In</a:t>
+            </a:r>
+          </a:p>
+          <a:p>
+            <a:pPr lvl="2"/>
+            <a:r>
+              <a:rPr lang="de-DE" dirty="0"/>
+              <a:t>Herausforderung ungleiche Zyklen</a:t>
             </a:r>
           </a:p>
           <a:p>
@@ -30829,13 +30372,592 @@
     </p:spTree>
     <p:extLst>
       <p:ext uri="{BB962C8B-B14F-4D97-AF65-F5344CB8AC3E}">
-        <p14:creationId xmlns:p14="http://schemas.microsoft.com/office/powerpoint/2010/main" val="3385004501"/>
+        <p14:creationId xmlns:p14="http://schemas.microsoft.com/office/powerpoint/2010/main" val="51017569"/>
       </p:ext>
     </p:extLst>
   </p:cSld>
   <p:clrMapOvr>
     <a:masterClrMapping/>
   </p:clrMapOvr>
+  <p:timing>
+    <p:tnLst>
+      <p:par>
+        <p:cTn id="1" dur="indefinite" restart="never" nodeType="tmRoot">
+          <p:childTnLst>
+            <p:seq concurrent="1" nextAc="seek">
+              <p:cTn id="2" dur="indefinite" nodeType="mainSeq">
+                <p:childTnLst>
+                  <p:par>
+                    <p:cTn id="3" fill="hold">
+                      <p:stCondLst>
+                        <p:cond delay="indefinite"/>
+                      </p:stCondLst>
+                      <p:childTnLst>
+                        <p:par>
+                          <p:cTn id="4" fill="hold">
+                            <p:stCondLst>
+                              <p:cond delay="0"/>
+                            </p:stCondLst>
+                            <p:childTnLst>
+                              <p:par>
+                                <p:cTn id="5" presetID="10" presetClass="entr" presetSubtype="0" fill="hold" nodeType="clickEffect">
+                                  <p:stCondLst>
+                                    <p:cond delay="0"/>
+                                  </p:stCondLst>
+                                  <p:childTnLst>
+                                    <p:set>
+                                      <p:cBhvr>
+                                        <p:cTn id="6" dur="1" fill="hold">
+                                          <p:stCondLst>
+                                            <p:cond delay="0"/>
+                                          </p:stCondLst>
+                                        </p:cTn>
+                                        <p:tgtEl>
+                                          <p:spTgt spid="3">
+                                            <p:txEl>
+                                              <p:pRg st="0" end="0"/>
+                                            </p:txEl>
+                                          </p:spTgt>
+                                        </p:tgtEl>
+                                        <p:attrNameLst>
+                                          <p:attrName>style.visibility</p:attrName>
+                                        </p:attrNameLst>
+                                      </p:cBhvr>
+                                      <p:to>
+                                        <p:strVal val="visible"/>
+                                      </p:to>
+                                    </p:set>
+                                    <p:animEffect transition="in" filter="fade">
+                                      <p:cBhvr>
+                                        <p:cTn id="7" dur="500"/>
+                                        <p:tgtEl>
+                                          <p:spTgt spid="3">
+                                            <p:txEl>
+                                              <p:pRg st="0" end="0"/>
+                                            </p:txEl>
+                                          </p:spTgt>
+                                        </p:tgtEl>
+                                      </p:cBhvr>
+                                    </p:animEffect>
+                                  </p:childTnLst>
+                                </p:cTn>
+                              </p:par>
+                            </p:childTnLst>
+                          </p:cTn>
+                        </p:par>
+                      </p:childTnLst>
+                    </p:cTn>
+                  </p:par>
+                  <p:par>
+                    <p:cTn id="8" fill="hold">
+                      <p:stCondLst>
+                        <p:cond delay="indefinite"/>
+                      </p:stCondLst>
+                      <p:childTnLst>
+                        <p:par>
+                          <p:cTn id="9" fill="hold">
+                            <p:stCondLst>
+                              <p:cond delay="0"/>
+                            </p:stCondLst>
+                            <p:childTnLst>
+                              <p:par>
+                                <p:cTn id="10" presetID="10" presetClass="entr" presetSubtype="0" fill="hold" nodeType="clickEffect">
+                                  <p:stCondLst>
+                                    <p:cond delay="0"/>
+                                  </p:stCondLst>
+                                  <p:childTnLst>
+                                    <p:set>
+                                      <p:cBhvr>
+                                        <p:cTn id="11" dur="1" fill="hold">
+                                          <p:stCondLst>
+                                            <p:cond delay="0"/>
+                                          </p:stCondLst>
+                                        </p:cTn>
+                                        <p:tgtEl>
+                                          <p:spTgt spid="3">
+                                            <p:txEl>
+                                              <p:pRg st="1" end="1"/>
+                                            </p:txEl>
+                                          </p:spTgt>
+                                        </p:tgtEl>
+                                        <p:attrNameLst>
+                                          <p:attrName>style.visibility</p:attrName>
+                                        </p:attrNameLst>
+                                      </p:cBhvr>
+                                      <p:to>
+                                        <p:strVal val="visible"/>
+                                      </p:to>
+                                    </p:set>
+                                    <p:animEffect transition="in" filter="fade">
+                                      <p:cBhvr>
+                                        <p:cTn id="12" dur="500"/>
+                                        <p:tgtEl>
+                                          <p:spTgt spid="3">
+                                            <p:txEl>
+                                              <p:pRg st="1" end="1"/>
+                                            </p:txEl>
+                                          </p:spTgt>
+                                        </p:tgtEl>
+                                      </p:cBhvr>
+                                    </p:animEffect>
+                                  </p:childTnLst>
+                                </p:cTn>
+                              </p:par>
+                            </p:childTnLst>
+                          </p:cTn>
+                        </p:par>
+                      </p:childTnLst>
+                    </p:cTn>
+                  </p:par>
+                  <p:par>
+                    <p:cTn id="13" fill="hold">
+                      <p:stCondLst>
+                        <p:cond delay="indefinite"/>
+                      </p:stCondLst>
+                      <p:childTnLst>
+                        <p:par>
+                          <p:cTn id="14" fill="hold">
+                            <p:stCondLst>
+                              <p:cond delay="0"/>
+                            </p:stCondLst>
+                            <p:childTnLst>
+                              <p:par>
+                                <p:cTn id="15" presetID="10" presetClass="entr" presetSubtype="0" fill="hold" nodeType="clickEffect">
+                                  <p:stCondLst>
+                                    <p:cond delay="0"/>
+                                  </p:stCondLst>
+                                  <p:childTnLst>
+                                    <p:set>
+                                      <p:cBhvr>
+                                        <p:cTn id="16" dur="1" fill="hold">
+                                          <p:stCondLst>
+                                            <p:cond delay="0"/>
+                                          </p:stCondLst>
+                                        </p:cTn>
+                                        <p:tgtEl>
+                                          <p:spTgt spid="3">
+                                            <p:txEl>
+                                              <p:pRg st="2" end="2"/>
+                                            </p:txEl>
+                                          </p:spTgt>
+                                        </p:tgtEl>
+                                        <p:attrNameLst>
+                                          <p:attrName>style.visibility</p:attrName>
+                                        </p:attrNameLst>
+                                      </p:cBhvr>
+                                      <p:to>
+                                        <p:strVal val="visible"/>
+                                      </p:to>
+                                    </p:set>
+                                    <p:animEffect transition="in" filter="fade">
+                                      <p:cBhvr>
+                                        <p:cTn id="17" dur="500"/>
+                                        <p:tgtEl>
+                                          <p:spTgt spid="3">
+                                            <p:txEl>
+                                              <p:pRg st="2" end="2"/>
+                                            </p:txEl>
+                                          </p:spTgt>
+                                        </p:tgtEl>
+                                      </p:cBhvr>
+                                    </p:animEffect>
+                                  </p:childTnLst>
+                                </p:cTn>
+                              </p:par>
+                            </p:childTnLst>
+                          </p:cTn>
+                        </p:par>
+                      </p:childTnLst>
+                    </p:cTn>
+                  </p:par>
+                  <p:par>
+                    <p:cTn id="18" fill="hold">
+                      <p:stCondLst>
+                        <p:cond delay="indefinite"/>
+                      </p:stCondLst>
+                      <p:childTnLst>
+                        <p:par>
+                          <p:cTn id="19" fill="hold">
+                            <p:stCondLst>
+                              <p:cond delay="0"/>
+                            </p:stCondLst>
+                            <p:childTnLst>
+                              <p:par>
+                                <p:cTn id="20" presetID="10" presetClass="entr" presetSubtype="0" fill="hold" nodeType="clickEffect">
+                                  <p:stCondLst>
+                                    <p:cond delay="0"/>
+                                  </p:stCondLst>
+                                  <p:childTnLst>
+                                    <p:set>
+                                      <p:cBhvr>
+                                        <p:cTn id="21" dur="1" fill="hold">
+                                          <p:stCondLst>
+                                            <p:cond delay="0"/>
+                                          </p:stCondLst>
+                                        </p:cTn>
+                                        <p:tgtEl>
+                                          <p:spTgt spid="3">
+                                            <p:txEl>
+                                              <p:pRg st="3" end="3"/>
+                                            </p:txEl>
+                                          </p:spTgt>
+                                        </p:tgtEl>
+                                        <p:attrNameLst>
+                                          <p:attrName>style.visibility</p:attrName>
+                                        </p:attrNameLst>
+                                      </p:cBhvr>
+                                      <p:to>
+                                        <p:strVal val="visible"/>
+                                      </p:to>
+                                    </p:set>
+                                    <p:animEffect transition="in" filter="fade">
+                                      <p:cBhvr>
+                                        <p:cTn id="22" dur="500"/>
+                                        <p:tgtEl>
+                                          <p:spTgt spid="3">
+                                            <p:txEl>
+                                              <p:pRg st="3" end="3"/>
+                                            </p:txEl>
+                                          </p:spTgt>
+                                        </p:tgtEl>
+                                      </p:cBhvr>
+                                    </p:animEffect>
+                                  </p:childTnLst>
+                                </p:cTn>
+                              </p:par>
+                            </p:childTnLst>
+                          </p:cTn>
+                        </p:par>
+                      </p:childTnLst>
+                    </p:cTn>
+                  </p:par>
+                  <p:par>
+                    <p:cTn id="23" fill="hold">
+                      <p:stCondLst>
+                        <p:cond delay="indefinite"/>
+                      </p:stCondLst>
+                      <p:childTnLst>
+                        <p:par>
+                          <p:cTn id="24" fill="hold">
+                            <p:stCondLst>
+                              <p:cond delay="0"/>
+                            </p:stCondLst>
+                            <p:childTnLst>
+                              <p:par>
+                                <p:cTn id="25" presetID="10" presetClass="entr" presetSubtype="0" fill="hold" nodeType="clickEffect">
+                                  <p:stCondLst>
+                                    <p:cond delay="0"/>
+                                  </p:stCondLst>
+                                  <p:childTnLst>
+                                    <p:set>
+                                      <p:cBhvr>
+                                        <p:cTn id="26" dur="1" fill="hold">
+                                          <p:stCondLst>
+                                            <p:cond delay="0"/>
+                                          </p:stCondLst>
+                                        </p:cTn>
+                                        <p:tgtEl>
+                                          <p:spTgt spid="3">
+                                            <p:txEl>
+                                              <p:pRg st="4" end="4"/>
+                                            </p:txEl>
+                                          </p:spTgt>
+                                        </p:tgtEl>
+                                        <p:attrNameLst>
+                                          <p:attrName>style.visibility</p:attrName>
+                                        </p:attrNameLst>
+                                      </p:cBhvr>
+                                      <p:to>
+                                        <p:strVal val="visible"/>
+                                      </p:to>
+                                    </p:set>
+                                    <p:animEffect transition="in" filter="fade">
+                                      <p:cBhvr>
+                                        <p:cTn id="27" dur="500"/>
+                                        <p:tgtEl>
+                                          <p:spTgt spid="3">
+                                            <p:txEl>
+                                              <p:pRg st="4" end="4"/>
+                                            </p:txEl>
+                                          </p:spTgt>
+                                        </p:tgtEl>
+                                      </p:cBhvr>
+                                    </p:animEffect>
+                                  </p:childTnLst>
+                                </p:cTn>
+                              </p:par>
+                            </p:childTnLst>
+                          </p:cTn>
+                        </p:par>
+                      </p:childTnLst>
+                    </p:cTn>
+                  </p:par>
+                  <p:par>
+                    <p:cTn id="28" fill="hold">
+                      <p:stCondLst>
+                        <p:cond delay="indefinite"/>
+                      </p:stCondLst>
+                      <p:childTnLst>
+                        <p:par>
+                          <p:cTn id="29" fill="hold">
+                            <p:stCondLst>
+                              <p:cond delay="0"/>
+                            </p:stCondLst>
+                            <p:childTnLst>
+                              <p:par>
+                                <p:cTn id="30" presetID="10" presetClass="entr" presetSubtype="0" fill="hold" nodeType="clickEffect">
+                                  <p:stCondLst>
+                                    <p:cond delay="0"/>
+                                  </p:stCondLst>
+                                  <p:childTnLst>
+                                    <p:set>
+                                      <p:cBhvr>
+                                        <p:cTn id="31" dur="1" fill="hold">
+                                          <p:stCondLst>
+                                            <p:cond delay="0"/>
+                                          </p:stCondLst>
+                                        </p:cTn>
+                                        <p:tgtEl>
+                                          <p:spTgt spid="3">
+                                            <p:txEl>
+                                              <p:pRg st="5" end="5"/>
+                                            </p:txEl>
+                                          </p:spTgt>
+                                        </p:tgtEl>
+                                        <p:attrNameLst>
+                                          <p:attrName>style.visibility</p:attrName>
+                                        </p:attrNameLst>
+                                      </p:cBhvr>
+                                      <p:to>
+                                        <p:strVal val="visible"/>
+                                      </p:to>
+                                    </p:set>
+                                    <p:animEffect transition="in" filter="fade">
+                                      <p:cBhvr>
+                                        <p:cTn id="32" dur="500"/>
+                                        <p:tgtEl>
+                                          <p:spTgt spid="3">
+                                            <p:txEl>
+                                              <p:pRg st="5" end="5"/>
+                                            </p:txEl>
+                                          </p:spTgt>
+                                        </p:tgtEl>
+                                      </p:cBhvr>
+                                    </p:animEffect>
+                                  </p:childTnLst>
+                                </p:cTn>
+                              </p:par>
+                            </p:childTnLst>
+                          </p:cTn>
+                        </p:par>
+                      </p:childTnLst>
+                    </p:cTn>
+                  </p:par>
+                  <p:par>
+                    <p:cTn id="33" fill="hold">
+                      <p:stCondLst>
+                        <p:cond delay="indefinite"/>
+                      </p:stCondLst>
+                      <p:childTnLst>
+                        <p:par>
+                          <p:cTn id="34" fill="hold">
+                            <p:stCondLst>
+                              <p:cond delay="0"/>
+                            </p:stCondLst>
+                            <p:childTnLst>
+                              <p:par>
+                                <p:cTn id="35" presetID="10" presetClass="entr" presetSubtype="0" fill="hold" nodeType="clickEffect">
+                                  <p:stCondLst>
+                                    <p:cond delay="0"/>
+                                  </p:stCondLst>
+                                  <p:childTnLst>
+                                    <p:set>
+                                      <p:cBhvr>
+                                        <p:cTn id="36" dur="1" fill="hold">
+                                          <p:stCondLst>
+                                            <p:cond delay="0"/>
+                                          </p:stCondLst>
+                                        </p:cTn>
+                                        <p:tgtEl>
+                                          <p:spTgt spid="3">
+                                            <p:txEl>
+                                              <p:pRg st="6" end="6"/>
+                                            </p:txEl>
+                                          </p:spTgt>
+                                        </p:tgtEl>
+                                        <p:attrNameLst>
+                                          <p:attrName>style.visibility</p:attrName>
+                                        </p:attrNameLst>
+                                      </p:cBhvr>
+                                      <p:to>
+                                        <p:strVal val="visible"/>
+                                      </p:to>
+                                    </p:set>
+                                    <p:animEffect transition="in" filter="fade">
+                                      <p:cBhvr>
+                                        <p:cTn id="37" dur="500"/>
+                                        <p:tgtEl>
+                                          <p:spTgt spid="3">
+                                            <p:txEl>
+                                              <p:pRg st="6" end="6"/>
+                                            </p:txEl>
+                                          </p:spTgt>
+                                        </p:tgtEl>
+                                      </p:cBhvr>
+                                    </p:animEffect>
+                                  </p:childTnLst>
+                                </p:cTn>
+                              </p:par>
+                            </p:childTnLst>
+                          </p:cTn>
+                        </p:par>
+                      </p:childTnLst>
+                    </p:cTn>
+                  </p:par>
+                  <p:par>
+                    <p:cTn id="38" fill="hold">
+                      <p:stCondLst>
+                        <p:cond delay="indefinite"/>
+                      </p:stCondLst>
+                      <p:childTnLst>
+                        <p:par>
+                          <p:cTn id="39" fill="hold">
+                            <p:stCondLst>
+                              <p:cond delay="0"/>
+                            </p:stCondLst>
+                            <p:childTnLst>
+                              <p:par>
+                                <p:cTn id="40" presetID="10" presetClass="entr" presetSubtype="0" fill="hold" nodeType="clickEffect">
+                                  <p:stCondLst>
+                                    <p:cond delay="0"/>
+                                  </p:stCondLst>
+                                  <p:childTnLst>
+                                    <p:set>
+                                      <p:cBhvr>
+                                        <p:cTn id="41" dur="1" fill="hold">
+                                          <p:stCondLst>
+                                            <p:cond delay="0"/>
+                                          </p:stCondLst>
+                                        </p:cTn>
+                                        <p:tgtEl>
+                                          <p:spTgt spid="3">
+                                            <p:txEl>
+                                              <p:pRg st="7" end="7"/>
+                                            </p:txEl>
+                                          </p:spTgt>
+                                        </p:tgtEl>
+                                        <p:attrNameLst>
+                                          <p:attrName>style.visibility</p:attrName>
+                                        </p:attrNameLst>
+                                      </p:cBhvr>
+                                      <p:to>
+                                        <p:strVal val="visible"/>
+                                      </p:to>
+                                    </p:set>
+                                    <p:animEffect transition="in" filter="fade">
+                                      <p:cBhvr>
+                                        <p:cTn id="42" dur="500"/>
+                                        <p:tgtEl>
+                                          <p:spTgt spid="3">
+                                            <p:txEl>
+                                              <p:pRg st="7" end="7"/>
+                                            </p:txEl>
+                                          </p:spTgt>
+                                        </p:tgtEl>
+                                      </p:cBhvr>
+                                    </p:animEffect>
+                                  </p:childTnLst>
+                                </p:cTn>
+                              </p:par>
+                            </p:childTnLst>
+                          </p:cTn>
+                        </p:par>
+                      </p:childTnLst>
+                    </p:cTn>
+                  </p:par>
+                  <p:par>
+                    <p:cTn id="43" fill="hold">
+                      <p:stCondLst>
+                        <p:cond delay="indefinite"/>
+                      </p:stCondLst>
+                      <p:childTnLst>
+                        <p:par>
+                          <p:cTn id="44" fill="hold">
+                            <p:stCondLst>
+                              <p:cond delay="0"/>
+                            </p:stCondLst>
+                            <p:childTnLst>
+                              <p:par>
+                                <p:cTn id="45" presetID="10" presetClass="entr" presetSubtype="0" fill="hold" nodeType="clickEffect">
+                                  <p:stCondLst>
+                                    <p:cond delay="0"/>
+                                  </p:stCondLst>
+                                  <p:childTnLst>
+                                    <p:set>
+                                      <p:cBhvr>
+                                        <p:cTn id="46" dur="1" fill="hold">
+                                          <p:stCondLst>
+                                            <p:cond delay="0"/>
+                                          </p:stCondLst>
+                                        </p:cTn>
+                                        <p:tgtEl>
+                                          <p:spTgt spid="3">
+                                            <p:txEl>
+                                              <p:pRg st="8" end="8"/>
+                                            </p:txEl>
+                                          </p:spTgt>
+                                        </p:tgtEl>
+                                        <p:attrNameLst>
+                                          <p:attrName>style.visibility</p:attrName>
+                                        </p:attrNameLst>
+                                      </p:cBhvr>
+                                      <p:to>
+                                        <p:strVal val="visible"/>
+                                      </p:to>
+                                    </p:set>
+                                    <p:animEffect transition="in" filter="fade">
+                                      <p:cBhvr>
+                                        <p:cTn id="47" dur="500"/>
+                                        <p:tgtEl>
+                                          <p:spTgt spid="3">
+                                            <p:txEl>
+                                              <p:pRg st="8" end="8"/>
+                                            </p:txEl>
+                                          </p:spTgt>
+                                        </p:tgtEl>
+                                      </p:cBhvr>
+                                    </p:animEffect>
+                                  </p:childTnLst>
+                                </p:cTn>
+                              </p:par>
+                            </p:childTnLst>
+                          </p:cTn>
+                        </p:par>
+                      </p:childTnLst>
+                    </p:cTn>
+                  </p:par>
+                </p:childTnLst>
+              </p:cTn>
+              <p:prevCondLst>
+                <p:cond evt="onPrev" delay="0">
+                  <p:tgtEl>
+                    <p:sldTgt/>
+                  </p:tgtEl>
+                </p:cond>
+              </p:prevCondLst>
+              <p:nextCondLst>
+                <p:cond evt="onNext" delay="0">
+                  <p:tgtEl>
+                    <p:sldTgt/>
+                  </p:tgtEl>
+                </p:cond>
+              </p:nextCondLst>
+            </p:seq>
+          </p:childTnLst>
+        </p:cTn>
+      </p:par>
+    </p:tnLst>
+  </p:timing>
 </p:sld>
 </file>
 
@@ -30879,10 +31001,9 @@
           <a:lstStyle/>
           <a:p>
             <a:r>
-              <a:rPr lang="de-DE" sz="5400" dirty="0"/>
-              <a:t>GNU GPLv2 Lizenz</a:t>
-            </a:r>
-            <a:endParaRPr lang="en-US" dirty="0"/>
+              <a:rPr lang="en-US" dirty="0"/>
+              <a:t>SHA1-Prüfsummen</a:t>
+            </a:r>
           </a:p>
         </p:txBody>
       </p:sp>
@@ -30911,63 +31032,48 @@
             <a:pPr lvl="1"/>
             <a:r>
               <a:rPr lang="de-DE" dirty="0"/>
-              <a:t>GNU GPL: </a:t>
-            </a:r>
-          </a:p>
-          <a:p>
-            <a:pPr lvl="2"/>
+              <a:t>Prüfsummen Funktion</a:t>
+            </a:r>
+          </a:p>
+          <a:p>
+            <a:pPr lvl="1"/>
             <a:r>
               <a:rPr lang="de-DE" dirty="0"/>
-              <a:t>Erlaubt Software auszuführen, zu studieren, zu ändern und zu verbreiten</a:t>
-            </a:r>
-          </a:p>
-          <a:p>
-            <a:pPr lvl="2"/>
+              <a:t>Aus beliebigen Datenblöcken Prüfwerte bildbar (bei </a:t>
+            </a:r>
+            <a:r>
+              <a:rPr lang="de-DE" dirty="0" err="1"/>
+              <a:t>Git</a:t>
+            </a:r>
             <a:r>
               <a:rPr lang="de-DE" dirty="0"/>
-              <a:t>-&gt; Freie Software</a:t>
-            </a:r>
-          </a:p>
-          <a:p>
-            <a:pPr lvl="2"/>
+              <a:t> auf Basis aller Daten – Inhalten der Dateien, Autor und Zeitpunkt)</a:t>
+            </a:r>
+          </a:p>
+          <a:p>
+            <a:pPr lvl="1"/>
             <a:r>
               <a:rPr lang="de-DE" dirty="0"/>
-              <a:t>Falls Software einem </a:t>
+              <a:t>Durch den Vergleich von Prüfwerten bei Sender und Empfänger wird sichergestellt, dass Nachrichten unverändert ankommen</a:t>
+            </a:r>
+          </a:p>
+          <a:p>
+            <a:pPr lvl="1"/>
+            <a:r>
+              <a:rPr lang="de-DE" dirty="0"/>
+              <a:t>ABER: es gibt mehrere Ausgangszahlen die die gleiche </a:t>
             </a:r>
             <a:r>
               <a:rPr lang="de-DE" dirty="0" err="1"/>
-              <a:t>Copyleft</a:t>
+              <a:t>Prüfzahl</a:t>
             </a:r>
             <a:r>
               <a:rPr lang="de-DE" dirty="0"/>
-              <a:t> unterliegt, müssen diese Rechte bei Weitergabe beibehalten werden</a:t>
-            </a:r>
-          </a:p>
-          <a:p>
-            <a:pPr lvl="2"/>
-            <a:r>
-              <a:rPr lang="de-DE" dirty="0"/>
-              <a:t>„Liberty </a:t>
-            </a:r>
-            <a:r>
-              <a:rPr lang="de-DE" dirty="0" err="1"/>
-              <a:t>or</a:t>
-            </a:r>
-            <a:r>
-              <a:rPr lang="de-DE" dirty="0"/>
-              <a:t> Death“-Klausel: Diese besagt, wenn es nicht möglich ist, einige Bedingungen der GNU GPL einzuhalten – beispielsweise wegen eines Gerichtsurteils – es untersagt ist, diese Lizenz nur bestmöglich zu erfüllen. In diesem Fall ist es also überhaupt nicht mehr möglich, die Software zu verbreiten.</a:t>
-            </a:r>
-          </a:p>
-          <a:p>
-            <a:pPr lvl="2"/>
-            <a:r>
-              <a:rPr lang="de-DE" dirty="0"/>
-              <a:t>Paragraph 8: Gültigkeit für einzelne Länder </a:t>
-            </a:r>
-            <a:r>
-              <a:rPr lang="de-DE" dirty="0" err="1"/>
-              <a:t>auschließbar</a:t>
-            </a:r>
+              <a:t> ergeben -&gt; ist an sich geknackt</a:t>
+            </a:r>
+          </a:p>
+          <a:p>
+            <a:pPr lvl="1"/>
             <a:endParaRPr lang="de-DE" dirty="0"/>
           </a:p>
           <a:p>
@@ -31026,6 +31132,203 @@
     </p:spTree>
     <p:extLst>
       <p:ext uri="{BB962C8B-B14F-4D97-AF65-F5344CB8AC3E}">
+        <p14:creationId xmlns:p14="http://schemas.microsoft.com/office/powerpoint/2010/main" val="3385004501"/>
+      </p:ext>
+    </p:extLst>
+  </p:cSld>
+  <p:clrMapOvr>
+    <a:masterClrMapping/>
+  </p:clrMapOvr>
+</p:sld>
+</file>
+
+<file path=ppt/slides/slide45.xml><?xml version="1.0" encoding="utf-8"?>
+<p:sld xmlns:a="http://schemas.openxmlformats.org/drawingml/2006/main" xmlns:r="http://schemas.openxmlformats.org/officeDocument/2006/relationships" xmlns:p="http://schemas.openxmlformats.org/presentationml/2006/main">
+  <p:cSld>
+    <p:spTree>
+      <p:nvGrpSpPr>
+        <p:cNvPr id="1" name=""/>
+        <p:cNvGrpSpPr/>
+        <p:nvPr/>
+      </p:nvGrpSpPr>
+      <p:grpSpPr>
+        <a:xfrm>
+          <a:off x="0" y="0"/>
+          <a:ext cx="0" cy="0"/>
+          <a:chOff x="0" y="0"/>
+          <a:chExt cx="0" cy="0"/>
+        </a:xfrm>
+      </p:grpSpPr>
+      <p:sp>
+        <p:nvSpPr>
+          <p:cNvPr id="2" name="Title 1"/>
+          <p:cNvSpPr>
+            <a:spLocks noGrp="1"/>
+          </p:cNvSpPr>
+          <p:nvPr>
+            <p:ph type="title"/>
+          </p:nvPr>
+        </p:nvSpPr>
+        <p:spPr>
+          <a:xfrm>
+            <a:off x="457200" y="704088"/>
+            <a:ext cx="8363272" cy="1143000"/>
+          </a:xfrm>
+        </p:spPr>
+        <p:txBody>
+          <a:bodyPr>
+            <a:normAutofit/>
+          </a:bodyPr>
+          <a:lstStyle/>
+          <a:p>
+            <a:r>
+              <a:rPr lang="de-DE" sz="5400" dirty="0"/>
+              <a:t>GNU GPLv2 Lizenz</a:t>
+            </a:r>
+            <a:endParaRPr lang="en-US" dirty="0"/>
+          </a:p>
+        </p:txBody>
+      </p:sp>
+      <p:sp>
+        <p:nvSpPr>
+          <p:cNvPr id="3" name="Content Placeholder 2"/>
+          <p:cNvSpPr>
+            <a:spLocks noGrp="1"/>
+          </p:cNvSpPr>
+          <p:nvPr>
+            <p:ph idx="1"/>
+          </p:nvPr>
+        </p:nvSpPr>
+        <p:spPr>
+          <a:xfrm>
+            <a:off x="457200" y="1935480"/>
+            <a:ext cx="8229600" cy="4517856"/>
+          </a:xfrm>
+        </p:spPr>
+        <p:txBody>
+          <a:bodyPr>
+            <a:normAutofit/>
+          </a:bodyPr>
+          <a:lstStyle/>
+          <a:p>
+            <a:pPr lvl="1"/>
+            <a:r>
+              <a:rPr lang="de-DE" dirty="0"/>
+              <a:t>GNU GPL: </a:t>
+            </a:r>
+          </a:p>
+          <a:p>
+            <a:pPr lvl="2"/>
+            <a:r>
+              <a:rPr lang="de-DE" dirty="0"/>
+              <a:t>Erlaubt Software auszuführen, zu studieren, zu ändern und zu verbreiten</a:t>
+            </a:r>
+          </a:p>
+          <a:p>
+            <a:pPr lvl="2"/>
+            <a:r>
+              <a:rPr lang="de-DE" dirty="0"/>
+              <a:t>-&gt; Freie Software</a:t>
+            </a:r>
+          </a:p>
+          <a:p>
+            <a:pPr lvl="2"/>
+            <a:r>
+              <a:rPr lang="de-DE" dirty="0"/>
+              <a:t>Falls Software einem </a:t>
+            </a:r>
+            <a:r>
+              <a:rPr lang="de-DE" dirty="0" err="1"/>
+              <a:t>Copyleft</a:t>
+            </a:r>
+            <a:r>
+              <a:rPr lang="de-DE" dirty="0"/>
+              <a:t> unterliegt, müssen diese Rechte bei Weitergabe beibehalten werden</a:t>
+            </a:r>
+          </a:p>
+          <a:p>
+            <a:pPr lvl="2"/>
+            <a:r>
+              <a:rPr lang="de-DE" dirty="0"/>
+              <a:t>„Liberty </a:t>
+            </a:r>
+            <a:r>
+              <a:rPr lang="de-DE" dirty="0" err="1"/>
+              <a:t>or</a:t>
+            </a:r>
+            <a:r>
+              <a:rPr lang="de-DE" dirty="0"/>
+              <a:t> Death“-Klausel: Diese besagt, wenn es nicht möglich ist, einige Bedingungen der GNU GPL einzuhalten – beispielsweise wegen eines Gerichtsurteils – es untersagt ist, diese Lizenz nur bestmöglich zu erfüllen. In diesem Fall ist es also überhaupt nicht mehr möglich, die Software zu verbreiten.</a:t>
+            </a:r>
+          </a:p>
+          <a:p>
+            <a:pPr lvl="2"/>
+            <a:r>
+              <a:rPr lang="de-DE" dirty="0"/>
+              <a:t>Paragraph 8: Gültigkeit für einzelne Länder </a:t>
+            </a:r>
+            <a:r>
+              <a:rPr lang="de-DE" dirty="0" err="1"/>
+              <a:t>auschließbar</a:t>
+            </a:r>
+            <a:endParaRPr lang="de-DE" dirty="0"/>
+          </a:p>
+          <a:p>
+            <a:pPr marL="393192" lvl="1" indent="0">
+              <a:buNone/>
+            </a:pPr>
+            <a:endParaRPr lang="de-DE" dirty="0"/>
+          </a:p>
+          <a:p>
+            <a:pPr lvl="1"/>
+            <a:endParaRPr lang="de-DE" dirty="0"/>
+          </a:p>
+          <a:p>
+            <a:pPr lvl="1"/>
+            <a:endParaRPr lang="de-DE" dirty="0"/>
+          </a:p>
+          <a:p>
+            <a:endParaRPr lang="de-DE" dirty="0"/>
+          </a:p>
+          <a:p>
+            <a:endParaRPr lang="de-DE" dirty="0"/>
+          </a:p>
+          <a:p>
+            <a:pPr lvl="1"/>
+            <a:endParaRPr lang="de-DE" dirty="0"/>
+          </a:p>
+          <a:p>
+            <a:pPr lvl="1"/>
+            <a:endParaRPr lang="de-DE" dirty="0"/>
+          </a:p>
+        </p:txBody>
+      </p:sp>
+      <p:sp>
+        <p:nvSpPr>
+          <p:cNvPr id="4" name="Foliennummernplatzhalter 3"/>
+          <p:cNvSpPr>
+            <a:spLocks noGrp="1"/>
+          </p:cNvSpPr>
+          <p:nvPr>
+            <p:ph type="sldNum" sz="quarter" idx="12"/>
+          </p:nvPr>
+        </p:nvSpPr>
+        <p:spPr/>
+        <p:txBody>
+          <a:bodyPr/>
+          <a:lstStyle/>
+          <a:p>
+            <a:fld id="{750AB064-513B-4E5C-9ADF-210709BEB955}" type="slidenum">
+              <a:rPr lang="en-US" smtClean="0"/>
+              <a:t>45</a:t>
+            </a:fld>
+            <a:endParaRPr lang="en-US"/>
+          </a:p>
+        </p:txBody>
+      </p:sp>
+    </p:spTree>
+    <p:extLst>
+      <p:ext uri="{BB962C8B-B14F-4D97-AF65-F5344CB8AC3E}">
         <p14:creationId xmlns:p14="http://schemas.microsoft.com/office/powerpoint/2010/main" val="3258573018"/>
       </p:ext>
     </p:extLst>
@@ -31036,7 +31339,7 @@
 </p:sld>
 </file>
 
-<file path=ppt/slides/slide45.xml><?xml version="1.0" encoding="utf-8"?>
+<file path=ppt/slides/slide46.xml><?xml version="1.0" encoding="utf-8"?>
 <p:sld xmlns:a="http://schemas.openxmlformats.org/drawingml/2006/main" xmlns:r="http://schemas.openxmlformats.org/officeDocument/2006/relationships" xmlns:p="http://schemas.openxmlformats.org/presentationml/2006/main" show="0">
   <p:cSld>
     <p:spTree>
@@ -31210,7 +31513,7 @@
           <a:p>
             <a:fld id="{750AB064-513B-4E5C-9ADF-210709BEB955}" type="slidenum">
               <a:rPr lang="en-US" smtClean="0"/>
-              <a:t>45</a:t>
+              <a:t>46</a:t>
             </a:fld>
             <a:endParaRPr lang="en-US"/>
           </a:p>

--- a/SS2017_Git_2017-04-27_Nina-Stodolka_Johannes-Struzek.pptx
+++ b/SS2017_Git_2017-04-27_Nina-Stodolka_Johannes-Struzek.pptx
@@ -26064,7 +26064,19 @@
             </a:r>
             <a:r>
               <a:rPr lang="en-US" dirty="0"/>
-              <a:t> (Travis CI)</a:t>
+              <a:t> (</a:t>
+            </a:r>
+            <a:r>
+              <a:rPr lang="en-US" dirty="0" err="1"/>
+              <a:t>CruiseControl</a:t>
+            </a:r>
+            <a:r>
+              <a:rPr lang="en-US" dirty="0"/>
+              <a:t>, Jenkins, </a:t>
+            </a:r>
+            <a:r>
+              <a:rPr lang="en-US" dirty="0"/>
+              <a:t>Travis CI)</a:t>
             </a:r>
           </a:p>
           <a:p>
@@ -27761,7 +27773,6 @@
               <a:rPr lang="de-DE" dirty="0"/>
               <a:t>“</a:t>
             </a:r>
-            <a:endParaRPr lang="de-DE" dirty="0"/>
           </a:p>
           <a:p>
             <a:pPr lvl="2"/>
@@ -29560,7 +29571,7 @@
         </p:spPr>
         <p:txBody>
           <a:bodyPr>
-            <a:normAutofit/>
+            <a:normAutofit fontScale="92500"/>
           </a:bodyPr>
           <a:lstStyle/>
           <a:p>
@@ -30040,7 +30051,6 @@
               <a:rPr lang="de-DE" sz="1100" dirty="0"/>
               <a:t>  vom 15.04.2017 </a:t>
             </a:r>
-            <a:endParaRPr lang="de-DE" sz="1100" dirty="0"/>
           </a:p>
           <a:p>
             <a:pPr lvl="1"/>
@@ -30101,12 +30111,80 @@
               <a:rPr lang="de-DE" sz="1100" dirty="0">
                 <a:hlinkClick r:id="rId18"/>
               </a:rPr>
-              <a:t>https://en.wikipedia.org/wiki/Build_automation</a:t>
+              <a:t>https://en.wikipedia.org/wiki/Build_automation vom 17.04.2017</a:t>
+            </a:r>
+            <a:endParaRPr lang="de-DE" sz="1100" dirty="0"/>
+          </a:p>
+          <a:p>
+            <a:pPr lvl="1"/>
+            <a:r>
+              <a:rPr lang="de-DE" sz="1100" dirty="0"/>
+              <a:t>Wikimedia </a:t>
+            </a:r>
+            <a:r>
+              <a:rPr lang="de-DE" sz="1100" dirty="0" err="1"/>
+              <a:t>Foundation</a:t>
+            </a:r>
+            <a:r>
+              <a:rPr lang="de-DE" sz="1100" dirty="0"/>
+              <a:t> Inc.</a:t>
+            </a:r>
+            <a:r>
+              <a:rPr lang="en-US" sz="1100" dirty="0"/>
+              <a:t>: </a:t>
+            </a:r>
+            <a:r>
+              <a:rPr lang="de-DE" sz="1100" dirty="0"/>
+              <a:t>Travis CI</a:t>
+            </a:r>
+            <a:r>
+              <a:rPr lang="en-US" sz="1100" dirty="0"/>
+              <a:t>, </a:t>
+            </a:r>
+            <a:r>
+              <a:rPr lang="de-DE" sz="1100" dirty="0"/>
+              <a:t>URL: </a:t>
+            </a:r>
+            <a:r>
+              <a:rPr lang="de-DE" sz="1100" u="sng" dirty="0">
+                <a:hlinkClick r:id="rId19"/>
+              </a:rPr>
+              <a:t>https://de.wikipedia.org/wiki/Travis_CI</a:t>
+            </a:r>
+            <a:r>
+              <a:rPr lang="de-DE" sz="1100" dirty="0"/>
+              <a:t> vom 17.04.2017 </a:t>
+            </a:r>
+          </a:p>
+          <a:p>
+            <a:pPr lvl="1"/>
+            <a:r>
+              <a:rPr lang="de-DE" sz="1100" dirty="0"/>
+              <a:t>Software &amp; Support Media GmbH: CI-Server im Vergleich: Jenkins vs. </a:t>
+            </a:r>
+            <a:r>
+              <a:rPr lang="de-DE" sz="1100" dirty="0" err="1"/>
+              <a:t>CruiseControl</a:t>
+            </a:r>
+            <a:r>
+              <a:rPr lang="de-DE" sz="1100" dirty="0"/>
+              <a:t> vs. Travis</a:t>
+            </a:r>
+            <a:r>
+              <a:rPr lang="de-DE" sz="1100" b="1" dirty="0"/>
+              <a:t> </a:t>
+            </a:r>
+            <a:r>
+              <a:rPr lang="de-DE" sz="1100" dirty="0">
+                <a:hlinkClick r:id="rId20"/>
+              </a:rPr>
+              <a:t>https://jaxenter.de/ci-server-im-vergleich-jenkins-vs-cruisecontrol-vs-travis-38081</a:t>
             </a:r>
             <a:r>
               <a:rPr lang="de-DE" sz="1100" dirty="0"/>
               <a:t> vom 17.04.2017</a:t>
             </a:r>
+            <a:endParaRPr lang="de-DE" sz="1100" dirty="0"/>
           </a:p>
         </p:txBody>
       </p:sp>
